--- a/poster.pptx
+++ b/poster.pptx
@@ -4181,6 +4181,1177 @@
           <a:chExt cx="0" cy="0"/>
         </a:xfrm>
       </p:grpSpPr>
+      <p:pic>
+        <p:nvPicPr>
+          <p:cNvPr id="25" name="Picture 3" descr="D:\projects\sim\presentation\isf.png"/>
+          <p:cNvPicPr>
+            <a:picLocks noChangeAspect="1" noChangeArrowheads="1"/>
+          </p:cNvPicPr>
+          <p:nvPr/>
+        </p:nvPicPr>
+        <p:blipFill>
+          <a:blip r:embed="rId4">
+            <a:extLst>
+              <a:ext uri="{28A0092B-C50C-407E-A947-70E740481C1C}">
+                <a14:useLocalDpi xmlns:a14="http://schemas.microsoft.com/office/drawing/2010/main" val="0"/>
+              </a:ext>
+            </a:extLst>
+          </a:blip>
+          <a:srcRect/>
+          <a:stretch>
+            <a:fillRect/>
+          </a:stretch>
+        </p:blipFill>
+        <p:spPr bwMode="auto">
+          <a:xfrm>
+            <a:off x="23675975" y="40461177"/>
+            <a:ext cx="2103070" cy="1800000"/>
+          </a:xfrm>
+          <a:prstGeom prst="rect">
+            <a:avLst/>
+          </a:prstGeom>
+          <a:noFill/>
+          <a:extLst>
+            <a:ext uri="{909E8E84-426E-40DD-AFC4-6F175D3DCCD1}">
+              <a14:hiddenFill xmlns:a14="http://schemas.microsoft.com/office/drawing/2010/main">
+                <a:solidFill>
+                  <a:srgbClr val="FFFFFF"/>
+                </a:solidFill>
+              </a14:hiddenFill>
+            </a:ext>
+          </a:extLst>
+        </p:spPr>
+      </p:pic>
+      <p:pic>
+        <p:nvPicPr>
+          <p:cNvPr id="1052" name="Picture 28" descr="D:\workspace\curveball_project\gh-pages\img\logo_200px.png"/>
+          <p:cNvPicPr>
+            <a:picLocks noChangeAspect="1" noChangeArrowheads="1"/>
+          </p:cNvPicPr>
+          <p:nvPr/>
+        </p:nvPicPr>
+        <p:blipFill>
+          <a:blip r:embed="rId5">
+            <a:extLst>
+              <a:ext uri="{28A0092B-C50C-407E-A947-70E740481C1C}">
+                <a14:useLocalDpi xmlns:a14="http://schemas.microsoft.com/office/drawing/2010/main" val="0"/>
+              </a:ext>
+            </a:extLst>
+          </a:blip>
+          <a:srcRect/>
+          <a:stretch>
+            <a:fillRect/>
+          </a:stretch>
+        </p:blipFill>
+        <p:spPr bwMode="auto">
+          <a:xfrm>
+            <a:off x="13204974" y="39644822"/>
+            <a:ext cx="2540000" cy="2540000"/>
+          </a:xfrm>
+          <a:prstGeom prst="rect">
+            <a:avLst/>
+          </a:prstGeom>
+          <a:noFill/>
+          <a:extLst>
+            <a:ext uri="{909E8E84-426E-40DD-AFC4-6F175D3DCCD1}">
+              <a14:hiddenFill xmlns:a14="http://schemas.microsoft.com/office/drawing/2010/main">
+                <a:solidFill>
+                  <a:srgbClr val="FFFFFF"/>
+                </a:solidFill>
+              </a14:hiddenFill>
+            </a:ext>
+          </a:extLst>
+        </p:spPr>
+      </p:pic>
+      <p:sp>
+        <p:nvSpPr>
+          <p:cNvPr id="14343" name="Text Box 13"/>
+          <p:cNvSpPr txBox="1">
+            <a:spLocks noChangeArrowheads="1"/>
+          </p:cNvSpPr>
+          <p:nvPr/>
+        </p:nvSpPr>
+        <p:spPr bwMode="auto">
+          <a:xfrm>
+            <a:off x="20610513" y="7550150"/>
+            <a:ext cx="8458200" cy="26530300"/>
+          </a:xfrm>
+          <a:prstGeom prst="rect">
+            <a:avLst/>
+          </a:prstGeom>
+          <a:solidFill>
+            <a:schemeClr val="bg1"/>
+          </a:solidFill>
+          <a:ln w="38100">
+            <a:solidFill>
+              <a:srgbClr val="000000"/>
+            </a:solidFill>
+            <a:round/>
+            <a:headEnd/>
+            <a:tailEnd/>
+          </a:ln>
+        </p:spPr>
+        <p:txBody>
+          <a:bodyPr lIns="802806" tIns="401404" rIns="802806" bIns="802806"/>
+          <a:lstStyle>
+            <a:lvl1pPr eaLnBrk="0" hangingPunct="0">
+              <a:tabLst>
+                <a:tab pos="635000" algn="l"/>
+              </a:tabLst>
+              <a:defRPr sz="2800">
+                <a:solidFill>
+                  <a:schemeClr val="tx1"/>
+                </a:solidFill>
+                <a:latin typeface="Helvetica" pitchFamily="124" charset="0"/>
+                <a:ea typeface="MS PGothic" pitchFamily="34" charset="-128"/>
+              </a:defRPr>
+            </a:lvl1pPr>
+            <a:lvl2pPr marL="742950" indent="-285750" eaLnBrk="0" hangingPunct="0">
+              <a:tabLst>
+                <a:tab pos="635000" algn="l"/>
+              </a:tabLst>
+              <a:defRPr sz="2800">
+                <a:solidFill>
+                  <a:schemeClr val="tx1"/>
+                </a:solidFill>
+                <a:latin typeface="Helvetica" pitchFamily="124" charset="0"/>
+                <a:ea typeface="MS PGothic" pitchFamily="34" charset="-128"/>
+              </a:defRPr>
+            </a:lvl2pPr>
+            <a:lvl3pPr marL="1143000" indent="-228600" eaLnBrk="0" hangingPunct="0">
+              <a:tabLst>
+                <a:tab pos="635000" algn="l"/>
+              </a:tabLst>
+              <a:defRPr sz="2800">
+                <a:solidFill>
+                  <a:schemeClr val="tx1"/>
+                </a:solidFill>
+                <a:latin typeface="Helvetica" pitchFamily="124" charset="0"/>
+                <a:ea typeface="MS PGothic" pitchFamily="34" charset="-128"/>
+              </a:defRPr>
+            </a:lvl3pPr>
+            <a:lvl4pPr marL="1600200" indent="-228600" eaLnBrk="0" hangingPunct="0">
+              <a:tabLst>
+                <a:tab pos="635000" algn="l"/>
+              </a:tabLst>
+              <a:defRPr sz="2800">
+                <a:solidFill>
+                  <a:schemeClr val="tx1"/>
+                </a:solidFill>
+                <a:latin typeface="Helvetica" pitchFamily="124" charset="0"/>
+                <a:ea typeface="MS PGothic" pitchFamily="34" charset="-128"/>
+              </a:defRPr>
+            </a:lvl4pPr>
+            <a:lvl5pPr marL="2057400" indent="-228600" eaLnBrk="0" hangingPunct="0">
+              <a:tabLst>
+                <a:tab pos="635000" algn="l"/>
+              </a:tabLst>
+              <a:defRPr sz="2800">
+                <a:solidFill>
+                  <a:schemeClr val="tx1"/>
+                </a:solidFill>
+                <a:latin typeface="Helvetica" pitchFamily="124" charset="0"/>
+                <a:ea typeface="MS PGothic" pitchFamily="34" charset="-128"/>
+              </a:defRPr>
+            </a:lvl5pPr>
+            <a:lvl6pPr marL="2514600" indent="-228600" algn="l" rtl="0" eaLnBrk="0" fontAlgn="base" hangingPunct="0">
+              <a:spcBef>
+                <a:spcPct val="0"/>
+              </a:spcBef>
+              <a:spcAft>
+                <a:spcPct val="0"/>
+              </a:spcAft>
+              <a:tabLst>
+                <a:tab pos="635000" algn="l"/>
+              </a:tabLst>
+              <a:defRPr sz="2800">
+                <a:solidFill>
+                  <a:schemeClr val="tx1"/>
+                </a:solidFill>
+                <a:latin typeface="Helvetica" pitchFamily="124" charset="0"/>
+                <a:ea typeface="MS PGothic" pitchFamily="34" charset="-128"/>
+              </a:defRPr>
+            </a:lvl6pPr>
+            <a:lvl7pPr marL="2971800" indent="-228600" algn="l" rtl="0" eaLnBrk="0" fontAlgn="base" hangingPunct="0">
+              <a:spcBef>
+                <a:spcPct val="0"/>
+              </a:spcBef>
+              <a:spcAft>
+                <a:spcPct val="0"/>
+              </a:spcAft>
+              <a:tabLst>
+                <a:tab pos="635000" algn="l"/>
+              </a:tabLst>
+              <a:defRPr sz="2800">
+                <a:solidFill>
+                  <a:schemeClr val="tx1"/>
+                </a:solidFill>
+                <a:latin typeface="Helvetica" pitchFamily="124" charset="0"/>
+                <a:ea typeface="MS PGothic" pitchFamily="34" charset="-128"/>
+              </a:defRPr>
+            </a:lvl7pPr>
+            <a:lvl8pPr marL="3429000" indent="-228600" algn="l" rtl="0" eaLnBrk="0" fontAlgn="base" hangingPunct="0">
+              <a:spcBef>
+                <a:spcPct val="0"/>
+              </a:spcBef>
+              <a:spcAft>
+                <a:spcPct val="0"/>
+              </a:spcAft>
+              <a:tabLst>
+                <a:tab pos="635000" algn="l"/>
+              </a:tabLst>
+              <a:defRPr sz="2800">
+                <a:solidFill>
+                  <a:schemeClr val="tx1"/>
+                </a:solidFill>
+                <a:latin typeface="Helvetica" pitchFamily="124" charset="0"/>
+                <a:ea typeface="MS PGothic" pitchFamily="34" charset="-128"/>
+              </a:defRPr>
+            </a:lvl8pPr>
+            <a:lvl9pPr marL="3886200" indent="-228600" algn="l" rtl="0" eaLnBrk="0" fontAlgn="base" hangingPunct="0">
+              <a:spcBef>
+                <a:spcPct val="0"/>
+              </a:spcBef>
+              <a:spcAft>
+                <a:spcPct val="0"/>
+              </a:spcAft>
+              <a:tabLst>
+                <a:tab pos="635000" algn="l"/>
+              </a:tabLst>
+              <a:defRPr sz="2800">
+                <a:solidFill>
+                  <a:schemeClr val="tx1"/>
+                </a:solidFill>
+                <a:latin typeface="Helvetica" pitchFamily="124" charset="0"/>
+                <a:ea typeface="MS PGothic" pitchFamily="34" charset="-128"/>
+              </a:defRPr>
+            </a:lvl9pPr>
+          </a:lstStyle>
+          <a:p>
+            <a:pPr eaLnBrk="1" hangingPunct="1">
+              <a:spcBef>
+                <a:spcPct val="50000"/>
+              </a:spcBef>
+            </a:pPr>
+            <a:r>
+              <a:rPr lang="en-US" altLang="he-IL" sz="3900" b="1" dirty="0" smtClean="0">
+                <a:solidFill>
+                  <a:srgbClr val="000000"/>
+                </a:solidFill>
+                <a:latin typeface="Calibri" pitchFamily="34" charset="0"/>
+              </a:rPr>
+              <a:t>Testing the model</a:t>
+            </a:r>
+            <a:endParaRPr lang="en-US" altLang="he-IL" sz="3900" b="1" dirty="0">
+              <a:solidFill>
+                <a:srgbClr val="000000"/>
+              </a:solidFill>
+              <a:latin typeface="Calibri" pitchFamily="34" charset="0"/>
+            </a:endParaRPr>
+          </a:p>
+          <a:p>
+            <a:pPr eaLnBrk="1" hangingPunct="1">
+              <a:spcBef>
+                <a:spcPct val="10000"/>
+              </a:spcBef>
+            </a:pPr>
+            <a:r>
+              <a:rPr lang="en-US" altLang="he-IL" sz="2500" dirty="0">
+                <a:latin typeface="Times New Roman" pitchFamily="18" charset="0"/>
+              </a:rPr>
+              <a:t>Blah, blah, blah</a:t>
+            </a:r>
+          </a:p>
+        </p:txBody>
+      </p:sp>
+      <p:pic>
+        <p:nvPicPr>
+          <p:cNvPr id="1051" name="Picture 27"/>
+          <p:cNvPicPr>
+            <a:picLocks noChangeAspect="1" noChangeArrowheads="1"/>
+          </p:cNvPicPr>
+          <p:nvPr/>
+        </p:nvPicPr>
+        <p:blipFill>
+          <a:blip r:embed="rId6">
+            <a:extLst>
+              <a:ext uri="{28A0092B-C50C-407E-A947-70E740481C1C}">
+                <a14:useLocalDpi xmlns:a14="http://schemas.microsoft.com/office/drawing/2010/main" val="0"/>
+              </a:ext>
+            </a:extLst>
+          </a:blip>
+          <a:srcRect/>
+          <a:stretch>
+            <a:fillRect/>
+          </a:stretch>
+        </p:blipFill>
+        <p:spPr bwMode="auto">
+          <a:xfrm>
+            <a:off x="24422720" y="11931277"/>
+            <a:ext cx="4444320" cy="3122810"/>
+          </a:xfrm>
+          <a:prstGeom prst="rect">
+            <a:avLst/>
+          </a:prstGeom>
+          <a:noFill/>
+          <a:ln>
+            <a:noFill/>
+          </a:ln>
+          <a:effectLst/>
+          <a:extLst>
+            <a:ext uri="{909E8E84-426E-40DD-AFC4-6F175D3DCCD1}">
+              <a14:hiddenFill xmlns:a14="http://schemas.microsoft.com/office/drawing/2010/main">
+                <a:solidFill>
+                  <a:schemeClr val="accent1"/>
+                </a:solidFill>
+              </a14:hiddenFill>
+            </a:ext>
+            <a:ext uri="{91240B29-F687-4F45-9708-019B960494DF}">
+              <a14:hiddenLine xmlns:a14="http://schemas.microsoft.com/office/drawing/2010/main" w="9525">
+                <a:solidFill>
+                  <a:schemeClr val="tx1"/>
+                </a:solidFill>
+                <a:miter lim="800000"/>
+                <a:headEnd/>
+                <a:tailEnd/>
+              </a14:hiddenLine>
+            </a:ext>
+            <a:ext uri="{AF507438-7753-43E0-B8FC-AC1667EBCBE1}">
+              <a14:hiddenEffects xmlns:a14="http://schemas.microsoft.com/office/drawing/2010/main">
+                <a:effectLst>
+                  <a:outerShdw dist="35921" dir="2700000" algn="ctr" rotWithShape="0">
+                    <a:schemeClr val="bg2"/>
+                  </a:outerShdw>
+                </a:effectLst>
+              </a14:hiddenEffects>
+            </a:ext>
+          </a:extLst>
+        </p:spPr>
+      </p:pic>
+      <mc:AlternateContent xmlns:mc="http://schemas.openxmlformats.org/markup-compatibility/2006">
+        <mc:Choice xmlns:a14="http://schemas.microsoft.com/office/drawing/2010/main" Requires="a14">
+          <p:sp>
+            <p:nvSpPr>
+              <p:cNvPr id="51" name="Text Box 11"/>
+              <p:cNvSpPr txBox="1">
+                <a:spLocks noChangeArrowheads="1"/>
+              </p:cNvSpPr>
+              <p:nvPr/>
+            </p:nvSpPr>
+            <p:spPr bwMode="auto">
+              <a:xfrm>
+                <a:off x="11225433" y="19716750"/>
+                <a:ext cx="8458200" cy="14363700"/>
+              </a:xfrm>
+              <a:prstGeom prst="rect">
+                <a:avLst/>
+              </a:prstGeom>
+              <a:solidFill>
+                <a:schemeClr val="bg1"/>
+              </a:solidFill>
+              <a:ln w="38100">
+                <a:solidFill>
+                  <a:srgbClr val="000000"/>
+                </a:solidFill>
+                <a:round/>
+                <a:headEnd/>
+                <a:tailEnd/>
+              </a:ln>
+            </p:spPr>
+            <p:txBody>
+              <a:bodyPr lIns="802806" tIns="401404" rIns="802806" bIns="802806"/>
+              <a:lstStyle>
+                <a:lvl1pPr eaLnBrk="0" hangingPunct="0">
+                  <a:tabLst>
+                    <a:tab pos="508000" algn="l"/>
+                  </a:tabLst>
+                  <a:defRPr sz="2800">
+                    <a:solidFill>
+                      <a:schemeClr val="tx1"/>
+                    </a:solidFill>
+                    <a:latin typeface="Helvetica" pitchFamily="124" charset="0"/>
+                    <a:ea typeface="MS PGothic" pitchFamily="34" charset="-128"/>
+                  </a:defRPr>
+                </a:lvl1pPr>
+                <a:lvl2pPr marL="742950" indent="-285750" eaLnBrk="0" hangingPunct="0">
+                  <a:tabLst>
+                    <a:tab pos="508000" algn="l"/>
+                  </a:tabLst>
+                  <a:defRPr sz="2800">
+                    <a:solidFill>
+                      <a:schemeClr val="tx1"/>
+                    </a:solidFill>
+                    <a:latin typeface="Helvetica" pitchFamily="124" charset="0"/>
+                    <a:ea typeface="MS PGothic" pitchFamily="34" charset="-128"/>
+                  </a:defRPr>
+                </a:lvl2pPr>
+                <a:lvl3pPr marL="1143000" indent="-228600" eaLnBrk="0" hangingPunct="0">
+                  <a:tabLst>
+                    <a:tab pos="508000" algn="l"/>
+                  </a:tabLst>
+                  <a:defRPr sz="2800">
+                    <a:solidFill>
+                      <a:schemeClr val="tx1"/>
+                    </a:solidFill>
+                    <a:latin typeface="Helvetica" pitchFamily="124" charset="0"/>
+                    <a:ea typeface="MS PGothic" pitchFamily="34" charset="-128"/>
+                  </a:defRPr>
+                </a:lvl3pPr>
+                <a:lvl4pPr marL="1600200" indent="-228600" eaLnBrk="0" hangingPunct="0">
+                  <a:tabLst>
+                    <a:tab pos="508000" algn="l"/>
+                  </a:tabLst>
+                  <a:defRPr sz="2800">
+                    <a:solidFill>
+                      <a:schemeClr val="tx1"/>
+                    </a:solidFill>
+                    <a:latin typeface="Helvetica" pitchFamily="124" charset="0"/>
+                    <a:ea typeface="MS PGothic" pitchFamily="34" charset="-128"/>
+                  </a:defRPr>
+                </a:lvl4pPr>
+                <a:lvl5pPr marL="2057400" indent="-228600" eaLnBrk="0" hangingPunct="0">
+                  <a:tabLst>
+                    <a:tab pos="508000" algn="l"/>
+                  </a:tabLst>
+                  <a:defRPr sz="2800">
+                    <a:solidFill>
+                      <a:schemeClr val="tx1"/>
+                    </a:solidFill>
+                    <a:latin typeface="Helvetica" pitchFamily="124" charset="0"/>
+                    <a:ea typeface="MS PGothic" pitchFamily="34" charset="-128"/>
+                  </a:defRPr>
+                </a:lvl5pPr>
+                <a:lvl6pPr marL="2514600" indent="-228600" algn="l" rtl="0" eaLnBrk="0" fontAlgn="base" hangingPunct="0">
+                  <a:spcBef>
+                    <a:spcPct val="0"/>
+                  </a:spcBef>
+                  <a:spcAft>
+                    <a:spcPct val="0"/>
+                  </a:spcAft>
+                  <a:tabLst>
+                    <a:tab pos="508000" algn="l"/>
+                  </a:tabLst>
+                  <a:defRPr sz="2800">
+                    <a:solidFill>
+                      <a:schemeClr val="tx1"/>
+                    </a:solidFill>
+                    <a:latin typeface="Helvetica" pitchFamily="124" charset="0"/>
+                    <a:ea typeface="MS PGothic" pitchFamily="34" charset="-128"/>
+                  </a:defRPr>
+                </a:lvl6pPr>
+                <a:lvl7pPr marL="2971800" indent="-228600" algn="l" rtl="0" eaLnBrk="0" fontAlgn="base" hangingPunct="0">
+                  <a:spcBef>
+                    <a:spcPct val="0"/>
+                  </a:spcBef>
+                  <a:spcAft>
+                    <a:spcPct val="0"/>
+                  </a:spcAft>
+                  <a:tabLst>
+                    <a:tab pos="508000" algn="l"/>
+                  </a:tabLst>
+                  <a:defRPr sz="2800">
+                    <a:solidFill>
+                      <a:schemeClr val="tx1"/>
+                    </a:solidFill>
+                    <a:latin typeface="Helvetica" pitchFamily="124" charset="0"/>
+                    <a:ea typeface="MS PGothic" pitchFamily="34" charset="-128"/>
+                  </a:defRPr>
+                </a:lvl7pPr>
+                <a:lvl8pPr marL="3429000" indent="-228600" algn="l" rtl="0" eaLnBrk="0" fontAlgn="base" hangingPunct="0">
+                  <a:spcBef>
+                    <a:spcPct val="0"/>
+                  </a:spcBef>
+                  <a:spcAft>
+                    <a:spcPct val="0"/>
+                  </a:spcAft>
+                  <a:tabLst>
+                    <a:tab pos="508000" algn="l"/>
+                  </a:tabLst>
+                  <a:defRPr sz="2800">
+                    <a:solidFill>
+                      <a:schemeClr val="tx1"/>
+                    </a:solidFill>
+                    <a:latin typeface="Helvetica" pitchFamily="124" charset="0"/>
+                    <a:ea typeface="MS PGothic" pitchFamily="34" charset="-128"/>
+                  </a:defRPr>
+                </a:lvl8pPr>
+                <a:lvl9pPr marL="3886200" indent="-228600" algn="l" rtl="0" eaLnBrk="0" fontAlgn="base" hangingPunct="0">
+                  <a:spcBef>
+                    <a:spcPct val="0"/>
+                  </a:spcBef>
+                  <a:spcAft>
+                    <a:spcPct val="0"/>
+                  </a:spcAft>
+                  <a:tabLst>
+                    <a:tab pos="508000" algn="l"/>
+                  </a:tabLst>
+                  <a:defRPr sz="2800">
+                    <a:solidFill>
+                      <a:schemeClr val="tx1"/>
+                    </a:solidFill>
+                    <a:latin typeface="Helvetica" pitchFamily="124" charset="0"/>
+                    <a:ea typeface="MS PGothic" pitchFamily="34" charset="-128"/>
+                  </a:defRPr>
+                </a:lvl9pPr>
+              </a:lstStyle>
+              <a:p>
+                <a:pPr algn="just" eaLnBrk="1" hangingPunct="1">
+                  <a:spcBef>
+                    <a:spcPct val="50000"/>
+                  </a:spcBef>
+                </a:pPr>
+                <a:r>
+                  <a:rPr lang="en-US" altLang="he-IL" sz="3900" b="1" dirty="0" smtClean="0">
+                    <a:solidFill>
+                      <a:srgbClr val="000000"/>
+                    </a:solidFill>
+                    <a:latin typeface="Calibri" pitchFamily="34" charset="0"/>
+                  </a:rPr>
+                  <a:t>Selection estimation</a:t>
+                </a:r>
+                <a:endParaRPr lang="en-US" altLang="he-IL" sz="2100" dirty="0">
+                  <a:latin typeface="Times New Roman" pitchFamily="18" charset="0"/>
+                </a:endParaRPr>
+              </a:p>
+              <a:p>
+                <a:pPr eaLnBrk="1" hangingPunct="1">
+                  <a:spcBef>
+                    <a:spcPct val="10000"/>
+                  </a:spcBef>
+                </a:pPr>
+                <a:r>
+                  <a:rPr lang="en-US" altLang="he-IL" sz="2500" dirty="0" smtClean="0">
+                    <a:latin typeface="Times New Roman" pitchFamily="18" charset="0"/>
+                  </a:rPr>
+                  <a:t>Kimura and Crow 1970:</a:t>
+                </a:r>
+              </a:p>
+              <a:p>
+                <a:pPr eaLnBrk="1" hangingPunct="1">
+                  <a:spcBef>
+                    <a:spcPct val="10000"/>
+                  </a:spcBef>
+                </a:pPr>
+                <a14:m>
+                  <m:oMathPara xmlns:m="http://schemas.openxmlformats.org/officeDocument/2006/math">
+                    <m:oMathParaPr>
+                      <m:jc m:val="centerGroup"/>
+                    </m:oMathParaPr>
+                    <m:oMath xmlns:m="http://schemas.openxmlformats.org/officeDocument/2006/math">
+                      <m:r>
+                        <a:rPr lang="en-US" altLang="he-IL" sz="2500" b="0" i="1" smtClean="0">
+                          <a:latin typeface="Cambria Math"/>
+                        </a:rPr>
+                        <m:t>𝑝</m:t>
+                      </m:r>
+                      <m:d>
+                        <m:dPr>
+                          <m:ctrlPr>
+                            <a:rPr lang="en-US" altLang="he-IL" sz="2500" b="0" i="1" smtClean="0">
+                              <a:latin typeface="Cambria Math"/>
+                            </a:rPr>
+                          </m:ctrlPr>
+                        </m:dPr>
+                        <m:e>
+                          <m:r>
+                            <a:rPr lang="en-US" altLang="he-IL" sz="2500" b="0" i="1" smtClean="0">
+                              <a:latin typeface="Cambria Math"/>
+                            </a:rPr>
+                            <m:t>𝑡</m:t>
+                          </m:r>
+                        </m:e>
+                      </m:d>
+                      <m:r>
+                        <a:rPr lang="en-US" altLang="he-IL" sz="2500" b="0" i="1" smtClean="0">
+                          <a:latin typeface="Cambria Math"/>
+                        </a:rPr>
+                        <m:t>=</m:t>
+                      </m:r>
+                      <m:f>
+                        <m:fPr>
+                          <m:ctrlPr>
+                            <a:rPr lang="en-US" altLang="he-IL" sz="2500" b="0" i="1" smtClean="0">
+                              <a:latin typeface="Cambria Math"/>
+                            </a:rPr>
+                          </m:ctrlPr>
+                        </m:fPr>
+                        <m:num>
+                          <m:sSub>
+                            <m:sSubPr>
+                              <m:ctrlPr>
+                                <a:rPr lang="en-US" altLang="he-IL" sz="2500" b="0" i="1" smtClean="0">
+                                  <a:latin typeface="Cambria Math"/>
+                                </a:rPr>
+                              </m:ctrlPr>
+                            </m:sSubPr>
+                            <m:e>
+                              <m:r>
+                                <a:rPr lang="en-US" altLang="he-IL" sz="2500" b="0" i="1" smtClean="0">
+                                  <a:latin typeface="Cambria Math"/>
+                                </a:rPr>
+                                <m:t>𝑝</m:t>
+                              </m:r>
+                            </m:e>
+                            <m:sub>
+                              <m:r>
+                                <a:rPr lang="en-US" altLang="he-IL" sz="2500" b="0" i="1" smtClean="0">
+                                  <a:latin typeface="Cambria Math"/>
+                                </a:rPr>
+                                <m:t>0</m:t>
+                              </m:r>
+                            </m:sub>
+                          </m:sSub>
+                        </m:num>
+                        <m:den>
+                          <m:sSub>
+                            <m:sSubPr>
+                              <m:ctrlPr>
+                                <a:rPr lang="en-US" altLang="he-IL" sz="2500" b="0" i="1" smtClean="0">
+                                  <a:latin typeface="Cambria Math"/>
+                                </a:rPr>
+                              </m:ctrlPr>
+                            </m:sSubPr>
+                            <m:e>
+                              <m:r>
+                                <a:rPr lang="en-US" altLang="he-IL" sz="2500" b="0" i="1" smtClean="0">
+                                  <a:latin typeface="Cambria Math"/>
+                                </a:rPr>
+                                <m:t>𝑝</m:t>
+                              </m:r>
+                            </m:e>
+                            <m:sub>
+                              <m:r>
+                                <a:rPr lang="en-US" altLang="he-IL" sz="2500" b="0" i="1" smtClean="0">
+                                  <a:latin typeface="Cambria Math"/>
+                                </a:rPr>
+                                <m:t>0</m:t>
+                              </m:r>
+                            </m:sub>
+                          </m:sSub>
+                          <m:r>
+                            <a:rPr lang="en-US" altLang="he-IL" sz="2500" b="0" i="1" smtClean="0">
+                              <a:latin typeface="Cambria Math"/>
+                            </a:rPr>
+                            <m:t>+</m:t>
+                          </m:r>
+                          <m:d>
+                            <m:dPr>
+                              <m:ctrlPr>
+                                <a:rPr lang="en-US" altLang="he-IL" sz="2500" b="0" i="1" smtClean="0">
+                                  <a:latin typeface="Cambria Math"/>
+                                </a:rPr>
+                              </m:ctrlPr>
+                            </m:dPr>
+                            <m:e>
+                              <m:r>
+                                <a:rPr lang="en-US" altLang="he-IL" sz="2500" b="0" i="1" smtClean="0">
+                                  <a:latin typeface="Cambria Math"/>
+                                </a:rPr>
+                                <m:t>1</m:t>
+                              </m:r>
+                              <m:r>
+                                <a:rPr lang="en-US" altLang="he-IL" sz="2500" b="0" i="1" smtClean="0">
+                                  <a:latin typeface="Cambria Math"/>
+                                </a:rPr>
+                                <m:t>−</m:t>
+                              </m:r>
+                              <m:sSub>
+                                <m:sSubPr>
+                                  <m:ctrlPr>
+                                    <a:rPr lang="en-US" altLang="he-IL" sz="2500" b="0" i="1" smtClean="0">
+                                      <a:latin typeface="Cambria Math"/>
+                                    </a:rPr>
+                                  </m:ctrlPr>
+                                </m:sSubPr>
+                                <m:e>
+                                  <m:r>
+                                    <a:rPr lang="en-US" altLang="he-IL" sz="2500" b="0" i="1" smtClean="0">
+                                      <a:latin typeface="Cambria Math"/>
+                                    </a:rPr>
+                                    <m:t>𝑝</m:t>
+                                  </m:r>
+                                </m:e>
+                                <m:sub>
+                                  <m:r>
+                                    <a:rPr lang="en-US" altLang="he-IL" sz="2500" b="0" i="1" smtClean="0">
+                                      <a:latin typeface="Cambria Math"/>
+                                    </a:rPr>
+                                    <m:t>0</m:t>
+                                  </m:r>
+                                </m:sub>
+                              </m:sSub>
+                            </m:e>
+                          </m:d>
+                          <m:sSup>
+                            <m:sSupPr>
+                              <m:ctrlPr>
+                                <a:rPr lang="en-US" altLang="he-IL" sz="2500" b="0" i="1" smtClean="0">
+                                  <a:latin typeface="Cambria Math"/>
+                                </a:rPr>
+                              </m:ctrlPr>
+                            </m:sSupPr>
+                            <m:e>
+                              <m:r>
+                                <a:rPr lang="en-US" altLang="he-IL" sz="2500" b="0" i="1" smtClean="0">
+                                  <a:latin typeface="Cambria Math"/>
+                                </a:rPr>
+                                <m:t>𝑒</m:t>
+                              </m:r>
+                            </m:e>
+                            <m:sup>
+                              <m:r>
+                                <a:rPr lang="en-US" altLang="he-IL" sz="2500" b="0" i="1" smtClean="0">
+                                  <a:latin typeface="Cambria Math"/>
+                                </a:rPr>
+                                <m:t>−</m:t>
+                              </m:r>
+                              <m:r>
+                                <a:rPr lang="en-US" altLang="he-IL" sz="2500" b="0" i="1" smtClean="0">
+                                  <a:latin typeface="Cambria Math"/>
+                                </a:rPr>
+                                <m:t>𝑠𝑡</m:t>
+                              </m:r>
+                            </m:sup>
+                          </m:sSup>
+                        </m:den>
+                      </m:f>
+                    </m:oMath>
+                  </m:oMathPara>
+                </a14:m>
+                <a:endParaRPr lang="en-US" altLang="he-IL" sz="2500" dirty="0" smtClean="0">
+                  <a:latin typeface="Times New Roman" pitchFamily="18" charset="0"/>
+                </a:endParaRPr>
+              </a:p>
+              <a:p>
+                <a:pPr eaLnBrk="1" hangingPunct="1">
+                  <a:spcBef>
+                    <a:spcPct val="10000"/>
+                  </a:spcBef>
+                </a:pPr>
+                <a14:m>
+                  <m:oMath xmlns:m="http://schemas.openxmlformats.org/officeDocument/2006/math">
+                    <m:sSub>
+                      <m:sSubPr>
+                        <m:ctrlPr>
+                          <a:rPr lang="en-US" altLang="he-IL" sz="2500" b="0" i="1" smtClean="0">
+                            <a:latin typeface="Cambria Math"/>
+                          </a:rPr>
+                        </m:ctrlPr>
+                      </m:sSubPr>
+                      <m:e>
+                        <m:r>
+                          <a:rPr lang="en-US" altLang="he-IL" sz="2500" b="0" i="1" smtClean="0">
+                            <a:latin typeface="Cambria Math"/>
+                          </a:rPr>
+                          <m:t>𝑝</m:t>
+                        </m:r>
+                      </m:e>
+                      <m:sub>
+                        <m:r>
+                          <a:rPr lang="en-US" altLang="he-IL" sz="2500" b="0" i="1" smtClean="0">
+                            <a:latin typeface="Cambria Math"/>
+                          </a:rPr>
+                          <m:t>0</m:t>
+                        </m:r>
+                      </m:sub>
+                    </m:sSub>
+                  </m:oMath>
+                </a14:m>
+                <a:r>
+                  <a:rPr lang="en-US" altLang="he-IL" sz="2500" dirty="0" smtClean="0">
+                    <a:latin typeface="Times New Roman" pitchFamily="18" charset="0"/>
+                  </a:rPr>
+                  <a:t> - initial frequency 	</a:t>
+                </a:r>
+                <a14:m>
+                  <m:oMath xmlns:m="http://schemas.openxmlformats.org/officeDocument/2006/math">
+                    <m:r>
+                      <a:rPr lang="en-US" altLang="he-IL" sz="2500" b="0" i="1" smtClean="0">
+                        <a:latin typeface="Cambria Math"/>
+                      </a:rPr>
+                      <m:t>𝑠</m:t>
+                    </m:r>
+                  </m:oMath>
+                </a14:m>
+                <a:r>
+                  <a:rPr lang="en-US" altLang="he-IL" sz="2500" dirty="0" smtClean="0">
+                    <a:latin typeface="Times New Roman" pitchFamily="18" charset="0"/>
+                  </a:rPr>
+                  <a:t> – selection coefficient</a:t>
+                </a:r>
+              </a:p>
+              <a:p>
+                <a:pPr eaLnBrk="1" hangingPunct="1">
+                  <a:spcBef>
+                    <a:spcPct val="10000"/>
+                  </a:spcBef>
+                </a:pPr>
+                <a:endParaRPr lang="en-US" altLang="he-IL" sz="2500" dirty="0">
+                  <a:latin typeface="Times New Roman" pitchFamily="18" charset="0"/>
+                </a:endParaRPr>
+              </a:p>
+              <a:p>
+                <a:pPr eaLnBrk="1" hangingPunct="1">
+                  <a:spcBef>
+                    <a:spcPct val="10000"/>
+                  </a:spcBef>
+                </a:pPr>
+                <a:endParaRPr lang="en-US" altLang="he-IL" sz="2500" dirty="0" smtClean="0">
+                  <a:latin typeface="Times New Roman" pitchFamily="18" charset="0"/>
+                </a:endParaRPr>
+              </a:p>
+              <a:p>
+                <a:pPr eaLnBrk="1" hangingPunct="1">
+                  <a:spcBef>
+                    <a:spcPct val="10000"/>
+                  </a:spcBef>
+                </a:pPr>
+                <a:endParaRPr lang="en-US" altLang="he-IL" sz="2500" dirty="0">
+                  <a:latin typeface="Times New Roman" pitchFamily="18" charset="0"/>
+                </a:endParaRPr>
+              </a:p>
+              <a:p>
+                <a:pPr eaLnBrk="1" hangingPunct="1">
+                  <a:spcBef>
+                    <a:spcPct val="10000"/>
+                  </a:spcBef>
+                </a:pPr>
+                <a:endParaRPr lang="en-US" altLang="he-IL" sz="2500" dirty="0" smtClean="0">
+                  <a:latin typeface="Times New Roman" pitchFamily="18" charset="0"/>
+                </a:endParaRPr>
+              </a:p>
+              <a:p>
+                <a:pPr eaLnBrk="1" hangingPunct="1">
+                  <a:spcBef>
+                    <a:spcPct val="10000"/>
+                  </a:spcBef>
+                </a:pPr>
+                <a:endParaRPr lang="en-US" altLang="he-IL" sz="2500" dirty="0">
+                  <a:latin typeface="Times New Roman" pitchFamily="18" charset="0"/>
+                </a:endParaRPr>
+              </a:p>
+              <a:p>
+                <a:pPr eaLnBrk="1" hangingPunct="1">
+                  <a:spcBef>
+                    <a:spcPct val="10000"/>
+                  </a:spcBef>
+                </a:pPr>
+                <a:endParaRPr lang="en-US" altLang="he-IL" sz="2500" dirty="0" smtClean="0">
+                  <a:latin typeface="Times New Roman" pitchFamily="18" charset="0"/>
+                </a:endParaRPr>
+              </a:p>
+              <a:p>
+                <a:pPr eaLnBrk="1" hangingPunct="1">
+                  <a:spcBef>
+                    <a:spcPct val="10000"/>
+                  </a:spcBef>
+                </a:pPr>
+                <a:endParaRPr lang="en-US" altLang="he-IL" sz="2500" dirty="0">
+                  <a:latin typeface="Times New Roman" pitchFamily="18" charset="0"/>
+                </a:endParaRPr>
+              </a:p>
+              <a:p>
+                <a:pPr eaLnBrk="1" hangingPunct="1">
+                  <a:spcBef>
+                    <a:spcPct val="10000"/>
+                  </a:spcBef>
+                </a:pPr>
+                <a:endParaRPr lang="en-US" altLang="he-IL" sz="2500" dirty="0" smtClean="0">
+                  <a:latin typeface="Times New Roman" pitchFamily="18" charset="0"/>
+                </a:endParaRPr>
+              </a:p>
+              <a:p>
+                <a:pPr eaLnBrk="1" hangingPunct="1">
+                  <a:spcBef>
+                    <a:spcPct val="10000"/>
+                  </a:spcBef>
+                </a:pPr>
+                <a:endParaRPr lang="en-US" altLang="he-IL" sz="2500" dirty="0">
+                  <a:latin typeface="Times New Roman" pitchFamily="18" charset="0"/>
+                </a:endParaRPr>
+              </a:p>
+              <a:p>
+                <a:pPr eaLnBrk="1" hangingPunct="1">
+                  <a:spcBef>
+                    <a:spcPct val="10000"/>
+                  </a:spcBef>
+                </a:pPr>
+                <a:endParaRPr lang="en-US" altLang="he-IL" sz="2500" dirty="0" smtClean="0">
+                  <a:latin typeface="Times New Roman" pitchFamily="18" charset="0"/>
+                </a:endParaRPr>
+              </a:p>
+              <a:p>
+                <a:pPr eaLnBrk="1" hangingPunct="1">
+                  <a:spcBef>
+                    <a:spcPct val="10000"/>
+                  </a:spcBef>
+                </a:pPr>
+                <a:endParaRPr lang="en-US" altLang="he-IL" sz="2500" dirty="0">
+                  <a:latin typeface="Times New Roman" pitchFamily="18" charset="0"/>
+                </a:endParaRPr>
+              </a:p>
+              <a:p>
+                <a:pPr eaLnBrk="1" hangingPunct="1">
+                  <a:spcBef>
+                    <a:spcPct val="10000"/>
+                  </a:spcBef>
+                </a:pPr>
+                <a:endParaRPr lang="en-US" altLang="he-IL" sz="2500" dirty="0" smtClean="0">
+                  <a:latin typeface="Times New Roman" pitchFamily="18" charset="0"/>
+                </a:endParaRPr>
+              </a:p>
+              <a:p>
+                <a:pPr eaLnBrk="1" hangingPunct="1">
+                  <a:spcBef>
+                    <a:spcPct val="10000"/>
+                  </a:spcBef>
+                </a:pPr>
+                <a:endParaRPr lang="en-US" altLang="he-IL" sz="2500" dirty="0">
+                  <a:latin typeface="Times New Roman" pitchFamily="18" charset="0"/>
+                </a:endParaRPr>
+              </a:p>
+              <a:p>
+                <a:pPr eaLnBrk="1" hangingPunct="1">
+                  <a:spcBef>
+                    <a:spcPct val="10000"/>
+                  </a:spcBef>
+                </a:pPr>
+                <a:endParaRPr lang="en-US" altLang="he-IL" sz="2500" dirty="0" smtClean="0">
+                  <a:latin typeface="Times New Roman" pitchFamily="18" charset="0"/>
+                </a:endParaRPr>
+              </a:p>
+              <a:p>
+                <a:pPr eaLnBrk="1" hangingPunct="1">
+                  <a:spcBef>
+                    <a:spcPct val="10000"/>
+                  </a:spcBef>
+                </a:pPr>
+                <a:endParaRPr lang="en-US" altLang="he-IL" sz="2500" dirty="0">
+                  <a:latin typeface="Times New Roman" pitchFamily="18" charset="0"/>
+                </a:endParaRPr>
+              </a:p>
+              <a:p>
+                <a:pPr eaLnBrk="1" hangingPunct="1">
+                  <a:spcBef>
+                    <a:spcPct val="10000"/>
+                  </a:spcBef>
+                </a:pPr>
+                <a14:m>
+                  <m:oMathPara xmlns:m="http://schemas.openxmlformats.org/officeDocument/2006/math">
+                    <m:oMathParaPr>
+                      <m:jc m:val="centerGroup"/>
+                    </m:oMathParaPr>
+                    <m:oMath xmlns:m="http://schemas.openxmlformats.org/officeDocument/2006/math">
+                      <m:sSub>
+                        <m:sSubPr>
+                          <m:ctrlPr>
+                            <a:rPr lang="en-US" altLang="he-IL" sz="2500" i="1">
+                              <a:latin typeface="Cambria Math"/>
+                            </a:rPr>
+                          </m:ctrlPr>
+                        </m:sSubPr>
+                        <m:e>
+                          <m:r>
+                            <a:rPr lang="en-US" altLang="he-IL" sz="2500" i="1">
+                              <a:latin typeface="Cambria Math"/>
+                            </a:rPr>
+                            <m:t>𝑝</m:t>
+                          </m:r>
+                        </m:e>
+                        <m:sub>
+                          <m:r>
+                            <a:rPr lang="en-US" altLang="he-IL" sz="2500" i="1">
+                              <a:latin typeface="Cambria Math"/>
+                            </a:rPr>
+                            <m:t>0</m:t>
+                          </m:r>
+                        </m:sub>
+                      </m:sSub>
+                      <m:r>
+                        <a:rPr lang="en-US" altLang="he-IL" sz="2500" b="0" i="1" smtClean="0">
+                          <a:latin typeface="Cambria Math"/>
+                        </a:rPr>
+                        <m:t>=</m:t>
+                      </m:r>
+                      <m:r>
+                        <a:rPr lang="en-US" altLang="he-IL" sz="2500" b="0" i="1" smtClean="0">
+                          <a:latin typeface="Cambria Math"/>
+                        </a:rPr>
+                        <m:t>0</m:t>
+                      </m:r>
+                      <m:r>
+                        <a:rPr lang="en-US" altLang="he-IL" sz="2500" b="0" i="1" smtClean="0">
+                          <a:latin typeface="Cambria Math"/>
+                        </a:rPr>
+                        <m:t>.</m:t>
+                      </m:r>
+                      <m:r>
+                        <a:rPr lang="en-US" altLang="he-IL" sz="2500" b="0" i="1" smtClean="0">
+                          <a:latin typeface="Cambria Math"/>
+                        </a:rPr>
+                        <m:t>495</m:t>
+                      </m:r>
+                      <m:r>
+                        <a:rPr lang="en-US" altLang="he-IL" sz="2500" b="0" i="1" smtClean="0">
+                          <a:latin typeface="Cambria Math"/>
+                        </a:rPr>
+                        <m:t>±</m:t>
+                      </m:r>
+                      <m:r>
+                        <a:rPr lang="en-US" altLang="he-IL" sz="2500" b="0" i="1" smtClean="0">
+                          <a:latin typeface="Cambria Math"/>
+                        </a:rPr>
+                        <m:t>0</m:t>
+                      </m:r>
+                      <m:r>
+                        <a:rPr lang="en-US" altLang="he-IL" sz="2500" b="0" i="1" smtClean="0">
+                          <a:latin typeface="Cambria Math"/>
+                        </a:rPr>
+                        <m:t>.</m:t>
+                      </m:r>
+                      <m:r>
+                        <a:rPr lang="en-US" altLang="he-IL" sz="2500" b="0" i="1" smtClean="0">
+                          <a:latin typeface="Cambria Math"/>
+                        </a:rPr>
+                        <m:t>001</m:t>
+                      </m:r>
+                      <m:r>
+                        <a:rPr lang="en-US" altLang="he-IL" sz="2500" b="0" i="1" smtClean="0">
+                          <a:latin typeface="Cambria Math"/>
+                        </a:rPr>
+                        <m:t>,   </m:t>
+                      </m:r>
+                      <m:r>
+                        <a:rPr lang="en-US" altLang="he-IL" sz="2500" b="0" i="1" smtClean="0">
+                          <a:latin typeface="Cambria Math"/>
+                        </a:rPr>
+                        <m:t>𝑠</m:t>
+                      </m:r>
+                      <m:r>
+                        <a:rPr lang="en-US" altLang="he-IL" sz="2500" b="0" i="1" smtClean="0">
+                          <a:latin typeface="Cambria Math"/>
+                        </a:rPr>
+                        <m:t>=</m:t>
+                      </m:r>
+                      <m:r>
+                        <a:rPr lang="en-US" altLang="he-IL" sz="2500" b="0" i="1" smtClean="0">
+                          <a:latin typeface="Cambria Math"/>
+                        </a:rPr>
+                        <m:t>0</m:t>
+                      </m:r>
+                      <m:r>
+                        <a:rPr lang="en-US" altLang="he-IL" sz="2500" b="0" i="1" smtClean="0">
+                          <a:latin typeface="Cambria Math"/>
+                        </a:rPr>
+                        <m:t>.</m:t>
+                      </m:r>
+                      <m:r>
+                        <a:rPr lang="en-US" altLang="he-IL" sz="2500" b="0" i="1" smtClean="0">
+                          <a:latin typeface="Cambria Math"/>
+                        </a:rPr>
+                        <m:t>0261</m:t>
+                      </m:r>
+                      <m:r>
+                        <a:rPr lang="en-US" altLang="he-IL" sz="2500" b="0" i="1" smtClean="0">
+                          <a:latin typeface="Cambria Math"/>
+                        </a:rPr>
+                        <m:t>±</m:t>
+                      </m:r>
+                      <m:r>
+                        <a:rPr lang="en-US" altLang="he-IL" sz="2500" b="0" i="1" smtClean="0">
+                          <a:latin typeface="Cambria Math"/>
+                        </a:rPr>
+                        <m:t>0</m:t>
+                      </m:r>
+                      <m:r>
+                        <a:rPr lang="en-US" altLang="he-IL" sz="2500" b="0" i="1" smtClean="0">
+                          <a:latin typeface="Cambria Math"/>
+                        </a:rPr>
+                        <m:t>.</m:t>
+                      </m:r>
+                      <m:r>
+                        <a:rPr lang="en-US" altLang="he-IL" sz="2500" b="0" i="1" smtClean="0">
+                          <a:latin typeface="Cambria Math"/>
+                        </a:rPr>
+                        <m:t>00018</m:t>
+                      </m:r>
+                    </m:oMath>
+                  </m:oMathPara>
+                </a14:m>
+                <a:endParaRPr lang="en-US" altLang="he-IL" sz="2500" dirty="0">
+                  <a:latin typeface="Times New Roman" pitchFamily="18" charset="0"/>
+                </a:endParaRPr>
+              </a:p>
+              <a:p>
+                <a:pPr eaLnBrk="1" hangingPunct="1">
+                  <a:spcBef>
+                    <a:spcPct val="10000"/>
+                  </a:spcBef>
+                </a:pPr>
+                <a:endParaRPr lang="en-US" altLang="he-IL" sz="2500" dirty="0">
+                  <a:latin typeface="Times New Roman" pitchFamily="18" charset="0"/>
+                </a:endParaRPr>
+              </a:p>
+              <a:p>
+                <a:pPr eaLnBrk="1" hangingPunct="1">
+                  <a:spcBef>
+                    <a:spcPct val="10000"/>
+                  </a:spcBef>
+                </a:pPr>
+                <a:endParaRPr lang="en-US" altLang="he-IL" sz="2500" dirty="0">
+                  <a:latin typeface="Times New Roman" pitchFamily="18" charset="0"/>
+                </a:endParaRPr>
+              </a:p>
+            </p:txBody>
+          </p:sp>
+        </mc:Choice>
+        <mc:Fallback>
+          <p:sp>
+            <p:nvSpPr>
+              <p:cNvPr id="51" name="Text Box 11"/>
+              <p:cNvSpPr txBox="1">
+                <a:spLocks noRot="1" noChangeAspect="1" noMove="1" noResize="1" noEditPoints="1" noAdjustHandles="1" noChangeArrowheads="1" noChangeShapeType="1" noTextEdit="1"/>
+              </p:cNvSpPr>
+              <p:nvPr/>
+            </p:nvSpPr>
+            <p:spPr bwMode="auto">
+              <a:xfrm>
+                <a:off x="11225433" y="19716750"/>
+                <a:ext cx="8458200" cy="14363700"/>
+              </a:xfrm>
+              <a:prstGeom prst="rect">
+                <a:avLst/>
+              </a:prstGeom>
+              <a:blipFill rotWithShape="1">
+                <a:blip r:embed="rId7"/>
+                <a:stretch>
+                  <a:fillRect/>
+                </a:stretch>
+              </a:blipFill>
+              <a:ln w="38100">
+                <a:solidFill>
+                  <a:srgbClr val="000000"/>
+                </a:solidFill>
+                <a:round/>
+                <a:headEnd/>
+                <a:tailEnd/>
+              </a:ln>
+            </p:spPr>
+            <p:txBody>
+              <a:bodyPr/>
+              <a:lstStyle/>
+              <a:p>
+                <a:r>
+                  <a:rPr lang="he-IL">
+                    <a:noFill/>
+                  </a:rPr>
+                  <a:t> </a:t>
+                </a:r>
+              </a:p>
+            </p:txBody>
+          </p:sp>
+        </mc:Fallback>
+      </mc:AlternateContent>
       <p:sp>
         <p:nvSpPr>
           <p:cNvPr id="14339" name="Text Box 7"/>
@@ -4191,8 +5362,8 @@
         </p:nvSpPr>
         <p:spPr bwMode="auto">
           <a:xfrm>
-            <a:off x="1270000" y="7550150"/>
-            <a:ext cx="8458200" cy="13617575"/>
+            <a:off x="1270000" y="7550151"/>
+            <a:ext cx="8458200" cy="10478294"/>
           </a:xfrm>
           <a:prstGeom prst="rect">
             <a:avLst/>
@@ -4352,11 +5523,14 @@
               </a:spcBef>
             </a:pPr>
             <a:r>
-              <a:rPr lang="en-US" altLang="he-IL" sz="4200" b="1">
+              <a:rPr lang="en-US" altLang="he-IL" sz="4200" b="1" dirty="0" smtClean="0">
                 <a:latin typeface="Calibri" pitchFamily="34" charset="0"/>
               </a:rPr>
-              <a:t>Introduction</a:t>
-            </a:r>
+              <a:t>Growth curves</a:t>
+            </a:r>
+            <a:endParaRPr lang="en-US" altLang="he-IL" sz="4200" b="1" dirty="0">
+              <a:latin typeface="Calibri" pitchFamily="34" charset="0"/>
+            </a:endParaRPr>
           </a:p>
           <a:p>
             <a:pPr eaLnBrk="1" hangingPunct="1">
@@ -4365,60 +5539,60 @@
               </a:spcBef>
             </a:pPr>
             <a:r>
-              <a:rPr lang="en-US" altLang="he-IL" sz="2500">
+              <a:rPr lang="en-US" altLang="he-IL" sz="2500" dirty="0">
                 <a:latin typeface="Times New Roman" pitchFamily="18" charset="0"/>
               </a:rPr>
               <a:t>Replace the </a:t>
             </a:r>
             <a:r>
-              <a:rPr lang="en-US" altLang="en-US" sz="2500">
+              <a:rPr lang="en-US" altLang="en-US" sz="2500" dirty="0">
                 <a:latin typeface="Times New Roman" pitchFamily="18" charset="0"/>
               </a:rPr>
               <a:t>“</a:t>
             </a:r>
             <a:r>
-              <a:rPr lang="en-US" altLang="he-IL" sz="2500">
+              <a:rPr lang="en-US" altLang="he-IL" sz="2500" dirty="0">
                 <a:latin typeface="Times New Roman" pitchFamily="18" charset="0"/>
               </a:rPr>
               <a:t>blah, blah, blah</a:t>
             </a:r>
             <a:r>
-              <a:rPr lang="en-US" altLang="en-US" sz="2500">
+              <a:rPr lang="en-US" altLang="en-US" sz="2500" dirty="0">
                 <a:latin typeface="Times New Roman" pitchFamily="18" charset="0"/>
               </a:rPr>
               <a:t>”</a:t>
             </a:r>
             <a:r>
-              <a:rPr lang="en-US" altLang="he-IL" sz="2500">
+              <a:rPr lang="en-US" altLang="he-IL" sz="2500" dirty="0">
                 <a:latin typeface="Times New Roman" pitchFamily="18" charset="0"/>
               </a:rPr>
               <a:t> with your own </a:t>
             </a:r>
             <a:r>
-              <a:rPr lang="en-US" altLang="en-US" sz="2500">
+              <a:rPr lang="en-US" altLang="en-US" sz="2500" dirty="0">
                 <a:latin typeface="Times New Roman" pitchFamily="18" charset="0"/>
               </a:rPr>
               <a:t>“</a:t>
             </a:r>
             <a:r>
-              <a:rPr lang="en-US" altLang="he-IL" sz="2500">
+              <a:rPr lang="en-US" altLang="he-IL" sz="2500" dirty="0">
                 <a:latin typeface="Times New Roman" pitchFamily="18" charset="0"/>
               </a:rPr>
               <a:t>blah, blah, blah.</a:t>
             </a:r>
             <a:r>
-              <a:rPr lang="en-US" altLang="en-US" sz="2500">
+              <a:rPr lang="en-US" altLang="en-US" sz="2500" dirty="0">
                 <a:latin typeface="Times New Roman" pitchFamily="18" charset="0"/>
               </a:rPr>
               <a:t>”</a:t>
             </a:r>
             <a:r>
-              <a:rPr lang="en-US" altLang="he-IL" sz="2500">
+              <a:rPr lang="en-US" altLang="he-IL" sz="2500" dirty="0">
                 <a:latin typeface="Times New Roman" pitchFamily="18" charset="0"/>
               </a:rPr>
               <a:t>  </a:t>
             </a:r>
-            <a:endParaRPr lang="en-US" altLang="ja-JP" sz="2500">
+            <a:endParaRPr lang="en-US" altLang="ja-JP" sz="2500" dirty="0">
               <a:latin typeface="Times New Roman" pitchFamily="18" charset="0"/>
             </a:endParaRPr>
           </a:p>
@@ -4429,12 +5603,12 @@
               </a:spcBef>
             </a:pPr>
             <a:r>
-              <a:rPr lang="en-US" altLang="he-IL" sz="2500">
+              <a:rPr lang="en-US" altLang="he-IL" sz="2500" dirty="0">
                 <a:latin typeface="Times New Roman" pitchFamily="18" charset="0"/>
               </a:rPr>
               <a:t>		</a:t>
             </a:r>
-            <a:endParaRPr lang="en-US" altLang="he-IL" sz="2500" i="1">
+            <a:endParaRPr lang="en-US" altLang="he-IL" sz="2500" i="1" dirty="0">
               <a:solidFill>
                 <a:schemeClr val="accent2"/>
               </a:solidFill>
@@ -4447,229 +5621,817 @@
                 <a:spcPct val="10000"/>
               </a:spcBef>
             </a:pPr>
-            <a:endParaRPr lang="en-US" altLang="he-IL" sz="2500">
+            <a:endParaRPr lang="en-US" altLang="he-IL" sz="2500" dirty="0">
               <a:latin typeface="Times New Roman" pitchFamily="18" charset="0"/>
             </a:endParaRPr>
           </a:p>
         </p:txBody>
       </p:sp>
-      <p:sp>
-        <p:nvSpPr>
-          <p:cNvPr id="14340" name="Text Box 11"/>
-          <p:cNvSpPr txBox="1">
-            <a:spLocks noChangeArrowheads="1"/>
-          </p:cNvSpPr>
-          <p:nvPr/>
-        </p:nvSpPr>
-        <p:spPr bwMode="auto">
-          <a:xfrm>
-            <a:off x="1270000" y="22226588"/>
-            <a:ext cx="8458200" cy="11853862"/>
-          </a:xfrm>
-          <a:prstGeom prst="rect">
-            <a:avLst/>
-          </a:prstGeom>
-          <a:solidFill>
-            <a:schemeClr val="bg1"/>
-          </a:solidFill>
-          <a:ln w="38100">
-            <a:solidFill>
-              <a:srgbClr val="000000"/>
-            </a:solidFill>
-            <a:round/>
-            <a:headEnd/>
-            <a:tailEnd/>
-          </a:ln>
-        </p:spPr>
-        <p:txBody>
-          <a:bodyPr lIns="802806" tIns="401404" rIns="802806" bIns="802806"/>
-          <a:lstStyle>
-            <a:lvl1pPr eaLnBrk="0" hangingPunct="0">
-              <a:tabLst>
-                <a:tab pos="508000" algn="l"/>
-              </a:tabLst>
-              <a:defRPr sz="2800">
-                <a:solidFill>
-                  <a:schemeClr val="tx1"/>
-                </a:solidFill>
-                <a:latin typeface="Helvetica" pitchFamily="124" charset="0"/>
-                <a:ea typeface="MS PGothic" pitchFamily="34" charset="-128"/>
-              </a:defRPr>
-            </a:lvl1pPr>
-            <a:lvl2pPr marL="742950" indent="-285750" eaLnBrk="0" hangingPunct="0">
-              <a:tabLst>
-                <a:tab pos="508000" algn="l"/>
-              </a:tabLst>
-              <a:defRPr sz="2800">
-                <a:solidFill>
-                  <a:schemeClr val="tx1"/>
-                </a:solidFill>
-                <a:latin typeface="Helvetica" pitchFamily="124" charset="0"/>
-                <a:ea typeface="MS PGothic" pitchFamily="34" charset="-128"/>
-              </a:defRPr>
-            </a:lvl2pPr>
-            <a:lvl3pPr marL="1143000" indent="-228600" eaLnBrk="0" hangingPunct="0">
-              <a:tabLst>
-                <a:tab pos="508000" algn="l"/>
-              </a:tabLst>
-              <a:defRPr sz="2800">
-                <a:solidFill>
-                  <a:schemeClr val="tx1"/>
-                </a:solidFill>
-                <a:latin typeface="Helvetica" pitchFamily="124" charset="0"/>
-                <a:ea typeface="MS PGothic" pitchFamily="34" charset="-128"/>
-              </a:defRPr>
-            </a:lvl3pPr>
-            <a:lvl4pPr marL="1600200" indent="-228600" eaLnBrk="0" hangingPunct="0">
-              <a:tabLst>
-                <a:tab pos="508000" algn="l"/>
-              </a:tabLst>
-              <a:defRPr sz="2800">
-                <a:solidFill>
-                  <a:schemeClr val="tx1"/>
-                </a:solidFill>
-                <a:latin typeface="Helvetica" pitchFamily="124" charset="0"/>
-                <a:ea typeface="MS PGothic" pitchFamily="34" charset="-128"/>
-              </a:defRPr>
-            </a:lvl4pPr>
-            <a:lvl5pPr marL="2057400" indent="-228600" eaLnBrk="0" hangingPunct="0">
-              <a:tabLst>
-                <a:tab pos="508000" algn="l"/>
-              </a:tabLst>
-              <a:defRPr sz="2800">
-                <a:solidFill>
-                  <a:schemeClr val="tx1"/>
-                </a:solidFill>
-                <a:latin typeface="Helvetica" pitchFamily="124" charset="0"/>
-                <a:ea typeface="MS PGothic" pitchFamily="34" charset="-128"/>
-              </a:defRPr>
-            </a:lvl5pPr>
-            <a:lvl6pPr marL="2514600" indent="-228600" algn="l" rtl="0" eaLnBrk="0" fontAlgn="base" hangingPunct="0">
-              <a:spcBef>
-                <a:spcPct val="0"/>
-              </a:spcBef>
-              <a:spcAft>
-                <a:spcPct val="0"/>
-              </a:spcAft>
-              <a:tabLst>
-                <a:tab pos="508000" algn="l"/>
-              </a:tabLst>
-              <a:defRPr sz="2800">
-                <a:solidFill>
-                  <a:schemeClr val="tx1"/>
-                </a:solidFill>
-                <a:latin typeface="Helvetica" pitchFamily="124" charset="0"/>
-                <a:ea typeface="MS PGothic" pitchFamily="34" charset="-128"/>
-              </a:defRPr>
-            </a:lvl6pPr>
-            <a:lvl7pPr marL="2971800" indent="-228600" algn="l" rtl="0" eaLnBrk="0" fontAlgn="base" hangingPunct="0">
-              <a:spcBef>
-                <a:spcPct val="0"/>
-              </a:spcBef>
-              <a:spcAft>
-                <a:spcPct val="0"/>
-              </a:spcAft>
-              <a:tabLst>
-                <a:tab pos="508000" algn="l"/>
-              </a:tabLst>
-              <a:defRPr sz="2800">
-                <a:solidFill>
-                  <a:schemeClr val="tx1"/>
-                </a:solidFill>
-                <a:latin typeface="Helvetica" pitchFamily="124" charset="0"/>
-                <a:ea typeface="MS PGothic" pitchFamily="34" charset="-128"/>
-              </a:defRPr>
-            </a:lvl7pPr>
-            <a:lvl8pPr marL="3429000" indent="-228600" algn="l" rtl="0" eaLnBrk="0" fontAlgn="base" hangingPunct="0">
-              <a:spcBef>
-                <a:spcPct val="0"/>
-              </a:spcBef>
-              <a:spcAft>
-                <a:spcPct val="0"/>
-              </a:spcAft>
-              <a:tabLst>
-                <a:tab pos="508000" algn="l"/>
-              </a:tabLst>
-              <a:defRPr sz="2800">
-                <a:solidFill>
-                  <a:schemeClr val="tx1"/>
-                </a:solidFill>
-                <a:latin typeface="Helvetica" pitchFamily="124" charset="0"/>
-                <a:ea typeface="MS PGothic" pitchFamily="34" charset="-128"/>
-              </a:defRPr>
-            </a:lvl8pPr>
-            <a:lvl9pPr marL="3886200" indent="-228600" algn="l" rtl="0" eaLnBrk="0" fontAlgn="base" hangingPunct="0">
-              <a:spcBef>
-                <a:spcPct val="0"/>
-              </a:spcBef>
-              <a:spcAft>
-                <a:spcPct val="0"/>
-              </a:spcAft>
-              <a:tabLst>
-                <a:tab pos="508000" algn="l"/>
-              </a:tabLst>
-              <a:defRPr sz="2800">
-                <a:solidFill>
-                  <a:schemeClr val="tx1"/>
-                </a:solidFill>
-                <a:latin typeface="Helvetica" pitchFamily="124" charset="0"/>
-                <a:ea typeface="MS PGothic" pitchFamily="34" charset="-128"/>
-              </a:defRPr>
-            </a:lvl9pPr>
-          </a:lstStyle>
-          <a:p>
-            <a:pPr algn="just" eaLnBrk="1" hangingPunct="1">
-              <a:spcBef>
-                <a:spcPct val="50000"/>
-              </a:spcBef>
-            </a:pPr>
-            <a:r>
-              <a:rPr lang="en-US" altLang="he-IL" sz="3900" b="1">
+      <mc:AlternateContent xmlns:mc="http://schemas.openxmlformats.org/markup-compatibility/2006">
+        <mc:Choice xmlns:a14="http://schemas.microsoft.com/office/drawing/2010/main" Requires="a14">
+          <p:sp>
+            <p:nvSpPr>
+              <p:cNvPr id="14340" name="Text Box 11"/>
+              <p:cNvSpPr txBox="1">
+                <a:spLocks noChangeArrowheads="1"/>
+              </p:cNvSpPr>
+              <p:nvPr/>
+            </p:nvSpPr>
+            <p:spPr bwMode="auto">
+              <a:xfrm>
+                <a:off x="1270223" y="19716750"/>
+                <a:ext cx="8458200" cy="14363700"/>
+              </a:xfrm>
+              <a:prstGeom prst="rect">
+                <a:avLst/>
+              </a:prstGeom>
+              <a:solidFill>
+                <a:schemeClr val="bg1"/>
+              </a:solidFill>
+              <a:ln w="38100">
                 <a:solidFill>
                   <a:srgbClr val="000000"/>
                 </a:solidFill>
-                <a:latin typeface="Calibri" pitchFamily="34" charset="0"/>
-              </a:rPr>
-              <a:t>Materials and methods</a:t>
-            </a:r>
-            <a:r>
-              <a:rPr lang="en-US" altLang="he-IL" sz="2100">
+                <a:round/>
+                <a:headEnd/>
+                <a:tailEnd/>
+              </a:ln>
+            </p:spPr>
+            <p:txBody>
+              <a:bodyPr lIns="802806" tIns="401404" rIns="802806" bIns="802806"/>
+              <a:lstStyle>
+                <a:lvl1pPr eaLnBrk="0" hangingPunct="0">
+                  <a:tabLst>
+                    <a:tab pos="508000" algn="l"/>
+                  </a:tabLst>
+                  <a:defRPr sz="2800">
+                    <a:solidFill>
+                      <a:schemeClr val="tx1"/>
+                    </a:solidFill>
+                    <a:latin typeface="Helvetica" pitchFamily="124" charset="0"/>
+                    <a:ea typeface="MS PGothic" pitchFamily="34" charset="-128"/>
+                  </a:defRPr>
+                </a:lvl1pPr>
+                <a:lvl2pPr marL="742950" indent="-285750" eaLnBrk="0" hangingPunct="0">
+                  <a:tabLst>
+                    <a:tab pos="508000" algn="l"/>
+                  </a:tabLst>
+                  <a:defRPr sz="2800">
+                    <a:solidFill>
+                      <a:schemeClr val="tx1"/>
+                    </a:solidFill>
+                    <a:latin typeface="Helvetica" pitchFamily="124" charset="0"/>
+                    <a:ea typeface="MS PGothic" pitchFamily="34" charset="-128"/>
+                  </a:defRPr>
+                </a:lvl2pPr>
+                <a:lvl3pPr marL="1143000" indent="-228600" eaLnBrk="0" hangingPunct="0">
+                  <a:tabLst>
+                    <a:tab pos="508000" algn="l"/>
+                  </a:tabLst>
+                  <a:defRPr sz="2800">
+                    <a:solidFill>
+                      <a:schemeClr val="tx1"/>
+                    </a:solidFill>
+                    <a:latin typeface="Helvetica" pitchFamily="124" charset="0"/>
+                    <a:ea typeface="MS PGothic" pitchFamily="34" charset="-128"/>
+                  </a:defRPr>
+                </a:lvl3pPr>
+                <a:lvl4pPr marL="1600200" indent="-228600" eaLnBrk="0" hangingPunct="0">
+                  <a:tabLst>
+                    <a:tab pos="508000" algn="l"/>
+                  </a:tabLst>
+                  <a:defRPr sz="2800">
+                    <a:solidFill>
+                      <a:schemeClr val="tx1"/>
+                    </a:solidFill>
+                    <a:latin typeface="Helvetica" pitchFamily="124" charset="0"/>
+                    <a:ea typeface="MS PGothic" pitchFamily="34" charset="-128"/>
+                  </a:defRPr>
+                </a:lvl4pPr>
+                <a:lvl5pPr marL="2057400" indent="-228600" eaLnBrk="0" hangingPunct="0">
+                  <a:tabLst>
+                    <a:tab pos="508000" algn="l"/>
+                  </a:tabLst>
+                  <a:defRPr sz="2800">
+                    <a:solidFill>
+                      <a:schemeClr val="tx1"/>
+                    </a:solidFill>
+                    <a:latin typeface="Helvetica" pitchFamily="124" charset="0"/>
+                    <a:ea typeface="MS PGothic" pitchFamily="34" charset="-128"/>
+                  </a:defRPr>
+                </a:lvl5pPr>
+                <a:lvl6pPr marL="2514600" indent="-228600" algn="l" rtl="0" eaLnBrk="0" fontAlgn="base" hangingPunct="0">
+                  <a:spcBef>
+                    <a:spcPct val="0"/>
+                  </a:spcBef>
+                  <a:spcAft>
+                    <a:spcPct val="0"/>
+                  </a:spcAft>
+                  <a:tabLst>
+                    <a:tab pos="508000" algn="l"/>
+                  </a:tabLst>
+                  <a:defRPr sz="2800">
+                    <a:solidFill>
+                      <a:schemeClr val="tx1"/>
+                    </a:solidFill>
+                    <a:latin typeface="Helvetica" pitchFamily="124" charset="0"/>
+                    <a:ea typeface="MS PGothic" pitchFamily="34" charset="-128"/>
+                  </a:defRPr>
+                </a:lvl6pPr>
+                <a:lvl7pPr marL="2971800" indent="-228600" algn="l" rtl="0" eaLnBrk="0" fontAlgn="base" hangingPunct="0">
+                  <a:spcBef>
+                    <a:spcPct val="0"/>
+                  </a:spcBef>
+                  <a:spcAft>
+                    <a:spcPct val="0"/>
+                  </a:spcAft>
+                  <a:tabLst>
+                    <a:tab pos="508000" algn="l"/>
+                  </a:tabLst>
+                  <a:defRPr sz="2800">
+                    <a:solidFill>
+                      <a:schemeClr val="tx1"/>
+                    </a:solidFill>
+                    <a:latin typeface="Helvetica" pitchFamily="124" charset="0"/>
+                    <a:ea typeface="MS PGothic" pitchFamily="34" charset="-128"/>
+                  </a:defRPr>
+                </a:lvl7pPr>
+                <a:lvl8pPr marL="3429000" indent="-228600" algn="l" rtl="0" eaLnBrk="0" fontAlgn="base" hangingPunct="0">
+                  <a:spcBef>
+                    <a:spcPct val="0"/>
+                  </a:spcBef>
+                  <a:spcAft>
+                    <a:spcPct val="0"/>
+                  </a:spcAft>
+                  <a:tabLst>
+                    <a:tab pos="508000" algn="l"/>
+                  </a:tabLst>
+                  <a:defRPr sz="2800">
+                    <a:solidFill>
+                      <a:schemeClr val="tx1"/>
+                    </a:solidFill>
+                    <a:latin typeface="Helvetica" pitchFamily="124" charset="0"/>
+                    <a:ea typeface="MS PGothic" pitchFamily="34" charset="-128"/>
+                  </a:defRPr>
+                </a:lvl8pPr>
+                <a:lvl9pPr marL="3886200" indent="-228600" algn="l" rtl="0" eaLnBrk="0" fontAlgn="base" hangingPunct="0">
+                  <a:spcBef>
+                    <a:spcPct val="0"/>
+                  </a:spcBef>
+                  <a:spcAft>
+                    <a:spcPct val="0"/>
+                  </a:spcAft>
+                  <a:tabLst>
+                    <a:tab pos="508000" algn="l"/>
+                  </a:tabLst>
+                  <a:defRPr sz="2800">
+                    <a:solidFill>
+                      <a:schemeClr val="tx1"/>
+                    </a:solidFill>
+                    <a:latin typeface="Helvetica" pitchFamily="124" charset="0"/>
+                    <a:ea typeface="MS PGothic" pitchFamily="34" charset="-128"/>
+                  </a:defRPr>
+                </a:lvl9pPr>
+              </a:lstStyle>
+              <a:p>
+                <a:pPr algn="just" eaLnBrk="1" hangingPunct="1">
+                  <a:spcBef>
+                    <a:spcPct val="50000"/>
+                  </a:spcBef>
+                </a:pPr>
+                <a:r>
+                  <a:rPr lang="en-US" altLang="he-IL" sz="3900" b="1" dirty="0" smtClean="0">
+                    <a:solidFill>
+                      <a:srgbClr val="000000"/>
+                    </a:solidFill>
+                    <a:latin typeface="Calibri" pitchFamily="34" charset="0"/>
+                  </a:rPr>
+                  <a:t>Model selection</a:t>
+                </a:r>
+                <a:endParaRPr lang="en-US" altLang="he-IL" sz="2100" dirty="0">
+                  <a:latin typeface="Times New Roman" pitchFamily="18" charset="0"/>
+                </a:endParaRPr>
+              </a:p>
+              <a:p>
+                <a:r>
+                  <a:rPr lang="en-US" sz="2500" dirty="0" err="1">
+                    <a:latin typeface="Times New Roman" pitchFamily="18" charset="0"/>
+                  </a:rPr>
+                  <a:t>Baranyi</a:t>
+                </a:r>
+                <a:r>
+                  <a:rPr lang="en-US" sz="2500" dirty="0">
+                    <a:latin typeface="Times New Roman" pitchFamily="18" charset="0"/>
+                  </a:rPr>
+                  <a:t>-Roberts model</a:t>
+                </a:r>
+                <a:r>
+                  <a:rPr lang="en-US" sz="2500" dirty="0">
+                    <a:latin typeface="Times New Roman" pitchFamily="18" charset="0"/>
+                  </a:rPr>
+                  <a:t>:</a:t>
+                </a:r>
+                <a:endParaRPr lang="en-US" sz="2500" dirty="0">
+                  <a:latin typeface="Times New Roman" pitchFamily="18" charset="0"/>
+                </a:endParaRPr>
+              </a:p>
+              <a:p>
+                <a:endParaRPr lang="en-US" sz="2400" i="1" dirty="0">
+                  <a:latin typeface="Cambria Math"/>
+                </a:endParaRPr>
+              </a:p>
+              <a:p>
+                <a:pPr eaLnBrk="1" hangingPunct="1">
+                  <a:spcBef>
+                    <a:spcPct val="10000"/>
+                  </a:spcBef>
+                </a:pPr>
+                <a14:m>
+                  <m:oMathPara xmlns:m="http://schemas.openxmlformats.org/officeDocument/2006/math">
+                    <m:oMathParaPr>
+                      <m:jc m:val="centerGroup"/>
+                    </m:oMathParaPr>
+                    <m:oMath xmlns:m="http://schemas.openxmlformats.org/officeDocument/2006/math">
+                      <m:f>
+                        <m:fPr>
+                          <m:ctrlPr>
+                            <a:rPr lang="en-US" altLang="he-IL" sz="2500" i="1">
+                              <a:latin typeface="Cambria Math"/>
+                            </a:rPr>
+                          </m:ctrlPr>
+                        </m:fPr>
+                        <m:num>
+                          <m:r>
+                            <a:rPr lang="en-US" altLang="he-IL" sz="2500" i="1">
+                              <a:latin typeface="Cambria Math"/>
+                            </a:rPr>
+                            <m:t>𝑑</m:t>
+                          </m:r>
+                          <m:r>
+                            <a:rPr lang="en-US" altLang="he-IL" sz="2500" b="0" i="1" smtClean="0">
+                              <a:latin typeface="Cambria Math"/>
+                            </a:rPr>
+                            <m:t>𝑁</m:t>
+                          </m:r>
+                        </m:num>
+                        <m:den>
+                          <m:r>
+                            <a:rPr lang="en-US" altLang="he-IL" sz="2500" i="1">
+                              <a:latin typeface="Cambria Math"/>
+                            </a:rPr>
+                            <m:t>𝑑𝑡</m:t>
+                          </m:r>
+                        </m:den>
+                      </m:f>
+                      <m:r>
+                        <a:rPr lang="en-US" altLang="he-IL" sz="2500" i="1">
+                          <a:latin typeface="Cambria Math"/>
+                        </a:rPr>
+                        <m:t>=</m:t>
+                      </m:r>
+                      <m:r>
+                        <a:rPr lang="en-US" altLang="he-IL" sz="2500" b="0" i="1" smtClean="0">
+                          <a:latin typeface="Cambria Math"/>
+                        </a:rPr>
+                        <m:t>𝑟</m:t>
+                      </m:r>
+                      <m:r>
+                        <a:rPr lang="en-US" sz="2500" i="1">
+                          <a:latin typeface="Cambria Math"/>
+                          <a:ea typeface="Cambria Math" panose="02040503050406030204" pitchFamily="18" charset="0"/>
+                        </a:rPr>
+                        <m:t>𝛼</m:t>
+                      </m:r>
+                      <m:d>
+                        <m:dPr>
+                          <m:ctrlPr>
+                            <a:rPr lang="en-US" altLang="he-IL" sz="2500" i="1">
+                              <a:latin typeface="Cambria Math"/>
+                            </a:rPr>
+                          </m:ctrlPr>
+                        </m:dPr>
+                        <m:e>
+                          <m:r>
+                            <a:rPr lang="en-US" altLang="he-IL" sz="2500" i="1">
+                              <a:latin typeface="Cambria Math"/>
+                            </a:rPr>
+                            <m:t>𝑡</m:t>
+                          </m:r>
+                        </m:e>
+                      </m:d>
+                      <m:r>
+                        <a:rPr lang="en-US" altLang="he-IL" sz="2500" b="0" i="1" smtClean="0">
+                          <a:latin typeface="Cambria Math"/>
+                        </a:rPr>
+                        <m:t>𝑁</m:t>
+                      </m:r>
+                      <m:d>
+                        <m:dPr>
+                          <m:ctrlPr>
+                            <a:rPr lang="en-US" altLang="he-IL" sz="2500" i="1">
+                              <a:latin typeface="Cambria Math"/>
+                            </a:rPr>
+                          </m:ctrlPr>
+                        </m:dPr>
+                        <m:e>
+                          <m:r>
+                            <a:rPr lang="en-US" altLang="he-IL" sz="2500" i="1">
+                              <a:latin typeface="Cambria Math"/>
+                            </a:rPr>
+                            <m:t>1</m:t>
+                          </m:r>
+                          <m:r>
+                            <a:rPr lang="en-US" altLang="he-IL" sz="2500" i="1">
+                              <a:latin typeface="Cambria Math"/>
+                            </a:rPr>
+                            <m:t>−</m:t>
+                          </m:r>
+                          <m:sSup>
+                            <m:sSupPr>
+                              <m:ctrlPr>
+                                <a:rPr lang="en-US" altLang="he-IL" sz="2500" b="0" i="1" smtClean="0">
+                                  <a:latin typeface="Cambria Math"/>
+                                </a:rPr>
+                              </m:ctrlPr>
+                            </m:sSupPr>
+                            <m:e>
+                              <m:d>
+                                <m:dPr>
+                                  <m:ctrlPr>
+                                    <a:rPr lang="en-US" altLang="he-IL" sz="2500" b="0" i="1" smtClean="0">
+                                      <a:latin typeface="Cambria Math"/>
+                                    </a:rPr>
+                                  </m:ctrlPr>
+                                </m:dPr>
+                                <m:e>
+                                  <m:f>
+                                    <m:fPr>
+                                      <m:ctrlPr>
+                                        <a:rPr lang="en-US" altLang="he-IL" sz="2500" b="0" i="1" smtClean="0">
+                                          <a:latin typeface="Cambria Math"/>
+                                        </a:rPr>
+                                      </m:ctrlPr>
+                                    </m:fPr>
+                                    <m:num>
+                                      <m:r>
+                                        <a:rPr lang="en-US" altLang="he-IL" sz="2500" b="0" i="1" smtClean="0">
+                                          <a:latin typeface="Cambria Math"/>
+                                        </a:rPr>
+                                        <m:t>𝑁</m:t>
+                                      </m:r>
+                                    </m:num>
+                                    <m:den>
+                                      <m:r>
+                                        <a:rPr lang="en-US" altLang="he-IL" sz="2500" b="0" i="1" smtClean="0">
+                                          <a:latin typeface="Cambria Math"/>
+                                        </a:rPr>
+                                        <m:t>𝐾</m:t>
+                                      </m:r>
+                                    </m:den>
+                                  </m:f>
+                                </m:e>
+                              </m:d>
+                            </m:e>
+                            <m:sup>
+                              <m:r>
+                                <a:rPr lang="en-US" altLang="he-IL" sz="2500" b="0" i="1" smtClean="0">
+                                  <a:latin typeface="Cambria Math"/>
+                                </a:rPr>
+                                <m:t>𝜈</m:t>
+                              </m:r>
+                            </m:sup>
+                          </m:sSup>
+                        </m:e>
+                      </m:d>
+                      <m:r>
+                        <a:rPr lang="en-US" altLang="he-IL" sz="2500" b="0" i="1" smtClean="0">
+                          <a:latin typeface="Cambria Math"/>
+                        </a:rPr>
+                        <m:t>,   </m:t>
+                      </m:r>
+                      <m:r>
+                        <a:rPr lang="en-US" sz="2500" b="0" i="1" smtClean="0">
+                          <a:latin typeface="Cambria Math"/>
+                          <a:ea typeface="Cambria Math" panose="02040503050406030204" pitchFamily="18" charset="0"/>
+                        </a:rPr>
+                        <m:t>𝛼</m:t>
+                      </m:r>
+                      <m:d>
+                        <m:dPr>
+                          <m:ctrlPr>
+                            <a:rPr lang="en-US" sz="2500" i="1">
+                              <a:latin typeface="Cambria Math" panose="02040503050406030204" pitchFamily="18" charset="0"/>
+                              <a:ea typeface="Cambria Math" panose="02040503050406030204" pitchFamily="18" charset="0"/>
+                            </a:rPr>
+                          </m:ctrlPr>
+                        </m:dPr>
+                        <m:e>
+                          <m:r>
+                            <a:rPr lang="en-US" sz="2500" i="1">
+                              <a:latin typeface="Cambria Math" panose="02040503050406030204" pitchFamily="18" charset="0"/>
+                              <a:ea typeface="Cambria Math" panose="02040503050406030204" pitchFamily="18" charset="0"/>
+                            </a:rPr>
+                            <m:t>𝑡</m:t>
+                          </m:r>
+                        </m:e>
+                      </m:d>
+                      <m:r>
+                        <a:rPr lang="en-US" sz="2500" i="1">
+                          <a:latin typeface="Cambria Math" panose="02040503050406030204" pitchFamily="18" charset="0"/>
+                          <a:ea typeface="Cambria Math" panose="02040503050406030204" pitchFamily="18" charset="0"/>
+                        </a:rPr>
+                        <m:t>=</m:t>
+                      </m:r>
+                      <m:f>
+                        <m:fPr>
+                          <m:ctrlPr>
+                            <a:rPr lang="en-US" sz="2500" b="0" i="1" smtClean="0">
+                              <a:latin typeface="Cambria Math"/>
+                              <a:ea typeface="Cambria Math" panose="02040503050406030204" pitchFamily="18" charset="0"/>
+                            </a:rPr>
+                          </m:ctrlPr>
+                        </m:fPr>
+                        <m:num>
+                          <m:sSub>
+                            <m:sSubPr>
+                              <m:ctrlPr>
+                                <a:rPr lang="en-US" sz="2500" b="0" i="1" smtClean="0">
+                                  <a:latin typeface="Cambria Math"/>
+                                  <a:ea typeface="Cambria Math" panose="02040503050406030204" pitchFamily="18" charset="0"/>
+                                </a:rPr>
+                              </m:ctrlPr>
+                            </m:sSubPr>
+                            <m:e>
+                              <m:r>
+                                <a:rPr lang="en-US" sz="2500" b="0" i="1" smtClean="0">
+                                  <a:latin typeface="Cambria Math"/>
+                                  <a:ea typeface="Cambria Math" panose="02040503050406030204" pitchFamily="18" charset="0"/>
+                                </a:rPr>
+                                <m:t>𝑞</m:t>
+                              </m:r>
+                            </m:e>
+                            <m:sub>
+                              <m:r>
+                                <a:rPr lang="en-US" sz="2500" b="0" i="1" smtClean="0">
+                                  <a:latin typeface="Cambria Math"/>
+                                  <a:ea typeface="Cambria Math" panose="02040503050406030204" pitchFamily="18" charset="0"/>
+                                </a:rPr>
+                                <m:t>0</m:t>
+                              </m:r>
+                            </m:sub>
+                          </m:sSub>
+                        </m:num>
+                        <m:den>
+                          <m:sSub>
+                            <m:sSubPr>
+                              <m:ctrlPr>
+                                <a:rPr lang="en-US" sz="2500" b="0" i="1" smtClean="0">
+                                  <a:latin typeface="Cambria Math"/>
+                                  <a:ea typeface="Cambria Math" panose="02040503050406030204" pitchFamily="18" charset="0"/>
+                                </a:rPr>
+                              </m:ctrlPr>
+                            </m:sSubPr>
+                            <m:e>
+                              <m:r>
+                                <a:rPr lang="en-US" sz="2500" b="0" i="1" smtClean="0">
+                                  <a:latin typeface="Cambria Math"/>
+                                  <a:ea typeface="Cambria Math" panose="02040503050406030204" pitchFamily="18" charset="0"/>
+                                </a:rPr>
+                                <m:t>𝑞</m:t>
+                              </m:r>
+                            </m:e>
+                            <m:sub>
+                              <m:r>
+                                <a:rPr lang="en-US" sz="2500" b="0" i="1" smtClean="0">
+                                  <a:latin typeface="Cambria Math"/>
+                                  <a:ea typeface="Cambria Math" panose="02040503050406030204" pitchFamily="18" charset="0"/>
+                                </a:rPr>
+                                <m:t>0</m:t>
+                              </m:r>
+                            </m:sub>
+                          </m:sSub>
+                          <m:r>
+                            <a:rPr lang="en-US" sz="2500" b="0" i="1" smtClean="0">
+                              <a:latin typeface="Cambria Math"/>
+                              <a:ea typeface="Cambria Math" panose="02040503050406030204" pitchFamily="18" charset="0"/>
+                            </a:rPr>
+                            <m:t>+</m:t>
+                          </m:r>
+                          <m:sSup>
+                            <m:sSupPr>
+                              <m:ctrlPr>
+                                <a:rPr lang="en-US" sz="2500" b="0" i="1" smtClean="0">
+                                  <a:latin typeface="Cambria Math"/>
+                                  <a:ea typeface="Cambria Math" panose="02040503050406030204" pitchFamily="18" charset="0"/>
+                                </a:rPr>
+                              </m:ctrlPr>
+                            </m:sSupPr>
+                            <m:e>
+                              <m:r>
+                                <a:rPr lang="en-US" sz="2500" b="0" i="1" smtClean="0">
+                                  <a:latin typeface="Cambria Math"/>
+                                  <a:ea typeface="Cambria Math" panose="02040503050406030204" pitchFamily="18" charset="0"/>
+                                </a:rPr>
+                                <m:t>𝑒</m:t>
+                              </m:r>
+                            </m:e>
+                            <m:sup>
+                              <m:r>
+                                <a:rPr lang="en-US" sz="2500" b="0" i="1" smtClean="0">
+                                  <a:latin typeface="Cambria Math"/>
+                                  <a:ea typeface="Cambria Math" panose="02040503050406030204" pitchFamily="18" charset="0"/>
+                                </a:rPr>
+                                <m:t>−</m:t>
+                              </m:r>
+                              <m:r>
+                                <a:rPr lang="en-US" sz="2500" b="0" i="1" smtClean="0">
+                                  <a:latin typeface="Cambria Math"/>
+                                  <a:ea typeface="Cambria Math" panose="02040503050406030204" pitchFamily="18" charset="0"/>
+                                </a:rPr>
+                                <m:t>𝑚𝑡</m:t>
+                              </m:r>
+                            </m:sup>
+                          </m:sSup>
+                        </m:den>
+                      </m:f>
+                    </m:oMath>
+                  </m:oMathPara>
+                </a14:m>
+                <a:endParaRPr lang="en-US" sz="2500" b="0" dirty="0" smtClean="0">
+                  <a:latin typeface="Cambria Math" panose="02040503050406030204" pitchFamily="18" charset="0"/>
+                  <a:ea typeface="Cambria Math" panose="02040503050406030204" pitchFamily="18" charset="0"/>
+                </a:endParaRPr>
+              </a:p>
+              <a:p>
+                <a:pPr eaLnBrk="1" hangingPunct="1">
+                  <a:spcBef>
+                    <a:spcPct val="10000"/>
+                  </a:spcBef>
+                </a:pPr>
+                <a14:m>
+                  <m:oMath xmlns:m="http://schemas.openxmlformats.org/officeDocument/2006/math">
+                    <m:r>
+                      <a:rPr lang="en-US" altLang="he-IL" sz="2000" i="1">
+                        <a:latin typeface="Cambria Math"/>
+                      </a:rPr>
+                      <m:t>𝑁</m:t>
+                    </m:r>
+                  </m:oMath>
+                </a14:m>
+                <a:r>
+                  <a:rPr lang="en-US" altLang="he-IL" sz="2000" dirty="0" smtClean="0">
+                    <a:latin typeface="Times New Roman" pitchFamily="18" charset="0"/>
+                  </a:rPr>
+                  <a:t> – population density		</a:t>
+                </a:r>
+                <a14:m>
+                  <m:oMath xmlns:m="http://schemas.openxmlformats.org/officeDocument/2006/math">
+                    <m:r>
+                      <a:rPr lang="en-US" altLang="he-IL" sz="2000" i="1">
+                        <a:latin typeface="Cambria Math"/>
+                      </a:rPr>
+                      <m:t>𝐾</m:t>
+                    </m:r>
+                  </m:oMath>
+                </a14:m>
+                <a:r>
+                  <a:rPr lang="en-US" altLang="he-IL" sz="2000" dirty="0">
+                    <a:latin typeface="Times New Roman" pitchFamily="18" charset="0"/>
+                  </a:rPr>
+                  <a:t> – maximum density</a:t>
+                </a:r>
+              </a:p>
+              <a:p>
+                <a:pPr eaLnBrk="1" hangingPunct="1">
+                  <a:spcBef>
+                    <a:spcPct val="10000"/>
+                  </a:spcBef>
+                </a:pPr>
+                <a14:m>
+                  <m:oMath xmlns:m="http://schemas.openxmlformats.org/officeDocument/2006/math">
+                    <m:r>
+                      <a:rPr lang="en-US" altLang="he-IL" sz="2000" i="1">
+                        <a:latin typeface="Cambria Math"/>
+                      </a:rPr>
+                      <m:t>𝑟</m:t>
+                    </m:r>
+                  </m:oMath>
+                </a14:m>
+                <a:r>
+                  <a:rPr lang="en-US" altLang="he-IL" sz="2000" dirty="0" smtClean="0">
+                    <a:latin typeface="Times New Roman" pitchFamily="18" charset="0"/>
+                  </a:rPr>
+                  <a:t> – growth rate </a:t>
+                </a:r>
+                <a:r>
+                  <a:rPr lang="en-US" altLang="he-IL" sz="2000" dirty="0">
+                    <a:latin typeface="Times New Roman" pitchFamily="18" charset="0"/>
+                  </a:rPr>
+                  <a:t>(</a:t>
+                </a:r>
+                <a:r>
+                  <a:rPr lang="en-US" altLang="he-IL" sz="2000" dirty="0" smtClean="0">
+                    <a:latin typeface="Times New Roman" pitchFamily="18" charset="0"/>
+                  </a:rPr>
+                  <a:t>low density)	</a:t>
+                </a:r>
+                <a14:m>
+                  <m:oMath xmlns:m="http://schemas.openxmlformats.org/officeDocument/2006/math">
+                    <m:r>
+                      <a:rPr lang="en-US" altLang="he-IL" sz="2000" i="1">
+                        <a:latin typeface="Cambria Math"/>
+                      </a:rPr>
+                      <m:t>𝜈</m:t>
+                    </m:r>
+                  </m:oMath>
+                </a14:m>
+                <a:r>
+                  <a:rPr lang="en-US" altLang="he-IL" sz="2000" dirty="0" smtClean="0">
+                    <a:latin typeface="Times New Roman" pitchFamily="18" charset="0"/>
+                  </a:rPr>
+                  <a:t> – growth deceleration</a:t>
+                </a:r>
+              </a:p>
+              <a:p>
+                <a:pPr eaLnBrk="1" hangingPunct="1">
+                  <a:spcBef>
+                    <a:spcPct val="10000"/>
+                  </a:spcBef>
+                </a:pPr>
+                <a14:m>
+                  <m:oMath xmlns:m="http://schemas.openxmlformats.org/officeDocument/2006/math">
+                    <m:r>
+                      <a:rPr lang="en-US" sz="2000" i="1">
+                        <a:latin typeface="Cambria Math"/>
+                        <a:ea typeface="Cambria Math" panose="02040503050406030204" pitchFamily="18" charset="0"/>
+                      </a:rPr>
+                      <m:t>𝛼</m:t>
+                    </m:r>
+                    <m:d>
+                      <m:dPr>
+                        <m:ctrlPr>
+                          <a:rPr lang="en-US" sz="2000" i="1">
+                            <a:latin typeface="Cambria Math"/>
+                            <a:ea typeface="Cambria Math" panose="02040503050406030204" pitchFamily="18" charset="0"/>
+                          </a:rPr>
+                        </m:ctrlPr>
+                      </m:dPr>
+                      <m:e>
+                        <m:r>
+                          <a:rPr lang="en-US" sz="2000" i="1">
+                            <a:latin typeface="Cambria Math" panose="02040503050406030204" pitchFamily="18" charset="0"/>
+                            <a:ea typeface="Cambria Math" panose="02040503050406030204" pitchFamily="18" charset="0"/>
+                          </a:rPr>
+                          <m:t>𝑡</m:t>
+                        </m:r>
+                      </m:e>
+                    </m:d>
+                  </m:oMath>
+                </a14:m>
+                <a:r>
+                  <a:rPr lang="en-US" altLang="he-IL" sz="2000" dirty="0" smtClean="0">
+                    <a:latin typeface="Times New Roman" pitchFamily="18" charset="0"/>
+                  </a:rPr>
+                  <a:t> - physiological adjustment function</a:t>
+                </a:r>
+              </a:p>
+              <a:p>
+                <a:pPr eaLnBrk="1" hangingPunct="1">
+                  <a:spcBef>
+                    <a:spcPct val="10000"/>
+                  </a:spcBef>
+                </a:pPr>
+                <a14:m>
+                  <m:oMath xmlns:m="http://schemas.openxmlformats.org/officeDocument/2006/math">
+                    <m:sSub>
+                      <m:sSubPr>
+                        <m:ctrlPr>
+                          <a:rPr lang="en-US" sz="2000" i="1">
+                            <a:latin typeface="Cambria Math"/>
+                            <a:ea typeface="Cambria Math" panose="02040503050406030204" pitchFamily="18" charset="0"/>
+                          </a:rPr>
+                        </m:ctrlPr>
+                      </m:sSubPr>
+                      <m:e>
+                        <m:r>
+                          <a:rPr lang="en-US" sz="2000" i="1">
+                            <a:latin typeface="Cambria Math"/>
+                            <a:ea typeface="Cambria Math" panose="02040503050406030204" pitchFamily="18" charset="0"/>
+                          </a:rPr>
+                          <m:t>𝑞</m:t>
+                        </m:r>
+                      </m:e>
+                      <m:sub>
+                        <m:r>
+                          <a:rPr lang="en-US" sz="2000" i="1">
+                            <a:latin typeface="Cambria Math"/>
+                            <a:ea typeface="Cambria Math" panose="02040503050406030204" pitchFamily="18" charset="0"/>
+                          </a:rPr>
+                          <m:t>0</m:t>
+                        </m:r>
+                      </m:sub>
+                    </m:sSub>
+                  </m:oMath>
+                </a14:m>
+                <a:r>
+                  <a:rPr lang="en-US" altLang="he-IL" sz="2000" dirty="0" smtClean="0">
+                    <a:latin typeface="Times New Roman" pitchFamily="18" charset="0"/>
+                  </a:rPr>
+                  <a:t> - initial physiological state	</a:t>
+                </a:r>
+                <a14:m>
+                  <m:oMath xmlns:m="http://schemas.openxmlformats.org/officeDocument/2006/math">
+                    <m:r>
+                      <a:rPr lang="en-US" sz="2000" i="1">
+                        <a:latin typeface="Cambria Math"/>
+                        <a:ea typeface="Cambria Math" panose="02040503050406030204" pitchFamily="18" charset="0"/>
+                      </a:rPr>
+                      <m:t>𝑚</m:t>
+                    </m:r>
+                  </m:oMath>
+                </a14:m>
+                <a:r>
+                  <a:rPr lang="en-US" altLang="he-IL" sz="2000" dirty="0" smtClean="0">
+                    <a:latin typeface="Times New Roman" pitchFamily="18" charset="0"/>
+                  </a:rPr>
+                  <a:t> – </a:t>
+                </a:r>
+                <a:r>
+                  <a:rPr lang="en-US" altLang="he-IL" sz="2000" dirty="0" err="1" smtClean="0">
+                    <a:latin typeface="Times New Roman" pitchFamily="18" charset="0"/>
+                  </a:rPr>
+                  <a:t>physio</a:t>
+                </a:r>
+                <a:r>
+                  <a:rPr lang="en-US" altLang="he-IL" sz="2000" dirty="0" smtClean="0">
+                    <a:latin typeface="Times New Roman" pitchFamily="18" charset="0"/>
+                  </a:rPr>
+                  <a:t>. adjustment rate</a:t>
+                </a:r>
+                <a:endParaRPr lang="en-US" altLang="he-IL" sz="2000" dirty="0" smtClean="0">
+                  <a:latin typeface="Times New Roman" pitchFamily="18" charset="0"/>
+                </a:endParaRPr>
+              </a:p>
+              <a:p>
+                <a:pPr eaLnBrk="1" hangingPunct="1">
+                  <a:spcBef>
+                    <a:spcPct val="10000"/>
+                  </a:spcBef>
+                </a:pPr>
+                <a:endParaRPr lang="en-US" altLang="he-IL" sz="2500" dirty="0">
+                  <a:latin typeface="Times New Roman" pitchFamily="18" charset="0"/>
+                </a:endParaRPr>
+              </a:p>
+            </p:txBody>
+          </p:sp>
+        </mc:Choice>
+        <mc:Fallback>
+          <p:sp>
+            <p:nvSpPr>
+              <p:cNvPr id="14340" name="Text Box 11"/>
+              <p:cNvSpPr txBox="1">
+                <a:spLocks noRot="1" noChangeAspect="1" noMove="1" noResize="1" noEditPoints="1" noAdjustHandles="1" noChangeArrowheads="1" noChangeShapeType="1" noTextEdit="1"/>
+              </p:cNvSpPr>
+              <p:nvPr/>
+            </p:nvSpPr>
+            <p:spPr bwMode="auto">
+              <a:xfrm>
+                <a:off x="1270223" y="19716750"/>
+                <a:ext cx="8458200" cy="14363700"/>
+              </a:xfrm>
+              <a:prstGeom prst="rect">
+                <a:avLst/>
+              </a:prstGeom>
+              <a:blipFill rotWithShape="1">
+                <a:blip r:embed="rId8"/>
+                <a:stretch>
+                  <a:fillRect/>
+                </a:stretch>
+              </a:blipFill>
+              <a:ln w="38100">
                 <a:solidFill>
-                  <a:srgbClr val="FF8000"/>
+                  <a:srgbClr val="000000"/>
                 </a:solidFill>
-                <a:latin typeface="Times New Roman" pitchFamily="18" charset="0"/>
-              </a:rPr>
-              <a:t>	</a:t>
-            </a:r>
-            <a:endParaRPr lang="en-US" altLang="he-IL" sz="2100">
-              <a:latin typeface="Times New Roman" pitchFamily="18" charset="0"/>
-            </a:endParaRPr>
-          </a:p>
-          <a:p>
-            <a:pPr eaLnBrk="1" hangingPunct="1">
-              <a:spcBef>
-                <a:spcPct val="10000"/>
-              </a:spcBef>
-            </a:pPr>
-            <a:r>
-              <a:rPr lang="en-US" altLang="he-IL" sz="2500">
-                <a:latin typeface="Times New Roman" pitchFamily="18" charset="0"/>
-              </a:rPr>
-              <a:t>Blah, blah, blah</a:t>
-            </a:r>
-          </a:p>
-          <a:p>
-            <a:pPr eaLnBrk="1" hangingPunct="1">
-              <a:spcBef>
-                <a:spcPct val="10000"/>
-              </a:spcBef>
-            </a:pPr>
-            <a:endParaRPr lang="en-US" altLang="he-IL" sz="2500">
-              <a:latin typeface="Times New Roman" pitchFamily="18" charset="0"/>
-            </a:endParaRPr>
-          </a:p>
-        </p:txBody>
-      </p:sp>
+                <a:round/>
+                <a:headEnd/>
+                <a:tailEnd/>
+              </a:ln>
+            </p:spPr>
+            <p:txBody>
+              <a:bodyPr/>
+              <a:lstStyle/>
+              <a:p>
+                <a:r>
+                  <a:rPr lang="he-IL">
+                    <a:noFill/>
+                  </a:rPr>
+                  <a:t> </a:t>
+                </a:r>
+              </a:p>
+            </p:txBody>
+          </p:sp>
+        </mc:Fallback>
+      </mc:AlternateContent>
       <p:sp>
         <p:nvSpPr>
           <p:cNvPr id="14341" name="Text Box 16"/>
@@ -4680,8 +6442,8 @@
         </p:nvSpPr>
         <p:spPr bwMode="auto">
           <a:xfrm>
-            <a:off x="15894051" y="35783839"/>
-            <a:ext cx="6109606" cy="3947204"/>
+            <a:off x="11225433" y="35783839"/>
+            <a:ext cx="8458200" cy="3311668"/>
           </a:xfrm>
           <a:prstGeom prst="rect">
             <a:avLst/>
@@ -4829,540 +6591,586 @@
                 <a:spcPct val="10000"/>
               </a:spcBef>
             </a:pPr>
-            <a:r>
-              <a:rPr lang="en-US" altLang="he-IL" sz="2500" dirty="0" smtClean="0">
-                <a:latin typeface="Times New Roman" pitchFamily="18" charset="0"/>
-              </a:rPr>
-              <a:t>We thank </a:t>
-            </a:r>
-            <a:r>
-              <a:rPr lang="en-US" altLang="he-IL" sz="2500" dirty="0" err="1" smtClean="0">
-                <a:latin typeface="Times New Roman" pitchFamily="18" charset="0"/>
-              </a:rPr>
-              <a:t>Tzachi</a:t>
-            </a:r>
-            <a:r>
-              <a:rPr lang="en-US" altLang="he-IL" sz="2500" dirty="0" smtClean="0">
-                <a:latin typeface="Times New Roman" pitchFamily="18" charset="0"/>
-              </a:rPr>
-              <a:t> </a:t>
-            </a:r>
-            <a:r>
-              <a:rPr lang="en-US" altLang="he-IL" sz="2500" dirty="0" err="1" smtClean="0">
-                <a:latin typeface="Times New Roman" pitchFamily="18" charset="0"/>
-              </a:rPr>
-              <a:t>Pilpel</a:t>
-            </a:r>
-            <a:r>
-              <a:rPr lang="en-US" altLang="he-IL" sz="2500" dirty="0" smtClean="0">
-                <a:latin typeface="Times New Roman" pitchFamily="18" charset="0"/>
-              </a:rPr>
-              <a:t>, </a:t>
-            </a:r>
-            <a:r>
-              <a:rPr lang="en-US" altLang="he-IL" sz="2500" dirty="0" err="1" smtClean="0">
-                <a:latin typeface="Times New Roman" pitchFamily="18" charset="0"/>
-              </a:rPr>
-              <a:t>Orna</a:t>
-            </a:r>
-            <a:r>
-              <a:rPr lang="en-US" altLang="he-IL" sz="2500" dirty="0" smtClean="0">
-                <a:latin typeface="Times New Roman" pitchFamily="18" charset="0"/>
-              </a:rPr>
-              <a:t> </a:t>
-            </a:r>
-            <a:r>
-              <a:rPr lang="en-US" altLang="he-IL" sz="2500" dirty="0" err="1" smtClean="0">
-                <a:latin typeface="Times New Roman" pitchFamily="18" charset="0"/>
-              </a:rPr>
-              <a:t>Dahan</a:t>
-            </a:r>
-            <a:r>
-              <a:rPr lang="en-US" altLang="he-IL" sz="2500" dirty="0" smtClean="0">
-                <a:latin typeface="Times New Roman" pitchFamily="18" charset="0"/>
-              </a:rPr>
-              <a:t>, </a:t>
-            </a:r>
-            <a:r>
-              <a:rPr lang="en-US" altLang="he-IL" sz="2500" dirty="0" err="1" smtClean="0">
-                <a:latin typeface="Times New Roman" pitchFamily="18" charset="0"/>
-              </a:rPr>
-              <a:t>Idan</a:t>
-            </a:r>
-            <a:r>
-              <a:rPr lang="en-US" altLang="he-IL" sz="2500" dirty="0" smtClean="0">
-                <a:latin typeface="Times New Roman" pitchFamily="18" charset="0"/>
-              </a:rPr>
-              <a:t> </a:t>
-            </a:r>
-            <a:r>
-              <a:rPr lang="en-US" altLang="he-IL" sz="2500" dirty="0" err="1" smtClean="0">
-                <a:latin typeface="Times New Roman" pitchFamily="18" charset="0"/>
-              </a:rPr>
-              <a:t>Frumkin</a:t>
-            </a:r>
-            <a:r>
-              <a:rPr lang="en-US" altLang="he-IL" sz="2500" dirty="0" smtClean="0">
-                <a:latin typeface="Times New Roman" pitchFamily="18" charset="0"/>
-              </a:rPr>
-              <a:t>, </a:t>
-            </a:r>
-            <a:r>
-              <a:rPr lang="en-US" altLang="he-IL" sz="2500" dirty="0" err="1" smtClean="0">
-                <a:latin typeface="Times New Roman" pitchFamily="18" charset="0"/>
-              </a:rPr>
-              <a:t>Dorit</a:t>
-            </a:r>
-            <a:r>
-              <a:rPr lang="en-US" altLang="he-IL" sz="2500" dirty="0" smtClean="0">
-                <a:latin typeface="Times New Roman" pitchFamily="18" charset="0"/>
-              </a:rPr>
-              <a:t> </a:t>
-            </a:r>
-            <a:r>
-              <a:rPr lang="en-US" altLang="he-IL" sz="2500" dirty="0" err="1" smtClean="0">
-                <a:latin typeface="Times New Roman" pitchFamily="18" charset="0"/>
-              </a:rPr>
-              <a:t>Hizi</a:t>
-            </a:r>
-            <a:r>
-              <a:rPr lang="en-US" altLang="he-IL" sz="2500" dirty="0" smtClean="0">
-                <a:latin typeface="Times New Roman" pitchFamily="18" charset="0"/>
-              </a:rPr>
-              <a:t>, and </a:t>
-            </a:r>
-            <a:r>
-              <a:rPr lang="en-US" altLang="he-IL" sz="2500" dirty="0" err="1" smtClean="0">
-                <a:latin typeface="Times New Roman" pitchFamily="18" charset="0"/>
-              </a:rPr>
-              <a:t>Avihu</a:t>
-            </a:r>
-            <a:r>
-              <a:rPr lang="en-US" altLang="he-IL" sz="2500" dirty="0" smtClean="0">
-                <a:latin typeface="Times New Roman" pitchFamily="18" charset="0"/>
-              </a:rPr>
-              <a:t> </a:t>
-            </a:r>
-            <a:r>
-              <a:rPr lang="en-US" altLang="he-IL" sz="2500" dirty="0" err="1" smtClean="0">
-                <a:latin typeface="Times New Roman" pitchFamily="18" charset="0"/>
-              </a:rPr>
-              <a:t>Yona</a:t>
-            </a:r>
-            <a:r>
-              <a:rPr lang="en-US" altLang="he-IL" sz="2500" dirty="0" smtClean="0">
-                <a:latin typeface="Times New Roman" pitchFamily="18" charset="0"/>
-              </a:rPr>
-              <a:t> for thought provoking conversations and for sharing unpublished data. </a:t>
-            </a:r>
-            <a:endParaRPr lang="en-US" altLang="he-IL" sz="2500" dirty="0" smtClean="0">
-              <a:latin typeface="Times New Roman" pitchFamily="18" charset="0"/>
-            </a:endParaRPr>
-          </a:p>
-          <a:p>
-            <a:pPr eaLnBrk="1" hangingPunct="1">
-              <a:spcBef>
-                <a:spcPct val="10000"/>
-              </a:spcBef>
-            </a:pPr>
             <a:endParaRPr lang="en-US" altLang="he-IL" sz="2500" dirty="0">
               <a:latin typeface="Times New Roman" pitchFamily="18" charset="0"/>
             </a:endParaRPr>
           </a:p>
         </p:txBody>
       </p:sp>
-      <p:sp>
-        <p:nvSpPr>
-          <p:cNvPr id="14342" name="Text Box 12"/>
-          <p:cNvSpPr txBox="1">
-            <a:spLocks noChangeArrowheads="1"/>
-          </p:cNvSpPr>
-          <p:nvPr/>
-        </p:nvSpPr>
-        <p:spPr bwMode="auto">
-          <a:xfrm>
-            <a:off x="10942638" y="7550150"/>
-            <a:ext cx="8458200" cy="26530300"/>
-          </a:xfrm>
-          <a:prstGeom prst="rect">
-            <a:avLst/>
-          </a:prstGeom>
-          <a:solidFill>
-            <a:schemeClr val="bg1"/>
-          </a:solidFill>
-          <a:ln w="38100">
-            <a:solidFill>
-              <a:srgbClr val="000000"/>
-            </a:solidFill>
-            <a:round/>
-            <a:headEnd/>
-            <a:tailEnd/>
-          </a:ln>
-        </p:spPr>
-        <p:txBody>
-          <a:bodyPr lIns="802806" tIns="401404" rIns="802806" bIns="802806"/>
-          <a:lstStyle>
-            <a:lvl1pPr eaLnBrk="0" hangingPunct="0">
-              <a:tabLst>
-                <a:tab pos="500063" algn="l"/>
-              </a:tabLst>
-              <a:defRPr sz="2800">
-                <a:solidFill>
-                  <a:schemeClr val="tx1"/>
-                </a:solidFill>
-                <a:latin typeface="Helvetica" pitchFamily="124" charset="0"/>
-                <a:ea typeface="MS PGothic" pitchFamily="34" charset="-128"/>
-              </a:defRPr>
-            </a:lvl1pPr>
-            <a:lvl2pPr marL="742950" indent="-285750" eaLnBrk="0" hangingPunct="0">
-              <a:tabLst>
-                <a:tab pos="500063" algn="l"/>
-              </a:tabLst>
-              <a:defRPr sz="2800">
-                <a:solidFill>
-                  <a:schemeClr val="tx1"/>
-                </a:solidFill>
-                <a:latin typeface="Helvetica" pitchFamily="124" charset="0"/>
-                <a:ea typeface="MS PGothic" pitchFamily="34" charset="-128"/>
-              </a:defRPr>
-            </a:lvl2pPr>
-            <a:lvl3pPr marL="1143000" indent="-228600" eaLnBrk="0" hangingPunct="0">
-              <a:tabLst>
-                <a:tab pos="500063" algn="l"/>
-              </a:tabLst>
-              <a:defRPr sz="2800">
-                <a:solidFill>
-                  <a:schemeClr val="tx1"/>
-                </a:solidFill>
-                <a:latin typeface="Helvetica" pitchFamily="124" charset="0"/>
-                <a:ea typeface="MS PGothic" pitchFamily="34" charset="-128"/>
-              </a:defRPr>
-            </a:lvl3pPr>
-            <a:lvl4pPr marL="1600200" indent="-228600" eaLnBrk="0" hangingPunct="0">
-              <a:tabLst>
-                <a:tab pos="500063" algn="l"/>
-              </a:tabLst>
-              <a:defRPr sz="2800">
-                <a:solidFill>
-                  <a:schemeClr val="tx1"/>
-                </a:solidFill>
-                <a:latin typeface="Helvetica" pitchFamily="124" charset="0"/>
-                <a:ea typeface="MS PGothic" pitchFamily="34" charset="-128"/>
-              </a:defRPr>
-            </a:lvl4pPr>
-            <a:lvl5pPr marL="2057400" indent="-228600" eaLnBrk="0" hangingPunct="0">
-              <a:tabLst>
-                <a:tab pos="500063" algn="l"/>
-              </a:tabLst>
-              <a:defRPr sz="2800">
-                <a:solidFill>
-                  <a:schemeClr val="tx1"/>
-                </a:solidFill>
-                <a:latin typeface="Helvetica" pitchFamily="124" charset="0"/>
-                <a:ea typeface="MS PGothic" pitchFamily="34" charset="-128"/>
-              </a:defRPr>
-            </a:lvl5pPr>
-            <a:lvl6pPr marL="2514600" indent="-228600" algn="l" rtl="0" eaLnBrk="0" fontAlgn="base" hangingPunct="0">
-              <a:spcBef>
-                <a:spcPct val="0"/>
-              </a:spcBef>
-              <a:spcAft>
-                <a:spcPct val="0"/>
-              </a:spcAft>
-              <a:tabLst>
-                <a:tab pos="500063" algn="l"/>
-              </a:tabLst>
-              <a:defRPr sz="2800">
-                <a:solidFill>
-                  <a:schemeClr val="tx1"/>
-                </a:solidFill>
-                <a:latin typeface="Helvetica" pitchFamily="124" charset="0"/>
-                <a:ea typeface="MS PGothic" pitchFamily="34" charset="-128"/>
-              </a:defRPr>
-            </a:lvl6pPr>
-            <a:lvl7pPr marL="2971800" indent="-228600" algn="l" rtl="0" eaLnBrk="0" fontAlgn="base" hangingPunct="0">
-              <a:spcBef>
-                <a:spcPct val="0"/>
-              </a:spcBef>
-              <a:spcAft>
-                <a:spcPct val="0"/>
-              </a:spcAft>
-              <a:tabLst>
-                <a:tab pos="500063" algn="l"/>
-              </a:tabLst>
-              <a:defRPr sz="2800">
-                <a:solidFill>
-                  <a:schemeClr val="tx1"/>
-                </a:solidFill>
-                <a:latin typeface="Helvetica" pitchFamily="124" charset="0"/>
-                <a:ea typeface="MS PGothic" pitchFamily="34" charset="-128"/>
-              </a:defRPr>
-            </a:lvl7pPr>
-            <a:lvl8pPr marL="3429000" indent="-228600" algn="l" rtl="0" eaLnBrk="0" fontAlgn="base" hangingPunct="0">
-              <a:spcBef>
-                <a:spcPct val="0"/>
-              </a:spcBef>
-              <a:spcAft>
-                <a:spcPct val="0"/>
-              </a:spcAft>
-              <a:tabLst>
-                <a:tab pos="500063" algn="l"/>
-              </a:tabLst>
-              <a:defRPr sz="2800">
-                <a:solidFill>
-                  <a:schemeClr val="tx1"/>
-                </a:solidFill>
-                <a:latin typeface="Helvetica" pitchFamily="124" charset="0"/>
-                <a:ea typeface="MS PGothic" pitchFamily="34" charset="-128"/>
-              </a:defRPr>
-            </a:lvl8pPr>
-            <a:lvl9pPr marL="3886200" indent="-228600" algn="l" rtl="0" eaLnBrk="0" fontAlgn="base" hangingPunct="0">
-              <a:spcBef>
-                <a:spcPct val="0"/>
-              </a:spcBef>
-              <a:spcAft>
-                <a:spcPct val="0"/>
-              </a:spcAft>
-              <a:tabLst>
-                <a:tab pos="500063" algn="l"/>
-              </a:tabLst>
-              <a:defRPr sz="2800">
-                <a:solidFill>
-                  <a:schemeClr val="tx1"/>
-                </a:solidFill>
-                <a:latin typeface="Helvetica" pitchFamily="124" charset="0"/>
-                <a:ea typeface="MS PGothic" pitchFamily="34" charset="-128"/>
-              </a:defRPr>
-            </a:lvl9pPr>
-          </a:lstStyle>
-          <a:p>
-            <a:pPr algn="just" eaLnBrk="1" hangingPunct="1"/>
-            <a:r>
-              <a:rPr lang="en-US" altLang="he-IL" sz="4200" b="1">
+      <mc:AlternateContent xmlns:mc="http://schemas.openxmlformats.org/markup-compatibility/2006">
+        <mc:Choice xmlns:a14="http://schemas.microsoft.com/office/drawing/2010/main" Requires="a14">
+          <p:sp>
+            <p:nvSpPr>
+              <p:cNvPr id="14342" name="Text Box 12"/>
+              <p:cNvSpPr txBox="1">
+                <a:spLocks noChangeArrowheads="1"/>
+              </p:cNvSpPr>
+              <p:nvPr/>
+            </p:nvSpPr>
+            <p:spPr bwMode="auto">
+              <a:xfrm>
+                <a:off x="10942638" y="7550150"/>
+                <a:ext cx="8458200" cy="10478295"/>
+              </a:xfrm>
+              <a:prstGeom prst="rect">
+                <a:avLst/>
+              </a:prstGeom>
+              <a:solidFill>
+                <a:schemeClr val="bg1"/>
+              </a:solidFill>
+              <a:ln w="38100">
                 <a:solidFill>
                   <a:srgbClr val="000000"/>
                 </a:solidFill>
-                <a:latin typeface="Calibri" pitchFamily="34" charset="0"/>
-              </a:rPr>
-              <a:t>Results</a:t>
-            </a:r>
-            <a:endParaRPr lang="en-US" altLang="he-IL" sz="2500" b="1">
-              <a:solidFill>
-                <a:srgbClr val="000000"/>
-              </a:solidFill>
-              <a:latin typeface="Calibri" pitchFamily="34" charset="0"/>
-            </a:endParaRPr>
-          </a:p>
-          <a:p>
-            <a:pPr eaLnBrk="1" hangingPunct="1">
-              <a:spcBef>
-                <a:spcPct val="10000"/>
-              </a:spcBef>
-            </a:pPr>
-            <a:r>
-              <a:rPr lang="en-US" altLang="he-IL" sz="2500">
-                <a:latin typeface="Times New Roman" pitchFamily="18" charset="0"/>
-              </a:rPr>
-              <a:t>Blah, blah, blah</a:t>
-            </a:r>
-          </a:p>
-        </p:txBody>
-      </p:sp>
-      <p:sp>
-        <p:nvSpPr>
-          <p:cNvPr id="14343" name="Text Box 13"/>
-          <p:cNvSpPr txBox="1">
-            <a:spLocks noChangeArrowheads="1"/>
-          </p:cNvSpPr>
-          <p:nvPr/>
-        </p:nvSpPr>
-        <p:spPr bwMode="auto">
-          <a:xfrm>
-            <a:off x="20610513" y="7550150"/>
-            <a:ext cx="8458200" cy="20956588"/>
-          </a:xfrm>
-          <a:prstGeom prst="rect">
-            <a:avLst/>
-          </a:prstGeom>
-          <a:solidFill>
-            <a:schemeClr val="bg1"/>
-          </a:solidFill>
-          <a:ln w="38100">
-            <a:solidFill>
-              <a:srgbClr val="000000"/>
-            </a:solidFill>
-            <a:round/>
-            <a:headEnd/>
-            <a:tailEnd/>
-          </a:ln>
-        </p:spPr>
-        <p:txBody>
-          <a:bodyPr lIns="802806" tIns="401404" rIns="802806" bIns="802806"/>
-          <a:lstStyle>
-            <a:lvl1pPr eaLnBrk="0" hangingPunct="0">
-              <a:tabLst>
-                <a:tab pos="635000" algn="l"/>
-              </a:tabLst>
-              <a:defRPr sz="2800">
-                <a:solidFill>
-                  <a:schemeClr val="tx1"/>
-                </a:solidFill>
-                <a:latin typeface="Helvetica" pitchFamily="124" charset="0"/>
-                <a:ea typeface="MS PGothic" pitchFamily="34" charset="-128"/>
-              </a:defRPr>
-            </a:lvl1pPr>
-            <a:lvl2pPr marL="742950" indent="-285750" eaLnBrk="0" hangingPunct="0">
-              <a:tabLst>
-                <a:tab pos="635000" algn="l"/>
-              </a:tabLst>
-              <a:defRPr sz="2800">
-                <a:solidFill>
-                  <a:schemeClr val="tx1"/>
-                </a:solidFill>
-                <a:latin typeface="Helvetica" pitchFamily="124" charset="0"/>
-                <a:ea typeface="MS PGothic" pitchFamily="34" charset="-128"/>
-              </a:defRPr>
-            </a:lvl2pPr>
-            <a:lvl3pPr marL="1143000" indent="-228600" eaLnBrk="0" hangingPunct="0">
-              <a:tabLst>
-                <a:tab pos="635000" algn="l"/>
-              </a:tabLst>
-              <a:defRPr sz="2800">
-                <a:solidFill>
-                  <a:schemeClr val="tx1"/>
-                </a:solidFill>
-                <a:latin typeface="Helvetica" pitchFamily="124" charset="0"/>
-                <a:ea typeface="MS PGothic" pitchFamily="34" charset="-128"/>
-              </a:defRPr>
-            </a:lvl3pPr>
-            <a:lvl4pPr marL="1600200" indent="-228600" eaLnBrk="0" hangingPunct="0">
-              <a:tabLst>
-                <a:tab pos="635000" algn="l"/>
-              </a:tabLst>
-              <a:defRPr sz="2800">
-                <a:solidFill>
-                  <a:schemeClr val="tx1"/>
-                </a:solidFill>
-                <a:latin typeface="Helvetica" pitchFamily="124" charset="0"/>
-                <a:ea typeface="MS PGothic" pitchFamily="34" charset="-128"/>
-              </a:defRPr>
-            </a:lvl4pPr>
-            <a:lvl5pPr marL="2057400" indent="-228600" eaLnBrk="0" hangingPunct="0">
-              <a:tabLst>
-                <a:tab pos="635000" algn="l"/>
-              </a:tabLst>
-              <a:defRPr sz="2800">
-                <a:solidFill>
-                  <a:schemeClr val="tx1"/>
-                </a:solidFill>
-                <a:latin typeface="Helvetica" pitchFamily="124" charset="0"/>
-                <a:ea typeface="MS PGothic" pitchFamily="34" charset="-128"/>
-              </a:defRPr>
-            </a:lvl5pPr>
-            <a:lvl6pPr marL="2514600" indent="-228600" algn="l" rtl="0" eaLnBrk="0" fontAlgn="base" hangingPunct="0">
-              <a:spcBef>
-                <a:spcPct val="0"/>
-              </a:spcBef>
-              <a:spcAft>
-                <a:spcPct val="0"/>
-              </a:spcAft>
-              <a:tabLst>
-                <a:tab pos="635000" algn="l"/>
-              </a:tabLst>
-              <a:defRPr sz="2800">
-                <a:solidFill>
-                  <a:schemeClr val="tx1"/>
-                </a:solidFill>
-                <a:latin typeface="Helvetica" pitchFamily="124" charset="0"/>
-                <a:ea typeface="MS PGothic" pitchFamily="34" charset="-128"/>
-              </a:defRPr>
-            </a:lvl6pPr>
-            <a:lvl7pPr marL="2971800" indent="-228600" algn="l" rtl="0" eaLnBrk="0" fontAlgn="base" hangingPunct="0">
-              <a:spcBef>
-                <a:spcPct val="0"/>
-              </a:spcBef>
-              <a:spcAft>
-                <a:spcPct val="0"/>
-              </a:spcAft>
-              <a:tabLst>
-                <a:tab pos="635000" algn="l"/>
-              </a:tabLst>
-              <a:defRPr sz="2800">
-                <a:solidFill>
-                  <a:schemeClr val="tx1"/>
-                </a:solidFill>
-                <a:latin typeface="Helvetica" pitchFamily="124" charset="0"/>
-                <a:ea typeface="MS PGothic" pitchFamily="34" charset="-128"/>
-              </a:defRPr>
-            </a:lvl7pPr>
-            <a:lvl8pPr marL="3429000" indent="-228600" algn="l" rtl="0" eaLnBrk="0" fontAlgn="base" hangingPunct="0">
-              <a:spcBef>
-                <a:spcPct val="0"/>
-              </a:spcBef>
-              <a:spcAft>
-                <a:spcPct val="0"/>
-              </a:spcAft>
-              <a:tabLst>
-                <a:tab pos="635000" algn="l"/>
-              </a:tabLst>
-              <a:defRPr sz="2800">
-                <a:solidFill>
-                  <a:schemeClr val="tx1"/>
-                </a:solidFill>
-                <a:latin typeface="Helvetica" pitchFamily="124" charset="0"/>
-                <a:ea typeface="MS PGothic" pitchFamily="34" charset="-128"/>
-              </a:defRPr>
-            </a:lvl8pPr>
-            <a:lvl9pPr marL="3886200" indent="-228600" algn="l" rtl="0" eaLnBrk="0" fontAlgn="base" hangingPunct="0">
-              <a:spcBef>
-                <a:spcPct val="0"/>
-              </a:spcBef>
-              <a:spcAft>
-                <a:spcPct val="0"/>
-              </a:spcAft>
-              <a:tabLst>
-                <a:tab pos="635000" algn="l"/>
-              </a:tabLst>
-              <a:defRPr sz="2800">
-                <a:solidFill>
-                  <a:schemeClr val="tx1"/>
-                </a:solidFill>
-                <a:latin typeface="Helvetica" pitchFamily="124" charset="0"/>
-                <a:ea typeface="MS PGothic" pitchFamily="34" charset="-128"/>
-              </a:defRPr>
-            </a:lvl9pPr>
-          </a:lstStyle>
-          <a:p>
-            <a:pPr eaLnBrk="1" hangingPunct="1">
-              <a:spcBef>
-                <a:spcPct val="50000"/>
-              </a:spcBef>
-            </a:pPr>
-            <a:r>
-              <a:rPr lang="en-US" altLang="he-IL" sz="3900" b="1">
+                <a:round/>
+                <a:headEnd/>
+                <a:tailEnd/>
+              </a:ln>
+            </p:spPr>
+            <p:txBody>
+              <a:bodyPr lIns="802806" tIns="401404" rIns="802806" bIns="802806"/>
+              <a:lstStyle>
+                <a:lvl1pPr eaLnBrk="0" hangingPunct="0">
+                  <a:tabLst>
+                    <a:tab pos="500063" algn="l"/>
+                  </a:tabLst>
+                  <a:defRPr sz="2800">
+                    <a:solidFill>
+                      <a:schemeClr val="tx1"/>
+                    </a:solidFill>
+                    <a:latin typeface="Helvetica" pitchFamily="124" charset="0"/>
+                    <a:ea typeface="MS PGothic" pitchFamily="34" charset="-128"/>
+                  </a:defRPr>
+                </a:lvl1pPr>
+                <a:lvl2pPr marL="742950" indent="-285750" eaLnBrk="0" hangingPunct="0">
+                  <a:tabLst>
+                    <a:tab pos="500063" algn="l"/>
+                  </a:tabLst>
+                  <a:defRPr sz="2800">
+                    <a:solidFill>
+                      <a:schemeClr val="tx1"/>
+                    </a:solidFill>
+                    <a:latin typeface="Helvetica" pitchFamily="124" charset="0"/>
+                    <a:ea typeface="MS PGothic" pitchFamily="34" charset="-128"/>
+                  </a:defRPr>
+                </a:lvl2pPr>
+                <a:lvl3pPr marL="1143000" indent="-228600" eaLnBrk="0" hangingPunct="0">
+                  <a:tabLst>
+                    <a:tab pos="500063" algn="l"/>
+                  </a:tabLst>
+                  <a:defRPr sz="2800">
+                    <a:solidFill>
+                      <a:schemeClr val="tx1"/>
+                    </a:solidFill>
+                    <a:latin typeface="Helvetica" pitchFamily="124" charset="0"/>
+                    <a:ea typeface="MS PGothic" pitchFamily="34" charset="-128"/>
+                  </a:defRPr>
+                </a:lvl3pPr>
+                <a:lvl4pPr marL="1600200" indent="-228600" eaLnBrk="0" hangingPunct="0">
+                  <a:tabLst>
+                    <a:tab pos="500063" algn="l"/>
+                  </a:tabLst>
+                  <a:defRPr sz="2800">
+                    <a:solidFill>
+                      <a:schemeClr val="tx1"/>
+                    </a:solidFill>
+                    <a:latin typeface="Helvetica" pitchFamily="124" charset="0"/>
+                    <a:ea typeface="MS PGothic" pitchFamily="34" charset="-128"/>
+                  </a:defRPr>
+                </a:lvl4pPr>
+                <a:lvl5pPr marL="2057400" indent="-228600" eaLnBrk="0" hangingPunct="0">
+                  <a:tabLst>
+                    <a:tab pos="500063" algn="l"/>
+                  </a:tabLst>
+                  <a:defRPr sz="2800">
+                    <a:solidFill>
+                      <a:schemeClr val="tx1"/>
+                    </a:solidFill>
+                    <a:latin typeface="Helvetica" pitchFamily="124" charset="0"/>
+                    <a:ea typeface="MS PGothic" pitchFamily="34" charset="-128"/>
+                  </a:defRPr>
+                </a:lvl5pPr>
+                <a:lvl6pPr marL="2514600" indent="-228600" algn="l" rtl="0" eaLnBrk="0" fontAlgn="base" hangingPunct="0">
+                  <a:spcBef>
+                    <a:spcPct val="0"/>
+                  </a:spcBef>
+                  <a:spcAft>
+                    <a:spcPct val="0"/>
+                  </a:spcAft>
+                  <a:tabLst>
+                    <a:tab pos="500063" algn="l"/>
+                  </a:tabLst>
+                  <a:defRPr sz="2800">
+                    <a:solidFill>
+                      <a:schemeClr val="tx1"/>
+                    </a:solidFill>
+                    <a:latin typeface="Helvetica" pitchFamily="124" charset="0"/>
+                    <a:ea typeface="MS PGothic" pitchFamily="34" charset="-128"/>
+                  </a:defRPr>
+                </a:lvl6pPr>
+                <a:lvl7pPr marL="2971800" indent="-228600" algn="l" rtl="0" eaLnBrk="0" fontAlgn="base" hangingPunct="0">
+                  <a:spcBef>
+                    <a:spcPct val="0"/>
+                  </a:spcBef>
+                  <a:spcAft>
+                    <a:spcPct val="0"/>
+                  </a:spcAft>
+                  <a:tabLst>
+                    <a:tab pos="500063" algn="l"/>
+                  </a:tabLst>
+                  <a:defRPr sz="2800">
+                    <a:solidFill>
+                      <a:schemeClr val="tx1"/>
+                    </a:solidFill>
+                    <a:latin typeface="Helvetica" pitchFamily="124" charset="0"/>
+                    <a:ea typeface="MS PGothic" pitchFamily="34" charset="-128"/>
+                  </a:defRPr>
+                </a:lvl7pPr>
+                <a:lvl8pPr marL="3429000" indent="-228600" algn="l" rtl="0" eaLnBrk="0" fontAlgn="base" hangingPunct="0">
+                  <a:spcBef>
+                    <a:spcPct val="0"/>
+                  </a:spcBef>
+                  <a:spcAft>
+                    <a:spcPct val="0"/>
+                  </a:spcAft>
+                  <a:tabLst>
+                    <a:tab pos="500063" algn="l"/>
+                  </a:tabLst>
+                  <a:defRPr sz="2800">
+                    <a:solidFill>
+                      <a:schemeClr val="tx1"/>
+                    </a:solidFill>
+                    <a:latin typeface="Helvetica" pitchFamily="124" charset="0"/>
+                    <a:ea typeface="MS PGothic" pitchFamily="34" charset="-128"/>
+                  </a:defRPr>
+                </a:lvl8pPr>
+                <a:lvl9pPr marL="3886200" indent="-228600" algn="l" rtl="0" eaLnBrk="0" fontAlgn="base" hangingPunct="0">
+                  <a:spcBef>
+                    <a:spcPct val="0"/>
+                  </a:spcBef>
+                  <a:spcAft>
+                    <a:spcPct val="0"/>
+                  </a:spcAft>
+                  <a:tabLst>
+                    <a:tab pos="500063" algn="l"/>
+                  </a:tabLst>
+                  <a:defRPr sz="2800">
+                    <a:solidFill>
+                      <a:schemeClr val="tx1"/>
+                    </a:solidFill>
+                    <a:latin typeface="Helvetica" pitchFamily="124" charset="0"/>
+                    <a:ea typeface="MS PGothic" pitchFamily="34" charset="-128"/>
+                  </a:defRPr>
+                </a:lvl9pPr>
+              </a:lstStyle>
+              <a:p>
+                <a:pPr algn="just" eaLnBrk="1" hangingPunct="1"/>
+                <a:r>
+                  <a:rPr lang="en-US" altLang="he-IL" sz="4200" b="1" dirty="0" smtClean="0">
+                    <a:solidFill>
+                      <a:srgbClr val="000000"/>
+                    </a:solidFill>
+                    <a:latin typeface="Calibri" pitchFamily="34" charset="0"/>
+                  </a:rPr>
+                  <a:t>Competition simulation</a:t>
+                </a:r>
+              </a:p>
+              <a:p>
+                <a:pPr eaLnBrk="1" hangingPunct="1">
+                  <a:spcBef>
+                    <a:spcPct val="10000"/>
+                  </a:spcBef>
+                </a:pPr>
+                <a:r>
+                  <a:rPr lang="en-US" altLang="he-IL" sz="2500" dirty="0" smtClean="0">
+                    <a:latin typeface="Times New Roman" pitchFamily="18" charset="0"/>
+                  </a:rPr>
+                  <a:t>Two-strain ordinary differential equation:</a:t>
+                </a:r>
+              </a:p>
+              <a:p>
+                <a:pPr eaLnBrk="1" hangingPunct="1">
+                  <a:spcBef>
+                    <a:spcPct val="10000"/>
+                  </a:spcBef>
+                </a:pPr>
+                <a14:m>
+                  <m:oMathPara xmlns:m="http://schemas.openxmlformats.org/officeDocument/2006/math">
+                    <m:oMathParaPr>
+                      <m:jc m:val="centerGroup"/>
+                    </m:oMathParaPr>
+                    <m:oMath xmlns:m="http://schemas.openxmlformats.org/officeDocument/2006/math">
+                      <m:f>
+                        <m:fPr>
+                          <m:ctrlPr>
+                            <a:rPr lang="en-US" altLang="he-IL" sz="2500" b="0" i="1" smtClean="0">
+                              <a:latin typeface="Cambria Math"/>
+                            </a:rPr>
+                          </m:ctrlPr>
+                        </m:fPr>
+                        <m:num>
+                          <m:r>
+                            <a:rPr lang="en-US" altLang="he-IL" sz="2500" b="0" i="1" smtClean="0">
+                              <a:latin typeface="Cambria Math"/>
+                            </a:rPr>
+                            <m:t>𝑑</m:t>
+                          </m:r>
+                          <m:sSub>
+                            <m:sSubPr>
+                              <m:ctrlPr>
+                                <a:rPr lang="en-US" altLang="he-IL" sz="2500" b="0" i="1" smtClean="0">
+                                  <a:latin typeface="Cambria Math"/>
+                                </a:rPr>
+                              </m:ctrlPr>
+                            </m:sSubPr>
+                            <m:e>
+                              <m:r>
+                                <a:rPr lang="en-US" altLang="he-IL" sz="2500" b="0" i="1" smtClean="0">
+                                  <a:latin typeface="Cambria Math"/>
+                                </a:rPr>
+                                <m:t>𝑁</m:t>
+                              </m:r>
+                            </m:e>
+                            <m:sub>
+                              <m:r>
+                                <a:rPr lang="en-US" altLang="he-IL" sz="2500" b="0" i="1" smtClean="0">
+                                  <a:latin typeface="Cambria Math"/>
+                                </a:rPr>
+                                <m:t>𝑖</m:t>
+                              </m:r>
+                            </m:sub>
+                          </m:sSub>
+                        </m:num>
+                        <m:den>
+                          <m:r>
+                            <a:rPr lang="en-US" altLang="he-IL" sz="2500" b="0" i="1" smtClean="0">
+                              <a:latin typeface="Cambria Math"/>
+                            </a:rPr>
+                            <m:t>𝑑𝑡</m:t>
+                          </m:r>
+                        </m:den>
+                      </m:f>
+                      <m:r>
+                        <a:rPr lang="en-US" altLang="he-IL" sz="2500" b="0" i="1" smtClean="0">
+                          <a:latin typeface="Cambria Math"/>
+                        </a:rPr>
+                        <m:t>=</m:t>
+                      </m:r>
+                      <m:sSub>
+                        <m:sSubPr>
+                          <m:ctrlPr>
+                            <a:rPr lang="en-US" altLang="he-IL" sz="2500" b="0" i="1" smtClean="0">
+                              <a:latin typeface="Cambria Math"/>
+                            </a:rPr>
+                          </m:ctrlPr>
+                        </m:sSubPr>
+                        <m:e>
+                          <m:r>
+                            <a:rPr lang="en-US" altLang="he-IL" sz="2500" b="0" i="1" smtClean="0">
+                              <a:latin typeface="Cambria Math"/>
+                            </a:rPr>
+                            <m:t>𝑟</m:t>
+                          </m:r>
+                        </m:e>
+                        <m:sub>
+                          <m:r>
+                            <a:rPr lang="en-US" altLang="he-IL" sz="2500" b="0" i="1" smtClean="0">
+                              <a:latin typeface="Cambria Math"/>
+                            </a:rPr>
+                            <m:t>𝑖</m:t>
+                          </m:r>
+                        </m:sub>
+                      </m:sSub>
+                      <m:sSub>
+                        <m:sSubPr>
+                          <m:ctrlPr>
+                            <a:rPr lang="en-US" altLang="he-IL" sz="2500" b="0" i="1" smtClean="0">
+                              <a:latin typeface="Cambria Math"/>
+                            </a:rPr>
+                          </m:ctrlPr>
+                        </m:sSubPr>
+                        <m:e>
+                          <m:r>
+                            <a:rPr lang="en-US" altLang="he-IL" sz="2500" b="0" i="1" smtClean="0">
+                              <a:latin typeface="Cambria Math"/>
+                            </a:rPr>
+                            <m:t>𝛼</m:t>
+                          </m:r>
+                        </m:e>
+                        <m:sub>
+                          <m:r>
+                            <a:rPr lang="en-US" altLang="he-IL" sz="2500" b="0" i="1" smtClean="0">
+                              <a:latin typeface="Cambria Math"/>
+                            </a:rPr>
+                            <m:t>𝑖</m:t>
+                          </m:r>
+                        </m:sub>
+                      </m:sSub>
+                      <m:d>
+                        <m:dPr>
+                          <m:ctrlPr>
+                            <a:rPr lang="en-US" altLang="he-IL" sz="2500" b="0" i="1" smtClean="0">
+                              <a:latin typeface="Cambria Math"/>
+                            </a:rPr>
+                          </m:ctrlPr>
+                        </m:dPr>
+                        <m:e>
+                          <m:r>
+                            <a:rPr lang="en-US" altLang="he-IL" sz="2500" b="0" i="1" smtClean="0">
+                              <a:latin typeface="Cambria Math"/>
+                            </a:rPr>
+                            <m:t>𝑡</m:t>
+                          </m:r>
+                        </m:e>
+                      </m:d>
+                      <m:sSub>
+                        <m:sSubPr>
+                          <m:ctrlPr>
+                            <a:rPr lang="en-US" altLang="he-IL" sz="2500" b="0" i="1" smtClean="0">
+                              <a:latin typeface="Cambria Math"/>
+                            </a:rPr>
+                          </m:ctrlPr>
+                        </m:sSubPr>
+                        <m:e>
+                          <m:r>
+                            <a:rPr lang="en-US" altLang="he-IL" sz="2500" b="0" i="1" smtClean="0">
+                              <a:latin typeface="Cambria Math"/>
+                            </a:rPr>
+                            <m:t>𝑁</m:t>
+                          </m:r>
+                        </m:e>
+                        <m:sub>
+                          <m:r>
+                            <a:rPr lang="en-US" altLang="he-IL" sz="2500" b="0" i="1" smtClean="0">
+                              <a:latin typeface="Cambria Math"/>
+                            </a:rPr>
+                            <m:t>𝑖</m:t>
+                          </m:r>
+                        </m:sub>
+                      </m:sSub>
+                      <m:d>
+                        <m:dPr>
+                          <m:ctrlPr>
+                            <a:rPr lang="en-US" altLang="he-IL" sz="2500" b="0" i="1" smtClean="0">
+                              <a:latin typeface="Cambria Math"/>
+                            </a:rPr>
+                          </m:ctrlPr>
+                        </m:dPr>
+                        <m:e>
+                          <m:r>
+                            <a:rPr lang="en-US" altLang="he-IL" sz="2500" b="0" i="1" smtClean="0">
+                              <a:latin typeface="Cambria Math"/>
+                            </a:rPr>
+                            <m:t>1</m:t>
+                          </m:r>
+                          <m:r>
+                            <a:rPr lang="en-US" altLang="he-IL" sz="2500" b="0" i="1" smtClean="0">
+                              <a:latin typeface="Cambria Math"/>
+                            </a:rPr>
+                            <m:t>−</m:t>
+                          </m:r>
+                          <m:sSup>
+                            <m:sSupPr>
+                              <m:ctrlPr>
+                                <a:rPr lang="en-US" altLang="he-IL" sz="2500" b="0" i="1" smtClean="0">
+                                  <a:latin typeface="Cambria Math"/>
+                                </a:rPr>
+                              </m:ctrlPr>
+                            </m:sSupPr>
+                            <m:e>
+                              <m:d>
+                                <m:dPr>
+                                  <m:ctrlPr>
+                                    <a:rPr lang="en-US" altLang="he-IL" sz="2500" b="0" i="1" smtClean="0">
+                                      <a:latin typeface="Cambria Math"/>
+                                    </a:rPr>
+                                  </m:ctrlPr>
+                                </m:dPr>
+                                <m:e>
+                                  <m:f>
+                                    <m:fPr>
+                                      <m:ctrlPr>
+                                        <a:rPr lang="en-US" altLang="he-IL" sz="2500" b="0" i="1" smtClean="0">
+                                          <a:latin typeface="Cambria Math"/>
+                                        </a:rPr>
+                                      </m:ctrlPr>
+                                    </m:fPr>
+                                    <m:num>
+                                      <m:sSub>
+                                        <m:sSubPr>
+                                          <m:ctrlPr>
+                                            <a:rPr lang="en-US" altLang="he-IL" sz="2500" b="0" i="1" smtClean="0">
+                                              <a:latin typeface="Cambria Math"/>
+                                            </a:rPr>
+                                          </m:ctrlPr>
+                                        </m:sSubPr>
+                                        <m:e>
+                                          <m:r>
+                                            <a:rPr lang="en-US" altLang="he-IL" sz="2500" b="0" i="1" smtClean="0">
+                                              <a:latin typeface="Cambria Math"/>
+                                            </a:rPr>
+                                            <m:t>𝑁</m:t>
+                                          </m:r>
+                                        </m:e>
+                                        <m:sub>
+                                          <m:r>
+                                            <a:rPr lang="en-US" altLang="he-IL" sz="2500" b="0" i="1" smtClean="0">
+                                              <a:latin typeface="Cambria Math"/>
+                                            </a:rPr>
+                                            <m:t>𝐺</m:t>
+                                          </m:r>
+                                        </m:sub>
+                                      </m:sSub>
+                                      <m:r>
+                                        <a:rPr lang="en-US" altLang="he-IL" sz="2500" b="0" i="1" smtClean="0">
+                                          <a:latin typeface="Cambria Math"/>
+                                        </a:rPr>
+                                        <m:t>+</m:t>
+                                      </m:r>
+                                      <m:sSub>
+                                        <m:sSubPr>
+                                          <m:ctrlPr>
+                                            <a:rPr lang="en-US" altLang="he-IL" sz="2500" b="0" i="1" smtClean="0">
+                                              <a:latin typeface="Cambria Math"/>
+                                            </a:rPr>
+                                          </m:ctrlPr>
+                                        </m:sSubPr>
+                                        <m:e>
+                                          <m:r>
+                                            <a:rPr lang="en-US" altLang="he-IL" sz="2500" b="0" i="1" smtClean="0">
+                                              <a:latin typeface="Cambria Math"/>
+                                            </a:rPr>
+                                            <m:t>𝑁</m:t>
+                                          </m:r>
+                                        </m:e>
+                                        <m:sub>
+                                          <m:r>
+                                            <a:rPr lang="en-US" altLang="he-IL" sz="2500" b="0" i="1" smtClean="0">
+                                              <a:latin typeface="Cambria Math"/>
+                                            </a:rPr>
+                                            <m:t>𝑅</m:t>
+                                          </m:r>
+                                        </m:sub>
+                                      </m:sSub>
+                                    </m:num>
+                                    <m:den>
+                                      <m:sSub>
+                                        <m:sSubPr>
+                                          <m:ctrlPr>
+                                            <a:rPr lang="en-US" altLang="he-IL" sz="2500" b="0" i="1" smtClean="0">
+                                              <a:latin typeface="Cambria Math"/>
+                                            </a:rPr>
+                                          </m:ctrlPr>
+                                        </m:sSubPr>
+                                        <m:e>
+                                          <m:r>
+                                            <a:rPr lang="en-US" altLang="he-IL" sz="2500" b="0" i="1" smtClean="0">
+                                              <a:latin typeface="Cambria Math"/>
+                                            </a:rPr>
+                                            <m:t>𝐾</m:t>
+                                          </m:r>
+                                        </m:e>
+                                        <m:sub>
+                                          <m:r>
+                                            <a:rPr lang="en-US" altLang="he-IL" sz="2500" b="0" i="1" smtClean="0">
+                                              <a:latin typeface="Cambria Math"/>
+                                            </a:rPr>
+                                            <m:t>𝑖</m:t>
+                                          </m:r>
+                                        </m:sub>
+                                      </m:sSub>
+                                    </m:den>
+                                  </m:f>
+                                </m:e>
+                              </m:d>
+                            </m:e>
+                            <m:sup>
+                              <m:sSub>
+                                <m:sSubPr>
+                                  <m:ctrlPr>
+                                    <a:rPr lang="en-US" altLang="he-IL" sz="2500" b="0" i="1" smtClean="0">
+                                      <a:latin typeface="Cambria Math"/>
+                                    </a:rPr>
+                                  </m:ctrlPr>
+                                </m:sSubPr>
+                                <m:e>
+                                  <m:r>
+                                    <a:rPr lang="en-US" altLang="he-IL" sz="2500" b="0" i="1" smtClean="0">
+                                      <a:latin typeface="Cambria Math"/>
+                                    </a:rPr>
+                                    <m:t>𝜈</m:t>
+                                  </m:r>
+                                </m:e>
+                                <m:sub>
+                                  <m:r>
+                                    <a:rPr lang="en-US" altLang="he-IL" sz="2500" b="0" i="1" smtClean="0">
+                                      <a:latin typeface="Cambria Math"/>
+                                    </a:rPr>
+                                    <m:t>𝑖</m:t>
+                                  </m:r>
+                                </m:sub>
+                              </m:sSub>
+                            </m:sup>
+                          </m:sSup>
+                        </m:e>
+                      </m:d>
+                    </m:oMath>
+                  </m:oMathPara>
+                </a14:m>
+                <a:endParaRPr lang="en-US" altLang="he-IL" sz="2500" dirty="0">
+                  <a:latin typeface="Times New Roman" pitchFamily="18" charset="0"/>
+                </a:endParaRPr>
+              </a:p>
+            </p:txBody>
+          </p:sp>
+        </mc:Choice>
+        <mc:Fallback>
+          <p:sp>
+            <p:nvSpPr>
+              <p:cNvPr id="14342" name="Text Box 12"/>
+              <p:cNvSpPr txBox="1">
+                <a:spLocks noRot="1" noChangeAspect="1" noMove="1" noResize="1" noEditPoints="1" noAdjustHandles="1" noChangeArrowheads="1" noChangeShapeType="1" noTextEdit="1"/>
+              </p:cNvSpPr>
+              <p:nvPr/>
+            </p:nvSpPr>
+            <p:spPr bwMode="auto">
+              <a:xfrm>
+                <a:off x="10942638" y="7550150"/>
+                <a:ext cx="8458200" cy="10478295"/>
+              </a:xfrm>
+              <a:prstGeom prst="rect">
+                <a:avLst/>
+              </a:prstGeom>
+              <a:blipFill rotWithShape="1">
+                <a:blip r:embed="rId9"/>
+                <a:stretch>
+                  <a:fillRect/>
+                </a:stretch>
+              </a:blipFill>
+              <a:ln w="38100">
                 <a:solidFill>
                   <a:srgbClr val="000000"/>
                 </a:solidFill>
-                <a:latin typeface="Calibri" pitchFamily="34" charset="0"/>
-              </a:rPr>
-              <a:t>Conclusions</a:t>
-            </a:r>
-          </a:p>
-          <a:p>
-            <a:pPr eaLnBrk="1" hangingPunct="1">
-              <a:spcBef>
-                <a:spcPct val="10000"/>
-              </a:spcBef>
-            </a:pPr>
-            <a:r>
-              <a:rPr lang="en-US" altLang="he-IL" sz="2500">
-                <a:latin typeface="Times New Roman" pitchFamily="18" charset="0"/>
-              </a:rPr>
-              <a:t>Blah, blah, blah</a:t>
-            </a:r>
-          </a:p>
-        </p:txBody>
-      </p:sp>
+                <a:round/>
+                <a:headEnd/>
+                <a:tailEnd/>
+              </a:ln>
+            </p:spPr>
+            <p:txBody>
+              <a:bodyPr/>
+              <a:lstStyle/>
+              <a:p>
+                <a:r>
+                  <a:rPr lang="he-IL">
+                    <a:noFill/>
+                  </a:rPr>
+                  <a:t> </a:t>
+                </a:r>
+              </a:p>
+            </p:txBody>
+          </p:sp>
+        </mc:Fallback>
+      </mc:AlternateContent>
       <p:sp>
         <p:nvSpPr>
           <p:cNvPr id="14344" name="Text Box 14"/>
@@ -5695,7 +7503,7 @@
         <p:spPr bwMode="auto">
           <a:xfrm>
             <a:off x="1270223" y="35783432"/>
-            <a:ext cx="13495541" cy="6113463"/>
+            <a:ext cx="8389715" cy="6113463"/>
           </a:xfrm>
           <a:prstGeom prst="rect">
             <a:avLst/>
@@ -5724,7 +7532,7 @@
               <a:defRPr/>
             </a:pPr>
             <a:r>
-              <a:rPr lang="en-US" sz="3900" b="1" dirty="0">
+              <a:rPr lang="en-US" sz="3900" b="1" dirty="0" smtClean="0">
                 <a:solidFill>
                   <a:srgbClr val="000000"/>
                 </a:solidFill>
@@ -5732,7 +7540,7 @@
                 <a:ea typeface="ＭＳ Ｐゴシック" pitchFamily="-111" charset="-128"/>
                 <a:cs typeface="ＭＳ Ｐゴシック" pitchFamily="-111" charset="-128"/>
               </a:rPr>
-              <a:t>Literature cited</a:t>
+              <a:t>References</a:t>
             </a:r>
           </a:p>
           <a:p>
@@ -5743,6 +7551,99 @@
               <a:defRPr/>
             </a:pPr>
             <a:r>
+              <a:rPr lang="en-US" sz="2500" dirty="0" smtClean="0">
+                <a:latin typeface="Times New Roman" pitchFamily="-111" charset="0"/>
+                <a:ea typeface="ＭＳ Ｐゴシック" pitchFamily="-111" charset="-128"/>
+                <a:cs typeface="ＭＳ Ｐゴシック" pitchFamily="-111" charset="-128"/>
+              </a:rPr>
+              <a:t>Blah</a:t>
+            </a:r>
+            <a:r>
+              <a:rPr lang="en-US" sz="2500" dirty="0">
+                <a:latin typeface="Times New Roman" pitchFamily="-111" charset="0"/>
+                <a:ea typeface="ＭＳ Ｐゴシック" pitchFamily="-111" charset="-128"/>
+                <a:cs typeface="ＭＳ Ｐゴシック" pitchFamily="-111" charset="-128"/>
+              </a:rPr>
+              <a:t>, blah, and blah.  2012.  </a:t>
+            </a:r>
+            <a:r>
+              <a:rPr lang="en-US" sz="2500" dirty="0" err="1">
+                <a:latin typeface="Times New Roman" pitchFamily="-111" charset="0"/>
+                <a:ea typeface="ＭＳ Ｐゴシック" pitchFamily="-111" charset="-128"/>
+                <a:cs typeface="ＭＳ Ｐゴシック" pitchFamily="-111" charset="-128"/>
+              </a:rPr>
+              <a:t>Blahing</a:t>
+            </a:r>
+            <a:r>
+              <a:rPr lang="en-US" sz="2500" dirty="0">
+                <a:latin typeface="Times New Roman" pitchFamily="-111" charset="0"/>
+                <a:ea typeface="ＭＳ Ｐゴシック" pitchFamily="-111" charset="-128"/>
+                <a:cs typeface="ＭＳ Ｐゴシック" pitchFamily="-111" charset="-128"/>
+              </a:rPr>
+              <a:t>, </a:t>
+            </a:r>
+            <a:r>
+              <a:rPr lang="en-US" sz="2500" dirty="0" err="1">
+                <a:latin typeface="Times New Roman" pitchFamily="-111" charset="0"/>
+                <a:ea typeface="ＭＳ Ｐゴシック" pitchFamily="-111" charset="-128"/>
+                <a:cs typeface="ＭＳ Ｐゴシック" pitchFamily="-111" charset="-128"/>
+              </a:rPr>
+              <a:t>blahing</a:t>
+            </a:r>
+            <a:r>
+              <a:rPr lang="en-US" sz="2500" dirty="0">
+                <a:latin typeface="Times New Roman" pitchFamily="-111" charset="0"/>
+                <a:ea typeface="ＭＳ Ｐゴシック" pitchFamily="-111" charset="-128"/>
+                <a:cs typeface="ＭＳ Ｐゴシック" pitchFamily="-111" charset="-128"/>
+              </a:rPr>
+              <a:t>, and more </a:t>
+            </a:r>
+            <a:r>
+              <a:rPr lang="en-US" sz="2500" dirty="0" err="1">
+                <a:latin typeface="Times New Roman" pitchFamily="-111" charset="0"/>
+                <a:ea typeface="ＭＳ Ｐゴシック" pitchFamily="-111" charset="-128"/>
+                <a:cs typeface="ＭＳ Ｐゴシック" pitchFamily="-111" charset="-128"/>
+              </a:rPr>
+              <a:t>blahing</a:t>
+            </a:r>
+            <a:r>
+              <a:rPr lang="en-US" sz="2500" dirty="0">
+                <a:latin typeface="Times New Roman" pitchFamily="-111" charset="0"/>
+                <a:ea typeface="ＭＳ Ｐゴシック" pitchFamily="-111" charset="-128"/>
+                <a:cs typeface="ＭＳ Ｐゴシック" pitchFamily="-111" charset="-128"/>
+              </a:rPr>
+              <a:t>.  </a:t>
+            </a:r>
+            <a:r>
+              <a:rPr lang="en-US" sz="2500" i="1" dirty="0">
+                <a:latin typeface="Times New Roman" pitchFamily="-111" charset="0"/>
+                <a:ea typeface="ＭＳ Ｐゴシック" pitchFamily="-111" charset="-128"/>
+                <a:cs typeface="ＭＳ Ｐゴシック" pitchFamily="-111" charset="-128"/>
+              </a:rPr>
+              <a:t>Journal of </a:t>
+            </a:r>
+            <a:r>
+              <a:rPr lang="en-US" sz="2500" i="1" dirty="0" err="1">
+                <a:latin typeface="Times New Roman" pitchFamily="-111" charset="0"/>
+                <a:ea typeface="ＭＳ Ｐゴシック" pitchFamily="-111" charset="-128"/>
+                <a:cs typeface="ＭＳ Ｐゴシック" pitchFamily="-111" charset="-128"/>
+              </a:rPr>
+              <a:t>Blahology</a:t>
+            </a:r>
+            <a:r>
+              <a:rPr lang="en-US" sz="2500" dirty="0">
+                <a:latin typeface="Times New Roman" pitchFamily="-111" charset="0"/>
+                <a:ea typeface="ＭＳ Ｐゴシック" pitchFamily="-111" charset="-128"/>
+                <a:cs typeface="ＭＳ Ｐゴシック" pitchFamily="-111" charset="-128"/>
+              </a:rPr>
+              <a:t> 1:1-2.</a:t>
+            </a:r>
+          </a:p>
+          <a:p>
+            <a:pPr marL="439035" indent="-439035">
+              <a:defRPr/>
+            </a:pPr>
+            <a:r>
               <a:rPr lang="en-US" sz="2500" dirty="0">
                 <a:latin typeface="Times New Roman" pitchFamily="-111" charset="0"/>
                 <a:ea typeface="ＭＳ Ｐゴシック" pitchFamily="-111" charset="-128"/>
@@ -5998,7 +7899,7 @@
               <a:defRPr/>
             </a:pPr>
             <a:r>
-              <a:rPr lang="en-US" sz="2500" dirty="0">
+              <a:rPr lang="en-US" sz="2500" dirty="0" smtClean="0">
                 <a:latin typeface="Times New Roman" pitchFamily="-111" charset="0"/>
                 <a:ea typeface="ＭＳ Ｐゴシック" pitchFamily="-111" charset="-128"/>
                 <a:cs typeface="ＭＳ Ｐゴシック" pitchFamily="-111" charset="-128"/>
@@ -6006,7 +7907,7 @@
               <a:t>Blah, blah, and blah.  2012.  </a:t>
             </a:r>
             <a:r>
-              <a:rPr lang="en-US" sz="2500" dirty="0" err="1">
+              <a:rPr lang="en-US" sz="2500" dirty="0" err="1" smtClean="0">
                 <a:latin typeface="Times New Roman" pitchFamily="-111" charset="0"/>
                 <a:ea typeface="ＭＳ Ｐゴシック" pitchFamily="-111" charset="-128"/>
                 <a:cs typeface="ＭＳ Ｐゴシック" pitchFamily="-111" charset="-128"/>
@@ -6014,7 +7915,7 @@
               <a:t>Blahing</a:t>
             </a:r>
             <a:r>
-              <a:rPr lang="en-US" sz="2500" dirty="0">
+              <a:rPr lang="en-US" sz="2500" dirty="0" smtClean="0">
                 <a:latin typeface="Times New Roman" pitchFamily="-111" charset="0"/>
                 <a:ea typeface="ＭＳ Ｐゴシック" pitchFamily="-111" charset="-128"/>
                 <a:cs typeface="ＭＳ Ｐゴシック" pitchFamily="-111" charset="-128"/>
@@ -6022,7 +7923,7 @@
               <a:t>, </a:t>
             </a:r>
             <a:r>
-              <a:rPr lang="en-US" sz="2500" dirty="0" err="1">
+              <a:rPr lang="en-US" sz="2500" dirty="0" err="1" smtClean="0">
                 <a:latin typeface="Times New Roman" pitchFamily="-111" charset="0"/>
                 <a:ea typeface="ＭＳ Ｐゴシック" pitchFamily="-111" charset="-128"/>
                 <a:cs typeface="ＭＳ Ｐゴシック" pitchFamily="-111" charset="-128"/>
@@ -6030,7 +7931,7 @@
               <a:t>blahing</a:t>
             </a:r>
             <a:r>
-              <a:rPr lang="en-US" sz="2500" dirty="0">
+              <a:rPr lang="en-US" sz="2500" dirty="0" smtClean="0">
                 <a:latin typeface="Times New Roman" pitchFamily="-111" charset="0"/>
                 <a:ea typeface="ＭＳ Ｐゴシック" pitchFamily="-111" charset="-128"/>
                 <a:cs typeface="ＭＳ Ｐゴシック" pitchFamily="-111" charset="-128"/>
@@ -6038,7 +7939,7 @@
               <a:t>, and more </a:t>
             </a:r>
             <a:r>
-              <a:rPr lang="en-US" sz="2500" dirty="0" err="1">
+              <a:rPr lang="en-US" sz="2500" dirty="0" err="1" smtClean="0">
                 <a:latin typeface="Times New Roman" pitchFamily="-111" charset="0"/>
                 <a:ea typeface="ＭＳ Ｐゴシック" pitchFamily="-111" charset="-128"/>
                 <a:cs typeface="ＭＳ Ｐゴシック" pitchFamily="-111" charset="-128"/>
@@ -6046,7 +7947,7 @@
               <a:t>blahing</a:t>
             </a:r>
             <a:r>
-              <a:rPr lang="en-US" sz="2500" dirty="0">
+              <a:rPr lang="en-US" sz="2500" dirty="0" smtClean="0">
                 <a:latin typeface="Times New Roman" pitchFamily="-111" charset="0"/>
                 <a:ea typeface="ＭＳ Ｐゴシック" pitchFamily="-111" charset="-128"/>
                 <a:cs typeface="ＭＳ Ｐゴシック" pitchFamily="-111" charset="-128"/>
@@ -6054,7 +7955,7 @@
               <a:t>.  </a:t>
             </a:r>
             <a:r>
-              <a:rPr lang="en-US" sz="2500" i="1" dirty="0">
+              <a:rPr lang="en-US" sz="2500" i="1" dirty="0" smtClean="0">
                 <a:latin typeface="Times New Roman" pitchFamily="-111" charset="0"/>
                 <a:ea typeface="ＭＳ Ｐゴシック" pitchFamily="-111" charset="-128"/>
                 <a:cs typeface="ＭＳ Ｐゴシック" pitchFamily="-111" charset="-128"/>
@@ -6062,7 +7963,7 @@
               <a:t>Journal of </a:t>
             </a:r>
             <a:r>
-              <a:rPr lang="en-US" sz="2500" i="1" dirty="0" err="1">
+              <a:rPr lang="en-US" sz="2500" i="1" dirty="0" err="1" smtClean="0">
                 <a:latin typeface="Times New Roman" pitchFamily="-111" charset="0"/>
                 <a:ea typeface="ＭＳ Ｐゴシック" pitchFamily="-111" charset="-128"/>
                 <a:cs typeface="ＭＳ Ｐゴシック" pitchFamily="-111" charset="-128"/>
@@ -6070,371 +7971,17 @@
               <a:t>Blahology</a:t>
             </a:r>
             <a:r>
-              <a:rPr lang="en-US" sz="2500" dirty="0">
+              <a:rPr lang="en-US" sz="2500" dirty="0" smtClean="0">
                 <a:latin typeface="Times New Roman" pitchFamily="-111" charset="0"/>
                 <a:ea typeface="ＭＳ Ｐゴシック" pitchFamily="-111" charset="-128"/>
                 <a:cs typeface="ＭＳ Ｐゴシック" pitchFamily="-111" charset="-128"/>
               </a:rPr>
               <a:t> 1:1-2.</a:t>
             </a:r>
-          </a:p>
-          <a:p>
-            <a:pPr marL="439035" indent="-439035">
-              <a:defRPr/>
-            </a:pPr>
-            <a:r>
-              <a:rPr lang="en-US" sz="2500" dirty="0">
-                <a:latin typeface="Times New Roman" pitchFamily="-111" charset="0"/>
-                <a:ea typeface="ＭＳ Ｐゴシック" pitchFamily="-111" charset="-128"/>
-                <a:cs typeface="ＭＳ Ｐゴシック" pitchFamily="-111" charset="-128"/>
-              </a:rPr>
-              <a:t>Blah, blah, and blah.  2012.  </a:t>
-            </a:r>
-            <a:r>
-              <a:rPr lang="en-US" sz="2500" dirty="0" err="1">
-                <a:latin typeface="Times New Roman" pitchFamily="-111" charset="0"/>
-                <a:ea typeface="ＭＳ Ｐゴシック" pitchFamily="-111" charset="-128"/>
-                <a:cs typeface="ＭＳ Ｐゴシック" pitchFamily="-111" charset="-128"/>
-              </a:rPr>
-              <a:t>Blahing</a:t>
-            </a:r>
-            <a:r>
-              <a:rPr lang="en-US" sz="2500" dirty="0">
-                <a:latin typeface="Times New Roman" pitchFamily="-111" charset="0"/>
-                <a:ea typeface="ＭＳ Ｐゴシック" pitchFamily="-111" charset="-128"/>
-                <a:cs typeface="ＭＳ Ｐゴシック" pitchFamily="-111" charset="-128"/>
-              </a:rPr>
-              <a:t>, </a:t>
-            </a:r>
-            <a:r>
-              <a:rPr lang="en-US" sz="2500" dirty="0" err="1">
-                <a:latin typeface="Times New Roman" pitchFamily="-111" charset="0"/>
-                <a:ea typeface="ＭＳ Ｐゴシック" pitchFamily="-111" charset="-128"/>
-                <a:cs typeface="ＭＳ Ｐゴシック" pitchFamily="-111" charset="-128"/>
-              </a:rPr>
-              <a:t>blahing</a:t>
-            </a:r>
-            <a:r>
-              <a:rPr lang="en-US" sz="2500" dirty="0">
-                <a:latin typeface="Times New Roman" pitchFamily="-111" charset="0"/>
-                <a:ea typeface="ＭＳ Ｐゴシック" pitchFamily="-111" charset="-128"/>
-                <a:cs typeface="ＭＳ Ｐゴシック" pitchFamily="-111" charset="-128"/>
-              </a:rPr>
-              <a:t>, and more </a:t>
-            </a:r>
-            <a:r>
-              <a:rPr lang="en-US" sz="2500" dirty="0" err="1">
-                <a:latin typeface="Times New Roman" pitchFamily="-111" charset="0"/>
-                <a:ea typeface="ＭＳ Ｐゴシック" pitchFamily="-111" charset="-128"/>
-                <a:cs typeface="ＭＳ Ｐゴシック" pitchFamily="-111" charset="-128"/>
-              </a:rPr>
-              <a:t>blahing</a:t>
-            </a:r>
-            <a:r>
-              <a:rPr lang="en-US" sz="2500" dirty="0">
-                <a:latin typeface="Times New Roman" pitchFamily="-111" charset="0"/>
-                <a:ea typeface="ＭＳ Ｐゴシック" pitchFamily="-111" charset="-128"/>
-                <a:cs typeface="ＭＳ Ｐゴシック" pitchFamily="-111" charset="-128"/>
-              </a:rPr>
-              <a:t>.  </a:t>
-            </a:r>
-            <a:r>
-              <a:rPr lang="en-US" sz="2500" i="1" dirty="0">
-                <a:latin typeface="Times New Roman" pitchFamily="-111" charset="0"/>
-                <a:ea typeface="ＭＳ Ｐゴシック" pitchFamily="-111" charset="-128"/>
-                <a:cs typeface="ＭＳ Ｐゴシック" pitchFamily="-111" charset="-128"/>
-              </a:rPr>
-              <a:t>Journal of </a:t>
-            </a:r>
-            <a:r>
-              <a:rPr lang="en-US" sz="2500" i="1" dirty="0" err="1">
-                <a:latin typeface="Times New Roman" pitchFamily="-111" charset="0"/>
-                <a:ea typeface="ＭＳ Ｐゴシック" pitchFamily="-111" charset="-128"/>
-                <a:cs typeface="ＭＳ Ｐゴシック" pitchFamily="-111" charset="-128"/>
-              </a:rPr>
-              <a:t>Blahology</a:t>
-            </a:r>
-            <a:r>
-              <a:rPr lang="en-US" sz="2500" dirty="0">
-                <a:latin typeface="Times New Roman" pitchFamily="-111" charset="0"/>
-                <a:ea typeface="ＭＳ Ｐゴシック" pitchFamily="-111" charset="-128"/>
-                <a:cs typeface="ＭＳ Ｐゴシック" pitchFamily="-111" charset="-128"/>
-              </a:rPr>
-              <a:t> 1:1-2.</a:t>
-            </a:r>
-          </a:p>
-          <a:p>
-            <a:pPr marL="439035" indent="-439035">
-              <a:defRPr/>
-            </a:pPr>
-            <a:r>
-              <a:rPr lang="en-US" sz="2500" dirty="0">
-                <a:latin typeface="Times New Roman" pitchFamily="-111" charset="0"/>
-                <a:ea typeface="ＭＳ Ｐゴシック" pitchFamily="-111" charset="-128"/>
-                <a:cs typeface="ＭＳ Ｐゴシック" pitchFamily="-111" charset="-128"/>
-              </a:rPr>
-              <a:t>Blah, blah, and blah.  2012.  </a:t>
-            </a:r>
-            <a:r>
-              <a:rPr lang="en-US" sz="2500" dirty="0" err="1">
-                <a:latin typeface="Times New Roman" pitchFamily="-111" charset="0"/>
-                <a:ea typeface="ＭＳ Ｐゴシック" pitchFamily="-111" charset="-128"/>
-                <a:cs typeface="ＭＳ Ｐゴシック" pitchFamily="-111" charset="-128"/>
-              </a:rPr>
-              <a:t>Blahing</a:t>
-            </a:r>
-            <a:r>
-              <a:rPr lang="en-US" sz="2500" dirty="0">
-                <a:latin typeface="Times New Roman" pitchFamily="-111" charset="0"/>
-                <a:ea typeface="ＭＳ Ｐゴシック" pitchFamily="-111" charset="-128"/>
-                <a:cs typeface="ＭＳ Ｐゴシック" pitchFamily="-111" charset="-128"/>
-              </a:rPr>
-              <a:t>, </a:t>
-            </a:r>
-            <a:r>
-              <a:rPr lang="en-US" sz="2500" dirty="0" err="1">
-                <a:latin typeface="Times New Roman" pitchFamily="-111" charset="0"/>
-                <a:ea typeface="ＭＳ Ｐゴシック" pitchFamily="-111" charset="-128"/>
-                <a:cs typeface="ＭＳ Ｐゴシック" pitchFamily="-111" charset="-128"/>
-              </a:rPr>
-              <a:t>blahing</a:t>
-            </a:r>
-            <a:r>
-              <a:rPr lang="en-US" sz="2500" dirty="0">
-                <a:latin typeface="Times New Roman" pitchFamily="-111" charset="0"/>
-                <a:ea typeface="ＭＳ Ｐゴシック" pitchFamily="-111" charset="-128"/>
-                <a:cs typeface="ＭＳ Ｐゴシック" pitchFamily="-111" charset="-128"/>
-              </a:rPr>
-              <a:t>, and more </a:t>
-            </a:r>
-            <a:r>
-              <a:rPr lang="en-US" sz="2500" dirty="0" err="1">
-                <a:latin typeface="Times New Roman" pitchFamily="-111" charset="0"/>
-                <a:ea typeface="ＭＳ Ｐゴシック" pitchFamily="-111" charset="-128"/>
-                <a:cs typeface="ＭＳ Ｐゴシック" pitchFamily="-111" charset="-128"/>
-              </a:rPr>
-              <a:t>blahing</a:t>
-            </a:r>
-            <a:r>
-              <a:rPr lang="en-US" sz="2500" dirty="0">
-                <a:latin typeface="Times New Roman" pitchFamily="-111" charset="0"/>
-                <a:ea typeface="ＭＳ Ｐゴシック" pitchFamily="-111" charset="-128"/>
-                <a:cs typeface="ＭＳ Ｐゴシック" pitchFamily="-111" charset="-128"/>
-              </a:rPr>
-              <a:t>.  </a:t>
-            </a:r>
-            <a:r>
-              <a:rPr lang="en-US" sz="2500" i="1" dirty="0">
-                <a:latin typeface="Times New Roman" pitchFamily="-111" charset="0"/>
-                <a:ea typeface="ＭＳ Ｐゴシック" pitchFamily="-111" charset="-128"/>
-                <a:cs typeface="ＭＳ Ｐゴシック" pitchFamily="-111" charset="-128"/>
-              </a:rPr>
-              <a:t>Journal of </a:t>
-            </a:r>
-            <a:r>
-              <a:rPr lang="en-US" sz="2500" i="1" dirty="0" err="1">
-                <a:latin typeface="Times New Roman" pitchFamily="-111" charset="0"/>
-                <a:ea typeface="ＭＳ Ｐゴシック" pitchFamily="-111" charset="-128"/>
-                <a:cs typeface="ＭＳ Ｐゴシック" pitchFamily="-111" charset="-128"/>
-              </a:rPr>
-              <a:t>Blahology</a:t>
-            </a:r>
-            <a:r>
-              <a:rPr lang="en-US" sz="2500" dirty="0">
-                <a:latin typeface="Times New Roman" pitchFamily="-111" charset="0"/>
-                <a:ea typeface="ＭＳ Ｐゴシック" pitchFamily="-111" charset="-128"/>
-                <a:cs typeface="ＭＳ Ｐゴシック" pitchFamily="-111" charset="-128"/>
-              </a:rPr>
-              <a:t> 1:1-2.</a:t>
-            </a:r>
-          </a:p>
-          <a:p>
-            <a:pPr marL="439035" indent="-439035">
-              <a:defRPr/>
-            </a:pPr>
             <a:endParaRPr lang="en-US" sz="2500" dirty="0">
               <a:latin typeface="Times New Roman" pitchFamily="-111" charset="0"/>
               <a:ea typeface="ＭＳ Ｐゴシック" pitchFamily="-111" charset="-128"/>
               <a:cs typeface="ＭＳ Ｐゴシック" pitchFamily="-111" charset="-128"/>
-            </a:endParaRPr>
-          </a:p>
-          <a:p>
-            <a:pPr marL="439035" indent="-439035">
-              <a:spcBef>
-                <a:spcPct val="10000"/>
-              </a:spcBef>
-              <a:defRPr/>
-            </a:pPr>
-            <a:endParaRPr lang="en-US" sz="2500" dirty="0">
-              <a:latin typeface="Times New Roman" pitchFamily="-111" charset="0"/>
-              <a:ea typeface="ＭＳ Ｐゴシック" pitchFamily="-111" charset="-128"/>
-              <a:cs typeface="ＭＳ Ｐゴシック" pitchFamily="-111" charset="-128"/>
-            </a:endParaRPr>
-          </a:p>
-        </p:txBody>
-      </p:sp>
-      <p:sp>
-        <p:nvSpPr>
-          <p:cNvPr id="14346" name="Text Box 70"/>
-          <p:cNvSpPr txBox="1">
-            <a:spLocks noChangeArrowheads="1"/>
-          </p:cNvSpPr>
-          <p:nvPr/>
-        </p:nvSpPr>
-        <p:spPr bwMode="auto">
-          <a:xfrm>
-            <a:off x="20661313" y="29494163"/>
-            <a:ext cx="8407400" cy="4586287"/>
-          </a:xfrm>
-          <a:prstGeom prst="rect">
-            <a:avLst/>
-          </a:prstGeom>
-          <a:solidFill>
-            <a:schemeClr val="bg1"/>
-          </a:solidFill>
-          <a:ln w="38100">
-            <a:solidFill>
-              <a:srgbClr val="000000"/>
-            </a:solidFill>
-            <a:round/>
-            <a:headEnd/>
-            <a:tailEnd/>
-          </a:ln>
-        </p:spPr>
-        <p:txBody>
-          <a:bodyPr lIns="802806" tIns="401404" rIns="802806" bIns="802806"/>
-          <a:lstStyle>
-            <a:lvl1pPr eaLnBrk="0" hangingPunct="0">
-              <a:defRPr sz="2800">
-                <a:solidFill>
-                  <a:schemeClr val="tx1"/>
-                </a:solidFill>
-                <a:latin typeface="Helvetica" pitchFamily="124" charset="0"/>
-                <a:ea typeface="MS PGothic" pitchFamily="34" charset="-128"/>
-              </a:defRPr>
-            </a:lvl1pPr>
-            <a:lvl2pPr marL="742950" indent="-285750" eaLnBrk="0" hangingPunct="0">
-              <a:defRPr sz="2800">
-                <a:solidFill>
-                  <a:schemeClr val="tx1"/>
-                </a:solidFill>
-                <a:latin typeface="Helvetica" pitchFamily="124" charset="0"/>
-                <a:ea typeface="MS PGothic" pitchFamily="34" charset="-128"/>
-              </a:defRPr>
-            </a:lvl2pPr>
-            <a:lvl3pPr marL="1143000" indent="-228600" eaLnBrk="0" hangingPunct="0">
-              <a:defRPr sz="2800">
-                <a:solidFill>
-                  <a:schemeClr val="tx1"/>
-                </a:solidFill>
-                <a:latin typeface="Helvetica" pitchFamily="124" charset="0"/>
-                <a:ea typeface="MS PGothic" pitchFamily="34" charset="-128"/>
-              </a:defRPr>
-            </a:lvl3pPr>
-            <a:lvl4pPr marL="1600200" indent="-228600" eaLnBrk="0" hangingPunct="0">
-              <a:defRPr sz="2800">
-                <a:solidFill>
-                  <a:schemeClr val="tx1"/>
-                </a:solidFill>
-                <a:latin typeface="Helvetica" pitchFamily="124" charset="0"/>
-                <a:ea typeface="MS PGothic" pitchFamily="34" charset="-128"/>
-              </a:defRPr>
-            </a:lvl4pPr>
-            <a:lvl5pPr marL="2057400" indent="-228600" eaLnBrk="0" hangingPunct="0">
-              <a:defRPr sz="2800">
-                <a:solidFill>
-                  <a:schemeClr val="tx1"/>
-                </a:solidFill>
-                <a:latin typeface="Helvetica" pitchFamily="124" charset="0"/>
-                <a:ea typeface="MS PGothic" pitchFamily="34" charset="-128"/>
-              </a:defRPr>
-            </a:lvl5pPr>
-            <a:lvl6pPr marL="2514600" indent="-228600" algn="l" rtl="0" eaLnBrk="0" fontAlgn="base" hangingPunct="0">
-              <a:spcBef>
-                <a:spcPct val="0"/>
-              </a:spcBef>
-              <a:spcAft>
-                <a:spcPct val="0"/>
-              </a:spcAft>
-              <a:defRPr sz="2800">
-                <a:solidFill>
-                  <a:schemeClr val="tx1"/>
-                </a:solidFill>
-                <a:latin typeface="Helvetica" pitchFamily="124" charset="0"/>
-                <a:ea typeface="MS PGothic" pitchFamily="34" charset="-128"/>
-              </a:defRPr>
-            </a:lvl6pPr>
-            <a:lvl7pPr marL="2971800" indent="-228600" algn="l" rtl="0" eaLnBrk="0" fontAlgn="base" hangingPunct="0">
-              <a:spcBef>
-                <a:spcPct val="0"/>
-              </a:spcBef>
-              <a:spcAft>
-                <a:spcPct val="0"/>
-              </a:spcAft>
-              <a:defRPr sz="2800">
-                <a:solidFill>
-                  <a:schemeClr val="tx1"/>
-                </a:solidFill>
-                <a:latin typeface="Helvetica" pitchFamily="124" charset="0"/>
-                <a:ea typeface="MS PGothic" pitchFamily="34" charset="-128"/>
-              </a:defRPr>
-            </a:lvl7pPr>
-            <a:lvl8pPr marL="3429000" indent="-228600" algn="l" rtl="0" eaLnBrk="0" fontAlgn="base" hangingPunct="0">
-              <a:spcBef>
-                <a:spcPct val="0"/>
-              </a:spcBef>
-              <a:spcAft>
-                <a:spcPct val="0"/>
-              </a:spcAft>
-              <a:defRPr sz="2800">
-                <a:solidFill>
-                  <a:schemeClr val="tx1"/>
-                </a:solidFill>
-                <a:latin typeface="Helvetica" pitchFamily="124" charset="0"/>
-                <a:ea typeface="MS PGothic" pitchFamily="34" charset="-128"/>
-              </a:defRPr>
-            </a:lvl8pPr>
-            <a:lvl9pPr marL="3886200" indent="-228600" algn="l" rtl="0" eaLnBrk="0" fontAlgn="base" hangingPunct="0">
-              <a:spcBef>
-                <a:spcPct val="0"/>
-              </a:spcBef>
-              <a:spcAft>
-                <a:spcPct val="0"/>
-              </a:spcAft>
-              <a:defRPr sz="2800">
-                <a:solidFill>
-                  <a:schemeClr val="tx1"/>
-                </a:solidFill>
-                <a:latin typeface="Helvetica" pitchFamily="124" charset="0"/>
-                <a:ea typeface="MS PGothic" pitchFamily="34" charset="-128"/>
-              </a:defRPr>
-            </a:lvl9pPr>
-          </a:lstStyle>
-          <a:p>
-            <a:pPr algn="just" eaLnBrk="1" hangingPunct="1"/>
-            <a:r>
-              <a:rPr lang="en-US" altLang="he-IL" sz="3900" b="1" dirty="0">
-                <a:solidFill>
-                  <a:srgbClr val="000000"/>
-                </a:solidFill>
-                <a:latin typeface="Calibri" pitchFamily="34" charset="0"/>
-              </a:rPr>
-              <a:t>Further </a:t>
-            </a:r>
-            <a:r>
-              <a:rPr lang="en-US" altLang="he-IL" sz="3900" b="1" dirty="0" smtClean="0">
-                <a:solidFill>
-                  <a:srgbClr val="000000"/>
-                </a:solidFill>
-                <a:latin typeface="Calibri" pitchFamily="34" charset="0"/>
-              </a:rPr>
-              <a:t>information</a:t>
-            </a:r>
-            <a:endParaRPr lang="en-US" altLang="he-IL" sz="3900" b="1" dirty="0">
-              <a:solidFill>
-                <a:srgbClr val="000000"/>
-              </a:solidFill>
-              <a:latin typeface="Calibri" pitchFamily="34" charset="0"/>
             </a:endParaRPr>
           </a:p>
         </p:txBody>
@@ -6990,7 +8537,7 @@
           <p:nvPr/>
         </p:nvPicPr>
         <p:blipFill>
-          <a:blip r:embed="rId4">
+          <a:blip r:embed="rId10">
             <a:extLst>
               <a:ext uri="{28A0092B-C50C-407E-A947-70E740481C1C}">
                 <a14:useLocalDpi xmlns:a14="http://schemas.microsoft.com/office/drawing/2010/main" val="0"/>
@@ -7004,7 +8551,7 @@
         </p:blipFill>
         <p:spPr bwMode="auto">
           <a:xfrm>
-            <a:off x="18524520" y="40159962"/>
+            <a:off x="17867295" y="40159962"/>
             <a:ext cx="6250883" cy="1800000"/>
           </a:xfrm>
           <a:prstGeom prst="rect">
@@ -7031,7 +8578,7 @@
           <p:nvPr/>
         </p:nvPicPr>
         <p:blipFill>
-          <a:blip r:embed="rId5">
+          <a:blip r:embed="rId11">
             <a:extLst>
               <a:ext uri="{28A0092B-C50C-407E-A947-70E740481C1C}">
                 <a14:useLocalDpi xmlns:a14="http://schemas.microsoft.com/office/drawing/2010/main" val="0"/>
@@ -7045,7 +8592,7 @@
         </p:blipFill>
         <p:spPr bwMode="auto">
           <a:xfrm>
-            <a:off x="16226904" y="40159962"/>
+            <a:off x="15626829" y="40159962"/>
             <a:ext cx="1885714" cy="1800000"/>
           </a:xfrm>
           <a:prstGeom prst="rect">
@@ -7072,7 +8619,7 @@
           <p:nvPr/>
         </p:nvPicPr>
         <p:blipFill rotWithShape="1">
-          <a:blip r:embed="rId6">
+          <a:blip r:embed="rId12">
             <a:extLst>
               <a:ext uri="{28A0092B-C50C-407E-A947-70E740481C1C}">
                 <a14:useLocalDpi xmlns:a14="http://schemas.microsoft.com/office/drawing/2010/main" val="0"/>
@@ -7125,227 +8672,16 @@
           </a:extLst>
         </p:spPr>
       </p:pic>
-      <p:grpSp>
-        <p:nvGrpSpPr>
-          <p:cNvPr id="8" name="Group 7"/>
-          <p:cNvGrpSpPr/>
-          <p:nvPr/>
-        </p:nvGrpSpPr>
-        <p:grpSpPr>
-          <a:xfrm>
-            <a:off x="23064700" y="37936795"/>
-            <a:ext cx="5746158" cy="1800000"/>
-            <a:chOff x="23064700" y="38062919"/>
-            <a:chExt cx="5746158" cy="1800000"/>
-          </a:xfrm>
-        </p:grpSpPr>
-        <p:pic>
-          <p:nvPicPr>
-            <p:cNvPr id="25" name="Picture 3" descr="D:\projects\sim\presentation\isf.png"/>
-            <p:cNvPicPr>
-              <a:picLocks noChangeAspect="1" noChangeArrowheads="1"/>
-            </p:cNvPicPr>
-            <p:nvPr/>
-          </p:nvPicPr>
-          <p:blipFill>
-            <a:blip r:embed="rId7">
-              <a:extLst>
-                <a:ext uri="{28A0092B-C50C-407E-A947-70E740481C1C}">
-                  <a14:useLocalDpi xmlns:a14="http://schemas.microsoft.com/office/drawing/2010/main" val="0"/>
-                </a:ext>
-              </a:extLst>
-            </a:blip>
-            <a:srcRect/>
-            <a:stretch>
-              <a:fillRect/>
-            </a:stretch>
-          </p:blipFill>
-          <p:spPr bwMode="auto">
-            <a:xfrm>
-              <a:off x="23064700" y="38062919"/>
-              <a:ext cx="2103070" cy="1800000"/>
-            </a:xfrm>
-            <a:prstGeom prst="rect">
-              <a:avLst/>
-            </a:prstGeom>
-            <a:noFill/>
-            <a:extLst>
-              <a:ext uri="{909E8E84-426E-40DD-AFC4-6F175D3DCCD1}">
-                <a14:hiddenFill xmlns:a14="http://schemas.microsoft.com/office/drawing/2010/main">
-                  <a:solidFill>
-                    <a:srgbClr val="FFFFFF"/>
-                  </a:solidFill>
-                </a14:hiddenFill>
-              </a:ext>
-            </a:extLst>
-          </p:spPr>
-        </p:pic>
-        <p:grpSp>
-          <p:nvGrpSpPr>
-            <p:cNvPr id="6" name="Group 5"/>
-            <p:cNvGrpSpPr/>
-            <p:nvPr/>
-          </p:nvGrpSpPr>
-          <p:grpSpPr>
-            <a:xfrm>
-              <a:off x="25224723" y="38134244"/>
-              <a:ext cx="3586135" cy="1657351"/>
-              <a:chOff x="25224723" y="38134244"/>
-              <a:chExt cx="3586135" cy="1657351"/>
-            </a:xfrm>
-          </p:grpSpPr>
-          <p:pic>
-            <p:nvPicPr>
-              <p:cNvPr id="1030" name="Picture 6"/>
-              <p:cNvPicPr>
-                <a:picLocks noChangeAspect="1" noChangeArrowheads="1"/>
-              </p:cNvPicPr>
-              <p:nvPr/>
-            </p:nvPicPr>
-            <p:blipFill>
-              <a:blip r:embed="rId8">
-                <a:extLst>
-                  <a:ext uri="{28A0092B-C50C-407E-A947-70E740481C1C}">
-                    <a14:useLocalDpi xmlns:a14="http://schemas.microsoft.com/office/drawing/2010/main" val="0"/>
-                  </a:ext>
-                </a:extLst>
-              </a:blip>
-              <a:srcRect/>
-              <a:stretch>
-                <a:fillRect/>
-              </a:stretch>
-            </p:blipFill>
-            <p:spPr bwMode="auto">
-              <a:xfrm>
-                <a:off x="25224723" y="38134244"/>
-                <a:ext cx="1339140" cy="1657351"/>
-              </a:xfrm>
-              <a:prstGeom prst="rect">
-                <a:avLst/>
-              </a:prstGeom>
-              <a:noFill/>
-              <a:ln>
-                <a:noFill/>
-              </a:ln>
-              <a:extLst>
-                <a:ext uri="{909E8E84-426E-40DD-AFC4-6F175D3DCCD1}">
-                  <a14:hiddenFill xmlns:a14="http://schemas.microsoft.com/office/drawing/2010/main">
-                    <a:solidFill>
-                      <a:schemeClr val="accent1"/>
-                    </a:solidFill>
-                  </a14:hiddenFill>
-                </a:ext>
-                <a:ext uri="{91240B29-F687-4F45-9708-019B960494DF}">
-                  <a14:hiddenLine xmlns:a14="http://schemas.microsoft.com/office/drawing/2010/main" w="9525">
-                    <a:solidFill>
-                      <a:schemeClr val="tx1"/>
-                    </a:solidFill>
-                    <a:miter lim="800000"/>
-                    <a:headEnd/>
-                    <a:tailEnd/>
-                  </a14:hiddenLine>
-                </a:ext>
-              </a:extLst>
-            </p:spPr>
-          </p:pic>
-          <p:sp>
-            <p:nvSpPr>
-              <p:cNvPr id="4" name="TextBox 3"/>
-              <p:cNvSpPr txBox="1"/>
-              <p:nvPr/>
-            </p:nvSpPr>
-            <p:spPr>
-              <a:xfrm>
-                <a:off x="26644880" y="38221328"/>
-                <a:ext cx="2165978" cy="1200329"/>
-              </a:xfrm>
-              <a:prstGeom prst="rect">
-                <a:avLst/>
-              </a:prstGeom>
-              <a:noFill/>
-            </p:spPr>
-            <p:txBody>
-              <a:bodyPr wrap="none" rtlCol="1">
-                <a:spAutoFit/>
-              </a:bodyPr>
-              <a:lstStyle/>
-              <a:p>
-                <a:pPr algn="ctr"/>
-                <a:r>
-                  <a:rPr lang="en-US" altLang="he-IL" sz="2400" dirty="0">
-                    <a:solidFill>
-                      <a:srgbClr val="0070C0"/>
-                    </a:solidFill>
-                    <a:latin typeface="Times New Roman" pitchFamily="18" charset="0"/>
-                  </a:rPr>
-                  <a:t>Israeli Ministry </a:t>
-                </a:r>
-                <a:endParaRPr lang="en-US" altLang="he-IL" sz="2400" dirty="0" smtClean="0">
-                  <a:solidFill>
-                    <a:srgbClr val="0070C0"/>
-                  </a:solidFill>
-                  <a:latin typeface="Times New Roman" pitchFamily="18" charset="0"/>
-                </a:endParaRPr>
-              </a:p>
-              <a:p>
-                <a:pPr algn="ctr"/>
-                <a:r>
-                  <a:rPr lang="en-US" altLang="he-IL" sz="2400" dirty="0" smtClean="0">
-                    <a:solidFill>
-                      <a:srgbClr val="0070C0"/>
-                    </a:solidFill>
-                    <a:latin typeface="Times New Roman" pitchFamily="18" charset="0"/>
-                  </a:rPr>
-                  <a:t>of Science </a:t>
-                </a:r>
-                <a:r>
-                  <a:rPr lang="en-US" altLang="he-IL" sz="2400" dirty="0">
-                    <a:solidFill>
-                      <a:srgbClr val="0070C0"/>
-                    </a:solidFill>
-                    <a:latin typeface="Times New Roman" pitchFamily="18" charset="0"/>
-                  </a:rPr>
-                  <a:t>and </a:t>
-                </a:r>
-                <a:endParaRPr lang="en-US" altLang="he-IL" sz="2400" dirty="0" smtClean="0">
-                  <a:solidFill>
-                    <a:srgbClr val="0070C0"/>
-                  </a:solidFill>
-                  <a:latin typeface="Times New Roman" pitchFamily="18" charset="0"/>
-                </a:endParaRPr>
-              </a:p>
-              <a:p>
-                <a:pPr algn="ctr"/>
-                <a:r>
-                  <a:rPr lang="en-US" altLang="he-IL" sz="2400" dirty="0" smtClean="0">
-                    <a:solidFill>
-                      <a:srgbClr val="0070C0"/>
-                    </a:solidFill>
-                    <a:latin typeface="Times New Roman" pitchFamily="18" charset="0"/>
-                  </a:rPr>
-                  <a:t>Technology</a:t>
-                </a:r>
-                <a:endParaRPr lang="en-US" altLang="he-IL" sz="2400" dirty="0">
-                  <a:solidFill>
-                    <a:srgbClr val="0070C0"/>
-                  </a:solidFill>
-                  <a:latin typeface="Times New Roman" pitchFamily="18" charset="0"/>
-                </a:endParaRPr>
-              </a:p>
-            </p:txBody>
-          </p:sp>
-        </p:grpSp>
-      </p:grpSp>
       <p:pic>
         <p:nvPicPr>
-          <p:cNvPr id="1031" name="Picture 7"/>
+          <p:cNvPr id="1030" name="Picture 6"/>
           <p:cNvPicPr>
             <a:picLocks noChangeAspect="1" noChangeArrowheads="1"/>
           </p:cNvPicPr>
           <p:nvPr/>
         </p:nvPicPr>
         <p:blipFill>
-          <a:blip r:embed="rId9">
+          <a:blip r:embed="rId13">
             <a:extLst>
               <a:ext uri="{28A0092B-C50C-407E-A947-70E740481C1C}">
                 <a14:useLocalDpi xmlns:a14="http://schemas.microsoft.com/office/drawing/2010/main" val="0"/>
@@ -7359,7 +8695,147 @@
         </p:blipFill>
         <p:spPr bwMode="auto">
           <a:xfrm>
-            <a:off x="25182284" y="40014822"/>
+            <a:off x="24538923" y="38008120"/>
+            <a:ext cx="1339140" cy="1657351"/>
+          </a:xfrm>
+          <a:prstGeom prst="rect">
+            <a:avLst/>
+          </a:prstGeom>
+          <a:noFill/>
+          <a:ln>
+            <a:noFill/>
+          </a:ln>
+          <a:extLst>
+            <a:ext uri="{909E8E84-426E-40DD-AFC4-6F175D3DCCD1}">
+              <a14:hiddenFill xmlns:a14="http://schemas.microsoft.com/office/drawing/2010/main">
+                <a:solidFill>
+                  <a:schemeClr val="accent1"/>
+                </a:solidFill>
+              </a14:hiddenFill>
+            </a:ext>
+            <a:ext uri="{91240B29-F687-4F45-9708-019B960494DF}">
+              <a14:hiddenLine xmlns:a14="http://schemas.microsoft.com/office/drawing/2010/main" w="9525">
+                <a:solidFill>
+                  <a:schemeClr val="tx1"/>
+                </a:solidFill>
+                <a:miter lim="800000"/>
+                <a:headEnd/>
+                <a:tailEnd/>
+              </a14:hiddenLine>
+            </a:ext>
+          </a:extLst>
+        </p:spPr>
+      </p:pic>
+      <p:sp>
+        <p:nvSpPr>
+          <p:cNvPr id="4" name="TextBox 3"/>
+          <p:cNvSpPr txBox="1"/>
+          <p:nvPr/>
+        </p:nvSpPr>
+        <p:spPr>
+          <a:xfrm>
+            <a:off x="26136728" y="38008120"/>
+            <a:ext cx="2674130" cy="1384995"/>
+          </a:xfrm>
+          <a:prstGeom prst="rect">
+            <a:avLst/>
+          </a:prstGeom>
+          <a:noFill/>
+        </p:spPr>
+        <p:txBody>
+          <a:bodyPr wrap="none" rtlCol="1">
+            <a:spAutoFit/>
+          </a:bodyPr>
+          <a:lstStyle/>
+          <a:p>
+            <a:pPr algn="ctr"/>
+            <a:r>
+              <a:rPr lang="en-US" altLang="he-IL" b="1" dirty="0">
+                <a:solidFill>
+                  <a:srgbClr val="0070C0"/>
+                </a:solidFill>
+                <a:latin typeface="Times New Roman" pitchFamily="18" charset="0"/>
+              </a:rPr>
+              <a:t>Israeli Ministry </a:t>
+            </a:r>
+            <a:endParaRPr lang="en-US" altLang="he-IL" b="1" dirty="0" smtClean="0">
+              <a:solidFill>
+                <a:srgbClr val="0070C0"/>
+              </a:solidFill>
+              <a:latin typeface="Times New Roman" pitchFamily="18" charset="0"/>
+            </a:endParaRPr>
+          </a:p>
+          <a:p>
+            <a:pPr algn="ctr"/>
+            <a:r>
+              <a:rPr lang="en-US" altLang="he-IL" b="1" dirty="0" smtClean="0">
+                <a:solidFill>
+                  <a:srgbClr val="0070C0"/>
+                </a:solidFill>
+                <a:latin typeface="Times New Roman" pitchFamily="18" charset="0"/>
+              </a:rPr>
+              <a:t>of Science </a:t>
+            </a:r>
+            <a:r>
+              <a:rPr lang="en-US" altLang="he-IL" b="1" dirty="0">
+                <a:solidFill>
+                  <a:srgbClr val="0070C0"/>
+                </a:solidFill>
+                <a:latin typeface="Times New Roman" pitchFamily="18" charset="0"/>
+              </a:rPr>
+              <a:t>and </a:t>
+            </a:r>
+            <a:endParaRPr lang="en-US" altLang="he-IL" b="1" dirty="0" smtClean="0">
+              <a:solidFill>
+                <a:srgbClr val="0070C0"/>
+              </a:solidFill>
+              <a:latin typeface="Times New Roman" pitchFamily="18" charset="0"/>
+            </a:endParaRPr>
+          </a:p>
+          <a:p>
+            <a:pPr algn="ctr"/>
+            <a:r>
+              <a:rPr lang="en-US" altLang="he-IL" b="1" dirty="0" smtClean="0">
+                <a:solidFill>
+                  <a:srgbClr val="0070C0"/>
+                </a:solidFill>
+                <a:latin typeface="Times New Roman" pitchFamily="18" charset="0"/>
+              </a:rPr>
+              <a:t>Technology</a:t>
+            </a:r>
+            <a:endParaRPr lang="en-US" altLang="he-IL" b="1" dirty="0">
+              <a:solidFill>
+                <a:srgbClr val="0070C0"/>
+              </a:solidFill>
+              <a:latin typeface="Times New Roman" pitchFamily="18" charset="0"/>
+            </a:endParaRPr>
+          </a:p>
+        </p:txBody>
+      </p:sp>
+      <p:pic>
+        <p:nvPicPr>
+          <p:cNvPr id="1031" name="Picture 7"/>
+          <p:cNvPicPr>
+            <a:picLocks noChangeAspect="1" noChangeArrowheads="1"/>
+          </p:cNvPicPr>
+          <p:nvPr/>
+        </p:nvPicPr>
+        <p:blipFill>
+          <a:blip r:embed="rId14">
+            <a:extLst>
+              <a:ext uri="{28A0092B-C50C-407E-A947-70E740481C1C}">
+                <a14:useLocalDpi xmlns:a14="http://schemas.microsoft.com/office/drawing/2010/main" val="0"/>
+              </a:ext>
+            </a:extLst>
+          </a:blip>
+          <a:srcRect/>
+          <a:stretch>
+            <a:fillRect/>
+          </a:stretch>
+        </p:blipFill>
+        <p:spPr bwMode="auto">
+          <a:xfrm>
+            <a:off x="25639484" y="40129122"/>
             <a:ext cx="3559838" cy="1800000"/>
           </a:xfrm>
           <a:prstGeom prst="rect">
@@ -7390,6 +8866,842 @@
           </a:extLst>
         </p:spPr>
       </p:pic>
+      <p:pic>
+        <p:nvPicPr>
+          <p:cNvPr id="1032" name="Picture 8" descr="D:\university\presentations\GRC2015\all_curves.png"/>
+          <p:cNvPicPr>
+            <a:picLocks noChangeAspect="1" noChangeArrowheads="1"/>
+          </p:cNvPicPr>
+          <p:nvPr/>
+        </p:nvPicPr>
+        <p:blipFill rotWithShape="1">
+          <a:blip r:embed="rId15">
+            <a:extLst>
+              <a:ext uri="{28A0092B-C50C-407E-A947-70E740481C1C}">
+                <a14:useLocalDpi xmlns:a14="http://schemas.microsoft.com/office/drawing/2010/main" val="0"/>
+              </a:ext>
+            </a:extLst>
+          </a:blip>
+          <a:srcRect l="3369" r="8142"/>
+          <a:stretch/>
+        </p:blipFill>
+        <p:spPr bwMode="auto">
+          <a:xfrm>
+            <a:off x="1438664" y="10417193"/>
+            <a:ext cx="7920000" cy="6150978"/>
+          </a:xfrm>
+          <a:prstGeom prst="rect">
+            <a:avLst/>
+          </a:prstGeom>
+          <a:noFill/>
+          <a:extLst>
+            <a:ext uri="{909E8E84-426E-40DD-AFC4-6F175D3DCCD1}">
+              <a14:hiddenFill xmlns:a14="http://schemas.microsoft.com/office/drawing/2010/main">
+                <a:solidFill>
+                  <a:srgbClr val="FFFFFF"/>
+                </a:solidFill>
+              </a14:hiddenFill>
+            </a:ext>
+          </a:extLst>
+        </p:spPr>
+      </p:pic>
+      <p:pic>
+        <p:nvPicPr>
+          <p:cNvPr id="1034" name="Picture 10" descr="D:\university\presentations\GRC2015\model_fits.png"/>
+          <p:cNvPicPr>
+            <a:picLocks noChangeAspect="1" noChangeArrowheads="1"/>
+          </p:cNvPicPr>
+          <p:nvPr/>
+        </p:nvPicPr>
+        <p:blipFill rotWithShape="1">
+          <a:blip r:embed="rId16">
+            <a:extLst>
+              <a:ext uri="{28A0092B-C50C-407E-A947-70E740481C1C}">
+                <a14:useLocalDpi xmlns:a14="http://schemas.microsoft.com/office/drawing/2010/main" val="0"/>
+              </a:ext>
+            </a:extLst>
+          </a:blip>
+          <a:srcRect l="4167" t="7351" r="7172"/>
+          <a:stretch/>
+        </p:blipFill>
+        <p:spPr bwMode="auto">
+          <a:xfrm>
+            <a:off x="1539100" y="27984450"/>
+            <a:ext cx="7920000" cy="5687811"/>
+          </a:xfrm>
+          <a:prstGeom prst="rect">
+            <a:avLst/>
+          </a:prstGeom>
+          <a:noFill/>
+          <a:extLst>
+            <a:ext uri="{909E8E84-426E-40DD-AFC4-6F175D3DCCD1}">
+              <a14:hiddenFill xmlns:a14="http://schemas.microsoft.com/office/drawing/2010/main">
+                <a:solidFill>
+                  <a:srgbClr val="FFFFFF"/>
+                </a:solidFill>
+              </a14:hiddenFill>
+            </a:ext>
+          </a:extLst>
+        </p:spPr>
+      </p:pic>
+      <p:pic>
+        <p:nvPicPr>
+          <p:cNvPr id="1035" name="Picture 11" descr="D:\university\presentations\GRC2015\G_models.png"/>
+          <p:cNvPicPr>
+            <a:picLocks noChangeAspect="1" noChangeArrowheads="1"/>
+          </p:cNvPicPr>
+          <p:nvPr/>
+        </p:nvPicPr>
+        <p:blipFill>
+          <a:blip r:embed="rId17">
+            <a:extLst>
+              <a:ext uri="{28A0092B-C50C-407E-A947-70E740481C1C}">
+                <a14:useLocalDpi xmlns:a14="http://schemas.microsoft.com/office/drawing/2010/main" val="0"/>
+              </a:ext>
+            </a:extLst>
+          </a:blip>
+          <a:srcRect/>
+          <a:stretch>
+            <a:fillRect/>
+          </a:stretch>
+        </p:blipFill>
+        <p:spPr bwMode="auto">
+          <a:xfrm>
+            <a:off x="1581188" y="24278706"/>
+            <a:ext cx="7920000" cy="2970214"/>
+          </a:xfrm>
+          <a:prstGeom prst="rect">
+            <a:avLst/>
+          </a:prstGeom>
+          <a:noFill/>
+          <a:extLst>
+            <a:ext uri="{909E8E84-426E-40DD-AFC4-6F175D3DCCD1}">
+              <a14:hiddenFill xmlns:a14="http://schemas.microsoft.com/office/drawing/2010/main">
+                <a:solidFill>
+                  <a:srgbClr val="FFFFFF"/>
+                </a:solidFill>
+              </a14:hiddenFill>
+            </a:ext>
+          </a:extLst>
+        </p:spPr>
+      </p:pic>
+      <p:pic>
+        <p:nvPicPr>
+          <p:cNvPr id="1039" name="Picture 15" descr="D:\university\presentations\GRC2015\competition.png"/>
+          <p:cNvPicPr>
+            <a:picLocks noChangeAspect="1" noChangeArrowheads="1"/>
+          </p:cNvPicPr>
+          <p:nvPr/>
+        </p:nvPicPr>
+        <p:blipFill rotWithShape="1">
+          <a:blip r:embed="rId18">
+            <a:extLst>
+              <a:ext uri="{28A0092B-C50C-407E-A947-70E740481C1C}">
+                <a14:useLocalDpi xmlns:a14="http://schemas.microsoft.com/office/drawing/2010/main" val="0"/>
+              </a:ext>
+            </a:extLst>
+          </a:blip>
+          <a:srcRect l="3964" t="5568" r="7260"/>
+          <a:stretch/>
+        </p:blipFill>
+        <p:spPr bwMode="auto">
+          <a:xfrm>
+            <a:off x="11184899" y="11921787"/>
+            <a:ext cx="7920000" cy="5789797"/>
+          </a:xfrm>
+          <a:prstGeom prst="rect">
+            <a:avLst/>
+          </a:prstGeom>
+          <a:noFill/>
+          <a:extLst>
+            <a:ext uri="{909E8E84-426E-40DD-AFC4-6F175D3DCCD1}">
+              <a14:hiddenFill xmlns:a14="http://schemas.microsoft.com/office/drawing/2010/main">
+                <a:solidFill>
+                  <a:srgbClr val="FFFFFF"/>
+                </a:solidFill>
+              </a14:hiddenFill>
+            </a:ext>
+          </a:extLst>
+        </p:spPr>
+      </p:pic>
+      <p:pic>
+        <p:nvPicPr>
+          <p:cNvPr id="1041" name="Picture 17" descr="D:\university\presentations\GRC2015\frequency_fit.png"/>
+          <p:cNvPicPr>
+            <a:picLocks noChangeAspect="1" noChangeArrowheads="1"/>
+          </p:cNvPicPr>
+          <p:nvPr/>
+        </p:nvPicPr>
+        <p:blipFill rotWithShape="1">
+          <a:blip r:embed="rId19">
+            <a:extLst>
+              <a:ext uri="{28A0092B-C50C-407E-A947-70E740481C1C}">
+                <a14:useLocalDpi xmlns:a14="http://schemas.microsoft.com/office/drawing/2010/main" val="0"/>
+              </a:ext>
+            </a:extLst>
+          </a:blip>
+          <a:srcRect l="2280" t="6989" r="7992"/>
+          <a:stretch/>
+        </p:blipFill>
+        <p:spPr bwMode="auto">
+          <a:xfrm>
+            <a:off x="11494533" y="22739600"/>
+            <a:ext cx="7920000" cy="5642087"/>
+          </a:xfrm>
+          <a:prstGeom prst="rect">
+            <a:avLst/>
+          </a:prstGeom>
+          <a:noFill/>
+          <a:extLst>
+            <a:ext uri="{909E8E84-426E-40DD-AFC4-6F175D3DCCD1}">
+              <a14:hiddenFill xmlns:a14="http://schemas.microsoft.com/office/drawing/2010/main">
+                <a:solidFill>
+                  <a:srgbClr val="FFFFFF"/>
+                </a:solidFill>
+              </a14:hiddenFill>
+            </a:ext>
+          </a:extLst>
+        </p:spPr>
+      </p:pic>
+      <p:pic>
+        <p:nvPicPr>
+          <p:cNvPr id="43" name="Picture 42"/>
+          <p:cNvPicPr>
+            <a:picLocks noChangeAspect="1"/>
+          </p:cNvPicPr>
+          <p:nvPr/>
+        </p:nvPicPr>
+        <p:blipFill>
+          <a:blip r:embed="rId20" cstate="print">
+            <a:extLst>
+              <a:ext uri="{28A0092B-C50C-407E-A947-70E740481C1C}">
+                <a14:useLocalDpi xmlns:a14="http://schemas.microsoft.com/office/drawing/2010/main" val="0"/>
+              </a:ext>
+            </a:extLst>
+          </a:blip>
+          <a:stretch>
+            <a:fillRect/>
+          </a:stretch>
+        </p:blipFill>
+        <p:spPr>
+          <a:xfrm>
+            <a:off x="20614042" y="26955750"/>
+            <a:ext cx="8460000" cy="7138125"/>
+          </a:xfrm>
+          <a:prstGeom prst="rect">
+            <a:avLst/>
+          </a:prstGeom>
+        </p:spPr>
+      </p:pic>
+      <p:pic>
+        <p:nvPicPr>
+          <p:cNvPr id="1045" name="Picture 21" descr="D:\university\presentations\GRC2015\competition2.png"/>
+          <p:cNvPicPr>
+            <a:picLocks noChangeAspect="1" noChangeArrowheads="1"/>
+          </p:cNvPicPr>
+          <p:nvPr/>
+        </p:nvPicPr>
+        <p:blipFill rotWithShape="1">
+          <a:blip r:embed="rId21">
+            <a:extLst>
+              <a:ext uri="{28A0092B-C50C-407E-A947-70E740481C1C}">
+                <a14:useLocalDpi xmlns:a14="http://schemas.microsoft.com/office/drawing/2010/main" val="0"/>
+              </a:ext>
+            </a:extLst>
+          </a:blip>
+          <a:srcRect l="2456" t="6634" r="7665"/>
+          <a:stretch/>
+        </p:blipFill>
+        <p:spPr bwMode="auto">
+          <a:xfrm>
+            <a:off x="20909163" y="15298282"/>
+            <a:ext cx="7920000" cy="5654240"/>
+          </a:xfrm>
+          <a:prstGeom prst="rect">
+            <a:avLst/>
+          </a:prstGeom>
+          <a:noFill/>
+          <a:extLst>
+            <a:ext uri="{909E8E84-426E-40DD-AFC4-6F175D3DCCD1}">
+              <a14:hiddenFill xmlns:a14="http://schemas.microsoft.com/office/drawing/2010/main">
+                <a:solidFill>
+                  <a:srgbClr val="FFFFFF"/>
+                </a:solidFill>
+              </a14:hiddenFill>
+            </a:ext>
+          </a:extLst>
+        </p:spPr>
+      </p:pic>
+      <p:pic>
+        <p:nvPicPr>
+          <p:cNvPr id="1048" name="Picture 24" descr="D:\university\presentations\GRC2015\total_OD_comparison.png"/>
+          <p:cNvPicPr>
+            <a:picLocks noChangeAspect="1" noChangeArrowheads="1"/>
+          </p:cNvPicPr>
+          <p:nvPr/>
+        </p:nvPicPr>
+        <p:blipFill rotWithShape="1">
+          <a:blip r:embed="rId22">
+            <a:extLst>
+              <a:ext uri="{28A0092B-C50C-407E-A947-70E740481C1C}">
+                <a14:useLocalDpi xmlns:a14="http://schemas.microsoft.com/office/drawing/2010/main" val="0"/>
+              </a:ext>
+            </a:extLst>
+          </a:blip>
+          <a:srcRect l="4084" t="5686" r="7665"/>
+          <a:stretch/>
+        </p:blipFill>
+        <p:spPr bwMode="auto">
+          <a:xfrm>
+            <a:off x="20890858" y="20901025"/>
+            <a:ext cx="7920000" cy="5817011"/>
+          </a:xfrm>
+          <a:prstGeom prst="rect">
+            <a:avLst/>
+          </a:prstGeom>
+          <a:noFill/>
+          <a:extLst>
+            <a:ext uri="{909E8E84-426E-40DD-AFC4-6F175D3DCCD1}">
+              <a14:hiddenFill xmlns:a14="http://schemas.microsoft.com/office/drawing/2010/main">
+                <a:solidFill>
+                  <a:srgbClr val="FFFFFF"/>
+                </a:solidFill>
+              </a14:hiddenFill>
+            </a:ext>
+          </a:extLst>
+        </p:spPr>
+      </p:pic>
+      <p:pic>
+        <p:nvPicPr>
+          <p:cNvPr id="1050" name="Picture 26"/>
+          <p:cNvPicPr>
+            <a:picLocks noChangeAspect="1" noChangeArrowheads="1"/>
+          </p:cNvPicPr>
+          <p:nvPr/>
+        </p:nvPicPr>
+        <p:blipFill>
+          <a:blip r:embed="rId23">
+            <a:extLst>
+              <a:ext uri="{28A0092B-C50C-407E-A947-70E740481C1C}">
+                <a14:useLocalDpi xmlns:a14="http://schemas.microsoft.com/office/drawing/2010/main" val="0"/>
+              </a:ext>
+            </a:extLst>
+          </a:blip>
+          <a:srcRect/>
+          <a:stretch>
+            <a:fillRect/>
+          </a:stretch>
+        </p:blipFill>
+        <p:spPr bwMode="auto">
+          <a:xfrm>
+            <a:off x="26763602" y="16568171"/>
+            <a:ext cx="2103438" cy="1914525"/>
+          </a:xfrm>
+          <a:prstGeom prst="rect">
+            <a:avLst/>
+          </a:prstGeom>
+          <a:noFill/>
+          <a:ln>
+            <a:noFill/>
+          </a:ln>
+          <a:effectLst/>
+          <a:extLst>
+            <a:ext uri="{909E8E84-426E-40DD-AFC4-6F175D3DCCD1}">
+              <a14:hiddenFill xmlns:a14="http://schemas.microsoft.com/office/drawing/2010/main">
+                <a:solidFill>
+                  <a:schemeClr val="accent1"/>
+                </a:solidFill>
+              </a14:hiddenFill>
+            </a:ext>
+            <a:ext uri="{91240B29-F687-4F45-9708-019B960494DF}">
+              <a14:hiddenLine xmlns:a14="http://schemas.microsoft.com/office/drawing/2010/main" w="9525">
+                <a:solidFill>
+                  <a:schemeClr val="tx1"/>
+                </a:solidFill>
+                <a:miter lim="800000"/>
+                <a:headEnd/>
+                <a:tailEnd/>
+              </a14:hiddenLine>
+            </a:ext>
+            <a:ext uri="{AF507438-7753-43E0-B8FC-AC1667EBCBE1}">
+              <a14:hiddenEffects xmlns:a14="http://schemas.microsoft.com/office/drawing/2010/main">
+                <a:effectLst>
+                  <a:outerShdw dist="35921" dir="2700000" algn="ctr" rotWithShape="0">
+                    <a:schemeClr val="bg2"/>
+                  </a:outerShdw>
+                </a:effectLst>
+              </a14:hiddenEffects>
+            </a:ext>
+          </a:extLst>
+        </p:spPr>
+      </p:pic>
+      <p:pic>
+        <p:nvPicPr>
+          <p:cNvPr id="1043" name="Picture 19" descr="D:\university\presentations\GRC2015\plate.png"/>
+          <p:cNvPicPr>
+            <a:picLocks noChangeAspect="1" noChangeArrowheads="1"/>
+          </p:cNvPicPr>
+          <p:nvPr/>
+        </p:nvPicPr>
+        <p:blipFill>
+          <a:blip r:embed="rId24">
+            <a:extLst>
+              <a:ext uri="{28A0092B-C50C-407E-A947-70E740481C1C}">
+                <a14:useLocalDpi xmlns:a14="http://schemas.microsoft.com/office/drawing/2010/main" val="0"/>
+              </a:ext>
+            </a:extLst>
+          </a:blip>
+          <a:srcRect/>
+          <a:stretch>
+            <a:fillRect/>
+          </a:stretch>
+        </p:blipFill>
+        <p:spPr bwMode="auto">
+          <a:xfrm>
+            <a:off x="24551357" y="8593347"/>
+            <a:ext cx="4395788" cy="3200400"/>
+          </a:xfrm>
+          <a:prstGeom prst="rect">
+            <a:avLst/>
+          </a:prstGeom>
+          <a:noFill/>
+          <a:extLst>
+            <a:ext uri="{909E8E84-426E-40DD-AFC4-6F175D3DCCD1}">
+              <a14:hiddenFill xmlns:a14="http://schemas.microsoft.com/office/drawing/2010/main">
+                <a:solidFill>
+                  <a:srgbClr val="FFFFFF"/>
+                </a:solidFill>
+              </a14:hiddenFill>
+            </a:ext>
+          </a:extLst>
+        </p:spPr>
+      </p:pic>
+      <p:pic>
+        <p:nvPicPr>
+          <p:cNvPr id="1053" name="Picture 29" descr="D:\workspace\curveball_project\Plato\public\plato.png"/>
+          <p:cNvPicPr>
+            <a:picLocks noChangeAspect="1" noChangeArrowheads="1"/>
+          </p:cNvPicPr>
+          <p:nvPr/>
+        </p:nvPicPr>
+        <p:blipFill>
+          <a:blip r:embed="rId25">
+            <a:extLst>
+              <a:ext uri="{28A0092B-C50C-407E-A947-70E740481C1C}">
+                <a14:useLocalDpi xmlns:a14="http://schemas.microsoft.com/office/drawing/2010/main" val="0"/>
+              </a:ext>
+            </a:extLst>
+          </a:blip>
+          <a:srcRect/>
+          <a:stretch>
+            <a:fillRect/>
+          </a:stretch>
+        </p:blipFill>
+        <p:spPr bwMode="auto">
+          <a:xfrm>
+            <a:off x="11494533" y="40159962"/>
+            <a:ext cx="1290989" cy="1678286"/>
+          </a:xfrm>
+          <a:prstGeom prst="rect">
+            <a:avLst/>
+          </a:prstGeom>
+          <a:noFill/>
+          <a:extLst>
+            <a:ext uri="{909E8E84-426E-40DD-AFC4-6F175D3DCCD1}">
+              <a14:hiddenFill xmlns:a14="http://schemas.microsoft.com/office/drawing/2010/main">
+                <a:solidFill>
+                  <a:srgbClr val="FFFFFF"/>
+                </a:solidFill>
+              </a14:hiddenFill>
+            </a:ext>
+          </a:extLst>
+        </p:spPr>
+      </p:pic>
+      <p:pic>
+        <p:nvPicPr>
+          <p:cNvPr id="1054" name="Picture 30" descr="C:\Users\yoavram\Pictures\yoav_mypictr_Facebook.jpg"/>
+          <p:cNvPicPr>
+            <a:picLocks noChangeAspect="1" noChangeArrowheads="1"/>
+          </p:cNvPicPr>
+          <p:nvPr/>
+        </p:nvPicPr>
+        <p:blipFill>
+          <a:blip r:embed="rId26">
+            <a:extLst>
+              <a:ext uri="{28A0092B-C50C-407E-A947-70E740481C1C}">
+                <a14:useLocalDpi xmlns:a14="http://schemas.microsoft.com/office/drawing/2010/main" val="0"/>
+              </a:ext>
+            </a:extLst>
+          </a:blip>
+          <a:srcRect/>
+          <a:stretch>
+            <a:fillRect/>
+          </a:stretch>
+        </p:blipFill>
+        <p:spPr bwMode="auto">
+          <a:xfrm>
+            <a:off x="20786926" y="35871305"/>
+            <a:ext cx="1905000" cy="2381250"/>
+          </a:xfrm>
+          <a:prstGeom prst="rect">
+            <a:avLst/>
+          </a:prstGeom>
+          <a:noFill/>
+          <a:extLst>
+            <a:ext uri="{909E8E84-426E-40DD-AFC4-6F175D3DCCD1}">
+              <a14:hiddenFill xmlns:a14="http://schemas.microsoft.com/office/drawing/2010/main">
+                <a:solidFill>
+                  <a:srgbClr val="FFFFFF"/>
+                </a:solidFill>
+              </a14:hiddenFill>
+            </a:ext>
+          </a:extLst>
+        </p:spPr>
+      </p:pic>
+      <p:grpSp>
+        <p:nvGrpSpPr>
+          <p:cNvPr id="63" name="Group 62"/>
+          <p:cNvGrpSpPr/>
+          <p:nvPr/>
+        </p:nvGrpSpPr>
+        <p:grpSpPr>
+          <a:xfrm>
+            <a:off x="20416245" y="38403010"/>
+            <a:ext cx="4006476" cy="1384995"/>
+            <a:chOff x="1026840" y="5356373"/>
+            <a:chExt cx="4913312" cy="1384995"/>
+          </a:xfrm>
+        </p:grpSpPr>
+        <p:pic>
+          <p:nvPicPr>
+            <p:cNvPr id="64" name="Picture 1"/>
+            <p:cNvPicPr>
+              <a:picLocks noChangeAspect="1" noChangeArrowheads="1"/>
+            </p:cNvPicPr>
+            <p:nvPr/>
+          </p:nvPicPr>
+          <p:blipFill>
+            <a:blip r:embed="rId27">
+              <a:extLst>
+                <a:ext uri="{28A0092B-C50C-407E-A947-70E740481C1C}">
+                  <a14:useLocalDpi xmlns:a14="http://schemas.microsoft.com/office/drawing/2010/main" val="0"/>
+                </a:ext>
+              </a:extLst>
+            </a:blip>
+            <a:srcRect/>
+            <a:stretch>
+              <a:fillRect/>
+            </a:stretch>
+          </p:blipFill>
+          <p:spPr bwMode="auto">
+            <a:xfrm>
+              <a:off x="1026840" y="5932512"/>
+              <a:ext cx="304800" cy="304800"/>
+            </a:xfrm>
+            <a:prstGeom prst="rect">
+              <a:avLst/>
+            </a:prstGeom>
+            <a:noFill/>
+            <a:ln>
+              <a:noFill/>
+            </a:ln>
+            <a:effectLst/>
+            <a:extLst>
+              <a:ext uri="{909E8E84-426E-40DD-AFC4-6F175D3DCCD1}">
+                <a14:hiddenFill xmlns:a14="http://schemas.microsoft.com/office/drawing/2010/main">
+                  <a:solidFill>
+                    <a:schemeClr val="accent1"/>
+                  </a:solidFill>
+                </a14:hiddenFill>
+              </a:ext>
+              <a:ext uri="{91240B29-F687-4F45-9708-019B960494DF}">
+                <a14:hiddenLine xmlns:a14="http://schemas.microsoft.com/office/drawing/2010/main" w="9525">
+                  <a:solidFill>
+                    <a:schemeClr val="tx1"/>
+                  </a:solidFill>
+                  <a:miter lim="800000"/>
+                  <a:headEnd/>
+                  <a:tailEnd/>
+                </a14:hiddenLine>
+              </a:ext>
+              <a:ext uri="{AF507438-7753-43E0-B8FC-AC1667EBCBE1}">
+                <a14:hiddenEffects xmlns:a14="http://schemas.microsoft.com/office/drawing/2010/main">
+                  <a:effectLst>
+                    <a:outerShdw dist="35921" dir="2700000" algn="ctr" rotWithShape="0">
+                      <a:schemeClr val="bg2"/>
+                    </a:outerShdw>
+                  </a:effectLst>
+                </a14:hiddenEffects>
+              </a:ext>
+            </a:extLst>
+          </p:spPr>
+        </p:pic>
+        <p:pic>
+          <p:nvPicPr>
+            <p:cNvPr id="65" name="Picture 2"/>
+            <p:cNvPicPr>
+              <a:picLocks noChangeAspect="1" noChangeArrowheads="1"/>
+            </p:cNvPicPr>
+            <p:nvPr/>
+          </p:nvPicPr>
+          <p:blipFill>
+            <a:blip r:embed="rId28">
+              <a:extLst>
+                <a:ext uri="{28A0092B-C50C-407E-A947-70E740481C1C}">
+                  <a14:useLocalDpi xmlns:a14="http://schemas.microsoft.com/office/drawing/2010/main" val="0"/>
+                </a:ext>
+              </a:extLst>
+            </a:blip>
+            <a:srcRect/>
+            <a:stretch>
+              <a:fillRect/>
+            </a:stretch>
+          </p:blipFill>
+          <p:spPr bwMode="auto">
+            <a:xfrm>
+              <a:off x="1026840" y="5500464"/>
+              <a:ext cx="304800" cy="304800"/>
+            </a:xfrm>
+            <a:prstGeom prst="rect">
+              <a:avLst/>
+            </a:prstGeom>
+            <a:noFill/>
+            <a:ln>
+              <a:noFill/>
+            </a:ln>
+            <a:effectLst/>
+            <a:extLst>
+              <a:ext uri="{909E8E84-426E-40DD-AFC4-6F175D3DCCD1}">
+                <a14:hiddenFill xmlns:a14="http://schemas.microsoft.com/office/drawing/2010/main">
+                  <a:solidFill>
+                    <a:schemeClr val="accent1"/>
+                  </a:solidFill>
+                </a14:hiddenFill>
+              </a:ext>
+              <a:ext uri="{91240B29-F687-4F45-9708-019B960494DF}">
+                <a14:hiddenLine xmlns:a14="http://schemas.microsoft.com/office/drawing/2010/main" w="9525">
+                  <a:solidFill>
+                    <a:schemeClr val="tx1"/>
+                  </a:solidFill>
+                  <a:miter lim="800000"/>
+                  <a:headEnd/>
+                  <a:tailEnd/>
+                </a14:hiddenLine>
+              </a:ext>
+              <a:ext uri="{AF507438-7753-43E0-B8FC-AC1667EBCBE1}">
+                <a14:hiddenEffects xmlns:a14="http://schemas.microsoft.com/office/drawing/2010/main">
+                  <a:effectLst>
+                    <a:outerShdw dist="35921" dir="2700000" algn="ctr" rotWithShape="0">
+                      <a:schemeClr val="bg2"/>
+                    </a:outerShdw>
+                  </a:effectLst>
+                </a14:hiddenEffects>
+              </a:ext>
+            </a:extLst>
+          </p:spPr>
+        </p:pic>
+        <p:pic>
+          <p:nvPicPr>
+            <p:cNvPr id="66" name="Picture 3"/>
+            <p:cNvPicPr>
+              <a:picLocks noChangeAspect="1" noChangeArrowheads="1"/>
+            </p:cNvPicPr>
+            <p:nvPr/>
+          </p:nvPicPr>
+          <p:blipFill>
+            <a:blip r:embed="rId29">
+              <a:extLst>
+                <a:ext uri="{28A0092B-C50C-407E-A947-70E740481C1C}">
+                  <a14:useLocalDpi xmlns:a14="http://schemas.microsoft.com/office/drawing/2010/main" val="0"/>
+                </a:ext>
+              </a:extLst>
+            </a:blip>
+            <a:srcRect/>
+            <a:stretch>
+              <a:fillRect/>
+            </a:stretch>
+          </p:blipFill>
+          <p:spPr bwMode="auto">
+            <a:xfrm>
+              <a:off x="1026840" y="6309320"/>
+              <a:ext cx="304800" cy="304800"/>
+            </a:xfrm>
+            <a:prstGeom prst="rect">
+              <a:avLst/>
+            </a:prstGeom>
+            <a:noFill/>
+            <a:ln>
+              <a:noFill/>
+            </a:ln>
+            <a:effectLst/>
+            <a:extLst>
+              <a:ext uri="{909E8E84-426E-40DD-AFC4-6F175D3DCCD1}">
+                <a14:hiddenFill xmlns:a14="http://schemas.microsoft.com/office/drawing/2010/main">
+                  <a:solidFill>
+                    <a:schemeClr val="accent1"/>
+                  </a:solidFill>
+                </a14:hiddenFill>
+              </a:ext>
+              <a:ext uri="{91240B29-F687-4F45-9708-019B960494DF}">
+                <a14:hiddenLine xmlns:a14="http://schemas.microsoft.com/office/drawing/2010/main" w="9525">
+                  <a:solidFill>
+                    <a:schemeClr val="tx1"/>
+                  </a:solidFill>
+                  <a:miter lim="800000"/>
+                  <a:headEnd/>
+                  <a:tailEnd/>
+                </a14:hiddenLine>
+              </a:ext>
+              <a:ext uri="{AF507438-7753-43E0-B8FC-AC1667EBCBE1}">
+                <a14:hiddenEffects xmlns:a14="http://schemas.microsoft.com/office/drawing/2010/main">
+                  <a:effectLst>
+                    <a:outerShdw dist="35921" dir="2700000" algn="ctr" rotWithShape="0">
+                      <a:schemeClr val="bg2"/>
+                    </a:outerShdw>
+                  </a:effectLst>
+                </a14:hiddenEffects>
+              </a:ext>
+            </a:extLst>
+          </p:spPr>
+        </p:pic>
+        <p:sp>
+          <p:nvSpPr>
+            <p:cNvPr id="67" name="Rectangle 66"/>
+            <p:cNvSpPr/>
+            <p:nvPr/>
+          </p:nvSpPr>
+          <p:spPr>
+            <a:xfrm>
+              <a:off x="1368152" y="5356373"/>
+              <a:ext cx="4572000" cy="1384995"/>
+            </a:xfrm>
+            <a:prstGeom prst="rect">
+              <a:avLst/>
+            </a:prstGeom>
+          </p:spPr>
+          <p:txBody>
+            <a:bodyPr>
+              <a:spAutoFit/>
+            </a:bodyPr>
+            <a:lstStyle/>
+            <a:p>
+              <a:pPr algn="l" rtl="0"/>
+              <a:r>
+                <a:rPr lang="en-US" sz="2800" b="1" dirty="0" smtClean="0">
+                  <a:latin typeface="+mn-lt"/>
+                  <a:ea typeface="Dotum" panose="020B0600000101010101" pitchFamily="34" charset="-127"/>
+                </a:rPr>
+                <a:t>yoav@yoavram.com</a:t>
+              </a:r>
+              <a:endParaRPr lang="en-US" sz="2800" b="1" dirty="0">
+                <a:latin typeface="+mn-lt"/>
+                <a:ea typeface="Dotum" panose="020B0600000101010101" pitchFamily="34" charset="-127"/>
+              </a:endParaRPr>
+            </a:p>
+            <a:p>
+              <a:pPr algn="l" rtl="0"/>
+              <a:r>
+                <a:rPr lang="en-US" sz="2800" b="1" dirty="0" smtClean="0">
+                  <a:latin typeface="+mn-lt"/>
+                  <a:ea typeface="Dotum" panose="020B0600000101010101" pitchFamily="34" charset="-127"/>
+                </a:rPr>
+                <a:t>@</a:t>
+              </a:r>
+              <a:r>
+                <a:rPr lang="en-US" sz="2800" b="1" dirty="0">
+                  <a:latin typeface="+mn-lt"/>
+                  <a:ea typeface="Dotum" panose="020B0600000101010101" pitchFamily="34" charset="-127"/>
+                </a:rPr>
+                <a:t>yoavram</a:t>
+              </a:r>
+            </a:p>
+            <a:p>
+              <a:pPr algn="l" rtl="0"/>
+              <a:r>
+                <a:rPr lang="en-US" sz="2800" b="1" dirty="0" smtClean="0">
+                  <a:latin typeface="+mn-lt"/>
+                  <a:ea typeface="Dotum" panose="020B0600000101010101" pitchFamily="34" charset="-127"/>
+                </a:rPr>
+                <a:t>www.yoavram.com</a:t>
+              </a:r>
+              <a:endParaRPr lang="he-IL" sz="2800" b="1" dirty="0">
+                <a:latin typeface="+mn-lt"/>
+                <a:ea typeface="Dotum" panose="020B0600000101010101" pitchFamily="34" charset="-127"/>
+              </a:endParaRPr>
+            </a:p>
+          </p:txBody>
+        </p:sp>
+      </p:grpSp>
+      <p:sp>
+        <p:nvSpPr>
+          <p:cNvPr id="11" name="TextBox 10"/>
+          <p:cNvSpPr txBox="1"/>
+          <p:nvPr/>
+        </p:nvSpPr>
+        <p:spPr>
+          <a:xfrm>
+            <a:off x="10407650" y="39673593"/>
+            <a:ext cx="3714750" cy="477054"/>
+          </a:xfrm>
+          <a:prstGeom prst="rect">
+            <a:avLst/>
+          </a:prstGeom>
+          <a:noFill/>
+        </p:spPr>
+        <p:txBody>
+          <a:bodyPr wrap="square" rtlCol="1">
+            <a:spAutoFit/>
+          </a:bodyPr>
+          <a:lstStyle/>
+          <a:p>
+            <a:pPr algn="ctr"/>
+            <a:r>
+              <a:rPr lang="en-US" sz="2500" dirty="0" smtClean="0">
+                <a:latin typeface="+mn-lt"/>
+              </a:rPr>
+              <a:t>plato.yoavram.com</a:t>
+            </a:r>
+            <a:endParaRPr lang="he-IL" sz="2500" dirty="0">
+              <a:latin typeface="+mn-lt"/>
+            </a:endParaRPr>
+          </a:p>
+        </p:txBody>
+      </p:sp>
+      <p:sp>
+        <p:nvSpPr>
+          <p:cNvPr id="69" name="TextBox 68"/>
+          <p:cNvSpPr txBox="1"/>
+          <p:nvPr/>
+        </p:nvSpPr>
+        <p:spPr>
+          <a:xfrm>
+            <a:off x="12420079" y="42095853"/>
+            <a:ext cx="3714750" cy="477054"/>
+          </a:xfrm>
+          <a:prstGeom prst="rect">
+            <a:avLst/>
+          </a:prstGeom>
+          <a:noFill/>
+        </p:spPr>
+        <p:txBody>
+          <a:bodyPr wrap="square" rtlCol="1">
+            <a:spAutoFit/>
+          </a:bodyPr>
+          <a:lstStyle/>
+          <a:p>
+            <a:pPr algn="ctr"/>
+            <a:r>
+              <a:rPr lang="en-US" sz="2500" dirty="0" smtClean="0">
+                <a:latin typeface="+mn-lt"/>
+              </a:rPr>
+              <a:t>curveball.yoavram.com</a:t>
+            </a:r>
+            <a:endParaRPr lang="he-IL" sz="2500" dirty="0">
+              <a:latin typeface="+mn-lt"/>
+            </a:endParaRPr>
+          </a:p>
+        </p:txBody>
+      </p:sp>
     </p:spTree>
   </p:cSld>
   <p:clrMapOvr>
@@ -7398,7 +9710,75 @@
   <p:timing>
     <p:tnLst>
       <p:par>
-        <p:cTn id="1" dur="indefinite" restart="never" nodeType="tmRoot"/>
+        <p:cTn id="1" dur="indefinite" restart="never" nodeType="tmRoot">
+          <p:childTnLst>
+            <p:seq concurrent="1" nextAc="seek">
+              <p:cTn id="2" dur="indefinite" nodeType="mainSeq">
+                <p:childTnLst>
+                  <p:par>
+                    <p:cTn id="3" fill="hold">
+                      <p:stCondLst>
+                        <p:cond delay="indefinite"/>
+                      </p:stCondLst>
+                      <p:childTnLst>
+                        <p:par>
+                          <p:cTn id="4" fill="hold">
+                            <p:stCondLst>
+                              <p:cond delay="0"/>
+                            </p:stCondLst>
+                            <p:childTnLst>
+                              <p:par>
+                                <p:cTn id="5" presetID="1" presetClass="entr" presetSubtype="0" fill="hold" nodeType="clickEffect">
+                                  <p:stCondLst>
+                                    <p:cond delay="0"/>
+                                  </p:stCondLst>
+                                  <p:childTnLst>
+                                    <p:set>
+                                      <p:cBhvr>
+                                        <p:cTn id="6" dur="1" fill="hold">
+                                          <p:stCondLst>
+                                            <p:cond delay="0"/>
+                                          </p:stCondLst>
+                                        </p:cTn>
+                                        <p:tgtEl>
+                                          <p:spTgt spid="63"/>
+                                        </p:tgtEl>
+                                        <p:attrNameLst>
+                                          <p:attrName>style.visibility</p:attrName>
+                                        </p:attrNameLst>
+                                      </p:cBhvr>
+                                      <p:to>
+                                        <p:strVal val="visible"/>
+                                      </p:to>
+                                    </p:set>
+                                  </p:childTnLst>
+                                </p:cTn>
+                              </p:par>
+                            </p:childTnLst>
+                          </p:cTn>
+                        </p:par>
+                      </p:childTnLst>
+                    </p:cTn>
+                  </p:par>
+                </p:childTnLst>
+              </p:cTn>
+              <p:prevCondLst>
+                <p:cond evt="onPrev" delay="0">
+                  <p:tgtEl>
+                    <p:sldTgt/>
+                  </p:tgtEl>
+                </p:cond>
+              </p:prevCondLst>
+              <p:nextCondLst>
+                <p:cond evt="onNext" delay="0">
+                  <p:tgtEl>
+                    <p:sldTgt/>
+                  </p:tgtEl>
+                </p:cond>
+              </p:nextCondLst>
+            </p:seq>
+          </p:childTnLst>
+        </p:cTn>
       </p:par>
     </p:tnLst>
   </p:timing>

--- a/poster.pptx
+++ b/poster.pptx
@@ -243,7 +243,7 @@
             <a:fld id="{4DB31F7E-24C3-4F74-B155-4FAB7B65A36F}" type="datetime1">
               <a:rPr lang="en-US" altLang="he-IL"/>
               <a:pPr/>
-              <a:t>6/7/2015</a:t>
+              <a:t>6/8/2015</a:t>
             </a:fld>
             <a:endParaRPr lang="en-US" altLang="he-IL"/>
           </a:p>
@@ -4528,8 +4528,8 @@
           </a:extLst>
         </p:spPr>
       </p:pic>
-      <mc:AlternateContent xmlns:mc="http://schemas.openxmlformats.org/markup-compatibility/2006">
-        <mc:Choice xmlns:a14="http://schemas.microsoft.com/office/drawing/2010/main" Requires="a14">
+      <mc:AlternateContent xmlns:mc="http://schemas.openxmlformats.org/markup-compatibility/2006" xmlns:a14="http://schemas.microsoft.com/office/drawing/2010/main">
+        <mc:Choice Requires="a14">
           <p:sp>
             <p:nvSpPr>
               <p:cNvPr id="51" name="Text Box 11"/>
@@ -5305,7 +5305,7 @@
             </p:txBody>
           </p:sp>
         </mc:Choice>
-        <mc:Fallback>
+        <mc:Fallback xmlns="">
           <p:sp>
             <p:nvSpPr>
               <p:cNvPr id="51" name="Text Box 11"/>
@@ -5627,8 +5627,8 @@
           </a:p>
         </p:txBody>
       </p:sp>
-      <mc:AlternateContent xmlns:mc="http://schemas.openxmlformats.org/markup-compatibility/2006">
-        <mc:Choice xmlns:a14="http://schemas.microsoft.com/office/drawing/2010/main" Requires="a14">
+      <mc:AlternateContent xmlns:mc="http://schemas.openxmlformats.org/markup-compatibility/2006" xmlns:a14="http://schemas.microsoft.com/office/drawing/2010/main">
+        <mc:Choice Requires="a14">
           <p:sp>
             <p:nvSpPr>
               <p:cNvPr id="14340" name="Text Box 11"/>
@@ -5823,17 +5823,8 @@
                   <a:rPr lang="en-US" sz="2500" dirty="0">
                     <a:latin typeface="Times New Roman" pitchFamily="18" charset="0"/>
                   </a:rPr>
-                  <a:t>-Roberts model</a:t>
+                  <a:t>-Roberts model:</a:t>
                 </a:r>
-                <a:r>
-                  <a:rPr lang="en-US" sz="2500" dirty="0">
-                    <a:latin typeface="Times New Roman" pitchFamily="18" charset="0"/>
-                  </a:rPr>
-                  <a:t>:</a:t>
-                </a:r>
-                <a:endParaRPr lang="en-US" sz="2500" dirty="0">
-                  <a:latin typeface="Times New Roman" pitchFamily="18" charset="0"/>
-                </a:endParaRPr>
               </a:p>
               <a:p>
                 <a:endParaRPr lang="en-US" sz="2400" i="1" dirty="0">
@@ -6020,7 +6011,7 @@
                         <m:dPr>
                           <m:ctrlPr>
                             <a:rPr lang="en-US" sz="2500" i="1">
-                              <a:latin typeface="Cambria Math" panose="02040503050406030204" pitchFamily="18" charset="0"/>
+                              <a:latin typeface="Cambria Math"/>
                               <a:ea typeface="Cambria Math" panose="02040503050406030204" pitchFamily="18" charset="0"/>
                             </a:rPr>
                           </m:ctrlPr>
@@ -6368,9 +6359,6 @@
                   </a:rPr>
                   <a:t>. adjustment rate</a:t>
                 </a:r>
-                <a:endParaRPr lang="en-US" altLang="he-IL" sz="2000" dirty="0" smtClean="0">
-                  <a:latin typeface="Times New Roman" pitchFamily="18" charset="0"/>
-                </a:endParaRPr>
               </a:p>
               <a:p>
                 <a:pPr eaLnBrk="1" hangingPunct="1">
@@ -6385,7 +6373,7 @@
             </p:txBody>
           </p:sp>
         </mc:Choice>
-        <mc:Fallback>
+        <mc:Fallback xmlns="">
           <p:sp>
             <p:nvSpPr>
               <p:cNvPr id="14340" name="Text Box 11"/>
@@ -6597,8 +6585,8 @@
           </a:p>
         </p:txBody>
       </p:sp>
-      <mc:AlternateContent xmlns:mc="http://schemas.openxmlformats.org/markup-compatibility/2006">
-        <mc:Choice xmlns:a14="http://schemas.microsoft.com/office/drawing/2010/main" Requires="a14">
+      <mc:AlternateContent xmlns:mc="http://schemas.openxmlformats.org/markup-compatibility/2006" xmlns:a14="http://schemas.microsoft.com/office/drawing/2010/main">
+        <mc:Choice Requires="a14">
           <p:sp>
             <p:nvSpPr>
               <p:cNvPr id="14342" name="Text Box 12"/>
@@ -7124,7 +7112,7 @@
             </p:txBody>
           </p:sp>
         </mc:Choice>
-        <mc:Fallback>
+        <mc:Fallback xmlns="">
           <p:sp>
             <p:nvSpPr>
               <p:cNvPr id="14342" name="Text Box 12"/>
@@ -8695,7 +8683,7 @@
         </p:blipFill>
         <p:spPr bwMode="auto">
           <a:xfrm>
-            <a:off x="24538923" y="38008120"/>
+            <a:off x="24538923" y="38122420"/>
             <a:ext cx="1339140" cy="1657351"/>
           </a:xfrm>
           <a:prstGeom prst="rect">
@@ -8734,7 +8722,7 @@
         </p:nvSpPr>
         <p:spPr>
           <a:xfrm>
-            <a:off x="26136728" y="38008120"/>
+            <a:off x="26136728" y="38179570"/>
             <a:ext cx="2674130" cy="1384995"/>
           </a:xfrm>
           <a:prstGeom prst="rect">
@@ -9358,280 +9346,6 @@
           </a:extLst>
         </p:spPr>
       </p:pic>
-      <p:grpSp>
-        <p:nvGrpSpPr>
-          <p:cNvPr id="63" name="Group 62"/>
-          <p:cNvGrpSpPr/>
-          <p:nvPr/>
-        </p:nvGrpSpPr>
-        <p:grpSpPr>
-          <a:xfrm>
-            <a:off x="20416245" y="38403010"/>
-            <a:ext cx="4006476" cy="1384995"/>
-            <a:chOff x="1026840" y="5356373"/>
-            <a:chExt cx="4913312" cy="1384995"/>
-          </a:xfrm>
-        </p:grpSpPr>
-        <p:pic>
-          <p:nvPicPr>
-            <p:cNvPr id="64" name="Picture 1"/>
-            <p:cNvPicPr>
-              <a:picLocks noChangeAspect="1" noChangeArrowheads="1"/>
-            </p:cNvPicPr>
-            <p:nvPr/>
-          </p:nvPicPr>
-          <p:blipFill>
-            <a:blip r:embed="rId27">
-              <a:extLst>
-                <a:ext uri="{28A0092B-C50C-407E-A947-70E740481C1C}">
-                  <a14:useLocalDpi xmlns:a14="http://schemas.microsoft.com/office/drawing/2010/main" val="0"/>
-                </a:ext>
-              </a:extLst>
-            </a:blip>
-            <a:srcRect/>
-            <a:stretch>
-              <a:fillRect/>
-            </a:stretch>
-          </p:blipFill>
-          <p:spPr bwMode="auto">
-            <a:xfrm>
-              <a:off x="1026840" y="5932512"/>
-              <a:ext cx="304800" cy="304800"/>
-            </a:xfrm>
-            <a:prstGeom prst="rect">
-              <a:avLst/>
-            </a:prstGeom>
-            <a:noFill/>
-            <a:ln>
-              <a:noFill/>
-            </a:ln>
-            <a:effectLst/>
-            <a:extLst>
-              <a:ext uri="{909E8E84-426E-40DD-AFC4-6F175D3DCCD1}">
-                <a14:hiddenFill xmlns:a14="http://schemas.microsoft.com/office/drawing/2010/main">
-                  <a:solidFill>
-                    <a:schemeClr val="accent1"/>
-                  </a:solidFill>
-                </a14:hiddenFill>
-              </a:ext>
-              <a:ext uri="{91240B29-F687-4F45-9708-019B960494DF}">
-                <a14:hiddenLine xmlns:a14="http://schemas.microsoft.com/office/drawing/2010/main" w="9525">
-                  <a:solidFill>
-                    <a:schemeClr val="tx1"/>
-                  </a:solidFill>
-                  <a:miter lim="800000"/>
-                  <a:headEnd/>
-                  <a:tailEnd/>
-                </a14:hiddenLine>
-              </a:ext>
-              <a:ext uri="{AF507438-7753-43E0-B8FC-AC1667EBCBE1}">
-                <a14:hiddenEffects xmlns:a14="http://schemas.microsoft.com/office/drawing/2010/main">
-                  <a:effectLst>
-                    <a:outerShdw dist="35921" dir="2700000" algn="ctr" rotWithShape="0">
-                      <a:schemeClr val="bg2"/>
-                    </a:outerShdw>
-                  </a:effectLst>
-                </a14:hiddenEffects>
-              </a:ext>
-            </a:extLst>
-          </p:spPr>
-        </p:pic>
-        <p:pic>
-          <p:nvPicPr>
-            <p:cNvPr id="65" name="Picture 2"/>
-            <p:cNvPicPr>
-              <a:picLocks noChangeAspect="1" noChangeArrowheads="1"/>
-            </p:cNvPicPr>
-            <p:nvPr/>
-          </p:nvPicPr>
-          <p:blipFill>
-            <a:blip r:embed="rId28">
-              <a:extLst>
-                <a:ext uri="{28A0092B-C50C-407E-A947-70E740481C1C}">
-                  <a14:useLocalDpi xmlns:a14="http://schemas.microsoft.com/office/drawing/2010/main" val="0"/>
-                </a:ext>
-              </a:extLst>
-            </a:blip>
-            <a:srcRect/>
-            <a:stretch>
-              <a:fillRect/>
-            </a:stretch>
-          </p:blipFill>
-          <p:spPr bwMode="auto">
-            <a:xfrm>
-              <a:off x="1026840" y="5500464"/>
-              <a:ext cx="304800" cy="304800"/>
-            </a:xfrm>
-            <a:prstGeom prst="rect">
-              <a:avLst/>
-            </a:prstGeom>
-            <a:noFill/>
-            <a:ln>
-              <a:noFill/>
-            </a:ln>
-            <a:effectLst/>
-            <a:extLst>
-              <a:ext uri="{909E8E84-426E-40DD-AFC4-6F175D3DCCD1}">
-                <a14:hiddenFill xmlns:a14="http://schemas.microsoft.com/office/drawing/2010/main">
-                  <a:solidFill>
-                    <a:schemeClr val="accent1"/>
-                  </a:solidFill>
-                </a14:hiddenFill>
-              </a:ext>
-              <a:ext uri="{91240B29-F687-4F45-9708-019B960494DF}">
-                <a14:hiddenLine xmlns:a14="http://schemas.microsoft.com/office/drawing/2010/main" w="9525">
-                  <a:solidFill>
-                    <a:schemeClr val="tx1"/>
-                  </a:solidFill>
-                  <a:miter lim="800000"/>
-                  <a:headEnd/>
-                  <a:tailEnd/>
-                </a14:hiddenLine>
-              </a:ext>
-              <a:ext uri="{AF507438-7753-43E0-B8FC-AC1667EBCBE1}">
-                <a14:hiddenEffects xmlns:a14="http://schemas.microsoft.com/office/drawing/2010/main">
-                  <a:effectLst>
-                    <a:outerShdw dist="35921" dir="2700000" algn="ctr" rotWithShape="0">
-                      <a:schemeClr val="bg2"/>
-                    </a:outerShdw>
-                  </a:effectLst>
-                </a14:hiddenEffects>
-              </a:ext>
-            </a:extLst>
-          </p:spPr>
-        </p:pic>
-        <p:pic>
-          <p:nvPicPr>
-            <p:cNvPr id="66" name="Picture 3"/>
-            <p:cNvPicPr>
-              <a:picLocks noChangeAspect="1" noChangeArrowheads="1"/>
-            </p:cNvPicPr>
-            <p:nvPr/>
-          </p:nvPicPr>
-          <p:blipFill>
-            <a:blip r:embed="rId29">
-              <a:extLst>
-                <a:ext uri="{28A0092B-C50C-407E-A947-70E740481C1C}">
-                  <a14:useLocalDpi xmlns:a14="http://schemas.microsoft.com/office/drawing/2010/main" val="0"/>
-                </a:ext>
-              </a:extLst>
-            </a:blip>
-            <a:srcRect/>
-            <a:stretch>
-              <a:fillRect/>
-            </a:stretch>
-          </p:blipFill>
-          <p:spPr bwMode="auto">
-            <a:xfrm>
-              <a:off x="1026840" y="6309320"/>
-              <a:ext cx="304800" cy="304800"/>
-            </a:xfrm>
-            <a:prstGeom prst="rect">
-              <a:avLst/>
-            </a:prstGeom>
-            <a:noFill/>
-            <a:ln>
-              <a:noFill/>
-            </a:ln>
-            <a:effectLst/>
-            <a:extLst>
-              <a:ext uri="{909E8E84-426E-40DD-AFC4-6F175D3DCCD1}">
-                <a14:hiddenFill xmlns:a14="http://schemas.microsoft.com/office/drawing/2010/main">
-                  <a:solidFill>
-                    <a:schemeClr val="accent1"/>
-                  </a:solidFill>
-                </a14:hiddenFill>
-              </a:ext>
-              <a:ext uri="{91240B29-F687-4F45-9708-019B960494DF}">
-                <a14:hiddenLine xmlns:a14="http://schemas.microsoft.com/office/drawing/2010/main" w="9525">
-                  <a:solidFill>
-                    <a:schemeClr val="tx1"/>
-                  </a:solidFill>
-                  <a:miter lim="800000"/>
-                  <a:headEnd/>
-                  <a:tailEnd/>
-                </a14:hiddenLine>
-              </a:ext>
-              <a:ext uri="{AF507438-7753-43E0-B8FC-AC1667EBCBE1}">
-                <a14:hiddenEffects xmlns:a14="http://schemas.microsoft.com/office/drawing/2010/main">
-                  <a:effectLst>
-                    <a:outerShdw dist="35921" dir="2700000" algn="ctr" rotWithShape="0">
-                      <a:schemeClr val="bg2"/>
-                    </a:outerShdw>
-                  </a:effectLst>
-                </a14:hiddenEffects>
-              </a:ext>
-            </a:extLst>
-          </p:spPr>
-        </p:pic>
-        <p:sp>
-          <p:nvSpPr>
-            <p:cNvPr id="67" name="Rectangle 66"/>
-            <p:cNvSpPr/>
-            <p:nvPr/>
-          </p:nvSpPr>
-          <p:spPr>
-            <a:xfrm>
-              <a:off x="1368152" y="5356373"/>
-              <a:ext cx="4572000" cy="1384995"/>
-            </a:xfrm>
-            <a:prstGeom prst="rect">
-              <a:avLst/>
-            </a:prstGeom>
-          </p:spPr>
-          <p:txBody>
-            <a:bodyPr>
-              <a:spAutoFit/>
-            </a:bodyPr>
-            <a:lstStyle/>
-            <a:p>
-              <a:pPr algn="l" rtl="0"/>
-              <a:r>
-                <a:rPr lang="en-US" sz="2800" b="1" dirty="0" smtClean="0">
-                  <a:latin typeface="+mn-lt"/>
-                  <a:ea typeface="Dotum" panose="020B0600000101010101" pitchFamily="34" charset="-127"/>
-                </a:rPr>
-                <a:t>yoav@yoavram.com</a:t>
-              </a:r>
-              <a:endParaRPr lang="en-US" sz="2800" b="1" dirty="0">
-                <a:latin typeface="+mn-lt"/>
-                <a:ea typeface="Dotum" panose="020B0600000101010101" pitchFamily="34" charset="-127"/>
-              </a:endParaRPr>
-            </a:p>
-            <a:p>
-              <a:pPr algn="l" rtl="0"/>
-              <a:r>
-                <a:rPr lang="en-US" sz="2800" b="1" dirty="0" smtClean="0">
-                  <a:latin typeface="+mn-lt"/>
-                  <a:ea typeface="Dotum" panose="020B0600000101010101" pitchFamily="34" charset="-127"/>
-                </a:rPr>
-                <a:t>@</a:t>
-              </a:r>
-              <a:r>
-                <a:rPr lang="en-US" sz="2800" b="1" dirty="0">
-                  <a:latin typeface="+mn-lt"/>
-                  <a:ea typeface="Dotum" panose="020B0600000101010101" pitchFamily="34" charset="-127"/>
-                </a:rPr>
-                <a:t>yoavram</a:t>
-              </a:r>
-            </a:p>
-            <a:p>
-              <a:pPr algn="l" rtl="0"/>
-              <a:r>
-                <a:rPr lang="en-US" sz="2800" b="1" dirty="0" smtClean="0">
-                  <a:latin typeface="+mn-lt"/>
-                  <a:ea typeface="Dotum" panose="020B0600000101010101" pitchFamily="34" charset="-127"/>
-                </a:rPr>
-                <a:t>www.yoavram.com</a:t>
-              </a:r>
-              <a:endParaRPr lang="he-IL" sz="2800" b="1" dirty="0">
-                <a:latin typeface="+mn-lt"/>
-                <a:ea typeface="Dotum" panose="020B0600000101010101" pitchFamily="34" charset="-127"/>
-              </a:endParaRPr>
-            </a:p>
-          </p:txBody>
-        </p:sp>
-      </p:grpSp>
       <p:sp>
         <p:nvSpPr>
           <p:cNvPr id="11" name="TextBox 10"/>
@@ -9652,18 +9366,23 @@
           <a:bodyPr wrap="square" rtlCol="1">
             <a:spAutoFit/>
           </a:bodyPr>
-          <a:lstStyle/>
-          <a:p>
-            <a:pPr algn="ctr"/>
-            <a:r>
-              <a:rPr lang="en-US" sz="2500" dirty="0" smtClean="0">
-                <a:latin typeface="+mn-lt"/>
-              </a:rPr>
+          <a:lstStyle>
+            <a:defPPr>
+              <a:defRPr lang="en-US"/>
+            </a:defPPr>
+            <a:lvl1pPr algn="ctr">
+              <a:defRPr sz="2500">
+                <a:latin typeface="Consolas" panose="020B0609020204030204" pitchFamily="49" charset="0"/>
+                <a:cs typeface="Consolas" panose="020B0609020204030204" pitchFamily="49" charset="0"/>
+              </a:defRPr>
+            </a:lvl1pPr>
+          </a:lstStyle>
+          <a:p>
+            <a:r>
+              <a:rPr lang="en-US" dirty="0"/>
               <a:t>plato.yoavram.com</a:t>
             </a:r>
-            <a:endParaRPr lang="he-IL" sz="2500" dirty="0">
-              <a:latin typeface="+mn-lt"/>
-            </a:endParaRPr>
+            <a:endParaRPr lang="he-IL" dirty="0"/>
           </a:p>
         </p:txBody>
       </p:sp>
@@ -9675,8 +9394,8 @@
         </p:nvSpPr>
         <p:spPr>
           <a:xfrm>
-            <a:off x="12420079" y="42095853"/>
-            <a:ext cx="3714750" cy="477054"/>
+            <a:off x="12334354" y="42095853"/>
+            <a:ext cx="4353446" cy="477054"/>
           </a:xfrm>
           <a:prstGeom prst="rect">
             <a:avLst/>
@@ -9692,16 +9411,333 @@
             <a:pPr algn="ctr"/>
             <a:r>
               <a:rPr lang="en-US" sz="2500" dirty="0" smtClean="0">
-                <a:latin typeface="+mn-lt"/>
+                <a:latin typeface="Consolas" panose="020B0609020204030204" pitchFamily="49" charset="0"/>
+                <a:cs typeface="Consolas" panose="020B0609020204030204" pitchFamily="49" charset="0"/>
               </a:rPr>
               <a:t>curveball.yoavram.com</a:t>
             </a:r>
             <a:endParaRPr lang="he-IL" sz="2500" dirty="0">
-              <a:latin typeface="+mn-lt"/>
+              <a:latin typeface="Consolas" panose="020B0609020204030204" pitchFamily="49" charset="0"/>
             </a:endParaRPr>
           </a:p>
         </p:txBody>
       </p:sp>
+      <p:grpSp>
+        <p:nvGrpSpPr>
+          <p:cNvPr id="48" name="Group 47"/>
+          <p:cNvGrpSpPr/>
+          <p:nvPr/>
+        </p:nvGrpSpPr>
+        <p:grpSpPr>
+          <a:xfrm>
+            <a:off x="20266242" y="38344080"/>
+            <a:ext cx="5002971" cy="1815882"/>
+            <a:chOff x="323528" y="5287813"/>
+            <a:chExt cx="5002971" cy="1815882"/>
+          </a:xfrm>
+        </p:grpSpPr>
+        <p:grpSp>
+          <p:nvGrpSpPr>
+            <p:cNvPr id="49" name="Group 48"/>
+            <p:cNvGrpSpPr/>
+            <p:nvPr/>
+          </p:nvGrpSpPr>
+          <p:grpSpPr>
+            <a:xfrm>
+              <a:off x="413187" y="5287813"/>
+              <a:ext cx="4913312" cy="1815882"/>
+              <a:chOff x="1026840" y="5356373"/>
+              <a:chExt cx="4913312" cy="1815882"/>
+            </a:xfrm>
+          </p:grpSpPr>
+          <p:pic>
+            <p:nvPicPr>
+              <p:cNvPr id="52" name="Picture 1"/>
+              <p:cNvPicPr>
+                <a:picLocks noChangeAspect="1" noChangeArrowheads="1"/>
+              </p:cNvPicPr>
+              <p:nvPr/>
+            </p:nvPicPr>
+            <p:blipFill>
+              <a:blip r:embed="rId27">
+                <a:extLst>
+                  <a:ext uri="{28A0092B-C50C-407E-A947-70E740481C1C}">
+                    <a14:useLocalDpi xmlns:a14="http://schemas.microsoft.com/office/drawing/2010/main" val="0"/>
+                  </a:ext>
+                </a:extLst>
+              </a:blip>
+              <a:srcRect/>
+              <a:stretch>
+                <a:fillRect/>
+              </a:stretch>
+            </p:blipFill>
+            <p:spPr bwMode="auto">
+              <a:xfrm>
+                <a:off x="1026840" y="5932512"/>
+                <a:ext cx="304800" cy="304800"/>
+              </a:xfrm>
+              <a:prstGeom prst="rect">
+                <a:avLst/>
+              </a:prstGeom>
+              <a:noFill/>
+              <a:ln>
+                <a:noFill/>
+              </a:ln>
+              <a:effectLst/>
+              <a:extLst>
+                <a:ext uri="{909E8E84-426E-40DD-AFC4-6F175D3DCCD1}">
+                  <a14:hiddenFill xmlns:a14="http://schemas.microsoft.com/office/drawing/2010/main">
+                    <a:solidFill>
+                      <a:schemeClr val="accent1"/>
+                    </a:solidFill>
+                  </a14:hiddenFill>
+                </a:ext>
+                <a:ext uri="{91240B29-F687-4F45-9708-019B960494DF}">
+                  <a14:hiddenLine xmlns:a14="http://schemas.microsoft.com/office/drawing/2010/main" w="9525">
+                    <a:solidFill>
+                      <a:schemeClr val="tx1"/>
+                    </a:solidFill>
+                    <a:miter lim="800000"/>
+                    <a:headEnd/>
+                    <a:tailEnd/>
+                  </a14:hiddenLine>
+                </a:ext>
+                <a:ext uri="{AF507438-7753-43E0-B8FC-AC1667EBCBE1}">
+                  <a14:hiddenEffects xmlns:a14="http://schemas.microsoft.com/office/drawing/2010/main">
+                    <a:effectLst>
+                      <a:outerShdw dist="35921" dir="2700000" algn="ctr" rotWithShape="0">
+                        <a:schemeClr val="bg2"/>
+                      </a:outerShdw>
+                    </a:effectLst>
+                  </a14:hiddenEffects>
+                </a:ext>
+              </a:extLst>
+            </p:spPr>
+          </p:pic>
+          <p:pic>
+            <p:nvPicPr>
+              <p:cNvPr id="53" name="Picture 2"/>
+              <p:cNvPicPr>
+                <a:picLocks noChangeAspect="1" noChangeArrowheads="1"/>
+              </p:cNvPicPr>
+              <p:nvPr/>
+            </p:nvPicPr>
+            <p:blipFill>
+              <a:blip r:embed="rId28">
+                <a:extLst>
+                  <a:ext uri="{28A0092B-C50C-407E-A947-70E740481C1C}">
+                    <a14:useLocalDpi xmlns:a14="http://schemas.microsoft.com/office/drawing/2010/main" val="0"/>
+                  </a:ext>
+                </a:extLst>
+              </a:blip>
+              <a:srcRect/>
+              <a:stretch>
+                <a:fillRect/>
+              </a:stretch>
+            </p:blipFill>
+            <p:spPr bwMode="auto">
+              <a:xfrm>
+                <a:off x="1026840" y="5500464"/>
+                <a:ext cx="304800" cy="304800"/>
+              </a:xfrm>
+              <a:prstGeom prst="rect">
+                <a:avLst/>
+              </a:prstGeom>
+              <a:noFill/>
+              <a:ln>
+                <a:noFill/>
+              </a:ln>
+              <a:effectLst/>
+              <a:extLst>
+                <a:ext uri="{909E8E84-426E-40DD-AFC4-6F175D3DCCD1}">
+                  <a14:hiddenFill xmlns:a14="http://schemas.microsoft.com/office/drawing/2010/main">
+                    <a:solidFill>
+                      <a:schemeClr val="accent1"/>
+                    </a:solidFill>
+                  </a14:hiddenFill>
+                </a:ext>
+                <a:ext uri="{91240B29-F687-4F45-9708-019B960494DF}">
+                  <a14:hiddenLine xmlns:a14="http://schemas.microsoft.com/office/drawing/2010/main" w="9525">
+                    <a:solidFill>
+                      <a:schemeClr val="tx1"/>
+                    </a:solidFill>
+                    <a:miter lim="800000"/>
+                    <a:headEnd/>
+                    <a:tailEnd/>
+                  </a14:hiddenLine>
+                </a:ext>
+                <a:ext uri="{AF507438-7753-43E0-B8FC-AC1667EBCBE1}">
+                  <a14:hiddenEffects xmlns:a14="http://schemas.microsoft.com/office/drawing/2010/main">
+                    <a:effectLst>
+                      <a:outerShdw dist="35921" dir="2700000" algn="ctr" rotWithShape="0">
+                        <a:schemeClr val="bg2"/>
+                      </a:outerShdw>
+                    </a:effectLst>
+                  </a14:hiddenEffects>
+                </a:ext>
+              </a:extLst>
+            </p:spPr>
+          </p:pic>
+          <p:pic>
+            <p:nvPicPr>
+              <p:cNvPr id="54" name="Picture 3"/>
+              <p:cNvPicPr>
+                <a:picLocks noChangeAspect="1" noChangeArrowheads="1"/>
+              </p:cNvPicPr>
+              <p:nvPr/>
+            </p:nvPicPr>
+            <p:blipFill>
+              <a:blip r:embed="rId29">
+                <a:extLst>
+                  <a:ext uri="{28A0092B-C50C-407E-A947-70E740481C1C}">
+                    <a14:useLocalDpi xmlns:a14="http://schemas.microsoft.com/office/drawing/2010/main" val="0"/>
+                  </a:ext>
+                </a:extLst>
+              </a:blip>
+              <a:srcRect/>
+              <a:stretch>
+                <a:fillRect/>
+              </a:stretch>
+            </p:blipFill>
+            <p:spPr bwMode="auto">
+              <a:xfrm>
+                <a:off x="1026840" y="6721152"/>
+                <a:ext cx="304800" cy="304800"/>
+              </a:xfrm>
+              <a:prstGeom prst="rect">
+                <a:avLst/>
+              </a:prstGeom>
+              <a:noFill/>
+              <a:ln>
+                <a:noFill/>
+              </a:ln>
+              <a:effectLst/>
+              <a:extLst>
+                <a:ext uri="{909E8E84-426E-40DD-AFC4-6F175D3DCCD1}">
+                  <a14:hiddenFill xmlns:a14="http://schemas.microsoft.com/office/drawing/2010/main">
+                    <a:solidFill>
+                      <a:schemeClr val="accent1"/>
+                    </a:solidFill>
+                  </a14:hiddenFill>
+                </a:ext>
+                <a:ext uri="{91240B29-F687-4F45-9708-019B960494DF}">
+                  <a14:hiddenLine xmlns:a14="http://schemas.microsoft.com/office/drawing/2010/main" w="9525">
+                    <a:solidFill>
+                      <a:schemeClr val="tx1"/>
+                    </a:solidFill>
+                    <a:miter lim="800000"/>
+                    <a:headEnd/>
+                    <a:tailEnd/>
+                  </a14:hiddenLine>
+                </a:ext>
+                <a:ext uri="{AF507438-7753-43E0-B8FC-AC1667EBCBE1}">
+                  <a14:hiddenEffects xmlns:a14="http://schemas.microsoft.com/office/drawing/2010/main">
+                    <a:effectLst>
+                      <a:outerShdw dist="35921" dir="2700000" algn="ctr" rotWithShape="0">
+                        <a:schemeClr val="bg2"/>
+                      </a:outerShdw>
+                    </a:effectLst>
+                  </a14:hiddenEffects>
+                </a:ext>
+              </a:extLst>
+            </p:spPr>
+          </p:pic>
+          <p:sp>
+            <p:nvSpPr>
+              <p:cNvPr id="55" name="Rectangle 54"/>
+              <p:cNvSpPr/>
+              <p:nvPr/>
+            </p:nvSpPr>
+            <p:spPr>
+              <a:xfrm>
+                <a:off x="1368152" y="5356373"/>
+                <a:ext cx="4572000" cy="1815882"/>
+              </a:xfrm>
+              <a:prstGeom prst="rect">
+                <a:avLst/>
+              </a:prstGeom>
+            </p:spPr>
+            <p:txBody>
+              <a:bodyPr>
+                <a:spAutoFit/>
+              </a:bodyPr>
+              <a:lstStyle/>
+              <a:p>
+                <a:r>
+                  <a:rPr lang="en-US" sz="2800" b="1" dirty="0"/>
+                  <a:t>yoav@yoavram.com</a:t>
+                </a:r>
+              </a:p>
+              <a:p>
+                <a:pPr algn="l" rtl="0"/>
+                <a:r>
+                  <a:rPr lang="en-US" sz="2800" b="1" dirty="0" smtClean="0"/>
+                  <a:t>@</a:t>
+                </a:r>
+                <a:r>
+                  <a:rPr lang="en-US" sz="2800" b="1" dirty="0" err="1" smtClean="0"/>
+                  <a:t>yoavram</a:t>
+                </a:r>
+                <a:endParaRPr lang="en-US" sz="2800" b="1" dirty="0" smtClean="0"/>
+              </a:p>
+              <a:p>
+                <a:pPr algn="l" rtl="0"/>
+                <a:r>
+                  <a:rPr lang="en-US" b="1" dirty="0" smtClean="0"/>
+                  <a:t>@</a:t>
+                </a:r>
+                <a:r>
+                  <a:rPr lang="en-US" sz="2800" b="1" dirty="0" err="1" smtClean="0"/>
+                  <a:t>yoavram</a:t>
+                </a:r>
+                <a:endParaRPr lang="en-US" sz="2800" b="1" dirty="0"/>
+              </a:p>
+              <a:p>
+                <a:pPr algn="l" rtl="0"/>
+                <a:r>
+                  <a:rPr lang="en-US" sz="2800" b="1" dirty="0" smtClean="0"/>
+                  <a:t>www.yoavram.com</a:t>
+                </a:r>
+                <a:endParaRPr lang="he-IL" sz="2800" b="1" dirty="0"/>
+              </a:p>
+            </p:txBody>
+          </p:sp>
+        </p:grpSp>
+        <p:sp>
+          <p:nvSpPr>
+            <p:cNvPr id="50" name="TextBox 49"/>
+            <p:cNvSpPr txBox="1"/>
+            <p:nvPr/>
+          </p:nvSpPr>
+          <p:spPr>
+            <a:xfrm>
+              <a:off x="323528" y="6165304"/>
+              <a:ext cx="341312" cy="461665"/>
+            </a:xfrm>
+            <a:prstGeom prst="rect">
+              <a:avLst/>
+            </a:prstGeom>
+            <a:noFill/>
+          </p:spPr>
+          <p:txBody>
+            <a:bodyPr wrap="square" rtlCol="1">
+              <a:spAutoFit/>
+            </a:bodyPr>
+            <a:lstStyle/>
+            <a:p>
+              <a:r>
+                <a:rPr lang="en-US" sz="2400" dirty="0" smtClean="0">
+                  <a:latin typeface="github-octicons" panose="02000503000000000000" pitchFamily="2" charset="0"/>
+                </a:rPr>
+                <a:t>a</a:t>
+              </a:r>
+              <a:endParaRPr lang="he-IL" sz="2400" dirty="0">
+                <a:latin typeface="github-octicons" panose="02000503000000000000" pitchFamily="2" charset="0"/>
+              </a:endParaRPr>
+            </a:p>
+          </p:txBody>
+        </p:sp>
+      </p:grpSp>
     </p:spTree>
   </p:cSld>
   <p:clrMapOvr>
@@ -9710,75 +9746,7 @@
   <p:timing>
     <p:tnLst>
       <p:par>
-        <p:cTn id="1" dur="indefinite" restart="never" nodeType="tmRoot">
-          <p:childTnLst>
-            <p:seq concurrent="1" nextAc="seek">
-              <p:cTn id="2" dur="indefinite" nodeType="mainSeq">
-                <p:childTnLst>
-                  <p:par>
-                    <p:cTn id="3" fill="hold">
-                      <p:stCondLst>
-                        <p:cond delay="indefinite"/>
-                      </p:stCondLst>
-                      <p:childTnLst>
-                        <p:par>
-                          <p:cTn id="4" fill="hold">
-                            <p:stCondLst>
-                              <p:cond delay="0"/>
-                            </p:stCondLst>
-                            <p:childTnLst>
-                              <p:par>
-                                <p:cTn id="5" presetID="1" presetClass="entr" presetSubtype="0" fill="hold" nodeType="clickEffect">
-                                  <p:stCondLst>
-                                    <p:cond delay="0"/>
-                                  </p:stCondLst>
-                                  <p:childTnLst>
-                                    <p:set>
-                                      <p:cBhvr>
-                                        <p:cTn id="6" dur="1" fill="hold">
-                                          <p:stCondLst>
-                                            <p:cond delay="0"/>
-                                          </p:stCondLst>
-                                        </p:cTn>
-                                        <p:tgtEl>
-                                          <p:spTgt spid="63"/>
-                                        </p:tgtEl>
-                                        <p:attrNameLst>
-                                          <p:attrName>style.visibility</p:attrName>
-                                        </p:attrNameLst>
-                                      </p:cBhvr>
-                                      <p:to>
-                                        <p:strVal val="visible"/>
-                                      </p:to>
-                                    </p:set>
-                                  </p:childTnLst>
-                                </p:cTn>
-                              </p:par>
-                            </p:childTnLst>
-                          </p:cTn>
-                        </p:par>
-                      </p:childTnLst>
-                    </p:cTn>
-                  </p:par>
-                </p:childTnLst>
-              </p:cTn>
-              <p:prevCondLst>
-                <p:cond evt="onPrev" delay="0">
-                  <p:tgtEl>
-                    <p:sldTgt/>
-                  </p:tgtEl>
-                </p:cond>
-              </p:prevCondLst>
-              <p:nextCondLst>
-                <p:cond evt="onNext" delay="0">
-                  <p:tgtEl>
-                    <p:sldTgt/>
-                  </p:tgtEl>
-                </p:cond>
-              </p:nextCondLst>
-            </p:seq>
-          </p:childTnLst>
-        </p:cTn>
+        <p:cTn id="1" dur="indefinite" restart="never" nodeType="tmRoot"/>
       </p:par>
     </p:tnLst>
   </p:timing>

--- a/poster.pptx
+++ b/poster.pptx
@@ -137,6 +137,17 @@
       </a:defRPr>
     </a:lvl9pPr>
   </p:defaultTextStyle>
+  <p:extLst>
+    <p:ext uri="{521415D9-36F7-43E2-AB2F-B90AF26B5E84}">
+      <p14:sectionLst xmlns:p14="http://schemas.microsoft.com/office/powerpoint/2010/main">
+        <p14:section name="Untitled Section" id="{18A7C032-04BE-4036-A53F-FA1B3460E21C}">
+          <p14:sldIdLst>
+            <p14:sldId id="256"/>
+          </p14:sldIdLst>
+        </p14:section>
+      </p14:sectionLst>
+    </p:ext>
+  </p:extLst>
 </p:presentation>
 </file>
 
@@ -243,7 +254,7 @@
             <a:fld id="{4DB31F7E-24C3-4F74-B155-4FAB7B65A36F}" type="datetime1">
               <a:rPr lang="en-US" altLang="he-IL"/>
               <a:pPr/>
-              <a:t>6/8/2015</a:t>
+              <a:t>6/10/2015</a:t>
             </a:fld>
             <a:endParaRPr lang="en-US" altLang="he-IL"/>
           </a:p>
@@ -4183,7 +4194,7 @@
       </p:grpSpPr>
       <p:pic>
         <p:nvPicPr>
-          <p:cNvPr id="25" name="Picture 3" descr="D:\projects\sim\presentation\isf.png"/>
+          <p:cNvPr id="1052" name="Picture 28" descr="D:\workspace\curveball_project\gh-pages\img\logo_200px.png"/>
           <p:cNvPicPr>
             <a:picLocks noChangeAspect="1" noChangeArrowheads="1"/>
           </p:cNvPicPr>
@@ -4204,48 +4215,7 @@
         </p:blipFill>
         <p:spPr bwMode="auto">
           <a:xfrm>
-            <a:off x="23675975" y="40461177"/>
-            <a:ext cx="2103070" cy="1800000"/>
-          </a:xfrm>
-          <a:prstGeom prst="rect">
-            <a:avLst/>
-          </a:prstGeom>
-          <a:noFill/>
-          <a:extLst>
-            <a:ext uri="{909E8E84-426E-40DD-AFC4-6F175D3DCCD1}">
-              <a14:hiddenFill xmlns:a14="http://schemas.microsoft.com/office/drawing/2010/main">
-                <a:solidFill>
-                  <a:srgbClr val="FFFFFF"/>
-                </a:solidFill>
-              </a14:hiddenFill>
-            </a:ext>
-          </a:extLst>
-        </p:spPr>
-      </p:pic>
-      <p:pic>
-        <p:nvPicPr>
-          <p:cNvPr id="1052" name="Picture 28" descr="D:\workspace\curveball_project\gh-pages\img\logo_200px.png"/>
-          <p:cNvPicPr>
-            <a:picLocks noChangeAspect="1" noChangeArrowheads="1"/>
-          </p:cNvPicPr>
-          <p:nvPr/>
-        </p:nvPicPr>
-        <p:blipFill>
-          <a:blip r:embed="rId5">
-            <a:extLst>
-              <a:ext uri="{28A0092B-C50C-407E-A947-70E740481C1C}">
-                <a14:useLocalDpi xmlns:a14="http://schemas.microsoft.com/office/drawing/2010/main" val="0"/>
-              </a:ext>
-            </a:extLst>
-          </a:blip>
-          <a:srcRect/>
-          <a:stretch>
-            <a:fillRect/>
-          </a:stretch>
-        </p:blipFill>
-        <p:spPr bwMode="auto">
-          <a:xfrm>
-            <a:off x="13204974" y="39644822"/>
+            <a:off x="26797871" y="34638641"/>
             <a:ext cx="2540000" cy="2540000"/>
           </a:xfrm>
           <a:prstGeom prst="rect">
@@ -4473,7 +4443,7 @@
           <p:nvPr/>
         </p:nvPicPr>
         <p:blipFill>
-          <a:blip r:embed="rId6">
+          <a:blip r:embed="rId5">
             <a:extLst>
               <a:ext uri="{28A0092B-C50C-407E-A947-70E740481C1C}">
                 <a14:useLocalDpi xmlns:a14="http://schemas.microsoft.com/office/drawing/2010/main" val="0"/>
@@ -8539,8 +8509,8 @@
         </p:blipFill>
         <p:spPr bwMode="auto">
           <a:xfrm>
-            <a:off x="17867295" y="40159962"/>
-            <a:ext cx="6250883" cy="1800000"/>
+            <a:off x="11670336" y="40216347"/>
+            <a:ext cx="4375618" cy="1260000"/>
           </a:xfrm>
           <a:prstGeom prst="rect">
             <a:avLst/>
@@ -8580,7 +8550,7 @@
         </p:blipFill>
         <p:spPr bwMode="auto">
           <a:xfrm>
-            <a:off x="15626829" y="40159962"/>
+            <a:off x="9766970" y="39950622"/>
             <a:ext cx="1885714" cy="1800000"/>
           </a:xfrm>
           <a:prstGeom prst="rect">
@@ -8614,13 +8584,13 @@
               </a:ext>
             </a:extLst>
           </a:blip>
-          <a:srcRect l="5176" t="8170" r="5722" b="11134"/>
+          <a:srcRect l="23256" t="8170" r="5722" b="11134"/>
           <a:stretch/>
         </p:blipFill>
         <p:spPr bwMode="auto">
           <a:xfrm>
-            <a:off x="23193829" y="35871305"/>
-            <a:ext cx="5617029" cy="1451429"/>
+            <a:off x="21455063" y="40188291"/>
+            <a:ext cx="4108809" cy="1332000"/>
           </a:xfrm>
           <a:prstGeom prst="rect">
             <a:avLst/>
@@ -8683,8 +8653,8 @@
         </p:blipFill>
         <p:spPr bwMode="auto">
           <a:xfrm>
-            <a:off x="24538923" y="38122420"/>
-            <a:ext cx="1339140" cy="1657351"/>
+            <a:off x="19639679" y="40138195"/>
+            <a:ext cx="1221696" cy="1512000"/>
           </a:xfrm>
           <a:prstGeom prst="rect">
             <a:avLst/>
@@ -8714,92 +8684,6 @@
           </a:extLst>
         </p:spPr>
       </p:pic>
-      <p:sp>
-        <p:nvSpPr>
-          <p:cNvPr id="4" name="TextBox 3"/>
-          <p:cNvSpPr txBox="1"/>
-          <p:nvPr/>
-        </p:nvSpPr>
-        <p:spPr>
-          <a:xfrm>
-            <a:off x="26136728" y="38179570"/>
-            <a:ext cx="2674130" cy="1384995"/>
-          </a:xfrm>
-          <a:prstGeom prst="rect">
-            <a:avLst/>
-          </a:prstGeom>
-          <a:noFill/>
-        </p:spPr>
-        <p:txBody>
-          <a:bodyPr wrap="none" rtlCol="1">
-            <a:spAutoFit/>
-          </a:bodyPr>
-          <a:lstStyle/>
-          <a:p>
-            <a:pPr algn="ctr"/>
-            <a:r>
-              <a:rPr lang="en-US" altLang="he-IL" b="1" dirty="0">
-                <a:solidFill>
-                  <a:srgbClr val="0070C0"/>
-                </a:solidFill>
-                <a:latin typeface="Times New Roman" pitchFamily="18" charset="0"/>
-              </a:rPr>
-              <a:t>Israeli Ministry </a:t>
-            </a:r>
-            <a:endParaRPr lang="en-US" altLang="he-IL" b="1" dirty="0" smtClean="0">
-              <a:solidFill>
-                <a:srgbClr val="0070C0"/>
-              </a:solidFill>
-              <a:latin typeface="Times New Roman" pitchFamily="18" charset="0"/>
-            </a:endParaRPr>
-          </a:p>
-          <a:p>
-            <a:pPr algn="ctr"/>
-            <a:r>
-              <a:rPr lang="en-US" altLang="he-IL" b="1" dirty="0" smtClean="0">
-                <a:solidFill>
-                  <a:srgbClr val="0070C0"/>
-                </a:solidFill>
-                <a:latin typeface="Times New Roman" pitchFamily="18" charset="0"/>
-              </a:rPr>
-              <a:t>of Science </a:t>
-            </a:r>
-            <a:r>
-              <a:rPr lang="en-US" altLang="he-IL" b="1" dirty="0">
-                <a:solidFill>
-                  <a:srgbClr val="0070C0"/>
-                </a:solidFill>
-                <a:latin typeface="Times New Roman" pitchFamily="18" charset="0"/>
-              </a:rPr>
-              <a:t>and </a:t>
-            </a:r>
-            <a:endParaRPr lang="en-US" altLang="he-IL" b="1" dirty="0" smtClean="0">
-              <a:solidFill>
-                <a:srgbClr val="0070C0"/>
-              </a:solidFill>
-              <a:latin typeface="Times New Roman" pitchFamily="18" charset="0"/>
-            </a:endParaRPr>
-          </a:p>
-          <a:p>
-            <a:pPr algn="ctr"/>
-            <a:r>
-              <a:rPr lang="en-US" altLang="he-IL" b="1" dirty="0" smtClean="0">
-                <a:solidFill>
-                  <a:srgbClr val="0070C0"/>
-                </a:solidFill>
-                <a:latin typeface="Times New Roman" pitchFamily="18" charset="0"/>
-              </a:rPr>
-              <a:t>Technology</a:t>
-            </a:r>
-            <a:endParaRPr lang="en-US" altLang="he-IL" b="1" dirty="0">
-              <a:solidFill>
-                <a:srgbClr val="0070C0"/>
-              </a:solidFill>
-              <a:latin typeface="Times New Roman" pitchFamily="18" charset="0"/>
-            </a:endParaRPr>
-          </a:p>
-        </p:txBody>
-      </p:sp>
       <p:pic>
         <p:nvPicPr>
           <p:cNvPr id="1031" name="Picture 7"/>
@@ -8823,7 +8707,7 @@
         </p:blipFill>
         <p:spPr bwMode="auto">
           <a:xfrm>
-            <a:off x="25639484" y="40129122"/>
+            <a:off x="25835183" y="39831305"/>
             <a:ext cx="3559838" cy="1800000"/>
           </a:xfrm>
           <a:prstGeom prst="rect">
@@ -9287,7 +9171,7 @@
         </p:blipFill>
         <p:spPr bwMode="auto">
           <a:xfrm>
-            <a:off x="11494533" y="40159962"/>
+            <a:off x="20797134" y="35161191"/>
             <a:ext cx="1290989" cy="1678286"/>
           </a:xfrm>
           <a:prstGeom prst="rect">
@@ -9328,13 +9212,22 @@
         </p:blipFill>
         <p:spPr bwMode="auto">
           <a:xfrm>
-            <a:off x="20786926" y="35871305"/>
+            <a:off x="20579145" y="37186051"/>
             <a:ext cx="1905000" cy="2381250"/>
           </a:xfrm>
           <a:prstGeom prst="rect">
             <a:avLst/>
           </a:prstGeom>
-          <a:noFill/>
+          <a:ln>
+            <a:noFill/>
+          </a:ln>
+          <a:effectLst>
+            <a:outerShdw blurRad="190500" algn="tl" rotWithShape="0">
+              <a:srgbClr val="000000">
+                <a:alpha val="70000"/>
+              </a:srgbClr>
+            </a:outerShdw>
+          </a:effectLst>
           <a:extLst>
             <a:ext uri="{909E8E84-426E-40DD-AFC4-6F175D3DCCD1}">
               <a14:hiddenFill xmlns:a14="http://schemas.microsoft.com/office/drawing/2010/main">
@@ -9354,8 +9247,8 @@
         </p:nvSpPr>
         <p:spPr>
           <a:xfrm>
-            <a:off x="10407650" y="39673593"/>
-            <a:ext cx="3714750" cy="477054"/>
+            <a:off x="22437724" y="35644959"/>
+            <a:ext cx="4452245" cy="861774"/>
           </a:xfrm>
           <a:prstGeom prst="rect">
             <a:avLst/>
@@ -9379,23 +9272,456 @@
           </a:lstStyle>
           <a:p>
             <a:r>
-              <a:rPr lang="en-US" dirty="0"/>
+              <a:rPr lang="en-US" dirty="0" smtClean="0">
+                <a:latin typeface="Arial"/>
+                <a:cs typeface="Arial"/>
+              </a:rPr>
+              <a:t>←</a:t>
+            </a:r>
+            <a:r>
+              <a:rPr lang="en-US" dirty="0" smtClean="0"/>
               <a:t>plato.yoavram.com</a:t>
+            </a:r>
+          </a:p>
+          <a:p>
+            <a:r>
+              <a:rPr lang="en-US" dirty="0" smtClean="0"/>
+              <a:t>curveball.yoavram.com</a:t>
+            </a:r>
+            <a:r>
+              <a:rPr lang="en-US" dirty="0" smtClean="0">
+                <a:latin typeface="Arial"/>
+                <a:cs typeface="Arial"/>
+              </a:rPr>
+              <a:t>→</a:t>
             </a:r>
             <a:endParaRPr lang="he-IL" dirty="0"/>
           </a:p>
         </p:txBody>
       </p:sp>
+      <p:grpSp>
+        <p:nvGrpSpPr>
+          <p:cNvPr id="5" name="Group 4"/>
+          <p:cNvGrpSpPr/>
+          <p:nvPr/>
+        </p:nvGrpSpPr>
+        <p:grpSpPr>
+          <a:xfrm>
+            <a:off x="22858395" y="37455163"/>
+            <a:ext cx="6088750" cy="1853094"/>
+            <a:chOff x="23110572" y="35796177"/>
+            <a:chExt cx="6088750" cy="1853094"/>
+          </a:xfrm>
+        </p:grpSpPr>
+        <p:grpSp>
+          <p:nvGrpSpPr>
+            <p:cNvPr id="48" name="Group 47"/>
+            <p:cNvGrpSpPr/>
+            <p:nvPr/>
+          </p:nvGrpSpPr>
+          <p:grpSpPr>
+            <a:xfrm>
+              <a:off x="23110572" y="35796177"/>
+              <a:ext cx="5002971" cy="1815882"/>
+              <a:chOff x="323528" y="5287813"/>
+              <a:chExt cx="5002971" cy="1815882"/>
+            </a:xfrm>
+          </p:grpSpPr>
+          <p:grpSp>
+            <p:nvGrpSpPr>
+              <p:cNvPr id="49" name="Group 48"/>
+              <p:cNvGrpSpPr/>
+              <p:nvPr/>
+            </p:nvGrpSpPr>
+            <p:grpSpPr>
+              <a:xfrm>
+                <a:off x="413187" y="5287813"/>
+                <a:ext cx="4913312" cy="1815882"/>
+                <a:chOff x="1026840" y="5356373"/>
+                <a:chExt cx="4913312" cy="1815882"/>
+              </a:xfrm>
+            </p:grpSpPr>
+            <p:pic>
+              <p:nvPicPr>
+                <p:cNvPr id="52" name="Picture 1"/>
+                <p:cNvPicPr>
+                  <a:picLocks noChangeAspect="1" noChangeArrowheads="1"/>
+                </p:cNvPicPr>
+                <p:nvPr/>
+              </p:nvPicPr>
+              <p:blipFill>
+                <a:blip r:embed="rId27">
+                  <a:extLst>
+                    <a:ext uri="{28A0092B-C50C-407E-A947-70E740481C1C}">
+                      <a14:useLocalDpi xmlns:a14="http://schemas.microsoft.com/office/drawing/2010/main" val="0"/>
+                    </a:ext>
+                  </a:extLst>
+                </a:blip>
+                <a:srcRect/>
+                <a:stretch>
+                  <a:fillRect/>
+                </a:stretch>
+              </p:blipFill>
+              <p:spPr bwMode="auto">
+                <a:xfrm>
+                  <a:off x="1026840" y="5932512"/>
+                  <a:ext cx="304800" cy="304800"/>
+                </a:xfrm>
+                <a:prstGeom prst="rect">
+                  <a:avLst/>
+                </a:prstGeom>
+                <a:noFill/>
+                <a:ln>
+                  <a:noFill/>
+                </a:ln>
+                <a:effectLst/>
+                <a:extLst>
+                  <a:ext uri="{909E8E84-426E-40DD-AFC4-6F175D3DCCD1}">
+                    <a14:hiddenFill xmlns:a14="http://schemas.microsoft.com/office/drawing/2010/main">
+                      <a:solidFill>
+                        <a:schemeClr val="accent1"/>
+                      </a:solidFill>
+                    </a14:hiddenFill>
+                  </a:ext>
+                  <a:ext uri="{91240B29-F687-4F45-9708-019B960494DF}">
+                    <a14:hiddenLine xmlns:a14="http://schemas.microsoft.com/office/drawing/2010/main" w="9525">
+                      <a:solidFill>
+                        <a:schemeClr val="tx1"/>
+                      </a:solidFill>
+                      <a:miter lim="800000"/>
+                      <a:headEnd/>
+                      <a:tailEnd/>
+                    </a14:hiddenLine>
+                  </a:ext>
+                  <a:ext uri="{AF507438-7753-43E0-B8FC-AC1667EBCBE1}">
+                    <a14:hiddenEffects xmlns:a14="http://schemas.microsoft.com/office/drawing/2010/main">
+                      <a:effectLst>
+                        <a:outerShdw dist="35921" dir="2700000" algn="ctr" rotWithShape="0">
+                          <a:schemeClr val="bg2"/>
+                        </a:outerShdw>
+                      </a:effectLst>
+                    </a14:hiddenEffects>
+                  </a:ext>
+                </a:extLst>
+              </p:spPr>
+            </p:pic>
+            <p:pic>
+              <p:nvPicPr>
+                <p:cNvPr id="53" name="Picture 2"/>
+                <p:cNvPicPr>
+                  <a:picLocks noChangeAspect="1" noChangeArrowheads="1"/>
+                </p:cNvPicPr>
+                <p:nvPr/>
+              </p:nvPicPr>
+              <p:blipFill>
+                <a:blip r:embed="rId28">
+                  <a:extLst>
+                    <a:ext uri="{28A0092B-C50C-407E-A947-70E740481C1C}">
+                      <a14:useLocalDpi xmlns:a14="http://schemas.microsoft.com/office/drawing/2010/main" val="0"/>
+                    </a:ext>
+                  </a:extLst>
+                </a:blip>
+                <a:srcRect/>
+                <a:stretch>
+                  <a:fillRect/>
+                </a:stretch>
+              </p:blipFill>
+              <p:spPr bwMode="auto">
+                <a:xfrm>
+                  <a:off x="1026840" y="5500464"/>
+                  <a:ext cx="304800" cy="304800"/>
+                </a:xfrm>
+                <a:prstGeom prst="rect">
+                  <a:avLst/>
+                </a:prstGeom>
+                <a:noFill/>
+                <a:ln>
+                  <a:noFill/>
+                </a:ln>
+                <a:effectLst/>
+                <a:extLst>
+                  <a:ext uri="{909E8E84-426E-40DD-AFC4-6F175D3DCCD1}">
+                    <a14:hiddenFill xmlns:a14="http://schemas.microsoft.com/office/drawing/2010/main">
+                      <a:solidFill>
+                        <a:schemeClr val="accent1"/>
+                      </a:solidFill>
+                    </a14:hiddenFill>
+                  </a:ext>
+                  <a:ext uri="{91240B29-F687-4F45-9708-019B960494DF}">
+                    <a14:hiddenLine xmlns:a14="http://schemas.microsoft.com/office/drawing/2010/main" w="9525">
+                      <a:solidFill>
+                        <a:schemeClr val="tx1"/>
+                      </a:solidFill>
+                      <a:miter lim="800000"/>
+                      <a:headEnd/>
+                      <a:tailEnd/>
+                    </a14:hiddenLine>
+                  </a:ext>
+                  <a:ext uri="{AF507438-7753-43E0-B8FC-AC1667EBCBE1}">
+                    <a14:hiddenEffects xmlns:a14="http://schemas.microsoft.com/office/drawing/2010/main">
+                      <a:effectLst>
+                        <a:outerShdw dist="35921" dir="2700000" algn="ctr" rotWithShape="0">
+                          <a:schemeClr val="bg2"/>
+                        </a:outerShdw>
+                      </a:effectLst>
+                    </a14:hiddenEffects>
+                  </a:ext>
+                </a:extLst>
+              </p:spPr>
+            </p:pic>
+            <p:pic>
+              <p:nvPicPr>
+                <p:cNvPr id="54" name="Picture 3"/>
+                <p:cNvPicPr>
+                  <a:picLocks noChangeAspect="1" noChangeArrowheads="1"/>
+                </p:cNvPicPr>
+                <p:nvPr/>
+              </p:nvPicPr>
+              <p:blipFill>
+                <a:blip r:embed="rId29">
+                  <a:extLst>
+                    <a:ext uri="{28A0092B-C50C-407E-A947-70E740481C1C}">
+                      <a14:useLocalDpi xmlns:a14="http://schemas.microsoft.com/office/drawing/2010/main" val="0"/>
+                    </a:ext>
+                  </a:extLst>
+                </a:blip>
+                <a:srcRect/>
+                <a:stretch>
+                  <a:fillRect/>
+                </a:stretch>
+              </p:blipFill>
+              <p:spPr bwMode="auto">
+                <a:xfrm>
+                  <a:off x="1026840" y="6721152"/>
+                  <a:ext cx="304800" cy="304800"/>
+                </a:xfrm>
+                <a:prstGeom prst="rect">
+                  <a:avLst/>
+                </a:prstGeom>
+                <a:noFill/>
+                <a:ln>
+                  <a:noFill/>
+                </a:ln>
+                <a:effectLst/>
+                <a:extLst>
+                  <a:ext uri="{909E8E84-426E-40DD-AFC4-6F175D3DCCD1}">
+                    <a14:hiddenFill xmlns:a14="http://schemas.microsoft.com/office/drawing/2010/main">
+                      <a:solidFill>
+                        <a:schemeClr val="accent1"/>
+                      </a:solidFill>
+                    </a14:hiddenFill>
+                  </a:ext>
+                  <a:ext uri="{91240B29-F687-4F45-9708-019B960494DF}">
+                    <a14:hiddenLine xmlns:a14="http://schemas.microsoft.com/office/drawing/2010/main" w="9525">
+                      <a:solidFill>
+                        <a:schemeClr val="tx1"/>
+                      </a:solidFill>
+                      <a:miter lim="800000"/>
+                      <a:headEnd/>
+                      <a:tailEnd/>
+                    </a14:hiddenLine>
+                  </a:ext>
+                  <a:ext uri="{AF507438-7753-43E0-B8FC-AC1667EBCBE1}">
+                    <a14:hiddenEffects xmlns:a14="http://schemas.microsoft.com/office/drawing/2010/main">
+                      <a:effectLst>
+                        <a:outerShdw dist="35921" dir="2700000" algn="ctr" rotWithShape="0">
+                          <a:schemeClr val="bg2"/>
+                        </a:outerShdw>
+                      </a:effectLst>
+                    </a14:hiddenEffects>
+                  </a:ext>
+                </a:extLst>
+              </p:spPr>
+            </p:pic>
+            <p:sp>
+              <p:nvSpPr>
+                <p:cNvPr id="55" name="Rectangle 54"/>
+                <p:cNvSpPr/>
+                <p:nvPr/>
+              </p:nvSpPr>
+              <p:spPr>
+                <a:xfrm>
+                  <a:off x="1368152" y="5356373"/>
+                  <a:ext cx="4572000" cy="1815882"/>
+                </a:xfrm>
+                <a:prstGeom prst="rect">
+                  <a:avLst/>
+                </a:prstGeom>
+              </p:spPr>
+              <p:txBody>
+                <a:bodyPr>
+                  <a:spAutoFit/>
+                </a:bodyPr>
+                <a:lstStyle/>
+                <a:p>
+                  <a:r>
+                    <a:rPr lang="en-US" sz="2800" b="1" dirty="0"/>
+                    <a:t>yoav@yoavram.com</a:t>
+                  </a:r>
+                </a:p>
+                <a:p>
+                  <a:pPr algn="l" rtl="0"/>
+                  <a:r>
+                    <a:rPr lang="en-US" sz="2800" b="1" dirty="0" smtClean="0"/>
+                    <a:t>@</a:t>
+                  </a:r>
+                  <a:r>
+                    <a:rPr lang="en-US" sz="2800" b="1" dirty="0" err="1" smtClean="0"/>
+                    <a:t>yoavram</a:t>
+                  </a:r>
+                  <a:endParaRPr lang="en-US" sz="2800" b="1" dirty="0" smtClean="0"/>
+                </a:p>
+                <a:p>
+                  <a:pPr algn="l" rtl="0"/>
+                  <a:r>
+                    <a:rPr lang="en-US" b="1" dirty="0" smtClean="0"/>
+                    <a:t>@</a:t>
+                  </a:r>
+                  <a:r>
+                    <a:rPr lang="en-US" sz="2800" b="1" dirty="0" err="1" smtClean="0"/>
+                    <a:t>yoavram</a:t>
+                  </a:r>
+                  <a:endParaRPr lang="en-US" sz="2800" b="1" dirty="0"/>
+                </a:p>
+                <a:p>
+                  <a:pPr algn="l" rtl="0"/>
+                  <a:r>
+                    <a:rPr lang="en-US" sz="2800" b="1" dirty="0" smtClean="0"/>
+                    <a:t>www.yoavram.com</a:t>
+                  </a:r>
+                  <a:endParaRPr lang="he-IL" sz="2800" b="1" dirty="0"/>
+                </a:p>
+              </p:txBody>
+            </p:sp>
+          </p:grpSp>
+          <p:sp>
+            <p:nvSpPr>
+              <p:cNvPr id="50" name="TextBox 49"/>
+              <p:cNvSpPr txBox="1"/>
+              <p:nvPr/>
+            </p:nvSpPr>
+            <p:spPr>
+              <a:xfrm>
+                <a:off x="323528" y="6165304"/>
+                <a:ext cx="341312" cy="461665"/>
+              </a:xfrm>
+              <a:prstGeom prst="rect">
+                <a:avLst/>
+              </a:prstGeom>
+              <a:noFill/>
+            </p:spPr>
+            <p:txBody>
+              <a:bodyPr wrap="square" rtlCol="1">
+                <a:spAutoFit/>
+              </a:bodyPr>
+              <a:lstStyle/>
+              <a:p>
+                <a:r>
+                  <a:rPr lang="en-US" sz="2400" dirty="0" smtClean="0">
+                    <a:latin typeface="github-octicons" panose="02000503000000000000" pitchFamily="2" charset="0"/>
+                  </a:rPr>
+                  <a:t>a</a:t>
+                </a:r>
+                <a:endParaRPr lang="he-IL" sz="2400" dirty="0">
+                  <a:latin typeface="github-octicons" panose="02000503000000000000" pitchFamily="2" charset="0"/>
+                </a:endParaRPr>
+              </a:p>
+            </p:txBody>
+          </p:sp>
+        </p:grpSp>
+        <p:pic>
+          <p:nvPicPr>
+            <p:cNvPr id="1026" name="Picture 2" descr="C:\Users\yoavram\Downloads\qrcode(1).png"/>
+            <p:cNvPicPr>
+              <a:picLocks noChangeAspect="1" noChangeArrowheads="1"/>
+            </p:cNvPicPr>
+            <p:nvPr/>
+          </p:nvPicPr>
+          <p:blipFill>
+            <a:blip r:embed="rId30">
+              <a:extLst>
+                <a:ext uri="{28A0092B-C50C-407E-A947-70E740481C1C}">
+                  <a14:useLocalDpi xmlns:a14="http://schemas.microsoft.com/office/drawing/2010/main" val="0"/>
+                </a:ext>
+              </a:extLst>
+            </a:blip>
+            <a:srcRect/>
+            <a:stretch>
+              <a:fillRect/>
+            </a:stretch>
+          </p:blipFill>
+          <p:spPr bwMode="auto">
+            <a:xfrm>
+              <a:off x="27399322" y="35849271"/>
+              <a:ext cx="1800000" cy="1800000"/>
+            </a:xfrm>
+            <a:prstGeom prst="rect">
+              <a:avLst/>
+            </a:prstGeom>
+            <a:noFill/>
+            <a:extLst>
+              <a:ext uri="{909E8E84-426E-40DD-AFC4-6F175D3DCCD1}">
+                <a14:hiddenFill xmlns:a14="http://schemas.microsoft.com/office/drawing/2010/main">
+                  <a:solidFill>
+                    <a:srgbClr val="FFFFFF"/>
+                  </a:solidFill>
+                </a14:hiddenFill>
+              </a:ext>
+            </a:extLst>
+          </p:spPr>
+        </p:pic>
+      </p:grpSp>
+      <p:pic>
+        <p:nvPicPr>
+          <p:cNvPr id="25" name="Picture 3" descr="D:\projects\sim\presentation\isf.png"/>
+          <p:cNvPicPr>
+            <a:picLocks noChangeAspect="1" noChangeArrowheads="1"/>
+          </p:cNvPicPr>
+          <p:nvPr/>
+        </p:nvPicPr>
+        <p:blipFill>
+          <a:blip r:embed="rId31">
+            <a:extLst>
+              <a:ext uri="{28A0092B-C50C-407E-A947-70E740481C1C}">
+                <a14:useLocalDpi xmlns:a14="http://schemas.microsoft.com/office/drawing/2010/main" val="0"/>
+              </a:ext>
+            </a:extLst>
+          </a:blip>
+          <a:srcRect/>
+          <a:stretch>
+            <a:fillRect/>
+          </a:stretch>
+        </p:blipFill>
+        <p:spPr bwMode="auto">
+          <a:xfrm>
+            <a:off x="16110982" y="40156154"/>
+            <a:ext cx="1892763" cy="1620000"/>
+          </a:xfrm>
+          <a:prstGeom prst="rect">
+            <a:avLst/>
+          </a:prstGeom>
+          <a:noFill/>
+          <a:extLst>
+            <a:ext uri="{909E8E84-426E-40DD-AFC4-6F175D3DCCD1}">
+              <a14:hiddenFill xmlns:a14="http://schemas.microsoft.com/office/drawing/2010/main">
+                <a:solidFill>
+                  <a:srgbClr val="FFFFFF"/>
+                </a:solidFill>
+              </a14:hiddenFill>
+            </a:ext>
+          </a:extLst>
+        </p:spPr>
+      </p:pic>
       <p:sp>
         <p:nvSpPr>
-          <p:cNvPr id="69" name="TextBox 68"/>
+          <p:cNvPr id="4" name="TextBox 3"/>
           <p:cNvSpPr txBox="1"/>
           <p:nvPr/>
         </p:nvSpPr>
         <p:spPr>
           <a:xfrm>
-            <a:off x="12334354" y="42095853"/>
-            <a:ext cx="4353446" cy="477054"/>
+            <a:off x="17538093" y="40045416"/>
+            <a:ext cx="2847965" cy="1631216"/>
           </a:xfrm>
           <a:prstGeom prst="rect">
             <a:avLst/>
@@ -9410,334 +9736,105 @@
           <a:p>
             <a:pPr algn="ctr"/>
             <a:r>
-              <a:rPr lang="en-US" sz="2500" dirty="0" smtClean="0">
-                <a:latin typeface="Consolas" panose="020B0609020204030204" pitchFamily="49" charset="0"/>
+              <a:rPr lang="en-US" altLang="he-IL" sz="2000" b="1" dirty="0">
+                <a:solidFill>
+                  <a:srgbClr val="0070C0"/>
+                </a:solidFill>
+                <a:latin typeface="Calibri" panose="020F0502020204030204" pitchFamily="34" charset="0"/>
                 <a:cs typeface="Consolas" panose="020B0609020204030204" pitchFamily="49" charset="0"/>
               </a:rPr>
-              <a:t>curveball.yoavram.com</a:t>
-            </a:r>
-            <a:endParaRPr lang="he-IL" sz="2500" dirty="0">
-              <a:latin typeface="Consolas" panose="020B0609020204030204" pitchFamily="49" charset="0"/>
+              <a:t>Israeli </a:t>
+            </a:r>
+            <a:endParaRPr lang="en-US" altLang="he-IL" sz="2000" b="1" dirty="0" smtClean="0">
+              <a:solidFill>
+                <a:srgbClr val="0070C0"/>
+              </a:solidFill>
+              <a:latin typeface="Calibri" panose="020F0502020204030204" pitchFamily="34" charset="0"/>
+              <a:cs typeface="Consolas" panose="020B0609020204030204" pitchFamily="49" charset="0"/>
+            </a:endParaRPr>
+          </a:p>
+          <a:p>
+            <a:pPr algn="ctr"/>
+            <a:r>
+              <a:rPr lang="en-US" altLang="he-IL" sz="2000" b="1" dirty="0" smtClean="0">
+                <a:solidFill>
+                  <a:srgbClr val="0070C0"/>
+                </a:solidFill>
+                <a:latin typeface="Calibri" panose="020F0502020204030204" pitchFamily="34" charset="0"/>
+                <a:cs typeface="Consolas" panose="020B0609020204030204" pitchFamily="49" charset="0"/>
+              </a:rPr>
+              <a:t>Ministry </a:t>
+            </a:r>
+            <a:endParaRPr lang="en-US" altLang="he-IL" sz="2000" b="1" dirty="0" smtClean="0">
+              <a:solidFill>
+                <a:srgbClr val="0070C0"/>
+              </a:solidFill>
+              <a:latin typeface="Calibri" panose="020F0502020204030204" pitchFamily="34" charset="0"/>
+              <a:cs typeface="Consolas" panose="020B0609020204030204" pitchFamily="49" charset="0"/>
+            </a:endParaRPr>
+          </a:p>
+          <a:p>
+            <a:pPr algn="ctr"/>
+            <a:r>
+              <a:rPr lang="en-US" altLang="he-IL" sz="2000" b="1" dirty="0" smtClean="0">
+                <a:solidFill>
+                  <a:srgbClr val="0070C0"/>
+                </a:solidFill>
+                <a:latin typeface="Calibri" panose="020F0502020204030204" pitchFamily="34" charset="0"/>
+                <a:cs typeface="Consolas" panose="020B0609020204030204" pitchFamily="49" charset="0"/>
+              </a:rPr>
+              <a:t>of Science </a:t>
+            </a:r>
+            <a:endParaRPr lang="en-US" altLang="he-IL" sz="2000" b="1" dirty="0" smtClean="0">
+              <a:solidFill>
+                <a:srgbClr val="0070C0"/>
+              </a:solidFill>
+              <a:latin typeface="Calibri" panose="020F0502020204030204" pitchFamily="34" charset="0"/>
+              <a:cs typeface="Consolas" panose="020B0609020204030204" pitchFamily="49" charset="0"/>
+            </a:endParaRPr>
+          </a:p>
+          <a:p>
+            <a:pPr algn="ctr"/>
+            <a:r>
+              <a:rPr lang="en-US" altLang="he-IL" sz="2000" b="1" dirty="0" smtClean="0">
+                <a:solidFill>
+                  <a:srgbClr val="0070C0"/>
+                </a:solidFill>
+                <a:latin typeface="Calibri" panose="020F0502020204030204" pitchFamily="34" charset="0"/>
+                <a:cs typeface="Consolas" panose="020B0609020204030204" pitchFamily="49" charset="0"/>
+              </a:rPr>
+              <a:t>and </a:t>
+            </a:r>
+            <a:endParaRPr lang="en-US" altLang="he-IL" sz="2000" b="1" dirty="0" smtClean="0">
+              <a:solidFill>
+                <a:srgbClr val="0070C0"/>
+              </a:solidFill>
+              <a:latin typeface="Calibri" panose="020F0502020204030204" pitchFamily="34" charset="0"/>
+              <a:cs typeface="Consolas" panose="020B0609020204030204" pitchFamily="49" charset="0"/>
+            </a:endParaRPr>
+          </a:p>
+          <a:p>
+            <a:pPr algn="ctr"/>
+            <a:r>
+              <a:rPr lang="en-US" altLang="he-IL" sz="2000" b="1" dirty="0" smtClean="0">
+                <a:solidFill>
+                  <a:srgbClr val="0070C0"/>
+                </a:solidFill>
+                <a:latin typeface="Calibri" panose="020F0502020204030204" pitchFamily="34" charset="0"/>
+                <a:cs typeface="Consolas" panose="020B0609020204030204" pitchFamily="49" charset="0"/>
+              </a:rPr>
+              <a:t>Technology</a:t>
+            </a:r>
+            <a:endParaRPr lang="en-US" altLang="he-IL" sz="2000" b="1" dirty="0">
+              <a:solidFill>
+                <a:srgbClr val="0070C0"/>
+              </a:solidFill>
+              <a:latin typeface="Calibri" panose="020F0502020204030204" pitchFamily="34" charset="0"/>
+              <a:cs typeface="Consolas" panose="020B0609020204030204" pitchFamily="49" charset="0"/>
             </a:endParaRPr>
           </a:p>
         </p:txBody>
       </p:sp>
-      <p:grpSp>
-        <p:nvGrpSpPr>
-          <p:cNvPr id="48" name="Group 47"/>
-          <p:cNvGrpSpPr/>
-          <p:nvPr/>
-        </p:nvGrpSpPr>
-        <p:grpSpPr>
-          <a:xfrm>
-            <a:off x="20266242" y="38344080"/>
-            <a:ext cx="5002971" cy="1815882"/>
-            <a:chOff x="323528" y="5287813"/>
-            <a:chExt cx="5002971" cy="1815882"/>
-          </a:xfrm>
-        </p:grpSpPr>
-        <p:grpSp>
-          <p:nvGrpSpPr>
-            <p:cNvPr id="49" name="Group 48"/>
-            <p:cNvGrpSpPr/>
-            <p:nvPr/>
-          </p:nvGrpSpPr>
-          <p:grpSpPr>
-            <a:xfrm>
-              <a:off x="413187" y="5287813"/>
-              <a:ext cx="4913312" cy="1815882"/>
-              <a:chOff x="1026840" y="5356373"/>
-              <a:chExt cx="4913312" cy="1815882"/>
-            </a:xfrm>
-          </p:grpSpPr>
-          <p:pic>
-            <p:nvPicPr>
-              <p:cNvPr id="52" name="Picture 1"/>
-              <p:cNvPicPr>
-                <a:picLocks noChangeAspect="1" noChangeArrowheads="1"/>
-              </p:cNvPicPr>
-              <p:nvPr/>
-            </p:nvPicPr>
-            <p:blipFill>
-              <a:blip r:embed="rId27">
-                <a:extLst>
-                  <a:ext uri="{28A0092B-C50C-407E-A947-70E740481C1C}">
-                    <a14:useLocalDpi xmlns:a14="http://schemas.microsoft.com/office/drawing/2010/main" val="0"/>
-                  </a:ext>
-                </a:extLst>
-              </a:blip>
-              <a:srcRect/>
-              <a:stretch>
-                <a:fillRect/>
-              </a:stretch>
-            </p:blipFill>
-            <p:spPr bwMode="auto">
-              <a:xfrm>
-                <a:off x="1026840" y="5932512"/>
-                <a:ext cx="304800" cy="304800"/>
-              </a:xfrm>
-              <a:prstGeom prst="rect">
-                <a:avLst/>
-              </a:prstGeom>
-              <a:noFill/>
-              <a:ln>
-                <a:noFill/>
-              </a:ln>
-              <a:effectLst/>
-              <a:extLst>
-                <a:ext uri="{909E8E84-426E-40DD-AFC4-6F175D3DCCD1}">
-                  <a14:hiddenFill xmlns:a14="http://schemas.microsoft.com/office/drawing/2010/main">
-                    <a:solidFill>
-                      <a:schemeClr val="accent1"/>
-                    </a:solidFill>
-                  </a14:hiddenFill>
-                </a:ext>
-                <a:ext uri="{91240B29-F687-4F45-9708-019B960494DF}">
-                  <a14:hiddenLine xmlns:a14="http://schemas.microsoft.com/office/drawing/2010/main" w="9525">
-                    <a:solidFill>
-                      <a:schemeClr val="tx1"/>
-                    </a:solidFill>
-                    <a:miter lim="800000"/>
-                    <a:headEnd/>
-                    <a:tailEnd/>
-                  </a14:hiddenLine>
-                </a:ext>
-                <a:ext uri="{AF507438-7753-43E0-B8FC-AC1667EBCBE1}">
-                  <a14:hiddenEffects xmlns:a14="http://schemas.microsoft.com/office/drawing/2010/main">
-                    <a:effectLst>
-                      <a:outerShdw dist="35921" dir="2700000" algn="ctr" rotWithShape="0">
-                        <a:schemeClr val="bg2"/>
-                      </a:outerShdw>
-                    </a:effectLst>
-                  </a14:hiddenEffects>
-                </a:ext>
-              </a:extLst>
-            </p:spPr>
-          </p:pic>
-          <p:pic>
-            <p:nvPicPr>
-              <p:cNvPr id="53" name="Picture 2"/>
-              <p:cNvPicPr>
-                <a:picLocks noChangeAspect="1" noChangeArrowheads="1"/>
-              </p:cNvPicPr>
-              <p:nvPr/>
-            </p:nvPicPr>
-            <p:blipFill>
-              <a:blip r:embed="rId28">
-                <a:extLst>
-                  <a:ext uri="{28A0092B-C50C-407E-A947-70E740481C1C}">
-                    <a14:useLocalDpi xmlns:a14="http://schemas.microsoft.com/office/drawing/2010/main" val="0"/>
-                  </a:ext>
-                </a:extLst>
-              </a:blip>
-              <a:srcRect/>
-              <a:stretch>
-                <a:fillRect/>
-              </a:stretch>
-            </p:blipFill>
-            <p:spPr bwMode="auto">
-              <a:xfrm>
-                <a:off x="1026840" y="5500464"/>
-                <a:ext cx="304800" cy="304800"/>
-              </a:xfrm>
-              <a:prstGeom prst="rect">
-                <a:avLst/>
-              </a:prstGeom>
-              <a:noFill/>
-              <a:ln>
-                <a:noFill/>
-              </a:ln>
-              <a:effectLst/>
-              <a:extLst>
-                <a:ext uri="{909E8E84-426E-40DD-AFC4-6F175D3DCCD1}">
-                  <a14:hiddenFill xmlns:a14="http://schemas.microsoft.com/office/drawing/2010/main">
-                    <a:solidFill>
-                      <a:schemeClr val="accent1"/>
-                    </a:solidFill>
-                  </a14:hiddenFill>
-                </a:ext>
-                <a:ext uri="{91240B29-F687-4F45-9708-019B960494DF}">
-                  <a14:hiddenLine xmlns:a14="http://schemas.microsoft.com/office/drawing/2010/main" w="9525">
-                    <a:solidFill>
-                      <a:schemeClr val="tx1"/>
-                    </a:solidFill>
-                    <a:miter lim="800000"/>
-                    <a:headEnd/>
-                    <a:tailEnd/>
-                  </a14:hiddenLine>
-                </a:ext>
-                <a:ext uri="{AF507438-7753-43E0-B8FC-AC1667EBCBE1}">
-                  <a14:hiddenEffects xmlns:a14="http://schemas.microsoft.com/office/drawing/2010/main">
-                    <a:effectLst>
-                      <a:outerShdw dist="35921" dir="2700000" algn="ctr" rotWithShape="0">
-                        <a:schemeClr val="bg2"/>
-                      </a:outerShdw>
-                    </a:effectLst>
-                  </a14:hiddenEffects>
-                </a:ext>
-              </a:extLst>
-            </p:spPr>
-          </p:pic>
-          <p:pic>
-            <p:nvPicPr>
-              <p:cNvPr id="54" name="Picture 3"/>
-              <p:cNvPicPr>
-                <a:picLocks noChangeAspect="1" noChangeArrowheads="1"/>
-              </p:cNvPicPr>
-              <p:nvPr/>
-            </p:nvPicPr>
-            <p:blipFill>
-              <a:blip r:embed="rId29">
-                <a:extLst>
-                  <a:ext uri="{28A0092B-C50C-407E-A947-70E740481C1C}">
-                    <a14:useLocalDpi xmlns:a14="http://schemas.microsoft.com/office/drawing/2010/main" val="0"/>
-                  </a:ext>
-                </a:extLst>
-              </a:blip>
-              <a:srcRect/>
-              <a:stretch>
-                <a:fillRect/>
-              </a:stretch>
-            </p:blipFill>
-            <p:spPr bwMode="auto">
-              <a:xfrm>
-                <a:off x="1026840" y="6721152"/>
-                <a:ext cx="304800" cy="304800"/>
-              </a:xfrm>
-              <a:prstGeom prst="rect">
-                <a:avLst/>
-              </a:prstGeom>
-              <a:noFill/>
-              <a:ln>
-                <a:noFill/>
-              </a:ln>
-              <a:effectLst/>
-              <a:extLst>
-                <a:ext uri="{909E8E84-426E-40DD-AFC4-6F175D3DCCD1}">
-                  <a14:hiddenFill xmlns:a14="http://schemas.microsoft.com/office/drawing/2010/main">
-                    <a:solidFill>
-                      <a:schemeClr val="accent1"/>
-                    </a:solidFill>
-                  </a14:hiddenFill>
-                </a:ext>
-                <a:ext uri="{91240B29-F687-4F45-9708-019B960494DF}">
-                  <a14:hiddenLine xmlns:a14="http://schemas.microsoft.com/office/drawing/2010/main" w="9525">
-                    <a:solidFill>
-                      <a:schemeClr val="tx1"/>
-                    </a:solidFill>
-                    <a:miter lim="800000"/>
-                    <a:headEnd/>
-                    <a:tailEnd/>
-                  </a14:hiddenLine>
-                </a:ext>
-                <a:ext uri="{AF507438-7753-43E0-B8FC-AC1667EBCBE1}">
-                  <a14:hiddenEffects xmlns:a14="http://schemas.microsoft.com/office/drawing/2010/main">
-                    <a:effectLst>
-                      <a:outerShdw dist="35921" dir="2700000" algn="ctr" rotWithShape="0">
-                        <a:schemeClr val="bg2"/>
-                      </a:outerShdw>
-                    </a:effectLst>
-                  </a14:hiddenEffects>
-                </a:ext>
-              </a:extLst>
-            </p:spPr>
-          </p:pic>
-          <p:sp>
-            <p:nvSpPr>
-              <p:cNvPr id="55" name="Rectangle 54"/>
-              <p:cNvSpPr/>
-              <p:nvPr/>
-            </p:nvSpPr>
-            <p:spPr>
-              <a:xfrm>
-                <a:off x="1368152" y="5356373"/>
-                <a:ext cx="4572000" cy="1815882"/>
-              </a:xfrm>
-              <a:prstGeom prst="rect">
-                <a:avLst/>
-              </a:prstGeom>
-            </p:spPr>
-            <p:txBody>
-              <a:bodyPr>
-                <a:spAutoFit/>
-              </a:bodyPr>
-              <a:lstStyle/>
-              <a:p>
-                <a:r>
-                  <a:rPr lang="en-US" sz="2800" b="1" dirty="0"/>
-                  <a:t>yoav@yoavram.com</a:t>
-                </a:r>
-              </a:p>
-              <a:p>
-                <a:pPr algn="l" rtl="0"/>
-                <a:r>
-                  <a:rPr lang="en-US" sz="2800" b="1" dirty="0" smtClean="0"/>
-                  <a:t>@</a:t>
-                </a:r>
-                <a:r>
-                  <a:rPr lang="en-US" sz="2800" b="1" dirty="0" err="1" smtClean="0"/>
-                  <a:t>yoavram</a:t>
-                </a:r>
-                <a:endParaRPr lang="en-US" sz="2800" b="1" dirty="0" smtClean="0"/>
-              </a:p>
-              <a:p>
-                <a:pPr algn="l" rtl="0"/>
-                <a:r>
-                  <a:rPr lang="en-US" b="1" dirty="0" smtClean="0"/>
-                  <a:t>@</a:t>
-                </a:r>
-                <a:r>
-                  <a:rPr lang="en-US" sz="2800" b="1" dirty="0" err="1" smtClean="0"/>
-                  <a:t>yoavram</a:t>
-                </a:r>
-                <a:endParaRPr lang="en-US" sz="2800" b="1" dirty="0"/>
-              </a:p>
-              <a:p>
-                <a:pPr algn="l" rtl="0"/>
-                <a:r>
-                  <a:rPr lang="en-US" sz="2800" b="1" dirty="0" smtClean="0"/>
-                  <a:t>www.yoavram.com</a:t>
-                </a:r>
-                <a:endParaRPr lang="he-IL" sz="2800" b="1" dirty="0"/>
-              </a:p>
-            </p:txBody>
-          </p:sp>
-        </p:grpSp>
-        <p:sp>
-          <p:nvSpPr>
-            <p:cNvPr id="50" name="TextBox 49"/>
-            <p:cNvSpPr txBox="1"/>
-            <p:nvPr/>
-          </p:nvSpPr>
-          <p:spPr>
-            <a:xfrm>
-              <a:off x="323528" y="6165304"/>
-              <a:ext cx="341312" cy="461665"/>
-            </a:xfrm>
-            <a:prstGeom prst="rect">
-              <a:avLst/>
-            </a:prstGeom>
-            <a:noFill/>
-          </p:spPr>
-          <p:txBody>
-            <a:bodyPr wrap="square" rtlCol="1">
-              <a:spAutoFit/>
-            </a:bodyPr>
-            <a:lstStyle/>
-            <a:p>
-              <a:r>
-                <a:rPr lang="en-US" sz="2400" dirty="0" smtClean="0">
-                  <a:latin typeface="github-octicons" panose="02000503000000000000" pitchFamily="2" charset="0"/>
-                </a:rPr>
-                <a:t>a</a:t>
-              </a:r>
-              <a:endParaRPr lang="he-IL" sz="2400" dirty="0">
-                <a:latin typeface="github-octicons" panose="02000503000000000000" pitchFamily="2" charset="0"/>
-              </a:endParaRPr>
-            </a:p>
-          </p:txBody>
-        </p:sp>
-      </p:grpSp>
     </p:spTree>
   </p:cSld>
   <p:clrMapOvr>

--- a/poster.pptx
+++ b/poster.pptx
@@ -4434,72 +4434,8 @@
           </a:p>
         </p:txBody>
       </p:sp>
-      <p:pic>
-        <p:nvPicPr>
-          <p:cNvPr id="1051" name="Picture 27"/>
-          <p:cNvPicPr>
-            <a:picLocks noChangeAspect="1" noChangeArrowheads="1"/>
-          </p:cNvPicPr>
-          <p:nvPr/>
-        </p:nvPicPr>
-        <p:blipFill>
-          <a:blip r:embed="rId5">
-            <a:extLst>
-              <a:ext uri="{28A0092B-C50C-407E-A947-70E740481C1C}">
-                <a14:useLocalDpi xmlns:a14="http://schemas.microsoft.com/office/drawing/2010/main" val="0"/>
-              </a:ext>
-            </a:extLst>
-          </a:blip>
-          <a:srcRect/>
-          <a:stretch>
-            <a:fillRect/>
-          </a:stretch>
-        </p:blipFill>
-        <p:spPr bwMode="auto">
-          <a:xfrm>
-            <a:off x="24422720" y="11931277"/>
-            <a:ext cx="4444320" cy="3122810"/>
-          </a:xfrm>
-          <a:prstGeom prst="rect">
-            <a:avLst/>
-          </a:prstGeom>
-          <a:noFill/>
-          <a:ln>
-            <a:noFill/>
-          </a:ln>
-          <a:effectLst/>
-          <a:extLst>
-            <a:ext uri="{909E8E84-426E-40DD-AFC4-6F175D3DCCD1}">
-              <a14:hiddenFill xmlns:a14="http://schemas.microsoft.com/office/drawing/2010/main">
-                <a:solidFill>
-                  <a:schemeClr val="accent1"/>
-                </a:solidFill>
-              </a14:hiddenFill>
-            </a:ext>
-            <a:ext uri="{91240B29-F687-4F45-9708-019B960494DF}">
-              <a14:hiddenLine xmlns:a14="http://schemas.microsoft.com/office/drawing/2010/main" w="9525">
-                <a:solidFill>
-                  <a:schemeClr val="tx1"/>
-                </a:solidFill>
-                <a:miter lim="800000"/>
-                <a:headEnd/>
-                <a:tailEnd/>
-              </a14:hiddenLine>
-            </a:ext>
-            <a:ext uri="{AF507438-7753-43E0-B8FC-AC1667EBCBE1}">
-              <a14:hiddenEffects xmlns:a14="http://schemas.microsoft.com/office/drawing/2010/main">
-                <a:effectLst>
-                  <a:outerShdw dist="35921" dir="2700000" algn="ctr" rotWithShape="0">
-                    <a:schemeClr val="bg2"/>
-                  </a:outerShdw>
-                </a:effectLst>
-              </a14:hiddenEffects>
-            </a:ext>
-          </a:extLst>
-        </p:spPr>
-      </p:pic>
-      <mc:AlternateContent xmlns:mc="http://schemas.openxmlformats.org/markup-compatibility/2006" xmlns:a14="http://schemas.microsoft.com/office/drawing/2010/main">
-        <mc:Choice Requires="a14">
+      <mc:AlternateContent xmlns:mc="http://schemas.openxmlformats.org/markup-compatibility/2006">
+        <mc:Choice xmlns:a14="http://schemas.microsoft.com/office/drawing/2010/main" Requires="a14">
           <p:sp>
             <p:nvSpPr>
               <p:cNvPr id="51" name="Text Box 11"/>
@@ -4510,7 +4446,7 @@
             </p:nvSpPr>
             <p:spPr bwMode="auto">
               <a:xfrm>
-                <a:off x="11225433" y="19716750"/>
+                <a:off x="10944000" y="19716750"/>
                 <a:ext cx="8458200" cy="14363700"/>
               </a:xfrm>
               <a:prstGeom prst="rect">
@@ -5275,7 +5211,7 @@
             </p:txBody>
           </p:sp>
         </mc:Choice>
-        <mc:Fallback xmlns="">
+        <mc:Fallback>
           <p:sp>
             <p:nvSpPr>
               <p:cNvPr id="51" name="Text Box 11"/>
@@ -5286,14 +5222,14 @@
             </p:nvSpPr>
             <p:spPr bwMode="auto">
               <a:xfrm>
-                <a:off x="11225433" y="19716750"/>
+                <a:off x="10944000" y="19716750"/>
                 <a:ext cx="8458200" cy="14363700"/>
               </a:xfrm>
               <a:prstGeom prst="rect">
                 <a:avLst/>
               </a:prstGeom>
               <a:blipFill rotWithShape="1">
-                <a:blip r:embed="rId7"/>
+                <a:blip r:embed="rId5"/>
                 <a:stretch>
                   <a:fillRect/>
                 </a:stretch>
@@ -8740,203 +8676,6 @@
       </p:pic>
       <p:pic>
         <p:nvPicPr>
-          <p:cNvPr id="1032" name="Picture 8" descr="D:\university\presentations\GRC2015\all_curves.png"/>
-          <p:cNvPicPr>
-            <a:picLocks noChangeAspect="1" noChangeArrowheads="1"/>
-          </p:cNvPicPr>
-          <p:nvPr/>
-        </p:nvPicPr>
-        <p:blipFill rotWithShape="1">
-          <a:blip r:embed="rId15">
-            <a:extLst>
-              <a:ext uri="{28A0092B-C50C-407E-A947-70E740481C1C}">
-                <a14:useLocalDpi xmlns:a14="http://schemas.microsoft.com/office/drawing/2010/main" val="0"/>
-              </a:ext>
-            </a:extLst>
-          </a:blip>
-          <a:srcRect l="3369" r="8142"/>
-          <a:stretch/>
-        </p:blipFill>
-        <p:spPr bwMode="auto">
-          <a:xfrm>
-            <a:off x="1438664" y="10417193"/>
-            <a:ext cx="7920000" cy="6150978"/>
-          </a:xfrm>
-          <a:prstGeom prst="rect">
-            <a:avLst/>
-          </a:prstGeom>
-          <a:noFill/>
-          <a:extLst>
-            <a:ext uri="{909E8E84-426E-40DD-AFC4-6F175D3DCCD1}">
-              <a14:hiddenFill xmlns:a14="http://schemas.microsoft.com/office/drawing/2010/main">
-                <a:solidFill>
-                  <a:srgbClr val="FFFFFF"/>
-                </a:solidFill>
-              </a14:hiddenFill>
-            </a:ext>
-          </a:extLst>
-        </p:spPr>
-      </p:pic>
-      <p:pic>
-        <p:nvPicPr>
-          <p:cNvPr id="1034" name="Picture 10" descr="D:\university\presentations\GRC2015\model_fits.png"/>
-          <p:cNvPicPr>
-            <a:picLocks noChangeAspect="1" noChangeArrowheads="1"/>
-          </p:cNvPicPr>
-          <p:nvPr/>
-        </p:nvPicPr>
-        <p:blipFill rotWithShape="1">
-          <a:blip r:embed="rId16">
-            <a:extLst>
-              <a:ext uri="{28A0092B-C50C-407E-A947-70E740481C1C}">
-                <a14:useLocalDpi xmlns:a14="http://schemas.microsoft.com/office/drawing/2010/main" val="0"/>
-              </a:ext>
-            </a:extLst>
-          </a:blip>
-          <a:srcRect l="4167" t="7351" r="7172"/>
-          <a:stretch/>
-        </p:blipFill>
-        <p:spPr bwMode="auto">
-          <a:xfrm>
-            <a:off x="1539100" y="27984450"/>
-            <a:ext cx="7920000" cy="5687811"/>
-          </a:xfrm>
-          <a:prstGeom prst="rect">
-            <a:avLst/>
-          </a:prstGeom>
-          <a:noFill/>
-          <a:extLst>
-            <a:ext uri="{909E8E84-426E-40DD-AFC4-6F175D3DCCD1}">
-              <a14:hiddenFill xmlns:a14="http://schemas.microsoft.com/office/drawing/2010/main">
-                <a:solidFill>
-                  <a:srgbClr val="FFFFFF"/>
-                </a:solidFill>
-              </a14:hiddenFill>
-            </a:ext>
-          </a:extLst>
-        </p:spPr>
-      </p:pic>
-      <p:pic>
-        <p:nvPicPr>
-          <p:cNvPr id="1035" name="Picture 11" descr="D:\university\presentations\GRC2015\G_models.png"/>
-          <p:cNvPicPr>
-            <a:picLocks noChangeAspect="1" noChangeArrowheads="1"/>
-          </p:cNvPicPr>
-          <p:nvPr/>
-        </p:nvPicPr>
-        <p:blipFill>
-          <a:blip r:embed="rId17">
-            <a:extLst>
-              <a:ext uri="{28A0092B-C50C-407E-A947-70E740481C1C}">
-                <a14:useLocalDpi xmlns:a14="http://schemas.microsoft.com/office/drawing/2010/main" val="0"/>
-              </a:ext>
-            </a:extLst>
-          </a:blip>
-          <a:srcRect/>
-          <a:stretch>
-            <a:fillRect/>
-          </a:stretch>
-        </p:blipFill>
-        <p:spPr bwMode="auto">
-          <a:xfrm>
-            <a:off x="1581188" y="24278706"/>
-            <a:ext cx="7920000" cy="2970214"/>
-          </a:xfrm>
-          <a:prstGeom prst="rect">
-            <a:avLst/>
-          </a:prstGeom>
-          <a:noFill/>
-          <a:extLst>
-            <a:ext uri="{909E8E84-426E-40DD-AFC4-6F175D3DCCD1}">
-              <a14:hiddenFill xmlns:a14="http://schemas.microsoft.com/office/drawing/2010/main">
-                <a:solidFill>
-                  <a:srgbClr val="FFFFFF"/>
-                </a:solidFill>
-              </a14:hiddenFill>
-            </a:ext>
-          </a:extLst>
-        </p:spPr>
-      </p:pic>
-      <p:pic>
-        <p:nvPicPr>
-          <p:cNvPr id="1039" name="Picture 15" descr="D:\university\presentations\GRC2015\competition.png"/>
-          <p:cNvPicPr>
-            <a:picLocks noChangeAspect="1" noChangeArrowheads="1"/>
-          </p:cNvPicPr>
-          <p:nvPr/>
-        </p:nvPicPr>
-        <p:blipFill rotWithShape="1">
-          <a:blip r:embed="rId18">
-            <a:extLst>
-              <a:ext uri="{28A0092B-C50C-407E-A947-70E740481C1C}">
-                <a14:useLocalDpi xmlns:a14="http://schemas.microsoft.com/office/drawing/2010/main" val="0"/>
-              </a:ext>
-            </a:extLst>
-          </a:blip>
-          <a:srcRect l="3964" t="5568" r="7260"/>
-          <a:stretch/>
-        </p:blipFill>
-        <p:spPr bwMode="auto">
-          <a:xfrm>
-            <a:off x="11184899" y="11921787"/>
-            <a:ext cx="7920000" cy="5789797"/>
-          </a:xfrm>
-          <a:prstGeom prst="rect">
-            <a:avLst/>
-          </a:prstGeom>
-          <a:noFill/>
-          <a:extLst>
-            <a:ext uri="{909E8E84-426E-40DD-AFC4-6F175D3DCCD1}">
-              <a14:hiddenFill xmlns:a14="http://schemas.microsoft.com/office/drawing/2010/main">
-                <a:solidFill>
-                  <a:srgbClr val="FFFFFF"/>
-                </a:solidFill>
-              </a14:hiddenFill>
-            </a:ext>
-          </a:extLst>
-        </p:spPr>
-      </p:pic>
-      <p:pic>
-        <p:nvPicPr>
-          <p:cNvPr id="1041" name="Picture 17" descr="D:\university\presentations\GRC2015\frequency_fit.png"/>
-          <p:cNvPicPr>
-            <a:picLocks noChangeAspect="1" noChangeArrowheads="1"/>
-          </p:cNvPicPr>
-          <p:nvPr/>
-        </p:nvPicPr>
-        <p:blipFill rotWithShape="1">
-          <a:blip r:embed="rId19">
-            <a:extLst>
-              <a:ext uri="{28A0092B-C50C-407E-A947-70E740481C1C}">
-                <a14:useLocalDpi xmlns:a14="http://schemas.microsoft.com/office/drawing/2010/main" val="0"/>
-              </a:ext>
-            </a:extLst>
-          </a:blip>
-          <a:srcRect l="2280" t="6989" r="7992"/>
-          <a:stretch/>
-        </p:blipFill>
-        <p:spPr bwMode="auto">
-          <a:xfrm>
-            <a:off x="11494533" y="22739600"/>
-            <a:ext cx="7920000" cy="5642087"/>
-          </a:xfrm>
-          <a:prstGeom prst="rect">
-            <a:avLst/>
-          </a:prstGeom>
-          <a:noFill/>
-          <a:extLst>
-            <a:ext uri="{909E8E84-426E-40DD-AFC4-6F175D3DCCD1}">
-              <a14:hiddenFill xmlns:a14="http://schemas.microsoft.com/office/drawing/2010/main">
-                <a:solidFill>
-                  <a:srgbClr val="FFFFFF"/>
-                </a:solidFill>
-              </a14:hiddenFill>
-            </a:ext>
-          </a:extLst>
-        </p:spPr>
-      </p:pic>
-      <p:pic>
-        <p:nvPicPr>
           <p:cNvPr id="43" name="Picture 42"/>
           <p:cNvPicPr>
             <a:picLocks noChangeAspect="1"/>
@@ -8944,7 +8683,7 @@
           <p:nvPr/>
         </p:nvPicPr>
         <p:blipFill>
-          <a:blip r:embed="rId20" cstate="print">
+          <a:blip r:embed="rId15" cstate="print">
             <a:extLst>
               <a:ext uri="{28A0092B-C50C-407E-A947-70E740481C1C}">
                 <a14:useLocalDpi xmlns:a14="http://schemas.microsoft.com/office/drawing/2010/main" val="0"/>
@@ -8957,195 +8696,12 @@
         </p:blipFill>
         <p:spPr>
           <a:xfrm>
-            <a:off x="20614042" y="26955750"/>
+            <a:off x="20610000" y="26955750"/>
             <a:ext cx="8460000" cy="7138125"/>
           </a:xfrm>
           <a:prstGeom prst="rect">
             <a:avLst/>
           </a:prstGeom>
-        </p:spPr>
-      </p:pic>
-      <p:pic>
-        <p:nvPicPr>
-          <p:cNvPr id="1045" name="Picture 21" descr="D:\university\presentations\GRC2015\competition2.png"/>
-          <p:cNvPicPr>
-            <a:picLocks noChangeAspect="1" noChangeArrowheads="1"/>
-          </p:cNvPicPr>
-          <p:nvPr/>
-        </p:nvPicPr>
-        <p:blipFill rotWithShape="1">
-          <a:blip r:embed="rId21">
-            <a:extLst>
-              <a:ext uri="{28A0092B-C50C-407E-A947-70E740481C1C}">
-                <a14:useLocalDpi xmlns:a14="http://schemas.microsoft.com/office/drawing/2010/main" val="0"/>
-              </a:ext>
-            </a:extLst>
-          </a:blip>
-          <a:srcRect l="2456" t="6634" r="7665"/>
-          <a:stretch/>
-        </p:blipFill>
-        <p:spPr bwMode="auto">
-          <a:xfrm>
-            <a:off x="20909163" y="15298282"/>
-            <a:ext cx="7920000" cy="5654240"/>
-          </a:xfrm>
-          <a:prstGeom prst="rect">
-            <a:avLst/>
-          </a:prstGeom>
-          <a:noFill/>
-          <a:extLst>
-            <a:ext uri="{909E8E84-426E-40DD-AFC4-6F175D3DCCD1}">
-              <a14:hiddenFill xmlns:a14="http://schemas.microsoft.com/office/drawing/2010/main">
-                <a:solidFill>
-                  <a:srgbClr val="FFFFFF"/>
-                </a:solidFill>
-              </a14:hiddenFill>
-            </a:ext>
-          </a:extLst>
-        </p:spPr>
-      </p:pic>
-      <p:pic>
-        <p:nvPicPr>
-          <p:cNvPr id="1048" name="Picture 24" descr="D:\university\presentations\GRC2015\total_OD_comparison.png"/>
-          <p:cNvPicPr>
-            <a:picLocks noChangeAspect="1" noChangeArrowheads="1"/>
-          </p:cNvPicPr>
-          <p:nvPr/>
-        </p:nvPicPr>
-        <p:blipFill rotWithShape="1">
-          <a:blip r:embed="rId22">
-            <a:extLst>
-              <a:ext uri="{28A0092B-C50C-407E-A947-70E740481C1C}">
-                <a14:useLocalDpi xmlns:a14="http://schemas.microsoft.com/office/drawing/2010/main" val="0"/>
-              </a:ext>
-            </a:extLst>
-          </a:blip>
-          <a:srcRect l="4084" t="5686" r="7665"/>
-          <a:stretch/>
-        </p:blipFill>
-        <p:spPr bwMode="auto">
-          <a:xfrm>
-            <a:off x="20890858" y="20901025"/>
-            <a:ext cx="7920000" cy="5817011"/>
-          </a:xfrm>
-          <a:prstGeom prst="rect">
-            <a:avLst/>
-          </a:prstGeom>
-          <a:noFill/>
-          <a:extLst>
-            <a:ext uri="{909E8E84-426E-40DD-AFC4-6F175D3DCCD1}">
-              <a14:hiddenFill xmlns:a14="http://schemas.microsoft.com/office/drawing/2010/main">
-                <a:solidFill>
-                  <a:srgbClr val="FFFFFF"/>
-                </a:solidFill>
-              </a14:hiddenFill>
-            </a:ext>
-          </a:extLst>
-        </p:spPr>
-      </p:pic>
-      <p:pic>
-        <p:nvPicPr>
-          <p:cNvPr id="1050" name="Picture 26"/>
-          <p:cNvPicPr>
-            <a:picLocks noChangeAspect="1" noChangeArrowheads="1"/>
-          </p:cNvPicPr>
-          <p:nvPr/>
-        </p:nvPicPr>
-        <p:blipFill>
-          <a:blip r:embed="rId23">
-            <a:extLst>
-              <a:ext uri="{28A0092B-C50C-407E-A947-70E740481C1C}">
-                <a14:useLocalDpi xmlns:a14="http://schemas.microsoft.com/office/drawing/2010/main" val="0"/>
-              </a:ext>
-            </a:extLst>
-          </a:blip>
-          <a:srcRect/>
-          <a:stretch>
-            <a:fillRect/>
-          </a:stretch>
-        </p:blipFill>
-        <p:spPr bwMode="auto">
-          <a:xfrm>
-            <a:off x="26763602" y="16568171"/>
-            <a:ext cx="2103438" cy="1914525"/>
-          </a:xfrm>
-          <a:prstGeom prst="rect">
-            <a:avLst/>
-          </a:prstGeom>
-          <a:noFill/>
-          <a:ln>
-            <a:noFill/>
-          </a:ln>
-          <a:effectLst/>
-          <a:extLst>
-            <a:ext uri="{909E8E84-426E-40DD-AFC4-6F175D3DCCD1}">
-              <a14:hiddenFill xmlns:a14="http://schemas.microsoft.com/office/drawing/2010/main">
-                <a:solidFill>
-                  <a:schemeClr val="accent1"/>
-                </a:solidFill>
-              </a14:hiddenFill>
-            </a:ext>
-            <a:ext uri="{91240B29-F687-4F45-9708-019B960494DF}">
-              <a14:hiddenLine xmlns:a14="http://schemas.microsoft.com/office/drawing/2010/main" w="9525">
-                <a:solidFill>
-                  <a:schemeClr val="tx1"/>
-                </a:solidFill>
-                <a:miter lim="800000"/>
-                <a:headEnd/>
-                <a:tailEnd/>
-              </a14:hiddenLine>
-            </a:ext>
-            <a:ext uri="{AF507438-7753-43E0-B8FC-AC1667EBCBE1}">
-              <a14:hiddenEffects xmlns:a14="http://schemas.microsoft.com/office/drawing/2010/main">
-                <a:effectLst>
-                  <a:outerShdw dist="35921" dir="2700000" algn="ctr" rotWithShape="0">
-                    <a:schemeClr val="bg2"/>
-                  </a:outerShdw>
-                </a:effectLst>
-              </a14:hiddenEffects>
-            </a:ext>
-          </a:extLst>
-        </p:spPr>
-      </p:pic>
-      <p:pic>
-        <p:nvPicPr>
-          <p:cNvPr id="1043" name="Picture 19" descr="D:\university\presentations\GRC2015\plate.png"/>
-          <p:cNvPicPr>
-            <a:picLocks noChangeAspect="1" noChangeArrowheads="1"/>
-          </p:cNvPicPr>
-          <p:nvPr/>
-        </p:nvPicPr>
-        <p:blipFill>
-          <a:blip r:embed="rId24">
-            <a:extLst>
-              <a:ext uri="{28A0092B-C50C-407E-A947-70E740481C1C}">
-                <a14:useLocalDpi xmlns:a14="http://schemas.microsoft.com/office/drawing/2010/main" val="0"/>
-              </a:ext>
-            </a:extLst>
-          </a:blip>
-          <a:srcRect/>
-          <a:stretch>
-            <a:fillRect/>
-          </a:stretch>
-        </p:blipFill>
-        <p:spPr bwMode="auto">
-          <a:xfrm>
-            <a:off x="24551357" y="8593347"/>
-            <a:ext cx="4395788" cy="3200400"/>
-          </a:xfrm>
-          <a:prstGeom prst="rect">
-            <a:avLst/>
-          </a:prstGeom>
-          <a:noFill/>
-          <a:extLst>
-            <a:ext uri="{909E8E84-426E-40DD-AFC4-6F175D3DCCD1}">
-              <a14:hiddenFill xmlns:a14="http://schemas.microsoft.com/office/drawing/2010/main">
-                <a:solidFill>
-                  <a:srgbClr val="FFFFFF"/>
-                </a:solidFill>
-              </a14:hiddenFill>
-            </a:ext>
-          </a:extLst>
         </p:spPr>
       </p:pic>
       <p:pic>
@@ -9157,7 +8713,7 @@
           <p:nvPr/>
         </p:nvPicPr>
         <p:blipFill>
-          <a:blip r:embed="rId25">
+          <a:blip r:embed="rId16">
             <a:extLst>
               <a:ext uri="{28A0092B-C50C-407E-A947-70E740481C1C}">
                 <a14:useLocalDpi xmlns:a14="http://schemas.microsoft.com/office/drawing/2010/main" val="0"/>
@@ -9198,7 +8754,7 @@
           <p:nvPr/>
         </p:nvPicPr>
         <p:blipFill>
-          <a:blip r:embed="rId26">
+          <a:blip r:embed="rId17">
             <a:extLst>
               <a:ext uri="{28A0092B-C50C-407E-A947-70E740481C1C}">
                 <a14:useLocalDpi xmlns:a14="http://schemas.microsoft.com/office/drawing/2010/main" val="0"/>
@@ -9350,7 +8906,7 @@
                 <p:nvPr/>
               </p:nvPicPr>
               <p:blipFill>
-                <a:blip r:embed="rId27">
+                <a:blip r:embed="rId18">
                   <a:extLst>
                     <a:ext uri="{28A0092B-C50C-407E-A947-70E740481C1C}">
                       <a14:useLocalDpi xmlns:a14="http://schemas.microsoft.com/office/drawing/2010/main" val="0"/>
@@ -9414,7 +8970,7 @@
                 <p:nvPr/>
               </p:nvPicPr>
               <p:blipFill>
-                <a:blip r:embed="rId28">
+                <a:blip r:embed="rId19">
                   <a:extLst>
                     <a:ext uri="{28A0092B-C50C-407E-A947-70E740481C1C}">
                       <a14:useLocalDpi xmlns:a14="http://schemas.microsoft.com/office/drawing/2010/main" val="0"/>
@@ -9478,7 +9034,7 @@
                 <p:nvPr/>
               </p:nvPicPr>
               <p:blipFill>
-                <a:blip r:embed="rId29">
+                <a:blip r:embed="rId20">
                   <a:extLst>
                     <a:ext uri="{28A0092B-C50C-407E-A947-70E740481C1C}">
                       <a14:useLocalDpi xmlns:a14="http://schemas.microsoft.com/office/drawing/2010/main" val="0"/>
@@ -9638,7 +9194,7 @@
             <p:nvPr/>
           </p:nvPicPr>
           <p:blipFill>
-            <a:blip r:embed="rId30">
+            <a:blip r:embed="rId21">
               <a:extLst>
                 <a:ext uri="{28A0092B-C50C-407E-A947-70E740481C1C}">
                   <a14:useLocalDpi xmlns:a14="http://schemas.microsoft.com/office/drawing/2010/main" val="0"/>
@@ -9680,7 +9236,7 @@
           <p:nvPr/>
         </p:nvPicPr>
         <p:blipFill>
-          <a:blip r:embed="rId31">
+          <a:blip r:embed="rId22">
             <a:extLst>
               <a:ext uri="{28A0092B-C50C-407E-A947-70E740481C1C}">
                 <a14:useLocalDpi xmlns:a14="http://schemas.microsoft.com/office/drawing/2010/main" val="0"/>
@@ -9765,13 +9321,6 @@
               </a:rPr>
               <a:t>Ministry </a:t>
             </a:r>
-            <a:endParaRPr lang="en-US" altLang="he-IL" sz="2000" b="1" dirty="0" smtClean="0">
-              <a:solidFill>
-                <a:srgbClr val="0070C0"/>
-              </a:solidFill>
-              <a:latin typeface="Calibri" panose="020F0502020204030204" pitchFamily="34" charset="0"/>
-              <a:cs typeface="Consolas" panose="020B0609020204030204" pitchFamily="49" charset="0"/>
-            </a:endParaRPr>
           </a:p>
           <a:p>
             <a:pPr algn="ctr"/>
@@ -9785,13 +9334,6 @@
               </a:rPr>
               <a:t>of Science </a:t>
             </a:r>
-            <a:endParaRPr lang="en-US" altLang="he-IL" sz="2000" b="1" dirty="0" smtClean="0">
-              <a:solidFill>
-                <a:srgbClr val="0070C0"/>
-              </a:solidFill>
-              <a:latin typeface="Calibri" panose="020F0502020204030204" pitchFamily="34" charset="0"/>
-              <a:cs typeface="Consolas" panose="020B0609020204030204" pitchFamily="49" charset="0"/>
-            </a:endParaRPr>
           </a:p>
           <a:p>
             <a:pPr algn="ctr"/>
@@ -9805,13 +9347,6 @@
               </a:rPr>
               <a:t>and </a:t>
             </a:r>
-            <a:endParaRPr lang="en-US" altLang="he-IL" sz="2000" b="1" dirty="0" smtClean="0">
-              <a:solidFill>
-                <a:srgbClr val="0070C0"/>
-              </a:solidFill>
-              <a:latin typeface="Calibri" panose="020F0502020204030204" pitchFamily="34" charset="0"/>
-              <a:cs typeface="Consolas" panose="020B0609020204030204" pitchFamily="49" charset="0"/>
-            </a:endParaRPr>
           </a:p>
           <a:p>
             <a:pPr algn="ctr"/>
@@ -9835,6 +9370,375 @@
           </a:p>
         </p:txBody>
       </p:sp>
+      <p:pic>
+        <p:nvPicPr>
+          <p:cNvPr id="8" name="Picture 3" descr="D:\university\presentations\GRC 2015\G_models.png"/>
+          <p:cNvPicPr>
+            <a:picLocks noChangeAspect="1" noChangeArrowheads="1"/>
+          </p:cNvPicPr>
+          <p:nvPr/>
+        </p:nvPicPr>
+        <p:blipFill>
+          <a:blip r:embed="rId23">
+            <a:extLst>
+              <a:ext uri="{28A0092B-C50C-407E-A947-70E740481C1C}">
+                <a14:useLocalDpi xmlns:a14="http://schemas.microsoft.com/office/drawing/2010/main" val="0"/>
+              </a:ext>
+            </a:extLst>
+          </a:blip>
+          <a:srcRect/>
+          <a:stretch>
+            <a:fillRect/>
+          </a:stretch>
+        </p:blipFill>
+        <p:spPr bwMode="auto">
+          <a:xfrm>
+            <a:off x="1334118" y="24127367"/>
+            <a:ext cx="8332788" cy="3900487"/>
+          </a:xfrm>
+          <a:prstGeom prst="rect">
+            <a:avLst/>
+          </a:prstGeom>
+          <a:noFill/>
+          <a:extLst>
+            <a:ext uri="{909E8E84-426E-40DD-AFC4-6F175D3DCCD1}">
+              <a14:hiddenFill xmlns:a14="http://schemas.microsoft.com/office/drawing/2010/main">
+                <a:solidFill>
+                  <a:srgbClr val="FFFFFF"/>
+                </a:solidFill>
+              </a14:hiddenFill>
+            </a:ext>
+          </a:extLst>
+        </p:spPr>
+      </p:pic>
+      <p:pic>
+        <p:nvPicPr>
+          <p:cNvPr id="10" name="Picture 7" descr="D:\university\presentations\GRC 2015\frequency_fit.png"/>
+          <p:cNvPicPr>
+            <a:picLocks noChangeAspect="1" noChangeArrowheads="1"/>
+          </p:cNvPicPr>
+          <p:nvPr/>
+        </p:nvPicPr>
+        <p:blipFill>
+          <a:blip r:embed="rId24">
+            <a:extLst>
+              <a:ext uri="{28A0092B-C50C-407E-A947-70E740481C1C}">
+                <a14:useLocalDpi xmlns:a14="http://schemas.microsoft.com/office/drawing/2010/main" val="0"/>
+              </a:ext>
+            </a:extLst>
+          </a:blip>
+          <a:srcRect/>
+          <a:stretch>
+            <a:fillRect/>
+          </a:stretch>
+        </p:blipFill>
+        <p:spPr bwMode="auto">
+          <a:xfrm>
+            <a:off x="11304000" y="22957613"/>
+            <a:ext cx="7748587" cy="5310187"/>
+          </a:xfrm>
+          <a:prstGeom prst="rect">
+            <a:avLst/>
+          </a:prstGeom>
+          <a:noFill/>
+          <a:extLst>
+            <a:ext uri="{909E8E84-426E-40DD-AFC4-6F175D3DCCD1}">
+              <a14:hiddenFill xmlns:a14="http://schemas.microsoft.com/office/drawing/2010/main">
+                <a:solidFill>
+                  <a:srgbClr val="FFFFFF"/>
+                </a:solidFill>
+              </a14:hiddenFill>
+            </a:ext>
+          </a:extLst>
+        </p:spPr>
+      </p:pic>
+      <p:pic>
+        <p:nvPicPr>
+          <p:cNvPr id="1032" name="Picture 8" descr="D:\university\presentations\GRC 2015\all_curves.png"/>
+          <p:cNvPicPr>
+            <a:picLocks noChangeAspect="1" noChangeArrowheads="1"/>
+          </p:cNvPicPr>
+          <p:nvPr/>
+        </p:nvPicPr>
+        <p:blipFill>
+          <a:blip r:embed="rId25">
+            <a:extLst>
+              <a:ext uri="{28A0092B-C50C-407E-A947-70E740481C1C}">
+                <a14:useLocalDpi xmlns:a14="http://schemas.microsoft.com/office/drawing/2010/main" val="0"/>
+              </a:ext>
+            </a:extLst>
+          </a:blip>
+          <a:srcRect/>
+          <a:stretch>
+            <a:fillRect/>
+          </a:stretch>
+        </p:blipFill>
+        <p:spPr bwMode="auto">
+          <a:xfrm>
+            <a:off x="1630800" y="12708000"/>
+            <a:ext cx="7748588" cy="5157788"/>
+          </a:xfrm>
+          <a:prstGeom prst="rect">
+            <a:avLst/>
+          </a:prstGeom>
+          <a:noFill/>
+          <a:extLst>
+            <a:ext uri="{909E8E84-426E-40DD-AFC4-6F175D3DCCD1}">
+              <a14:hiddenFill xmlns:a14="http://schemas.microsoft.com/office/drawing/2010/main">
+                <a:solidFill>
+                  <a:srgbClr val="FFFFFF"/>
+                </a:solidFill>
+              </a14:hiddenFill>
+            </a:ext>
+          </a:extLst>
+        </p:spPr>
+      </p:pic>
+      <p:pic>
+        <p:nvPicPr>
+          <p:cNvPr id="1033" name="Picture 9" descr="D:\university\presentations\GRC 2015\model_fits.png"/>
+          <p:cNvPicPr>
+            <a:picLocks noChangeAspect="1" noChangeArrowheads="1"/>
+          </p:cNvPicPr>
+          <p:nvPr/>
+        </p:nvPicPr>
+        <p:blipFill>
+          <a:blip r:embed="rId26">
+            <a:extLst>
+              <a:ext uri="{28A0092B-C50C-407E-A947-70E740481C1C}">
+                <a14:useLocalDpi xmlns:a14="http://schemas.microsoft.com/office/drawing/2010/main" val="0"/>
+              </a:ext>
+            </a:extLst>
+          </a:blip>
+          <a:srcRect/>
+          <a:stretch>
+            <a:fillRect/>
+          </a:stretch>
+        </p:blipFill>
+        <p:spPr bwMode="auto">
+          <a:xfrm>
+            <a:off x="1630800" y="28610984"/>
+            <a:ext cx="7748587" cy="5297488"/>
+          </a:xfrm>
+          <a:prstGeom prst="rect">
+            <a:avLst/>
+          </a:prstGeom>
+          <a:noFill/>
+          <a:extLst>
+            <a:ext uri="{909E8E84-426E-40DD-AFC4-6F175D3DCCD1}">
+              <a14:hiddenFill xmlns:a14="http://schemas.microsoft.com/office/drawing/2010/main">
+                <a:solidFill>
+                  <a:srgbClr val="FFFFFF"/>
+                </a:solidFill>
+              </a14:hiddenFill>
+            </a:ext>
+          </a:extLst>
+        </p:spPr>
+      </p:pic>
+      <p:pic>
+        <p:nvPicPr>
+          <p:cNvPr id="14" name="Picture 10" descr="D:\university\presentations\GRC 2015\competition.png"/>
+          <p:cNvPicPr>
+            <a:picLocks noChangeAspect="1" noChangeArrowheads="1"/>
+          </p:cNvPicPr>
+          <p:nvPr/>
+        </p:nvPicPr>
+        <p:blipFill>
+          <a:blip r:embed="rId27">
+            <a:extLst>
+              <a:ext uri="{28A0092B-C50C-407E-A947-70E740481C1C}">
+                <a14:useLocalDpi xmlns:a14="http://schemas.microsoft.com/office/drawing/2010/main" val="0"/>
+              </a:ext>
+            </a:extLst>
+          </a:blip>
+          <a:srcRect/>
+          <a:stretch>
+            <a:fillRect/>
+          </a:stretch>
+        </p:blipFill>
+        <p:spPr bwMode="auto">
+          <a:xfrm>
+            <a:off x="11304000" y="12708000"/>
+            <a:ext cx="7748587" cy="5310187"/>
+          </a:xfrm>
+          <a:prstGeom prst="rect">
+            <a:avLst/>
+          </a:prstGeom>
+          <a:noFill/>
+          <a:extLst>
+            <a:ext uri="{909E8E84-426E-40DD-AFC4-6F175D3DCCD1}">
+              <a14:hiddenFill xmlns:a14="http://schemas.microsoft.com/office/drawing/2010/main">
+                <a:solidFill>
+                  <a:srgbClr val="FFFFFF"/>
+                </a:solidFill>
+              </a14:hiddenFill>
+            </a:ext>
+          </a:extLst>
+        </p:spPr>
+      </p:pic>
+      <p:pic>
+        <p:nvPicPr>
+          <p:cNvPr id="15" name="Picture 11" descr="D:\university\presentations\GRC 2015\plot_strains2.png"/>
+          <p:cNvPicPr>
+            <a:picLocks noChangeAspect="1" noChangeArrowheads="1"/>
+          </p:cNvPicPr>
+          <p:nvPr/>
+        </p:nvPicPr>
+        <p:blipFill>
+          <a:blip r:embed="rId28">
+            <a:extLst>
+              <a:ext uri="{28A0092B-C50C-407E-A947-70E740481C1C}">
+                <a14:useLocalDpi xmlns:a14="http://schemas.microsoft.com/office/drawing/2010/main" val="0"/>
+              </a:ext>
+            </a:extLst>
+          </a:blip>
+          <a:srcRect/>
+          <a:stretch>
+            <a:fillRect/>
+          </a:stretch>
+        </p:blipFill>
+        <p:spPr bwMode="auto">
+          <a:xfrm>
+            <a:off x="20970000" y="9876430"/>
+            <a:ext cx="7989887" cy="5081588"/>
+          </a:xfrm>
+          <a:prstGeom prst="rect">
+            <a:avLst/>
+          </a:prstGeom>
+          <a:noFill/>
+          <a:extLst>
+            <a:ext uri="{909E8E84-426E-40DD-AFC4-6F175D3DCCD1}">
+              <a14:hiddenFill xmlns:a14="http://schemas.microsoft.com/office/drawing/2010/main">
+                <a:solidFill>
+                  <a:srgbClr val="FFFFFF"/>
+                </a:solidFill>
+              </a14:hiddenFill>
+            </a:ext>
+          </a:extLst>
+        </p:spPr>
+      </p:pic>
+      <p:pic>
+        <p:nvPicPr>
+          <p:cNvPr id="1036" name="Picture 12" descr="D:\university\presentations\GRC 2015\competition2.png"/>
+          <p:cNvPicPr>
+            <a:picLocks noChangeAspect="1" noChangeArrowheads="1"/>
+          </p:cNvPicPr>
+          <p:nvPr/>
+        </p:nvPicPr>
+        <p:blipFill>
+          <a:blip r:embed="rId29">
+            <a:extLst>
+              <a:ext uri="{28A0092B-C50C-407E-A947-70E740481C1C}">
+                <a14:useLocalDpi xmlns:a14="http://schemas.microsoft.com/office/drawing/2010/main" val="0"/>
+              </a:ext>
+            </a:extLst>
+          </a:blip>
+          <a:srcRect/>
+          <a:stretch>
+            <a:fillRect/>
+          </a:stretch>
+        </p:blipFill>
+        <p:spPr bwMode="auto">
+          <a:xfrm>
+            <a:off x="20970000" y="15466145"/>
+            <a:ext cx="7748588" cy="5310188"/>
+          </a:xfrm>
+          <a:prstGeom prst="rect">
+            <a:avLst/>
+          </a:prstGeom>
+          <a:noFill/>
+          <a:extLst>
+            <a:ext uri="{909E8E84-426E-40DD-AFC4-6F175D3DCCD1}">
+              <a14:hiddenFill xmlns:a14="http://schemas.microsoft.com/office/drawing/2010/main">
+                <a:solidFill>
+                  <a:srgbClr val="FFFFFF"/>
+                </a:solidFill>
+              </a14:hiddenFill>
+            </a:ext>
+          </a:extLst>
+        </p:spPr>
+      </p:pic>
+      <p:pic>
+        <p:nvPicPr>
+          <p:cNvPr id="1037" name="Picture 13" descr="D:\university\presentations\GRC 2015\total_OD_comparison.png"/>
+          <p:cNvPicPr>
+            <a:picLocks noChangeAspect="1" noChangeArrowheads="1"/>
+          </p:cNvPicPr>
+          <p:nvPr/>
+        </p:nvPicPr>
+        <p:blipFill>
+          <a:blip r:embed="rId30">
+            <a:extLst>
+              <a:ext uri="{28A0092B-C50C-407E-A947-70E740481C1C}">
+                <a14:useLocalDpi xmlns:a14="http://schemas.microsoft.com/office/drawing/2010/main" val="0"/>
+              </a:ext>
+            </a:extLst>
+          </a:blip>
+          <a:srcRect/>
+          <a:stretch>
+            <a:fillRect/>
+          </a:stretch>
+        </p:blipFill>
+        <p:spPr bwMode="auto">
+          <a:xfrm>
+            <a:off x="20970000" y="21463720"/>
+            <a:ext cx="7748588" cy="5310188"/>
+          </a:xfrm>
+          <a:prstGeom prst="rect">
+            <a:avLst/>
+          </a:prstGeom>
+          <a:noFill/>
+          <a:extLst>
+            <a:ext uri="{909E8E84-426E-40DD-AFC4-6F175D3DCCD1}">
+              <a14:hiddenFill xmlns:a14="http://schemas.microsoft.com/office/drawing/2010/main">
+                <a:solidFill>
+                  <a:srgbClr val="FFFFFF"/>
+                </a:solidFill>
+              </a14:hiddenFill>
+            </a:ext>
+          </a:extLst>
+        </p:spPr>
+      </p:pic>
+      <p:pic>
+        <p:nvPicPr>
+          <p:cNvPr id="1043" name="Picture 19" descr="D:\university\presentations\GRC2015\plate.png"/>
+          <p:cNvPicPr>
+            <a:picLocks noChangeAspect="1" noChangeArrowheads="1"/>
+          </p:cNvPicPr>
+          <p:nvPr/>
+        </p:nvPicPr>
+        <p:blipFill>
+          <a:blip r:embed="rId31">
+            <a:extLst>
+              <a:ext uri="{28A0092B-C50C-407E-A947-70E740481C1C}">
+                <a14:useLocalDpi xmlns:a14="http://schemas.microsoft.com/office/drawing/2010/main" val="0"/>
+              </a:ext>
+            </a:extLst>
+          </a:blip>
+          <a:srcRect/>
+          <a:stretch>
+            <a:fillRect/>
+          </a:stretch>
+        </p:blipFill>
+        <p:spPr bwMode="auto">
+          <a:xfrm>
+            <a:off x="22233282" y="9259795"/>
+            <a:ext cx="2585357" cy="1882297"/>
+          </a:xfrm>
+          <a:prstGeom prst="rect">
+            <a:avLst/>
+          </a:prstGeom>
+          <a:noFill/>
+          <a:extLst>
+            <a:ext uri="{909E8E84-426E-40DD-AFC4-6F175D3DCCD1}">
+              <a14:hiddenFill xmlns:a14="http://schemas.microsoft.com/office/drawing/2010/main">
+                <a:solidFill>
+                  <a:srgbClr val="FFFFFF"/>
+                </a:solidFill>
+              </a14:hiddenFill>
+            </a:ext>
+          </a:extLst>
+        </p:spPr>
+      </p:pic>
     </p:spTree>
   </p:cSld>
   <p:clrMapOvr>

--- a/poster.pptx
+++ b/poster.pptx
@@ -5194,6 +5194,16 @@
                     <a:spcPct val="10000"/>
                   </a:spcBef>
                 </a:pPr>
+                <a:endParaRPr lang="en-US" altLang="he-IL" sz="2500" dirty="0" smtClean="0">
+                  <a:latin typeface="Times New Roman" pitchFamily="18" charset="0"/>
+                </a:endParaRPr>
+              </a:p>
+              <a:p>
+                <a:pPr eaLnBrk="1" hangingPunct="1">
+                  <a:spcBef>
+                    <a:spcPct val="10000"/>
+                  </a:spcBef>
+                </a:pPr>
                 <a:endParaRPr lang="en-US" altLang="he-IL" sz="2500" dirty="0">
                   <a:latin typeface="Times New Roman" pitchFamily="18" charset="0"/>
                 </a:endParaRPr>
@@ -5204,6 +5214,378 @@
                     <a:spcPct val="10000"/>
                   </a:spcBef>
                 </a:pPr>
+                <a:r>
+                  <a:rPr lang="en-GB" sz="2400" dirty="0"/>
+                  <a:t>Lorem ipsum </a:t>
+                </a:r>
+                <a:r>
+                  <a:rPr lang="en-GB" sz="2400" dirty="0" err="1"/>
+                  <a:t>dolor</a:t>
+                </a:r>
+                <a:r>
+                  <a:rPr lang="en-GB" sz="2400" dirty="0"/>
+                  <a:t> sit </a:t>
+                </a:r>
+                <a:r>
+                  <a:rPr lang="en-GB" sz="2400" dirty="0" err="1"/>
+                  <a:t>amet</a:t>
+                </a:r>
+                <a:r>
+                  <a:rPr lang="en-GB" sz="2400" dirty="0"/>
+                  <a:t>, </a:t>
+                </a:r>
+                <a:r>
+                  <a:rPr lang="en-GB" sz="2400" dirty="0" err="1"/>
+                  <a:t>consectetur</a:t>
+                </a:r>
+                <a:r>
+                  <a:rPr lang="en-GB" sz="2400" dirty="0"/>
+                  <a:t> </a:t>
+                </a:r>
+                <a:r>
+                  <a:rPr lang="en-GB" sz="2400" dirty="0" err="1"/>
+                  <a:t>adipiscing</a:t>
+                </a:r>
+                <a:r>
+                  <a:rPr lang="en-GB" sz="2400" dirty="0"/>
+                  <a:t> </a:t>
+                </a:r>
+                <a:r>
+                  <a:rPr lang="en-GB" sz="2400" dirty="0" err="1"/>
+                  <a:t>elit</a:t>
+                </a:r>
+                <a:r>
+                  <a:rPr lang="en-GB" sz="2400" dirty="0"/>
+                  <a:t>. </a:t>
+                </a:r>
+                <a:r>
+                  <a:rPr lang="en-GB" sz="2400" dirty="0" err="1"/>
+                  <a:t>Donec</a:t>
+                </a:r>
+                <a:r>
+                  <a:rPr lang="en-GB" sz="2400" dirty="0"/>
+                  <a:t> a </a:t>
+                </a:r>
+                <a:r>
+                  <a:rPr lang="en-GB" sz="2400" dirty="0" err="1"/>
+                  <a:t>diam</a:t>
+                </a:r>
+                <a:r>
+                  <a:rPr lang="en-GB" sz="2400" dirty="0"/>
+                  <a:t> </a:t>
+                </a:r>
+                <a:r>
+                  <a:rPr lang="en-GB" sz="2400" dirty="0" err="1"/>
+                  <a:t>lectus</a:t>
+                </a:r>
+                <a:r>
+                  <a:rPr lang="en-GB" sz="2400" dirty="0"/>
+                  <a:t>. </a:t>
+                </a:r>
+                <a:r>
+                  <a:rPr lang="en-GB" sz="2400" dirty="0" err="1"/>
+                  <a:t>Sed</a:t>
+                </a:r>
+                <a:r>
+                  <a:rPr lang="en-GB" sz="2400" dirty="0"/>
+                  <a:t> sit </a:t>
+                </a:r>
+                <a:r>
+                  <a:rPr lang="en-GB" sz="2400" dirty="0" err="1"/>
+                  <a:t>amet</a:t>
+                </a:r>
+                <a:r>
+                  <a:rPr lang="en-GB" sz="2400" dirty="0"/>
+                  <a:t> ipsum </a:t>
+                </a:r>
+                <a:r>
+                  <a:rPr lang="en-GB" sz="2400" dirty="0" err="1"/>
+                  <a:t>mauris</a:t>
+                </a:r>
+                <a:r>
+                  <a:rPr lang="en-GB" sz="2400" dirty="0"/>
+                  <a:t>. Maecenas </a:t>
+                </a:r>
+                <a:r>
+                  <a:rPr lang="en-GB" sz="2400" dirty="0" err="1"/>
+                  <a:t>congue</a:t>
+                </a:r>
+                <a:r>
+                  <a:rPr lang="en-GB" sz="2400" dirty="0"/>
+                  <a:t> ligula ac quam </a:t>
+                </a:r>
+                <a:r>
+                  <a:rPr lang="en-GB" sz="2400" dirty="0" err="1"/>
+                  <a:t>viverra</a:t>
+                </a:r>
+                <a:r>
+                  <a:rPr lang="en-GB" sz="2400" dirty="0"/>
+                  <a:t> </a:t>
+                </a:r>
+                <a:r>
+                  <a:rPr lang="en-GB" sz="2400" dirty="0" err="1"/>
+                  <a:t>nec</a:t>
+                </a:r>
+                <a:r>
+                  <a:rPr lang="en-GB" sz="2400" dirty="0"/>
+                  <a:t> </a:t>
+                </a:r>
+                <a:r>
+                  <a:rPr lang="en-GB" sz="2400" dirty="0" err="1"/>
+                  <a:t>consectetur</a:t>
+                </a:r>
+                <a:r>
+                  <a:rPr lang="en-GB" sz="2400" dirty="0"/>
+                  <a:t> ante </a:t>
+                </a:r>
+                <a:r>
+                  <a:rPr lang="en-GB" sz="2400" dirty="0" err="1"/>
+                  <a:t>hendrerit</a:t>
+                </a:r>
+                <a:r>
+                  <a:rPr lang="en-GB" sz="2400" dirty="0"/>
+                  <a:t>. </a:t>
+                </a:r>
+                <a:r>
+                  <a:rPr lang="en-GB" sz="2400" dirty="0" err="1"/>
+                  <a:t>Donec</a:t>
+                </a:r>
+                <a:r>
+                  <a:rPr lang="en-GB" sz="2400" dirty="0"/>
+                  <a:t> et </a:t>
+                </a:r>
+                <a:r>
+                  <a:rPr lang="en-GB" sz="2400" dirty="0" err="1"/>
+                  <a:t>mollis</a:t>
+                </a:r>
+                <a:r>
+                  <a:rPr lang="en-GB" sz="2400" dirty="0"/>
+                  <a:t> </a:t>
+                </a:r>
+                <a:r>
+                  <a:rPr lang="en-GB" sz="2400" dirty="0" err="1"/>
+                  <a:t>dolor</a:t>
+                </a:r>
+                <a:r>
+                  <a:rPr lang="en-GB" sz="2400" dirty="0"/>
+                  <a:t>. </a:t>
+                </a:r>
+                <a:r>
+                  <a:rPr lang="en-GB" sz="2400" dirty="0" err="1"/>
+                  <a:t>Praesent</a:t>
+                </a:r>
+                <a:r>
+                  <a:rPr lang="en-GB" sz="2400" dirty="0"/>
+                  <a:t> et </a:t>
+                </a:r>
+                <a:r>
+                  <a:rPr lang="en-GB" sz="2400" dirty="0" err="1"/>
+                  <a:t>diam</a:t>
+                </a:r>
+                <a:r>
+                  <a:rPr lang="en-GB" sz="2400" dirty="0"/>
+                  <a:t> </a:t>
+                </a:r>
+                <a:r>
+                  <a:rPr lang="en-GB" sz="2400" dirty="0" err="1"/>
+                  <a:t>eget</a:t>
+                </a:r>
+                <a:r>
+                  <a:rPr lang="en-GB" sz="2400" dirty="0"/>
+                  <a:t> libero </a:t>
+                </a:r>
+                <a:r>
+                  <a:rPr lang="en-GB" sz="2400" dirty="0" err="1"/>
+                  <a:t>egestas</a:t>
+                </a:r>
+                <a:r>
+                  <a:rPr lang="en-GB" sz="2400" dirty="0"/>
+                  <a:t> </a:t>
+                </a:r>
+                <a:r>
+                  <a:rPr lang="en-GB" sz="2400" dirty="0" err="1"/>
+                  <a:t>mattis</a:t>
+                </a:r>
+                <a:r>
+                  <a:rPr lang="en-GB" sz="2400" dirty="0"/>
+                  <a:t> sit </a:t>
+                </a:r>
+                <a:r>
+                  <a:rPr lang="en-GB" sz="2400" dirty="0" err="1"/>
+                  <a:t>amet</a:t>
+                </a:r>
+                <a:r>
+                  <a:rPr lang="en-GB" sz="2400" dirty="0"/>
+                  <a:t> vitae </a:t>
+                </a:r>
+                <a:r>
+                  <a:rPr lang="en-GB" sz="2400" dirty="0" err="1"/>
+                  <a:t>augue</a:t>
+                </a:r>
+                <a:r>
+                  <a:rPr lang="en-GB" sz="2400" dirty="0"/>
+                  <a:t>. Nam </a:t>
+                </a:r>
+                <a:r>
+                  <a:rPr lang="en-GB" sz="2400" dirty="0" err="1"/>
+                  <a:t>tincidunt</a:t>
+                </a:r>
+                <a:r>
+                  <a:rPr lang="en-GB" sz="2400" dirty="0"/>
+                  <a:t> </a:t>
+                </a:r>
+                <a:r>
+                  <a:rPr lang="en-GB" sz="2400" dirty="0" err="1"/>
+                  <a:t>congue</a:t>
+                </a:r>
+                <a:r>
+                  <a:rPr lang="en-GB" sz="2400" dirty="0"/>
+                  <a:t> </a:t>
+                </a:r>
+                <a:r>
+                  <a:rPr lang="en-GB" sz="2400" dirty="0" err="1"/>
+                  <a:t>enim</a:t>
+                </a:r>
+                <a:r>
+                  <a:rPr lang="en-GB" sz="2400" dirty="0"/>
+                  <a:t>, </a:t>
+                </a:r>
+                <a:r>
+                  <a:rPr lang="en-GB" sz="2400" dirty="0" err="1"/>
+                  <a:t>ut</a:t>
+                </a:r>
+                <a:r>
+                  <a:rPr lang="en-GB" sz="2400" dirty="0"/>
+                  <a:t> porta lorem </a:t>
+                </a:r>
+                <a:r>
+                  <a:rPr lang="en-GB" sz="2400" dirty="0" err="1"/>
+                  <a:t>lacinia</a:t>
+                </a:r>
+                <a:r>
+                  <a:rPr lang="en-GB" sz="2400" dirty="0"/>
+                  <a:t> </a:t>
+                </a:r>
+                <a:r>
+                  <a:rPr lang="en-GB" sz="2400" dirty="0" err="1"/>
+                  <a:t>consectetur</a:t>
+                </a:r>
+                <a:r>
+                  <a:rPr lang="en-GB" sz="2400" dirty="0"/>
+                  <a:t>. </a:t>
+                </a:r>
+                <a:r>
+                  <a:rPr lang="en-GB" sz="2400" dirty="0" err="1"/>
+                  <a:t>Donec</a:t>
+                </a:r>
+                <a:r>
+                  <a:rPr lang="en-GB" sz="2400" dirty="0"/>
+                  <a:t> </a:t>
+                </a:r>
+                <a:r>
+                  <a:rPr lang="en-GB" sz="2400" dirty="0" err="1"/>
+                  <a:t>ut</a:t>
+                </a:r>
+                <a:r>
+                  <a:rPr lang="en-GB" sz="2400" dirty="0"/>
+                  <a:t> libero </a:t>
+                </a:r>
+                <a:r>
+                  <a:rPr lang="en-GB" sz="2400" dirty="0" err="1"/>
+                  <a:t>sed</a:t>
+                </a:r>
+                <a:r>
+                  <a:rPr lang="en-GB" sz="2400" dirty="0"/>
+                  <a:t> </a:t>
+                </a:r>
+                <a:r>
+                  <a:rPr lang="en-GB" sz="2400" dirty="0" err="1"/>
+                  <a:t>arcu</a:t>
+                </a:r>
+                <a:r>
+                  <a:rPr lang="en-GB" sz="2400" dirty="0"/>
+                  <a:t> </a:t>
+                </a:r>
+                <a:r>
+                  <a:rPr lang="en-GB" sz="2400" dirty="0" err="1"/>
+                  <a:t>vehicula</a:t>
+                </a:r>
+                <a:r>
+                  <a:rPr lang="en-GB" sz="2400" dirty="0"/>
+                  <a:t> </a:t>
+                </a:r>
+                <a:r>
+                  <a:rPr lang="en-GB" sz="2400" dirty="0" err="1"/>
+                  <a:t>ultricies</a:t>
+                </a:r>
+                <a:r>
+                  <a:rPr lang="en-GB" sz="2400" dirty="0"/>
+                  <a:t> a non </a:t>
+                </a:r>
+                <a:r>
+                  <a:rPr lang="en-GB" sz="2400" dirty="0" err="1"/>
+                  <a:t>tortor</a:t>
+                </a:r>
+                <a:r>
+                  <a:rPr lang="en-GB" sz="2400" dirty="0"/>
+                  <a:t>. Lorem ipsum </a:t>
+                </a:r>
+                <a:r>
+                  <a:rPr lang="en-GB" sz="2400" dirty="0" err="1"/>
+                  <a:t>dolor</a:t>
+                </a:r>
+                <a:r>
+                  <a:rPr lang="en-GB" sz="2400" dirty="0"/>
+                  <a:t> sit </a:t>
+                </a:r>
+                <a:r>
+                  <a:rPr lang="en-GB" sz="2400" dirty="0" err="1"/>
+                  <a:t>amet</a:t>
+                </a:r>
+                <a:r>
+                  <a:rPr lang="en-GB" sz="2400" dirty="0"/>
+                  <a:t>, </a:t>
+                </a:r>
+                <a:r>
+                  <a:rPr lang="en-GB" sz="2400" dirty="0" err="1"/>
+                  <a:t>consectetur</a:t>
+                </a:r>
+                <a:r>
+                  <a:rPr lang="en-GB" sz="2400" dirty="0"/>
+                  <a:t> </a:t>
+                </a:r>
+                <a:r>
+                  <a:rPr lang="en-GB" sz="2400" dirty="0" err="1"/>
+                  <a:t>adipiscing</a:t>
+                </a:r>
+                <a:r>
+                  <a:rPr lang="en-GB" sz="2400" dirty="0"/>
+                  <a:t> </a:t>
+                </a:r>
+                <a:r>
+                  <a:rPr lang="en-GB" sz="2400" dirty="0" err="1"/>
+                  <a:t>elit</a:t>
+                </a:r>
+                <a:r>
+                  <a:rPr lang="en-GB" sz="2400" dirty="0"/>
+                  <a:t>. </a:t>
+                </a:r>
+                <a:r>
+                  <a:rPr lang="en-GB" sz="2400" dirty="0" err="1"/>
+                  <a:t>Aenean</a:t>
+                </a:r>
+                <a:r>
+                  <a:rPr lang="en-GB" sz="2400" dirty="0"/>
+                  <a:t> </a:t>
+                </a:r>
+                <a:r>
+                  <a:rPr lang="en-GB" sz="2400" dirty="0" err="1"/>
+                  <a:t>ut</a:t>
+                </a:r>
+                <a:r>
+                  <a:rPr lang="en-GB" sz="2400" dirty="0"/>
+                  <a:t> gravida lorem. </a:t>
+                </a:r>
                 <a:endParaRPr lang="en-US" altLang="he-IL" sz="2500" dirty="0">
                   <a:latin typeface="Times New Roman" pitchFamily="18" charset="0"/>
                 </a:endParaRPr>
@@ -5445,88 +5827,349 @@
               </a:spcBef>
             </a:pPr>
             <a:r>
-              <a:rPr lang="en-US" altLang="he-IL" sz="2500" dirty="0">
-                <a:latin typeface="Times New Roman" pitchFamily="18" charset="0"/>
-              </a:rPr>
-              <a:t>Replace the </a:t>
-            </a:r>
-            <a:r>
-              <a:rPr lang="en-US" altLang="en-US" sz="2500" dirty="0">
-                <a:latin typeface="Times New Roman" pitchFamily="18" charset="0"/>
-              </a:rPr>
-              <a:t>“</a:t>
-            </a:r>
-            <a:r>
-              <a:rPr lang="en-US" altLang="he-IL" sz="2500" dirty="0">
-                <a:latin typeface="Times New Roman" pitchFamily="18" charset="0"/>
-              </a:rPr>
-              <a:t>blah, blah, blah</a:t>
-            </a:r>
-            <a:r>
-              <a:rPr lang="en-US" altLang="en-US" sz="2500" dirty="0">
-                <a:latin typeface="Times New Roman" pitchFamily="18" charset="0"/>
-              </a:rPr>
-              <a:t>”</a:t>
-            </a:r>
-            <a:r>
-              <a:rPr lang="en-US" altLang="he-IL" sz="2500" dirty="0">
-                <a:latin typeface="Times New Roman" pitchFamily="18" charset="0"/>
-              </a:rPr>
-              <a:t> with your own </a:t>
-            </a:r>
-            <a:r>
-              <a:rPr lang="en-US" altLang="en-US" sz="2500" dirty="0">
-                <a:latin typeface="Times New Roman" pitchFamily="18" charset="0"/>
-              </a:rPr>
-              <a:t>“</a:t>
-            </a:r>
-            <a:r>
-              <a:rPr lang="en-US" altLang="he-IL" sz="2500" dirty="0">
-                <a:latin typeface="Times New Roman" pitchFamily="18" charset="0"/>
-              </a:rPr>
-              <a:t>blah, blah, blah.</a:t>
-            </a:r>
-            <a:r>
-              <a:rPr lang="en-US" altLang="en-US" sz="2500" dirty="0">
-                <a:latin typeface="Times New Roman" pitchFamily="18" charset="0"/>
-              </a:rPr>
-              <a:t>”</a:t>
-            </a:r>
-            <a:r>
-              <a:rPr lang="en-US" altLang="he-IL" sz="2500" dirty="0">
-                <a:latin typeface="Times New Roman" pitchFamily="18" charset="0"/>
-              </a:rPr>
-              <a:t>  </a:t>
-            </a:r>
-            <a:endParaRPr lang="en-US" altLang="ja-JP" sz="2500" dirty="0">
-              <a:latin typeface="Times New Roman" pitchFamily="18" charset="0"/>
-            </a:endParaRPr>
-          </a:p>
-          <a:p>
-            <a:pPr eaLnBrk="1" hangingPunct="1">
-              <a:spcBef>
-                <a:spcPct val="10000"/>
-              </a:spcBef>
-            </a:pPr>
-            <a:r>
-              <a:rPr lang="en-US" altLang="he-IL" sz="2500" dirty="0">
-                <a:latin typeface="Times New Roman" pitchFamily="18" charset="0"/>
-              </a:rPr>
-              <a:t>		</a:t>
-            </a:r>
-            <a:endParaRPr lang="en-US" altLang="he-IL" sz="2500" i="1" dirty="0">
-              <a:solidFill>
-                <a:schemeClr val="accent2"/>
-              </a:solidFill>
-              <a:latin typeface="Times New Roman" pitchFamily="18" charset="0"/>
-            </a:endParaRPr>
-          </a:p>
-          <a:p>
-            <a:pPr eaLnBrk="1" hangingPunct="1">
-              <a:spcBef>
-                <a:spcPct val="10000"/>
-              </a:spcBef>
-            </a:pPr>
+              <a:rPr lang="en-GB" sz="2400" dirty="0" err="1"/>
+              <a:t>Vivamus</a:t>
+            </a:r>
+            <a:r>
+              <a:rPr lang="en-GB" sz="2400" dirty="0"/>
+              <a:t> </a:t>
+            </a:r>
+            <a:r>
+              <a:rPr lang="en-GB" sz="2400" dirty="0" err="1"/>
+              <a:t>fermentum</a:t>
+            </a:r>
+            <a:r>
+              <a:rPr lang="en-GB" sz="2400" dirty="0"/>
+              <a:t> semper porta. </a:t>
+            </a:r>
+            <a:r>
+              <a:rPr lang="en-GB" sz="2400" dirty="0" err="1"/>
+              <a:t>Nunc</a:t>
+            </a:r>
+            <a:r>
+              <a:rPr lang="en-GB" sz="2400" dirty="0"/>
+              <a:t> </a:t>
+            </a:r>
+            <a:r>
+              <a:rPr lang="en-GB" sz="2400" dirty="0" err="1"/>
+              <a:t>diam</a:t>
+            </a:r>
+            <a:r>
+              <a:rPr lang="en-GB" sz="2400" dirty="0"/>
+              <a:t> </a:t>
+            </a:r>
+            <a:r>
+              <a:rPr lang="en-GB" sz="2400" dirty="0" err="1"/>
+              <a:t>velit</a:t>
+            </a:r>
+            <a:r>
+              <a:rPr lang="en-GB" sz="2400" dirty="0"/>
+              <a:t>, </a:t>
+            </a:r>
+            <a:r>
+              <a:rPr lang="en-GB" sz="2400" dirty="0" err="1"/>
+              <a:t>adipiscing</a:t>
+            </a:r>
+            <a:r>
+              <a:rPr lang="en-GB" sz="2400" dirty="0"/>
+              <a:t> </a:t>
+            </a:r>
+            <a:r>
+              <a:rPr lang="en-GB" sz="2400" dirty="0" err="1"/>
+              <a:t>ut</a:t>
+            </a:r>
+            <a:r>
+              <a:rPr lang="en-GB" sz="2400" dirty="0"/>
+              <a:t> </a:t>
+            </a:r>
+            <a:r>
+              <a:rPr lang="en-GB" sz="2400" dirty="0" err="1"/>
+              <a:t>tristique</a:t>
+            </a:r>
+            <a:r>
+              <a:rPr lang="en-GB" sz="2400" dirty="0"/>
+              <a:t> vitae, </a:t>
+            </a:r>
+            <a:r>
+              <a:rPr lang="en-GB" sz="2400" dirty="0" err="1"/>
+              <a:t>sagittis</a:t>
+            </a:r>
+            <a:r>
+              <a:rPr lang="en-GB" sz="2400" dirty="0"/>
+              <a:t> </a:t>
+            </a:r>
+            <a:r>
+              <a:rPr lang="en-GB" sz="2400" dirty="0" err="1"/>
+              <a:t>vel</a:t>
+            </a:r>
+            <a:r>
+              <a:rPr lang="en-GB" sz="2400" dirty="0"/>
+              <a:t> </a:t>
+            </a:r>
+            <a:r>
+              <a:rPr lang="en-GB" sz="2400" dirty="0" err="1"/>
+              <a:t>odio</a:t>
+            </a:r>
+            <a:r>
+              <a:rPr lang="en-GB" sz="2400" dirty="0"/>
+              <a:t>. Maecenas </a:t>
+            </a:r>
+            <a:r>
+              <a:rPr lang="en-GB" sz="2400" dirty="0" err="1"/>
+              <a:t>convallis</a:t>
+            </a:r>
+            <a:r>
+              <a:rPr lang="en-GB" sz="2400" dirty="0"/>
+              <a:t> </a:t>
+            </a:r>
+            <a:r>
+              <a:rPr lang="en-GB" sz="2400" dirty="0" err="1"/>
+              <a:t>ullamcorper</a:t>
+            </a:r>
+            <a:r>
+              <a:rPr lang="en-GB" sz="2400" dirty="0"/>
+              <a:t> </a:t>
+            </a:r>
+            <a:r>
+              <a:rPr lang="en-GB" sz="2400" dirty="0" err="1"/>
+              <a:t>ultricies</a:t>
+            </a:r>
+            <a:r>
+              <a:rPr lang="en-GB" sz="2400" dirty="0"/>
+              <a:t>. </a:t>
+            </a:r>
+            <a:r>
+              <a:rPr lang="en-GB" sz="2400" dirty="0" err="1"/>
+              <a:t>Curabitur</a:t>
+            </a:r>
+            <a:r>
+              <a:rPr lang="en-GB" sz="2400" dirty="0"/>
+              <a:t> </a:t>
+            </a:r>
+            <a:r>
+              <a:rPr lang="en-GB" sz="2400" dirty="0" err="1"/>
+              <a:t>ornare</a:t>
+            </a:r>
+            <a:r>
+              <a:rPr lang="en-GB" sz="2400" dirty="0"/>
+              <a:t>, ligula semper </a:t>
+            </a:r>
+            <a:r>
+              <a:rPr lang="en-GB" sz="2400" dirty="0" err="1"/>
+              <a:t>consectetur</a:t>
+            </a:r>
+            <a:r>
+              <a:rPr lang="en-GB" sz="2400" dirty="0"/>
+              <a:t> </a:t>
+            </a:r>
+            <a:r>
+              <a:rPr lang="en-GB" sz="2400" dirty="0" err="1"/>
+              <a:t>sagittis</a:t>
+            </a:r>
+            <a:r>
+              <a:rPr lang="en-GB" sz="2400" dirty="0"/>
+              <a:t>, nisi </a:t>
+            </a:r>
+            <a:r>
+              <a:rPr lang="en-GB" sz="2400" dirty="0" err="1"/>
+              <a:t>diam</a:t>
+            </a:r>
+            <a:r>
+              <a:rPr lang="en-GB" sz="2400" dirty="0"/>
+              <a:t> </a:t>
+            </a:r>
+            <a:r>
+              <a:rPr lang="en-GB" sz="2400" dirty="0" err="1"/>
+              <a:t>iaculis</a:t>
+            </a:r>
+            <a:r>
+              <a:rPr lang="en-GB" sz="2400" dirty="0"/>
+              <a:t> </a:t>
+            </a:r>
+            <a:r>
+              <a:rPr lang="en-GB" sz="2400" dirty="0" err="1"/>
+              <a:t>velit</a:t>
+            </a:r>
+            <a:r>
+              <a:rPr lang="en-GB" sz="2400" dirty="0"/>
+              <a:t>, id </a:t>
+            </a:r>
+            <a:r>
+              <a:rPr lang="en-GB" sz="2400" dirty="0" err="1"/>
+              <a:t>fringilla</a:t>
+            </a:r>
+            <a:r>
+              <a:rPr lang="en-GB" sz="2400" dirty="0"/>
+              <a:t> </a:t>
+            </a:r>
+            <a:r>
+              <a:rPr lang="en-GB" sz="2400" dirty="0" err="1"/>
+              <a:t>sem</a:t>
+            </a:r>
+            <a:r>
+              <a:rPr lang="en-GB" sz="2400" dirty="0"/>
+              <a:t> </a:t>
+            </a:r>
+            <a:r>
+              <a:rPr lang="en-GB" sz="2400" dirty="0" err="1"/>
+              <a:t>nunc</a:t>
+            </a:r>
+            <a:r>
+              <a:rPr lang="en-GB" sz="2400" dirty="0"/>
+              <a:t> </a:t>
+            </a:r>
+            <a:r>
+              <a:rPr lang="en-GB" sz="2400" dirty="0" err="1"/>
+              <a:t>vel</a:t>
+            </a:r>
+            <a:r>
+              <a:rPr lang="en-GB" sz="2400" dirty="0"/>
+              <a:t> mi. Nam dictum, </a:t>
+            </a:r>
+            <a:r>
+              <a:rPr lang="en-GB" sz="2400" dirty="0" err="1"/>
+              <a:t>odio</a:t>
+            </a:r>
+            <a:r>
+              <a:rPr lang="en-GB" sz="2400" dirty="0"/>
+              <a:t> </a:t>
+            </a:r>
+            <a:r>
+              <a:rPr lang="en-GB" sz="2400" dirty="0" err="1"/>
+              <a:t>nec</a:t>
+            </a:r>
+            <a:r>
+              <a:rPr lang="en-GB" sz="2400" dirty="0"/>
+              <a:t> </a:t>
+            </a:r>
+            <a:r>
+              <a:rPr lang="en-GB" sz="2400" dirty="0" err="1"/>
+              <a:t>pretium</a:t>
+            </a:r>
+            <a:r>
+              <a:rPr lang="en-GB" sz="2400" dirty="0"/>
+              <a:t> </a:t>
+            </a:r>
+            <a:r>
+              <a:rPr lang="en-GB" sz="2400" dirty="0" err="1"/>
+              <a:t>volutpat</a:t>
+            </a:r>
+            <a:r>
+              <a:rPr lang="en-GB" sz="2400" dirty="0"/>
+              <a:t>, </a:t>
+            </a:r>
+            <a:r>
+              <a:rPr lang="en-GB" sz="2400" dirty="0" err="1"/>
+              <a:t>arcu</a:t>
+            </a:r>
+            <a:r>
+              <a:rPr lang="en-GB" sz="2400" dirty="0"/>
+              <a:t> ante </a:t>
+            </a:r>
+            <a:r>
+              <a:rPr lang="en-GB" sz="2400" dirty="0" err="1"/>
+              <a:t>placerat</a:t>
+            </a:r>
+            <a:r>
+              <a:rPr lang="en-GB" sz="2400" dirty="0"/>
+              <a:t> </a:t>
+            </a:r>
+            <a:r>
+              <a:rPr lang="en-GB" sz="2400" dirty="0" err="1"/>
+              <a:t>erat</a:t>
+            </a:r>
+            <a:r>
+              <a:rPr lang="en-GB" sz="2400" dirty="0"/>
+              <a:t>, non </a:t>
+            </a:r>
+            <a:r>
+              <a:rPr lang="en-GB" sz="2400" dirty="0" err="1"/>
+              <a:t>tristique</a:t>
+            </a:r>
+            <a:r>
+              <a:rPr lang="en-GB" sz="2400" dirty="0"/>
+              <a:t> </a:t>
+            </a:r>
+            <a:r>
+              <a:rPr lang="en-GB" sz="2400" dirty="0" err="1"/>
+              <a:t>elit</a:t>
+            </a:r>
+            <a:r>
+              <a:rPr lang="en-GB" sz="2400" dirty="0"/>
+              <a:t> </a:t>
+            </a:r>
+            <a:r>
+              <a:rPr lang="en-GB" sz="2400" dirty="0" err="1"/>
+              <a:t>urna</a:t>
+            </a:r>
+            <a:r>
+              <a:rPr lang="en-GB" sz="2400" dirty="0"/>
+              <a:t> et </a:t>
+            </a:r>
+            <a:r>
+              <a:rPr lang="en-GB" sz="2400" dirty="0" err="1"/>
+              <a:t>turpis</a:t>
+            </a:r>
+            <a:r>
+              <a:rPr lang="en-GB" sz="2400" dirty="0"/>
+              <a:t>. </a:t>
+            </a:r>
+            <a:r>
+              <a:rPr lang="en-GB" sz="2400" dirty="0" err="1"/>
+              <a:t>Quisque</a:t>
+            </a:r>
+            <a:r>
+              <a:rPr lang="en-GB" sz="2400" dirty="0"/>
+              <a:t> mi </a:t>
+            </a:r>
+            <a:r>
+              <a:rPr lang="en-GB" sz="2400" dirty="0" err="1"/>
+              <a:t>metus</a:t>
+            </a:r>
+            <a:r>
+              <a:rPr lang="en-GB" sz="2400" dirty="0"/>
+              <a:t>, </a:t>
+            </a:r>
+            <a:r>
+              <a:rPr lang="en-GB" sz="2400" dirty="0" err="1"/>
+              <a:t>ornare</a:t>
+            </a:r>
+            <a:r>
+              <a:rPr lang="en-GB" sz="2400" dirty="0"/>
+              <a:t> sit </a:t>
+            </a:r>
+            <a:r>
+              <a:rPr lang="en-GB" sz="2400" dirty="0" err="1"/>
+              <a:t>amet</a:t>
+            </a:r>
+            <a:r>
+              <a:rPr lang="en-GB" sz="2400" dirty="0"/>
+              <a:t> </a:t>
+            </a:r>
+            <a:r>
+              <a:rPr lang="en-GB" sz="2400" dirty="0" err="1"/>
+              <a:t>fermentum</a:t>
+            </a:r>
+            <a:r>
+              <a:rPr lang="en-GB" sz="2400" dirty="0"/>
+              <a:t> et, </a:t>
+            </a:r>
+            <a:r>
+              <a:rPr lang="en-GB" sz="2400" dirty="0" err="1"/>
+              <a:t>tincidunt</a:t>
+            </a:r>
+            <a:r>
+              <a:rPr lang="en-GB" sz="2400" dirty="0"/>
+              <a:t> et </a:t>
+            </a:r>
+            <a:r>
+              <a:rPr lang="en-GB" sz="2400" dirty="0" err="1"/>
+              <a:t>orci</a:t>
+            </a:r>
+            <a:r>
+              <a:rPr lang="en-GB" sz="2400" dirty="0"/>
+              <a:t>. </a:t>
+            </a:r>
             <a:endParaRPr lang="en-US" altLang="he-IL" sz="2500" dirty="0">
               <a:latin typeface="Times New Roman" pitchFamily="18" charset="0"/>
             </a:endParaRPr>
@@ -6470,7 +7113,7 @@
               </a:spcBef>
             </a:pPr>
             <a:r>
-              <a:rPr lang="en-US" altLang="he-IL" sz="3900" b="1" dirty="0">
+              <a:rPr lang="en-US" altLang="he-IL" sz="3900" b="1" dirty="0" smtClean="0">
                 <a:solidFill>
                   <a:srgbClr val="000000"/>
                 </a:solidFill>
@@ -6482,17 +7125,225 @@
           <a:p>
             <a:pPr eaLnBrk="1" hangingPunct="1">
               <a:spcBef>
-                <a:spcPct val="10000"/>
+                <a:spcPct val="50000"/>
               </a:spcBef>
             </a:pPr>
+            <a:r>
+              <a:rPr lang="en-GB" sz="2400" dirty="0" err="1"/>
+              <a:t>Aliquam</a:t>
+            </a:r>
+            <a:r>
+              <a:rPr lang="en-GB" sz="2400" dirty="0"/>
+              <a:t> </a:t>
+            </a:r>
+            <a:r>
+              <a:rPr lang="en-GB" sz="2400" dirty="0" err="1"/>
+              <a:t>ut</a:t>
+            </a:r>
+            <a:r>
+              <a:rPr lang="en-GB" sz="2400" dirty="0"/>
+              <a:t> </a:t>
+            </a:r>
+            <a:r>
+              <a:rPr lang="en-GB" sz="2400" dirty="0" err="1"/>
+              <a:t>massa</a:t>
+            </a:r>
+            <a:r>
+              <a:rPr lang="en-GB" sz="2400" dirty="0"/>
+              <a:t> in </a:t>
+            </a:r>
+            <a:r>
+              <a:rPr lang="en-GB" sz="2400" dirty="0" err="1"/>
+              <a:t>turpis</a:t>
+            </a:r>
+            <a:r>
+              <a:rPr lang="en-GB" sz="2400" dirty="0"/>
+              <a:t> </a:t>
+            </a:r>
+            <a:r>
+              <a:rPr lang="en-GB" sz="2400" dirty="0" err="1"/>
+              <a:t>dapibus</a:t>
+            </a:r>
+            <a:r>
+              <a:rPr lang="en-GB" sz="2400" dirty="0"/>
+              <a:t> </a:t>
+            </a:r>
+            <a:r>
+              <a:rPr lang="en-GB" sz="2400" dirty="0" err="1"/>
+              <a:t>convallis</a:t>
+            </a:r>
+            <a:r>
+              <a:rPr lang="en-GB" sz="2400" dirty="0"/>
+              <a:t>. </a:t>
+            </a:r>
+            <a:r>
+              <a:rPr lang="en-GB" sz="2400" dirty="0" err="1"/>
+              <a:t>Praesent</a:t>
+            </a:r>
+            <a:r>
+              <a:rPr lang="en-GB" sz="2400" dirty="0"/>
+              <a:t> </a:t>
+            </a:r>
+            <a:r>
+              <a:rPr lang="en-GB" sz="2400" dirty="0" err="1"/>
+              <a:t>elit</a:t>
+            </a:r>
+            <a:r>
+              <a:rPr lang="en-GB" sz="2400" dirty="0"/>
+              <a:t> lacus, </a:t>
+            </a:r>
+            <a:r>
+              <a:rPr lang="en-GB" sz="2400" dirty="0" err="1"/>
+              <a:t>vestibulum</a:t>
+            </a:r>
+            <a:r>
+              <a:rPr lang="en-GB" sz="2400" dirty="0"/>
+              <a:t> at </a:t>
+            </a:r>
+            <a:r>
+              <a:rPr lang="en-GB" sz="2400" dirty="0" err="1"/>
+              <a:t>malesuada</a:t>
+            </a:r>
+            <a:r>
+              <a:rPr lang="en-GB" sz="2400" dirty="0"/>
+              <a:t> et, </a:t>
+            </a:r>
+            <a:r>
+              <a:rPr lang="en-GB" sz="2400" dirty="0" err="1"/>
+              <a:t>ornare</a:t>
+            </a:r>
+            <a:r>
+              <a:rPr lang="en-GB" sz="2400" dirty="0"/>
+              <a:t> et est. </a:t>
+            </a:r>
+            <a:r>
+              <a:rPr lang="en-GB" sz="2400" dirty="0" err="1"/>
+              <a:t>Ut</a:t>
+            </a:r>
+            <a:r>
+              <a:rPr lang="en-GB" sz="2400" dirty="0"/>
+              <a:t> </a:t>
+            </a:r>
+            <a:r>
+              <a:rPr lang="en-GB" sz="2400" dirty="0" err="1"/>
+              <a:t>augue</a:t>
+            </a:r>
+            <a:r>
+              <a:rPr lang="en-GB" sz="2400" dirty="0"/>
+              <a:t> </a:t>
+            </a:r>
+            <a:r>
+              <a:rPr lang="en-GB" sz="2400" dirty="0" err="1"/>
+              <a:t>nunc</a:t>
+            </a:r>
+            <a:r>
+              <a:rPr lang="en-GB" sz="2400" dirty="0"/>
+              <a:t>, </a:t>
+            </a:r>
+            <a:r>
+              <a:rPr lang="en-GB" sz="2400" dirty="0" err="1"/>
+              <a:t>sodales</a:t>
+            </a:r>
+            <a:r>
+              <a:rPr lang="en-GB" sz="2400" dirty="0"/>
+              <a:t> </a:t>
+            </a:r>
+            <a:r>
+              <a:rPr lang="en-GB" sz="2400" dirty="0" err="1"/>
+              <a:t>ut</a:t>
+            </a:r>
+            <a:r>
+              <a:rPr lang="en-GB" sz="2400" dirty="0"/>
+              <a:t> </a:t>
+            </a:r>
+            <a:r>
+              <a:rPr lang="en-GB" sz="2400" dirty="0" err="1"/>
+              <a:t>euismod</a:t>
+            </a:r>
+            <a:r>
+              <a:rPr lang="en-GB" sz="2400" dirty="0"/>
+              <a:t> non, </a:t>
+            </a:r>
+            <a:r>
+              <a:rPr lang="en-GB" sz="2400" dirty="0" err="1"/>
+              <a:t>adipiscing</a:t>
+            </a:r>
+            <a:r>
+              <a:rPr lang="en-GB" sz="2400" dirty="0"/>
+              <a:t> vitae </a:t>
+            </a:r>
+            <a:r>
+              <a:rPr lang="en-GB" sz="2400" dirty="0" err="1"/>
+              <a:t>orci</a:t>
+            </a:r>
+            <a:r>
+              <a:rPr lang="en-GB" sz="2400" dirty="0"/>
+              <a:t>. </a:t>
+            </a:r>
+            <a:r>
+              <a:rPr lang="en-GB" sz="2400" dirty="0" err="1"/>
+              <a:t>Mauris</a:t>
+            </a:r>
+            <a:r>
+              <a:rPr lang="en-GB" sz="2400" dirty="0"/>
+              <a:t> </a:t>
+            </a:r>
+            <a:r>
+              <a:rPr lang="en-GB" sz="2400" dirty="0" err="1"/>
+              <a:t>ut</a:t>
+            </a:r>
+            <a:r>
+              <a:rPr lang="en-GB" sz="2400" dirty="0"/>
+              <a:t> </a:t>
+            </a:r>
+            <a:r>
+              <a:rPr lang="en-GB" sz="2400" dirty="0" err="1"/>
+              <a:t>placerat</a:t>
+            </a:r>
+            <a:r>
+              <a:rPr lang="en-GB" sz="2400" dirty="0"/>
+              <a:t> </a:t>
+            </a:r>
+            <a:r>
+              <a:rPr lang="en-GB" sz="2400" dirty="0" err="1"/>
+              <a:t>justo</a:t>
+            </a:r>
+            <a:r>
+              <a:rPr lang="en-GB" sz="2400" dirty="0"/>
+              <a:t>. </a:t>
+            </a:r>
+            <a:r>
+              <a:rPr lang="en-GB" sz="2400" dirty="0" err="1"/>
+              <a:t>Mauris</a:t>
+            </a:r>
+            <a:r>
+              <a:rPr lang="en-GB" sz="2400" dirty="0"/>
+              <a:t> in </a:t>
+            </a:r>
+            <a:r>
+              <a:rPr lang="en-GB" sz="2400" dirty="0" err="1"/>
+              <a:t>ultricies</a:t>
+            </a:r>
+            <a:r>
+              <a:rPr lang="en-GB" sz="2400" dirty="0"/>
+              <a:t> </a:t>
+            </a:r>
+            <a:r>
+              <a:rPr lang="en-GB" sz="2400" dirty="0" err="1"/>
+              <a:t>enim</a:t>
+            </a:r>
+            <a:r>
+              <a:rPr lang="en-GB" sz="2400" dirty="0"/>
+              <a:t>. </a:t>
+            </a:r>
             <a:endParaRPr lang="en-US" altLang="he-IL" sz="2500" dirty="0">
               <a:latin typeface="Times New Roman" pitchFamily="18" charset="0"/>
             </a:endParaRPr>
           </a:p>
         </p:txBody>
       </p:sp>
-      <mc:AlternateContent xmlns:mc="http://schemas.openxmlformats.org/markup-compatibility/2006" xmlns:a14="http://schemas.microsoft.com/office/drawing/2010/main">
-        <mc:Choice Requires="a14">
+      <mc:AlternateContent xmlns:mc="http://schemas.openxmlformats.org/markup-compatibility/2006">
+        <mc:Choice xmlns:a14="http://schemas.microsoft.com/office/drawing/2010/main" Requires="a14">
           <p:sp>
             <p:nvSpPr>
               <p:cNvPr id="14342" name="Text Box 12"/>
@@ -7011,6 +7862,282 @@
                     </m:oMath>
                   </m:oMathPara>
                 </a14:m>
+                <a:endParaRPr lang="en-US" altLang="he-IL" sz="2500" dirty="0" smtClean="0">
+                  <a:latin typeface="Times New Roman" pitchFamily="18" charset="0"/>
+                </a:endParaRPr>
+              </a:p>
+              <a:p>
+                <a:pPr eaLnBrk="1" hangingPunct="1">
+                  <a:spcBef>
+                    <a:spcPct val="10000"/>
+                  </a:spcBef>
+                </a:pPr>
+                <a:endParaRPr lang="en-US" altLang="he-IL" sz="2500" dirty="0">
+                  <a:latin typeface="Times New Roman" pitchFamily="18" charset="0"/>
+                </a:endParaRPr>
+              </a:p>
+              <a:p>
+                <a:pPr eaLnBrk="1" hangingPunct="1">
+                  <a:spcBef>
+                    <a:spcPct val="10000"/>
+                  </a:spcBef>
+                </a:pPr>
+                <a:r>
+                  <a:rPr lang="en-GB" sz="2400" dirty="0" err="1"/>
+                  <a:t>Suspendisse</a:t>
+                </a:r>
+                <a:r>
+                  <a:rPr lang="en-GB" sz="2400" dirty="0"/>
+                  <a:t> </a:t>
+                </a:r>
+                <a:r>
+                  <a:rPr lang="en-GB" sz="2400" dirty="0" err="1"/>
+                  <a:t>lectus</a:t>
+                </a:r>
+                <a:r>
+                  <a:rPr lang="en-GB" sz="2400" dirty="0"/>
+                  <a:t> </a:t>
+                </a:r>
+                <a:r>
+                  <a:rPr lang="en-GB" sz="2400" dirty="0" err="1"/>
+                  <a:t>leo</a:t>
+                </a:r>
+                <a:r>
+                  <a:rPr lang="en-GB" sz="2400" dirty="0"/>
+                  <a:t>, </a:t>
+                </a:r>
+                <a:r>
+                  <a:rPr lang="en-GB" sz="2400" dirty="0" err="1"/>
+                  <a:t>consectetur</a:t>
+                </a:r>
+                <a:r>
+                  <a:rPr lang="en-GB" sz="2400" dirty="0"/>
+                  <a:t> in </a:t>
+                </a:r>
+                <a:r>
+                  <a:rPr lang="en-GB" sz="2400" dirty="0" err="1"/>
+                  <a:t>tempor</a:t>
+                </a:r>
+                <a:r>
+                  <a:rPr lang="en-GB" sz="2400" dirty="0"/>
+                  <a:t> sit </a:t>
+                </a:r>
+                <a:r>
+                  <a:rPr lang="en-GB" sz="2400" dirty="0" err="1"/>
+                  <a:t>amet</a:t>
+                </a:r>
+                <a:r>
+                  <a:rPr lang="en-GB" sz="2400" dirty="0"/>
+                  <a:t>, </a:t>
+                </a:r>
+                <a:r>
+                  <a:rPr lang="en-GB" sz="2400" dirty="0" err="1"/>
+                  <a:t>placerat</a:t>
+                </a:r>
+                <a:r>
+                  <a:rPr lang="en-GB" sz="2400" dirty="0"/>
+                  <a:t> </a:t>
+                </a:r>
+                <a:r>
+                  <a:rPr lang="en-GB" sz="2400" dirty="0" err="1"/>
+                  <a:t>quis</a:t>
+                </a:r>
+                <a:r>
+                  <a:rPr lang="en-GB" sz="2400" dirty="0"/>
+                  <a:t> </a:t>
+                </a:r>
+                <a:r>
+                  <a:rPr lang="en-GB" sz="2400" dirty="0" err="1"/>
+                  <a:t>neque</a:t>
+                </a:r>
+                <a:r>
+                  <a:rPr lang="en-GB" sz="2400" dirty="0"/>
+                  <a:t>. </a:t>
+                </a:r>
+                <a:r>
+                  <a:rPr lang="en-GB" sz="2400" dirty="0" err="1"/>
+                  <a:t>Etiam</a:t>
+                </a:r>
+                <a:r>
+                  <a:rPr lang="en-GB" sz="2400" dirty="0"/>
+                  <a:t> </a:t>
+                </a:r>
+                <a:r>
+                  <a:rPr lang="en-GB" sz="2400" dirty="0" err="1"/>
+                  <a:t>luctus</a:t>
+                </a:r>
+                <a:r>
+                  <a:rPr lang="en-GB" sz="2400" dirty="0"/>
+                  <a:t> </a:t>
+                </a:r>
+                <a:r>
+                  <a:rPr lang="en-GB" sz="2400" dirty="0" err="1"/>
+                  <a:t>porttitor</a:t>
+                </a:r>
+                <a:r>
+                  <a:rPr lang="en-GB" sz="2400" dirty="0"/>
+                  <a:t> lorem, </a:t>
+                </a:r>
+                <a:r>
+                  <a:rPr lang="en-GB" sz="2400" dirty="0" err="1"/>
+                  <a:t>sed</a:t>
+                </a:r>
+                <a:r>
+                  <a:rPr lang="en-GB" sz="2400" dirty="0"/>
+                  <a:t> </a:t>
+                </a:r>
+                <a:r>
+                  <a:rPr lang="en-GB" sz="2400" dirty="0" err="1"/>
+                  <a:t>suscipit</a:t>
+                </a:r>
+                <a:r>
+                  <a:rPr lang="en-GB" sz="2400" dirty="0"/>
+                  <a:t> </a:t>
+                </a:r>
+                <a:r>
+                  <a:rPr lang="en-GB" sz="2400" dirty="0" err="1"/>
+                  <a:t>est</a:t>
+                </a:r>
+                <a:r>
+                  <a:rPr lang="en-GB" sz="2400" dirty="0"/>
+                  <a:t> </a:t>
+                </a:r>
+                <a:r>
+                  <a:rPr lang="en-GB" sz="2400" dirty="0" err="1"/>
+                  <a:t>rutrum</a:t>
+                </a:r>
+                <a:r>
+                  <a:rPr lang="en-GB" sz="2400" dirty="0"/>
+                  <a:t> non. </a:t>
+                </a:r>
+                <a:r>
+                  <a:rPr lang="en-GB" sz="2400" dirty="0" err="1"/>
+                  <a:t>Curabitur</a:t>
+                </a:r>
+                <a:r>
+                  <a:rPr lang="en-GB" sz="2400" dirty="0"/>
+                  <a:t> </a:t>
+                </a:r>
+                <a:r>
+                  <a:rPr lang="en-GB" sz="2400" dirty="0" err="1"/>
+                  <a:t>lobortis</a:t>
+                </a:r>
+                <a:r>
+                  <a:rPr lang="en-GB" sz="2400" dirty="0"/>
+                  <a:t> </a:t>
+                </a:r>
+                <a:r>
+                  <a:rPr lang="en-GB" sz="2400" dirty="0" err="1"/>
+                  <a:t>nisl</a:t>
+                </a:r>
+                <a:r>
+                  <a:rPr lang="en-GB" sz="2400" dirty="0"/>
+                  <a:t> a </a:t>
+                </a:r>
+                <a:r>
+                  <a:rPr lang="en-GB" sz="2400" dirty="0" err="1"/>
+                  <a:t>enim</a:t>
+                </a:r>
+                <a:r>
+                  <a:rPr lang="en-GB" sz="2400" dirty="0"/>
+                  <a:t> </a:t>
+                </a:r>
+                <a:r>
+                  <a:rPr lang="en-GB" sz="2400" dirty="0" err="1"/>
+                  <a:t>congue</a:t>
+                </a:r>
+                <a:r>
+                  <a:rPr lang="en-GB" sz="2400" dirty="0"/>
+                  <a:t> semper. </a:t>
+                </a:r>
+                <a:r>
+                  <a:rPr lang="en-GB" sz="2400" dirty="0" err="1"/>
+                  <a:t>Aenean</a:t>
+                </a:r>
+                <a:r>
+                  <a:rPr lang="en-GB" sz="2400" dirty="0"/>
+                  <a:t> </a:t>
+                </a:r>
+                <a:r>
+                  <a:rPr lang="en-GB" sz="2400" dirty="0" err="1"/>
+                  <a:t>commodo</a:t>
+                </a:r>
+                <a:r>
+                  <a:rPr lang="en-GB" sz="2400" dirty="0"/>
+                  <a:t> </a:t>
+                </a:r>
+                <a:r>
+                  <a:rPr lang="en-GB" sz="2400" dirty="0" err="1"/>
+                  <a:t>ultrices</a:t>
+                </a:r>
+                <a:r>
+                  <a:rPr lang="en-GB" sz="2400" dirty="0"/>
+                  <a:t> </a:t>
+                </a:r>
+                <a:r>
+                  <a:rPr lang="en-GB" sz="2400" dirty="0" err="1"/>
+                  <a:t>imperdiet</a:t>
+                </a:r>
+                <a:r>
+                  <a:rPr lang="en-GB" sz="2400" dirty="0"/>
+                  <a:t>. </a:t>
+                </a:r>
+                <a:r>
+                  <a:rPr lang="en-GB" sz="2400" dirty="0" err="1"/>
+                  <a:t>Vestibulum</a:t>
+                </a:r>
+                <a:r>
+                  <a:rPr lang="en-GB" sz="2400" dirty="0"/>
+                  <a:t> </a:t>
+                </a:r>
+                <a:r>
+                  <a:rPr lang="en-GB" sz="2400" dirty="0" err="1"/>
+                  <a:t>ut</a:t>
+                </a:r>
+                <a:r>
+                  <a:rPr lang="en-GB" sz="2400" dirty="0"/>
+                  <a:t> </a:t>
+                </a:r>
+                <a:r>
+                  <a:rPr lang="en-GB" sz="2400" dirty="0" err="1"/>
+                  <a:t>justo</a:t>
+                </a:r>
+                <a:r>
+                  <a:rPr lang="en-GB" sz="2400" dirty="0"/>
+                  <a:t> </a:t>
+                </a:r>
+                <a:r>
+                  <a:rPr lang="en-GB" sz="2400" dirty="0" err="1"/>
+                  <a:t>vel</a:t>
+                </a:r>
+                <a:r>
+                  <a:rPr lang="en-GB" sz="2400" dirty="0"/>
+                  <a:t> </a:t>
+                </a:r>
+                <a:r>
+                  <a:rPr lang="en-GB" sz="2400" dirty="0" err="1"/>
+                  <a:t>sapien</a:t>
+                </a:r>
+                <a:r>
+                  <a:rPr lang="en-GB" sz="2400" dirty="0"/>
+                  <a:t> </a:t>
+                </a:r>
+                <a:r>
+                  <a:rPr lang="en-GB" sz="2400" dirty="0" err="1"/>
+                  <a:t>venenatis</a:t>
+                </a:r>
+                <a:r>
+                  <a:rPr lang="en-GB" sz="2400" dirty="0"/>
+                  <a:t> </a:t>
+                </a:r>
+                <a:r>
+                  <a:rPr lang="en-GB" sz="2400" dirty="0" err="1"/>
+                  <a:t>tincidunt</a:t>
+                </a:r>
+                <a:r>
+                  <a:rPr lang="en-GB" sz="2400" dirty="0" smtClean="0"/>
+                  <a:t>.</a:t>
+                </a:r>
                 <a:endParaRPr lang="en-US" altLang="he-IL" sz="2500" dirty="0">
                   <a:latin typeface="Times New Roman" pitchFamily="18" charset="0"/>
                 </a:endParaRPr>
@@ -7018,7 +8145,7 @@
             </p:txBody>
           </p:sp>
         </mc:Choice>
-        <mc:Fallback xmlns="">
+        <mc:Fallback>
           <p:sp>
             <p:nvSpPr>
               <p:cNvPr id="14342" name="Text Box 12"/>
@@ -7351,36 +8478,42 @@
               </a:rPr>
             </a:br>
             <a:r>
-              <a:rPr lang="en-US" altLang="he-IL" sz="3600" dirty="0" smtClean="0">
+              <a:rPr lang="en-US" altLang="he-IL" sz="3600" spc="100" dirty="0" smtClean="0">
                 <a:latin typeface="Calibri" pitchFamily="34" charset="0"/>
               </a:rPr>
-              <a:t>Dept. of Molecular Biology &amp; Ecology of Plants</a:t>
-            </a:r>
-            <a:r>
-              <a:rPr lang="en-US" altLang="he-IL" sz="3600" baseline="30000" dirty="0" smtClean="0">
+              <a:t>Dept</a:t>
+            </a:r>
+            <a:r>
+              <a:rPr lang="en-US" altLang="he-IL" sz="3600" spc="100" dirty="0" smtClean="0">
+                <a:latin typeface="Calibri" pitchFamily="34" charset="0"/>
+              </a:rPr>
+              <a:t>. of Molecular Biology &amp; Ecology of Plants</a:t>
+            </a:r>
+            <a:r>
+              <a:rPr lang="en-US" altLang="he-IL" sz="3600" spc="100" baseline="30000" dirty="0" smtClean="0">
                 <a:latin typeface="Calibri" pitchFamily="34" charset="0"/>
               </a:rPr>
               <a:t>1</a:t>
             </a:r>
             <a:r>
-              <a:rPr lang="en-US" altLang="he-IL" sz="3600" dirty="0" smtClean="0">
+              <a:rPr lang="en-US" altLang="he-IL" sz="3600" spc="100" dirty="0" smtClean="0">
                 <a:latin typeface="Calibri" pitchFamily="34" charset="0"/>
               </a:rPr>
               <a:t> and Dept. of Molecular Microbiology &amp; Biotechnology</a:t>
             </a:r>
             <a:r>
-              <a:rPr lang="en-US" altLang="he-IL" sz="3600" baseline="30000" dirty="0" smtClean="0">
+              <a:rPr lang="en-US" altLang="he-IL" sz="3600" spc="100" baseline="30000" dirty="0" smtClean="0">
                 <a:latin typeface="Calibri" pitchFamily="34" charset="0"/>
               </a:rPr>
               <a:t>2</a:t>
             </a:r>
             <a:r>
-              <a:rPr lang="en-US" altLang="he-IL" sz="3600" dirty="0" smtClean="0">
+              <a:rPr lang="en-US" altLang="he-IL" sz="3600" spc="100" dirty="0" smtClean="0">
                 <a:latin typeface="Calibri" pitchFamily="34" charset="0"/>
               </a:rPr>
               <a:t>, Tel-Aviv University, Tel-Aviv, Israel</a:t>
             </a:r>
-            <a:endParaRPr lang="en-US" altLang="he-IL" sz="5300" dirty="0">
+            <a:endParaRPr lang="en-US" altLang="he-IL" sz="5300" spc="100" dirty="0">
               <a:latin typeface="Calibri" pitchFamily="34" charset="0"/>
             </a:endParaRPr>
           </a:p>
@@ -7890,8 +9023,8 @@
         </p:nvSpPr>
         <p:spPr bwMode="auto">
           <a:xfrm>
-            <a:off x="530167" y="689981"/>
-            <a:ext cx="29229465" cy="3066497"/>
+            <a:off x="530167" y="1692371"/>
+            <a:ext cx="29229465" cy="1573780"/>
           </a:xfrm>
           <a:prstGeom prst="rect">
             <a:avLst/>
@@ -7940,8 +9073,31 @@
                 <a:ea typeface="ＭＳ Ｐゴシック" charset="0"/>
                 <a:cs typeface="ＭＳ Ｐゴシック" charset="0"/>
               </a:rPr>
-              <a:t>Predicting competition dynamics and estimating selection coefficients using eco-evolutionary models</a:t>
-            </a:r>
+              <a:t>Predicting competition dynamics </a:t>
+            </a:r>
+            <a:r>
+              <a:rPr lang="en-US" sz="9700" b="1" dirty="0" smtClean="0">
+                <a:ln>
+                  <a:solidFill>
+                    <a:schemeClr val="bg1"/>
+                  </a:solidFill>
+                </a:ln>
+                <a:latin typeface="Calibri"/>
+                <a:ea typeface="ＭＳ Ｐゴシック" charset="0"/>
+                <a:cs typeface="ＭＳ Ｐゴシック" charset="0"/>
+              </a:rPr>
+              <a:t>&amp; estimating selection</a:t>
+            </a:r>
+            <a:endParaRPr lang="en-US" sz="9700" b="1" dirty="0">
+              <a:ln>
+                <a:solidFill>
+                  <a:schemeClr val="bg1"/>
+                </a:solidFill>
+              </a:ln>
+              <a:latin typeface="Calibri"/>
+              <a:ea typeface="ＭＳ Ｐゴシック" charset="0"/>
+              <a:cs typeface="ＭＳ Ｐゴシック" charset="0"/>
+            </a:endParaRPr>
           </a:p>
         </p:txBody>
       </p:sp>
@@ -8445,7 +9601,7 @@
         </p:blipFill>
         <p:spPr bwMode="auto">
           <a:xfrm>
-            <a:off x="11670336" y="40216347"/>
+            <a:off x="11926368" y="40216347"/>
             <a:ext cx="4375618" cy="1260000"/>
           </a:xfrm>
           <a:prstGeom prst="rect">
@@ -8486,7 +9642,7 @@
         </p:blipFill>
         <p:spPr bwMode="auto">
           <a:xfrm>
-            <a:off x="9766970" y="39950622"/>
+            <a:off x="10023002" y="39950622"/>
             <a:ext cx="1885714" cy="1800000"/>
           </a:xfrm>
           <a:prstGeom prst="rect">
@@ -8525,7 +9681,7 @@
         </p:blipFill>
         <p:spPr bwMode="auto">
           <a:xfrm>
-            <a:off x="21455063" y="40188291"/>
+            <a:off x="21711095" y="40188291"/>
             <a:ext cx="4108809" cy="1332000"/>
           </a:xfrm>
           <a:prstGeom prst="rect">
@@ -8589,7 +9745,7 @@
         </p:blipFill>
         <p:spPr bwMode="auto">
           <a:xfrm>
-            <a:off x="19639679" y="40138195"/>
+            <a:off x="19895711" y="40138195"/>
             <a:ext cx="1221696" cy="1512000"/>
           </a:xfrm>
           <a:prstGeom prst="rect">
@@ -8643,7 +9799,7 @@
         </p:blipFill>
         <p:spPr bwMode="auto">
           <a:xfrm>
-            <a:off x="25835183" y="39831305"/>
+            <a:off x="26091215" y="39831305"/>
             <a:ext cx="3559838" cy="1800000"/>
           </a:xfrm>
           <a:prstGeom prst="rect">
@@ -8803,8 +9959,8 @@
         </p:nvSpPr>
         <p:spPr>
           <a:xfrm>
-            <a:off x="22437724" y="35644959"/>
-            <a:ext cx="4452245" cy="861774"/>
+            <a:off x="22197852" y="35644959"/>
+            <a:ext cx="4801846" cy="954107"/>
           </a:xfrm>
           <a:prstGeom prst="rect">
             <a:avLst/>
@@ -8828,30 +9984,30 @@
           </a:lstStyle>
           <a:p>
             <a:r>
-              <a:rPr lang="en-US" dirty="0" smtClean="0">
+              <a:rPr lang="en-US" sz="2800" dirty="0" smtClean="0">
                 <a:latin typeface="Arial"/>
                 <a:cs typeface="Arial"/>
               </a:rPr>
               <a:t>←</a:t>
             </a:r>
             <a:r>
-              <a:rPr lang="en-US" dirty="0" smtClean="0"/>
+              <a:rPr lang="en-US" sz="2800" dirty="0" smtClean="0"/>
               <a:t>plato.yoavram.com</a:t>
             </a:r>
           </a:p>
           <a:p>
             <a:r>
-              <a:rPr lang="en-US" dirty="0" smtClean="0"/>
+              <a:rPr lang="en-US" sz="2800" dirty="0" smtClean="0"/>
               <a:t>curveball.yoavram.com</a:t>
             </a:r>
             <a:r>
-              <a:rPr lang="en-US" dirty="0" smtClean="0">
+              <a:rPr lang="en-US" sz="2800" dirty="0" smtClean="0">
                 <a:latin typeface="Arial"/>
                 <a:cs typeface="Arial"/>
               </a:rPr>
               <a:t>→</a:t>
             </a:r>
-            <a:endParaRPr lang="he-IL" dirty="0"/>
+            <a:endParaRPr lang="he-IL" sz="2800" dirty="0"/>
           </a:p>
         </p:txBody>
       </p:sp>
@@ -9250,7 +10406,7 @@
         </p:blipFill>
         <p:spPr bwMode="auto">
           <a:xfrm>
-            <a:off x="16110982" y="40156154"/>
+            <a:off x="16367014" y="40156154"/>
             <a:ext cx="1892763" cy="1620000"/>
           </a:xfrm>
           <a:prstGeom prst="rect">

--- a/poster.pptx
+++ b/poster.pptx
@@ -4170,14 +4170,6 @@
 <file path=ppt/slides/slide1.xml><?xml version="1.0" encoding="utf-8"?>
 <p:sld xmlns:a="http://schemas.openxmlformats.org/drawingml/2006/main" xmlns:r="http://schemas.openxmlformats.org/officeDocument/2006/relationships" xmlns:p="http://schemas.openxmlformats.org/presentationml/2006/main">
   <p:cSld>
-    <p:bg>
-      <p:bgPr>
-        <a:solidFill>
-          <a:schemeClr val="bg1"/>
-        </a:solidFill>
-        <a:effectLst/>
-      </p:bgPr>
-    </p:bg>
     <p:spTree>
       <p:nvGrpSpPr>
         <p:cNvPr id="1" name=""/>
@@ -4410,7 +4402,7 @@
                 </a:solidFill>
                 <a:latin typeface="Calibri" pitchFamily="34" charset="0"/>
               </a:rPr>
-              <a:t>Testing the model</a:t>
+              <a:t>Experimental test</a:t>
             </a:r>
             <a:endParaRPr lang="en-US" altLang="he-IL" sz="3900" b="1" dirty="0">
               <a:solidFill>
@@ -4426,16 +4418,615 @@
               </a:spcBef>
             </a:pPr>
             <a:r>
-              <a:rPr lang="en-US" altLang="he-IL" sz="2500" dirty="0">
+              <a:rPr lang="en-US" altLang="he-IL" sz="2500" dirty="0" smtClean="0">
                 <a:latin typeface="Times New Roman" pitchFamily="18" charset="0"/>
               </a:rPr>
-              <a:t>Blah, blah, blah</a:t>
-            </a:r>
+              <a:t>To test the model prediction we grow two strains of </a:t>
+            </a:r>
+            <a:r>
+              <a:rPr lang="en-US" altLang="he-IL" sz="2500" i="1" dirty="0" smtClean="0">
+                <a:latin typeface="Times New Roman" pitchFamily="18" charset="0"/>
+              </a:rPr>
+              <a:t>E. coli</a:t>
+            </a:r>
+            <a:r>
+              <a:rPr lang="en-US" altLang="he-IL" sz="2500" dirty="0" smtClean="0">
+                <a:latin typeface="Times New Roman" pitchFamily="18" charset="0"/>
+              </a:rPr>
+              <a:t> </a:t>
+            </a:r>
+            <a:r>
+              <a:rPr lang="en-US" altLang="he-IL" sz="2500" dirty="0" smtClean="0">
+                <a:solidFill>
+                  <a:srgbClr val="00B050"/>
+                </a:solidFill>
+                <a:latin typeface="Times New Roman" pitchFamily="18" charset="0"/>
+              </a:rPr>
+              <a:t>separ</a:t>
+            </a:r>
+            <a:r>
+              <a:rPr lang="en-US" altLang="he-IL" sz="2500" dirty="0" smtClean="0">
+                <a:solidFill>
+                  <a:srgbClr val="FF0000"/>
+                </a:solidFill>
+                <a:latin typeface="Times New Roman" pitchFamily="18" charset="0"/>
+              </a:rPr>
+              <a:t>ately</a:t>
+            </a:r>
+            <a:r>
+              <a:rPr lang="en-US" altLang="he-IL" sz="2500" dirty="0" smtClean="0">
+                <a:latin typeface="Times New Roman" pitchFamily="18" charset="0"/>
+              </a:rPr>
+              <a:t> and in </a:t>
+            </a:r>
+            <a:r>
+              <a:rPr lang="en-US" altLang="he-IL" sz="2500" dirty="0" smtClean="0">
+                <a:solidFill>
+                  <a:srgbClr val="0000FF"/>
+                </a:solidFill>
+                <a:latin typeface="Times New Roman" pitchFamily="18" charset="0"/>
+              </a:rPr>
+              <a:t>competitions </a:t>
+            </a:r>
+            <a:r>
+              <a:rPr lang="en-US" altLang="he-IL" sz="2500" dirty="0" smtClean="0">
+                <a:latin typeface="Times New Roman" pitchFamily="18" charset="0"/>
+              </a:rPr>
+              <a:t>in a 96-well plate and measure their OD over time.</a:t>
+            </a:r>
+          </a:p>
+          <a:p>
+            <a:pPr eaLnBrk="1" hangingPunct="1">
+              <a:spcBef>
+                <a:spcPct val="10000"/>
+              </a:spcBef>
+            </a:pPr>
+            <a:endParaRPr lang="en-US" altLang="he-IL" sz="2500" dirty="0">
+              <a:latin typeface="Times New Roman" pitchFamily="18" charset="0"/>
+            </a:endParaRPr>
+          </a:p>
+          <a:p>
+            <a:pPr eaLnBrk="1" hangingPunct="1">
+              <a:spcBef>
+                <a:spcPct val="10000"/>
+              </a:spcBef>
+            </a:pPr>
+            <a:endParaRPr lang="en-US" altLang="he-IL" sz="2500" dirty="0" smtClean="0">
+              <a:latin typeface="Times New Roman" pitchFamily="18" charset="0"/>
+            </a:endParaRPr>
+          </a:p>
+          <a:p>
+            <a:pPr eaLnBrk="1" hangingPunct="1">
+              <a:spcBef>
+                <a:spcPct val="10000"/>
+              </a:spcBef>
+            </a:pPr>
+            <a:endParaRPr lang="en-US" altLang="he-IL" sz="2500" dirty="0">
+              <a:latin typeface="Times New Roman" pitchFamily="18" charset="0"/>
+            </a:endParaRPr>
+          </a:p>
+          <a:p>
+            <a:pPr eaLnBrk="1" hangingPunct="1">
+              <a:spcBef>
+                <a:spcPct val="10000"/>
+              </a:spcBef>
+            </a:pPr>
+            <a:endParaRPr lang="en-US" altLang="he-IL" sz="2500" dirty="0" smtClean="0">
+              <a:latin typeface="Times New Roman" pitchFamily="18" charset="0"/>
+            </a:endParaRPr>
+          </a:p>
+          <a:p>
+            <a:pPr eaLnBrk="1" hangingPunct="1">
+              <a:spcBef>
+                <a:spcPct val="10000"/>
+              </a:spcBef>
+            </a:pPr>
+            <a:endParaRPr lang="en-US" altLang="he-IL" sz="2500" dirty="0">
+              <a:latin typeface="Times New Roman" pitchFamily="18" charset="0"/>
+            </a:endParaRPr>
+          </a:p>
+          <a:p>
+            <a:pPr eaLnBrk="1" hangingPunct="1">
+              <a:spcBef>
+                <a:spcPct val="10000"/>
+              </a:spcBef>
+            </a:pPr>
+            <a:endParaRPr lang="en-US" altLang="he-IL" sz="2500" dirty="0" smtClean="0">
+              <a:latin typeface="Times New Roman" pitchFamily="18" charset="0"/>
+            </a:endParaRPr>
+          </a:p>
+          <a:p>
+            <a:pPr eaLnBrk="1" hangingPunct="1">
+              <a:spcBef>
+                <a:spcPct val="10000"/>
+              </a:spcBef>
+            </a:pPr>
+            <a:endParaRPr lang="en-US" altLang="he-IL" sz="2500" dirty="0">
+              <a:latin typeface="Times New Roman" pitchFamily="18" charset="0"/>
+            </a:endParaRPr>
+          </a:p>
+          <a:p>
+            <a:pPr eaLnBrk="1" hangingPunct="1">
+              <a:spcBef>
+                <a:spcPct val="10000"/>
+              </a:spcBef>
+            </a:pPr>
+            <a:endParaRPr lang="en-US" altLang="he-IL" sz="2500" dirty="0" smtClean="0">
+              <a:latin typeface="Times New Roman" pitchFamily="18" charset="0"/>
+            </a:endParaRPr>
+          </a:p>
+          <a:p>
+            <a:pPr eaLnBrk="1" hangingPunct="1">
+              <a:spcBef>
+                <a:spcPct val="10000"/>
+              </a:spcBef>
+            </a:pPr>
+            <a:endParaRPr lang="en-US" altLang="he-IL" sz="2500" dirty="0">
+              <a:latin typeface="Times New Roman" pitchFamily="18" charset="0"/>
+            </a:endParaRPr>
+          </a:p>
+          <a:p>
+            <a:pPr eaLnBrk="1" hangingPunct="1">
+              <a:spcBef>
+                <a:spcPct val="10000"/>
+              </a:spcBef>
+            </a:pPr>
+            <a:endParaRPr lang="en-US" altLang="he-IL" sz="2500" dirty="0" smtClean="0">
+              <a:latin typeface="Times New Roman" pitchFamily="18" charset="0"/>
+            </a:endParaRPr>
+          </a:p>
+          <a:p>
+            <a:pPr eaLnBrk="1" hangingPunct="1">
+              <a:spcBef>
+                <a:spcPct val="10000"/>
+              </a:spcBef>
+            </a:pPr>
+            <a:endParaRPr lang="en-US" altLang="he-IL" sz="2500" dirty="0">
+              <a:latin typeface="Times New Roman" pitchFamily="18" charset="0"/>
+            </a:endParaRPr>
+          </a:p>
+          <a:p>
+            <a:pPr eaLnBrk="1" hangingPunct="1">
+              <a:spcBef>
+                <a:spcPct val="10000"/>
+              </a:spcBef>
+            </a:pPr>
+            <a:endParaRPr lang="en-US" altLang="he-IL" sz="2500" dirty="0" smtClean="0">
+              <a:latin typeface="Times New Roman" pitchFamily="18" charset="0"/>
+            </a:endParaRPr>
+          </a:p>
+          <a:p>
+            <a:pPr eaLnBrk="1" hangingPunct="1">
+              <a:spcBef>
+                <a:spcPct val="10000"/>
+              </a:spcBef>
+            </a:pPr>
+            <a:endParaRPr lang="en-US" altLang="he-IL" sz="2500" dirty="0">
+              <a:latin typeface="Times New Roman" pitchFamily="18" charset="0"/>
+            </a:endParaRPr>
+          </a:p>
+          <a:p>
+            <a:pPr eaLnBrk="1" hangingPunct="1">
+              <a:spcBef>
+                <a:spcPct val="10000"/>
+              </a:spcBef>
+            </a:pPr>
+            <a:endParaRPr lang="en-US" altLang="he-IL" sz="2500" dirty="0" smtClean="0">
+              <a:latin typeface="Times New Roman" pitchFamily="18" charset="0"/>
+            </a:endParaRPr>
+          </a:p>
+          <a:p>
+            <a:pPr eaLnBrk="1" hangingPunct="1">
+              <a:spcBef>
+                <a:spcPct val="10000"/>
+              </a:spcBef>
+            </a:pPr>
+            <a:endParaRPr lang="en-US" altLang="he-IL" sz="2500" dirty="0">
+              <a:latin typeface="Times New Roman" pitchFamily="18" charset="0"/>
+            </a:endParaRPr>
+          </a:p>
+          <a:p>
+            <a:pPr eaLnBrk="1" hangingPunct="1">
+              <a:spcBef>
+                <a:spcPct val="10000"/>
+              </a:spcBef>
+            </a:pPr>
+            <a:endParaRPr lang="en-US" altLang="he-IL" sz="2500" dirty="0" smtClean="0">
+              <a:latin typeface="Times New Roman" pitchFamily="18" charset="0"/>
+            </a:endParaRPr>
+          </a:p>
+          <a:p>
+            <a:pPr eaLnBrk="1" hangingPunct="1">
+              <a:spcBef>
+                <a:spcPct val="10000"/>
+              </a:spcBef>
+            </a:pPr>
+            <a:endParaRPr lang="en-US" altLang="he-IL" sz="2500" dirty="0">
+              <a:latin typeface="Times New Roman" pitchFamily="18" charset="0"/>
+            </a:endParaRPr>
+          </a:p>
+          <a:p>
+            <a:pPr eaLnBrk="1" hangingPunct="1">
+              <a:spcBef>
+                <a:spcPct val="10000"/>
+              </a:spcBef>
+            </a:pPr>
+            <a:endParaRPr lang="en-US" altLang="he-IL" sz="2500" dirty="0" smtClean="0">
+              <a:latin typeface="Times New Roman" pitchFamily="18" charset="0"/>
+            </a:endParaRPr>
+          </a:p>
+          <a:p>
+            <a:pPr eaLnBrk="1" hangingPunct="1">
+              <a:spcBef>
+                <a:spcPct val="10000"/>
+              </a:spcBef>
+            </a:pPr>
+            <a:endParaRPr lang="en-US" altLang="he-IL" sz="2500" dirty="0">
+              <a:latin typeface="Times New Roman" pitchFamily="18" charset="0"/>
+            </a:endParaRPr>
+          </a:p>
+          <a:p>
+            <a:pPr eaLnBrk="1" hangingPunct="1">
+              <a:spcBef>
+                <a:spcPct val="10000"/>
+              </a:spcBef>
+            </a:pPr>
+            <a:endParaRPr lang="en-US" altLang="he-IL" sz="2500" dirty="0" smtClean="0">
+              <a:latin typeface="Times New Roman" pitchFamily="18" charset="0"/>
+            </a:endParaRPr>
+          </a:p>
+          <a:p>
+            <a:pPr eaLnBrk="1" hangingPunct="1">
+              <a:spcBef>
+                <a:spcPct val="10000"/>
+              </a:spcBef>
+            </a:pPr>
+            <a:endParaRPr lang="en-US" altLang="he-IL" sz="2500" dirty="0">
+              <a:latin typeface="Times New Roman" pitchFamily="18" charset="0"/>
+            </a:endParaRPr>
+          </a:p>
+          <a:p>
+            <a:pPr eaLnBrk="1" hangingPunct="1">
+              <a:spcBef>
+                <a:spcPct val="10000"/>
+              </a:spcBef>
+            </a:pPr>
+            <a:endParaRPr lang="en-US" altLang="he-IL" sz="2500" dirty="0" smtClean="0">
+              <a:latin typeface="Times New Roman" pitchFamily="18" charset="0"/>
+            </a:endParaRPr>
+          </a:p>
+          <a:p>
+            <a:pPr eaLnBrk="1" hangingPunct="1">
+              <a:spcBef>
+                <a:spcPct val="10000"/>
+              </a:spcBef>
+            </a:pPr>
+            <a:endParaRPr lang="en-US" altLang="he-IL" sz="2500" dirty="0">
+              <a:latin typeface="Times New Roman" pitchFamily="18" charset="0"/>
+            </a:endParaRPr>
+          </a:p>
+          <a:p>
+            <a:pPr eaLnBrk="1" hangingPunct="1">
+              <a:spcBef>
+                <a:spcPct val="10000"/>
+              </a:spcBef>
+            </a:pPr>
+            <a:endParaRPr lang="en-US" altLang="he-IL" sz="2500" dirty="0" smtClean="0">
+              <a:latin typeface="Times New Roman" pitchFamily="18" charset="0"/>
+            </a:endParaRPr>
+          </a:p>
+          <a:p>
+            <a:pPr eaLnBrk="1" hangingPunct="1">
+              <a:spcBef>
+                <a:spcPct val="10000"/>
+              </a:spcBef>
+            </a:pPr>
+            <a:endParaRPr lang="en-US" altLang="he-IL" sz="2500" dirty="0">
+              <a:latin typeface="Times New Roman" pitchFamily="18" charset="0"/>
+            </a:endParaRPr>
+          </a:p>
+          <a:p>
+            <a:pPr eaLnBrk="1" hangingPunct="1">
+              <a:spcBef>
+                <a:spcPct val="10000"/>
+              </a:spcBef>
+            </a:pPr>
+            <a:endParaRPr lang="en-US" altLang="he-IL" sz="2500" dirty="0" smtClean="0">
+              <a:latin typeface="Times New Roman" pitchFamily="18" charset="0"/>
+            </a:endParaRPr>
+          </a:p>
+          <a:p>
+            <a:pPr eaLnBrk="1" hangingPunct="1">
+              <a:spcBef>
+                <a:spcPct val="10000"/>
+              </a:spcBef>
+            </a:pPr>
+            <a:endParaRPr lang="en-US" altLang="he-IL" sz="2500" dirty="0">
+              <a:latin typeface="Times New Roman" pitchFamily="18" charset="0"/>
+            </a:endParaRPr>
+          </a:p>
+          <a:p>
+            <a:pPr eaLnBrk="1" hangingPunct="1">
+              <a:spcBef>
+                <a:spcPct val="10000"/>
+              </a:spcBef>
+            </a:pPr>
+            <a:endParaRPr lang="en-US" altLang="he-IL" sz="2500" dirty="0" smtClean="0">
+              <a:latin typeface="Times New Roman" pitchFamily="18" charset="0"/>
+            </a:endParaRPr>
+          </a:p>
+          <a:p>
+            <a:pPr eaLnBrk="1" hangingPunct="1">
+              <a:spcBef>
+                <a:spcPct val="10000"/>
+              </a:spcBef>
+            </a:pPr>
+            <a:endParaRPr lang="en-US" altLang="he-IL" sz="2500" dirty="0">
+              <a:latin typeface="Times New Roman" pitchFamily="18" charset="0"/>
+            </a:endParaRPr>
+          </a:p>
+          <a:p>
+            <a:pPr eaLnBrk="1" hangingPunct="1">
+              <a:spcBef>
+                <a:spcPct val="10000"/>
+              </a:spcBef>
+            </a:pPr>
+            <a:endParaRPr lang="en-US" altLang="he-IL" sz="2500" dirty="0" smtClean="0">
+              <a:latin typeface="Times New Roman" pitchFamily="18" charset="0"/>
+            </a:endParaRPr>
+          </a:p>
+          <a:p>
+            <a:pPr eaLnBrk="1" hangingPunct="1">
+              <a:spcBef>
+                <a:spcPct val="10000"/>
+              </a:spcBef>
+            </a:pPr>
+            <a:endParaRPr lang="en-US" altLang="he-IL" sz="2500" dirty="0">
+              <a:latin typeface="Times New Roman" pitchFamily="18" charset="0"/>
+            </a:endParaRPr>
+          </a:p>
+          <a:p>
+            <a:pPr eaLnBrk="1" hangingPunct="1">
+              <a:spcBef>
+                <a:spcPct val="10000"/>
+              </a:spcBef>
+            </a:pPr>
+            <a:endParaRPr lang="en-US" altLang="he-IL" sz="2500" dirty="0" smtClean="0">
+              <a:latin typeface="Times New Roman" pitchFamily="18" charset="0"/>
+            </a:endParaRPr>
+          </a:p>
+          <a:p>
+            <a:pPr eaLnBrk="1" hangingPunct="1">
+              <a:spcBef>
+                <a:spcPct val="10000"/>
+              </a:spcBef>
+            </a:pPr>
+            <a:endParaRPr lang="en-US" altLang="he-IL" sz="2500" dirty="0">
+              <a:latin typeface="Times New Roman" pitchFamily="18" charset="0"/>
+            </a:endParaRPr>
+          </a:p>
+          <a:p>
+            <a:pPr eaLnBrk="1" hangingPunct="1">
+              <a:spcBef>
+                <a:spcPct val="10000"/>
+              </a:spcBef>
+            </a:pPr>
+            <a:endParaRPr lang="en-US" altLang="he-IL" sz="2500" dirty="0" smtClean="0">
+              <a:latin typeface="Times New Roman" pitchFamily="18" charset="0"/>
+            </a:endParaRPr>
+          </a:p>
+          <a:p>
+            <a:pPr eaLnBrk="1" hangingPunct="1">
+              <a:spcBef>
+                <a:spcPct val="10000"/>
+              </a:spcBef>
+            </a:pPr>
+            <a:endParaRPr lang="en-US" altLang="he-IL" sz="2500" dirty="0">
+              <a:latin typeface="Times New Roman" pitchFamily="18" charset="0"/>
+            </a:endParaRPr>
+          </a:p>
+          <a:p>
+            <a:pPr eaLnBrk="1" hangingPunct="1">
+              <a:spcBef>
+                <a:spcPct val="10000"/>
+              </a:spcBef>
+            </a:pPr>
+            <a:endParaRPr lang="en-US" altLang="he-IL" sz="2500" dirty="0" smtClean="0">
+              <a:latin typeface="Times New Roman" pitchFamily="18" charset="0"/>
+            </a:endParaRPr>
+          </a:p>
+          <a:p>
+            <a:pPr eaLnBrk="1" hangingPunct="1">
+              <a:spcBef>
+                <a:spcPct val="10000"/>
+              </a:spcBef>
+            </a:pPr>
+            <a:endParaRPr lang="en-US" altLang="he-IL" sz="2500" dirty="0">
+              <a:latin typeface="Times New Roman" pitchFamily="18" charset="0"/>
+            </a:endParaRPr>
+          </a:p>
+          <a:p>
+            <a:pPr eaLnBrk="1" hangingPunct="1">
+              <a:spcBef>
+                <a:spcPct val="10000"/>
+              </a:spcBef>
+            </a:pPr>
+            <a:endParaRPr lang="en-US" altLang="he-IL" sz="2500" dirty="0" smtClean="0">
+              <a:latin typeface="Times New Roman" pitchFamily="18" charset="0"/>
+            </a:endParaRPr>
+          </a:p>
+          <a:p>
+            <a:pPr eaLnBrk="1" hangingPunct="1">
+              <a:spcBef>
+                <a:spcPct val="10000"/>
+              </a:spcBef>
+            </a:pPr>
+            <a:endParaRPr lang="en-US" altLang="he-IL" sz="2500" dirty="0">
+              <a:latin typeface="Times New Roman" pitchFamily="18" charset="0"/>
+            </a:endParaRPr>
+          </a:p>
+          <a:p>
+            <a:pPr eaLnBrk="1" hangingPunct="1">
+              <a:spcBef>
+                <a:spcPct val="10000"/>
+              </a:spcBef>
+            </a:pPr>
+            <a:endParaRPr lang="en-US" altLang="he-IL" sz="2500" dirty="0" smtClean="0">
+              <a:latin typeface="Times New Roman" pitchFamily="18" charset="0"/>
+            </a:endParaRPr>
+          </a:p>
+          <a:p>
+            <a:pPr eaLnBrk="1" hangingPunct="1">
+              <a:spcBef>
+                <a:spcPct val="10000"/>
+              </a:spcBef>
+            </a:pPr>
+            <a:endParaRPr lang="en-US" altLang="he-IL" sz="2500" dirty="0">
+              <a:latin typeface="Times New Roman" pitchFamily="18" charset="0"/>
+            </a:endParaRPr>
+          </a:p>
+          <a:p>
+            <a:pPr eaLnBrk="1" hangingPunct="1">
+              <a:spcBef>
+                <a:spcPct val="10000"/>
+              </a:spcBef>
+            </a:pPr>
+            <a:endParaRPr lang="en-US" altLang="he-IL" sz="2500" dirty="0" smtClean="0">
+              <a:latin typeface="Times New Roman" pitchFamily="18" charset="0"/>
+            </a:endParaRPr>
+          </a:p>
+          <a:p>
+            <a:pPr eaLnBrk="1" hangingPunct="1">
+              <a:spcBef>
+                <a:spcPct val="10000"/>
+              </a:spcBef>
+            </a:pPr>
+            <a:endParaRPr lang="en-US" altLang="he-IL" sz="2500" dirty="0" smtClean="0">
+              <a:latin typeface="Times New Roman" pitchFamily="18" charset="0"/>
+            </a:endParaRPr>
+          </a:p>
+          <a:p>
+            <a:pPr eaLnBrk="1" hangingPunct="1">
+              <a:spcBef>
+                <a:spcPct val="10000"/>
+              </a:spcBef>
+            </a:pPr>
+            <a:r>
+              <a:rPr lang="en-US" altLang="he-IL" sz="2500" dirty="0" smtClean="0">
+                <a:latin typeface="Times New Roman" pitchFamily="18" charset="0"/>
+              </a:rPr>
+              <a:t>The total OD in the predicted competitions (solid blue line) has a </a:t>
+            </a:r>
+            <a:r>
+              <a:rPr lang="en-US" altLang="he-IL" sz="2500" b="1" dirty="0" smtClean="0">
+                <a:latin typeface="Times New Roman" pitchFamily="18" charset="0"/>
+              </a:rPr>
+              <a:t>good fit with the observed </a:t>
+            </a:r>
+            <a:r>
+              <a:rPr lang="en-US" altLang="he-IL" sz="2500" dirty="0" smtClean="0">
+                <a:latin typeface="Times New Roman" pitchFamily="18" charset="0"/>
+              </a:rPr>
+              <a:t>total OD in experimental competitions (black markers).</a:t>
+            </a:r>
+          </a:p>
+          <a:p>
+            <a:pPr eaLnBrk="1" hangingPunct="1">
+              <a:spcBef>
+                <a:spcPct val="10000"/>
+              </a:spcBef>
+            </a:pPr>
+            <a:endParaRPr lang="en-US" altLang="he-IL" sz="2500" dirty="0" smtClean="0">
+              <a:latin typeface="Times New Roman" pitchFamily="18" charset="0"/>
+            </a:endParaRPr>
+          </a:p>
+          <a:p>
+            <a:pPr eaLnBrk="1" hangingPunct="1">
+              <a:spcBef>
+                <a:spcPct val="10000"/>
+              </a:spcBef>
+            </a:pPr>
+            <a:r>
+              <a:rPr lang="en-US" altLang="he-IL" sz="2500" dirty="0" smtClean="0">
+                <a:latin typeface="Times New Roman" pitchFamily="18" charset="0"/>
+              </a:rPr>
+              <a:t>Further validation will require measuring the frequency of the strains in experimental competitions. This will be achieved using fluorescent markers and flow cytometry or fluorescent microscopy.</a:t>
+            </a:r>
+          </a:p>
+          <a:p>
+            <a:pPr eaLnBrk="1" hangingPunct="1">
+              <a:spcBef>
+                <a:spcPct val="10000"/>
+              </a:spcBef>
+            </a:pPr>
+            <a:endParaRPr lang="en-US" altLang="he-IL" sz="2500" dirty="0">
+              <a:latin typeface="Times New Roman" pitchFamily="18" charset="0"/>
+            </a:endParaRPr>
+          </a:p>
+          <a:p>
+            <a:pPr eaLnBrk="1" hangingPunct="1">
+              <a:spcBef>
+                <a:spcPct val="10000"/>
+              </a:spcBef>
+            </a:pPr>
+            <a:endParaRPr lang="en-US" altLang="he-IL" sz="2500" dirty="0" smtClean="0">
+              <a:latin typeface="Times New Roman" pitchFamily="18" charset="0"/>
+            </a:endParaRPr>
+          </a:p>
+          <a:p>
+            <a:pPr eaLnBrk="1" hangingPunct="1">
+              <a:spcBef>
+                <a:spcPct val="10000"/>
+              </a:spcBef>
+            </a:pPr>
+            <a:endParaRPr lang="en-US" altLang="he-IL" sz="2500" dirty="0">
+              <a:latin typeface="Times New Roman" pitchFamily="18" charset="0"/>
+            </a:endParaRPr>
+          </a:p>
+          <a:p>
+            <a:pPr eaLnBrk="1" hangingPunct="1">
+              <a:spcBef>
+                <a:spcPct val="10000"/>
+              </a:spcBef>
+            </a:pPr>
+            <a:endParaRPr lang="en-US" altLang="he-IL" sz="2500" dirty="0" smtClean="0">
+              <a:latin typeface="Times New Roman" pitchFamily="18" charset="0"/>
+            </a:endParaRPr>
+          </a:p>
+          <a:p>
+            <a:pPr eaLnBrk="1" hangingPunct="1">
+              <a:spcBef>
+                <a:spcPct val="10000"/>
+              </a:spcBef>
+            </a:pPr>
+            <a:endParaRPr lang="en-US" altLang="he-IL" sz="2500" dirty="0">
+              <a:latin typeface="Times New Roman" pitchFamily="18" charset="0"/>
+            </a:endParaRPr>
+          </a:p>
+          <a:p>
+            <a:pPr eaLnBrk="1" hangingPunct="1">
+              <a:spcBef>
+                <a:spcPct val="10000"/>
+              </a:spcBef>
+            </a:pPr>
+            <a:endParaRPr lang="en-US" altLang="he-IL" sz="2500" dirty="0" smtClean="0">
+              <a:latin typeface="Times New Roman" pitchFamily="18" charset="0"/>
+            </a:endParaRPr>
+          </a:p>
+          <a:p>
+            <a:pPr eaLnBrk="1" hangingPunct="1">
+              <a:spcBef>
+                <a:spcPct val="10000"/>
+              </a:spcBef>
+            </a:pPr>
+            <a:endParaRPr lang="en-US" altLang="he-IL" sz="2500" dirty="0">
+              <a:latin typeface="Times New Roman" pitchFamily="18" charset="0"/>
+            </a:endParaRPr>
           </a:p>
         </p:txBody>
       </p:sp>
-      <mc:AlternateContent xmlns:mc="http://schemas.openxmlformats.org/markup-compatibility/2006">
-        <mc:Choice xmlns:a14="http://schemas.microsoft.com/office/drawing/2010/main" Requires="a14">
+      <mc:AlternateContent xmlns:mc="http://schemas.openxmlformats.org/markup-compatibility/2006" xmlns:a14="http://schemas.microsoft.com/office/drawing/2010/main">
+        <mc:Choice Requires="a14">
           <p:sp>
             <p:nvSpPr>
               <p:cNvPr id="51" name="Text Box 11"/>
@@ -5593,7 +6184,7 @@
             </p:txBody>
           </p:sp>
         </mc:Choice>
-        <mc:Fallback>
+        <mc:Fallback xmlns="">
           <p:sp>
             <p:nvSpPr>
               <p:cNvPr id="51" name="Text Box 11"/>
@@ -5651,7 +6242,7 @@
         <p:spPr bwMode="auto">
           <a:xfrm>
             <a:off x="1270000" y="7550151"/>
-            <a:ext cx="8458200" cy="10478294"/>
+            <a:ext cx="8458200" cy="4867073"/>
           </a:xfrm>
           <a:prstGeom prst="rect">
             <a:avLst/>
@@ -5814,7 +6405,7 @@
               <a:rPr lang="en-US" altLang="he-IL" sz="4200" b="1" dirty="0" smtClean="0">
                 <a:latin typeface="Calibri" pitchFamily="34" charset="0"/>
               </a:rPr>
-              <a:t>Growth curves</a:t>
+              <a:t>Introduction</a:t>
             </a:r>
             <a:endParaRPr lang="en-US" altLang="he-IL" sz="4200" b="1" dirty="0">
               <a:latin typeface="Calibri" pitchFamily="34" charset="0"/>
@@ -6176,8 +6767,8 @@
           </a:p>
         </p:txBody>
       </p:sp>
-      <mc:AlternateContent xmlns:mc="http://schemas.openxmlformats.org/markup-compatibility/2006" xmlns:a14="http://schemas.microsoft.com/office/drawing/2010/main">
-        <mc:Choice Requires="a14">
+      <mc:AlternateContent xmlns:mc="http://schemas.openxmlformats.org/markup-compatibility/2006">
+        <mc:Choice xmlns:a14="http://schemas.microsoft.com/office/drawing/2010/main" Requires="a14">
           <p:sp>
             <p:nvSpPr>
               <p:cNvPr id="14340" name="Text Box 11"/>
@@ -6188,8 +6779,8 @@
             </p:nvSpPr>
             <p:spPr bwMode="auto">
               <a:xfrm>
-                <a:off x="1270223" y="19716750"/>
-                <a:ext cx="8458200" cy="14363700"/>
+                <a:off x="1270223" y="14249400"/>
+                <a:ext cx="8458200" cy="19831050"/>
               </a:xfrm>
               <a:prstGeom prst="rect">
                 <a:avLst/>
@@ -6355,24 +6946,141 @@
                     </a:solidFill>
                     <a:latin typeface="Calibri" pitchFamily="34" charset="0"/>
                   </a:rPr>
-                  <a:t>Model selection</a:t>
-                </a:r>
-                <a:endParaRPr lang="en-US" altLang="he-IL" sz="2100" dirty="0">
+                  <a:t>Fitting growth models</a:t>
+                </a:r>
+              </a:p>
+              <a:p>
+                <a:pPr algn="just" eaLnBrk="1" hangingPunct="1">
+                  <a:spcBef>
+                    <a:spcPct val="50000"/>
+                  </a:spcBef>
+                </a:pPr>
+                <a:endParaRPr lang="en-US" altLang="he-IL" sz="3900" b="1" dirty="0">
+                  <a:solidFill>
+                    <a:srgbClr val="000000"/>
+                  </a:solidFill>
+                  <a:latin typeface="Calibri" pitchFamily="34" charset="0"/>
+                </a:endParaRPr>
+              </a:p>
+              <a:p>
+                <a:pPr algn="just" eaLnBrk="1" hangingPunct="1">
+                  <a:spcBef>
+                    <a:spcPct val="50000"/>
+                  </a:spcBef>
+                </a:pPr>
+                <a:endParaRPr lang="en-US" altLang="he-IL" sz="3900" b="1" dirty="0" smtClean="0">
+                  <a:solidFill>
+                    <a:srgbClr val="000000"/>
+                  </a:solidFill>
+                  <a:latin typeface="Calibri" pitchFamily="34" charset="0"/>
+                </a:endParaRPr>
+              </a:p>
+              <a:p>
+                <a:pPr algn="just" eaLnBrk="1" hangingPunct="1">
+                  <a:spcBef>
+                    <a:spcPct val="50000"/>
+                  </a:spcBef>
+                </a:pPr>
+                <a:endParaRPr lang="en-US" altLang="he-IL" sz="3900" b="1" dirty="0">
+                  <a:solidFill>
+                    <a:srgbClr val="000000"/>
+                  </a:solidFill>
+                  <a:latin typeface="Calibri" pitchFamily="34" charset="0"/>
+                </a:endParaRPr>
+              </a:p>
+              <a:p>
+                <a:pPr algn="just" eaLnBrk="1" hangingPunct="1">
+                  <a:spcBef>
+                    <a:spcPct val="50000"/>
+                  </a:spcBef>
+                </a:pPr>
+                <a:endParaRPr lang="en-US" altLang="he-IL" sz="3900" b="1" dirty="0" smtClean="0">
+                  <a:solidFill>
+                    <a:srgbClr val="000000"/>
+                  </a:solidFill>
+                  <a:latin typeface="Calibri" pitchFamily="34" charset="0"/>
+                </a:endParaRPr>
+              </a:p>
+              <a:p>
+                <a:pPr algn="just" eaLnBrk="1" hangingPunct="1">
+                  <a:spcBef>
+                    <a:spcPct val="50000"/>
+                  </a:spcBef>
+                </a:pPr>
+                <a:endParaRPr lang="en-US" altLang="he-IL" sz="3900" b="1" dirty="0">
+                  <a:solidFill>
+                    <a:srgbClr val="000000"/>
+                  </a:solidFill>
+                  <a:latin typeface="Calibri" pitchFamily="34" charset="0"/>
+                </a:endParaRPr>
+              </a:p>
+              <a:p>
+                <a:pPr algn="just" eaLnBrk="1" hangingPunct="1">
+                  <a:spcBef>
+                    <a:spcPct val="50000"/>
+                  </a:spcBef>
+                </a:pPr>
+                <a:endParaRPr lang="en-US" altLang="he-IL" sz="3900" b="1" dirty="0" smtClean="0">
+                  <a:solidFill>
+                    <a:srgbClr val="000000"/>
+                  </a:solidFill>
+                  <a:latin typeface="Calibri" pitchFamily="34" charset="0"/>
+                </a:endParaRPr>
+              </a:p>
+              <a:p>
+                <a:endParaRPr lang="en-US" sz="2500" dirty="0" smtClean="0">
                   <a:latin typeface="Times New Roman" pitchFamily="18" charset="0"/>
                 </a:endParaRPr>
               </a:p>
               <a:p>
-                <a:r>
-                  <a:rPr lang="en-US" sz="2500" dirty="0" err="1">
+                <a:endParaRPr lang="en-US" sz="2500" dirty="0">
+                  <a:latin typeface="Times New Roman" pitchFamily="18" charset="0"/>
+                </a:endParaRPr>
+              </a:p>
+              <a:p>
+                <a:endParaRPr lang="en-US" sz="2500" dirty="0" smtClean="0">
+                  <a:latin typeface="Times New Roman" pitchFamily="18" charset="0"/>
+                </a:endParaRPr>
+              </a:p>
+              <a:p>
+                <a:endParaRPr lang="en-US" sz="2500" dirty="0">
+                  <a:latin typeface="Times New Roman" pitchFamily="18" charset="0"/>
+                </a:endParaRPr>
+              </a:p>
+              <a:p>
+                <a:endParaRPr lang="en-US" sz="2500" dirty="0" smtClean="0">
+                  <a:latin typeface="Times New Roman" pitchFamily="18" charset="0"/>
+                </a:endParaRPr>
+              </a:p>
+              <a:p>
+                <a:endParaRPr lang="en-US" sz="2500" dirty="0">
+                  <a:latin typeface="Times New Roman" pitchFamily="18" charset="0"/>
+                </a:endParaRPr>
+              </a:p>
+              <a:p>
+                <a:r>
+                  <a:rPr lang="en-US" sz="2500" dirty="0" smtClean="0">
+                    <a:latin typeface="Times New Roman" pitchFamily="18" charset="0"/>
+                  </a:rPr>
+                  <a:t>\</a:t>
+                </a:r>
+                <a:r>
+                  <a:rPr lang="en-US" sz="2500" dirty="0" err="1" smtClean="0">
                     <a:latin typeface="Times New Roman" pitchFamily="18" charset="0"/>
                   </a:rPr>
                   <a:t>Baranyi</a:t>
                 </a:r>
                 <a:r>
+                  <a:rPr lang="en-US" sz="2500" dirty="0" smtClean="0">
+                    <a:latin typeface="Times New Roman" pitchFamily="18" charset="0"/>
+                  </a:rPr>
+                  <a:t>-Roberts </a:t>
+                </a:r>
+                <a:r>
                   <a:rPr lang="en-US" sz="2500" dirty="0">
                     <a:latin typeface="Times New Roman" pitchFamily="18" charset="0"/>
                   </a:rPr>
-                  <a:t>-Roberts model:</a:t>
+                  <a:t>model:</a:t>
                 </a:r>
               </a:p>
               <a:p>
@@ -6922,7 +7630,7 @@
             </p:txBody>
           </p:sp>
         </mc:Choice>
-        <mc:Fallback xmlns="">
+        <mc:Fallback>
           <p:sp>
             <p:nvSpPr>
               <p:cNvPr id="14340" name="Text Box 11"/>
@@ -6933,14 +7641,14 @@
             </p:nvSpPr>
             <p:spPr bwMode="auto">
               <a:xfrm>
-                <a:off x="1270223" y="19716750"/>
-                <a:ext cx="8458200" cy="14363700"/>
+                <a:off x="1270223" y="14249400"/>
+                <a:ext cx="8458200" cy="19831050"/>
               </a:xfrm>
               <a:prstGeom prst="rect">
                 <a:avLst/>
               </a:prstGeom>
               <a:blipFill rotWithShape="1">
-                <a:blip r:embed="rId8"/>
+                <a:blip r:embed="rId6"/>
                 <a:stretch>
                   <a:fillRect/>
                 </a:stretch>
@@ -6979,7 +7687,7 @@
         </p:nvSpPr>
         <p:spPr bwMode="auto">
           <a:xfrm>
-            <a:off x="11225433" y="35783839"/>
+            <a:off x="10956493" y="35783839"/>
             <a:ext cx="8458200" cy="3311668"/>
           </a:xfrm>
           <a:prstGeom prst="rect">
@@ -7517,8 +8225,23 @@
                     </a:solidFill>
                     <a:latin typeface="Calibri" pitchFamily="34" charset="0"/>
                   </a:rPr>
-                  <a:t>Competition simulation</a:t>
-                </a:r>
+                  <a:t>Competition </a:t>
+                </a:r>
+                <a:r>
+                  <a:rPr lang="en-US" altLang="he-IL" sz="4200" b="1" dirty="0" smtClean="0">
+                    <a:solidFill>
+                      <a:srgbClr val="000000"/>
+                    </a:solidFill>
+                    <a:latin typeface="Calibri" pitchFamily="34" charset="0"/>
+                  </a:rPr>
+                  <a:t>prediction</a:t>
+                </a:r>
+                <a:endParaRPr lang="en-US" altLang="he-IL" sz="4200" b="1" dirty="0" smtClean="0">
+                  <a:solidFill>
+                    <a:srgbClr val="000000"/>
+                  </a:solidFill>
+                  <a:latin typeface="Calibri" pitchFamily="34" charset="0"/>
+                </a:endParaRPr>
               </a:p>
               <a:p>
                 <a:pPr eaLnBrk="1" hangingPunct="1">
@@ -8163,7 +8886,7 @@
                 <a:avLst/>
               </a:prstGeom>
               <a:blipFill rotWithShape="1">
-                <a:blip r:embed="rId9"/>
+                <a:blip r:embed="rId7"/>
                 <a:stretch>
                   <a:fillRect/>
                 </a:stretch>
@@ -8481,13 +9204,7 @@
               <a:rPr lang="en-US" altLang="he-IL" sz="3600" spc="100" dirty="0" smtClean="0">
                 <a:latin typeface="Calibri" pitchFamily="34" charset="0"/>
               </a:rPr>
-              <a:t>Dept</a:t>
-            </a:r>
-            <a:r>
-              <a:rPr lang="en-US" altLang="he-IL" sz="3600" spc="100" dirty="0" smtClean="0">
-                <a:latin typeface="Calibri" pitchFamily="34" charset="0"/>
-              </a:rPr>
-              <a:t>. of Molecular Biology &amp; Ecology of Plants</a:t>
+              <a:t>Dept. of Molecular Biology &amp; Ecology of Plants</a:t>
             </a:r>
             <a:r>
               <a:rPr lang="en-US" altLang="he-IL" sz="3600" spc="100" baseline="30000" dirty="0" smtClean="0">
@@ -8549,7 +9266,7 @@
           </a:ln>
         </p:spPr>
         <p:txBody>
-          <a:bodyPr lIns="802806" tIns="401404" rIns="802806" bIns="802806" numCol="2" spcCol="802806"/>
+          <a:bodyPr lIns="802806" tIns="401404" rIns="802806" bIns="802806" numCol="1" spcCol="802806"/>
           <a:lstStyle/>
           <a:p>
             <a:pPr marL="439035" indent="-439035">
@@ -8572,441 +9289,224 @@
           </a:p>
           <a:p>
             <a:pPr marL="439035" indent="-439035">
-              <a:spcBef>
-                <a:spcPts val="1054"/>
-              </a:spcBef>
               <a:defRPr/>
             </a:pPr>
             <a:r>
-              <a:rPr lang="en-US" sz="2500" dirty="0" smtClean="0">
-                <a:latin typeface="Times New Roman" pitchFamily="-111" charset="0"/>
+              <a:rPr lang="en-US" sz="2300" dirty="0" err="1">
+                <a:latin typeface="+mn-lt"/>
+              </a:rPr>
+              <a:t>Baranyi</a:t>
+            </a:r>
+            <a:r>
+              <a:rPr lang="en-US" sz="2300" dirty="0">
+                <a:latin typeface="+mn-lt"/>
+              </a:rPr>
+              <a:t>, J., Roberts, T. A., 1994. </a:t>
+            </a:r>
+            <a:r>
+              <a:rPr lang="en-US" sz="2300" i="1" dirty="0">
+                <a:latin typeface="+mn-lt"/>
+              </a:rPr>
+              <a:t>A dynamic </a:t>
+            </a:r>
+            <a:r>
+              <a:rPr lang="en-US" sz="2300" i="1" dirty="0">
+                <a:latin typeface="+mn-lt"/>
+              </a:rPr>
+              <a:t>approach to </a:t>
+            </a:r>
+            <a:r>
+              <a:rPr lang="en-US" sz="2300" i="1" dirty="0">
+                <a:latin typeface="+mn-lt"/>
+              </a:rPr>
+              <a:t>predicting bacterial growth in food</a:t>
+            </a:r>
+            <a:r>
+              <a:rPr lang="en-US" sz="2300" dirty="0">
+                <a:latin typeface="+mn-lt"/>
+              </a:rPr>
+              <a:t>. Int. J. Food </a:t>
+            </a:r>
+            <a:r>
+              <a:rPr lang="en-US" sz="2300" dirty="0" err="1">
+                <a:latin typeface="+mn-lt"/>
+              </a:rPr>
+              <a:t>Microbiol</a:t>
+            </a:r>
+            <a:r>
+              <a:rPr lang="en-US" sz="2300" dirty="0">
+                <a:latin typeface="+mn-lt"/>
+              </a:rPr>
+              <a:t>. 23, 277–294.</a:t>
+            </a:r>
+          </a:p>
+          <a:p>
+            <a:pPr marL="439035" indent="-439035">
+              <a:defRPr/>
+            </a:pPr>
+            <a:r>
+              <a:rPr lang="en-US" sz="2300" dirty="0" err="1">
+                <a:latin typeface="+mn-lt"/>
+              </a:rPr>
+              <a:t>Chevin</a:t>
+            </a:r>
+            <a:r>
+              <a:rPr lang="en-US" sz="2300" dirty="0">
+                <a:latin typeface="+mn-lt"/>
+              </a:rPr>
+              <a:t>, L.-M., 2011. </a:t>
+            </a:r>
+            <a:r>
+              <a:rPr lang="en-US" sz="2300" i="1" dirty="0">
+                <a:latin typeface="+mn-lt"/>
+              </a:rPr>
+              <a:t>On measuring selection </a:t>
+            </a:r>
+            <a:r>
+              <a:rPr lang="en-US" sz="2300" i="1" dirty="0" smtClean="0">
+                <a:latin typeface="+mn-lt"/>
+              </a:rPr>
+              <a:t>in experimental </a:t>
+            </a:r>
+            <a:r>
+              <a:rPr lang="en-US" sz="2300" i="1" dirty="0">
+                <a:latin typeface="+mn-lt"/>
+              </a:rPr>
+              <a:t>evolution</a:t>
+            </a:r>
+            <a:r>
+              <a:rPr lang="en-US" sz="2300" dirty="0">
+                <a:latin typeface="+mn-lt"/>
+              </a:rPr>
+              <a:t>. </a:t>
+            </a:r>
+            <a:r>
+              <a:rPr lang="en-US" sz="2300" dirty="0">
+                <a:latin typeface="+mn-lt"/>
+              </a:rPr>
+              <a:t>Biol. Lett. 7, 210–3.</a:t>
+            </a:r>
+          </a:p>
+          <a:p>
+            <a:pPr marL="439035" indent="-439035">
+              <a:defRPr/>
+            </a:pPr>
+            <a:r>
+              <a:rPr lang="en-US" sz="2300" dirty="0">
+                <a:latin typeface="+mn-lt"/>
+              </a:rPr>
+              <a:t>Crow, J.F., Kimura, M., 1970. </a:t>
+            </a:r>
+            <a:r>
+              <a:rPr lang="en-US" sz="2300" i="1" dirty="0">
+                <a:latin typeface="+mn-lt"/>
+              </a:rPr>
+              <a:t>An introduction to population genetics theory</a:t>
+            </a:r>
+            <a:r>
+              <a:rPr lang="en-US" sz="2300" dirty="0">
+                <a:latin typeface="+mn-lt"/>
+              </a:rPr>
+              <a:t>. Burgess Pub. Co., Minneapolis.</a:t>
+            </a:r>
+          </a:p>
+          <a:p>
+            <a:pPr marL="439035" indent="-439035">
+              <a:defRPr/>
+            </a:pPr>
+            <a:r>
+              <a:rPr lang="en-US" sz="2300" dirty="0" err="1">
+                <a:latin typeface="+mn-lt"/>
+              </a:rPr>
+              <a:t>Masel</a:t>
+            </a:r>
+            <a:r>
+              <a:rPr lang="en-US" sz="2300" dirty="0">
+                <a:latin typeface="+mn-lt"/>
+              </a:rPr>
+              <a:t>, J., 2014. </a:t>
+            </a:r>
+            <a:r>
+              <a:rPr lang="en-US" sz="2300" i="1" dirty="0">
+                <a:latin typeface="+mn-lt"/>
+              </a:rPr>
+              <a:t>Eco-evolutionary “fitness” in 3 dimensions: absolute growth, absolute efficiency, and relative competitiveness</a:t>
+            </a:r>
+            <a:r>
+              <a:rPr lang="en-US" sz="2300" dirty="0">
+                <a:latin typeface="+mn-lt"/>
+              </a:rPr>
+              <a:t>. </a:t>
+            </a:r>
+            <a:r>
+              <a:rPr lang="en-US" sz="2300" dirty="0">
+                <a:latin typeface="+mn-lt"/>
+              </a:rPr>
+              <a:t>ArXiv:1407.1024</a:t>
+            </a:r>
+          </a:p>
+          <a:p>
+            <a:pPr marL="439035" indent="-439035">
+              <a:defRPr/>
+            </a:pPr>
+            <a:r>
+              <a:rPr lang="en-US" sz="2300" dirty="0">
+                <a:latin typeface="+mn-lt"/>
+              </a:rPr>
+              <a:t>Wiser</a:t>
+            </a:r>
+            <a:r>
+              <a:rPr lang="en-US" sz="2300" dirty="0">
+                <a:latin typeface="+mn-lt"/>
+              </a:rPr>
+              <a:t>, M.J., </a:t>
+            </a:r>
+            <a:r>
+              <a:rPr lang="en-US" sz="2300" dirty="0" err="1">
+                <a:latin typeface="+mn-lt"/>
+              </a:rPr>
+              <a:t>Lenski</a:t>
+            </a:r>
+            <a:r>
+              <a:rPr lang="en-US" sz="2300" dirty="0">
+                <a:latin typeface="+mn-lt"/>
+              </a:rPr>
+              <a:t>, R.E., 2015. </a:t>
+            </a:r>
+            <a:r>
+              <a:rPr lang="en-US" sz="2300" i="1" dirty="0">
+                <a:latin typeface="+mn-lt"/>
+              </a:rPr>
+              <a:t>A Comparison of Methods to Measure Fitness in </a:t>
+            </a:r>
+            <a:r>
+              <a:rPr lang="en-US" sz="2300" dirty="0">
+                <a:latin typeface="+mn-lt"/>
+              </a:rPr>
+              <a:t>Escherichia coli. </a:t>
+            </a:r>
+            <a:r>
+              <a:rPr lang="en-US" sz="2300" dirty="0" err="1">
+                <a:latin typeface="+mn-lt"/>
+              </a:rPr>
+              <a:t>PLoS</a:t>
+            </a:r>
+            <a:r>
+              <a:rPr lang="en-US" sz="2300" dirty="0">
+                <a:latin typeface="+mn-lt"/>
+              </a:rPr>
+              <a:t> One 10, e0126210</a:t>
+            </a:r>
+            <a:r>
+              <a:rPr lang="en-US" sz="2300" dirty="0" smtClean="0">
+                <a:latin typeface="+mn-lt"/>
                 <a:ea typeface="ＭＳ Ｐゴシック" pitchFamily="-111" charset="-128"/>
                 <a:cs typeface="ＭＳ Ｐゴシック" pitchFamily="-111" charset="-128"/>
               </a:rPr>
-              <a:t>Blah</a:t>
-            </a:r>
-            <a:r>
-              <a:rPr lang="en-US" sz="2500" dirty="0">
-                <a:latin typeface="Times New Roman" pitchFamily="-111" charset="0"/>
-                <a:ea typeface="ＭＳ Ｐゴシック" pitchFamily="-111" charset="-128"/>
-                <a:cs typeface="ＭＳ Ｐゴシック" pitchFamily="-111" charset="-128"/>
-              </a:rPr>
-              <a:t>, blah, and blah.  2012.  </a:t>
-            </a:r>
-            <a:r>
-              <a:rPr lang="en-US" sz="2500" dirty="0" err="1">
-                <a:latin typeface="Times New Roman" pitchFamily="-111" charset="0"/>
-                <a:ea typeface="ＭＳ Ｐゴシック" pitchFamily="-111" charset="-128"/>
-                <a:cs typeface="ＭＳ Ｐゴシック" pitchFamily="-111" charset="-128"/>
-              </a:rPr>
-              <a:t>Blahing</a:t>
-            </a:r>
-            <a:r>
-              <a:rPr lang="en-US" sz="2500" dirty="0">
-                <a:latin typeface="Times New Roman" pitchFamily="-111" charset="0"/>
-                <a:ea typeface="ＭＳ Ｐゴシック" pitchFamily="-111" charset="-128"/>
-                <a:cs typeface="ＭＳ Ｐゴシック" pitchFamily="-111" charset="-128"/>
-              </a:rPr>
-              <a:t>, </a:t>
-            </a:r>
-            <a:r>
-              <a:rPr lang="en-US" sz="2500" dirty="0" err="1">
-                <a:latin typeface="Times New Roman" pitchFamily="-111" charset="0"/>
-                <a:ea typeface="ＭＳ Ｐゴシック" pitchFamily="-111" charset="-128"/>
-                <a:cs typeface="ＭＳ Ｐゴシック" pitchFamily="-111" charset="-128"/>
-              </a:rPr>
-              <a:t>blahing</a:t>
-            </a:r>
-            <a:r>
-              <a:rPr lang="en-US" sz="2500" dirty="0">
-                <a:latin typeface="Times New Roman" pitchFamily="-111" charset="0"/>
-                <a:ea typeface="ＭＳ Ｐゴシック" pitchFamily="-111" charset="-128"/>
-                <a:cs typeface="ＭＳ Ｐゴシック" pitchFamily="-111" charset="-128"/>
-              </a:rPr>
-              <a:t>, and more </a:t>
-            </a:r>
-            <a:r>
-              <a:rPr lang="en-US" sz="2500" dirty="0" err="1">
-                <a:latin typeface="Times New Roman" pitchFamily="-111" charset="0"/>
-                <a:ea typeface="ＭＳ Ｐゴシック" pitchFamily="-111" charset="-128"/>
-                <a:cs typeface="ＭＳ Ｐゴシック" pitchFamily="-111" charset="-128"/>
-              </a:rPr>
-              <a:t>blahing</a:t>
-            </a:r>
-            <a:r>
-              <a:rPr lang="en-US" sz="2500" dirty="0">
-                <a:latin typeface="Times New Roman" pitchFamily="-111" charset="0"/>
-                <a:ea typeface="ＭＳ Ｐゴシック" pitchFamily="-111" charset="-128"/>
-                <a:cs typeface="ＭＳ Ｐゴシック" pitchFamily="-111" charset="-128"/>
-              </a:rPr>
-              <a:t>.  </a:t>
-            </a:r>
-            <a:r>
-              <a:rPr lang="en-US" sz="2500" i="1" dirty="0">
-                <a:latin typeface="Times New Roman" pitchFamily="-111" charset="0"/>
-                <a:ea typeface="ＭＳ Ｐゴシック" pitchFamily="-111" charset="-128"/>
-                <a:cs typeface="ＭＳ Ｐゴシック" pitchFamily="-111" charset="-128"/>
-              </a:rPr>
-              <a:t>Journal of </a:t>
-            </a:r>
-            <a:r>
-              <a:rPr lang="en-US" sz="2500" i="1" dirty="0" err="1">
-                <a:latin typeface="Times New Roman" pitchFamily="-111" charset="0"/>
-                <a:ea typeface="ＭＳ Ｐゴシック" pitchFamily="-111" charset="-128"/>
-                <a:cs typeface="ＭＳ Ｐゴシック" pitchFamily="-111" charset="-128"/>
-              </a:rPr>
-              <a:t>Blahology</a:t>
-            </a:r>
-            <a:r>
-              <a:rPr lang="en-US" sz="2500" dirty="0">
-                <a:latin typeface="Times New Roman" pitchFamily="-111" charset="0"/>
-                <a:ea typeface="ＭＳ Ｐゴシック" pitchFamily="-111" charset="-128"/>
-                <a:cs typeface="ＭＳ Ｐゴシック" pitchFamily="-111" charset="-128"/>
-              </a:rPr>
-              <a:t> 1:1-2.</a:t>
-            </a:r>
-          </a:p>
-          <a:p>
-            <a:pPr marL="439035" indent="-439035">
-              <a:defRPr/>
-            </a:pPr>
-            <a:r>
-              <a:rPr lang="en-US" sz="2500" dirty="0">
-                <a:latin typeface="Times New Roman" pitchFamily="-111" charset="0"/>
-                <a:ea typeface="ＭＳ Ｐゴシック" pitchFamily="-111" charset="-128"/>
-                <a:cs typeface="ＭＳ Ｐゴシック" pitchFamily="-111" charset="-128"/>
-              </a:rPr>
-              <a:t>Blah, blah, and blah.  2012.  </a:t>
-            </a:r>
-            <a:r>
-              <a:rPr lang="en-US" sz="2500" dirty="0" err="1">
-                <a:latin typeface="Times New Roman" pitchFamily="-111" charset="0"/>
-                <a:ea typeface="ＭＳ Ｐゴシック" pitchFamily="-111" charset="-128"/>
-                <a:cs typeface="ＭＳ Ｐゴシック" pitchFamily="-111" charset="-128"/>
-              </a:rPr>
-              <a:t>Blahing</a:t>
-            </a:r>
-            <a:r>
-              <a:rPr lang="en-US" sz="2500" dirty="0">
-                <a:latin typeface="Times New Roman" pitchFamily="-111" charset="0"/>
-                <a:ea typeface="ＭＳ Ｐゴシック" pitchFamily="-111" charset="-128"/>
-                <a:cs typeface="ＭＳ Ｐゴシック" pitchFamily="-111" charset="-128"/>
-              </a:rPr>
-              <a:t>, </a:t>
-            </a:r>
-            <a:r>
-              <a:rPr lang="en-US" sz="2500" dirty="0" err="1">
-                <a:latin typeface="Times New Roman" pitchFamily="-111" charset="0"/>
-                <a:ea typeface="ＭＳ Ｐゴシック" pitchFamily="-111" charset="-128"/>
-                <a:cs typeface="ＭＳ Ｐゴシック" pitchFamily="-111" charset="-128"/>
-              </a:rPr>
-              <a:t>blahing</a:t>
-            </a:r>
-            <a:r>
-              <a:rPr lang="en-US" sz="2500" dirty="0">
-                <a:latin typeface="Times New Roman" pitchFamily="-111" charset="0"/>
-                <a:ea typeface="ＭＳ Ｐゴシック" pitchFamily="-111" charset="-128"/>
-                <a:cs typeface="ＭＳ Ｐゴシック" pitchFamily="-111" charset="-128"/>
-              </a:rPr>
-              <a:t>, and more </a:t>
-            </a:r>
-            <a:r>
-              <a:rPr lang="en-US" sz="2500" dirty="0" err="1">
-                <a:latin typeface="Times New Roman" pitchFamily="-111" charset="0"/>
-                <a:ea typeface="ＭＳ Ｐゴシック" pitchFamily="-111" charset="-128"/>
-                <a:cs typeface="ＭＳ Ｐゴシック" pitchFamily="-111" charset="-128"/>
-              </a:rPr>
-              <a:t>blahing</a:t>
-            </a:r>
-            <a:r>
-              <a:rPr lang="en-US" sz="2500" dirty="0">
-                <a:latin typeface="Times New Roman" pitchFamily="-111" charset="0"/>
-                <a:ea typeface="ＭＳ Ｐゴシック" pitchFamily="-111" charset="-128"/>
-                <a:cs typeface="ＭＳ Ｐゴシック" pitchFamily="-111" charset="-128"/>
-              </a:rPr>
-              <a:t>.  </a:t>
-            </a:r>
-            <a:r>
-              <a:rPr lang="en-US" sz="2500" i="1" dirty="0">
-                <a:latin typeface="Times New Roman" pitchFamily="-111" charset="0"/>
-                <a:ea typeface="ＭＳ Ｐゴシック" pitchFamily="-111" charset="-128"/>
-                <a:cs typeface="ＭＳ Ｐゴシック" pitchFamily="-111" charset="-128"/>
-              </a:rPr>
-              <a:t>Journal of </a:t>
-            </a:r>
-            <a:r>
-              <a:rPr lang="en-US" sz="2500" i="1" dirty="0" err="1">
-                <a:latin typeface="Times New Roman" pitchFamily="-111" charset="0"/>
-                <a:ea typeface="ＭＳ Ｐゴシック" pitchFamily="-111" charset="-128"/>
-                <a:cs typeface="ＭＳ Ｐゴシック" pitchFamily="-111" charset="-128"/>
-              </a:rPr>
-              <a:t>Blahology</a:t>
-            </a:r>
-            <a:r>
-              <a:rPr lang="en-US" sz="2500" dirty="0">
-                <a:latin typeface="Times New Roman" pitchFamily="-111" charset="0"/>
-                <a:ea typeface="ＭＳ Ｐゴシック" pitchFamily="-111" charset="-128"/>
-                <a:cs typeface="ＭＳ Ｐゴシック" pitchFamily="-111" charset="-128"/>
-              </a:rPr>
-              <a:t> 1:1-2.</a:t>
-            </a:r>
-          </a:p>
-          <a:p>
-            <a:pPr marL="439035" indent="-439035">
-              <a:defRPr/>
-            </a:pPr>
-            <a:r>
-              <a:rPr lang="en-US" sz="2500" dirty="0">
-                <a:latin typeface="Times New Roman" pitchFamily="-111" charset="0"/>
-                <a:ea typeface="ＭＳ Ｐゴシック" pitchFamily="-111" charset="-128"/>
-                <a:cs typeface="ＭＳ Ｐゴシック" pitchFamily="-111" charset="-128"/>
-              </a:rPr>
-              <a:t>Blah, blah, and blah.  2012.  </a:t>
-            </a:r>
-            <a:r>
-              <a:rPr lang="en-US" sz="2500" dirty="0" err="1">
-                <a:latin typeface="Times New Roman" pitchFamily="-111" charset="0"/>
-                <a:ea typeface="ＭＳ Ｐゴシック" pitchFamily="-111" charset="-128"/>
-                <a:cs typeface="ＭＳ Ｐゴシック" pitchFamily="-111" charset="-128"/>
-              </a:rPr>
-              <a:t>Blahing</a:t>
-            </a:r>
-            <a:r>
-              <a:rPr lang="en-US" sz="2500" dirty="0">
-                <a:latin typeface="Times New Roman" pitchFamily="-111" charset="0"/>
-                <a:ea typeface="ＭＳ Ｐゴシック" pitchFamily="-111" charset="-128"/>
-                <a:cs typeface="ＭＳ Ｐゴシック" pitchFamily="-111" charset="-128"/>
-              </a:rPr>
-              <a:t>, </a:t>
-            </a:r>
-            <a:r>
-              <a:rPr lang="en-US" sz="2500" dirty="0" err="1">
-                <a:latin typeface="Times New Roman" pitchFamily="-111" charset="0"/>
-                <a:ea typeface="ＭＳ Ｐゴシック" pitchFamily="-111" charset="-128"/>
-                <a:cs typeface="ＭＳ Ｐゴシック" pitchFamily="-111" charset="-128"/>
-              </a:rPr>
-              <a:t>blahing</a:t>
-            </a:r>
-            <a:r>
-              <a:rPr lang="en-US" sz="2500" dirty="0">
-                <a:latin typeface="Times New Roman" pitchFamily="-111" charset="0"/>
-                <a:ea typeface="ＭＳ Ｐゴシック" pitchFamily="-111" charset="-128"/>
-                <a:cs typeface="ＭＳ Ｐゴシック" pitchFamily="-111" charset="-128"/>
-              </a:rPr>
-              <a:t>, and more </a:t>
-            </a:r>
-            <a:r>
-              <a:rPr lang="en-US" sz="2500" dirty="0" err="1">
-                <a:latin typeface="Times New Roman" pitchFamily="-111" charset="0"/>
-                <a:ea typeface="ＭＳ Ｐゴシック" pitchFamily="-111" charset="-128"/>
-                <a:cs typeface="ＭＳ Ｐゴシック" pitchFamily="-111" charset="-128"/>
-              </a:rPr>
-              <a:t>blahing</a:t>
-            </a:r>
-            <a:r>
-              <a:rPr lang="en-US" sz="2500" dirty="0">
-                <a:latin typeface="Times New Roman" pitchFamily="-111" charset="0"/>
-                <a:ea typeface="ＭＳ Ｐゴシック" pitchFamily="-111" charset="-128"/>
-                <a:cs typeface="ＭＳ Ｐゴシック" pitchFamily="-111" charset="-128"/>
-              </a:rPr>
-              <a:t>.  </a:t>
-            </a:r>
-            <a:r>
-              <a:rPr lang="en-US" sz="2500" i="1" dirty="0">
-                <a:latin typeface="Times New Roman" pitchFamily="-111" charset="0"/>
-                <a:ea typeface="ＭＳ Ｐゴシック" pitchFamily="-111" charset="-128"/>
-                <a:cs typeface="ＭＳ Ｐゴシック" pitchFamily="-111" charset="-128"/>
-              </a:rPr>
-              <a:t>Journal of </a:t>
-            </a:r>
-            <a:r>
-              <a:rPr lang="en-US" sz="2500" i="1" dirty="0" err="1">
-                <a:latin typeface="Times New Roman" pitchFamily="-111" charset="0"/>
-                <a:ea typeface="ＭＳ Ｐゴシック" pitchFamily="-111" charset="-128"/>
-                <a:cs typeface="ＭＳ Ｐゴシック" pitchFamily="-111" charset="-128"/>
-              </a:rPr>
-              <a:t>Blahology</a:t>
-            </a:r>
-            <a:r>
-              <a:rPr lang="en-US" sz="2500" dirty="0">
-                <a:latin typeface="Times New Roman" pitchFamily="-111" charset="0"/>
-                <a:ea typeface="ＭＳ Ｐゴシック" pitchFamily="-111" charset="-128"/>
-                <a:cs typeface="ＭＳ Ｐゴシック" pitchFamily="-111" charset="-128"/>
-              </a:rPr>
-              <a:t> 1:1-2.</a:t>
-            </a:r>
-          </a:p>
-          <a:p>
-            <a:pPr marL="439035" indent="-439035">
-              <a:defRPr/>
-            </a:pPr>
-            <a:r>
-              <a:rPr lang="en-US" sz="2500" dirty="0">
-                <a:latin typeface="Times New Roman" pitchFamily="-111" charset="0"/>
-                <a:ea typeface="ＭＳ Ｐゴシック" pitchFamily="-111" charset="-128"/>
-                <a:cs typeface="ＭＳ Ｐゴシック" pitchFamily="-111" charset="-128"/>
-              </a:rPr>
-              <a:t>Blah, blah, and blah.  2012.  </a:t>
-            </a:r>
-            <a:r>
-              <a:rPr lang="en-US" sz="2500" dirty="0" err="1">
-                <a:latin typeface="Times New Roman" pitchFamily="-111" charset="0"/>
-                <a:ea typeface="ＭＳ Ｐゴシック" pitchFamily="-111" charset="-128"/>
-                <a:cs typeface="ＭＳ Ｐゴシック" pitchFamily="-111" charset="-128"/>
-              </a:rPr>
-              <a:t>Blahing</a:t>
-            </a:r>
-            <a:r>
-              <a:rPr lang="en-US" sz="2500" dirty="0">
-                <a:latin typeface="Times New Roman" pitchFamily="-111" charset="0"/>
-                <a:ea typeface="ＭＳ Ｐゴシック" pitchFamily="-111" charset="-128"/>
-                <a:cs typeface="ＭＳ Ｐゴシック" pitchFamily="-111" charset="-128"/>
-              </a:rPr>
-              <a:t>, </a:t>
-            </a:r>
-            <a:r>
-              <a:rPr lang="en-US" sz="2500" dirty="0" err="1">
-                <a:latin typeface="Times New Roman" pitchFamily="-111" charset="0"/>
-                <a:ea typeface="ＭＳ Ｐゴシック" pitchFamily="-111" charset="-128"/>
-                <a:cs typeface="ＭＳ Ｐゴシック" pitchFamily="-111" charset="-128"/>
-              </a:rPr>
-              <a:t>blahing</a:t>
-            </a:r>
-            <a:r>
-              <a:rPr lang="en-US" sz="2500" dirty="0">
-                <a:latin typeface="Times New Roman" pitchFamily="-111" charset="0"/>
-                <a:ea typeface="ＭＳ Ｐゴシック" pitchFamily="-111" charset="-128"/>
-                <a:cs typeface="ＭＳ Ｐゴシック" pitchFamily="-111" charset="-128"/>
-              </a:rPr>
-              <a:t>, and more </a:t>
-            </a:r>
-            <a:r>
-              <a:rPr lang="en-US" sz="2500" dirty="0" err="1">
-                <a:latin typeface="Times New Roman" pitchFamily="-111" charset="0"/>
-                <a:ea typeface="ＭＳ Ｐゴシック" pitchFamily="-111" charset="-128"/>
-                <a:cs typeface="ＭＳ Ｐゴシック" pitchFamily="-111" charset="-128"/>
-              </a:rPr>
-              <a:t>blahing</a:t>
-            </a:r>
-            <a:r>
-              <a:rPr lang="en-US" sz="2500" dirty="0">
-                <a:latin typeface="Times New Roman" pitchFamily="-111" charset="0"/>
-                <a:ea typeface="ＭＳ Ｐゴシック" pitchFamily="-111" charset="-128"/>
-                <a:cs typeface="ＭＳ Ｐゴシック" pitchFamily="-111" charset="-128"/>
-              </a:rPr>
-              <a:t>.  </a:t>
-            </a:r>
-            <a:r>
-              <a:rPr lang="en-US" sz="2500" i="1" dirty="0">
-                <a:latin typeface="Times New Roman" pitchFamily="-111" charset="0"/>
-                <a:ea typeface="ＭＳ Ｐゴシック" pitchFamily="-111" charset="-128"/>
-                <a:cs typeface="ＭＳ Ｐゴシック" pitchFamily="-111" charset="-128"/>
-              </a:rPr>
-              <a:t>Journal of </a:t>
-            </a:r>
-            <a:r>
-              <a:rPr lang="en-US" sz="2500" i="1" dirty="0" err="1">
-                <a:latin typeface="Times New Roman" pitchFamily="-111" charset="0"/>
-                <a:ea typeface="ＭＳ Ｐゴシック" pitchFamily="-111" charset="-128"/>
-                <a:cs typeface="ＭＳ Ｐゴシック" pitchFamily="-111" charset="-128"/>
-              </a:rPr>
-              <a:t>Blahology</a:t>
-            </a:r>
-            <a:r>
-              <a:rPr lang="en-US" sz="2500" dirty="0">
-                <a:latin typeface="Times New Roman" pitchFamily="-111" charset="0"/>
-                <a:ea typeface="ＭＳ Ｐゴシック" pitchFamily="-111" charset="-128"/>
-                <a:cs typeface="ＭＳ Ｐゴシック" pitchFamily="-111" charset="-128"/>
-              </a:rPr>
-              <a:t> 1:1-2.</a:t>
-            </a:r>
-          </a:p>
-          <a:p>
-            <a:pPr marL="439035" indent="-439035">
-              <a:defRPr/>
-            </a:pPr>
-            <a:r>
-              <a:rPr lang="en-US" sz="2500" dirty="0" smtClean="0">
-                <a:latin typeface="Times New Roman" pitchFamily="-111" charset="0"/>
-                <a:ea typeface="ＭＳ Ｐゴシック" pitchFamily="-111" charset="-128"/>
-                <a:cs typeface="ＭＳ Ｐゴシック" pitchFamily="-111" charset="-128"/>
-              </a:rPr>
-              <a:t>Blah, blah, and blah.  2012.  </a:t>
-            </a:r>
-            <a:r>
-              <a:rPr lang="en-US" sz="2500" dirty="0" err="1" smtClean="0">
-                <a:latin typeface="Times New Roman" pitchFamily="-111" charset="0"/>
-                <a:ea typeface="ＭＳ Ｐゴシック" pitchFamily="-111" charset="-128"/>
-                <a:cs typeface="ＭＳ Ｐゴシック" pitchFamily="-111" charset="-128"/>
-              </a:rPr>
-              <a:t>Blahing</a:t>
-            </a:r>
-            <a:r>
-              <a:rPr lang="en-US" sz="2500" dirty="0" smtClean="0">
-                <a:latin typeface="Times New Roman" pitchFamily="-111" charset="0"/>
-                <a:ea typeface="ＭＳ Ｐゴシック" pitchFamily="-111" charset="-128"/>
-                <a:cs typeface="ＭＳ Ｐゴシック" pitchFamily="-111" charset="-128"/>
-              </a:rPr>
-              <a:t>, </a:t>
-            </a:r>
-            <a:r>
-              <a:rPr lang="en-US" sz="2500" dirty="0" err="1" smtClean="0">
-                <a:latin typeface="Times New Roman" pitchFamily="-111" charset="0"/>
-                <a:ea typeface="ＭＳ Ｐゴシック" pitchFamily="-111" charset="-128"/>
-                <a:cs typeface="ＭＳ Ｐゴシック" pitchFamily="-111" charset="-128"/>
-              </a:rPr>
-              <a:t>blahing</a:t>
-            </a:r>
-            <a:r>
-              <a:rPr lang="en-US" sz="2500" dirty="0" smtClean="0">
-                <a:latin typeface="Times New Roman" pitchFamily="-111" charset="0"/>
-                <a:ea typeface="ＭＳ Ｐゴシック" pitchFamily="-111" charset="-128"/>
-                <a:cs typeface="ＭＳ Ｐゴシック" pitchFamily="-111" charset="-128"/>
-              </a:rPr>
-              <a:t>, and more </a:t>
-            </a:r>
-            <a:r>
-              <a:rPr lang="en-US" sz="2500" dirty="0" err="1" smtClean="0">
-                <a:latin typeface="Times New Roman" pitchFamily="-111" charset="0"/>
-                <a:ea typeface="ＭＳ Ｐゴシック" pitchFamily="-111" charset="-128"/>
-                <a:cs typeface="ＭＳ Ｐゴシック" pitchFamily="-111" charset="-128"/>
-              </a:rPr>
-              <a:t>blahing</a:t>
-            </a:r>
-            <a:r>
-              <a:rPr lang="en-US" sz="2500" dirty="0" smtClean="0">
-                <a:latin typeface="Times New Roman" pitchFamily="-111" charset="0"/>
-                <a:ea typeface="ＭＳ Ｐゴシック" pitchFamily="-111" charset="-128"/>
-                <a:cs typeface="ＭＳ Ｐゴシック" pitchFamily="-111" charset="-128"/>
-              </a:rPr>
-              <a:t>.  </a:t>
-            </a:r>
-            <a:r>
-              <a:rPr lang="en-US" sz="2500" i="1" dirty="0" smtClean="0">
-                <a:latin typeface="Times New Roman" pitchFamily="-111" charset="0"/>
-                <a:ea typeface="ＭＳ Ｐゴシック" pitchFamily="-111" charset="-128"/>
-                <a:cs typeface="ＭＳ Ｐゴシック" pitchFamily="-111" charset="-128"/>
-              </a:rPr>
-              <a:t>Journal of </a:t>
-            </a:r>
-            <a:r>
-              <a:rPr lang="en-US" sz="2500" i="1" dirty="0" err="1" smtClean="0">
-                <a:latin typeface="Times New Roman" pitchFamily="-111" charset="0"/>
-                <a:ea typeface="ＭＳ Ｐゴシック" pitchFamily="-111" charset="-128"/>
-                <a:cs typeface="ＭＳ Ｐゴシック" pitchFamily="-111" charset="-128"/>
-              </a:rPr>
-              <a:t>Blahology</a:t>
-            </a:r>
-            <a:r>
-              <a:rPr lang="en-US" sz="2500" dirty="0" smtClean="0">
-                <a:latin typeface="Times New Roman" pitchFamily="-111" charset="0"/>
-                <a:ea typeface="ＭＳ Ｐゴシック" pitchFamily="-111" charset="-128"/>
-                <a:cs typeface="ＭＳ Ｐゴシック" pitchFamily="-111" charset="-128"/>
-              </a:rPr>
-              <a:t> 1:1-2.</a:t>
-            </a:r>
-            <a:endParaRPr lang="en-US" sz="2500" dirty="0">
-              <a:latin typeface="Times New Roman" pitchFamily="-111" charset="0"/>
+              <a:t>.</a:t>
+            </a:r>
+            <a:endParaRPr lang="en-US" sz="2300" dirty="0">
+              <a:latin typeface="+mn-lt"/>
               <a:ea typeface="ＭＳ Ｐゴシック" pitchFamily="-111" charset="-128"/>
               <a:cs typeface="ＭＳ Ｐゴシック" pitchFamily="-111" charset="-128"/>
             </a:endParaRPr>
@@ -9587,7 +10087,7 @@
           <p:nvPr/>
         </p:nvPicPr>
         <p:blipFill>
-          <a:blip r:embed="rId10">
+          <a:blip r:embed="rId8">
             <a:extLst>
               <a:ext uri="{28A0092B-C50C-407E-A947-70E740481C1C}">
                 <a14:useLocalDpi xmlns:a14="http://schemas.microsoft.com/office/drawing/2010/main" val="0"/>
@@ -9628,7 +10128,7 @@
           <p:nvPr/>
         </p:nvPicPr>
         <p:blipFill>
-          <a:blip r:embed="rId11">
+          <a:blip r:embed="rId9">
             <a:extLst>
               <a:ext uri="{28A0092B-C50C-407E-A947-70E740481C1C}">
                 <a14:useLocalDpi xmlns:a14="http://schemas.microsoft.com/office/drawing/2010/main" val="0"/>
@@ -9669,7 +10169,7 @@
           <p:nvPr/>
         </p:nvPicPr>
         <p:blipFill rotWithShape="1">
-          <a:blip r:embed="rId12">
+          <a:blip r:embed="rId10">
             <a:extLst>
               <a:ext uri="{28A0092B-C50C-407E-A947-70E740481C1C}">
                 <a14:useLocalDpi xmlns:a14="http://schemas.microsoft.com/office/drawing/2010/main" val="0"/>
@@ -9731,7 +10231,7 @@
           <p:nvPr/>
         </p:nvPicPr>
         <p:blipFill>
-          <a:blip r:embed="rId13">
+          <a:blip r:embed="rId11">
             <a:extLst>
               <a:ext uri="{28A0092B-C50C-407E-A947-70E740481C1C}">
                 <a14:useLocalDpi xmlns:a14="http://schemas.microsoft.com/office/drawing/2010/main" val="0"/>
@@ -9785,7 +10285,7 @@
           <p:nvPr/>
         </p:nvPicPr>
         <p:blipFill>
-          <a:blip r:embed="rId14">
+          <a:blip r:embed="rId12">
             <a:extLst>
               <a:ext uri="{28A0092B-C50C-407E-A947-70E740481C1C}">
                 <a14:useLocalDpi xmlns:a14="http://schemas.microsoft.com/office/drawing/2010/main" val="0"/>
@@ -9832,36 +10332,6 @@
       </p:pic>
       <p:pic>
         <p:nvPicPr>
-          <p:cNvPr id="43" name="Picture 42"/>
-          <p:cNvPicPr>
-            <a:picLocks noChangeAspect="1"/>
-          </p:cNvPicPr>
-          <p:nvPr/>
-        </p:nvPicPr>
-        <p:blipFill>
-          <a:blip r:embed="rId15" cstate="print">
-            <a:extLst>
-              <a:ext uri="{28A0092B-C50C-407E-A947-70E740481C1C}">
-                <a14:useLocalDpi xmlns:a14="http://schemas.microsoft.com/office/drawing/2010/main" val="0"/>
-              </a:ext>
-            </a:extLst>
-          </a:blip>
-          <a:stretch>
-            <a:fillRect/>
-          </a:stretch>
-        </p:blipFill>
-        <p:spPr>
-          <a:xfrm>
-            <a:off x="20610000" y="26955750"/>
-            <a:ext cx="8460000" cy="7138125"/>
-          </a:xfrm>
-          <a:prstGeom prst="rect">
-            <a:avLst/>
-          </a:prstGeom>
-        </p:spPr>
-      </p:pic>
-      <p:pic>
-        <p:nvPicPr>
           <p:cNvPr id="1053" name="Picture 29" descr="D:\workspace\curveball_project\Plato\public\plato.png"/>
           <p:cNvPicPr>
             <a:picLocks noChangeAspect="1" noChangeArrowheads="1"/>
@@ -9869,7 +10339,7 @@
           <p:nvPr/>
         </p:nvPicPr>
         <p:blipFill>
-          <a:blip r:embed="rId16">
+          <a:blip r:embed="rId13">
             <a:extLst>
               <a:ext uri="{28A0092B-C50C-407E-A947-70E740481C1C}">
                 <a14:useLocalDpi xmlns:a14="http://schemas.microsoft.com/office/drawing/2010/main" val="0"/>
@@ -9910,7 +10380,7 @@
           <p:nvPr/>
         </p:nvPicPr>
         <p:blipFill>
-          <a:blip r:embed="rId17">
+          <a:blip r:embed="rId14">
             <a:extLst>
               <a:ext uri="{28A0092B-C50C-407E-A947-70E740481C1C}">
                 <a14:useLocalDpi xmlns:a14="http://schemas.microsoft.com/office/drawing/2010/main" val="0"/>
@@ -10062,7 +10532,7 @@
                 <p:nvPr/>
               </p:nvPicPr>
               <p:blipFill>
-                <a:blip r:embed="rId18">
+                <a:blip r:embed="rId15">
                   <a:extLst>
                     <a:ext uri="{28A0092B-C50C-407E-A947-70E740481C1C}">
                       <a14:useLocalDpi xmlns:a14="http://schemas.microsoft.com/office/drawing/2010/main" val="0"/>
@@ -10126,7 +10596,7 @@
                 <p:nvPr/>
               </p:nvPicPr>
               <p:blipFill>
-                <a:blip r:embed="rId19">
+                <a:blip r:embed="rId16">
                   <a:extLst>
                     <a:ext uri="{28A0092B-C50C-407E-A947-70E740481C1C}">
                       <a14:useLocalDpi xmlns:a14="http://schemas.microsoft.com/office/drawing/2010/main" val="0"/>
@@ -10190,7 +10660,7 @@
                 <p:nvPr/>
               </p:nvPicPr>
               <p:blipFill>
-                <a:blip r:embed="rId20">
+                <a:blip r:embed="rId17">
                   <a:extLst>
                     <a:ext uri="{28A0092B-C50C-407E-A947-70E740481C1C}">
                       <a14:useLocalDpi xmlns:a14="http://schemas.microsoft.com/office/drawing/2010/main" val="0"/>
@@ -10350,7 +10820,7 @@
             <p:nvPr/>
           </p:nvPicPr>
           <p:blipFill>
-            <a:blip r:embed="rId21">
+            <a:blip r:embed="rId18">
               <a:extLst>
                 <a:ext uri="{28A0092B-C50C-407E-A947-70E740481C1C}">
                   <a14:useLocalDpi xmlns:a14="http://schemas.microsoft.com/office/drawing/2010/main" val="0"/>
@@ -10392,7 +10862,7 @@
           <p:nvPr/>
         </p:nvPicPr>
         <p:blipFill>
-          <a:blip r:embed="rId22">
+          <a:blip r:embed="rId19">
             <a:extLst>
               <a:ext uri="{28A0092B-C50C-407E-A947-70E740481C1C}">
                 <a14:useLocalDpi xmlns:a14="http://schemas.microsoft.com/office/drawing/2010/main" val="0"/>
@@ -10528,47 +10998,6 @@
       </p:sp>
       <p:pic>
         <p:nvPicPr>
-          <p:cNvPr id="8" name="Picture 3" descr="D:\university\presentations\GRC 2015\G_models.png"/>
-          <p:cNvPicPr>
-            <a:picLocks noChangeAspect="1" noChangeArrowheads="1"/>
-          </p:cNvPicPr>
-          <p:nvPr/>
-        </p:nvPicPr>
-        <p:blipFill>
-          <a:blip r:embed="rId23">
-            <a:extLst>
-              <a:ext uri="{28A0092B-C50C-407E-A947-70E740481C1C}">
-                <a14:useLocalDpi xmlns:a14="http://schemas.microsoft.com/office/drawing/2010/main" val="0"/>
-              </a:ext>
-            </a:extLst>
-          </a:blip>
-          <a:srcRect/>
-          <a:stretch>
-            <a:fillRect/>
-          </a:stretch>
-        </p:blipFill>
-        <p:spPr bwMode="auto">
-          <a:xfrm>
-            <a:off x="1334118" y="24127367"/>
-            <a:ext cx="8332788" cy="3900487"/>
-          </a:xfrm>
-          <a:prstGeom prst="rect">
-            <a:avLst/>
-          </a:prstGeom>
-          <a:noFill/>
-          <a:extLst>
-            <a:ext uri="{909E8E84-426E-40DD-AFC4-6F175D3DCCD1}">
-              <a14:hiddenFill xmlns:a14="http://schemas.microsoft.com/office/drawing/2010/main">
-                <a:solidFill>
-                  <a:srgbClr val="FFFFFF"/>
-                </a:solidFill>
-              </a14:hiddenFill>
-            </a:ext>
-          </a:extLst>
-        </p:spPr>
-      </p:pic>
-      <p:pic>
-        <p:nvPicPr>
           <p:cNvPr id="10" name="Picture 7" descr="D:\university\presentations\GRC 2015\frequency_fit.png"/>
           <p:cNvPicPr>
             <a:picLocks noChangeAspect="1" noChangeArrowheads="1"/>
@@ -10576,7 +11005,7 @@
           <p:nvPr/>
         </p:nvPicPr>
         <p:blipFill>
-          <a:blip r:embed="rId24">
+          <a:blip r:embed="rId20">
             <a:extLst>
               <a:ext uri="{28A0092B-C50C-407E-A947-70E740481C1C}">
                 <a14:useLocalDpi xmlns:a14="http://schemas.microsoft.com/office/drawing/2010/main" val="0"/>
@@ -10617,7 +11046,7 @@
           <p:nvPr/>
         </p:nvPicPr>
         <p:blipFill>
-          <a:blip r:embed="rId25">
+          <a:blip r:embed="rId21">
             <a:extLst>
               <a:ext uri="{28A0092B-C50C-407E-A947-70E740481C1C}">
                 <a14:useLocalDpi xmlns:a14="http://schemas.microsoft.com/office/drawing/2010/main" val="0"/>
@@ -10631,7 +11060,7 @@
         </p:blipFill>
         <p:spPr bwMode="auto">
           <a:xfrm>
-            <a:off x="1630800" y="12708000"/>
+            <a:off x="1630800" y="17483200"/>
             <a:ext cx="7748588" cy="5157788"/>
           </a:xfrm>
           <a:prstGeom prst="rect">
@@ -10658,7 +11087,7 @@
           <p:nvPr/>
         </p:nvPicPr>
         <p:blipFill>
-          <a:blip r:embed="rId26">
+          <a:blip r:embed="rId22">
             <a:extLst>
               <a:ext uri="{28A0092B-C50C-407E-A947-70E740481C1C}">
                 <a14:useLocalDpi xmlns:a14="http://schemas.microsoft.com/office/drawing/2010/main" val="0"/>
@@ -10692,14 +11121,14 @@
       </p:pic>
       <p:pic>
         <p:nvPicPr>
-          <p:cNvPr id="14" name="Picture 10" descr="D:\university\presentations\GRC 2015\competition.png"/>
+          <p:cNvPr id="1037" name="Picture 13" descr="D:\university\presentations\GRC 2015\total_OD_comparison.png"/>
           <p:cNvPicPr>
             <a:picLocks noChangeAspect="1" noChangeArrowheads="1"/>
           </p:cNvPicPr>
           <p:nvPr/>
         </p:nvPicPr>
         <p:blipFill>
-          <a:blip r:embed="rId27">
+          <a:blip r:embed="rId23">
             <a:extLst>
               <a:ext uri="{28A0092B-C50C-407E-A947-70E740481C1C}">
                 <a14:useLocalDpi xmlns:a14="http://schemas.microsoft.com/office/drawing/2010/main" val="0"/>
@@ -10713,130 +11142,7 @@
         </p:blipFill>
         <p:spPr bwMode="auto">
           <a:xfrm>
-            <a:off x="11304000" y="12708000"/>
-            <a:ext cx="7748587" cy="5310187"/>
-          </a:xfrm>
-          <a:prstGeom prst="rect">
-            <a:avLst/>
-          </a:prstGeom>
-          <a:noFill/>
-          <a:extLst>
-            <a:ext uri="{909E8E84-426E-40DD-AFC4-6F175D3DCCD1}">
-              <a14:hiddenFill xmlns:a14="http://schemas.microsoft.com/office/drawing/2010/main">
-                <a:solidFill>
-                  <a:srgbClr val="FFFFFF"/>
-                </a:solidFill>
-              </a14:hiddenFill>
-            </a:ext>
-          </a:extLst>
-        </p:spPr>
-      </p:pic>
-      <p:pic>
-        <p:nvPicPr>
-          <p:cNvPr id="15" name="Picture 11" descr="D:\university\presentations\GRC 2015\plot_strains2.png"/>
-          <p:cNvPicPr>
-            <a:picLocks noChangeAspect="1" noChangeArrowheads="1"/>
-          </p:cNvPicPr>
-          <p:nvPr/>
-        </p:nvPicPr>
-        <p:blipFill>
-          <a:blip r:embed="rId28">
-            <a:extLst>
-              <a:ext uri="{28A0092B-C50C-407E-A947-70E740481C1C}">
-                <a14:useLocalDpi xmlns:a14="http://schemas.microsoft.com/office/drawing/2010/main" val="0"/>
-              </a:ext>
-            </a:extLst>
-          </a:blip>
-          <a:srcRect/>
-          <a:stretch>
-            <a:fillRect/>
-          </a:stretch>
-        </p:blipFill>
-        <p:spPr bwMode="auto">
-          <a:xfrm>
-            <a:off x="20970000" y="9876430"/>
-            <a:ext cx="7989887" cy="5081588"/>
-          </a:xfrm>
-          <a:prstGeom prst="rect">
-            <a:avLst/>
-          </a:prstGeom>
-          <a:noFill/>
-          <a:extLst>
-            <a:ext uri="{909E8E84-426E-40DD-AFC4-6F175D3DCCD1}">
-              <a14:hiddenFill xmlns:a14="http://schemas.microsoft.com/office/drawing/2010/main">
-                <a:solidFill>
-                  <a:srgbClr val="FFFFFF"/>
-                </a:solidFill>
-              </a14:hiddenFill>
-            </a:ext>
-          </a:extLst>
-        </p:spPr>
-      </p:pic>
-      <p:pic>
-        <p:nvPicPr>
-          <p:cNvPr id="1036" name="Picture 12" descr="D:\university\presentations\GRC 2015\competition2.png"/>
-          <p:cNvPicPr>
-            <a:picLocks noChangeAspect="1" noChangeArrowheads="1"/>
-          </p:cNvPicPr>
-          <p:nvPr/>
-        </p:nvPicPr>
-        <p:blipFill>
-          <a:blip r:embed="rId29">
-            <a:extLst>
-              <a:ext uri="{28A0092B-C50C-407E-A947-70E740481C1C}">
-                <a14:useLocalDpi xmlns:a14="http://schemas.microsoft.com/office/drawing/2010/main" val="0"/>
-              </a:ext>
-            </a:extLst>
-          </a:blip>
-          <a:srcRect/>
-          <a:stretch>
-            <a:fillRect/>
-          </a:stretch>
-        </p:blipFill>
-        <p:spPr bwMode="auto">
-          <a:xfrm>
-            <a:off x="20970000" y="15466145"/>
-            <a:ext cx="7748588" cy="5310188"/>
-          </a:xfrm>
-          <a:prstGeom prst="rect">
-            <a:avLst/>
-          </a:prstGeom>
-          <a:noFill/>
-          <a:extLst>
-            <a:ext uri="{909E8E84-426E-40DD-AFC4-6F175D3DCCD1}">
-              <a14:hiddenFill xmlns:a14="http://schemas.microsoft.com/office/drawing/2010/main">
-                <a:solidFill>
-                  <a:srgbClr val="FFFFFF"/>
-                </a:solidFill>
-              </a14:hiddenFill>
-            </a:ext>
-          </a:extLst>
-        </p:spPr>
-      </p:pic>
-      <p:pic>
-        <p:nvPicPr>
-          <p:cNvPr id="1037" name="Picture 13" descr="D:\university\presentations\GRC 2015\total_OD_comparison.png"/>
-          <p:cNvPicPr>
-            <a:picLocks noChangeAspect="1" noChangeArrowheads="1"/>
-          </p:cNvPicPr>
-          <p:nvPr/>
-        </p:nvPicPr>
-        <p:blipFill>
-          <a:blip r:embed="rId30">
-            <a:extLst>
-              <a:ext uri="{28A0092B-C50C-407E-A947-70E740481C1C}">
-                <a14:useLocalDpi xmlns:a14="http://schemas.microsoft.com/office/drawing/2010/main" val="0"/>
-              </a:ext>
-            </a:extLst>
-          </a:blip>
-          <a:srcRect/>
-          <a:stretch>
-            <a:fillRect/>
-          </a:stretch>
-        </p:blipFill>
-        <p:spPr bwMode="auto">
-          <a:xfrm>
-            <a:off x="20970000" y="21463720"/>
+            <a:off x="20970000" y="22263150"/>
             <a:ext cx="7748588" cy="5310188"/>
           </a:xfrm>
           <a:prstGeom prst="rect">
@@ -10863,7 +11169,7 @@
           <p:nvPr/>
         </p:nvPicPr>
         <p:blipFill>
-          <a:blip r:embed="rId31">
+          <a:blip r:embed="rId24">
             <a:extLst>
               <a:ext uri="{28A0092B-C50C-407E-A947-70E740481C1C}">
                 <a14:useLocalDpi xmlns:a14="http://schemas.microsoft.com/office/drawing/2010/main" val="0"/>
@@ -10877,8 +11183,297 @@
         </p:blipFill>
         <p:spPr bwMode="auto">
           <a:xfrm>
-            <a:off x="22233282" y="9259795"/>
-            <a:ext cx="2585357" cy="1882297"/>
+            <a:off x="22817123" y="9926537"/>
+            <a:ext cx="4274600" cy="3112168"/>
+          </a:xfrm>
+          <a:prstGeom prst="rect">
+            <a:avLst/>
+          </a:prstGeom>
+          <a:noFill/>
+          <a:extLst>
+            <a:ext uri="{909E8E84-426E-40DD-AFC4-6F175D3DCCD1}">
+              <a14:hiddenFill xmlns:a14="http://schemas.microsoft.com/office/drawing/2010/main">
+                <a:solidFill>
+                  <a:srgbClr val="FFFFFF"/>
+                </a:solidFill>
+              </a14:hiddenFill>
+            </a:ext>
+          </a:extLst>
+        </p:spPr>
+      </p:pic>
+      <p:cxnSp>
+        <p:nvCxnSpPr>
+          <p:cNvPr id="9" name="Straight Arrow Connector 8"/>
+          <p:cNvCxnSpPr/>
+          <p:nvPr/>
+        </p:nvCxnSpPr>
+        <p:spPr>
+          <a:xfrm>
+            <a:off x="24933411" y="18270724"/>
+            <a:ext cx="0" cy="843328"/>
+          </a:xfrm>
+          <a:prstGeom prst="straightConnector1">
+            <a:avLst/>
+          </a:prstGeom>
+          <a:ln>
+            <a:tailEnd type="arrow"/>
+          </a:ln>
+        </p:spPr>
+        <p:style>
+          <a:lnRef idx="3">
+            <a:schemeClr val="dk1"/>
+          </a:lnRef>
+          <a:fillRef idx="0">
+            <a:schemeClr val="dk1"/>
+          </a:fillRef>
+          <a:effectRef idx="2">
+            <a:schemeClr val="dk1"/>
+          </a:effectRef>
+          <a:fontRef idx="minor">
+            <a:schemeClr val="tx1"/>
+          </a:fontRef>
+        </p:style>
+      </p:cxnSp>
+      <p:sp>
+        <p:nvSpPr>
+          <p:cNvPr id="56" name="TextBox 55"/>
+          <p:cNvSpPr txBox="1"/>
+          <p:nvPr/>
+        </p:nvSpPr>
+        <p:spPr>
+          <a:xfrm>
+            <a:off x="23281307" y="20901733"/>
+            <a:ext cx="3568348" cy="523220"/>
+          </a:xfrm>
+          <a:prstGeom prst="rect">
+            <a:avLst/>
+          </a:prstGeom>
+          <a:effectLst>
+            <a:outerShdw blurRad="50800" dist="38100" dir="2700000" algn="tl" rotWithShape="0">
+              <a:prstClr val="black">
+                <a:alpha val="40000"/>
+              </a:prstClr>
+            </a:outerShdw>
+          </a:effectLst>
+        </p:spPr>
+        <p:style>
+          <a:lnRef idx="1">
+            <a:schemeClr val="accent2"/>
+          </a:lnRef>
+          <a:fillRef idx="2">
+            <a:schemeClr val="accent2"/>
+          </a:fillRef>
+          <a:effectRef idx="1">
+            <a:schemeClr val="accent2"/>
+          </a:effectRef>
+          <a:fontRef idx="minor">
+            <a:schemeClr val="dk1"/>
+          </a:fontRef>
+        </p:style>
+        <p:txBody>
+          <a:bodyPr wrap="none" rtlCol="1">
+            <a:spAutoFit/>
+          </a:bodyPr>
+          <a:lstStyle/>
+          <a:p>
+            <a:r>
+              <a:rPr lang="en-US" dirty="0" smtClean="0">
+                <a:latin typeface="Calibri" panose="020F0502020204030204" pitchFamily="34" charset="0"/>
+              </a:rPr>
+              <a:t>Competition Prediction</a:t>
+            </a:r>
+            <a:endParaRPr lang="he-IL" dirty="0">
+              <a:latin typeface="Calibri" panose="020F0502020204030204" pitchFamily="34" charset="0"/>
+            </a:endParaRPr>
+          </a:p>
+        </p:txBody>
+      </p:sp>
+      <p:sp>
+        <p:nvSpPr>
+          <p:cNvPr id="57" name="TextBox 56"/>
+          <p:cNvSpPr txBox="1"/>
+          <p:nvPr/>
+        </p:nvSpPr>
+        <p:spPr>
+          <a:xfrm>
+            <a:off x="23722095" y="19256861"/>
+            <a:ext cx="2544286" cy="523220"/>
+          </a:xfrm>
+          <a:prstGeom prst="rect">
+            <a:avLst/>
+          </a:prstGeom>
+          <a:effectLst>
+            <a:outerShdw blurRad="50800" dist="38100" dir="2700000" algn="tl" rotWithShape="0">
+              <a:prstClr val="black">
+                <a:alpha val="40000"/>
+              </a:prstClr>
+            </a:outerShdw>
+          </a:effectLst>
+        </p:spPr>
+        <p:style>
+          <a:lnRef idx="1">
+            <a:schemeClr val="accent2"/>
+          </a:lnRef>
+          <a:fillRef idx="2">
+            <a:schemeClr val="accent2"/>
+          </a:fillRef>
+          <a:effectRef idx="1">
+            <a:schemeClr val="accent2"/>
+          </a:effectRef>
+          <a:fontRef idx="minor">
+            <a:schemeClr val="dk1"/>
+          </a:fontRef>
+        </p:style>
+        <p:txBody>
+          <a:bodyPr wrap="none" rtlCol="1">
+            <a:spAutoFit/>
+          </a:bodyPr>
+          <a:lstStyle/>
+          <a:p>
+            <a:r>
+              <a:rPr lang="en-US" dirty="0">
+                <a:latin typeface="Calibri" panose="020F0502020204030204" pitchFamily="34" charset="0"/>
+              </a:rPr>
+              <a:t>Model Selection</a:t>
+            </a:r>
+            <a:endParaRPr lang="he-IL" dirty="0">
+              <a:latin typeface="Calibri" panose="020F0502020204030204" pitchFamily="34" charset="0"/>
+            </a:endParaRPr>
+          </a:p>
+        </p:txBody>
+      </p:sp>
+      <p:cxnSp>
+        <p:nvCxnSpPr>
+          <p:cNvPr id="58" name="Straight Arrow Connector 57"/>
+          <p:cNvCxnSpPr/>
+          <p:nvPr/>
+        </p:nvCxnSpPr>
+        <p:spPr>
+          <a:xfrm>
+            <a:off x="24959683" y="19952426"/>
+            <a:ext cx="0" cy="843328"/>
+          </a:xfrm>
+          <a:prstGeom prst="straightConnector1">
+            <a:avLst/>
+          </a:prstGeom>
+          <a:ln>
+            <a:tailEnd type="arrow"/>
+          </a:ln>
+        </p:spPr>
+        <p:style>
+          <a:lnRef idx="3">
+            <a:schemeClr val="dk1"/>
+          </a:lnRef>
+          <a:fillRef idx="0">
+            <a:schemeClr val="dk1"/>
+          </a:fillRef>
+          <a:effectRef idx="2">
+            <a:schemeClr val="dk1"/>
+          </a:effectRef>
+          <a:fontRef idx="minor">
+            <a:schemeClr val="tx1"/>
+          </a:fontRef>
+        </p:style>
+      </p:cxnSp>
+      <p:cxnSp>
+        <p:nvCxnSpPr>
+          <p:cNvPr id="59" name="Straight Arrow Connector 58"/>
+          <p:cNvCxnSpPr/>
+          <p:nvPr/>
+        </p:nvCxnSpPr>
+        <p:spPr>
+          <a:xfrm>
+            <a:off x="24954423" y="21618362"/>
+            <a:ext cx="0" cy="843328"/>
+          </a:xfrm>
+          <a:prstGeom prst="straightConnector1">
+            <a:avLst/>
+          </a:prstGeom>
+          <a:ln>
+            <a:tailEnd type="arrow"/>
+          </a:ln>
+        </p:spPr>
+        <p:style>
+          <a:lnRef idx="3">
+            <a:schemeClr val="dk1"/>
+          </a:lnRef>
+          <a:fillRef idx="0">
+            <a:schemeClr val="dk1"/>
+          </a:fillRef>
+          <a:effectRef idx="2">
+            <a:schemeClr val="dk1"/>
+          </a:effectRef>
+          <a:fontRef idx="minor">
+            <a:schemeClr val="tx1"/>
+          </a:fontRef>
+        </p:style>
+      </p:cxnSp>
+      <p:pic>
+        <p:nvPicPr>
+          <p:cNvPr id="29" name="Picture 2" descr="D:\university\presentations\GRC 2015\plot_strains2.png"/>
+          <p:cNvPicPr>
+            <a:picLocks noChangeAspect="1" noChangeArrowheads="1"/>
+          </p:cNvPicPr>
+          <p:nvPr/>
+        </p:nvPicPr>
+        <p:blipFill>
+          <a:blip r:embed="rId25">
+            <a:extLst>
+              <a:ext uri="{28A0092B-C50C-407E-A947-70E740481C1C}">
+                <a14:useLocalDpi xmlns:a14="http://schemas.microsoft.com/office/drawing/2010/main" val="0"/>
+              </a:ext>
+            </a:extLst>
+          </a:blip>
+          <a:srcRect/>
+          <a:stretch>
+            <a:fillRect/>
+          </a:stretch>
+        </p:blipFill>
+        <p:spPr bwMode="auto">
+          <a:xfrm>
+            <a:off x="20970000" y="13140378"/>
+            <a:ext cx="7989888" cy="5081588"/>
+          </a:xfrm>
+          <a:prstGeom prst="rect">
+            <a:avLst/>
+          </a:prstGeom>
+          <a:noFill/>
+          <a:extLst>
+            <a:ext uri="{909E8E84-426E-40DD-AFC4-6F175D3DCCD1}">
+              <a14:hiddenFill xmlns:a14="http://schemas.microsoft.com/office/drawing/2010/main">
+                <a:solidFill>
+                  <a:srgbClr val="FFFFFF"/>
+                </a:solidFill>
+              </a14:hiddenFill>
+            </a:ext>
+          </a:extLst>
+        </p:spPr>
+      </p:pic>
+      <p:pic>
+        <p:nvPicPr>
+          <p:cNvPr id="30" name="Picture 3" descr="D:\university\presentations\GRC 2015\competition.png"/>
+          <p:cNvPicPr>
+            <a:picLocks noChangeAspect="1" noChangeArrowheads="1"/>
+          </p:cNvPicPr>
+          <p:nvPr/>
+        </p:nvPicPr>
+        <p:blipFill>
+          <a:blip r:embed="rId26">
+            <a:extLst>
+              <a:ext uri="{28A0092B-C50C-407E-A947-70E740481C1C}">
+                <a14:useLocalDpi xmlns:a14="http://schemas.microsoft.com/office/drawing/2010/main" val="0"/>
+              </a:ext>
+            </a:extLst>
+          </a:blip>
+          <a:srcRect/>
+          <a:stretch>
+            <a:fillRect/>
+          </a:stretch>
+        </p:blipFill>
+        <p:spPr bwMode="auto">
+          <a:xfrm>
+            <a:off x="11304000" y="12636500"/>
+            <a:ext cx="7748588" cy="5310188"/>
           </a:xfrm>
           <a:prstGeom prst="rect">
             <a:avLst/>

--- a/poster.pptx
+++ b/poster.pptx
@@ -254,7 +254,7 @@
             <a:fld id="{4DB31F7E-24C3-4F74-B155-4FAB7B65A36F}" type="datetime1">
               <a:rPr lang="en-US" altLang="he-IL"/>
               <a:pPr/>
-              <a:t>6/10/2015</a:t>
+              <a:t>6/11/2015</a:t>
             </a:fld>
             <a:endParaRPr lang="en-US" altLang="he-IL"/>
           </a:p>
@@ -4915,19 +4915,55 @@
               <a:rPr lang="en-US" altLang="he-IL" sz="2500" dirty="0" smtClean="0">
                 <a:latin typeface="Times New Roman" pitchFamily="18" charset="0"/>
               </a:rPr>
-              <a:t>The total OD in the predicted competitions (solid blue line) has a </a:t>
+              <a:t>The total OD in the </a:t>
+            </a:r>
+            <a:r>
+              <a:rPr lang="en-US" altLang="he-IL" sz="2500" dirty="0" smtClean="0">
+                <a:latin typeface="Times New Roman" pitchFamily="18" charset="0"/>
+              </a:rPr>
+              <a:t>model predictions </a:t>
+            </a:r>
+            <a:r>
+              <a:rPr lang="en-US" altLang="he-IL" sz="2500" dirty="0" smtClean="0">
+                <a:latin typeface="Times New Roman" pitchFamily="18" charset="0"/>
+              </a:rPr>
+              <a:t>(solid blue line) has a </a:t>
             </a:r>
             <a:r>
               <a:rPr lang="en-US" altLang="he-IL" sz="2500" b="1" dirty="0" smtClean="0">
                 <a:latin typeface="Times New Roman" pitchFamily="18" charset="0"/>
               </a:rPr>
-              <a:t>good fit with the observed </a:t>
+              <a:t>good fit </a:t>
             </a:r>
             <a:r>
               <a:rPr lang="en-US" altLang="he-IL" sz="2500" dirty="0" smtClean="0">
                 <a:latin typeface="Times New Roman" pitchFamily="18" charset="0"/>
               </a:rPr>
-              <a:t>total OD in experimental competitions (black markers).</a:t>
+              <a:t>with the </a:t>
+            </a:r>
+            <a:r>
+              <a:rPr lang="en-US" altLang="he-IL" sz="2500" dirty="0" smtClean="0">
+                <a:latin typeface="Times New Roman" pitchFamily="18" charset="0"/>
+              </a:rPr>
+              <a:t>total </a:t>
+            </a:r>
+            <a:r>
+              <a:rPr lang="en-US" altLang="he-IL" sz="2500" dirty="0" smtClean="0">
+                <a:latin typeface="Times New Roman" pitchFamily="18" charset="0"/>
+              </a:rPr>
+              <a:t>OD in </a:t>
+            </a:r>
+            <a:r>
+              <a:rPr lang="en-US" altLang="he-IL" sz="2500" smtClean="0">
+                <a:latin typeface="Times New Roman" pitchFamily="18" charset="0"/>
+              </a:rPr>
+              <a:t>competition experiments </a:t>
+            </a:r>
+            <a:r>
+              <a:rPr lang="en-US" altLang="he-IL" sz="2500" dirty="0" smtClean="0">
+                <a:latin typeface="Times New Roman" pitchFamily="18" charset="0"/>
+              </a:rPr>
+              <a:t>(black markers).</a:t>
             </a:r>
           </a:p>
           <a:p>
@@ -6418,351 +6454,169 @@
               </a:spcBef>
             </a:pPr>
             <a:r>
-              <a:rPr lang="en-GB" sz="2400" dirty="0" err="1"/>
-              <a:t>Vivamus</a:t>
-            </a:r>
-            <a:r>
-              <a:rPr lang="en-GB" sz="2400" dirty="0"/>
-              <a:t> </a:t>
-            </a:r>
-            <a:r>
-              <a:rPr lang="en-GB" sz="2400" dirty="0" err="1"/>
-              <a:t>fermentum</a:t>
-            </a:r>
-            <a:r>
-              <a:rPr lang="en-GB" sz="2400" dirty="0"/>
-              <a:t> semper porta. </a:t>
-            </a:r>
-            <a:r>
-              <a:rPr lang="en-GB" sz="2400" dirty="0" err="1"/>
-              <a:t>Nunc</a:t>
-            </a:r>
-            <a:r>
-              <a:rPr lang="en-GB" sz="2400" dirty="0"/>
-              <a:t> </a:t>
-            </a:r>
-            <a:r>
-              <a:rPr lang="en-GB" sz="2400" dirty="0" err="1"/>
-              <a:t>diam</a:t>
-            </a:r>
-            <a:r>
-              <a:rPr lang="en-GB" sz="2400" dirty="0"/>
-              <a:t> </a:t>
-            </a:r>
-            <a:r>
-              <a:rPr lang="en-GB" sz="2400" dirty="0" err="1"/>
-              <a:t>velit</a:t>
-            </a:r>
-            <a:r>
-              <a:rPr lang="en-GB" sz="2400" dirty="0"/>
-              <a:t>, </a:t>
-            </a:r>
-            <a:r>
-              <a:rPr lang="en-GB" sz="2400" dirty="0" err="1"/>
-              <a:t>adipiscing</a:t>
-            </a:r>
-            <a:r>
-              <a:rPr lang="en-GB" sz="2400" dirty="0"/>
-              <a:t> </a:t>
-            </a:r>
-            <a:r>
-              <a:rPr lang="en-GB" sz="2400" dirty="0" err="1"/>
-              <a:t>ut</a:t>
-            </a:r>
-            <a:r>
-              <a:rPr lang="en-GB" sz="2400" dirty="0"/>
-              <a:t> </a:t>
-            </a:r>
-            <a:r>
-              <a:rPr lang="en-GB" sz="2400" dirty="0" err="1"/>
-              <a:t>tristique</a:t>
-            </a:r>
-            <a:r>
-              <a:rPr lang="en-GB" sz="2400" dirty="0"/>
-              <a:t> vitae, </a:t>
-            </a:r>
-            <a:r>
-              <a:rPr lang="en-GB" sz="2400" dirty="0" err="1"/>
-              <a:t>sagittis</a:t>
-            </a:r>
-            <a:r>
-              <a:rPr lang="en-GB" sz="2400" dirty="0"/>
-              <a:t> </a:t>
-            </a:r>
-            <a:r>
-              <a:rPr lang="en-GB" sz="2400" dirty="0" err="1"/>
-              <a:t>vel</a:t>
-            </a:r>
-            <a:r>
-              <a:rPr lang="en-GB" sz="2400" dirty="0"/>
-              <a:t> </a:t>
-            </a:r>
-            <a:r>
-              <a:rPr lang="en-GB" sz="2400" dirty="0" err="1"/>
-              <a:t>odio</a:t>
-            </a:r>
-            <a:r>
-              <a:rPr lang="en-GB" sz="2400" dirty="0"/>
-              <a:t>. Maecenas </a:t>
-            </a:r>
-            <a:r>
-              <a:rPr lang="en-GB" sz="2400" dirty="0" err="1"/>
-              <a:t>convallis</a:t>
-            </a:r>
-            <a:r>
-              <a:rPr lang="en-GB" sz="2400" dirty="0"/>
-              <a:t> </a:t>
-            </a:r>
-            <a:r>
-              <a:rPr lang="en-GB" sz="2400" dirty="0" err="1"/>
-              <a:t>ullamcorper</a:t>
-            </a:r>
-            <a:r>
-              <a:rPr lang="en-GB" sz="2400" dirty="0"/>
-              <a:t> </a:t>
-            </a:r>
-            <a:r>
-              <a:rPr lang="en-GB" sz="2400" dirty="0" err="1"/>
-              <a:t>ultricies</a:t>
-            </a:r>
-            <a:r>
-              <a:rPr lang="en-GB" sz="2400" dirty="0"/>
+              <a:rPr lang="en-US" sz="2400" dirty="0" smtClean="0">
+                <a:latin typeface="+mn-lt"/>
+              </a:rPr>
+              <a:t>Experiments </a:t>
+            </a:r>
+            <a:r>
+              <a:rPr lang="en-US" sz="2400" dirty="0">
+                <a:latin typeface="+mn-lt"/>
+              </a:rPr>
+              <a:t>often use </a:t>
+            </a:r>
+            <a:r>
+              <a:rPr lang="en-US" sz="2400" b="1" dirty="0">
+                <a:latin typeface="+mn-lt"/>
+              </a:rPr>
+              <a:t>growth curves </a:t>
+            </a:r>
+            <a:r>
+              <a:rPr lang="en-US" sz="2400" dirty="0">
+                <a:latin typeface="+mn-lt"/>
+              </a:rPr>
+              <a:t>to estimate the growth </a:t>
+            </a:r>
+            <a:r>
+              <a:rPr lang="en-US" sz="2400" dirty="0" smtClean="0">
+                <a:latin typeface="+mn-lt"/>
+              </a:rPr>
+              <a:t>rate as </a:t>
+            </a:r>
+            <a:r>
+              <a:rPr lang="en-US" sz="2400" dirty="0">
+                <a:latin typeface="+mn-lt"/>
+              </a:rPr>
+              <a:t>a proxy of fitness; </a:t>
+            </a:r>
+            <a:r>
+              <a:rPr lang="en-US" sz="2400" dirty="0" smtClean="0">
+                <a:latin typeface="+mn-lt"/>
+              </a:rPr>
+              <a:t>however, evolutionary models </a:t>
+            </a:r>
+            <a:r>
+              <a:rPr lang="en-US" sz="2400" dirty="0">
+                <a:latin typeface="+mn-lt"/>
+              </a:rPr>
+              <a:t>use </a:t>
+            </a:r>
+            <a:r>
+              <a:rPr lang="en-US" sz="2400" b="1" dirty="0" smtClean="0">
+                <a:latin typeface="+mn-lt"/>
+              </a:rPr>
+              <a:t>selection coefficients </a:t>
+            </a:r>
+            <a:r>
+              <a:rPr lang="en-US" sz="2400" dirty="0">
+                <a:latin typeface="+mn-lt"/>
+              </a:rPr>
+              <a:t>to model the relative fitness of </a:t>
+            </a:r>
+            <a:r>
+              <a:rPr lang="en-US" sz="2400" dirty="0" smtClean="0">
+                <a:latin typeface="+mn-lt"/>
+              </a:rPr>
+              <a:t>genotypes</a:t>
+            </a:r>
+            <a:r>
+              <a:rPr lang="en-US" sz="2400" dirty="0">
+                <a:latin typeface="+mn-lt"/>
+              </a:rPr>
+              <a:t>. The only </a:t>
+            </a:r>
+            <a:r>
+              <a:rPr lang="en-US" sz="2400" dirty="0" smtClean="0">
+                <a:latin typeface="+mn-lt"/>
+              </a:rPr>
+              <a:t>existing “</a:t>
+            </a:r>
+            <a:r>
+              <a:rPr lang="en-US" sz="2400" dirty="0">
+                <a:latin typeface="+mn-lt"/>
+              </a:rPr>
+              <a:t>bridge” between experiments and theory are </a:t>
+            </a:r>
+            <a:r>
+              <a:rPr lang="en-US" sz="2400" b="1" dirty="0">
+                <a:latin typeface="+mn-lt"/>
+              </a:rPr>
+              <a:t>competitions assays</a:t>
+            </a:r>
+            <a:r>
+              <a:rPr lang="en-US" sz="2400" dirty="0">
+                <a:latin typeface="+mn-lt"/>
+              </a:rPr>
               <a:t>. </a:t>
             </a:r>
             <a:r>
-              <a:rPr lang="en-GB" sz="2400" dirty="0" err="1"/>
-              <a:t>Curabitur</a:t>
-            </a:r>
-            <a:r>
-              <a:rPr lang="en-GB" sz="2400" dirty="0"/>
-              <a:t> </a:t>
-            </a:r>
-            <a:r>
-              <a:rPr lang="en-GB" sz="2400" dirty="0" err="1"/>
-              <a:t>ornare</a:t>
-            </a:r>
-            <a:r>
-              <a:rPr lang="en-GB" sz="2400" dirty="0"/>
-              <a:t>, ligula semper </a:t>
-            </a:r>
-            <a:r>
-              <a:rPr lang="en-GB" sz="2400" dirty="0" err="1"/>
-              <a:t>consectetur</a:t>
-            </a:r>
-            <a:r>
-              <a:rPr lang="en-GB" sz="2400" dirty="0"/>
-              <a:t> </a:t>
-            </a:r>
-            <a:r>
-              <a:rPr lang="en-GB" sz="2400" dirty="0" err="1"/>
-              <a:t>sagittis</a:t>
-            </a:r>
-            <a:r>
-              <a:rPr lang="en-GB" sz="2400" dirty="0"/>
-              <a:t>, nisi </a:t>
-            </a:r>
-            <a:r>
-              <a:rPr lang="en-GB" sz="2400" dirty="0" err="1"/>
-              <a:t>diam</a:t>
-            </a:r>
-            <a:r>
-              <a:rPr lang="en-GB" sz="2400" dirty="0"/>
-              <a:t> </a:t>
-            </a:r>
-            <a:r>
-              <a:rPr lang="en-GB" sz="2400" dirty="0" err="1"/>
-              <a:t>iaculis</a:t>
-            </a:r>
-            <a:r>
-              <a:rPr lang="en-GB" sz="2400" dirty="0"/>
-              <a:t> </a:t>
-            </a:r>
-            <a:r>
-              <a:rPr lang="en-GB" sz="2400" dirty="0" err="1"/>
-              <a:t>velit</a:t>
-            </a:r>
-            <a:r>
-              <a:rPr lang="en-GB" sz="2400" dirty="0"/>
-              <a:t>, id </a:t>
-            </a:r>
-            <a:r>
-              <a:rPr lang="en-GB" sz="2400" dirty="0" err="1"/>
-              <a:t>fringilla</a:t>
-            </a:r>
-            <a:r>
-              <a:rPr lang="en-GB" sz="2400" dirty="0"/>
-              <a:t> </a:t>
-            </a:r>
-            <a:r>
-              <a:rPr lang="en-GB" sz="2400" dirty="0" err="1"/>
-              <a:t>sem</a:t>
-            </a:r>
-            <a:r>
-              <a:rPr lang="en-GB" sz="2400" dirty="0"/>
-              <a:t> </a:t>
-            </a:r>
-            <a:r>
-              <a:rPr lang="en-GB" sz="2400" dirty="0" err="1"/>
-              <a:t>nunc</a:t>
-            </a:r>
-            <a:r>
-              <a:rPr lang="en-GB" sz="2400" dirty="0"/>
-              <a:t> </a:t>
-            </a:r>
-            <a:r>
-              <a:rPr lang="en-GB" sz="2400" dirty="0" err="1"/>
-              <a:t>vel</a:t>
-            </a:r>
-            <a:r>
-              <a:rPr lang="en-GB" sz="2400" dirty="0"/>
-              <a:t> mi. Nam dictum, </a:t>
-            </a:r>
-            <a:r>
-              <a:rPr lang="en-GB" sz="2400" dirty="0" err="1"/>
-              <a:t>odio</a:t>
-            </a:r>
-            <a:r>
-              <a:rPr lang="en-GB" sz="2400" dirty="0"/>
-              <a:t> </a:t>
-            </a:r>
-            <a:r>
-              <a:rPr lang="en-GB" sz="2400" dirty="0" err="1"/>
-              <a:t>nec</a:t>
-            </a:r>
-            <a:r>
-              <a:rPr lang="en-GB" sz="2400" dirty="0"/>
-              <a:t> </a:t>
-            </a:r>
-            <a:r>
-              <a:rPr lang="en-GB" sz="2400" dirty="0" err="1"/>
-              <a:t>pretium</a:t>
-            </a:r>
-            <a:r>
-              <a:rPr lang="en-GB" sz="2400" dirty="0"/>
-              <a:t> </a:t>
-            </a:r>
-            <a:r>
-              <a:rPr lang="en-GB" sz="2400" dirty="0" err="1"/>
-              <a:t>volutpat</a:t>
-            </a:r>
-            <a:r>
-              <a:rPr lang="en-GB" sz="2400" dirty="0"/>
-              <a:t>, </a:t>
-            </a:r>
-            <a:r>
-              <a:rPr lang="en-GB" sz="2400" dirty="0" err="1"/>
-              <a:t>arcu</a:t>
-            </a:r>
-            <a:r>
-              <a:rPr lang="en-GB" sz="2400" dirty="0"/>
-              <a:t> ante </a:t>
-            </a:r>
-            <a:r>
-              <a:rPr lang="en-GB" sz="2400" dirty="0" err="1"/>
-              <a:t>placerat</a:t>
-            </a:r>
-            <a:r>
-              <a:rPr lang="en-GB" sz="2400" dirty="0"/>
-              <a:t> </a:t>
-            </a:r>
-            <a:r>
-              <a:rPr lang="en-GB" sz="2400" dirty="0" err="1"/>
-              <a:t>erat</a:t>
-            </a:r>
-            <a:r>
-              <a:rPr lang="en-GB" sz="2400" dirty="0"/>
-              <a:t>, non </a:t>
-            </a:r>
-            <a:r>
-              <a:rPr lang="en-GB" sz="2400" dirty="0" err="1"/>
-              <a:t>tristique</a:t>
-            </a:r>
-            <a:r>
-              <a:rPr lang="en-GB" sz="2400" dirty="0"/>
-              <a:t> </a:t>
-            </a:r>
-            <a:r>
-              <a:rPr lang="en-GB" sz="2400" dirty="0" err="1"/>
-              <a:t>elit</a:t>
-            </a:r>
-            <a:r>
-              <a:rPr lang="en-GB" sz="2400" dirty="0"/>
-              <a:t> </a:t>
-            </a:r>
-            <a:r>
-              <a:rPr lang="en-GB" sz="2400" dirty="0" err="1"/>
-              <a:t>urna</a:t>
-            </a:r>
-            <a:r>
-              <a:rPr lang="en-GB" sz="2400" dirty="0"/>
-              <a:t> et </a:t>
-            </a:r>
-            <a:r>
-              <a:rPr lang="en-GB" sz="2400" dirty="0" err="1"/>
-              <a:t>turpis</a:t>
-            </a:r>
-            <a:r>
-              <a:rPr lang="en-GB" sz="2400" dirty="0"/>
-              <a:t>. </a:t>
-            </a:r>
-            <a:r>
-              <a:rPr lang="en-GB" sz="2400" dirty="0" err="1"/>
-              <a:t>Quisque</a:t>
-            </a:r>
-            <a:r>
-              <a:rPr lang="en-GB" sz="2400" dirty="0"/>
-              <a:t> mi </a:t>
-            </a:r>
-            <a:r>
-              <a:rPr lang="en-GB" sz="2400" dirty="0" err="1"/>
-              <a:t>metus</a:t>
-            </a:r>
-            <a:r>
-              <a:rPr lang="en-GB" sz="2400" dirty="0"/>
-              <a:t>, </a:t>
-            </a:r>
-            <a:r>
-              <a:rPr lang="en-GB" sz="2400" dirty="0" err="1"/>
-              <a:t>ornare</a:t>
-            </a:r>
-            <a:r>
-              <a:rPr lang="en-GB" sz="2400" dirty="0"/>
-              <a:t> sit </a:t>
-            </a:r>
-            <a:r>
-              <a:rPr lang="en-GB" sz="2400" dirty="0" err="1"/>
-              <a:t>amet</a:t>
-            </a:r>
-            <a:r>
-              <a:rPr lang="en-GB" sz="2400" dirty="0"/>
-              <a:t> </a:t>
-            </a:r>
-            <a:r>
-              <a:rPr lang="en-GB" sz="2400" dirty="0" err="1"/>
-              <a:t>fermentum</a:t>
-            </a:r>
-            <a:r>
-              <a:rPr lang="en-GB" sz="2400" dirty="0"/>
-              <a:t> et, </a:t>
-            </a:r>
-            <a:r>
-              <a:rPr lang="en-GB" sz="2400" dirty="0" err="1"/>
-              <a:t>tincidunt</a:t>
-            </a:r>
-            <a:r>
-              <a:rPr lang="en-GB" sz="2400" dirty="0"/>
-              <a:t> et </a:t>
-            </a:r>
-            <a:r>
-              <a:rPr lang="en-GB" sz="2400" dirty="0" err="1"/>
-              <a:t>orci</a:t>
-            </a:r>
-            <a:r>
-              <a:rPr lang="en-GB" sz="2400" dirty="0"/>
-              <a:t>. </a:t>
+              <a:rPr lang="en-US" sz="2400" dirty="0" smtClean="0">
+                <a:latin typeface="+mn-lt"/>
+              </a:rPr>
+              <a:t>But these assays </a:t>
+            </a:r>
+            <a:r>
+              <a:rPr lang="en-US" sz="2400" dirty="0">
+                <a:latin typeface="+mn-lt"/>
+              </a:rPr>
+              <a:t>are expensive and </a:t>
+            </a:r>
+            <a:r>
+              <a:rPr lang="en-US" sz="2400" dirty="0" smtClean="0">
+                <a:latin typeface="+mn-lt"/>
+              </a:rPr>
+              <a:t>laborious. </a:t>
+            </a:r>
+            <a:r>
+              <a:rPr lang="en-US" sz="2400" dirty="0">
+                <a:latin typeface="+mn-lt"/>
+              </a:rPr>
+              <a:t>Therefore</a:t>
+            </a:r>
+            <a:r>
+              <a:rPr lang="en-US" sz="2400" dirty="0" smtClean="0">
+                <a:latin typeface="+mn-lt"/>
+              </a:rPr>
+              <a:t>, many </a:t>
+            </a:r>
+            <a:r>
+              <a:rPr lang="en-US" sz="2400" dirty="0">
+                <a:latin typeface="+mn-lt"/>
+              </a:rPr>
+              <a:t>investigators do without competition assays entirely. An </a:t>
+            </a:r>
+            <a:r>
+              <a:rPr lang="en-US" sz="2400" b="1" dirty="0" smtClean="0">
+                <a:latin typeface="+mn-lt"/>
+              </a:rPr>
+              <a:t>alternative method </a:t>
+            </a:r>
+            <a:r>
+              <a:rPr lang="en-US" sz="2400" dirty="0">
+                <a:latin typeface="+mn-lt"/>
+              </a:rPr>
+              <a:t>is required, one that can be used to estimate </a:t>
+            </a:r>
+            <a:r>
+              <a:rPr lang="en-US" sz="2400" dirty="0" smtClean="0">
+                <a:latin typeface="+mn-lt"/>
+              </a:rPr>
+              <a:t>fitness from </a:t>
+            </a:r>
+            <a:r>
+              <a:rPr lang="en-US" sz="2400" dirty="0">
+                <a:latin typeface="+mn-lt"/>
+              </a:rPr>
+              <a:t>growth </a:t>
+            </a:r>
+            <a:r>
+              <a:rPr lang="en-US" sz="2400" dirty="0" smtClean="0">
+                <a:latin typeface="+mn-lt"/>
+              </a:rPr>
+              <a:t>curves.</a:t>
             </a:r>
             <a:endParaRPr lang="en-US" altLang="he-IL" sz="2500" dirty="0">
-              <a:latin typeface="Times New Roman" pitchFamily="18" charset="0"/>
+              <a:latin typeface="+mn-lt"/>
             </a:endParaRPr>
           </a:p>
         </p:txBody>
@@ -6955,11 +6809,63 @@
                     <a:spcPct val="50000"/>
                   </a:spcBef>
                 </a:pPr>
-                <a:endParaRPr lang="en-US" altLang="he-IL" sz="3900" b="1" dirty="0">
+                <a:r>
+                  <a:rPr lang="en-US" sz="2400" dirty="0" smtClean="0">
+                    <a:solidFill>
+                      <a:srgbClr val="000000"/>
+                    </a:solidFill>
+                    <a:latin typeface="Times New Roman"/>
+                  </a:rPr>
+                  <a:t>These are 84 growth curves of two different yeast species (</a:t>
+                </a:r>
+                <a:r>
+                  <a:rPr lang="en-US" sz="2400" dirty="0" smtClean="0">
+                    <a:solidFill>
+                      <a:srgbClr val="FF0000"/>
+                    </a:solidFill>
+                    <a:latin typeface="Times New Roman"/>
+                  </a:rPr>
+                  <a:t>red</a:t>
+                </a:r>
+                <a:r>
+                  <a:rPr lang="en-US" sz="2400" dirty="0" smtClean="0">
+                    <a:solidFill>
+                      <a:srgbClr val="000000"/>
+                    </a:solidFill>
+                    <a:latin typeface="Times New Roman"/>
+                  </a:rPr>
+                  <a:t> and </a:t>
+                </a:r>
+                <a:r>
+                  <a:rPr lang="en-US" sz="2400" dirty="0" smtClean="0">
+                    <a:solidFill>
+                      <a:srgbClr val="00B050"/>
+                    </a:solidFill>
+                    <a:latin typeface="Times New Roman"/>
+                  </a:rPr>
+                  <a:t>green</a:t>
+                </a:r>
+                <a:r>
+                  <a:rPr lang="en-US" sz="2400" dirty="0" smtClean="0">
+                    <a:solidFill>
+                      <a:srgbClr val="000000"/>
+                    </a:solidFill>
+                    <a:latin typeface="Times New Roman"/>
+                  </a:rPr>
+                  <a:t>):</a:t>
+                </a:r>
+              </a:p>
+              <a:p>
+                <a:pPr algn="just" eaLnBrk="1" hangingPunct="1">
+                  <a:spcBef>
+                    <a:spcPct val="50000"/>
+                  </a:spcBef>
+                </a:pPr>
+                <a:endParaRPr lang="en-US" altLang="he-IL" sz="2400" b="1" dirty="0">
                   <a:solidFill>
                     <a:srgbClr val="000000"/>
                   </a:solidFill>
-                  <a:latin typeface="Calibri" pitchFamily="34" charset="0"/>
+                  <a:latin typeface="Times New Roman"/>
                 </a:endParaRPr>
               </a:p>
               <a:p>
@@ -6968,11 +6874,11 @@
                     <a:spcPct val="50000"/>
                   </a:spcBef>
                 </a:pPr>
-                <a:endParaRPr lang="en-US" altLang="he-IL" sz="3900" b="1" dirty="0" smtClean="0">
+                <a:endParaRPr lang="en-US" altLang="he-IL" sz="2400" b="1" dirty="0" smtClean="0">
                   <a:solidFill>
                     <a:srgbClr val="000000"/>
                   </a:solidFill>
-                  <a:latin typeface="Calibri" pitchFamily="34" charset="0"/>
+                  <a:latin typeface="Times New Roman"/>
                 </a:endParaRPr>
               </a:p>
               <a:p>
@@ -6981,11 +6887,11 @@
                     <a:spcPct val="50000"/>
                   </a:spcBef>
                 </a:pPr>
-                <a:endParaRPr lang="en-US" altLang="he-IL" sz="3900" b="1" dirty="0">
+                <a:endParaRPr lang="en-US" altLang="he-IL" sz="2400" b="1" dirty="0">
                   <a:solidFill>
                     <a:srgbClr val="000000"/>
                   </a:solidFill>
-                  <a:latin typeface="Calibri" pitchFamily="34" charset="0"/>
+                  <a:latin typeface="Times New Roman"/>
                 </a:endParaRPr>
               </a:p>
               <a:p>
@@ -6994,11 +6900,11 @@
                     <a:spcPct val="50000"/>
                   </a:spcBef>
                 </a:pPr>
-                <a:endParaRPr lang="en-US" altLang="he-IL" sz="3900" b="1" dirty="0" smtClean="0">
+                <a:endParaRPr lang="en-US" altLang="he-IL" sz="2400" b="1" dirty="0" smtClean="0">
                   <a:solidFill>
                     <a:srgbClr val="000000"/>
                   </a:solidFill>
-                  <a:latin typeface="Calibri" pitchFamily="34" charset="0"/>
+                  <a:latin typeface="Times New Roman"/>
                 </a:endParaRPr>
               </a:p>
               <a:p>
@@ -7007,11 +6913,11 @@
                     <a:spcPct val="50000"/>
                   </a:spcBef>
                 </a:pPr>
-                <a:endParaRPr lang="en-US" altLang="he-IL" sz="3900" b="1" dirty="0">
+                <a:endParaRPr lang="en-US" altLang="he-IL" sz="2400" b="1" dirty="0">
                   <a:solidFill>
                     <a:srgbClr val="000000"/>
                   </a:solidFill>
-                  <a:latin typeface="Calibri" pitchFamily="34" charset="0"/>
+                  <a:latin typeface="Times New Roman"/>
                 </a:endParaRPr>
               </a:p>
               <a:p>
@@ -7020,11 +6926,50 @@
                     <a:spcPct val="50000"/>
                   </a:spcBef>
                 </a:pPr>
-                <a:endParaRPr lang="en-US" altLang="he-IL" sz="3900" b="1" dirty="0" smtClean="0">
+                <a:endParaRPr lang="en-US" altLang="he-IL" sz="2400" b="1" dirty="0" smtClean="0">
                   <a:solidFill>
                     <a:srgbClr val="000000"/>
                   </a:solidFill>
-                  <a:latin typeface="Calibri" pitchFamily="34" charset="0"/>
+                  <a:latin typeface="Times New Roman"/>
+                </a:endParaRPr>
+              </a:p>
+              <a:p>
+                <a:pPr algn="just" eaLnBrk="1" hangingPunct="1">
+                  <a:spcBef>
+                    <a:spcPct val="50000"/>
+                  </a:spcBef>
+                </a:pPr>
+                <a:endParaRPr lang="en-US" altLang="he-IL" sz="2400" b="1" dirty="0">
+                  <a:solidFill>
+                    <a:srgbClr val="000000"/>
+                  </a:solidFill>
+                  <a:latin typeface="Times New Roman"/>
+                </a:endParaRPr>
+              </a:p>
+              <a:p>
+                <a:pPr algn="just" eaLnBrk="1" hangingPunct="1">
+                  <a:spcBef>
+                    <a:spcPct val="50000"/>
+                  </a:spcBef>
+                </a:pPr>
+                <a:endParaRPr lang="en-US" altLang="he-IL" sz="2400" b="1" dirty="0" smtClean="0">
+                  <a:solidFill>
+                    <a:srgbClr val="000000"/>
+                  </a:solidFill>
+                  <a:latin typeface="Times New Roman"/>
+                </a:endParaRPr>
+              </a:p>
+              <a:p>
+                <a:pPr algn="just" eaLnBrk="1" hangingPunct="1">
+                  <a:spcBef>
+                    <a:spcPct val="50000"/>
+                  </a:spcBef>
+                </a:pPr>
+                <a:endParaRPr lang="en-US" altLang="he-IL" sz="2400" b="1" dirty="0">
+                  <a:solidFill>
+                    <a:srgbClr val="000000"/>
+                  </a:solidFill>
+                  <a:latin typeface="Times New Roman"/>
                 </a:endParaRPr>
               </a:p>
               <a:p>
@@ -7033,55 +6978,51 @@
                 </a:endParaRPr>
               </a:p>
               <a:p>
+                <a:r>
+                  <a:rPr lang="en-US" sz="2500" dirty="0" smtClean="0">
+                    <a:latin typeface="Times New Roman" pitchFamily="18" charset="0"/>
+                  </a:rPr>
+                  <a:t>We use an extension of the </a:t>
+                </a:r>
+                <a:r>
+                  <a:rPr lang="en-US" sz="2500" b="1" dirty="0" smtClean="0">
+                    <a:latin typeface="Times New Roman" pitchFamily="18" charset="0"/>
+                  </a:rPr>
+                  <a:t>logistic model </a:t>
+                </a:r>
+                <a:r>
+                  <a:rPr lang="en-US" sz="2500" dirty="0" smtClean="0">
+                    <a:latin typeface="Times New Roman" pitchFamily="18" charset="0"/>
+                  </a:rPr>
+                  <a:t>– the </a:t>
+                </a:r>
+                <a:r>
+                  <a:rPr lang="en-US" sz="2500" b="1" dirty="0" err="1" smtClean="0">
+                    <a:latin typeface="Times New Roman" pitchFamily="18" charset="0"/>
+                  </a:rPr>
+                  <a:t>Baranyi</a:t>
+                </a:r>
+                <a:r>
+                  <a:rPr lang="en-US" sz="2500" b="1" dirty="0" smtClean="0">
+                    <a:latin typeface="Times New Roman" pitchFamily="18" charset="0"/>
+                  </a:rPr>
+                  <a:t>-Roberts model</a:t>
+                </a:r>
+                <a:r>
+                  <a:rPr lang="en-US" sz="2500" baseline="30000" dirty="0" smtClean="0">
+                    <a:latin typeface="Times New Roman" pitchFamily="18" charset="0"/>
+                  </a:rPr>
+                  <a:t>1</a:t>
+                </a:r>
+                <a:r>
+                  <a:rPr lang="en-US" sz="2500" dirty="0" smtClean="0">
+                    <a:latin typeface="Times New Roman" pitchFamily="18" charset="0"/>
+                  </a:rPr>
+                  <a:t>:</a:t>
+                </a:r>
                 <a:endParaRPr lang="en-US" sz="2500" dirty="0">
                   <a:latin typeface="Times New Roman" pitchFamily="18" charset="0"/>
                 </a:endParaRPr>
-              </a:p>
-              <a:p>
-                <a:endParaRPr lang="en-US" sz="2500" dirty="0" smtClean="0">
-                  <a:latin typeface="Times New Roman" pitchFamily="18" charset="0"/>
-                </a:endParaRPr>
-              </a:p>
-              <a:p>
-                <a:endParaRPr lang="en-US" sz="2500" dirty="0">
-                  <a:latin typeface="Times New Roman" pitchFamily="18" charset="0"/>
-                </a:endParaRPr>
-              </a:p>
-              <a:p>
-                <a:endParaRPr lang="en-US" sz="2500" dirty="0" smtClean="0">
-                  <a:latin typeface="Times New Roman" pitchFamily="18" charset="0"/>
-                </a:endParaRPr>
-              </a:p>
-              <a:p>
-                <a:endParaRPr lang="en-US" sz="2500" dirty="0">
-                  <a:latin typeface="Times New Roman" pitchFamily="18" charset="0"/>
-                </a:endParaRPr>
-              </a:p>
-              <a:p>
-                <a:r>
-                  <a:rPr lang="en-US" sz="2500" dirty="0" smtClean="0">
-                    <a:latin typeface="Times New Roman" pitchFamily="18" charset="0"/>
-                  </a:rPr>
-                  <a:t>\</a:t>
-                </a:r>
-                <a:r>
-                  <a:rPr lang="en-US" sz="2500" dirty="0" err="1" smtClean="0">
-                    <a:latin typeface="Times New Roman" pitchFamily="18" charset="0"/>
-                  </a:rPr>
-                  <a:t>Baranyi</a:t>
-                </a:r>
-                <a:r>
-                  <a:rPr lang="en-US" sz="2500" dirty="0" smtClean="0">
-                    <a:latin typeface="Times New Roman" pitchFamily="18" charset="0"/>
-                  </a:rPr>
-                  <a:t>-Roberts </a:t>
-                </a:r>
-                <a:r>
-                  <a:rPr lang="en-US" sz="2500" dirty="0">
-                    <a:latin typeface="Times New Roman" pitchFamily="18" charset="0"/>
-                  </a:rPr>
-                  <a:t>model:</a:t>
-                </a:r>
               </a:p>
               <a:p>
                 <a:endParaRPr lang="en-US" sz="2400" i="1" dirty="0">
@@ -7406,8 +7347,18 @@
                   </m:oMathPara>
                 </a14:m>
                 <a:endParaRPr lang="en-US" sz="2500" b="0" dirty="0" smtClean="0">
-                  <a:latin typeface="Cambria Math" panose="02040503050406030204" pitchFamily="18" charset="0"/>
+                  <a:latin typeface="Calibri" panose="020F0502020204030204" pitchFamily="34" charset="0"/>
                   <a:ea typeface="Cambria Math" panose="02040503050406030204" pitchFamily="18" charset="0"/>
+                </a:endParaRPr>
+              </a:p>
+              <a:p>
+                <a:pPr eaLnBrk="1" hangingPunct="1">
+                  <a:spcBef>
+                    <a:spcPct val="10000"/>
+                  </a:spcBef>
+                </a:pPr>
+                <a:endParaRPr lang="en-US" altLang="he-IL" sz="2000" i="1" dirty="0" smtClean="0">
+                  <a:latin typeface="Cambria Math"/>
                 </a:endParaRPr>
               </a:p>
               <a:p>
@@ -7420,7 +7371,8 @@
                   <m:oMath xmlns:m="http://schemas.openxmlformats.org/officeDocument/2006/math">
                     <m:r>
                       <a:rPr lang="en-US" altLang="he-IL" sz="2000" i="1">
-                        <a:latin typeface="Cambria Math"/>
+                        <a:latin typeface="Cambria Math" panose="02040503050406030204" pitchFamily="18" charset="0"/>
+                        <a:ea typeface="Cambria Math" panose="02040503050406030204" pitchFamily="18" charset="0"/>
                       </a:rPr>
                       <m:t>𝑁</m:t>
                     </m:r>
@@ -7428,7 +7380,8 @@
                 </a14:m>
                 <a:r>
                   <a:rPr lang="en-US" altLang="he-IL" sz="2000" dirty="0" smtClean="0">
-                    <a:latin typeface="Times New Roman" pitchFamily="18" charset="0"/>
+                    <a:latin typeface="Cambria Math" panose="02040503050406030204" pitchFamily="18" charset="0"/>
+                    <a:ea typeface="Cambria Math" panose="02040503050406030204" pitchFamily="18" charset="0"/>
                   </a:rPr>
                   <a:t> – population density		</a:t>
                 </a:r>
@@ -7436,7 +7389,8 @@
                   <m:oMath xmlns:m="http://schemas.openxmlformats.org/officeDocument/2006/math">
                     <m:r>
                       <a:rPr lang="en-US" altLang="he-IL" sz="2000" i="1">
-                        <a:latin typeface="Cambria Math"/>
+                        <a:latin typeface="Cambria Math" panose="02040503050406030204" pitchFamily="18" charset="0"/>
+                        <a:ea typeface="Cambria Math" panose="02040503050406030204" pitchFamily="18" charset="0"/>
                       </a:rPr>
                       <m:t>𝐾</m:t>
                     </m:r>
@@ -7444,7 +7398,8 @@
                 </a14:m>
                 <a:r>
                   <a:rPr lang="en-US" altLang="he-IL" sz="2000" dirty="0">
-                    <a:latin typeface="Times New Roman" pitchFamily="18" charset="0"/>
+                    <a:latin typeface="Cambria Math" panose="02040503050406030204" pitchFamily="18" charset="0"/>
+                    <a:ea typeface="Cambria Math" panose="02040503050406030204" pitchFamily="18" charset="0"/>
                   </a:rPr>
                   <a:t> – maximum density</a:t>
                 </a:r>
@@ -7459,7 +7414,8 @@
                   <m:oMath xmlns:m="http://schemas.openxmlformats.org/officeDocument/2006/math">
                     <m:r>
                       <a:rPr lang="en-US" altLang="he-IL" sz="2000" i="1">
-                        <a:latin typeface="Cambria Math"/>
+                        <a:latin typeface="Cambria Math" panose="02040503050406030204" pitchFamily="18" charset="0"/>
+                        <a:ea typeface="Cambria Math" panose="02040503050406030204" pitchFamily="18" charset="0"/>
                       </a:rPr>
                       <m:t>𝑟</m:t>
                     </m:r>
@@ -7467,19 +7423,22 @@
                 </a14:m>
                 <a:r>
                   <a:rPr lang="en-US" altLang="he-IL" sz="2000" dirty="0" smtClean="0">
-                    <a:latin typeface="Times New Roman" pitchFamily="18" charset="0"/>
+                    <a:latin typeface="Cambria Math" panose="02040503050406030204" pitchFamily="18" charset="0"/>
+                    <a:ea typeface="Cambria Math" panose="02040503050406030204" pitchFamily="18" charset="0"/>
                   </a:rPr>
                   <a:t> – growth rate </a:t>
                 </a:r>
                 <a:r>
                   <a:rPr lang="en-US" altLang="he-IL" sz="2000" dirty="0">
-                    <a:latin typeface="Times New Roman" pitchFamily="18" charset="0"/>
+                    <a:latin typeface="Cambria Math" panose="02040503050406030204" pitchFamily="18" charset="0"/>
+                    <a:ea typeface="Cambria Math" panose="02040503050406030204" pitchFamily="18" charset="0"/>
                   </a:rPr>
                   <a:t>(</a:t>
                 </a:r>
                 <a:r>
                   <a:rPr lang="en-US" altLang="he-IL" sz="2000" dirty="0" smtClean="0">
-                    <a:latin typeface="Times New Roman" pitchFamily="18" charset="0"/>
+                    <a:latin typeface="Cambria Math" panose="02040503050406030204" pitchFamily="18" charset="0"/>
+                    <a:ea typeface="Cambria Math" panose="02040503050406030204" pitchFamily="18" charset="0"/>
                   </a:rPr>
                   <a:t>low density)	</a:t>
                 </a:r>
@@ -7487,7 +7446,8 @@
                   <m:oMath xmlns:m="http://schemas.openxmlformats.org/officeDocument/2006/math">
                     <m:r>
                       <a:rPr lang="en-US" altLang="he-IL" sz="2000" i="1">
-                        <a:latin typeface="Cambria Math"/>
+                        <a:latin typeface="Cambria Math" panose="02040503050406030204" pitchFamily="18" charset="0"/>
+                        <a:ea typeface="Cambria Math" panose="02040503050406030204" pitchFamily="18" charset="0"/>
                       </a:rPr>
                       <m:t>𝜈</m:t>
                     </m:r>
@@ -7495,7 +7455,8 @@
                 </a14:m>
                 <a:r>
                   <a:rPr lang="en-US" altLang="he-IL" sz="2000" dirty="0" smtClean="0">
-                    <a:latin typeface="Times New Roman" pitchFamily="18" charset="0"/>
+                    <a:latin typeface="Cambria Math" panose="02040503050406030204" pitchFamily="18" charset="0"/>
+                    <a:ea typeface="Cambria Math" panose="02040503050406030204" pitchFamily="18" charset="0"/>
                   </a:rPr>
                   <a:t> – growth deceleration</a:t>
                 </a:r>
@@ -7510,7 +7471,7 @@
                   <m:oMath xmlns:m="http://schemas.openxmlformats.org/officeDocument/2006/math">
                     <m:r>
                       <a:rPr lang="en-US" sz="2000" i="1">
-                        <a:latin typeface="Cambria Math"/>
+                        <a:latin typeface="Cambria Math" panose="02040503050406030204" pitchFamily="18" charset="0"/>
                         <a:ea typeface="Cambria Math" panose="02040503050406030204" pitchFamily="18" charset="0"/>
                       </a:rPr>
                       <m:t>𝛼</m:t>
@@ -7519,7 +7480,7 @@
                       <m:dPr>
                         <m:ctrlPr>
                           <a:rPr lang="en-US" sz="2000" i="1">
-                            <a:latin typeface="Cambria Math"/>
+                            <a:latin typeface="Cambria Math" panose="02040503050406030204" pitchFamily="18" charset="0"/>
                             <a:ea typeface="Cambria Math" panose="02040503050406030204" pitchFamily="18" charset="0"/>
                           </a:rPr>
                         </m:ctrlPr>
@@ -7538,7 +7499,8 @@
                 </a14:m>
                 <a:r>
                   <a:rPr lang="en-US" altLang="he-IL" sz="2000" dirty="0" smtClean="0">
-                    <a:latin typeface="Times New Roman" pitchFamily="18" charset="0"/>
+                    <a:latin typeface="Cambria Math" panose="02040503050406030204" pitchFamily="18" charset="0"/>
+                    <a:ea typeface="Cambria Math" panose="02040503050406030204" pitchFamily="18" charset="0"/>
                   </a:rPr>
                   <a:t> - physiological adjustment function</a:t>
                 </a:r>
@@ -7555,7 +7517,7 @@
                       <m:sSubPr>
                         <m:ctrlPr>
                           <a:rPr lang="en-US" sz="2000" i="1">
-                            <a:latin typeface="Cambria Math"/>
+                            <a:latin typeface="Cambria Math" panose="02040503050406030204" pitchFamily="18" charset="0"/>
                             <a:ea typeface="Cambria Math" panose="02040503050406030204" pitchFamily="18" charset="0"/>
                           </a:rPr>
                         </m:ctrlPr>
@@ -7563,7 +7525,7 @@
                       <m:e>
                         <m:r>
                           <a:rPr lang="en-US" sz="2000" i="1">
-                            <a:latin typeface="Cambria Math"/>
+                            <a:latin typeface="Cambria Math" panose="02040503050406030204" pitchFamily="18" charset="0"/>
                             <a:ea typeface="Cambria Math" panose="02040503050406030204" pitchFamily="18" charset="0"/>
                           </a:rPr>
                           <m:t>𝑞</m:t>
@@ -7572,7 +7534,7 @@
                       <m:sub>
                         <m:r>
                           <a:rPr lang="en-US" sz="2000" i="1">
-                            <a:latin typeface="Cambria Math"/>
+                            <a:latin typeface="Cambria Math" panose="02040503050406030204" pitchFamily="18" charset="0"/>
                             <a:ea typeface="Cambria Math" panose="02040503050406030204" pitchFamily="18" charset="0"/>
                           </a:rPr>
                           <m:t>0</m:t>
@@ -7583,7 +7545,8 @@
                 </a14:m>
                 <a:r>
                   <a:rPr lang="en-US" altLang="he-IL" sz="2000" dirty="0" smtClean="0">
-                    <a:latin typeface="Times New Roman" pitchFamily="18" charset="0"/>
+                    <a:latin typeface="Cambria Math" panose="02040503050406030204" pitchFamily="18" charset="0"/>
+                    <a:ea typeface="Cambria Math" panose="02040503050406030204" pitchFamily="18" charset="0"/>
                   </a:rPr>
                   <a:t> - initial physiological state	</a:t>
                 </a:r>
@@ -7591,7 +7554,7 @@
                   <m:oMath xmlns:m="http://schemas.openxmlformats.org/officeDocument/2006/math">
                     <m:r>
                       <a:rPr lang="en-US" sz="2000" i="1">
-                        <a:latin typeface="Cambria Math"/>
+                        <a:latin typeface="Cambria Math" panose="02040503050406030204" pitchFamily="18" charset="0"/>
                         <a:ea typeface="Cambria Math" panose="02040503050406030204" pitchFamily="18" charset="0"/>
                       </a:rPr>
                       <m:t>𝑚</m:t>
@@ -7600,22 +7563,35 @@
                 </a14:m>
                 <a:r>
                   <a:rPr lang="en-US" altLang="he-IL" sz="2000" dirty="0" smtClean="0">
-                    <a:latin typeface="Times New Roman" pitchFamily="18" charset="0"/>
+                    <a:latin typeface="Cambria Math" panose="02040503050406030204" pitchFamily="18" charset="0"/>
+                    <a:ea typeface="Cambria Math" panose="02040503050406030204" pitchFamily="18" charset="0"/>
                   </a:rPr>
                   <a:t> – </a:t>
                 </a:r>
                 <a:r>
                   <a:rPr lang="en-US" altLang="he-IL" sz="2000" dirty="0" err="1" smtClean="0">
-                    <a:latin typeface="Times New Roman" pitchFamily="18" charset="0"/>
+                    <a:latin typeface="Cambria Math" panose="02040503050406030204" pitchFamily="18" charset="0"/>
+                    <a:ea typeface="Cambria Math" panose="02040503050406030204" pitchFamily="18" charset="0"/>
                   </a:rPr>
                   <a:t>physio</a:t>
                 </a:r>
                 <a:r>
                   <a:rPr lang="en-US" altLang="he-IL" sz="2000" dirty="0" smtClean="0">
-                    <a:latin typeface="Times New Roman" pitchFamily="18" charset="0"/>
+                    <a:latin typeface="Cambria Math" panose="02040503050406030204" pitchFamily="18" charset="0"/>
+                    <a:ea typeface="Cambria Math" panose="02040503050406030204" pitchFamily="18" charset="0"/>
                   </a:rPr>
                   <a:t>. adjustment rate</a:t>
                 </a:r>
+              </a:p>
+              <a:p>
+                <a:pPr eaLnBrk="1" hangingPunct="1">
+                  <a:spcBef>
+                    <a:spcPct val="10000"/>
+                  </a:spcBef>
+                </a:pPr>
+                <a:endParaRPr lang="en-US" altLang="he-IL" sz="2500" dirty="0" smtClean="0">
+                  <a:latin typeface="Times New Roman" pitchFamily="18" charset="0"/>
+                </a:endParaRPr>
               </a:p>
               <a:p>
                 <a:pPr eaLnBrk="1" hangingPunct="1">
@@ -8225,23 +8201,8 @@
                     </a:solidFill>
                     <a:latin typeface="Calibri" pitchFamily="34" charset="0"/>
                   </a:rPr>
-                  <a:t>Competition </a:t>
-                </a:r>
-                <a:r>
-                  <a:rPr lang="en-US" altLang="he-IL" sz="4200" b="1" dirty="0" smtClean="0">
-                    <a:solidFill>
-                      <a:srgbClr val="000000"/>
-                    </a:solidFill>
-                    <a:latin typeface="Calibri" pitchFamily="34" charset="0"/>
-                  </a:rPr>
-                  <a:t>prediction</a:t>
-                </a:r>
-                <a:endParaRPr lang="en-US" altLang="he-IL" sz="4200" b="1" dirty="0" smtClean="0">
-                  <a:solidFill>
-                    <a:srgbClr val="000000"/>
-                  </a:solidFill>
-                  <a:latin typeface="Calibri" pitchFamily="34" charset="0"/>
-                </a:endParaRPr>
+                  <a:t>Competition prediction</a:t>
+                </a:r>
               </a:p>
               <a:p>
                 <a:pPr eaLnBrk="1" hangingPunct="1">
@@ -8250,344 +8211,83 @@
                   </a:spcBef>
                 </a:pPr>
                 <a:r>
+                  <a:rPr lang="en-US" sz="2400" dirty="0" smtClean="0">
+                    <a:latin typeface="+mn-lt"/>
+                  </a:rPr>
+                  <a:t>Competitions </a:t>
+                </a:r>
+                <a:r>
+                  <a:rPr lang="en-US" sz="2400" dirty="0">
+                    <a:latin typeface="+mn-lt"/>
+                  </a:rPr>
+                  <a:t>will </a:t>
+                </a:r>
+                <a:r>
+                  <a:rPr lang="en-US" sz="2400" dirty="0" smtClean="0">
+                    <a:latin typeface="+mn-lt"/>
+                  </a:rPr>
+                  <a:t>be </a:t>
+                </a:r>
+                <a:r>
+                  <a:rPr lang="en-US" sz="2400" dirty="0">
+                    <a:latin typeface="+mn-lt"/>
+                  </a:rPr>
+                  <a:t>simulated by integrating a two-species ordinary differential equation (ODE</a:t>
+                </a:r>
+                <a:r>
+                  <a:rPr lang="en-US" sz="2400" dirty="0" smtClean="0">
+                    <a:latin typeface="+mn-lt"/>
+                  </a:rPr>
+                  <a:t>). For example, the </a:t>
+                </a:r>
+                <a:r>
+                  <a:rPr lang="en-US" altLang="he-IL" sz="2500" b="1" dirty="0" smtClean="0">
+                    <a:latin typeface="Times New Roman" pitchFamily="18" charset="0"/>
+                  </a:rPr>
+                  <a:t>two-strain </a:t>
+                </a:r>
+                <a:r>
+                  <a:rPr lang="en-US" altLang="he-IL" sz="2500" b="1" dirty="0">
+                    <a:latin typeface="Times New Roman" pitchFamily="18" charset="0"/>
+                  </a:rPr>
+                  <a:t>ordinary differential </a:t>
+                </a:r>
+                <a:r>
+                  <a:rPr lang="en-US" altLang="he-IL" sz="2500" b="1" dirty="0" smtClean="0">
+                    <a:latin typeface="Times New Roman" pitchFamily="18" charset="0"/>
+                  </a:rPr>
+                  <a:t>equation </a:t>
+                </a:r>
+                <a:r>
                   <a:rPr lang="en-US" altLang="he-IL" sz="2500" dirty="0" smtClean="0">
                     <a:latin typeface="Times New Roman" pitchFamily="18" charset="0"/>
                   </a:rPr>
-                  <a:t>Two-strain ordinary differential equation:</a:t>
-                </a:r>
-              </a:p>
-              <a:p>
-                <a:pPr eaLnBrk="1" hangingPunct="1">
-                  <a:spcBef>
-                    <a:spcPct val="10000"/>
-                  </a:spcBef>
-                </a:pPr>
-                <a14:m>
-                  <m:oMathPara xmlns:m="http://schemas.openxmlformats.org/officeDocument/2006/math">
-                    <m:oMathParaPr>
-                      <m:jc m:val="centerGroup"/>
-                    </m:oMathParaPr>
-                    <m:oMath xmlns:m="http://schemas.openxmlformats.org/officeDocument/2006/math">
-                      <m:f>
-                        <m:fPr>
-                          <m:ctrlPr>
-                            <a:rPr lang="en-US" altLang="he-IL" sz="2500" b="0" i="1" smtClean="0">
-                              <a:latin typeface="Cambria Math"/>
-                            </a:rPr>
-                          </m:ctrlPr>
-                        </m:fPr>
-                        <m:num>
-                          <m:r>
-                            <a:rPr lang="en-US" altLang="he-IL" sz="2500" b="0" i="1" smtClean="0">
-                              <a:latin typeface="Cambria Math"/>
-                            </a:rPr>
-                            <m:t>𝑑</m:t>
-                          </m:r>
-                          <m:sSub>
-                            <m:sSubPr>
-                              <m:ctrlPr>
-                                <a:rPr lang="en-US" altLang="he-IL" sz="2500" b="0" i="1" smtClean="0">
-                                  <a:latin typeface="Cambria Math"/>
-                                </a:rPr>
-                              </m:ctrlPr>
-                            </m:sSubPr>
-                            <m:e>
-                              <m:r>
-                                <a:rPr lang="en-US" altLang="he-IL" sz="2500" b="0" i="1" smtClean="0">
-                                  <a:latin typeface="Cambria Math"/>
-                                </a:rPr>
-                                <m:t>𝑁</m:t>
-                              </m:r>
-                            </m:e>
-                            <m:sub>
-                              <m:r>
-                                <a:rPr lang="en-US" altLang="he-IL" sz="2500" b="0" i="1" smtClean="0">
-                                  <a:latin typeface="Cambria Math"/>
-                                </a:rPr>
-                                <m:t>𝑖</m:t>
-                              </m:r>
-                            </m:sub>
-                          </m:sSub>
-                        </m:num>
-                        <m:den>
-                          <m:r>
-                            <a:rPr lang="en-US" altLang="he-IL" sz="2500" b="0" i="1" smtClean="0">
-                              <a:latin typeface="Cambria Math"/>
-                            </a:rPr>
-                            <m:t>𝑑𝑡</m:t>
-                          </m:r>
-                        </m:den>
-                      </m:f>
-                      <m:r>
-                        <a:rPr lang="en-US" altLang="he-IL" sz="2500" b="0" i="1" smtClean="0">
-                          <a:latin typeface="Cambria Math"/>
-                        </a:rPr>
-                        <m:t>=</m:t>
-                      </m:r>
-                      <m:sSub>
-                        <m:sSubPr>
-                          <m:ctrlPr>
-                            <a:rPr lang="en-US" altLang="he-IL" sz="2500" b="0" i="1" smtClean="0">
-                              <a:latin typeface="Cambria Math"/>
-                            </a:rPr>
-                          </m:ctrlPr>
-                        </m:sSubPr>
-                        <m:e>
-                          <m:r>
-                            <a:rPr lang="en-US" altLang="he-IL" sz="2500" b="0" i="1" smtClean="0">
-                              <a:latin typeface="Cambria Math"/>
-                            </a:rPr>
-                            <m:t>𝑟</m:t>
-                          </m:r>
-                        </m:e>
-                        <m:sub>
-                          <m:r>
-                            <a:rPr lang="en-US" altLang="he-IL" sz="2500" b="0" i="1" smtClean="0">
-                              <a:latin typeface="Cambria Math"/>
-                            </a:rPr>
-                            <m:t>𝑖</m:t>
-                          </m:r>
-                        </m:sub>
-                      </m:sSub>
-                      <m:sSub>
-                        <m:sSubPr>
-                          <m:ctrlPr>
-                            <a:rPr lang="en-US" altLang="he-IL" sz="2500" b="0" i="1" smtClean="0">
-                              <a:latin typeface="Cambria Math"/>
-                            </a:rPr>
-                          </m:ctrlPr>
-                        </m:sSubPr>
-                        <m:e>
-                          <m:r>
-                            <a:rPr lang="en-US" altLang="he-IL" sz="2500" b="0" i="1" smtClean="0">
-                              <a:latin typeface="Cambria Math"/>
-                            </a:rPr>
-                            <m:t>𝛼</m:t>
-                          </m:r>
-                        </m:e>
-                        <m:sub>
-                          <m:r>
-                            <a:rPr lang="en-US" altLang="he-IL" sz="2500" b="0" i="1" smtClean="0">
-                              <a:latin typeface="Cambria Math"/>
-                            </a:rPr>
-                            <m:t>𝑖</m:t>
-                          </m:r>
-                        </m:sub>
-                      </m:sSub>
-                      <m:d>
-                        <m:dPr>
-                          <m:ctrlPr>
-                            <a:rPr lang="en-US" altLang="he-IL" sz="2500" b="0" i="1" smtClean="0">
-                              <a:latin typeface="Cambria Math"/>
-                            </a:rPr>
-                          </m:ctrlPr>
-                        </m:dPr>
-                        <m:e>
-                          <m:r>
-                            <a:rPr lang="en-US" altLang="he-IL" sz="2500" b="0" i="1" smtClean="0">
-                              <a:latin typeface="Cambria Math"/>
-                            </a:rPr>
-                            <m:t>𝑡</m:t>
-                          </m:r>
-                        </m:e>
-                      </m:d>
-                      <m:sSub>
-                        <m:sSubPr>
-                          <m:ctrlPr>
-                            <a:rPr lang="en-US" altLang="he-IL" sz="2500" b="0" i="1" smtClean="0">
-                              <a:latin typeface="Cambria Math"/>
-                            </a:rPr>
-                          </m:ctrlPr>
-                        </m:sSubPr>
-                        <m:e>
-                          <m:r>
-                            <a:rPr lang="en-US" altLang="he-IL" sz="2500" b="0" i="1" smtClean="0">
-                              <a:latin typeface="Cambria Math"/>
-                            </a:rPr>
-                            <m:t>𝑁</m:t>
-                          </m:r>
-                        </m:e>
-                        <m:sub>
-                          <m:r>
-                            <a:rPr lang="en-US" altLang="he-IL" sz="2500" b="0" i="1" smtClean="0">
-                              <a:latin typeface="Cambria Math"/>
-                            </a:rPr>
-                            <m:t>𝑖</m:t>
-                          </m:r>
-                        </m:sub>
-                      </m:sSub>
-                      <m:d>
-                        <m:dPr>
-                          <m:ctrlPr>
-                            <a:rPr lang="en-US" altLang="he-IL" sz="2500" b="0" i="1" smtClean="0">
-                              <a:latin typeface="Cambria Math"/>
-                            </a:rPr>
-                          </m:ctrlPr>
-                        </m:dPr>
-                        <m:e>
-                          <m:r>
-                            <a:rPr lang="en-US" altLang="he-IL" sz="2500" b="0" i="1" smtClean="0">
-                              <a:latin typeface="Cambria Math"/>
-                            </a:rPr>
-                            <m:t>1</m:t>
-                          </m:r>
-                          <m:r>
-                            <a:rPr lang="en-US" altLang="he-IL" sz="2500" b="0" i="1" smtClean="0">
-                              <a:latin typeface="Cambria Math"/>
-                            </a:rPr>
-                            <m:t>−</m:t>
-                          </m:r>
-                          <m:sSup>
-                            <m:sSupPr>
-                              <m:ctrlPr>
-                                <a:rPr lang="en-US" altLang="he-IL" sz="2500" b="0" i="1" smtClean="0">
-                                  <a:latin typeface="Cambria Math"/>
-                                </a:rPr>
-                              </m:ctrlPr>
-                            </m:sSupPr>
-                            <m:e>
-                              <m:d>
-                                <m:dPr>
-                                  <m:ctrlPr>
-                                    <a:rPr lang="en-US" altLang="he-IL" sz="2500" b="0" i="1" smtClean="0">
-                                      <a:latin typeface="Cambria Math"/>
-                                    </a:rPr>
-                                  </m:ctrlPr>
-                                </m:dPr>
-                                <m:e>
-                                  <m:f>
-                                    <m:fPr>
-                                      <m:ctrlPr>
-                                        <a:rPr lang="en-US" altLang="he-IL" sz="2500" b="0" i="1" smtClean="0">
-                                          <a:latin typeface="Cambria Math"/>
-                                        </a:rPr>
-                                      </m:ctrlPr>
-                                    </m:fPr>
-                                    <m:num>
-                                      <m:sSub>
-                                        <m:sSubPr>
-                                          <m:ctrlPr>
-                                            <a:rPr lang="en-US" altLang="he-IL" sz="2500" b="0" i="1" smtClean="0">
-                                              <a:latin typeface="Cambria Math"/>
-                                            </a:rPr>
-                                          </m:ctrlPr>
-                                        </m:sSubPr>
-                                        <m:e>
-                                          <m:r>
-                                            <a:rPr lang="en-US" altLang="he-IL" sz="2500" b="0" i="1" smtClean="0">
-                                              <a:latin typeface="Cambria Math"/>
-                                            </a:rPr>
-                                            <m:t>𝑁</m:t>
-                                          </m:r>
-                                        </m:e>
-                                        <m:sub>
-                                          <m:r>
-                                            <a:rPr lang="en-US" altLang="he-IL" sz="2500" b="0" i="1" smtClean="0">
-                                              <a:latin typeface="Cambria Math"/>
-                                            </a:rPr>
-                                            <m:t>𝐺</m:t>
-                                          </m:r>
-                                        </m:sub>
-                                      </m:sSub>
-                                      <m:r>
-                                        <a:rPr lang="en-US" altLang="he-IL" sz="2500" b="0" i="1" smtClean="0">
-                                          <a:latin typeface="Cambria Math"/>
-                                        </a:rPr>
-                                        <m:t>+</m:t>
-                                      </m:r>
-                                      <m:sSub>
-                                        <m:sSubPr>
-                                          <m:ctrlPr>
-                                            <a:rPr lang="en-US" altLang="he-IL" sz="2500" b="0" i="1" smtClean="0">
-                                              <a:latin typeface="Cambria Math"/>
-                                            </a:rPr>
-                                          </m:ctrlPr>
-                                        </m:sSubPr>
-                                        <m:e>
-                                          <m:r>
-                                            <a:rPr lang="en-US" altLang="he-IL" sz="2500" b="0" i="1" smtClean="0">
-                                              <a:latin typeface="Cambria Math"/>
-                                            </a:rPr>
-                                            <m:t>𝑁</m:t>
-                                          </m:r>
-                                        </m:e>
-                                        <m:sub>
-                                          <m:r>
-                                            <a:rPr lang="en-US" altLang="he-IL" sz="2500" b="0" i="1" smtClean="0">
-                                              <a:latin typeface="Cambria Math"/>
-                                            </a:rPr>
-                                            <m:t>𝑅</m:t>
-                                          </m:r>
-                                        </m:sub>
-                                      </m:sSub>
-                                    </m:num>
-                                    <m:den>
-                                      <m:sSub>
-                                        <m:sSubPr>
-                                          <m:ctrlPr>
-                                            <a:rPr lang="en-US" altLang="he-IL" sz="2500" b="0" i="1" smtClean="0">
-                                              <a:latin typeface="Cambria Math"/>
-                                            </a:rPr>
-                                          </m:ctrlPr>
-                                        </m:sSubPr>
-                                        <m:e>
-                                          <m:r>
-                                            <a:rPr lang="en-US" altLang="he-IL" sz="2500" b="0" i="1" smtClean="0">
-                                              <a:latin typeface="Cambria Math"/>
-                                            </a:rPr>
-                                            <m:t>𝐾</m:t>
-                                          </m:r>
-                                        </m:e>
-                                        <m:sub>
-                                          <m:r>
-                                            <a:rPr lang="en-US" altLang="he-IL" sz="2500" b="0" i="1" smtClean="0">
-                                              <a:latin typeface="Cambria Math"/>
-                                            </a:rPr>
-                                            <m:t>𝑖</m:t>
-                                          </m:r>
-                                        </m:sub>
-                                      </m:sSub>
-                                    </m:den>
-                                  </m:f>
-                                </m:e>
-                              </m:d>
-                            </m:e>
-                            <m:sup>
-                              <m:sSub>
-                                <m:sSubPr>
-                                  <m:ctrlPr>
-                                    <a:rPr lang="en-US" altLang="he-IL" sz="2500" b="0" i="1" smtClean="0">
-                                      <a:latin typeface="Cambria Math"/>
-                                    </a:rPr>
-                                  </m:ctrlPr>
-                                </m:sSubPr>
-                                <m:e>
-                                  <m:r>
-                                    <a:rPr lang="en-US" altLang="he-IL" sz="2500" b="0" i="1" smtClean="0">
-                                      <a:latin typeface="Cambria Math"/>
-                                    </a:rPr>
-                                    <m:t>𝜈</m:t>
-                                  </m:r>
-                                </m:e>
-                                <m:sub>
-                                  <m:r>
-                                    <a:rPr lang="en-US" altLang="he-IL" sz="2500" b="0" i="1" smtClean="0">
-                                      <a:latin typeface="Cambria Math"/>
-                                    </a:rPr>
-                                    <m:t>𝑖</m:t>
-                                  </m:r>
-                                </m:sub>
-                              </m:sSub>
-                            </m:sup>
-                          </m:sSup>
-                        </m:e>
-                      </m:d>
-                    </m:oMath>
-                  </m:oMathPara>
-                </a14:m>
-                <a:endParaRPr lang="en-US" altLang="he-IL" sz="2500" dirty="0" smtClean="0">
-                  <a:latin typeface="Times New Roman" pitchFamily="18" charset="0"/>
-                </a:endParaRPr>
+                  <a:t>for the </a:t>
+                </a:r>
+                <a:r>
+                  <a:rPr lang="en-US" altLang="he-IL" sz="2500" dirty="0" err="1" smtClean="0">
+                    <a:latin typeface="Times New Roman" pitchFamily="18" charset="0"/>
+                  </a:rPr>
+                  <a:t>Baranyi</a:t>
+                </a:r>
+                <a:r>
+                  <a:rPr lang="en-US" altLang="he-IL" sz="2500" dirty="0" smtClean="0">
+                    <a:latin typeface="Times New Roman" pitchFamily="18" charset="0"/>
+                  </a:rPr>
+                  <a:t>-Roberts model is</a:t>
+                </a:r>
+                <a:r>
+                  <a:rPr lang="en-US" altLang="he-IL" sz="2500" baseline="30000" dirty="0" smtClean="0">
+                    <a:latin typeface="Times New Roman" pitchFamily="18" charset="0"/>
+                  </a:rPr>
+                  <a:t>1,4</a:t>
+                </a:r>
+                <a:r>
+                  <a:rPr lang="en-US" altLang="he-IL" sz="2500" dirty="0" smtClean="0">
+                    <a:latin typeface="Times New Roman" pitchFamily="18" charset="0"/>
+                  </a:rPr>
+                  <a:t>:</a:t>
+                </a:r>
               </a:p>
               <a:p>
                 <a:pPr eaLnBrk="1" hangingPunct="1">
@@ -8605,264 +8305,375 @@
                     <a:spcPct val="10000"/>
                   </a:spcBef>
                 </a:pPr>
-                <a:r>
-                  <a:rPr lang="en-GB" sz="2400" dirty="0" err="1"/>
-                  <a:t>Suspendisse</a:t>
-                </a:r>
-                <a:r>
-                  <a:rPr lang="en-GB" sz="2400" dirty="0"/>
-                  <a:t> </a:t>
-                </a:r>
-                <a:r>
-                  <a:rPr lang="en-GB" sz="2400" dirty="0" err="1"/>
-                  <a:t>lectus</a:t>
-                </a:r>
-                <a:r>
-                  <a:rPr lang="en-GB" sz="2400" dirty="0"/>
-                  <a:t> </a:t>
-                </a:r>
-                <a:r>
-                  <a:rPr lang="en-GB" sz="2400" dirty="0" err="1"/>
-                  <a:t>leo</a:t>
-                </a:r>
-                <a:r>
-                  <a:rPr lang="en-GB" sz="2400" dirty="0"/>
-                  <a:t>, </a:t>
-                </a:r>
-                <a:r>
-                  <a:rPr lang="en-GB" sz="2400" dirty="0" err="1"/>
-                  <a:t>consectetur</a:t>
-                </a:r>
-                <a:r>
-                  <a:rPr lang="en-GB" sz="2400" dirty="0"/>
-                  <a:t> in </a:t>
-                </a:r>
-                <a:r>
-                  <a:rPr lang="en-GB" sz="2400" dirty="0" err="1"/>
-                  <a:t>tempor</a:t>
-                </a:r>
-                <a:r>
-                  <a:rPr lang="en-GB" sz="2400" dirty="0"/>
-                  <a:t> sit </a:t>
-                </a:r>
-                <a:r>
-                  <a:rPr lang="en-GB" sz="2400" dirty="0" err="1"/>
-                  <a:t>amet</a:t>
-                </a:r>
-                <a:r>
-                  <a:rPr lang="en-GB" sz="2400" dirty="0"/>
-                  <a:t>, </a:t>
-                </a:r>
-                <a:r>
-                  <a:rPr lang="en-GB" sz="2400" dirty="0" err="1"/>
-                  <a:t>placerat</a:t>
-                </a:r>
-                <a:r>
-                  <a:rPr lang="en-GB" sz="2400" dirty="0"/>
-                  <a:t> </a:t>
-                </a:r>
-                <a:r>
-                  <a:rPr lang="en-GB" sz="2400" dirty="0" err="1"/>
-                  <a:t>quis</a:t>
-                </a:r>
-                <a:r>
-                  <a:rPr lang="en-GB" sz="2400" dirty="0"/>
-                  <a:t> </a:t>
-                </a:r>
-                <a:r>
-                  <a:rPr lang="en-GB" sz="2400" dirty="0" err="1"/>
-                  <a:t>neque</a:t>
-                </a:r>
-                <a:r>
-                  <a:rPr lang="en-GB" sz="2400" dirty="0"/>
-                  <a:t>. </a:t>
-                </a:r>
-                <a:r>
-                  <a:rPr lang="en-GB" sz="2400" dirty="0" err="1"/>
-                  <a:t>Etiam</a:t>
-                </a:r>
-                <a:r>
-                  <a:rPr lang="en-GB" sz="2400" dirty="0"/>
-                  <a:t> </a:t>
-                </a:r>
-                <a:r>
-                  <a:rPr lang="en-GB" sz="2400" dirty="0" err="1"/>
-                  <a:t>luctus</a:t>
-                </a:r>
-                <a:r>
-                  <a:rPr lang="en-GB" sz="2400" dirty="0"/>
-                  <a:t> </a:t>
-                </a:r>
-                <a:r>
-                  <a:rPr lang="en-GB" sz="2400" dirty="0" err="1"/>
-                  <a:t>porttitor</a:t>
-                </a:r>
-                <a:r>
-                  <a:rPr lang="en-GB" sz="2400" dirty="0"/>
-                  <a:t> lorem, </a:t>
-                </a:r>
-                <a:r>
-                  <a:rPr lang="en-GB" sz="2400" dirty="0" err="1"/>
-                  <a:t>sed</a:t>
-                </a:r>
-                <a:r>
-                  <a:rPr lang="en-GB" sz="2400" dirty="0"/>
-                  <a:t> </a:t>
-                </a:r>
-                <a:r>
-                  <a:rPr lang="en-GB" sz="2400" dirty="0" err="1"/>
-                  <a:t>suscipit</a:t>
-                </a:r>
-                <a:r>
-                  <a:rPr lang="en-GB" sz="2400" dirty="0"/>
-                  <a:t> </a:t>
-                </a:r>
-                <a:r>
-                  <a:rPr lang="en-GB" sz="2400" dirty="0" err="1"/>
-                  <a:t>est</a:t>
-                </a:r>
-                <a:r>
-                  <a:rPr lang="en-GB" sz="2400" dirty="0"/>
-                  <a:t> </a:t>
-                </a:r>
-                <a:r>
-                  <a:rPr lang="en-GB" sz="2400" dirty="0" err="1"/>
-                  <a:t>rutrum</a:t>
-                </a:r>
-                <a:r>
-                  <a:rPr lang="en-GB" sz="2400" dirty="0"/>
-                  <a:t> non. </a:t>
-                </a:r>
-                <a:r>
-                  <a:rPr lang="en-GB" sz="2400" dirty="0" err="1"/>
-                  <a:t>Curabitur</a:t>
-                </a:r>
-                <a:r>
-                  <a:rPr lang="en-GB" sz="2400" dirty="0"/>
-                  <a:t> </a:t>
-                </a:r>
-                <a:r>
-                  <a:rPr lang="en-GB" sz="2400" dirty="0" err="1"/>
-                  <a:t>lobortis</a:t>
-                </a:r>
-                <a:r>
-                  <a:rPr lang="en-GB" sz="2400" dirty="0"/>
-                  <a:t> </a:t>
-                </a:r>
-                <a:r>
-                  <a:rPr lang="en-GB" sz="2400" dirty="0" err="1"/>
-                  <a:t>nisl</a:t>
-                </a:r>
-                <a:r>
-                  <a:rPr lang="en-GB" sz="2400" dirty="0"/>
-                  <a:t> a </a:t>
-                </a:r>
-                <a:r>
-                  <a:rPr lang="en-GB" sz="2400" dirty="0" err="1"/>
-                  <a:t>enim</a:t>
-                </a:r>
-                <a:r>
-                  <a:rPr lang="en-GB" sz="2400" dirty="0"/>
-                  <a:t> </a:t>
-                </a:r>
-                <a:r>
-                  <a:rPr lang="en-GB" sz="2400" dirty="0" err="1"/>
-                  <a:t>congue</a:t>
-                </a:r>
-                <a:r>
-                  <a:rPr lang="en-GB" sz="2400" dirty="0"/>
-                  <a:t> semper. </a:t>
-                </a:r>
-                <a:r>
-                  <a:rPr lang="en-GB" sz="2400" dirty="0" err="1"/>
-                  <a:t>Aenean</a:t>
-                </a:r>
-                <a:r>
-                  <a:rPr lang="en-GB" sz="2400" dirty="0"/>
-                  <a:t> </a:t>
-                </a:r>
-                <a:r>
-                  <a:rPr lang="en-GB" sz="2400" dirty="0" err="1"/>
-                  <a:t>commodo</a:t>
-                </a:r>
-                <a:r>
-                  <a:rPr lang="en-GB" sz="2400" dirty="0"/>
-                  <a:t> </a:t>
-                </a:r>
-                <a:r>
-                  <a:rPr lang="en-GB" sz="2400" dirty="0" err="1"/>
-                  <a:t>ultrices</a:t>
-                </a:r>
-                <a:r>
-                  <a:rPr lang="en-GB" sz="2400" dirty="0"/>
-                  <a:t> </a:t>
-                </a:r>
-                <a:r>
-                  <a:rPr lang="en-GB" sz="2400" dirty="0" err="1"/>
-                  <a:t>imperdiet</a:t>
-                </a:r>
-                <a:r>
-                  <a:rPr lang="en-GB" sz="2400" dirty="0"/>
-                  <a:t>. </a:t>
-                </a:r>
-                <a:r>
-                  <a:rPr lang="en-GB" sz="2400" dirty="0" err="1"/>
-                  <a:t>Vestibulum</a:t>
-                </a:r>
-                <a:r>
-                  <a:rPr lang="en-GB" sz="2400" dirty="0"/>
-                  <a:t> </a:t>
-                </a:r>
-                <a:r>
-                  <a:rPr lang="en-GB" sz="2400" dirty="0" err="1"/>
-                  <a:t>ut</a:t>
-                </a:r>
-                <a:r>
-                  <a:rPr lang="en-GB" sz="2400" dirty="0"/>
-                  <a:t> </a:t>
-                </a:r>
-                <a:r>
-                  <a:rPr lang="en-GB" sz="2400" dirty="0" err="1"/>
-                  <a:t>justo</a:t>
-                </a:r>
-                <a:r>
-                  <a:rPr lang="en-GB" sz="2400" dirty="0"/>
-                  <a:t> </a:t>
-                </a:r>
-                <a:r>
-                  <a:rPr lang="en-GB" sz="2400" dirty="0" err="1"/>
-                  <a:t>vel</a:t>
-                </a:r>
-                <a:r>
-                  <a:rPr lang="en-GB" sz="2400" dirty="0"/>
-                  <a:t> </a:t>
-                </a:r>
-                <a:r>
-                  <a:rPr lang="en-GB" sz="2400" dirty="0" err="1"/>
-                  <a:t>sapien</a:t>
-                </a:r>
-                <a:r>
-                  <a:rPr lang="en-GB" sz="2400" dirty="0"/>
-                  <a:t> </a:t>
-                </a:r>
-                <a:r>
-                  <a:rPr lang="en-GB" sz="2400" dirty="0" err="1"/>
-                  <a:t>venenatis</a:t>
-                </a:r>
-                <a:r>
-                  <a:rPr lang="en-GB" sz="2400" dirty="0"/>
-                  <a:t> </a:t>
-                </a:r>
-                <a:r>
-                  <a:rPr lang="en-GB" sz="2400" dirty="0" err="1"/>
-                  <a:t>tincidunt</a:t>
-                </a:r>
-                <a:r>
-                  <a:rPr lang="en-GB" sz="2400" dirty="0" smtClean="0"/>
-                  <a:t>.</a:t>
-                </a:r>
+                <a14:m>
+                  <m:oMathPara xmlns:m="http://schemas.openxmlformats.org/officeDocument/2006/math">
+                    <m:oMathParaPr>
+                      <m:jc m:val="centerGroup"/>
+                    </m:oMathParaPr>
+                    <m:oMath xmlns:m="http://schemas.openxmlformats.org/officeDocument/2006/math">
+                      <m:f>
+                        <m:fPr>
+                          <m:ctrlPr>
+                            <a:rPr lang="en-US" altLang="he-IL" sz="2500" i="1">
+                              <a:latin typeface="Cambria Math"/>
+                            </a:rPr>
+                          </m:ctrlPr>
+                        </m:fPr>
+                        <m:num>
+                          <m:r>
+                            <a:rPr lang="en-US" altLang="he-IL" sz="2500" i="1">
+                              <a:latin typeface="Cambria Math"/>
+                            </a:rPr>
+                            <m:t>𝑑</m:t>
+                          </m:r>
+                          <m:sSub>
+                            <m:sSubPr>
+                              <m:ctrlPr>
+                                <a:rPr lang="en-US" altLang="he-IL" sz="2500" i="1">
+                                  <a:latin typeface="Cambria Math"/>
+                                </a:rPr>
+                              </m:ctrlPr>
+                            </m:sSubPr>
+                            <m:e>
+                              <m:r>
+                                <a:rPr lang="en-US" altLang="he-IL" sz="2500" i="1">
+                                  <a:latin typeface="Cambria Math"/>
+                                </a:rPr>
+                                <m:t>𝑁</m:t>
+                              </m:r>
+                            </m:e>
+                            <m:sub>
+                              <m:r>
+                                <a:rPr lang="en-US" altLang="he-IL" sz="2500" i="1">
+                                  <a:latin typeface="Cambria Math"/>
+                                </a:rPr>
+                                <m:t>𝑖</m:t>
+                              </m:r>
+                            </m:sub>
+                          </m:sSub>
+                        </m:num>
+                        <m:den>
+                          <m:r>
+                            <a:rPr lang="en-US" altLang="he-IL" sz="2500" i="1">
+                              <a:latin typeface="Cambria Math"/>
+                            </a:rPr>
+                            <m:t>𝑑𝑡</m:t>
+                          </m:r>
+                        </m:den>
+                      </m:f>
+                      <m:r>
+                        <a:rPr lang="en-US" altLang="he-IL" sz="2500" i="1">
+                          <a:latin typeface="Cambria Math"/>
+                        </a:rPr>
+                        <m:t>=</m:t>
+                      </m:r>
+                      <m:sSub>
+                        <m:sSubPr>
+                          <m:ctrlPr>
+                            <a:rPr lang="en-US" altLang="he-IL" sz="2500" i="1">
+                              <a:latin typeface="Cambria Math"/>
+                            </a:rPr>
+                          </m:ctrlPr>
+                        </m:sSubPr>
+                        <m:e>
+                          <m:r>
+                            <a:rPr lang="en-US" altLang="he-IL" sz="2500" i="1">
+                              <a:latin typeface="Cambria Math"/>
+                            </a:rPr>
+                            <m:t>𝑟</m:t>
+                          </m:r>
+                        </m:e>
+                        <m:sub>
+                          <m:r>
+                            <a:rPr lang="en-US" altLang="he-IL" sz="2500" i="1">
+                              <a:latin typeface="Cambria Math"/>
+                            </a:rPr>
+                            <m:t>𝑖</m:t>
+                          </m:r>
+                        </m:sub>
+                      </m:sSub>
+                      <m:sSub>
+                        <m:sSubPr>
+                          <m:ctrlPr>
+                            <a:rPr lang="en-US" altLang="he-IL" sz="2500" i="1">
+                              <a:latin typeface="Cambria Math"/>
+                            </a:rPr>
+                          </m:ctrlPr>
+                        </m:sSubPr>
+                        <m:e>
+                          <m:r>
+                            <a:rPr lang="en-US" altLang="he-IL" sz="2500" i="1">
+                              <a:latin typeface="Cambria Math"/>
+                            </a:rPr>
+                            <m:t>𝛼</m:t>
+                          </m:r>
+                        </m:e>
+                        <m:sub>
+                          <m:r>
+                            <a:rPr lang="en-US" altLang="he-IL" sz="2500" i="1">
+                              <a:latin typeface="Cambria Math"/>
+                            </a:rPr>
+                            <m:t>𝑖</m:t>
+                          </m:r>
+                        </m:sub>
+                      </m:sSub>
+                      <m:d>
+                        <m:dPr>
+                          <m:ctrlPr>
+                            <a:rPr lang="en-US" altLang="he-IL" sz="2500" i="1">
+                              <a:latin typeface="Cambria Math"/>
+                            </a:rPr>
+                          </m:ctrlPr>
+                        </m:dPr>
+                        <m:e>
+                          <m:r>
+                            <a:rPr lang="en-US" altLang="he-IL" sz="2500" i="1">
+                              <a:latin typeface="Cambria Math"/>
+                            </a:rPr>
+                            <m:t>𝑡</m:t>
+                          </m:r>
+                        </m:e>
+                      </m:d>
+                      <m:sSub>
+                        <m:sSubPr>
+                          <m:ctrlPr>
+                            <a:rPr lang="en-US" altLang="he-IL" sz="2500" i="1">
+                              <a:latin typeface="Cambria Math"/>
+                            </a:rPr>
+                          </m:ctrlPr>
+                        </m:sSubPr>
+                        <m:e>
+                          <m:r>
+                            <a:rPr lang="en-US" altLang="he-IL" sz="2500" i="1">
+                              <a:latin typeface="Cambria Math"/>
+                            </a:rPr>
+                            <m:t>𝑁</m:t>
+                          </m:r>
+                        </m:e>
+                        <m:sub>
+                          <m:r>
+                            <a:rPr lang="en-US" altLang="he-IL" sz="2500" i="1">
+                              <a:latin typeface="Cambria Math"/>
+                            </a:rPr>
+                            <m:t>𝑖</m:t>
+                          </m:r>
+                        </m:sub>
+                      </m:sSub>
+                      <m:d>
+                        <m:dPr>
+                          <m:ctrlPr>
+                            <a:rPr lang="en-US" altLang="he-IL" sz="2500" i="1">
+                              <a:latin typeface="Cambria Math"/>
+                            </a:rPr>
+                          </m:ctrlPr>
+                        </m:dPr>
+                        <m:e>
+                          <m:r>
+                            <a:rPr lang="en-US" altLang="he-IL" sz="2500" i="1">
+                              <a:latin typeface="Cambria Math"/>
+                            </a:rPr>
+                            <m:t>1</m:t>
+                          </m:r>
+                          <m:r>
+                            <a:rPr lang="en-US" altLang="he-IL" sz="2500" i="1">
+                              <a:latin typeface="Cambria Math"/>
+                            </a:rPr>
+                            <m:t>−</m:t>
+                          </m:r>
+                          <m:sSup>
+                            <m:sSupPr>
+                              <m:ctrlPr>
+                                <a:rPr lang="en-US" altLang="he-IL" sz="2500" i="1">
+                                  <a:latin typeface="Cambria Math"/>
+                                </a:rPr>
+                              </m:ctrlPr>
+                            </m:sSupPr>
+                            <m:e>
+                              <m:d>
+                                <m:dPr>
+                                  <m:ctrlPr>
+                                    <a:rPr lang="en-US" altLang="he-IL" sz="2500" i="1">
+                                      <a:latin typeface="Cambria Math"/>
+                                    </a:rPr>
+                                  </m:ctrlPr>
+                                </m:dPr>
+                                <m:e>
+                                  <m:f>
+                                    <m:fPr>
+                                      <m:ctrlPr>
+                                        <a:rPr lang="en-US" altLang="he-IL" sz="2500" i="1">
+                                          <a:latin typeface="Cambria Math"/>
+                                        </a:rPr>
+                                      </m:ctrlPr>
+                                    </m:fPr>
+                                    <m:num>
+                                      <m:sSub>
+                                        <m:sSubPr>
+                                          <m:ctrlPr>
+                                            <a:rPr lang="en-US" altLang="he-IL" sz="2500" i="1">
+                                              <a:latin typeface="Cambria Math"/>
+                                            </a:rPr>
+                                          </m:ctrlPr>
+                                        </m:sSubPr>
+                                        <m:e>
+                                          <m:r>
+                                            <a:rPr lang="en-US" altLang="he-IL" sz="2500" i="1">
+                                              <a:latin typeface="Cambria Math"/>
+                                            </a:rPr>
+                                            <m:t>𝑁</m:t>
+                                          </m:r>
+                                        </m:e>
+                                        <m:sub>
+                                          <m:r>
+                                            <a:rPr lang="en-US" altLang="he-IL" sz="2500" i="1">
+                                              <a:latin typeface="Cambria Math"/>
+                                            </a:rPr>
+                                            <m:t>𝐺</m:t>
+                                          </m:r>
+                                        </m:sub>
+                                      </m:sSub>
+                                      <m:r>
+                                        <a:rPr lang="en-US" altLang="he-IL" sz="2500" i="1">
+                                          <a:latin typeface="Cambria Math"/>
+                                        </a:rPr>
+                                        <m:t>+</m:t>
+                                      </m:r>
+                                      <m:sSub>
+                                        <m:sSubPr>
+                                          <m:ctrlPr>
+                                            <a:rPr lang="en-US" altLang="he-IL" sz="2500" i="1">
+                                              <a:latin typeface="Cambria Math"/>
+                                            </a:rPr>
+                                          </m:ctrlPr>
+                                        </m:sSubPr>
+                                        <m:e>
+                                          <m:r>
+                                            <a:rPr lang="en-US" altLang="he-IL" sz="2500" i="1">
+                                              <a:latin typeface="Cambria Math"/>
+                                            </a:rPr>
+                                            <m:t>𝑁</m:t>
+                                          </m:r>
+                                        </m:e>
+                                        <m:sub>
+                                          <m:r>
+                                            <a:rPr lang="en-US" altLang="he-IL" sz="2500" i="1">
+                                              <a:latin typeface="Cambria Math"/>
+                                            </a:rPr>
+                                            <m:t>𝑅</m:t>
+                                          </m:r>
+                                        </m:sub>
+                                      </m:sSub>
+                                    </m:num>
+                                    <m:den>
+                                      <m:sSub>
+                                        <m:sSubPr>
+                                          <m:ctrlPr>
+                                            <a:rPr lang="en-US" altLang="he-IL" sz="2500" i="1">
+                                              <a:latin typeface="Cambria Math"/>
+                                            </a:rPr>
+                                          </m:ctrlPr>
+                                        </m:sSubPr>
+                                        <m:e>
+                                          <m:r>
+                                            <a:rPr lang="en-US" altLang="he-IL" sz="2500" i="1">
+                                              <a:latin typeface="Cambria Math"/>
+                                            </a:rPr>
+                                            <m:t>𝐾</m:t>
+                                          </m:r>
+                                        </m:e>
+                                        <m:sub>
+                                          <m:r>
+                                            <a:rPr lang="en-US" altLang="he-IL" sz="2500" i="1">
+                                              <a:latin typeface="Cambria Math"/>
+                                            </a:rPr>
+                                            <m:t>𝑖</m:t>
+                                          </m:r>
+                                        </m:sub>
+                                      </m:sSub>
+                                    </m:den>
+                                  </m:f>
+                                </m:e>
+                              </m:d>
+                            </m:e>
+                            <m:sup>
+                              <m:sSub>
+                                <m:sSubPr>
+                                  <m:ctrlPr>
+                                    <a:rPr lang="en-US" altLang="he-IL" sz="2500" i="1">
+                                      <a:latin typeface="Cambria Math"/>
+                                    </a:rPr>
+                                  </m:ctrlPr>
+                                </m:sSubPr>
+                                <m:e>
+                                  <m:r>
+                                    <a:rPr lang="en-US" altLang="he-IL" sz="2500" i="1">
+                                      <a:latin typeface="Cambria Math"/>
+                                    </a:rPr>
+                                    <m:t>𝜈</m:t>
+                                  </m:r>
+                                </m:e>
+                                <m:sub>
+                                  <m:r>
+                                    <a:rPr lang="en-US" altLang="he-IL" sz="2500" i="1">
+                                      <a:latin typeface="Cambria Math"/>
+                                    </a:rPr>
+                                    <m:t>𝑖</m:t>
+                                  </m:r>
+                                </m:sub>
+                              </m:sSub>
+                            </m:sup>
+                          </m:sSup>
+                        </m:e>
+                      </m:d>
+                    </m:oMath>
+                  </m:oMathPara>
+                </a14:m>
                 <a:endParaRPr lang="en-US" altLang="he-IL" sz="2500" dirty="0">
                   <a:latin typeface="Times New Roman" pitchFamily="18" charset="0"/>
+                </a:endParaRPr>
+              </a:p>
+              <a:p>
+                <a:pPr eaLnBrk="1" hangingPunct="1">
+                  <a:spcBef>
+                    <a:spcPct val="10000"/>
+                  </a:spcBef>
+                </a:pPr>
+                <a:endParaRPr lang="en-US" altLang="he-IL" sz="2500" dirty="0" smtClean="0">
+                  <a:latin typeface="+mn-lt"/>
+                </a:endParaRPr>
+              </a:p>
+              <a:p>
+                <a:pPr eaLnBrk="1" hangingPunct="1">
+                  <a:spcBef>
+                    <a:spcPct val="10000"/>
+                  </a:spcBef>
+                </a:pPr>
+                <a:r>
+                  <a:rPr lang="en-US" altLang="he-IL" sz="2500" dirty="0" smtClean="0">
+                    <a:latin typeface="+mn-lt"/>
+                  </a:rPr>
+                  <a:t>We assume that the only interaction between strains in </a:t>
+                </a:r>
+                <a:r>
+                  <a:rPr lang="en-US" altLang="he-IL" sz="2500" b="1" dirty="0" smtClean="0">
+                    <a:latin typeface="+mn-lt"/>
+                  </a:rPr>
+                  <a:t>resource competition</a:t>
+                </a:r>
+                <a:r>
+                  <a:rPr lang="en-US" altLang="he-IL" sz="2500" baseline="30000" dirty="0" smtClean="0">
+                    <a:latin typeface="+mn-lt"/>
+                  </a:rPr>
+                  <a:t>2,4</a:t>
+                </a:r>
+                <a:r>
+                  <a:rPr lang="en-US" altLang="he-IL" sz="2500" dirty="0" smtClean="0">
+                    <a:latin typeface="+mn-lt"/>
+                  </a:rPr>
+                  <a:t>.</a:t>
+                </a:r>
+                <a:endParaRPr lang="en-US" altLang="he-IL" sz="2500" dirty="0">
+                  <a:latin typeface="+mn-lt"/>
                 </a:endParaRPr>
               </a:p>
             </p:txBody>
@@ -9288,224 +9099,204 @@
             </a:r>
           </a:p>
           <a:p>
-            <a:pPr marL="439035" indent="-439035">
+            <a:pPr marL="457200" indent="-457200">
+              <a:buFont typeface="+mj-lt"/>
+              <a:buAutoNum type="arabicPeriod"/>
               <a:defRPr/>
             </a:pPr>
             <a:r>
-              <a:rPr lang="en-US" sz="2300" dirty="0" err="1">
+              <a:rPr lang="en-US" sz="2200" dirty="0" err="1" smtClean="0">
                 <a:latin typeface="+mn-lt"/>
               </a:rPr>
               <a:t>Baranyi</a:t>
             </a:r>
             <a:r>
-              <a:rPr lang="en-US" sz="2300" dirty="0">
+              <a:rPr lang="en-US" sz="2200" dirty="0">
                 <a:latin typeface="+mn-lt"/>
               </a:rPr>
               <a:t>, J., Roberts, T. A., 1994. </a:t>
             </a:r>
             <a:r>
-              <a:rPr lang="en-US" sz="2300" i="1" dirty="0">
+              <a:rPr lang="en-US" sz="2200" i="1" dirty="0">
                 <a:latin typeface="+mn-lt"/>
               </a:rPr>
-              <a:t>A dynamic </a:t>
-            </a:r>
-            <a:r>
-              <a:rPr lang="en-US" sz="2300" i="1" dirty="0">
-                <a:latin typeface="+mn-lt"/>
-              </a:rPr>
-              <a:t>approach to </a:t>
-            </a:r>
-            <a:r>
-              <a:rPr lang="en-US" sz="2300" i="1" dirty="0">
-                <a:latin typeface="+mn-lt"/>
-              </a:rPr>
-              <a:t>predicting bacterial growth in food</a:t>
-            </a:r>
-            <a:r>
-              <a:rPr lang="en-US" sz="2300" dirty="0">
+              <a:t>A dynamic approach to predicting bacterial growth in food</a:t>
+            </a:r>
+            <a:r>
+              <a:rPr lang="en-US" sz="2200" dirty="0">
                 <a:latin typeface="+mn-lt"/>
               </a:rPr>
               <a:t>. Int. J. Food </a:t>
             </a:r>
             <a:r>
-              <a:rPr lang="en-US" sz="2300" dirty="0" err="1">
+              <a:rPr lang="en-US" sz="2200" dirty="0" err="1">
                 <a:latin typeface="+mn-lt"/>
               </a:rPr>
               <a:t>Microbiol</a:t>
             </a:r>
             <a:r>
-              <a:rPr lang="en-US" sz="2300" dirty="0">
+              <a:rPr lang="en-US" sz="2200" dirty="0">
                 <a:latin typeface="+mn-lt"/>
               </a:rPr>
               <a:t>. 23, 277–294.</a:t>
             </a:r>
           </a:p>
           <a:p>
-            <a:pPr marL="439035" indent="-439035">
+            <a:pPr marL="457200" indent="-457200">
+              <a:buFont typeface="+mj-lt"/>
+              <a:buAutoNum type="arabicPeriod"/>
               <a:defRPr/>
             </a:pPr>
             <a:r>
-              <a:rPr lang="en-US" sz="2300" dirty="0" err="1">
+              <a:rPr lang="en-US" sz="2200" dirty="0" err="1">
                 <a:latin typeface="+mn-lt"/>
               </a:rPr>
               <a:t>Chevin</a:t>
             </a:r>
             <a:r>
-              <a:rPr lang="en-US" sz="2300" dirty="0">
+              <a:rPr lang="en-US" sz="2200" dirty="0">
                 <a:latin typeface="+mn-lt"/>
               </a:rPr>
               <a:t>, L.-M., 2011. </a:t>
             </a:r>
             <a:r>
-              <a:rPr lang="en-US" sz="2300" i="1" dirty="0">
+              <a:rPr lang="en-US" sz="2200" i="1" dirty="0">
                 <a:latin typeface="+mn-lt"/>
               </a:rPr>
               <a:t>On measuring selection </a:t>
             </a:r>
             <a:r>
-              <a:rPr lang="en-US" sz="2300" i="1" dirty="0" smtClean="0">
+              <a:rPr lang="en-US" sz="2200" i="1" dirty="0" smtClean="0">
                 <a:latin typeface="+mn-lt"/>
               </a:rPr>
               <a:t>in experimental </a:t>
             </a:r>
             <a:r>
-              <a:rPr lang="en-US" sz="2300" i="1" dirty="0">
+              <a:rPr lang="en-US" sz="2200" i="1" dirty="0">
                 <a:latin typeface="+mn-lt"/>
               </a:rPr>
               <a:t>evolution</a:t>
             </a:r>
             <a:r>
-              <a:rPr lang="en-US" sz="2300" dirty="0">
+              <a:rPr lang="en-US" sz="2200" dirty="0">
                 <a:latin typeface="+mn-lt"/>
               </a:rPr>
-              <a:t>. </a:t>
-            </a:r>
-            <a:r>
-              <a:rPr lang="en-US" sz="2300" dirty="0">
-                <a:latin typeface="+mn-lt"/>
-              </a:rPr>
-              <a:t>Biol. Lett. 7, 210–3.</a:t>
-            </a:r>
-          </a:p>
-          <a:p>
-            <a:pPr marL="439035" indent="-439035">
+              <a:t>. Biol. Lett. 7, 210–3.</a:t>
+            </a:r>
+          </a:p>
+          <a:p>
+            <a:pPr marL="457200" indent="-457200">
+              <a:buFont typeface="+mj-lt"/>
+              <a:buAutoNum type="arabicPeriod"/>
               <a:defRPr/>
             </a:pPr>
             <a:r>
-              <a:rPr lang="en-US" sz="2300" dirty="0">
+              <a:rPr lang="en-US" sz="2200" dirty="0">
                 <a:latin typeface="+mn-lt"/>
               </a:rPr>
               <a:t>Crow, J.F., Kimura, M., 1970. </a:t>
             </a:r>
             <a:r>
-              <a:rPr lang="en-US" sz="2300" i="1" dirty="0">
+              <a:rPr lang="en-US" sz="2200" i="1" dirty="0">
                 <a:latin typeface="+mn-lt"/>
               </a:rPr>
               <a:t>An introduction to population genetics theory</a:t>
             </a:r>
             <a:r>
-              <a:rPr lang="en-US" sz="2300" dirty="0">
+              <a:rPr lang="en-US" sz="2200" dirty="0">
                 <a:latin typeface="+mn-lt"/>
               </a:rPr>
               <a:t>. Burgess Pub. Co., Minneapolis.</a:t>
             </a:r>
           </a:p>
           <a:p>
-            <a:pPr marL="439035" indent="-439035">
+            <a:pPr marL="457200" indent="-457200">
+              <a:buFont typeface="+mj-lt"/>
+              <a:buAutoNum type="arabicPeriod"/>
               <a:defRPr/>
             </a:pPr>
             <a:r>
-              <a:rPr lang="en-US" sz="2300" dirty="0" err="1">
+              <a:rPr lang="en-US" sz="2200" dirty="0" err="1">
                 <a:latin typeface="+mn-lt"/>
               </a:rPr>
               <a:t>Masel</a:t>
             </a:r>
             <a:r>
-              <a:rPr lang="en-US" sz="2300" dirty="0">
+              <a:rPr lang="en-US" sz="2200" dirty="0">
                 <a:latin typeface="+mn-lt"/>
               </a:rPr>
               <a:t>, J., 2014. </a:t>
             </a:r>
             <a:r>
-              <a:rPr lang="en-US" sz="2300" i="1" dirty="0">
+              <a:rPr lang="en-US" sz="2200" i="1" dirty="0">
                 <a:latin typeface="+mn-lt"/>
               </a:rPr>
               <a:t>Eco-evolutionary “fitness” in 3 dimensions: absolute growth, absolute efficiency, and relative competitiveness</a:t>
             </a:r>
             <a:r>
-              <a:rPr lang="en-US" sz="2300" dirty="0">
+              <a:rPr lang="en-US" sz="2200" dirty="0">
                 <a:latin typeface="+mn-lt"/>
               </a:rPr>
-              <a:t>. </a:t>
-            </a:r>
-            <a:r>
-              <a:rPr lang="en-US" sz="2300" dirty="0">
+              <a:t>. ArXiv:1407.1024</a:t>
+            </a:r>
+          </a:p>
+          <a:p>
+            <a:pPr marL="457200" indent="-457200">
+              <a:buFont typeface="+mj-lt"/>
+              <a:buAutoNum type="arabicPeriod"/>
+              <a:defRPr/>
+            </a:pPr>
+            <a:r>
+              <a:rPr lang="en-US" sz="2200" dirty="0">
                 <a:latin typeface="+mn-lt"/>
               </a:rPr>
-              <a:t>ArXiv:1407.1024</a:t>
-            </a:r>
-          </a:p>
-          <a:p>
-            <a:pPr marL="439035" indent="-439035">
-              <a:defRPr/>
-            </a:pPr>
-            <a:r>
-              <a:rPr lang="en-US" sz="2300" dirty="0">
-                <a:latin typeface="+mn-lt"/>
-              </a:rPr>
-              <a:t>Wiser</a:t>
-            </a:r>
-            <a:r>
-              <a:rPr lang="en-US" sz="2300" dirty="0">
-                <a:latin typeface="+mn-lt"/>
-              </a:rPr>
-              <a:t>, M.J., </a:t>
-            </a:r>
-            <a:r>
-              <a:rPr lang="en-US" sz="2300" dirty="0" err="1">
+              <a:t>Wiser, M.J., </a:t>
+            </a:r>
+            <a:r>
+              <a:rPr lang="en-US" sz="2200" dirty="0" err="1">
                 <a:latin typeface="+mn-lt"/>
               </a:rPr>
               <a:t>Lenski</a:t>
             </a:r>
             <a:r>
-              <a:rPr lang="en-US" sz="2300" dirty="0">
+              <a:rPr lang="en-US" sz="2200" dirty="0">
                 <a:latin typeface="+mn-lt"/>
               </a:rPr>
               <a:t>, R.E., 2015. </a:t>
             </a:r>
             <a:r>
-              <a:rPr lang="en-US" sz="2300" i="1" dirty="0">
+              <a:rPr lang="en-US" sz="2200" i="1" dirty="0">
                 <a:latin typeface="+mn-lt"/>
               </a:rPr>
               <a:t>A Comparison of Methods to Measure Fitness in </a:t>
             </a:r>
             <a:r>
-              <a:rPr lang="en-US" sz="2300" dirty="0">
+              <a:rPr lang="en-US" sz="2200" dirty="0">
                 <a:latin typeface="+mn-lt"/>
               </a:rPr>
               <a:t>Escherichia coli. </a:t>
             </a:r>
             <a:r>
-              <a:rPr lang="en-US" sz="2300" dirty="0" err="1">
+              <a:rPr lang="en-US" sz="2200" dirty="0" err="1">
                 <a:latin typeface="+mn-lt"/>
               </a:rPr>
               <a:t>PLoS</a:t>
             </a:r>
             <a:r>
-              <a:rPr lang="en-US" sz="2300" dirty="0">
+              <a:rPr lang="en-US" sz="2200" dirty="0">
                 <a:latin typeface="+mn-lt"/>
               </a:rPr>
               <a:t> One 10, e0126210</a:t>
             </a:r>
             <a:r>
-              <a:rPr lang="en-US" sz="2300" dirty="0" smtClean="0">
+              <a:rPr lang="en-US" sz="2200" dirty="0" smtClean="0">
                 <a:latin typeface="+mn-lt"/>
                 <a:ea typeface="ＭＳ Ｐゴシック" pitchFamily="-111" charset="-128"/>
                 <a:cs typeface="ＭＳ Ｐゴシック" pitchFamily="-111" charset="-128"/>
               </a:rPr>
               <a:t>.</a:t>
             </a:r>
-            <a:endParaRPr lang="en-US" sz="2300" dirty="0">
+            <a:endParaRPr lang="en-US" sz="2200" dirty="0">
               <a:latin typeface="+mn-lt"/>
               <a:ea typeface="ＭＳ Ｐゴシック" pitchFamily="-111" charset="-128"/>
               <a:cs typeface="ＭＳ Ｐゴシック" pitchFamily="-111" charset="-128"/>
@@ -11060,90 +10851,8 @@
         </p:blipFill>
         <p:spPr bwMode="auto">
           <a:xfrm>
-            <a:off x="1630800" y="17483200"/>
+            <a:off x="1630800" y="16206154"/>
             <a:ext cx="7748588" cy="5157788"/>
-          </a:xfrm>
-          <a:prstGeom prst="rect">
-            <a:avLst/>
-          </a:prstGeom>
-          <a:noFill/>
-          <a:extLst>
-            <a:ext uri="{909E8E84-426E-40DD-AFC4-6F175D3DCCD1}">
-              <a14:hiddenFill xmlns:a14="http://schemas.microsoft.com/office/drawing/2010/main">
-                <a:solidFill>
-                  <a:srgbClr val="FFFFFF"/>
-                </a:solidFill>
-              </a14:hiddenFill>
-            </a:ext>
-          </a:extLst>
-        </p:spPr>
-      </p:pic>
-      <p:pic>
-        <p:nvPicPr>
-          <p:cNvPr id="1033" name="Picture 9" descr="D:\university\presentations\GRC 2015\model_fits.png"/>
-          <p:cNvPicPr>
-            <a:picLocks noChangeAspect="1" noChangeArrowheads="1"/>
-          </p:cNvPicPr>
-          <p:nvPr/>
-        </p:nvPicPr>
-        <p:blipFill>
-          <a:blip r:embed="rId22">
-            <a:extLst>
-              <a:ext uri="{28A0092B-C50C-407E-A947-70E740481C1C}">
-                <a14:useLocalDpi xmlns:a14="http://schemas.microsoft.com/office/drawing/2010/main" val="0"/>
-              </a:ext>
-            </a:extLst>
-          </a:blip>
-          <a:srcRect/>
-          <a:stretch>
-            <a:fillRect/>
-          </a:stretch>
-        </p:blipFill>
-        <p:spPr bwMode="auto">
-          <a:xfrm>
-            <a:off x="1630800" y="28610984"/>
-            <a:ext cx="7748587" cy="5297488"/>
-          </a:xfrm>
-          <a:prstGeom prst="rect">
-            <a:avLst/>
-          </a:prstGeom>
-          <a:noFill/>
-          <a:extLst>
-            <a:ext uri="{909E8E84-426E-40DD-AFC4-6F175D3DCCD1}">
-              <a14:hiddenFill xmlns:a14="http://schemas.microsoft.com/office/drawing/2010/main">
-                <a:solidFill>
-                  <a:srgbClr val="FFFFFF"/>
-                </a:solidFill>
-              </a14:hiddenFill>
-            </a:ext>
-          </a:extLst>
-        </p:spPr>
-      </p:pic>
-      <p:pic>
-        <p:nvPicPr>
-          <p:cNvPr id="1037" name="Picture 13" descr="D:\university\presentations\GRC 2015\total_OD_comparison.png"/>
-          <p:cNvPicPr>
-            <a:picLocks noChangeAspect="1" noChangeArrowheads="1"/>
-          </p:cNvPicPr>
-          <p:nvPr/>
-        </p:nvPicPr>
-        <p:blipFill>
-          <a:blip r:embed="rId23">
-            <a:extLst>
-              <a:ext uri="{28A0092B-C50C-407E-A947-70E740481C1C}">
-                <a14:useLocalDpi xmlns:a14="http://schemas.microsoft.com/office/drawing/2010/main" val="0"/>
-              </a:ext>
-            </a:extLst>
-          </a:blip>
-          <a:srcRect/>
-          <a:stretch>
-            <a:fillRect/>
-          </a:stretch>
-        </p:blipFill>
-        <p:spPr bwMode="auto">
-          <a:xfrm>
-            <a:off x="20970000" y="22263150"/>
-            <a:ext cx="7748588" cy="5310188"/>
           </a:xfrm>
           <a:prstGeom prst="rect">
             <a:avLst/>
@@ -11169,7 +10878,7 @@
           <p:nvPr/>
         </p:nvPicPr>
         <p:blipFill>
-          <a:blip r:embed="rId24">
+          <a:blip r:embed="rId22">
             <a:extLst>
               <a:ext uri="{28A0092B-C50C-407E-A947-70E740481C1C}">
                 <a14:useLocalDpi xmlns:a14="http://schemas.microsoft.com/office/drawing/2010/main" val="0"/>
@@ -11183,7 +10892,7 @@
         </p:blipFill>
         <p:spPr bwMode="auto">
           <a:xfrm>
-            <a:off x="22817123" y="9926537"/>
+            <a:off x="22622555" y="9894290"/>
             <a:ext cx="4274600" cy="3112168"/>
           </a:xfrm>
           <a:prstGeom prst="rect">
@@ -11201,39 +10910,6 @@
           </a:extLst>
         </p:spPr>
       </p:pic>
-      <p:cxnSp>
-        <p:nvCxnSpPr>
-          <p:cNvPr id="9" name="Straight Arrow Connector 8"/>
-          <p:cNvCxnSpPr/>
-          <p:nvPr/>
-        </p:nvCxnSpPr>
-        <p:spPr>
-          <a:xfrm>
-            <a:off x="24933411" y="18270724"/>
-            <a:ext cx="0" cy="843328"/>
-          </a:xfrm>
-          <a:prstGeom prst="straightConnector1">
-            <a:avLst/>
-          </a:prstGeom>
-          <a:ln>
-            <a:tailEnd type="arrow"/>
-          </a:ln>
-        </p:spPr>
-        <p:style>
-          <a:lnRef idx="3">
-            <a:schemeClr val="dk1"/>
-          </a:lnRef>
-          <a:fillRef idx="0">
-            <a:schemeClr val="dk1"/>
-          </a:fillRef>
-          <a:effectRef idx="2">
-            <a:schemeClr val="dk1"/>
-          </a:effectRef>
-          <a:fontRef idx="minor">
-            <a:schemeClr val="tx1"/>
-          </a:fontRef>
-        </p:style>
-      </p:cxnSp>
       <p:sp>
         <p:nvSpPr>
           <p:cNvPr id="56" name="TextBox 55"/>
@@ -11375,39 +11051,6 @@
           </a:fontRef>
         </p:style>
       </p:cxnSp>
-      <p:cxnSp>
-        <p:nvCxnSpPr>
-          <p:cNvPr id="59" name="Straight Arrow Connector 58"/>
-          <p:cNvCxnSpPr/>
-          <p:nvPr/>
-        </p:nvCxnSpPr>
-        <p:spPr>
-          <a:xfrm>
-            <a:off x="24954423" y="21618362"/>
-            <a:ext cx="0" cy="843328"/>
-          </a:xfrm>
-          <a:prstGeom prst="straightConnector1">
-            <a:avLst/>
-          </a:prstGeom>
-          <a:ln>
-            <a:tailEnd type="arrow"/>
-          </a:ln>
-        </p:spPr>
-        <p:style>
-          <a:lnRef idx="3">
-            <a:schemeClr val="dk1"/>
-          </a:lnRef>
-          <a:fillRef idx="0">
-            <a:schemeClr val="dk1"/>
-          </a:fillRef>
-          <a:effectRef idx="2">
-            <a:schemeClr val="dk1"/>
-          </a:effectRef>
-          <a:fontRef idx="minor">
-            <a:schemeClr val="tx1"/>
-          </a:fontRef>
-        </p:style>
-      </p:cxnSp>
       <p:pic>
         <p:nvPicPr>
           <p:cNvPr id="29" name="Picture 2" descr="D:\university\presentations\GRC 2015\plot_strains2.png"/>
@@ -11417,7 +11060,7 @@
           <p:nvPr/>
         </p:nvPicPr>
         <p:blipFill>
-          <a:blip r:embed="rId25">
+          <a:blip r:embed="rId23">
             <a:extLst>
               <a:ext uri="{28A0092B-C50C-407E-A947-70E740481C1C}">
                 <a14:useLocalDpi xmlns:a14="http://schemas.microsoft.com/office/drawing/2010/main" val="0"/>
@@ -11458,7 +11101,7 @@
           <p:nvPr/>
         </p:nvPicPr>
         <p:blipFill>
-          <a:blip r:embed="rId26">
+          <a:blip r:embed="rId24">
             <a:extLst>
               <a:ext uri="{28A0092B-C50C-407E-A947-70E740481C1C}">
                 <a14:useLocalDpi xmlns:a14="http://schemas.microsoft.com/office/drawing/2010/main" val="0"/>
@@ -11490,6 +11133,1292 @@
           </a:extLst>
         </p:spPr>
       </p:pic>
+      <mc:AlternateContent xmlns:mc="http://schemas.openxmlformats.org/markup-compatibility/2006">
+        <mc:Choice xmlns:a14="http://schemas.microsoft.com/office/drawing/2010/main" Requires="a14">
+          <p:graphicFrame>
+            <p:nvGraphicFramePr>
+              <p:cNvPr id="6" name="Table 5"/>
+              <p:cNvGraphicFramePr>
+                <a:graphicFrameLocks noGrp="1"/>
+              </p:cNvGraphicFramePr>
+              <p:nvPr>
+                <p:extLst>
+                  <p:ext uri="{D42A27DB-BD31-4B8C-83A1-F6EECF244321}">
+                    <p14:modId xmlns:p14="http://schemas.microsoft.com/office/powerpoint/2010/main" val="1531113529"/>
+                  </p:ext>
+                </p:extLst>
+              </p:nvPr>
+            </p:nvGraphicFramePr>
+            <p:xfrm>
+              <a:off x="6227077" y="25565586"/>
+              <a:ext cx="3211047" cy="2560320"/>
+            </p:xfrm>
+            <a:graphic>
+              <a:graphicData uri="http://schemas.openxmlformats.org/drawingml/2006/table">
+                <a:tbl>
+                  <a:tblPr rtl="1" firstRow="1" bandRow="1">
+                    <a:tableStyleId>{D27102A9-8310-4765-A935-A1911B00CA55}</a:tableStyleId>
+                  </a:tblPr>
+                  <a:tblGrid>
+                    <a:gridCol w="945930"/>
+                    <a:gridCol w="748399"/>
+                    <a:gridCol w="1516718"/>
+                  </a:tblGrid>
+                  <a:tr h="0">
+                    <a:tc>
+                      <a:txBody>
+                        <a:bodyPr/>
+                        <a:lstStyle/>
+                        <a:p>
+                          <a:pPr algn="ctr" rtl="0"/>
+                          <a:r>
+                            <a:rPr lang="en-US" dirty="0" smtClean="0">
+                              <a:latin typeface="Cambria Math" panose="02040503050406030204" pitchFamily="18" charset="0"/>
+                              <a:ea typeface="Cambria Math" panose="02040503050406030204" pitchFamily="18" charset="0"/>
+                            </a:rPr>
+                            <a:t>Red</a:t>
+                          </a:r>
+                          <a:endParaRPr lang="he-IL" dirty="0">
+                            <a:solidFill>
+                              <a:srgbClr val="FF0000"/>
+                            </a:solidFill>
+                            <a:latin typeface="Cambria Math" panose="02040503050406030204" pitchFamily="18" charset="0"/>
+                            <a:ea typeface="Cambria Math" panose="02040503050406030204" pitchFamily="18" charset="0"/>
+                          </a:endParaRPr>
+                        </a:p>
+                      </a:txBody>
+                      <a:tcPr/>
+                    </a:tc>
+                    <a:tc>
+                      <a:txBody>
+                        <a:bodyPr/>
+                        <a:lstStyle/>
+                        <a:p>
+                          <a:pPr algn="ctr" rtl="0"/>
+                          <a:r>
+                            <a:rPr lang="en-US" dirty="0" smtClean="0">
+                              <a:latin typeface="Cambria Math" panose="02040503050406030204" pitchFamily="18" charset="0"/>
+                              <a:ea typeface="Cambria Math" panose="02040503050406030204" pitchFamily="18" charset="0"/>
+                            </a:rPr>
+                            <a:t>Green</a:t>
+                          </a:r>
+                          <a:endParaRPr lang="he-IL" dirty="0">
+                            <a:solidFill>
+                              <a:srgbClr val="00B050"/>
+                            </a:solidFill>
+                            <a:latin typeface="Cambria Math" panose="02040503050406030204" pitchFamily="18" charset="0"/>
+                            <a:ea typeface="Cambria Math" panose="02040503050406030204" pitchFamily="18" charset="0"/>
+                          </a:endParaRPr>
+                        </a:p>
+                      </a:txBody>
+                      <a:tcPr/>
+                    </a:tc>
+                    <a:tc>
+                      <a:txBody>
+                        <a:bodyPr/>
+                        <a:lstStyle/>
+                        <a:p>
+                          <a:pPr algn="ctr" rtl="0"/>
+                          <a:r>
+                            <a:rPr lang="en-US" dirty="0" smtClean="0">
+                              <a:latin typeface="Cambria Math" panose="02040503050406030204" pitchFamily="18" charset="0"/>
+                              <a:ea typeface="Cambria Math" panose="02040503050406030204" pitchFamily="18" charset="0"/>
+                            </a:rPr>
+                            <a:t>Parameter</a:t>
+                          </a:r>
+                          <a:endParaRPr lang="he-IL" dirty="0">
+                            <a:latin typeface="Cambria Math" panose="02040503050406030204" pitchFamily="18" charset="0"/>
+                            <a:ea typeface="Cambria Math" panose="02040503050406030204" pitchFamily="18" charset="0"/>
+                          </a:endParaRPr>
+                        </a:p>
+                      </a:txBody>
+                      <a:tcPr/>
+                    </a:tc>
+                  </a:tr>
+                  <a:tr h="370840">
+                    <a:tc>
+                      <a:txBody>
+                        <a:bodyPr/>
+                        <a:lstStyle/>
+                        <a:p>
+                          <a:pPr algn="ctr" rtl="0"/>
+                          <a:r>
+                            <a:rPr lang="en-US" dirty="0" smtClean="0">
+                              <a:latin typeface="Cambria Math" panose="02040503050406030204" pitchFamily="18" charset="0"/>
+                              <a:ea typeface="Cambria Math" panose="02040503050406030204" pitchFamily="18" charset="0"/>
+                            </a:rPr>
+                            <a:t>0.979</a:t>
+                          </a:r>
+                          <a:endParaRPr lang="he-IL" dirty="0">
+                            <a:latin typeface="Cambria Math" panose="02040503050406030204" pitchFamily="18" charset="0"/>
+                            <a:ea typeface="Cambria Math" panose="02040503050406030204" pitchFamily="18" charset="0"/>
+                          </a:endParaRPr>
+                        </a:p>
+                      </a:txBody>
+                      <a:tcPr/>
+                    </a:tc>
+                    <a:tc>
+                      <a:txBody>
+                        <a:bodyPr/>
+                        <a:lstStyle/>
+                        <a:p>
+                          <a:pPr algn="ctr" rtl="0"/>
+                          <a:r>
+                            <a:rPr lang="en-US" dirty="0" smtClean="0">
+                              <a:latin typeface="Cambria Math" panose="02040503050406030204" pitchFamily="18" charset="0"/>
+                              <a:ea typeface="Cambria Math" panose="02040503050406030204" pitchFamily="18" charset="0"/>
+                            </a:rPr>
+                            <a:t>0.983</a:t>
+                          </a:r>
+                          <a:endParaRPr lang="he-IL" dirty="0">
+                            <a:latin typeface="Cambria Math" panose="02040503050406030204" pitchFamily="18" charset="0"/>
+                            <a:ea typeface="Cambria Math" panose="02040503050406030204" pitchFamily="18" charset="0"/>
+                          </a:endParaRPr>
+                        </a:p>
+                      </a:txBody>
+                      <a:tcPr/>
+                    </a:tc>
+                    <a:tc>
+                      <a:txBody>
+                        <a:bodyPr/>
+                        <a:lstStyle/>
+                        <a:p>
+                          <a:pPr algn="ctr" rtl="0"/>
+                          <a14:m>
+                            <m:oMathPara xmlns:m="http://schemas.openxmlformats.org/officeDocument/2006/math">
+                              <m:oMathParaPr>
+                                <m:jc m:val="centerGroup"/>
+                              </m:oMathParaPr>
+                              <m:oMath xmlns:m="http://schemas.openxmlformats.org/officeDocument/2006/math">
+                                <m:sSub>
+                                  <m:sSubPr>
+                                    <m:ctrlPr>
+                                      <a:rPr lang="en-US" altLang="he-IL" sz="1600" smtClean="0">
+                                        <a:latin typeface="Cambria Math" panose="02040503050406030204" pitchFamily="18" charset="0"/>
+                                        <a:ea typeface="Cambria Math" panose="02040503050406030204" pitchFamily="18" charset="0"/>
+                                      </a:rPr>
+                                    </m:ctrlPr>
+                                  </m:sSubPr>
+                                  <m:e>
+                                    <m:r>
+                                      <a:rPr lang="en-US" altLang="he-IL" sz="1600" smtClean="0">
+                                        <a:latin typeface="Cambria Math" panose="02040503050406030204" pitchFamily="18" charset="0"/>
+                                        <a:ea typeface="Cambria Math" panose="02040503050406030204" pitchFamily="18" charset="0"/>
+                                      </a:rPr>
+                                      <m:t>𝑁</m:t>
+                                    </m:r>
+                                  </m:e>
+                                  <m:sub>
+                                    <m:r>
+                                      <a:rPr lang="en-US" altLang="he-IL" sz="1600" smtClean="0">
+                                        <a:latin typeface="Cambria Math" panose="02040503050406030204" pitchFamily="18" charset="0"/>
+                                        <a:ea typeface="Cambria Math" panose="02040503050406030204" pitchFamily="18" charset="0"/>
+                                      </a:rPr>
+                                      <m:t>0</m:t>
+                                    </m:r>
+                                  </m:sub>
+                                </m:sSub>
+                              </m:oMath>
+                            </m:oMathPara>
+                          </a14:m>
+                          <a:endParaRPr lang="he-IL" dirty="0">
+                            <a:latin typeface="Cambria Math" panose="02040503050406030204" pitchFamily="18" charset="0"/>
+                            <a:ea typeface="Cambria Math" panose="02040503050406030204" pitchFamily="18" charset="0"/>
+                          </a:endParaRPr>
+                        </a:p>
+                      </a:txBody>
+                      <a:tcPr/>
+                    </a:tc>
+                  </a:tr>
+                  <a:tr h="370840">
+                    <a:tc>
+                      <a:txBody>
+                        <a:bodyPr/>
+                        <a:lstStyle/>
+                        <a:p>
+                          <a:pPr algn="ctr" rtl="0"/>
+                          <a:r>
+                            <a:rPr lang="en-US" dirty="0" smtClean="0">
+                              <a:latin typeface="Cambria Math" panose="02040503050406030204" pitchFamily="18" charset="0"/>
+                              <a:ea typeface="Cambria Math" panose="02040503050406030204" pitchFamily="18" charset="0"/>
+                            </a:rPr>
+                            <a:t>1.332</a:t>
+                          </a:r>
+                          <a:endParaRPr lang="he-IL" dirty="0">
+                            <a:latin typeface="Cambria Math" panose="02040503050406030204" pitchFamily="18" charset="0"/>
+                            <a:ea typeface="Cambria Math" panose="02040503050406030204" pitchFamily="18" charset="0"/>
+                          </a:endParaRPr>
+                        </a:p>
+                      </a:txBody>
+                      <a:tcPr/>
+                    </a:tc>
+                    <a:tc>
+                      <a:txBody>
+                        <a:bodyPr/>
+                        <a:lstStyle/>
+                        <a:p>
+                          <a:pPr algn="ctr" rtl="0"/>
+                          <a:r>
+                            <a:rPr lang="en-US" dirty="0" smtClean="0">
+                              <a:latin typeface="Cambria Math" panose="02040503050406030204" pitchFamily="18" charset="0"/>
+                              <a:ea typeface="Cambria Math" panose="02040503050406030204" pitchFamily="18" charset="0"/>
+                            </a:rPr>
+                            <a:t>1.136</a:t>
+                          </a:r>
+                          <a:endParaRPr lang="he-IL" dirty="0">
+                            <a:latin typeface="Cambria Math" panose="02040503050406030204" pitchFamily="18" charset="0"/>
+                            <a:ea typeface="Cambria Math" panose="02040503050406030204" pitchFamily="18" charset="0"/>
+                          </a:endParaRPr>
+                        </a:p>
+                      </a:txBody>
+                      <a:tcPr/>
+                    </a:tc>
+                    <a:tc>
+                      <a:txBody>
+                        <a:bodyPr/>
+                        <a:lstStyle/>
+                        <a:p>
+                          <a:pPr algn="ctr" rtl="0"/>
+                          <a14:m>
+                            <m:oMathPara xmlns:m="http://schemas.openxmlformats.org/officeDocument/2006/math">
+                              <m:oMathParaPr>
+                                <m:jc m:val="centerGroup"/>
+                              </m:oMathParaPr>
+                              <m:oMath xmlns:m="http://schemas.openxmlformats.org/officeDocument/2006/math">
+                                <m:r>
+                                  <a:rPr lang="en-US" altLang="he-IL" sz="1600" smtClean="0">
+                                    <a:latin typeface="Cambria Math" panose="02040503050406030204" pitchFamily="18" charset="0"/>
+                                    <a:ea typeface="Cambria Math" panose="02040503050406030204" pitchFamily="18" charset="0"/>
+                                  </a:rPr>
+                                  <m:t>𝐾</m:t>
+                                </m:r>
+                              </m:oMath>
+                            </m:oMathPara>
+                          </a14:m>
+                          <a:endParaRPr lang="he-IL" dirty="0">
+                            <a:latin typeface="Cambria Math" panose="02040503050406030204" pitchFamily="18" charset="0"/>
+                            <a:ea typeface="Cambria Math" panose="02040503050406030204" pitchFamily="18" charset="0"/>
+                          </a:endParaRPr>
+                        </a:p>
+                      </a:txBody>
+                      <a:tcPr/>
+                    </a:tc>
+                  </a:tr>
+                  <a:tr h="370840">
+                    <a:tc>
+                      <a:txBody>
+                        <a:bodyPr/>
+                        <a:lstStyle/>
+                        <a:p>
+                          <a:pPr algn="ctr" rtl="0"/>
+                          <a:r>
+                            <a:rPr lang="en-US" dirty="0" smtClean="0">
+                              <a:latin typeface="Cambria Math" panose="02040503050406030204" pitchFamily="18" charset="0"/>
+                              <a:ea typeface="Cambria Math" panose="02040503050406030204" pitchFamily="18" charset="0"/>
+                            </a:rPr>
+                            <a:t>171.67</a:t>
+                          </a:r>
+                          <a:endParaRPr lang="he-IL" dirty="0">
+                            <a:latin typeface="Cambria Math" panose="02040503050406030204" pitchFamily="18" charset="0"/>
+                            <a:ea typeface="Cambria Math" panose="02040503050406030204" pitchFamily="18" charset="0"/>
+                          </a:endParaRPr>
+                        </a:p>
+                      </a:txBody>
+                      <a:tcPr/>
+                    </a:tc>
+                    <a:tc>
+                      <a:txBody>
+                        <a:bodyPr/>
+                        <a:lstStyle/>
+                        <a:p>
+                          <a:pPr algn="ctr" rtl="0"/>
+                          <a:r>
+                            <a:rPr lang="en-US" dirty="0" smtClean="0">
+                              <a:latin typeface="Cambria Math" panose="02040503050406030204" pitchFamily="18" charset="0"/>
+                              <a:ea typeface="Cambria Math" panose="02040503050406030204" pitchFamily="18" charset="0"/>
+                            </a:rPr>
+                            <a:t>0.174</a:t>
+                          </a:r>
+                          <a:endParaRPr lang="he-IL" dirty="0">
+                            <a:latin typeface="Cambria Math" panose="02040503050406030204" pitchFamily="18" charset="0"/>
+                            <a:ea typeface="Cambria Math" panose="02040503050406030204" pitchFamily="18" charset="0"/>
+                          </a:endParaRPr>
+                        </a:p>
+                      </a:txBody>
+                      <a:tcPr/>
+                    </a:tc>
+                    <a:tc>
+                      <a:txBody>
+                        <a:bodyPr/>
+                        <a:lstStyle/>
+                        <a:p>
+                          <a:pPr algn="ctr" rtl="0"/>
+                          <a14:m>
+                            <m:oMathPara xmlns:m="http://schemas.openxmlformats.org/officeDocument/2006/math">
+                              <m:oMathParaPr>
+                                <m:jc m:val="centerGroup"/>
+                              </m:oMathParaPr>
+                              <m:oMath xmlns:m="http://schemas.openxmlformats.org/officeDocument/2006/math">
+                                <m:r>
+                                  <a:rPr lang="en-US" altLang="he-IL" sz="1600" smtClean="0">
+                                    <a:latin typeface="Cambria Math" panose="02040503050406030204" pitchFamily="18" charset="0"/>
+                                    <a:ea typeface="Cambria Math" panose="02040503050406030204" pitchFamily="18" charset="0"/>
+                                  </a:rPr>
+                                  <m:t>𝑟</m:t>
+                                </m:r>
+                              </m:oMath>
+                            </m:oMathPara>
+                          </a14:m>
+                          <a:endParaRPr lang="he-IL" dirty="0">
+                            <a:latin typeface="Cambria Math" panose="02040503050406030204" pitchFamily="18" charset="0"/>
+                            <a:ea typeface="Cambria Math" panose="02040503050406030204" pitchFamily="18" charset="0"/>
+                          </a:endParaRPr>
+                        </a:p>
+                      </a:txBody>
+                      <a:tcPr/>
+                    </a:tc>
+                  </a:tr>
+                  <a:tr h="370840">
+                    <a:tc>
+                      <a:txBody>
+                        <a:bodyPr/>
+                        <a:lstStyle/>
+                        <a:p>
+                          <a:pPr algn="ctr" rtl="0"/>
+                          <a:r>
+                            <a:rPr lang="en-US" dirty="0" smtClean="0">
+                              <a:latin typeface="Cambria Math" panose="02040503050406030204" pitchFamily="18" charset="0"/>
+                              <a:ea typeface="Cambria Math" panose="02040503050406030204" pitchFamily="18" charset="0"/>
+                            </a:rPr>
+                            <a:t>0.00088</a:t>
+                          </a:r>
+                          <a:endParaRPr lang="he-IL" dirty="0">
+                            <a:latin typeface="Cambria Math" panose="02040503050406030204" pitchFamily="18" charset="0"/>
+                            <a:ea typeface="Cambria Math" panose="02040503050406030204" pitchFamily="18" charset="0"/>
+                          </a:endParaRPr>
+                        </a:p>
+                      </a:txBody>
+                      <a:tcPr/>
+                    </a:tc>
+                    <a:tc>
+                      <a:txBody>
+                        <a:bodyPr/>
+                        <a:lstStyle/>
+                        <a:p>
+                          <a:pPr algn="ctr" rtl="0"/>
+                          <a:r>
+                            <a:rPr lang="en-US" dirty="0" smtClean="0">
+                              <a:latin typeface="Cambria Math" panose="02040503050406030204" pitchFamily="18" charset="0"/>
+                              <a:ea typeface="Cambria Math" panose="02040503050406030204" pitchFamily="18" charset="0"/>
+                            </a:rPr>
+                            <a:t>1</a:t>
+                          </a:r>
+                          <a:endParaRPr lang="he-IL" dirty="0">
+                            <a:latin typeface="Cambria Math" panose="02040503050406030204" pitchFamily="18" charset="0"/>
+                            <a:ea typeface="Cambria Math" panose="02040503050406030204" pitchFamily="18" charset="0"/>
+                          </a:endParaRPr>
+                        </a:p>
+                      </a:txBody>
+                      <a:tcPr/>
+                    </a:tc>
+                    <a:tc>
+                      <a:txBody>
+                        <a:bodyPr/>
+                        <a:lstStyle/>
+                        <a:p>
+                          <a:pPr algn="ctr" rtl="0"/>
+                          <a14:m>
+                            <m:oMathPara xmlns:m="http://schemas.openxmlformats.org/officeDocument/2006/math">
+                              <m:oMathParaPr>
+                                <m:jc m:val="centerGroup"/>
+                              </m:oMathParaPr>
+                              <m:oMath xmlns:m="http://schemas.openxmlformats.org/officeDocument/2006/math">
+                                <m:r>
+                                  <a:rPr lang="en-US" altLang="he-IL" sz="1600" smtClean="0">
+                                    <a:latin typeface="Cambria Math" panose="02040503050406030204" pitchFamily="18" charset="0"/>
+                                    <a:ea typeface="Cambria Math" panose="02040503050406030204" pitchFamily="18" charset="0"/>
+                                  </a:rPr>
+                                  <m:t>𝜈</m:t>
+                                </m:r>
+                              </m:oMath>
+                            </m:oMathPara>
+                          </a14:m>
+                          <a:endParaRPr lang="he-IL" dirty="0">
+                            <a:latin typeface="Cambria Math" panose="02040503050406030204" pitchFamily="18" charset="0"/>
+                            <a:ea typeface="Cambria Math" panose="02040503050406030204" pitchFamily="18" charset="0"/>
+                          </a:endParaRPr>
+                        </a:p>
+                      </a:txBody>
+                      <a:tcPr/>
+                    </a:tc>
+                  </a:tr>
+                  <a:tr h="370840">
+                    <a:tc>
+                      <a:txBody>
+                        <a:bodyPr/>
+                        <a:lstStyle/>
+                        <a:p>
+                          <a:pPr algn="ctr" rtl="0"/>
+                          <a:r>
+                            <a:rPr lang="en-US" dirty="0" smtClean="0">
+                              <a:latin typeface="Cambria Math" panose="02040503050406030204" pitchFamily="18" charset="0"/>
+                              <a:ea typeface="Cambria Math" panose="02040503050406030204" pitchFamily="18" charset="0"/>
+                            </a:rPr>
+                            <a:t>6.5</a:t>
+                          </a:r>
+                          <a:endParaRPr lang="he-IL" dirty="0">
+                            <a:latin typeface="Cambria Math" panose="02040503050406030204" pitchFamily="18" charset="0"/>
+                            <a:ea typeface="Cambria Math" panose="02040503050406030204" pitchFamily="18" charset="0"/>
+                          </a:endParaRPr>
+                        </a:p>
+                      </a:txBody>
+                      <a:tcPr/>
+                    </a:tc>
+                    <a:tc>
+                      <a:txBody>
+                        <a:bodyPr/>
+                        <a:lstStyle/>
+                        <a:p>
+                          <a:pPr algn="ctr" rtl="0"/>
+                          <a:r>
+                            <a:rPr lang="en-US" dirty="0" smtClean="0">
+                              <a:latin typeface="Cambria Math" panose="02040503050406030204" pitchFamily="18" charset="0"/>
+                              <a:ea typeface="Cambria Math" panose="02040503050406030204" pitchFamily="18" charset="0"/>
+                            </a:rPr>
+                            <a:t>6.6</a:t>
+                          </a:r>
+                          <a:endParaRPr lang="he-IL" dirty="0">
+                            <a:latin typeface="Cambria Math" panose="02040503050406030204" pitchFamily="18" charset="0"/>
+                            <a:ea typeface="Cambria Math" panose="02040503050406030204" pitchFamily="18" charset="0"/>
+                          </a:endParaRPr>
+                        </a:p>
+                      </a:txBody>
+                      <a:tcPr/>
+                    </a:tc>
+                    <a:tc>
+                      <a:txBody>
+                        <a:bodyPr/>
+                        <a:lstStyle/>
+                        <a:p>
+                          <a:pPr algn="ctr" rtl="0"/>
+                          <a:r>
+                            <a:rPr lang="en-US" dirty="0" smtClean="0">
+                              <a:latin typeface="Cambria Math" panose="02040503050406030204" pitchFamily="18" charset="0"/>
+                              <a:ea typeface="Cambria Math" panose="02040503050406030204" pitchFamily="18" charset="0"/>
+                            </a:rPr>
+                            <a:t>Lag duration</a:t>
+                          </a:r>
+                          <a:endParaRPr lang="he-IL" dirty="0">
+                            <a:latin typeface="Cambria Math" panose="02040503050406030204" pitchFamily="18" charset="0"/>
+                            <a:ea typeface="Cambria Math" panose="02040503050406030204" pitchFamily="18" charset="0"/>
+                          </a:endParaRPr>
+                        </a:p>
+                      </a:txBody>
+                      <a:tcPr/>
+                    </a:tc>
+                  </a:tr>
+                  <a:tr h="370840">
+                    <a:tc>
+                      <a:txBody>
+                        <a:bodyPr/>
+                        <a:lstStyle/>
+                        <a:p>
+                          <a:pPr algn="ctr" rtl="0"/>
+                          <a:r>
+                            <a:rPr lang="en-US" dirty="0" smtClean="0">
+                              <a:latin typeface="Cambria Math" panose="02040503050406030204" pitchFamily="18" charset="0"/>
+                              <a:ea typeface="Cambria Math" panose="02040503050406030204" pitchFamily="18" charset="0"/>
+                            </a:rPr>
+                            <a:t>0.165</a:t>
+                          </a:r>
+                          <a:endParaRPr lang="he-IL" dirty="0">
+                            <a:latin typeface="Cambria Math" panose="02040503050406030204" pitchFamily="18" charset="0"/>
+                            <a:ea typeface="Cambria Math" panose="02040503050406030204" pitchFamily="18" charset="0"/>
+                          </a:endParaRPr>
+                        </a:p>
+                      </a:txBody>
+                      <a:tcPr/>
+                    </a:tc>
+                    <a:tc>
+                      <a:txBody>
+                        <a:bodyPr/>
+                        <a:lstStyle/>
+                        <a:p>
+                          <a:pPr algn="ctr" rtl="0"/>
+                          <a:r>
+                            <a:rPr lang="en-US" dirty="0" smtClean="0">
+                              <a:latin typeface="Cambria Math" panose="02040503050406030204" pitchFamily="18" charset="0"/>
+                              <a:ea typeface="Cambria Math" panose="02040503050406030204" pitchFamily="18" charset="0"/>
+                            </a:rPr>
+                            <a:t>0.141</a:t>
+                          </a:r>
+                          <a:endParaRPr lang="he-IL" dirty="0">
+                            <a:latin typeface="Cambria Math" panose="02040503050406030204" pitchFamily="18" charset="0"/>
+                            <a:ea typeface="Cambria Math" panose="02040503050406030204" pitchFamily="18" charset="0"/>
+                          </a:endParaRPr>
+                        </a:p>
+                      </a:txBody>
+                      <a:tcPr/>
+                    </a:tc>
+                    <a:tc>
+                      <a:txBody>
+                        <a:bodyPr/>
+                        <a:lstStyle/>
+                        <a:p>
+                          <a:pPr algn="ctr" rtl="0"/>
+                          <a:r>
+                            <a:rPr lang="en-US" dirty="0" smtClean="0">
+                              <a:latin typeface="Cambria Math" panose="02040503050406030204" pitchFamily="18" charset="0"/>
+                              <a:ea typeface="Cambria Math" panose="02040503050406030204" pitchFamily="18" charset="0"/>
+                            </a:rPr>
+                            <a:t>Max. growth</a:t>
+                          </a:r>
+                          <a:endParaRPr lang="he-IL" dirty="0">
+                            <a:latin typeface="Cambria Math" panose="02040503050406030204" pitchFamily="18" charset="0"/>
+                            <a:ea typeface="Cambria Math" panose="02040503050406030204" pitchFamily="18" charset="0"/>
+                          </a:endParaRPr>
+                        </a:p>
+                      </a:txBody>
+                      <a:tcPr/>
+                    </a:tc>
+                  </a:tr>
+                </a:tbl>
+              </a:graphicData>
+            </a:graphic>
+          </p:graphicFrame>
+        </mc:Choice>
+        <mc:Fallback>
+          <p:graphicFrame>
+            <p:nvGraphicFramePr>
+              <p:cNvPr id="6" name="Table 5"/>
+              <p:cNvGraphicFramePr>
+                <a:graphicFrameLocks noGrp="1"/>
+              </p:cNvGraphicFramePr>
+              <p:nvPr>
+                <p:extLst>
+                  <p:ext uri="{D42A27DB-BD31-4B8C-83A1-F6EECF244321}">
+                    <p14:modId xmlns:p14="http://schemas.microsoft.com/office/powerpoint/2010/main" val="1531113529"/>
+                  </p:ext>
+                </p:extLst>
+              </p:nvPr>
+            </p:nvGraphicFramePr>
+            <p:xfrm>
+              <a:off x="6227077" y="25565586"/>
+              <a:ext cx="3211047" cy="2560320"/>
+            </p:xfrm>
+            <a:graphic>
+              <a:graphicData uri="http://schemas.openxmlformats.org/drawingml/2006/table">
+                <a:tbl>
+                  <a:tblPr rtl="1" firstRow="1" bandRow="1">
+                    <a:tableStyleId>{D27102A9-8310-4765-A935-A1911B00CA55}</a:tableStyleId>
+                  </a:tblPr>
+                  <a:tblGrid>
+                    <a:gridCol w="945930"/>
+                    <a:gridCol w="748399"/>
+                    <a:gridCol w="1516718"/>
+                  </a:tblGrid>
+                  <a:tr h="335280">
+                    <a:tc>
+                      <a:txBody>
+                        <a:bodyPr/>
+                        <a:lstStyle/>
+                        <a:p>
+                          <a:pPr algn="ctr" rtl="0"/>
+                          <a:r>
+                            <a:rPr lang="en-US" dirty="0" smtClean="0">
+                              <a:latin typeface="Cambria Math" panose="02040503050406030204" pitchFamily="18" charset="0"/>
+                              <a:ea typeface="Cambria Math" panose="02040503050406030204" pitchFamily="18" charset="0"/>
+                            </a:rPr>
+                            <a:t>Red</a:t>
+                          </a:r>
+                          <a:endParaRPr lang="he-IL" dirty="0">
+                            <a:solidFill>
+                              <a:srgbClr val="FF0000"/>
+                            </a:solidFill>
+                            <a:latin typeface="Cambria Math" panose="02040503050406030204" pitchFamily="18" charset="0"/>
+                            <a:ea typeface="Cambria Math" panose="02040503050406030204" pitchFamily="18" charset="0"/>
+                          </a:endParaRPr>
+                        </a:p>
+                      </a:txBody>
+                      <a:tcPr/>
+                    </a:tc>
+                    <a:tc>
+                      <a:txBody>
+                        <a:bodyPr/>
+                        <a:lstStyle/>
+                        <a:p>
+                          <a:pPr algn="ctr" rtl="0"/>
+                          <a:r>
+                            <a:rPr lang="en-US" dirty="0" smtClean="0">
+                              <a:latin typeface="Cambria Math" panose="02040503050406030204" pitchFamily="18" charset="0"/>
+                              <a:ea typeface="Cambria Math" panose="02040503050406030204" pitchFamily="18" charset="0"/>
+                            </a:rPr>
+                            <a:t>Green</a:t>
+                          </a:r>
+                          <a:endParaRPr lang="he-IL" dirty="0">
+                            <a:solidFill>
+                              <a:srgbClr val="00B050"/>
+                            </a:solidFill>
+                            <a:latin typeface="Cambria Math" panose="02040503050406030204" pitchFamily="18" charset="0"/>
+                            <a:ea typeface="Cambria Math" panose="02040503050406030204" pitchFamily="18" charset="0"/>
+                          </a:endParaRPr>
+                        </a:p>
+                      </a:txBody>
+                      <a:tcPr/>
+                    </a:tc>
+                    <a:tc>
+                      <a:txBody>
+                        <a:bodyPr/>
+                        <a:lstStyle/>
+                        <a:p>
+                          <a:pPr algn="ctr" rtl="0"/>
+                          <a:r>
+                            <a:rPr lang="en-US" dirty="0" smtClean="0">
+                              <a:latin typeface="Cambria Math" panose="02040503050406030204" pitchFamily="18" charset="0"/>
+                              <a:ea typeface="Cambria Math" panose="02040503050406030204" pitchFamily="18" charset="0"/>
+                            </a:rPr>
+                            <a:t>Parameter</a:t>
+                          </a:r>
+                          <a:endParaRPr lang="he-IL" dirty="0">
+                            <a:latin typeface="Cambria Math" panose="02040503050406030204" pitchFamily="18" charset="0"/>
+                            <a:ea typeface="Cambria Math" panose="02040503050406030204" pitchFamily="18" charset="0"/>
+                          </a:endParaRPr>
+                        </a:p>
+                      </a:txBody>
+                      <a:tcPr/>
+                    </a:tc>
+                  </a:tr>
+                  <a:tr h="370840">
+                    <a:tc>
+                      <a:txBody>
+                        <a:bodyPr/>
+                        <a:lstStyle/>
+                        <a:p>
+                          <a:pPr algn="ctr" rtl="0"/>
+                          <a:r>
+                            <a:rPr lang="en-US" dirty="0" smtClean="0">
+                              <a:latin typeface="Cambria Math" panose="02040503050406030204" pitchFamily="18" charset="0"/>
+                              <a:ea typeface="Cambria Math" panose="02040503050406030204" pitchFamily="18" charset="0"/>
+                            </a:rPr>
+                            <a:t>0.979</a:t>
+                          </a:r>
+                          <a:endParaRPr lang="he-IL" dirty="0">
+                            <a:latin typeface="Cambria Math" panose="02040503050406030204" pitchFamily="18" charset="0"/>
+                            <a:ea typeface="Cambria Math" panose="02040503050406030204" pitchFamily="18" charset="0"/>
+                          </a:endParaRPr>
+                        </a:p>
+                      </a:txBody>
+                      <a:tcPr/>
+                    </a:tc>
+                    <a:tc>
+                      <a:txBody>
+                        <a:bodyPr/>
+                        <a:lstStyle/>
+                        <a:p>
+                          <a:pPr algn="ctr" rtl="0"/>
+                          <a:r>
+                            <a:rPr lang="en-US" dirty="0" smtClean="0">
+                              <a:latin typeface="Cambria Math" panose="02040503050406030204" pitchFamily="18" charset="0"/>
+                              <a:ea typeface="Cambria Math" panose="02040503050406030204" pitchFamily="18" charset="0"/>
+                            </a:rPr>
+                            <a:t>0.983</a:t>
+                          </a:r>
+                          <a:endParaRPr lang="he-IL" dirty="0">
+                            <a:latin typeface="Cambria Math" panose="02040503050406030204" pitchFamily="18" charset="0"/>
+                            <a:ea typeface="Cambria Math" panose="02040503050406030204" pitchFamily="18" charset="0"/>
+                          </a:endParaRPr>
+                        </a:p>
+                      </a:txBody>
+                      <a:tcPr/>
+                    </a:tc>
+                    <a:tc>
+                      <a:txBody>
+                        <a:bodyPr/>
+                        <a:lstStyle/>
+                        <a:p>
+                          <a:endParaRPr lang="he-IL"/>
+                        </a:p>
+                      </a:txBody>
+                      <a:tcPr>
+                        <a:blipFill rotWithShape="1">
+                          <a:blip r:embed="rId25"/>
+                          <a:stretch>
+                            <a:fillRect l="-112500" t="-96721" r="-403" b="-508197"/>
+                          </a:stretch>
+                        </a:blipFill>
+                      </a:tcPr>
+                    </a:tc>
+                  </a:tr>
+                  <a:tr h="370840">
+                    <a:tc>
+                      <a:txBody>
+                        <a:bodyPr/>
+                        <a:lstStyle/>
+                        <a:p>
+                          <a:pPr algn="ctr" rtl="0"/>
+                          <a:r>
+                            <a:rPr lang="en-US" dirty="0" smtClean="0">
+                              <a:latin typeface="Cambria Math" panose="02040503050406030204" pitchFamily="18" charset="0"/>
+                              <a:ea typeface="Cambria Math" panose="02040503050406030204" pitchFamily="18" charset="0"/>
+                            </a:rPr>
+                            <a:t>1.332</a:t>
+                          </a:r>
+                          <a:endParaRPr lang="he-IL" dirty="0">
+                            <a:latin typeface="Cambria Math" panose="02040503050406030204" pitchFamily="18" charset="0"/>
+                            <a:ea typeface="Cambria Math" panose="02040503050406030204" pitchFamily="18" charset="0"/>
+                          </a:endParaRPr>
+                        </a:p>
+                      </a:txBody>
+                      <a:tcPr/>
+                    </a:tc>
+                    <a:tc>
+                      <a:txBody>
+                        <a:bodyPr/>
+                        <a:lstStyle/>
+                        <a:p>
+                          <a:pPr algn="ctr" rtl="0"/>
+                          <a:r>
+                            <a:rPr lang="en-US" dirty="0" smtClean="0">
+                              <a:latin typeface="Cambria Math" panose="02040503050406030204" pitchFamily="18" charset="0"/>
+                              <a:ea typeface="Cambria Math" panose="02040503050406030204" pitchFamily="18" charset="0"/>
+                            </a:rPr>
+                            <a:t>1.136</a:t>
+                          </a:r>
+                          <a:endParaRPr lang="he-IL" dirty="0">
+                            <a:latin typeface="Cambria Math" panose="02040503050406030204" pitchFamily="18" charset="0"/>
+                            <a:ea typeface="Cambria Math" panose="02040503050406030204" pitchFamily="18" charset="0"/>
+                          </a:endParaRPr>
+                        </a:p>
+                      </a:txBody>
+                      <a:tcPr/>
+                    </a:tc>
+                    <a:tc>
+                      <a:txBody>
+                        <a:bodyPr/>
+                        <a:lstStyle/>
+                        <a:p>
+                          <a:endParaRPr lang="he-IL"/>
+                        </a:p>
+                      </a:txBody>
+                      <a:tcPr>
+                        <a:blipFill rotWithShape="1">
+                          <a:blip r:embed="rId25"/>
+                          <a:stretch>
+                            <a:fillRect l="-112500" t="-196721" r="-403" b="-408197"/>
+                          </a:stretch>
+                        </a:blipFill>
+                      </a:tcPr>
+                    </a:tc>
+                  </a:tr>
+                  <a:tr h="370840">
+                    <a:tc>
+                      <a:txBody>
+                        <a:bodyPr/>
+                        <a:lstStyle/>
+                        <a:p>
+                          <a:pPr algn="ctr" rtl="0"/>
+                          <a:r>
+                            <a:rPr lang="en-US" dirty="0" smtClean="0">
+                              <a:latin typeface="Cambria Math" panose="02040503050406030204" pitchFamily="18" charset="0"/>
+                              <a:ea typeface="Cambria Math" panose="02040503050406030204" pitchFamily="18" charset="0"/>
+                            </a:rPr>
+                            <a:t>171.67</a:t>
+                          </a:r>
+                          <a:endParaRPr lang="he-IL" dirty="0">
+                            <a:latin typeface="Cambria Math" panose="02040503050406030204" pitchFamily="18" charset="0"/>
+                            <a:ea typeface="Cambria Math" panose="02040503050406030204" pitchFamily="18" charset="0"/>
+                          </a:endParaRPr>
+                        </a:p>
+                      </a:txBody>
+                      <a:tcPr/>
+                    </a:tc>
+                    <a:tc>
+                      <a:txBody>
+                        <a:bodyPr/>
+                        <a:lstStyle/>
+                        <a:p>
+                          <a:pPr algn="ctr" rtl="0"/>
+                          <a:r>
+                            <a:rPr lang="en-US" dirty="0" smtClean="0">
+                              <a:latin typeface="Cambria Math" panose="02040503050406030204" pitchFamily="18" charset="0"/>
+                              <a:ea typeface="Cambria Math" panose="02040503050406030204" pitchFamily="18" charset="0"/>
+                            </a:rPr>
+                            <a:t>0.174</a:t>
+                          </a:r>
+                          <a:endParaRPr lang="he-IL" dirty="0">
+                            <a:latin typeface="Cambria Math" panose="02040503050406030204" pitchFamily="18" charset="0"/>
+                            <a:ea typeface="Cambria Math" panose="02040503050406030204" pitchFamily="18" charset="0"/>
+                          </a:endParaRPr>
+                        </a:p>
+                      </a:txBody>
+                      <a:tcPr/>
+                    </a:tc>
+                    <a:tc>
+                      <a:txBody>
+                        <a:bodyPr/>
+                        <a:lstStyle/>
+                        <a:p>
+                          <a:endParaRPr lang="he-IL"/>
+                        </a:p>
+                      </a:txBody>
+                      <a:tcPr>
+                        <a:blipFill rotWithShape="1">
+                          <a:blip r:embed="rId25"/>
+                          <a:stretch>
+                            <a:fillRect l="-112500" t="-296721" r="-403" b="-308197"/>
+                          </a:stretch>
+                        </a:blipFill>
+                      </a:tcPr>
+                    </a:tc>
+                  </a:tr>
+                  <a:tr h="370840">
+                    <a:tc>
+                      <a:txBody>
+                        <a:bodyPr/>
+                        <a:lstStyle/>
+                        <a:p>
+                          <a:pPr algn="ctr" rtl="0"/>
+                          <a:r>
+                            <a:rPr lang="en-US" dirty="0" smtClean="0">
+                              <a:latin typeface="Cambria Math" panose="02040503050406030204" pitchFamily="18" charset="0"/>
+                              <a:ea typeface="Cambria Math" panose="02040503050406030204" pitchFamily="18" charset="0"/>
+                            </a:rPr>
+                            <a:t>0.00088</a:t>
+                          </a:r>
+                          <a:endParaRPr lang="he-IL" dirty="0">
+                            <a:latin typeface="Cambria Math" panose="02040503050406030204" pitchFamily="18" charset="0"/>
+                            <a:ea typeface="Cambria Math" panose="02040503050406030204" pitchFamily="18" charset="0"/>
+                          </a:endParaRPr>
+                        </a:p>
+                      </a:txBody>
+                      <a:tcPr/>
+                    </a:tc>
+                    <a:tc>
+                      <a:txBody>
+                        <a:bodyPr/>
+                        <a:lstStyle/>
+                        <a:p>
+                          <a:pPr algn="ctr" rtl="0"/>
+                          <a:r>
+                            <a:rPr lang="en-US" dirty="0" smtClean="0">
+                              <a:latin typeface="Cambria Math" panose="02040503050406030204" pitchFamily="18" charset="0"/>
+                              <a:ea typeface="Cambria Math" panose="02040503050406030204" pitchFamily="18" charset="0"/>
+                            </a:rPr>
+                            <a:t>1</a:t>
+                          </a:r>
+                          <a:endParaRPr lang="he-IL" dirty="0">
+                            <a:latin typeface="Cambria Math" panose="02040503050406030204" pitchFamily="18" charset="0"/>
+                            <a:ea typeface="Cambria Math" panose="02040503050406030204" pitchFamily="18" charset="0"/>
+                          </a:endParaRPr>
+                        </a:p>
+                      </a:txBody>
+                      <a:tcPr/>
+                    </a:tc>
+                    <a:tc>
+                      <a:txBody>
+                        <a:bodyPr/>
+                        <a:lstStyle/>
+                        <a:p>
+                          <a:endParaRPr lang="he-IL"/>
+                        </a:p>
+                      </a:txBody>
+                      <a:tcPr>
+                        <a:blipFill rotWithShape="1">
+                          <a:blip r:embed="rId25"/>
+                          <a:stretch>
+                            <a:fillRect l="-112500" t="-403333" r="-403" b="-213333"/>
+                          </a:stretch>
+                        </a:blipFill>
+                      </a:tcPr>
+                    </a:tc>
+                  </a:tr>
+                  <a:tr h="370840">
+                    <a:tc>
+                      <a:txBody>
+                        <a:bodyPr/>
+                        <a:lstStyle/>
+                        <a:p>
+                          <a:pPr algn="ctr" rtl="0"/>
+                          <a:r>
+                            <a:rPr lang="en-US" dirty="0" smtClean="0">
+                              <a:latin typeface="Cambria Math" panose="02040503050406030204" pitchFamily="18" charset="0"/>
+                              <a:ea typeface="Cambria Math" panose="02040503050406030204" pitchFamily="18" charset="0"/>
+                            </a:rPr>
+                            <a:t>6.5</a:t>
+                          </a:r>
+                          <a:endParaRPr lang="he-IL" dirty="0">
+                            <a:latin typeface="Cambria Math" panose="02040503050406030204" pitchFamily="18" charset="0"/>
+                            <a:ea typeface="Cambria Math" panose="02040503050406030204" pitchFamily="18" charset="0"/>
+                          </a:endParaRPr>
+                        </a:p>
+                      </a:txBody>
+                      <a:tcPr/>
+                    </a:tc>
+                    <a:tc>
+                      <a:txBody>
+                        <a:bodyPr/>
+                        <a:lstStyle/>
+                        <a:p>
+                          <a:pPr algn="ctr" rtl="0"/>
+                          <a:r>
+                            <a:rPr lang="en-US" dirty="0" smtClean="0">
+                              <a:latin typeface="Cambria Math" panose="02040503050406030204" pitchFamily="18" charset="0"/>
+                              <a:ea typeface="Cambria Math" panose="02040503050406030204" pitchFamily="18" charset="0"/>
+                            </a:rPr>
+                            <a:t>6.6</a:t>
+                          </a:r>
+                          <a:endParaRPr lang="he-IL" dirty="0">
+                            <a:latin typeface="Cambria Math" panose="02040503050406030204" pitchFamily="18" charset="0"/>
+                            <a:ea typeface="Cambria Math" panose="02040503050406030204" pitchFamily="18" charset="0"/>
+                          </a:endParaRPr>
+                        </a:p>
+                      </a:txBody>
+                      <a:tcPr/>
+                    </a:tc>
+                    <a:tc>
+                      <a:txBody>
+                        <a:bodyPr/>
+                        <a:lstStyle/>
+                        <a:p>
+                          <a:pPr algn="ctr" rtl="0"/>
+                          <a:r>
+                            <a:rPr lang="en-US" dirty="0" smtClean="0">
+                              <a:latin typeface="Cambria Math" panose="02040503050406030204" pitchFamily="18" charset="0"/>
+                              <a:ea typeface="Cambria Math" panose="02040503050406030204" pitchFamily="18" charset="0"/>
+                            </a:rPr>
+                            <a:t>Lag duration</a:t>
+                          </a:r>
+                          <a:endParaRPr lang="he-IL" dirty="0">
+                            <a:latin typeface="Cambria Math" panose="02040503050406030204" pitchFamily="18" charset="0"/>
+                            <a:ea typeface="Cambria Math" panose="02040503050406030204" pitchFamily="18" charset="0"/>
+                          </a:endParaRPr>
+                        </a:p>
+                      </a:txBody>
+                      <a:tcPr/>
+                    </a:tc>
+                  </a:tr>
+                  <a:tr h="370840">
+                    <a:tc>
+                      <a:txBody>
+                        <a:bodyPr/>
+                        <a:lstStyle/>
+                        <a:p>
+                          <a:pPr algn="ctr" rtl="0"/>
+                          <a:r>
+                            <a:rPr lang="en-US" dirty="0" smtClean="0">
+                              <a:latin typeface="Cambria Math" panose="02040503050406030204" pitchFamily="18" charset="0"/>
+                              <a:ea typeface="Cambria Math" panose="02040503050406030204" pitchFamily="18" charset="0"/>
+                            </a:rPr>
+                            <a:t>0.165</a:t>
+                          </a:r>
+                          <a:endParaRPr lang="he-IL" dirty="0">
+                            <a:latin typeface="Cambria Math" panose="02040503050406030204" pitchFamily="18" charset="0"/>
+                            <a:ea typeface="Cambria Math" panose="02040503050406030204" pitchFamily="18" charset="0"/>
+                          </a:endParaRPr>
+                        </a:p>
+                      </a:txBody>
+                      <a:tcPr/>
+                    </a:tc>
+                    <a:tc>
+                      <a:txBody>
+                        <a:bodyPr/>
+                        <a:lstStyle/>
+                        <a:p>
+                          <a:pPr algn="ctr" rtl="0"/>
+                          <a:r>
+                            <a:rPr lang="en-US" dirty="0" smtClean="0">
+                              <a:latin typeface="Cambria Math" panose="02040503050406030204" pitchFamily="18" charset="0"/>
+                              <a:ea typeface="Cambria Math" panose="02040503050406030204" pitchFamily="18" charset="0"/>
+                            </a:rPr>
+                            <a:t>0.141</a:t>
+                          </a:r>
+                          <a:endParaRPr lang="he-IL" dirty="0">
+                            <a:latin typeface="Cambria Math" panose="02040503050406030204" pitchFamily="18" charset="0"/>
+                            <a:ea typeface="Cambria Math" panose="02040503050406030204" pitchFamily="18" charset="0"/>
+                          </a:endParaRPr>
+                        </a:p>
+                      </a:txBody>
+                      <a:tcPr/>
+                    </a:tc>
+                    <a:tc>
+                      <a:txBody>
+                        <a:bodyPr/>
+                        <a:lstStyle/>
+                        <a:p>
+                          <a:pPr algn="ctr" rtl="0"/>
+                          <a:r>
+                            <a:rPr lang="en-US" dirty="0" smtClean="0">
+                              <a:latin typeface="Cambria Math" panose="02040503050406030204" pitchFamily="18" charset="0"/>
+                              <a:ea typeface="Cambria Math" panose="02040503050406030204" pitchFamily="18" charset="0"/>
+                            </a:rPr>
+                            <a:t>Max. growth</a:t>
+                          </a:r>
+                          <a:endParaRPr lang="he-IL" dirty="0">
+                            <a:latin typeface="Cambria Math" panose="02040503050406030204" pitchFamily="18" charset="0"/>
+                            <a:ea typeface="Cambria Math" panose="02040503050406030204" pitchFamily="18" charset="0"/>
+                          </a:endParaRPr>
+                        </a:p>
+                      </a:txBody>
+                      <a:tcPr/>
+                    </a:tc>
+                  </a:tr>
+                </a:tbl>
+              </a:graphicData>
+            </a:graphic>
+          </p:graphicFrame>
+        </mc:Fallback>
+      </mc:AlternateContent>
+      <p:sp>
+        <p:nvSpPr>
+          <p:cNvPr id="8" name="TextBox 7"/>
+          <p:cNvSpPr txBox="1"/>
+          <p:nvPr/>
+        </p:nvSpPr>
+        <p:spPr>
+          <a:xfrm>
+            <a:off x="2017986" y="25738834"/>
+            <a:ext cx="4051738" cy="2015936"/>
+          </a:xfrm>
+          <a:prstGeom prst="rect">
+            <a:avLst/>
+          </a:prstGeom>
+          <a:noFill/>
+        </p:spPr>
+        <p:txBody>
+          <a:bodyPr wrap="square" rtlCol="1">
+            <a:spAutoFit/>
+          </a:bodyPr>
+          <a:lstStyle/>
+          <a:p>
+            <a:r>
+              <a:rPr lang="en-US" altLang="he-IL" sz="2500" dirty="0">
+                <a:latin typeface="Times New Roman" pitchFamily="18" charset="0"/>
+              </a:rPr>
+              <a:t>We fit four versions of the model to the data </a:t>
+            </a:r>
+            <a:r>
+              <a:rPr lang="en-US" altLang="he-IL" sz="2500" dirty="0" smtClean="0">
+                <a:latin typeface="Times New Roman" pitchFamily="18" charset="0"/>
+              </a:rPr>
+              <a:t>(</a:t>
+            </a:r>
+            <a:r>
+              <a:rPr lang="en-US" altLang="he-IL" sz="2500" dirty="0">
+                <a:latin typeface="Times New Roman" pitchFamily="18" charset="0"/>
+              </a:rPr>
+              <a:t>using </a:t>
+            </a:r>
+            <a:r>
+              <a:rPr lang="en-US" altLang="he-IL" sz="2500" i="1" dirty="0" smtClean="0">
+                <a:latin typeface="Times New Roman" pitchFamily="18" charset="0"/>
+              </a:rPr>
+              <a:t>least </a:t>
+            </a:r>
+            <a:r>
+              <a:rPr lang="en-US" altLang="he-IL" sz="2500" i="1" dirty="0">
+                <a:latin typeface="Times New Roman" pitchFamily="18" charset="0"/>
+              </a:rPr>
+              <a:t>squares</a:t>
+            </a:r>
+            <a:r>
+              <a:rPr lang="en-US" altLang="he-IL" sz="2500" dirty="0">
+                <a:latin typeface="Times New Roman" pitchFamily="18" charset="0"/>
+              </a:rPr>
+              <a:t>) and choose the best model with a model selection </a:t>
+            </a:r>
+            <a:r>
+              <a:rPr lang="en-US" altLang="he-IL" sz="2500" dirty="0" smtClean="0">
+                <a:latin typeface="Times New Roman" pitchFamily="18" charset="0"/>
+              </a:rPr>
+              <a:t>procedure.</a:t>
+            </a:r>
+            <a:endParaRPr lang="en-US" altLang="he-IL" sz="2500" dirty="0">
+              <a:latin typeface="Times New Roman" pitchFamily="18" charset="0"/>
+            </a:endParaRPr>
+          </a:p>
+        </p:txBody>
+      </p:sp>
+      <p:pic>
+        <p:nvPicPr>
+          <p:cNvPr id="12" name="Picture 2" descr="D:\university\presentations\GRC 2015\model_fits.png"/>
+          <p:cNvPicPr>
+            <a:picLocks noChangeAspect="1" noChangeArrowheads="1"/>
+          </p:cNvPicPr>
+          <p:nvPr/>
+        </p:nvPicPr>
+        <p:blipFill>
+          <a:blip r:embed="rId26">
+            <a:extLst>
+              <a:ext uri="{28A0092B-C50C-407E-A947-70E740481C1C}">
+                <a14:useLocalDpi xmlns:a14="http://schemas.microsoft.com/office/drawing/2010/main" val="0"/>
+              </a:ext>
+            </a:extLst>
+          </a:blip>
+          <a:srcRect/>
+          <a:stretch>
+            <a:fillRect/>
+          </a:stretch>
+        </p:blipFill>
+        <p:spPr bwMode="auto">
+          <a:xfrm>
+            <a:off x="1630800" y="28544918"/>
+            <a:ext cx="7748588" cy="5297488"/>
+          </a:xfrm>
+          <a:prstGeom prst="rect">
+            <a:avLst/>
+          </a:prstGeom>
+          <a:noFill/>
+          <a:extLst>
+            <a:ext uri="{909E8E84-426E-40DD-AFC4-6F175D3DCCD1}">
+              <a14:hiddenFill xmlns:a14="http://schemas.microsoft.com/office/drawing/2010/main">
+                <a:solidFill>
+                  <a:srgbClr val="FFFFFF"/>
+                </a:solidFill>
+              </a14:hiddenFill>
+            </a:ext>
+          </a:extLst>
+        </p:spPr>
+      </p:pic>
+      <p:pic>
+        <p:nvPicPr>
+          <p:cNvPr id="13" name="Picture 3" descr="D:\university\presentations\GRC 2015\total_OD_comparison.png"/>
+          <p:cNvPicPr>
+            <a:picLocks noChangeAspect="1" noChangeArrowheads="1"/>
+          </p:cNvPicPr>
+          <p:nvPr/>
+        </p:nvPicPr>
+        <p:blipFill>
+          <a:blip r:embed="rId27">
+            <a:extLst>
+              <a:ext uri="{28A0092B-C50C-407E-A947-70E740481C1C}">
+                <a14:useLocalDpi xmlns:a14="http://schemas.microsoft.com/office/drawing/2010/main" val="0"/>
+              </a:ext>
+            </a:extLst>
+          </a:blip>
+          <a:srcRect/>
+          <a:stretch>
+            <a:fillRect/>
+          </a:stretch>
+        </p:blipFill>
+        <p:spPr bwMode="auto">
+          <a:xfrm>
+            <a:off x="20970000" y="22262400"/>
+            <a:ext cx="7748588" cy="5310187"/>
+          </a:xfrm>
+          <a:prstGeom prst="rect">
+            <a:avLst/>
+          </a:prstGeom>
+          <a:noFill/>
+          <a:extLst>
+            <a:ext uri="{909E8E84-426E-40DD-AFC4-6F175D3DCCD1}">
+              <a14:hiddenFill xmlns:a14="http://schemas.microsoft.com/office/drawing/2010/main">
+                <a:solidFill>
+                  <a:srgbClr val="FFFFFF"/>
+                </a:solidFill>
+              </a14:hiddenFill>
+            </a:ext>
+          </a:extLst>
+        </p:spPr>
+      </p:pic>
+      <p:cxnSp>
+        <p:nvCxnSpPr>
+          <p:cNvPr id="59" name="Straight Arrow Connector 58"/>
+          <p:cNvCxnSpPr/>
+          <p:nvPr/>
+        </p:nvCxnSpPr>
+        <p:spPr>
+          <a:xfrm>
+            <a:off x="24954423" y="21618362"/>
+            <a:ext cx="0" cy="843328"/>
+          </a:xfrm>
+          <a:prstGeom prst="straightConnector1">
+            <a:avLst/>
+          </a:prstGeom>
+          <a:ln>
+            <a:tailEnd type="arrow"/>
+          </a:ln>
+        </p:spPr>
+        <p:style>
+          <a:lnRef idx="3">
+            <a:schemeClr val="dk1"/>
+          </a:lnRef>
+          <a:fillRef idx="0">
+            <a:schemeClr val="dk1"/>
+          </a:fillRef>
+          <a:effectRef idx="2">
+            <a:schemeClr val="dk1"/>
+          </a:effectRef>
+          <a:fontRef idx="minor">
+            <a:schemeClr val="tx1"/>
+          </a:fontRef>
+        </p:style>
+      </p:cxnSp>
+      <p:cxnSp>
+        <p:nvCxnSpPr>
+          <p:cNvPr id="60" name="Straight Arrow Connector 59"/>
+          <p:cNvCxnSpPr/>
+          <p:nvPr/>
+        </p:nvCxnSpPr>
+        <p:spPr>
+          <a:xfrm>
+            <a:off x="24954423" y="18221966"/>
+            <a:ext cx="0" cy="843328"/>
+          </a:xfrm>
+          <a:prstGeom prst="straightConnector1">
+            <a:avLst/>
+          </a:prstGeom>
+          <a:ln>
+            <a:tailEnd type="arrow"/>
+          </a:ln>
+        </p:spPr>
+        <p:style>
+          <a:lnRef idx="3">
+            <a:schemeClr val="dk1"/>
+          </a:lnRef>
+          <a:fillRef idx="0">
+            <a:schemeClr val="dk1"/>
+          </a:fillRef>
+          <a:effectRef idx="2">
+            <a:schemeClr val="dk1"/>
+          </a:effectRef>
+          <a:fontRef idx="minor">
+            <a:schemeClr val="tx1"/>
+          </a:fontRef>
+        </p:style>
+      </p:cxnSp>
+      <p:cxnSp>
+        <p:nvCxnSpPr>
+          <p:cNvPr id="9" name="Straight Arrow Connector 8"/>
+          <p:cNvCxnSpPr/>
+          <p:nvPr/>
+        </p:nvCxnSpPr>
+        <p:spPr>
+          <a:xfrm>
+            <a:off x="24937778" y="12998948"/>
+            <a:ext cx="0" cy="843328"/>
+          </a:xfrm>
+          <a:prstGeom prst="straightConnector1">
+            <a:avLst/>
+          </a:prstGeom>
+          <a:ln>
+            <a:tailEnd type="arrow"/>
+          </a:ln>
+        </p:spPr>
+        <p:style>
+          <a:lnRef idx="3">
+            <a:schemeClr val="dk1"/>
+          </a:lnRef>
+          <a:fillRef idx="0">
+            <a:schemeClr val="dk1"/>
+          </a:fillRef>
+          <a:effectRef idx="2">
+            <a:schemeClr val="dk1"/>
+          </a:effectRef>
+          <a:fontRef idx="minor">
+            <a:schemeClr val="tx1"/>
+          </a:fontRef>
+        </p:style>
+      </p:cxnSp>
     </p:spTree>
   </p:cSld>
   <p:clrMapOvr>

--- a/poster.pptx
+++ b/poster.pptx
@@ -4184,6 +4184,846 @@
           <a:chExt cx="0" cy="0"/>
         </a:xfrm>
       </p:grpSpPr>
+      <mc:AlternateContent xmlns:mc="http://schemas.openxmlformats.org/markup-compatibility/2006">
+        <mc:Choice xmlns:a14="http://schemas.microsoft.com/office/drawing/2010/main" Requires="a14">
+          <p:sp>
+            <p:nvSpPr>
+              <p:cNvPr id="51" name="Text Box 11"/>
+              <p:cNvSpPr txBox="1">
+                <a:spLocks noChangeArrowheads="1"/>
+              </p:cNvSpPr>
+              <p:nvPr/>
+            </p:nvSpPr>
+            <p:spPr bwMode="auto">
+              <a:xfrm>
+                <a:off x="10944000" y="19716750"/>
+                <a:ext cx="8458200" cy="14363700"/>
+              </a:xfrm>
+              <a:prstGeom prst="rect">
+                <a:avLst/>
+              </a:prstGeom>
+              <a:solidFill>
+                <a:schemeClr val="bg1"/>
+              </a:solidFill>
+              <a:ln w="38100">
+                <a:solidFill>
+                  <a:srgbClr val="000000"/>
+                </a:solidFill>
+                <a:round/>
+                <a:headEnd/>
+                <a:tailEnd/>
+              </a:ln>
+            </p:spPr>
+            <p:txBody>
+              <a:bodyPr lIns="802806" tIns="401404" rIns="802806" bIns="802806"/>
+              <a:lstStyle>
+                <a:lvl1pPr eaLnBrk="0" hangingPunct="0">
+                  <a:tabLst>
+                    <a:tab pos="508000" algn="l"/>
+                  </a:tabLst>
+                  <a:defRPr sz="2800">
+                    <a:solidFill>
+                      <a:schemeClr val="tx1"/>
+                    </a:solidFill>
+                    <a:latin typeface="Helvetica" pitchFamily="124" charset="0"/>
+                    <a:ea typeface="MS PGothic" pitchFamily="34" charset="-128"/>
+                  </a:defRPr>
+                </a:lvl1pPr>
+                <a:lvl2pPr marL="742950" indent="-285750" eaLnBrk="0" hangingPunct="0">
+                  <a:tabLst>
+                    <a:tab pos="508000" algn="l"/>
+                  </a:tabLst>
+                  <a:defRPr sz="2800">
+                    <a:solidFill>
+                      <a:schemeClr val="tx1"/>
+                    </a:solidFill>
+                    <a:latin typeface="Helvetica" pitchFamily="124" charset="0"/>
+                    <a:ea typeface="MS PGothic" pitchFamily="34" charset="-128"/>
+                  </a:defRPr>
+                </a:lvl2pPr>
+                <a:lvl3pPr marL="1143000" indent="-228600" eaLnBrk="0" hangingPunct="0">
+                  <a:tabLst>
+                    <a:tab pos="508000" algn="l"/>
+                  </a:tabLst>
+                  <a:defRPr sz="2800">
+                    <a:solidFill>
+                      <a:schemeClr val="tx1"/>
+                    </a:solidFill>
+                    <a:latin typeface="Helvetica" pitchFamily="124" charset="0"/>
+                    <a:ea typeface="MS PGothic" pitchFamily="34" charset="-128"/>
+                  </a:defRPr>
+                </a:lvl3pPr>
+                <a:lvl4pPr marL="1600200" indent="-228600" eaLnBrk="0" hangingPunct="0">
+                  <a:tabLst>
+                    <a:tab pos="508000" algn="l"/>
+                  </a:tabLst>
+                  <a:defRPr sz="2800">
+                    <a:solidFill>
+                      <a:schemeClr val="tx1"/>
+                    </a:solidFill>
+                    <a:latin typeface="Helvetica" pitchFamily="124" charset="0"/>
+                    <a:ea typeface="MS PGothic" pitchFamily="34" charset="-128"/>
+                  </a:defRPr>
+                </a:lvl4pPr>
+                <a:lvl5pPr marL="2057400" indent="-228600" eaLnBrk="0" hangingPunct="0">
+                  <a:tabLst>
+                    <a:tab pos="508000" algn="l"/>
+                  </a:tabLst>
+                  <a:defRPr sz="2800">
+                    <a:solidFill>
+                      <a:schemeClr val="tx1"/>
+                    </a:solidFill>
+                    <a:latin typeface="Helvetica" pitchFamily="124" charset="0"/>
+                    <a:ea typeface="MS PGothic" pitchFamily="34" charset="-128"/>
+                  </a:defRPr>
+                </a:lvl5pPr>
+                <a:lvl6pPr marL="2514600" indent="-228600" algn="l" rtl="0" eaLnBrk="0" fontAlgn="base" hangingPunct="0">
+                  <a:spcBef>
+                    <a:spcPct val="0"/>
+                  </a:spcBef>
+                  <a:spcAft>
+                    <a:spcPct val="0"/>
+                  </a:spcAft>
+                  <a:tabLst>
+                    <a:tab pos="508000" algn="l"/>
+                  </a:tabLst>
+                  <a:defRPr sz="2800">
+                    <a:solidFill>
+                      <a:schemeClr val="tx1"/>
+                    </a:solidFill>
+                    <a:latin typeface="Helvetica" pitchFamily="124" charset="0"/>
+                    <a:ea typeface="MS PGothic" pitchFamily="34" charset="-128"/>
+                  </a:defRPr>
+                </a:lvl6pPr>
+                <a:lvl7pPr marL="2971800" indent="-228600" algn="l" rtl="0" eaLnBrk="0" fontAlgn="base" hangingPunct="0">
+                  <a:spcBef>
+                    <a:spcPct val="0"/>
+                  </a:spcBef>
+                  <a:spcAft>
+                    <a:spcPct val="0"/>
+                  </a:spcAft>
+                  <a:tabLst>
+                    <a:tab pos="508000" algn="l"/>
+                  </a:tabLst>
+                  <a:defRPr sz="2800">
+                    <a:solidFill>
+                      <a:schemeClr val="tx1"/>
+                    </a:solidFill>
+                    <a:latin typeface="Helvetica" pitchFamily="124" charset="0"/>
+                    <a:ea typeface="MS PGothic" pitchFamily="34" charset="-128"/>
+                  </a:defRPr>
+                </a:lvl7pPr>
+                <a:lvl8pPr marL="3429000" indent="-228600" algn="l" rtl="0" eaLnBrk="0" fontAlgn="base" hangingPunct="0">
+                  <a:spcBef>
+                    <a:spcPct val="0"/>
+                  </a:spcBef>
+                  <a:spcAft>
+                    <a:spcPct val="0"/>
+                  </a:spcAft>
+                  <a:tabLst>
+                    <a:tab pos="508000" algn="l"/>
+                  </a:tabLst>
+                  <a:defRPr sz="2800">
+                    <a:solidFill>
+                      <a:schemeClr val="tx1"/>
+                    </a:solidFill>
+                    <a:latin typeface="Helvetica" pitchFamily="124" charset="0"/>
+                    <a:ea typeface="MS PGothic" pitchFamily="34" charset="-128"/>
+                  </a:defRPr>
+                </a:lvl8pPr>
+                <a:lvl9pPr marL="3886200" indent="-228600" algn="l" rtl="0" eaLnBrk="0" fontAlgn="base" hangingPunct="0">
+                  <a:spcBef>
+                    <a:spcPct val="0"/>
+                  </a:spcBef>
+                  <a:spcAft>
+                    <a:spcPct val="0"/>
+                  </a:spcAft>
+                  <a:tabLst>
+                    <a:tab pos="508000" algn="l"/>
+                  </a:tabLst>
+                  <a:defRPr sz="2800">
+                    <a:solidFill>
+                      <a:schemeClr val="tx1"/>
+                    </a:solidFill>
+                    <a:latin typeface="Helvetica" pitchFamily="124" charset="0"/>
+                    <a:ea typeface="MS PGothic" pitchFamily="34" charset="-128"/>
+                  </a:defRPr>
+                </a:lvl9pPr>
+              </a:lstStyle>
+              <a:p>
+                <a:pPr indent="180000" eaLnBrk="1" hangingPunct="1">
+                  <a:spcBef>
+                    <a:spcPct val="50000"/>
+                  </a:spcBef>
+                  <a:tabLst>
+                    <a:tab pos="635000" algn="l"/>
+                  </a:tabLst>
+                </a:pPr>
+                <a:r>
+                  <a:rPr lang="en-US" altLang="he-IL" sz="4200" b="1" dirty="0" smtClean="0">
+                    <a:solidFill>
+                      <a:srgbClr val="000000"/>
+                    </a:solidFill>
+                    <a:latin typeface="Calibri" pitchFamily="34" charset="0"/>
+                  </a:rPr>
+                  <a:t>Fitness inference</a:t>
+                </a:r>
+                <a:endParaRPr lang="en-US" altLang="he-IL" sz="4200" b="1" dirty="0">
+                  <a:solidFill>
+                    <a:srgbClr val="000000"/>
+                  </a:solidFill>
+                  <a:latin typeface="Calibri" pitchFamily="34" charset="0"/>
+                </a:endParaRPr>
+              </a:p>
+              <a:p>
+                <a:pPr eaLnBrk="1" hangingPunct="1">
+                  <a:spcBef>
+                    <a:spcPct val="10000"/>
+                  </a:spcBef>
+                </a:pPr>
+                <a:r>
+                  <a:rPr lang="en-US" altLang="he-IL" sz="2500" dirty="0" smtClean="0">
+                    <a:latin typeface="Times New Roman" pitchFamily="18" charset="0"/>
+                  </a:rPr>
+                  <a:t>Fitness can be inferred from competitions in several ways</a:t>
+                </a:r>
+                <a:r>
+                  <a:rPr lang="en-US" altLang="he-IL" sz="2500" baseline="30000" dirty="0" smtClean="0">
+                    <a:latin typeface="Times New Roman" pitchFamily="18" charset="0"/>
+                  </a:rPr>
+                  <a:t>2,3,5</a:t>
+                </a:r>
+                <a:r>
+                  <a:rPr lang="en-US" altLang="he-IL" sz="2500" dirty="0" smtClean="0">
+                    <a:latin typeface="Times New Roman" pitchFamily="18" charset="0"/>
+                  </a:rPr>
+                  <a:t>.</a:t>
+                </a:r>
+              </a:p>
+              <a:p>
+                <a:pPr eaLnBrk="1" hangingPunct="1">
+                  <a:spcBef>
+                    <a:spcPct val="10000"/>
+                  </a:spcBef>
+                </a:pPr>
+                <a:r>
+                  <a:rPr lang="en-US" altLang="he-IL" sz="2500" dirty="0" smtClean="0">
+                    <a:latin typeface="Times New Roman" pitchFamily="18" charset="0"/>
+                  </a:rPr>
+                  <a:t>For example, according to Crow &amp; Kimura</a:t>
+                </a:r>
+                <a:r>
+                  <a:rPr lang="en-US" altLang="he-IL" sz="2500" baseline="30000" dirty="0" smtClean="0">
+                    <a:latin typeface="Times New Roman" pitchFamily="18" charset="0"/>
+                  </a:rPr>
+                  <a:t>3</a:t>
+                </a:r>
+                <a:r>
+                  <a:rPr lang="en-US" altLang="he-IL" sz="2500" dirty="0" smtClean="0">
+                    <a:latin typeface="Times New Roman" pitchFamily="18" charset="0"/>
+                  </a:rPr>
+                  <a:t> the frequency of the red strain </a:t>
+                </a:r>
+                <a14:m>
+                  <m:oMath xmlns:m="http://schemas.openxmlformats.org/officeDocument/2006/math">
+                    <m:r>
+                      <a:rPr lang="en-US" altLang="he-IL" sz="2500" i="1">
+                        <a:latin typeface="Cambria Math"/>
+                      </a:rPr>
+                      <m:t>𝑝</m:t>
+                    </m:r>
+                  </m:oMath>
+                </a14:m>
+                <a:r>
+                  <a:rPr lang="en-US" altLang="he-IL" sz="2500" dirty="0" smtClean="0">
+                    <a:latin typeface="Times New Roman" pitchFamily="18" charset="0"/>
+                  </a:rPr>
+                  <a:t> changes according to:</a:t>
+                </a:r>
+              </a:p>
+              <a:p>
+                <a:pPr eaLnBrk="1" hangingPunct="1">
+                  <a:spcBef>
+                    <a:spcPct val="10000"/>
+                  </a:spcBef>
+                </a:pPr>
+                <a:endParaRPr lang="en-US" altLang="he-IL" sz="2500" dirty="0" smtClean="0">
+                  <a:latin typeface="Times New Roman" pitchFamily="18" charset="0"/>
+                </a:endParaRPr>
+              </a:p>
+              <a:p>
+                <a:pPr eaLnBrk="1" hangingPunct="1">
+                  <a:spcBef>
+                    <a:spcPct val="10000"/>
+                  </a:spcBef>
+                </a:pPr>
+                <a14:m>
+                  <m:oMathPara xmlns:m="http://schemas.openxmlformats.org/officeDocument/2006/math">
+                    <m:oMathParaPr>
+                      <m:jc m:val="centerGroup"/>
+                    </m:oMathParaPr>
+                    <m:oMath xmlns:m="http://schemas.openxmlformats.org/officeDocument/2006/math">
+                      <m:r>
+                        <a:rPr lang="en-US" altLang="he-IL" sz="3200" b="0" i="1" smtClean="0">
+                          <a:latin typeface="Cambria Math"/>
+                        </a:rPr>
+                        <m:t>𝑝</m:t>
+                      </m:r>
+                      <m:d>
+                        <m:dPr>
+                          <m:ctrlPr>
+                            <a:rPr lang="en-US" altLang="he-IL" sz="3200" b="0" i="1" smtClean="0">
+                              <a:latin typeface="Cambria Math"/>
+                            </a:rPr>
+                          </m:ctrlPr>
+                        </m:dPr>
+                        <m:e>
+                          <m:r>
+                            <a:rPr lang="en-US" altLang="he-IL" sz="3200" b="0" i="1" smtClean="0">
+                              <a:latin typeface="Cambria Math"/>
+                            </a:rPr>
+                            <m:t>𝑡</m:t>
+                          </m:r>
+                        </m:e>
+                      </m:d>
+                      <m:r>
+                        <a:rPr lang="en-US" altLang="he-IL" sz="3200" b="0" i="1" smtClean="0">
+                          <a:latin typeface="Cambria Math"/>
+                        </a:rPr>
+                        <m:t>=</m:t>
+                      </m:r>
+                      <m:f>
+                        <m:fPr>
+                          <m:ctrlPr>
+                            <a:rPr lang="en-US" altLang="he-IL" sz="3200" b="0" i="1" smtClean="0">
+                              <a:latin typeface="Cambria Math"/>
+                            </a:rPr>
+                          </m:ctrlPr>
+                        </m:fPr>
+                        <m:num>
+                          <m:sSub>
+                            <m:sSubPr>
+                              <m:ctrlPr>
+                                <a:rPr lang="en-US" altLang="he-IL" sz="3200" b="0" i="1" smtClean="0">
+                                  <a:latin typeface="Cambria Math"/>
+                                </a:rPr>
+                              </m:ctrlPr>
+                            </m:sSubPr>
+                            <m:e>
+                              <m:r>
+                                <a:rPr lang="en-US" altLang="he-IL" sz="3200" b="0" i="1" smtClean="0">
+                                  <a:latin typeface="Cambria Math"/>
+                                </a:rPr>
+                                <m:t>𝑝</m:t>
+                              </m:r>
+                            </m:e>
+                            <m:sub>
+                              <m:r>
+                                <a:rPr lang="en-US" altLang="he-IL" sz="3200" b="0" i="1" smtClean="0">
+                                  <a:latin typeface="Cambria Math"/>
+                                </a:rPr>
+                                <m:t>0</m:t>
+                              </m:r>
+                            </m:sub>
+                          </m:sSub>
+                        </m:num>
+                        <m:den>
+                          <m:sSub>
+                            <m:sSubPr>
+                              <m:ctrlPr>
+                                <a:rPr lang="en-US" altLang="he-IL" sz="3200" b="0" i="1" smtClean="0">
+                                  <a:latin typeface="Cambria Math"/>
+                                </a:rPr>
+                              </m:ctrlPr>
+                            </m:sSubPr>
+                            <m:e>
+                              <m:r>
+                                <a:rPr lang="en-US" altLang="he-IL" sz="3200" b="0" i="1" smtClean="0">
+                                  <a:latin typeface="Cambria Math"/>
+                                </a:rPr>
+                                <m:t>𝑝</m:t>
+                              </m:r>
+                            </m:e>
+                            <m:sub>
+                              <m:r>
+                                <a:rPr lang="en-US" altLang="he-IL" sz="3200" b="0" i="1" smtClean="0">
+                                  <a:latin typeface="Cambria Math"/>
+                                </a:rPr>
+                                <m:t>0</m:t>
+                              </m:r>
+                            </m:sub>
+                          </m:sSub>
+                          <m:r>
+                            <a:rPr lang="en-US" altLang="he-IL" sz="3200" b="0" i="1" smtClean="0">
+                              <a:latin typeface="Cambria Math"/>
+                            </a:rPr>
+                            <m:t>+</m:t>
+                          </m:r>
+                          <m:d>
+                            <m:dPr>
+                              <m:ctrlPr>
+                                <a:rPr lang="en-US" altLang="he-IL" sz="3200" b="0" i="1" smtClean="0">
+                                  <a:latin typeface="Cambria Math"/>
+                                </a:rPr>
+                              </m:ctrlPr>
+                            </m:dPr>
+                            <m:e>
+                              <m:r>
+                                <a:rPr lang="en-US" altLang="he-IL" sz="3200" b="0" i="1" smtClean="0">
+                                  <a:latin typeface="Cambria Math"/>
+                                </a:rPr>
+                                <m:t>1</m:t>
+                              </m:r>
+                              <m:r>
+                                <a:rPr lang="en-US" altLang="he-IL" sz="3200" b="0" i="1" smtClean="0">
+                                  <a:latin typeface="Cambria Math"/>
+                                </a:rPr>
+                                <m:t>−</m:t>
+                              </m:r>
+                              <m:sSub>
+                                <m:sSubPr>
+                                  <m:ctrlPr>
+                                    <a:rPr lang="en-US" altLang="he-IL" sz="3200" b="0" i="1" smtClean="0">
+                                      <a:latin typeface="Cambria Math"/>
+                                    </a:rPr>
+                                  </m:ctrlPr>
+                                </m:sSubPr>
+                                <m:e>
+                                  <m:r>
+                                    <a:rPr lang="en-US" altLang="he-IL" sz="3200" b="0" i="1" smtClean="0">
+                                      <a:latin typeface="Cambria Math"/>
+                                    </a:rPr>
+                                    <m:t>𝑝</m:t>
+                                  </m:r>
+                                </m:e>
+                                <m:sub>
+                                  <m:r>
+                                    <a:rPr lang="en-US" altLang="he-IL" sz="3200" b="0" i="1" smtClean="0">
+                                      <a:latin typeface="Cambria Math"/>
+                                    </a:rPr>
+                                    <m:t>0</m:t>
+                                  </m:r>
+                                </m:sub>
+                              </m:sSub>
+                            </m:e>
+                          </m:d>
+                          <m:sSup>
+                            <m:sSupPr>
+                              <m:ctrlPr>
+                                <a:rPr lang="en-US" altLang="he-IL" sz="3200" b="0" i="1" smtClean="0">
+                                  <a:latin typeface="Cambria Math"/>
+                                </a:rPr>
+                              </m:ctrlPr>
+                            </m:sSupPr>
+                            <m:e>
+                              <m:r>
+                                <a:rPr lang="en-US" altLang="he-IL" sz="3200" b="0" i="1" smtClean="0">
+                                  <a:latin typeface="Cambria Math"/>
+                                </a:rPr>
+                                <m:t>𝑒</m:t>
+                              </m:r>
+                            </m:e>
+                            <m:sup>
+                              <m:r>
+                                <a:rPr lang="en-US" altLang="he-IL" sz="3200" b="0" i="1" smtClean="0">
+                                  <a:latin typeface="Cambria Math"/>
+                                </a:rPr>
+                                <m:t>−</m:t>
+                              </m:r>
+                              <m:r>
+                                <a:rPr lang="en-US" altLang="he-IL" sz="3200" b="0" i="1" smtClean="0">
+                                  <a:latin typeface="Cambria Math"/>
+                                </a:rPr>
+                                <m:t>𝑠𝑡</m:t>
+                              </m:r>
+                            </m:sup>
+                          </m:sSup>
+                        </m:den>
+                      </m:f>
+                    </m:oMath>
+                  </m:oMathPara>
+                </a14:m>
+                <a:endParaRPr lang="en-US" altLang="he-IL" sz="3200" dirty="0" smtClean="0">
+                  <a:latin typeface="Times New Roman" pitchFamily="18" charset="0"/>
+                </a:endParaRPr>
+              </a:p>
+              <a:p>
+                <a:pPr eaLnBrk="1" hangingPunct="1">
+                  <a:spcBef>
+                    <a:spcPct val="10000"/>
+                  </a:spcBef>
+                </a:pPr>
+                <a:endParaRPr lang="en-US" altLang="he-IL" sz="2500" b="0" i="1" dirty="0" smtClean="0">
+                  <a:latin typeface="Cambria Math"/>
+                </a:endParaRPr>
+              </a:p>
+              <a:p>
+                <a:pPr eaLnBrk="1" hangingPunct="1">
+                  <a:spcBef>
+                    <a:spcPct val="10000"/>
+                  </a:spcBef>
+                </a:pPr>
+                <a:r>
+                  <a:rPr lang="en-US" altLang="he-IL" sz="2500" dirty="0">
+                    <a:latin typeface="Times New Roman" pitchFamily="18" charset="0"/>
+                  </a:rPr>
+                  <a:t>Where</a:t>
+                </a:r>
+                <a:r>
+                  <a:rPr lang="en-US" altLang="he-IL" sz="2500" i="1" dirty="0" smtClean="0">
+                    <a:latin typeface="Cambria Math"/>
+                  </a:rPr>
+                  <a:t> </a:t>
+                </a:r>
+                <a14:m>
+                  <m:oMath xmlns:m="http://schemas.openxmlformats.org/officeDocument/2006/math">
+                    <m:sSub>
+                      <m:sSubPr>
+                        <m:ctrlPr>
+                          <a:rPr lang="en-US" altLang="he-IL" sz="2500" b="0" i="1" smtClean="0">
+                            <a:latin typeface="Cambria Math"/>
+                          </a:rPr>
+                        </m:ctrlPr>
+                      </m:sSubPr>
+                      <m:e>
+                        <m:r>
+                          <a:rPr lang="en-US" altLang="he-IL" sz="2500" b="0" i="1" smtClean="0">
+                            <a:latin typeface="Cambria Math"/>
+                          </a:rPr>
+                          <m:t>𝑝</m:t>
+                        </m:r>
+                      </m:e>
+                      <m:sub>
+                        <m:r>
+                          <a:rPr lang="en-US" altLang="he-IL" sz="2500" b="0" i="1" smtClean="0">
+                            <a:latin typeface="Cambria Math"/>
+                          </a:rPr>
+                          <m:t>0</m:t>
+                        </m:r>
+                      </m:sub>
+                    </m:sSub>
+                  </m:oMath>
+                </a14:m>
+                <a:r>
+                  <a:rPr lang="en-US" altLang="he-IL" sz="2500" dirty="0" smtClean="0">
+                    <a:latin typeface="Times New Roman" pitchFamily="18" charset="0"/>
+                  </a:rPr>
+                  <a:t> </a:t>
+                </a:r>
+                <a:r>
+                  <a:rPr lang="en-US" altLang="he-IL" sz="2500" dirty="0" smtClean="0">
+                    <a:latin typeface="Times New Roman" pitchFamily="18" charset="0"/>
+                  </a:rPr>
+                  <a:t>is the </a:t>
+                </a:r>
+                <a:r>
+                  <a:rPr lang="en-US" altLang="he-IL" sz="2500" dirty="0" smtClean="0">
+                    <a:latin typeface="Times New Roman" pitchFamily="18" charset="0"/>
+                  </a:rPr>
+                  <a:t>initial </a:t>
+                </a:r>
+                <a:r>
+                  <a:rPr lang="en-US" altLang="he-IL" sz="2500" dirty="0" smtClean="0">
+                    <a:latin typeface="Times New Roman" pitchFamily="18" charset="0"/>
+                  </a:rPr>
+                  <a:t>frequency and </a:t>
+                </a:r>
+                <a14:m>
+                  <m:oMath xmlns:m="http://schemas.openxmlformats.org/officeDocument/2006/math">
+                    <m:r>
+                      <a:rPr lang="en-US" altLang="he-IL" sz="2500" b="0" i="1" smtClean="0">
+                        <a:latin typeface="Cambria Math"/>
+                      </a:rPr>
+                      <m:t>𝑠</m:t>
+                    </m:r>
+                  </m:oMath>
+                </a14:m>
+                <a:r>
+                  <a:rPr lang="en-US" altLang="he-IL" sz="2500" dirty="0" smtClean="0">
+                    <a:latin typeface="Times New Roman" pitchFamily="18" charset="0"/>
+                  </a:rPr>
+                  <a:t> </a:t>
+                </a:r>
+                <a:r>
+                  <a:rPr lang="en-US" altLang="he-IL" sz="2500" dirty="0" smtClean="0">
+                    <a:latin typeface="Times New Roman" pitchFamily="18" charset="0"/>
+                  </a:rPr>
+                  <a:t>is the </a:t>
+                </a:r>
+                <a:r>
+                  <a:rPr lang="en-US" altLang="he-IL" sz="2500" dirty="0" smtClean="0">
+                    <a:latin typeface="Times New Roman" pitchFamily="18" charset="0"/>
+                  </a:rPr>
+                  <a:t>selection </a:t>
+                </a:r>
+                <a:r>
+                  <a:rPr lang="en-US" altLang="he-IL" sz="2500" dirty="0" smtClean="0">
+                    <a:latin typeface="Times New Roman" pitchFamily="18" charset="0"/>
+                  </a:rPr>
+                  <a:t>coefficient for the red strain.</a:t>
+                </a:r>
+              </a:p>
+              <a:p>
+                <a:pPr eaLnBrk="1" hangingPunct="1">
+                  <a:spcBef>
+                    <a:spcPct val="10000"/>
+                  </a:spcBef>
+                </a:pPr>
+                <a:endParaRPr lang="en-US" altLang="he-IL" sz="2500" dirty="0">
+                  <a:latin typeface="Times New Roman" pitchFamily="18" charset="0"/>
+                </a:endParaRPr>
+              </a:p>
+              <a:p>
+                <a:pPr eaLnBrk="1" hangingPunct="1">
+                  <a:spcBef>
+                    <a:spcPct val="10000"/>
+                  </a:spcBef>
+                </a:pPr>
+                <a:endParaRPr lang="en-US" altLang="he-IL" sz="2500" dirty="0" smtClean="0">
+                  <a:latin typeface="Times New Roman" pitchFamily="18" charset="0"/>
+                </a:endParaRPr>
+              </a:p>
+              <a:p>
+                <a:pPr eaLnBrk="1" hangingPunct="1">
+                  <a:spcBef>
+                    <a:spcPct val="10000"/>
+                  </a:spcBef>
+                </a:pPr>
+                <a:endParaRPr lang="en-US" altLang="he-IL" sz="2500" dirty="0">
+                  <a:latin typeface="Times New Roman" pitchFamily="18" charset="0"/>
+                </a:endParaRPr>
+              </a:p>
+              <a:p>
+                <a:pPr eaLnBrk="1" hangingPunct="1">
+                  <a:spcBef>
+                    <a:spcPct val="10000"/>
+                  </a:spcBef>
+                </a:pPr>
+                <a:endParaRPr lang="en-US" altLang="he-IL" sz="2500" dirty="0" smtClean="0">
+                  <a:latin typeface="Times New Roman" pitchFamily="18" charset="0"/>
+                </a:endParaRPr>
+              </a:p>
+              <a:p>
+                <a:pPr eaLnBrk="1" hangingPunct="1">
+                  <a:spcBef>
+                    <a:spcPct val="10000"/>
+                  </a:spcBef>
+                </a:pPr>
+                <a:endParaRPr lang="en-US" altLang="he-IL" sz="2500" dirty="0">
+                  <a:latin typeface="Times New Roman" pitchFamily="18" charset="0"/>
+                </a:endParaRPr>
+              </a:p>
+              <a:p>
+                <a:pPr eaLnBrk="1" hangingPunct="1">
+                  <a:spcBef>
+                    <a:spcPct val="10000"/>
+                  </a:spcBef>
+                </a:pPr>
+                <a:endParaRPr lang="en-US" altLang="he-IL" sz="2500" dirty="0" smtClean="0">
+                  <a:latin typeface="Times New Roman" pitchFamily="18" charset="0"/>
+                </a:endParaRPr>
+              </a:p>
+              <a:p>
+                <a:pPr eaLnBrk="1" hangingPunct="1">
+                  <a:spcBef>
+                    <a:spcPct val="10000"/>
+                  </a:spcBef>
+                </a:pPr>
+                <a:endParaRPr lang="en-US" altLang="he-IL" sz="2500" dirty="0">
+                  <a:latin typeface="Times New Roman" pitchFamily="18" charset="0"/>
+                </a:endParaRPr>
+              </a:p>
+              <a:p>
+                <a:pPr eaLnBrk="1" hangingPunct="1">
+                  <a:spcBef>
+                    <a:spcPct val="10000"/>
+                  </a:spcBef>
+                </a:pPr>
+                <a:endParaRPr lang="en-US" altLang="he-IL" sz="2500" dirty="0" smtClean="0">
+                  <a:latin typeface="Times New Roman" pitchFamily="18" charset="0"/>
+                </a:endParaRPr>
+              </a:p>
+              <a:p>
+                <a:pPr eaLnBrk="1" hangingPunct="1">
+                  <a:spcBef>
+                    <a:spcPct val="10000"/>
+                  </a:spcBef>
+                </a:pPr>
+                <a:endParaRPr lang="en-US" altLang="he-IL" sz="2500" dirty="0">
+                  <a:latin typeface="Times New Roman" pitchFamily="18" charset="0"/>
+                </a:endParaRPr>
+              </a:p>
+              <a:p>
+                <a:pPr eaLnBrk="1" hangingPunct="1">
+                  <a:spcBef>
+                    <a:spcPct val="10000"/>
+                  </a:spcBef>
+                </a:pPr>
+                <a:endParaRPr lang="en-US" altLang="he-IL" sz="2500" dirty="0" smtClean="0">
+                  <a:latin typeface="Times New Roman" pitchFamily="18" charset="0"/>
+                </a:endParaRPr>
+              </a:p>
+              <a:p>
+                <a:pPr eaLnBrk="1" hangingPunct="1">
+                  <a:spcBef>
+                    <a:spcPct val="10000"/>
+                  </a:spcBef>
+                </a:pPr>
+                <a:endParaRPr lang="en-US" altLang="he-IL" sz="2500" dirty="0">
+                  <a:latin typeface="Times New Roman" pitchFamily="18" charset="0"/>
+                </a:endParaRPr>
+              </a:p>
+              <a:p>
+                <a:pPr eaLnBrk="1" hangingPunct="1">
+                  <a:spcBef>
+                    <a:spcPct val="10000"/>
+                  </a:spcBef>
+                </a:pPr>
+                <a:endParaRPr lang="en-US" altLang="he-IL" sz="2500" dirty="0" smtClean="0">
+                  <a:latin typeface="Times New Roman" pitchFamily="18" charset="0"/>
+                </a:endParaRPr>
+              </a:p>
+              <a:p>
+                <a:pPr eaLnBrk="1" hangingPunct="1">
+                  <a:spcBef>
+                    <a:spcPct val="10000"/>
+                  </a:spcBef>
+                </a:pPr>
+                <a:endParaRPr lang="en-US" altLang="he-IL" sz="2500" dirty="0">
+                  <a:latin typeface="Times New Roman" pitchFamily="18" charset="0"/>
+                </a:endParaRPr>
+              </a:p>
+              <a:p>
+                <a:pPr eaLnBrk="1" hangingPunct="1">
+                  <a:spcBef>
+                    <a:spcPct val="10000"/>
+                  </a:spcBef>
+                </a:pPr>
+                <a:endParaRPr lang="en-US" altLang="he-IL" sz="2500" dirty="0" smtClean="0">
+                  <a:latin typeface="Times New Roman" pitchFamily="18" charset="0"/>
+                </a:endParaRPr>
+              </a:p>
+              <a:p>
+                <a:pPr eaLnBrk="1" hangingPunct="1">
+                  <a:spcBef>
+                    <a:spcPct val="10000"/>
+                  </a:spcBef>
+                </a:pPr>
+                <a:endParaRPr lang="en-US" altLang="he-IL" sz="2500" dirty="0">
+                  <a:latin typeface="Times New Roman" pitchFamily="18" charset="0"/>
+                </a:endParaRPr>
+              </a:p>
+              <a:p>
+                <a:pPr eaLnBrk="1" hangingPunct="1">
+                  <a:spcBef>
+                    <a:spcPct val="10000"/>
+                  </a:spcBef>
+                </a:pPr>
+                <a:endParaRPr lang="en-US" altLang="he-IL" sz="2500" dirty="0" smtClean="0">
+                  <a:latin typeface="Times New Roman" pitchFamily="18" charset="0"/>
+                </a:endParaRPr>
+              </a:p>
+              <a:p>
+                <a:pPr eaLnBrk="1" hangingPunct="1">
+                  <a:spcBef>
+                    <a:spcPct val="10000"/>
+                  </a:spcBef>
+                </a:pPr>
+                <a:endParaRPr lang="en-US" altLang="he-IL" sz="2500" dirty="0">
+                  <a:latin typeface="Times New Roman" pitchFamily="18" charset="0"/>
+                </a:endParaRPr>
+              </a:p>
+            </p:txBody>
+          </p:sp>
+        </mc:Choice>
+        <mc:Fallback>
+          <p:sp>
+            <p:nvSpPr>
+              <p:cNvPr id="51" name="Text Box 11"/>
+              <p:cNvSpPr txBox="1">
+                <a:spLocks noRot="1" noChangeAspect="1" noMove="1" noResize="1" noEditPoints="1" noAdjustHandles="1" noChangeArrowheads="1" noChangeShapeType="1" noTextEdit="1"/>
+              </p:cNvSpPr>
+              <p:nvPr/>
+            </p:nvSpPr>
+            <p:spPr bwMode="auto">
+              <a:xfrm>
+                <a:off x="10944000" y="19716750"/>
+                <a:ext cx="8458200" cy="14363700"/>
+              </a:xfrm>
+              <a:prstGeom prst="rect">
+                <a:avLst/>
+              </a:prstGeom>
+              <a:blipFill rotWithShape="1">
+                <a:blip r:embed="rId4"/>
+                <a:stretch>
+                  <a:fillRect/>
+                </a:stretch>
+              </a:blipFill>
+              <a:ln w="38100">
+                <a:solidFill>
+                  <a:srgbClr val="000000"/>
+                </a:solidFill>
+                <a:round/>
+                <a:headEnd/>
+                <a:tailEnd/>
+              </a:ln>
+            </p:spPr>
+            <p:txBody>
+              <a:bodyPr/>
+              <a:lstStyle/>
+              <a:p>
+                <a:r>
+                  <a:rPr lang="he-IL">
+                    <a:noFill/>
+                  </a:rPr>
+                  <a:t> </a:t>
+                </a:r>
+              </a:p>
+            </p:txBody>
+          </p:sp>
+        </mc:Fallback>
+      </mc:AlternateContent>
+      <p:pic>
+        <p:nvPicPr>
+          <p:cNvPr id="15" name="Picture 2" descr="D:\university\presentations\GRC 2015\frequency_fit.png"/>
+          <p:cNvPicPr>
+            <a:picLocks noChangeAspect="1" noChangeArrowheads="1"/>
+          </p:cNvPicPr>
+          <p:nvPr/>
+        </p:nvPicPr>
+        <p:blipFill>
+          <a:blip r:embed="rId5">
+            <a:extLst>
+              <a:ext uri="{28A0092B-C50C-407E-A947-70E740481C1C}">
+                <a14:useLocalDpi xmlns:a14="http://schemas.microsoft.com/office/drawing/2010/main" val="0"/>
+              </a:ext>
+            </a:extLst>
+          </a:blip>
+          <a:srcRect/>
+          <a:stretch>
+            <a:fillRect/>
+          </a:stretch>
+        </p:blipFill>
+        <p:spPr bwMode="auto">
+          <a:xfrm>
+            <a:off x="11304000" y="28544400"/>
+            <a:ext cx="7748587" cy="5310188"/>
+          </a:xfrm>
+          <a:prstGeom prst="rect">
+            <a:avLst/>
+          </a:prstGeom>
+          <a:noFill/>
+          <a:extLst>
+            <a:ext uri="{909E8E84-426E-40DD-AFC4-6F175D3DCCD1}">
+              <a14:hiddenFill xmlns:a14="http://schemas.microsoft.com/office/drawing/2010/main">
+                <a:solidFill>
+                  <a:srgbClr val="FFFFFF"/>
+                </a:solidFill>
+              </a14:hiddenFill>
+            </a:ext>
+          </a:extLst>
+        </p:spPr>
+      </p:pic>
       <p:pic>
         <p:nvPicPr>
           <p:cNvPr id="1052" name="Picture 28" descr="D:\workspace\curveball_project\gh-pages\img\logo_200px.png"/>
@@ -4193,7 +5033,7 @@
           <p:nvPr/>
         </p:nvPicPr>
         <p:blipFill>
-          <a:blip r:embed="rId4">
+          <a:blip r:embed="rId6">
             <a:extLst>
               <a:ext uri="{28A0092B-C50C-407E-A947-70E740481C1C}">
                 <a14:useLocalDpi xmlns:a14="http://schemas.microsoft.com/office/drawing/2010/main" val="0"/>
@@ -4390,13 +5230,13 @@
             </a:lvl9pPr>
           </a:lstStyle>
           <a:p>
-            <a:pPr eaLnBrk="1" hangingPunct="1">
+            <a:pPr indent="180000" eaLnBrk="1" hangingPunct="1">
               <a:spcBef>
                 <a:spcPct val="50000"/>
               </a:spcBef>
             </a:pPr>
             <a:r>
-              <a:rPr lang="en-US" altLang="he-IL" sz="3900" b="1" dirty="0" smtClean="0">
+              <a:rPr lang="en-US" altLang="he-IL" sz="4200" b="1" dirty="0" smtClean="0">
                 <a:solidFill>
                   <a:srgbClr val="000000"/>
                 </a:solidFill>
@@ -4404,7 +5244,7 @@
               </a:rPr>
               <a:t>Experimental test</a:t>
             </a:r>
-            <a:endParaRPr lang="en-US" altLang="he-IL" sz="3900" b="1" dirty="0">
+            <a:endParaRPr lang="en-US" altLang="he-IL" sz="4200" b="1" dirty="0">
               <a:solidFill>
                 <a:srgbClr val="000000"/>
               </a:solidFill>
@@ -4412,7 +5252,7 @@
             </a:endParaRPr>
           </a:p>
           <a:p>
-            <a:pPr eaLnBrk="1" hangingPunct="1">
+            <a:pPr indent="180000" eaLnBrk="1" hangingPunct="1">
               <a:spcBef>
                 <a:spcPct val="10000"/>
               </a:spcBef>
@@ -4476,7 +5316,7 @@
             </a:r>
           </a:p>
           <a:p>
-            <a:pPr eaLnBrk="1" hangingPunct="1">
+            <a:pPr indent="180000" eaLnBrk="1" hangingPunct="1">
               <a:spcBef>
                 <a:spcPct val="10000"/>
               </a:spcBef>
@@ -4486,7 +5326,7 @@
             </a:endParaRPr>
           </a:p>
           <a:p>
-            <a:pPr eaLnBrk="1" hangingPunct="1">
+            <a:pPr indent="180000" eaLnBrk="1" hangingPunct="1">
               <a:spcBef>
                 <a:spcPct val="10000"/>
               </a:spcBef>
@@ -4496,7 +5336,7 @@
             </a:endParaRPr>
           </a:p>
           <a:p>
-            <a:pPr eaLnBrk="1" hangingPunct="1">
+            <a:pPr indent="180000" eaLnBrk="1" hangingPunct="1">
               <a:spcBef>
                 <a:spcPct val="10000"/>
               </a:spcBef>
@@ -4506,7 +5346,7 @@
             </a:endParaRPr>
           </a:p>
           <a:p>
-            <a:pPr eaLnBrk="1" hangingPunct="1">
+            <a:pPr indent="180000" eaLnBrk="1" hangingPunct="1">
               <a:spcBef>
                 <a:spcPct val="10000"/>
               </a:spcBef>
@@ -4516,7 +5356,7 @@
             </a:endParaRPr>
           </a:p>
           <a:p>
-            <a:pPr eaLnBrk="1" hangingPunct="1">
+            <a:pPr indent="180000" eaLnBrk="1" hangingPunct="1">
               <a:spcBef>
                 <a:spcPct val="10000"/>
               </a:spcBef>
@@ -4526,7 +5366,7 @@
             </a:endParaRPr>
           </a:p>
           <a:p>
-            <a:pPr eaLnBrk="1" hangingPunct="1">
+            <a:pPr indent="180000" eaLnBrk="1" hangingPunct="1">
               <a:spcBef>
                 <a:spcPct val="10000"/>
               </a:spcBef>
@@ -4536,7 +5376,7 @@
             </a:endParaRPr>
           </a:p>
           <a:p>
-            <a:pPr eaLnBrk="1" hangingPunct="1">
+            <a:pPr indent="180000" eaLnBrk="1" hangingPunct="1">
               <a:spcBef>
                 <a:spcPct val="10000"/>
               </a:spcBef>
@@ -4546,7 +5386,7 @@
             </a:endParaRPr>
           </a:p>
           <a:p>
-            <a:pPr eaLnBrk="1" hangingPunct="1">
+            <a:pPr indent="180000" eaLnBrk="1" hangingPunct="1">
               <a:spcBef>
                 <a:spcPct val="10000"/>
               </a:spcBef>
@@ -4556,7 +5396,7 @@
             </a:endParaRPr>
           </a:p>
           <a:p>
-            <a:pPr eaLnBrk="1" hangingPunct="1">
+            <a:pPr indent="180000" eaLnBrk="1" hangingPunct="1">
               <a:spcBef>
                 <a:spcPct val="10000"/>
               </a:spcBef>
@@ -4566,7 +5406,7 @@
             </a:endParaRPr>
           </a:p>
           <a:p>
-            <a:pPr eaLnBrk="1" hangingPunct="1">
+            <a:pPr indent="180000" eaLnBrk="1" hangingPunct="1">
               <a:spcBef>
                 <a:spcPct val="10000"/>
               </a:spcBef>
@@ -4576,7 +5416,7 @@
             </a:endParaRPr>
           </a:p>
           <a:p>
-            <a:pPr eaLnBrk="1" hangingPunct="1">
+            <a:pPr indent="180000" eaLnBrk="1" hangingPunct="1">
               <a:spcBef>
                 <a:spcPct val="10000"/>
               </a:spcBef>
@@ -4586,7 +5426,7 @@
             </a:endParaRPr>
           </a:p>
           <a:p>
-            <a:pPr eaLnBrk="1" hangingPunct="1">
+            <a:pPr indent="180000" eaLnBrk="1" hangingPunct="1">
               <a:spcBef>
                 <a:spcPct val="10000"/>
               </a:spcBef>
@@ -4596,7 +5436,7 @@
             </a:endParaRPr>
           </a:p>
           <a:p>
-            <a:pPr eaLnBrk="1" hangingPunct="1">
+            <a:pPr indent="180000" eaLnBrk="1" hangingPunct="1">
               <a:spcBef>
                 <a:spcPct val="10000"/>
               </a:spcBef>
@@ -4606,7 +5446,7 @@
             </a:endParaRPr>
           </a:p>
           <a:p>
-            <a:pPr eaLnBrk="1" hangingPunct="1">
+            <a:pPr indent="180000" eaLnBrk="1" hangingPunct="1">
               <a:spcBef>
                 <a:spcPct val="10000"/>
               </a:spcBef>
@@ -4616,7 +5456,7 @@
             </a:endParaRPr>
           </a:p>
           <a:p>
-            <a:pPr eaLnBrk="1" hangingPunct="1">
+            <a:pPr indent="180000" eaLnBrk="1" hangingPunct="1">
               <a:spcBef>
                 <a:spcPct val="10000"/>
               </a:spcBef>
@@ -4626,7 +5466,7 @@
             </a:endParaRPr>
           </a:p>
           <a:p>
-            <a:pPr eaLnBrk="1" hangingPunct="1">
+            <a:pPr indent="180000" eaLnBrk="1" hangingPunct="1">
               <a:spcBef>
                 <a:spcPct val="10000"/>
               </a:spcBef>
@@ -4636,7 +5476,7 @@
             </a:endParaRPr>
           </a:p>
           <a:p>
-            <a:pPr eaLnBrk="1" hangingPunct="1">
+            <a:pPr indent="180000" eaLnBrk="1" hangingPunct="1">
               <a:spcBef>
                 <a:spcPct val="10000"/>
               </a:spcBef>
@@ -4646,7 +5486,7 @@
             </a:endParaRPr>
           </a:p>
           <a:p>
-            <a:pPr eaLnBrk="1" hangingPunct="1">
+            <a:pPr indent="180000" eaLnBrk="1" hangingPunct="1">
               <a:spcBef>
                 <a:spcPct val="10000"/>
               </a:spcBef>
@@ -4656,7 +5496,7 @@
             </a:endParaRPr>
           </a:p>
           <a:p>
-            <a:pPr eaLnBrk="1" hangingPunct="1">
+            <a:pPr indent="180000" eaLnBrk="1" hangingPunct="1">
               <a:spcBef>
                 <a:spcPct val="10000"/>
               </a:spcBef>
@@ -4666,7 +5506,7 @@
             </a:endParaRPr>
           </a:p>
           <a:p>
-            <a:pPr eaLnBrk="1" hangingPunct="1">
+            <a:pPr indent="180000" eaLnBrk="1" hangingPunct="1">
               <a:spcBef>
                 <a:spcPct val="10000"/>
               </a:spcBef>
@@ -4676,7 +5516,7 @@
             </a:endParaRPr>
           </a:p>
           <a:p>
-            <a:pPr eaLnBrk="1" hangingPunct="1">
+            <a:pPr indent="180000" eaLnBrk="1" hangingPunct="1">
               <a:spcBef>
                 <a:spcPct val="10000"/>
               </a:spcBef>
@@ -4686,7 +5526,7 @@
             </a:endParaRPr>
           </a:p>
           <a:p>
-            <a:pPr eaLnBrk="1" hangingPunct="1">
+            <a:pPr indent="180000" eaLnBrk="1" hangingPunct="1">
               <a:spcBef>
                 <a:spcPct val="10000"/>
               </a:spcBef>
@@ -4696,7 +5536,7 @@
             </a:endParaRPr>
           </a:p>
           <a:p>
-            <a:pPr eaLnBrk="1" hangingPunct="1">
+            <a:pPr indent="180000" eaLnBrk="1" hangingPunct="1">
               <a:spcBef>
                 <a:spcPct val="10000"/>
               </a:spcBef>
@@ -4706,7 +5546,7 @@
             </a:endParaRPr>
           </a:p>
           <a:p>
-            <a:pPr eaLnBrk="1" hangingPunct="1">
+            <a:pPr indent="180000" eaLnBrk="1" hangingPunct="1">
               <a:spcBef>
                 <a:spcPct val="10000"/>
               </a:spcBef>
@@ -4716,7 +5556,7 @@
             </a:endParaRPr>
           </a:p>
           <a:p>
-            <a:pPr eaLnBrk="1" hangingPunct="1">
+            <a:pPr indent="180000" eaLnBrk="1" hangingPunct="1">
               <a:spcBef>
                 <a:spcPct val="10000"/>
               </a:spcBef>
@@ -4726,7 +5566,7 @@
             </a:endParaRPr>
           </a:p>
           <a:p>
-            <a:pPr eaLnBrk="1" hangingPunct="1">
+            <a:pPr indent="180000" eaLnBrk="1" hangingPunct="1">
               <a:spcBef>
                 <a:spcPct val="10000"/>
               </a:spcBef>
@@ -4736,7 +5576,7 @@
             </a:endParaRPr>
           </a:p>
           <a:p>
-            <a:pPr eaLnBrk="1" hangingPunct="1">
+            <a:pPr indent="180000" eaLnBrk="1" hangingPunct="1">
               <a:spcBef>
                 <a:spcPct val="10000"/>
               </a:spcBef>
@@ -4746,7 +5586,7 @@
             </a:endParaRPr>
           </a:p>
           <a:p>
-            <a:pPr eaLnBrk="1" hangingPunct="1">
+            <a:pPr indent="180000" eaLnBrk="1" hangingPunct="1">
               <a:spcBef>
                 <a:spcPct val="10000"/>
               </a:spcBef>
@@ -4756,7 +5596,7 @@
             </a:endParaRPr>
           </a:p>
           <a:p>
-            <a:pPr eaLnBrk="1" hangingPunct="1">
+            <a:pPr indent="180000" eaLnBrk="1" hangingPunct="1">
               <a:spcBef>
                 <a:spcPct val="10000"/>
               </a:spcBef>
@@ -4766,7 +5606,7 @@
             </a:endParaRPr>
           </a:p>
           <a:p>
-            <a:pPr eaLnBrk="1" hangingPunct="1">
+            <a:pPr indent="180000" eaLnBrk="1" hangingPunct="1">
               <a:spcBef>
                 <a:spcPct val="10000"/>
               </a:spcBef>
@@ -4776,7 +5616,7 @@
             </a:endParaRPr>
           </a:p>
           <a:p>
-            <a:pPr eaLnBrk="1" hangingPunct="1">
+            <a:pPr indent="180000" eaLnBrk="1" hangingPunct="1">
               <a:spcBef>
                 <a:spcPct val="10000"/>
               </a:spcBef>
@@ -4786,7 +5626,7 @@
             </a:endParaRPr>
           </a:p>
           <a:p>
-            <a:pPr eaLnBrk="1" hangingPunct="1">
+            <a:pPr indent="180000" eaLnBrk="1" hangingPunct="1">
               <a:spcBef>
                 <a:spcPct val="10000"/>
               </a:spcBef>
@@ -4796,7 +5636,7 @@
             </a:endParaRPr>
           </a:p>
           <a:p>
-            <a:pPr eaLnBrk="1" hangingPunct="1">
+            <a:pPr indent="180000" eaLnBrk="1" hangingPunct="1">
               <a:spcBef>
                 <a:spcPct val="10000"/>
               </a:spcBef>
@@ -4806,7 +5646,7 @@
             </a:endParaRPr>
           </a:p>
           <a:p>
-            <a:pPr eaLnBrk="1" hangingPunct="1">
+            <a:pPr indent="180000" eaLnBrk="1" hangingPunct="1">
               <a:spcBef>
                 <a:spcPct val="10000"/>
               </a:spcBef>
@@ -4816,7 +5656,7 @@
             </a:endParaRPr>
           </a:p>
           <a:p>
-            <a:pPr eaLnBrk="1" hangingPunct="1">
+            <a:pPr indent="180000" eaLnBrk="1" hangingPunct="1">
               <a:spcBef>
                 <a:spcPct val="10000"/>
               </a:spcBef>
@@ -4826,7 +5666,7 @@
             </a:endParaRPr>
           </a:p>
           <a:p>
-            <a:pPr eaLnBrk="1" hangingPunct="1">
+            <a:pPr indent="180000" eaLnBrk="1" hangingPunct="1">
               <a:spcBef>
                 <a:spcPct val="10000"/>
               </a:spcBef>
@@ -4836,7 +5676,7 @@
             </a:endParaRPr>
           </a:p>
           <a:p>
-            <a:pPr eaLnBrk="1" hangingPunct="1">
+            <a:pPr indent="180000" eaLnBrk="1" hangingPunct="1">
               <a:spcBef>
                 <a:spcPct val="10000"/>
               </a:spcBef>
@@ -4846,7 +5686,7 @@
             </a:endParaRPr>
           </a:p>
           <a:p>
-            <a:pPr eaLnBrk="1" hangingPunct="1">
+            <a:pPr indent="180000" eaLnBrk="1" hangingPunct="1">
               <a:spcBef>
                 <a:spcPct val="10000"/>
               </a:spcBef>
@@ -4856,7 +5696,7 @@
             </a:endParaRPr>
           </a:p>
           <a:p>
-            <a:pPr eaLnBrk="1" hangingPunct="1">
+            <a:pPr indent="180000" eaLnBrk="1" hangingPunct="1">
               <a:spcBef>
                 <a:spcPct val="10000"/>
               </a:spcBef>
@@ -4866,7 +5706,7 @@
             </a:endParaRPr>
           </a:p>
           <a:p>
-            <a:pPr eaLnBrk="1" hangingPunct="1">
+            <a:pPr indent="180000" eaLnBrk="1" hangingPunct="1">
               <a:spcBef>
                 <a:spcPct val="10000"/>
               </a:spcBef>
@@ -4876,7 +5716,7 @@
             </a:endParaRPr>
           </a:p>
           <a:p>
-            <a:pPr eaLnBrk="1" hangingPunct="1">
+            <a:pPr indent="180000" eaLnBrk="1" hangingPunct="1">
               <a:spcBef>
                 <a:spcPct val="10000"/>
               </a:spcBef>
@@ -4886,7 +5726,7 @@
             </a:endParaRPr>
           </a:p>
           <a:p>
-            <a:pPr eaLnBrk="1" hangingPunct="1">
+            <a:pPr indent="180000" eaLnBrk="1" hangingPunct="1">
               <a:spcBef>
                 <a:spcPct val="10000"/>
               </a:spcBef>
@@ -4896,7 +5736,7 @@
             </a:endParaRPr>
           </a:p>
           <a:p>
-            <a:pPr eaLnBrk="1" hangingPunct="1">
+            <a:pPr indent="180000" eaLnBrk="1" hangingPunct="1">
               <a:spcBef>
                 <a:spcPct val="10000"/>
               </a:spcBef>
@@ -4906,7 +5746,7 @@
             </a:endParaRPr>
           </a:p>
           <a:p>
-            <a:pPr eaLnBrk="1" hangingPunct="1">
+            <a:pPr indent="180000" eaLnBrk="1" hangingPunct="1">
               <a:spcBef>
                 <a:spcPct val="10000"/>
               </a:spcBef>
@@ -4915,19 +5755,7 @@
               <a:rPr lang="en-US" altLang="he-IL" sz="2500" dirty="0" smtClean="0">
                 <a:latin typeface="Times New Roman" pitchFamily="18" charset="0"/>
               </a:rPr>
-              <a:t>The total OD in the </a:t>
-            </a:r>
-            <a:r>
-              <a:rPr lang="en-US" altLang="he-IL" sz="2500" dirty="0" smtClean="0">
-                <a:latin typeface="Times New Roman" pitchFamily="18" charset="0"/>
-              </a:rPr>
-              <a:t>model predictions </a:t>
-            </a:r>
-            <a:r>
-              <a:rPr lang="en-US" altLang="he-IL" sz="2500" dirty="0" smtClean="0">
-                <a:latin typeface="Times New Roman" pitchFamily="18" charset="0"/>
-              </a:rPr>
-              <a:t>(solid blue line) has a </a:t>
+              <a:t>The total OD in the model predictions (solid blue line) has a </a:t>
             </a:r>
             <a:r>
               <a:rPr lang="en-US" altLang="he-IL" sz="2500" b="1" dirty="0" smtClean="0">
@@ -4939,35 +5767,11 @@
               <a:rPr lang="en-US" altLang="he-IL" sz="2500" dirty="0" smtClean="0">
                 <a:latin typeface="Times New Roman" pitchFamily="18" charset="0"/>
               </a:rPr>
-              <a:t>with the </a:t>
-            </a:r>
-            <a:r>
-              <a:rPr lang="en-US" altLang="he-IL" sz="2500" dirty="0" smtClean="0">
-                <a:latin typeface="Times New Roman" pitchFamily="18" charset="0"/>
-              </a:rPr>
-              <a:t>total </a:t>
-            </a:r>
-            <a:r>
-              <a:rPr lang="en-US" altLang="he-IL" sz="2500" dirty="0" smtClean="0">
-                <a:latin typeface="Times New Roman" pitchFamily="18" charset="0"/>
-              </a:rPr>
-              <a:t>OD in </a:t>
-            </a:r>
-            <a:r>
-              <a:rPr lang="en-US" altLang="he-IL" sz="2500" smtClean="0">
-                <a:latin typeface="Times New Roman" pitchFamily="18" charset="0"/>
-              </a:rPr>
-              <a:t>competition experiments </a:t>
-            </a:r>
-            <a:r>
-              <a:rPr lang="en-US" altLang="he-IL" sz="2500" dirty="0" smtClean="0">
-                <a:latin typeface="Times New Roman" pitchFamily="18" charset="0"/>
-              </a:rPr>
-              <a:t>(black markers).</a:t>
-            </a:r>
-          </a:p>
-          <a:p>
-            <a:pPr eaLnBrk="1" hangingPunct="1">
+              <a:t>with the total OD in competition experiments (black markers).</a:t>
+            </a:r>
+          </a:p>
+          <a:p>
+            <a:pPr indent="180000" eaLnBrk="1" hangingPunct="1">
               <a:spcBef>
                 <a:spcPct val="10000"/>
               </a:spcBef>
@@ -4977,7 +5781,7 @@
             </a:endParaRPr>
           </a:p>
           <a:p>
-            <a:pPr eaLnBrk="1" hangingPunct="1">
+            <a:pPr indent="180000" eaLnBrk="1" hangingPunct="1">
               <a:spcBef>
                 <a:spcPct val="10000"/>
               </a:spcBef>
@@ -4986,1287 +5790,20 @@
               <a:rPr lang="en-US" altLang="he-IL" sz="2500" dirty="0" smtClean="0">
                 <a:latin typeface="Times New Roman" pitchFamily="18" charset="0"/>
               </a:rPr>
-              <a:t>Further validation will require measuring the frequency of the strains in experimental competitions. This will be achieved using fluorescent markers and flow cytometry or fluorescent microscopy.</a:t>
-            </a:r>
-          </a:p>
-          <a:p>
-            <a:pPr eaLnBrk="1" hangingPunct="1">
-              <a:spcBef>
-                <a:spcPct val="10000"/>
-              </a:spcBef>
-            </a:pPr>
+              <a:t>Further validation will require measuring the frequency of the strains in experimental competitions. This will be achieved using fluorescent markers and flow cytometry or fluorescent microscopy</a:t>
+            </a:r>
+            <a:r>
+              <a:rPr lang="en-US" altLang="he-IL" sz="2500" dirty="0" smtClean="0">
+                <a:latin typeface="Times New Roman" pitchFamily="18" charset="0"/>
+              </a:rPr>
+              <a:t>.</a:t>
+            </a:r>
             <a:endParaRPr lang="en-US" altLang="he-IL" sz="2500" dirty="0">
               <a:latin typeface="Times New Roman" pitchFamily="18" charset="0"/>
             </a:endParaRPr>
           </a:p>
-          <a:p>
-            <a:pPr eaLnBrk="1" hangingPunct="1">
-              <a:spcBef>
-                <a:spcPct val="10000"/>
-              </a:spcBef>
-            </a:pPr>
-            <a:endParaRPr lang="en-US" altLang="he-IL" sz="2500" dirty="0" smtClean="0">
-              <a:latin typeface="Times New Roman" pitchFamily="18" charset="0"/>
-            </a:endParaRPr>
-          </a:p>
-          <a:p>
-            <a:pPr eaLnBrk="1" hangingPunct="1">
-              <a:spcBef>
-                <a:spcPct val="10000"/>
-              </a:spcBef>
-            </a:pPr>
-            <a:endParaRPr lang="en-US" altLang="he-IL" sz="2500" dirty="0">
-              <a:latin typeface="Times New Roman" pitchFamily="18" charset="0"/>
-            </a:endParaRPr>
-          </a:p>
-          <a:p>
-            <a:pPr eaLnBrk="1" hangingPunct="1">
-              <a:spcBef>
-                <a:spcPct val="10000"/>
-              </a:spcBef>
-            </a:pPr>
-            <a:endParaRPr lang="en-US" altLang="he-IL" sz="2500" dirty="0" smtClean="0">
-              <a:latin typeface="Times New Roman" pitchFamily="18" charset="0"/>
-            </a:endParaRPr>
-          </a:p>
-          <a:p>
-            <a:pPr eaLnBrk="1" hangingPunct="1">
-              <a:spcBef>
-                <a:spcPct val="10000"/>
-              </a:spcBef>
-            </a:pPr>
-            <a:endParaRPr lang="en-US" altLang="he-IL" sz="2500" dirty="0">
-              <a:latin typeface="Times New Roman" pitchFamily="18" charset="0"/>
-            </a:endParaRPr>
-          </a:p>
-          <a:p>
-            <a:pPr eaLnBrk="1" hangingPunct="1">
-              <a:spcBef>
-                <a:spcPct val="10000"/>
-              </a:spcBef>
-            </a:pPr>
-            <a:endParaRPr lang="en-US" altLang="he-IL" sz="2500" dirty="0" smtClean="0">
-              <a:latin typeface="Times New Roman" pitchFamily="18" charset="0"/>
-            </a:endParaRPr>
-          </a:p>
-          <a:p>
-            <a:pPr eaLnBrk="1" hangingPunct="1">
-              <a:spcBef>
-                <a:spcPct val="10000"/>
-              </a:spcBef>
-            </a:pPr>
-            <a:endParaRPr lang="en-US" altLang="he-IL" sz="2500" dirty="0">
-              <a:latin typeface="Times New Roman" pitchFamily="18" charset="0"/>
-            </a:endParaRPr>
-          </a:p>
         </p:txBody>
       </p:sp>
-      <mc:AlternateContent xmlns:mc="http://schemas.openxmlformats.org/markup-compatibility/2006" xmlns:a14="http://schemas.microsoft.com/office/drawing/2010/main">
-        <mc:Choice Requires="a14">
-          <p:sp>
-            <p:nvSpPr>
-              <p:cNvPr id="51" name="Text Box 11"/>
-              <p:cNvSpPr txBox="1">
-                <a:spLocks noChangeArrowheads="1"/>
-              </p:cNvSpPr>
-              <p:nvPr/>
-            </p:nvSpPr>
-            <p:spPr bwMode="auto">
-              <a:xfrm>
-                <a:off x="10944000" y="19716750"/>
-                <a:ext cx="8458200" cy="14363700"/>
-              </a:xfrm>
-              <a:prstGeom prst="rect">
-                <a:avLst/>
-              </a:prstGeom>
-              <a:solidFill>
-                <a:schemeClr val="bg1"/>
-              </a:solidFill>
-              <a:ln w="38100">
-                <a:solidFill>
-                  <a:srgbClr val="000000"/>
-                </a:solidFill>
-                <a:round/>
-                <a:headEnd/>
-                <a:tailEnd/>
-              </a:ln>
-            </p:spPr>
-            <p:txBody>
-              <a:bodyPr lIns="802806" tIns="401404" rIns="802806" bIns="802806"/>
-              <a:lstStyle>
-                <a:lvl1pPr eaLnBrk="0" hangingPunct="0">
-                  <a:tabLst>
-                    <a:tab pos="508000" algn="l"/>
-                  </a:tabLst>
-                  <a:defRPr sz="2800">
-                    <a:solidFill>
-                      <a:schemeClr val="tx1"/>
-                    </a:solidFill>
-                    <a:latin typeface="Helvetica" pitchFamily="124" charset="0"/>
-                    <a:ea typeface="MS PGothic" pitchFamily="34" charset="-128"/>
-                  </a:defRPr>
-                </a:lvl1pPr>
-                <a:lvl2pPr marL="742950" indent="-285750" eaLnBrk="0" hangingPunct="0">
-                  <a:tabLst>
-                    <a:tab pos="508000" algn="l"/>
-                  </a:tabLst>
-                  <a:defRPr sz="2800">
-                    <a:solidFill>
-                      <a:schemeClr val="tx1"/>
-                    </a:solidFill>
-                    <a:latin typeface="Helvetica" pitchFamily="124" charset="0"/>
-                    <a:ea typeface="MS PGothic" pitchFamily="34" charset="-128"/>
-                  </a:defRPr>
-                </a:lvl2pPr>
-                <a:lvl3pPr marL="1143000" indent="-228600" eaLnBrk="0" hangingPunct="0">
-                  <a:tabLst>
-                    <a:tab pos="508000" algn="l"/>
-                  </a:tabLst>
-                  <a:defRPr sz="2800">
-                    <a:solidFill>
-                      <a:schemeClr val="tx1"/>
-                    </a:solidFill>
-                    <a:latin typeface="Helvetica" pitchFamily="124" charset="0"/>
-                    <a:ea typeface="MS PGothic" pitchFamily="34" charset="-128"/>
-                  </a:defRPr>
-                </a:lvl3pPr>
-                <a:lvl4pPr marL="1600200" indent="-228600" eaLnBrk="0" hangingPunct="0">
-                  <a:tabLst>
-                    <a:tab pos="508000" algn="l"/>
-                  </a:tabLst>
-                  <a:defRPr sz="2800">
-                    <a:solidFill>
-                      <a:schemeClr val="tx1"/>
-                    </a:solidFill>
-                    <a:latin typeface="Helvetica" pitchFamily="124" charset="0"/>
-                    <a:ea typeface="MS PGothic" pitchFamily="34" charset="-128"/>
-                  </a:defRPr>
-                </a:lvl4pPr>
-                <a:lvl5pPr marL="2057400" indent="-228600" eaLnBrk="0" hangingPunct="0">
-                  <a:tabLst>
-                    <a:tab pos="508000" algn="l"/>
-                  </a:tabLst>
-                  <a:defRPr sz="2800">
-                    <a:solidFill>
-                      <a:schemeClr val="tx1"/>
-                    </a:solidFill>
-                    <a:latin typeface="Helvetica" pitchFamily="124" charset="0"/>
-                    <a:ea typeface="MS PGothic" pitchFamily="34" charset="-128"/>
-                  </a:defRPr>
-                </a:lvl5pPr>
-                <a:lvl6pPr marL="2514600" indent="-228600" algn="l" rtl="0" eaLnBrk="0" fontAlgn="base" hangingPunct="0">
-                  <a:spcBef>
-                    <a:spcPct val="0"/>
-                  </a:spcBef>
-                  <a:spcAft>
-                    <a:spcPct val="0"/>
-                  </a:spcAft>
-                  <a:tabLst>
-                    <a:tab pos="508000" algn="l"/>
-                  </a:tabLst>
-                  <a:defRPr sz="2800">
-                    <a:solidFill>
-                      <a:schemeClr val="tx1"/>
-                    </a:solidFill>
-                    <a:latin typeface="Helvetica" pitchFamily="124" charset="0"/>
-                    <a:ea typeface="MS PGothic" pitchFamily="34" charset="-128"/>
-                  </a:defRPr>
-                </a:lvl6pPr>
-                <a:lvl7pPr marL="2971800" indent="-228600" algn="l" rtl="0" eaLnBrk="0" fontAlgn="base" hangingPunct="0">
-                  <a:spcBef>
-                    <a:spcPct val="0"/>
-                  </a:spcBef>
-                  <a:spcAft>
-                    <a:spcPct val="0"/>
-                  </a:spcAft>
-                  <a:tabLst>
-                    <a:tab pos="508000" algn="l"/>
-                  </a:tabLst>
-                  <a:defRPr sz="2800">
-                    <a:solidFill>
-                      <a:schemeClr val="tx1"/>
-                    </a:solidFill>
-                    <a:latin typeface="Helvetica" pitchFamily="124" charset="0"/>
-                    <a:ea typeface="MS PGothic" pitchFamily="34" charset="-128"/>
-                  </a:defRPr>
-                </a:lvl7pPr>
-                <a:lvl8pPr marL="3429000" indent="-228600" algn="l" rtl="0" eaLnBrk="0" fontAlgn="base" hangingPunct="0">
-                  <a:spcBef>
-                    <a:spcPct val="0"/>
-                  </a:spcBef>
-                  <a:spcAft>
-                    <a:spcPct val="0"/>
-                  </a:spcAft>
-                  <a:tabLst>
-                    <a:tab pos="508000" algn="l"/>
-                  </a:tabLst>
-                  <a:defRPr sz="2800">
-                    <a:solidFill>
-                      <a:schemeClr val="tx1"/>
-                    </a:solidFill>
-                    <a:latin typeface="Helvetica" pitchFamily="124" charset="0"/>
-                    <a:ea typeface="MS PGothic" pitchFamily="34" charset="-128"/>
-                  </a:defRPr>
-                </a:lvl8pPr>
-                <a:lvl9pPr marL="3886200" indent="-228600" algn="l" rtl="0" eaLnBrk="0" fontAlgn="base" hangingPunct="0">
-                  <a:spcBef>
-                    <a:spcPct val="0"/>
-                  </a:spcBef>
-                  <a:spcAft>
-                    <a:spcPct val="0"/>
-                  </a:spcAft>
-                  <a:tabLst>
-                    <a:tab pos="508000" algn="l"/>
-                  </a:tabLst>
-                  <a:defRPr sz="2800">
-                    <a:solidFill>
-                      <a:schemeClr val="tx1"/>
-                    </a:solidFill>
-                    <a:latin typeface="Helvetica" pitchFamily="124" charset="0"/>
-                    <a:ea typeface="MS PGothic" pitchFamily="34" charset="-128"/>
-                  </a:defRPr>
-                </a:lvl9pPr>
-              </a:lstStyle>
-              <a:p>
-                <a:pPr algn="just" eaLnBrk="1" hangingPunct="1">
-                  <a:spcBef>
-                    <a:spcPct val="50000"/>
-                  </a:spcBef>
-                </a:pPr>
-                <a:r>
-                  <a:rPr lang="en-US" altLang="he-IL" sz="3900" b="1" dirty="0" smtClean="0">
-                    <a:solidFill>
-                      <a:srgbClr val="000000"/>
-                    </a:solidFill>
-                    <a:latin typeface="Calibri" pitchFamily="34" charset="0"/>
-                  </a:rPr>
-                  <a:t>Selection estimation</a:t>
-                </a:r>
-                <a:endParaRPr lang="en-US" altLang="he-IL" sz="2100" dirty="0">
-                  <a:latin typeface="Times New Roman" pitchFamily="18" charset="0"/>
-                </a:endParaRPr>
-              </a:p>
-              <a:p>
-                <a:pPr eaLnBrk="1" hangingPunct="1">
-                  <a:spcBef>
-                    <a:spcPct val="10000"/>
-                  </a:spcBef>
-                </a:pPr>
-                <a:r>
-                  <a:rPr lang="en-US" altLang="he-IL" sz="2500" dirty="0" smtClean="0">
-                    <a:latin typeface="Times New Roman" pitchFamily="18" charset="0"/>
-                  </a:rPr>
-                  <a:t>Kimura and Crow 1970:</a:t>
-                </a:r>
-              </a:p>
-              <a:p>
-                <a:pPr eaLnBrk="1" hangingPunct="1">
-                  <a:spcBef>
-                    <a:spcPct val="10000"/>
-                  </a:spcBef>
-                </a:pPr>
-                <a14:m>
-                  <m:oMathPara xmlns:m="http://schemas.openxmlformats.org/officeDocument/2006/math">
-                    <m:oMathParaPr>
-                      <m:jc m:val="centerGroup"/>
-                    </m:oMathParaPr>
-                    <m:oMath xmlns:m="http://schemas.openxmlformats.org/officeDocument/2006/math">
-                      <m:r>
-                        <a:rPr lang="en-US" altLang="he-IL" sz="2500" b="0" i="1" smtClean="0">
-                          <a:latin typeface="Cambria Math"/>
-                        </a:rPr>
-                        <m:t>𝑝</m:t>
-                      </m:r>
-                      <m:d>
-                        <m:dPr>
-                          <m:ctrlPr>
-                            <a:rPr lang="en-US" altLang="he-IL" sz="2500" b="0" i="1" smtClean="0">
-                              <a:latin typeface="Cambria Math"/>
-                            </a:rPr>
-                          </m:ctrlPr>
-                        </m:dPr>
-                        <m:e>
-                          <m:r>
-                            <a:rPr lang="en-US" altLang="he-IL" sz="2500" b="0" i="1" smtClean="0">
-                              <a:latin typeface="Cambria Math"/>
-                            </a:rPr>
-                            <m:t>𝑡</m:t>
-                          </m:r>
-                        </m:e>
-                      </m:d>
-                      <m:r>
-                        <a:rPr lang="en-US" altLang="he-IL" sz="2500" b="0" i="1" smtClean="0">
-                          <a:latin typeface="Cambria Math"/>
-                        </a:rPr>
-                        <m:t>=</m:t>
-                      </m:r>
-                      <m:f>
-                        <m:fPr>
-                          <m:ctrlPr>
-                            <a:rPr lang="en-US" altLang="he-IL" sz="2500" b="0" i="1" smtClean="0">
-                              <a:latin typeface="Cambria Math"/>
-                            </a:rPr>
-                          </m:ctrlPr>
-                        </m:fPr>
-                        <m:num>
-                          <m:sSub>
-                            <m:sSubPr>
-                              <m:ctrlPr>
-                                <a:rPr lang="en-US" altLang="he-IL" sz="2500" b="0" i="1" smtClean="0">
-                                  <a:latin typeface="Cambria Math"/>
-                                </a:rPr>
-                              </m:ctrlPr>
-                            </m:sSubPr>
-                            <m:e>
-                              <m:r>
-                                <a:rPr lang="en-US" altLang="he-IL" sz="2500" b="0" i="1" smtClean="0">
-                                  <a:latin typeface="Cambria Math"/>
-                                </a:rPr>
-                                <m:t>𝑝</m:t>
-                              </m:r>
-                            </m:e>
-                            <m:sub>
-                              <m:r>
-                                <a:rPr lang="en-US" altLang="he-IL" sz="2500" b="0" i="1" smtClean="0">
-                                  <a:latin typeface="Cambria Math"/>
-                                </a:rPr>
-                                <m:t>0</m:t>
-                              </m:r>
-                            </m:sub>
-                          </m:sSub>
-                        </m:num>
-                        <m:den>
-                          <m:sSub>
-                            <m:sSubPr>
-                              <m:ctrlPr>
-                                <a:rPr lang="en-US" altLang="he-IL" sz="2500" b="0" i="1" smtClean="0">
-                                  <a:latin typeface="Cambria Math"/>
-                                </a:rPr>
-                              </m:ctrlPr>
-                            </m:sSubPr>
-                            <m:e>
-                              <m:r>
-                                <a:rPr lang="en-US" altLang="he-IL" sz="2500" b="0" i="1" smtClean="0">
-                                  <a:latin typeface="Cambria Math"/>
-                                </a:rPr>
-                                <m:t>𝑝</m:t>
-                              </m:r>
-                            </m:e>
-                            <m:sub>
-                              <m:r>
-                                <a:rPr lang="en-US" altLang="he-IL" sz="2500" b="0" i="1" smtClean="0">
-                                  <a:latin typeface="Cambria Math"/>
-                                </a:rPr>
-                                <m:t>0</m:t>
-                              </m:r>
-                            </m:sub>
-                          </m:sSub>
-                          <m:r>
-                            <a:rPr lang="en-US" altLang="he-IL" sz="2500" b="0" i="1" smtClean="0">
-                              <a:latin typeface="Cambria Math"/>
-                            </a:rPr>
-                            <m:t>+</m:t>
-                          </m:r>
-                          <m:d>
-                            <m:dPr>
-                              <m:ctrlPr>
-                                <a:rPr lang="en-US" altLang="he-IL" sz="2500" b="0" i="1" smtClean="0">
-                                  <a:latin typeface="Cambria Math"/>
-                                </a:rPr>
-                              </m:ctrlPr>
-                            </m:dPr>
-                            <m:e>
-                              <m:r>
-                                <a:rPr lang="en-US" altLang="he-IL" sz="2500" b="0" i="1" smtClean="0">
-                                  <a:latin typeface="Cambria Math"/>
-                                </a:rPr>
-                                <m:t>1</m:t>
-                              </m:r>
-                              <m:r>
-                                <a:rPr lang="en-US" altLang="he-IL" sz="2500" b="0" i="1" smtClean="0">
-                                  <a:latin typeface="Cambria Math"/>
-                                </a:rPr>
-                                <m:t>−</m:t>
-                              </m:r>
-                              <m:sSub>
-                                <m:sSubPr>
-                                  <m:ctrlPr>
-                                    <a:rPr lang="en-US" altLang="he-IL" sz="2500" b="0" i="1" smtClean="0">
-                                      <a:latin typeface="Cambria Math"/>
-                                    </a:rPr>
-                                  </m:ctrlPr>
-                                </m:sSubPr>
-                                <m:e>
-                                  <m:r>
-                                    <a:rPr lang="en-US" altLang="he-IL" sz="2500" b="0" i="1" smtClean="0">
-                                      <a:latin typeface="Cambria Math"/>
-                                    </a:rPr>
-                                    <m:t>𝑝</m:t>
-                                  </m:r>
-                                </m:e>
-                                <m:sub>
-                                  <m:r>
-                                    <a:rPr lang="en-US" altLang="he-IL" sz="2500" b="0" i="1" smtClean="0">
-                                      <a:latin typeface="Cambria Math"/>
-                                    </a:rPr>
-                                    <m:t>0</m:t>
-                                  </m:r>
-                                </m:sub>
-                              </m:sSub>
-                            </m:e>
-                          </m:d>
-                          <m:sSup>
-                            <m:sSupPr>
-                              <m:ctrlPr>
-                                <a:rPr lang="en-US" altLang="he-IL" sz="2500" b="0" i="1" smtClean="0">
-                                  <a:latin typeface="Cambria Math"/>
-                                </a:rPr>
-                              </m:ctrlPr>
-                            </m:sSupPr>
-                            <m:e>
-                              <m:r>
-                                <a:rPr lang="en-US" altLang="he-IL" sz="2500" b="0" i="1" smtClean="0">
-                                  <a:latin typeface="Cambria Math"/>
-                                </a:rPr>
-                                <m:t>𝑒</m:t>
-                              </m:r>
-                            </m:e>
-                            <m:sup>
-                              <m:r>
-                                <a:rPr lang="en-US" altLang="he-IL" sz="2500" b="0" i="1" smtClean="0">
-                                  <a:latin typeface="Cambria Math"/>
-                                </a:rPr>
-                                <m:t>−</m:t>
-                              </m:r>
-                              <m:r>
-                                <a:rPr lang="en-US" altLang="he-IL" sz="2500" b="0" i="1" smtClean="0">
-                                  <a:latin typeface="Cambria Math"/>
-                                </a:rPr>
-                                <m:t>𝑠𝑡</m:t>
-                              </m:r>
-                            </m:sup>
-                          </m:sSup>
-                        </m:den>
-                      </m:f>
-                    </m:oMath>
-                  </m:oMathPara>
-                </a14:m>
-                <a:endParaRPr lang="en-US" altLang="he-IL" sz="2500" dirty="0" smtClean="0">
-                  <a:latin typeface="Times New Roman" pitchFamily="18" charset="0"/>
-                </a:endParaRPr>
-              </a:p>
-              <a:p>
-                <a:pPr eaLnBrk="1" hangingPunct="1">
-                  <a:spcBef>
-                    <a:spcPct val="10000"/>
-                  </a:spcBef>
-                </a:pPr>
-                <a14:m>
-                  <m:oMath xmlns:m="http://schemas.openxmlformats.org/officeDocument/2006/math">
-                    <m:sSub>
-                      <m:sSubPr>
-                        <m:ctrlPr>
-                          <a:rPr lang="en-US" altLang="he-IL" sz="2500" b="0" i="1" smtClean="0">
-                            <a:latin typeface="Cambria Math"/>
-                          </a:rPr>
-                        </m:ctrlPr>
-                      </m:sSubPr>
-                      <m:e>
-                        <m:r>
-                          <a:rPr lang="en-US" altLang="he-IL" sz="2500" b="0" i="1" smtClean="0">
-                            <a:latin typeface="Cambria Math"/>
-                          </a:rPr>
-                          <m:t>𝑝</m:t>
-                        </m:r>
-                      </m:e>
-                      <m:sub>
-                        <m:r>
-                          <a:rPr lang="en-US" altLang="he-IL" sz="2500" b="0" i="1" smtClean="0">
-                            <a:latin typeface="Cambria Math"/>
-                          </a:rPr>
-                          <m:t>0</m:t>
-                        </m:r>
-                      </m:sub>
-                    </m:sSub>
-                  </m:oMath>
-                </a14:m>
-                <a:r>
-                  <a:rPr lang="en-US" altLang="he-IL" sz="2500" dirty="0" smtClean="0">
-                    <a:latin typeface="Times New Roman" pitchFamily="18" charset="0"/>
-                  </a:rPr>
-                  <a:t> - initial frequency 	</a:t>
-                </a:r>
-                <a14:m>
-                  <m:oMath xmlns:m="http://schemas.openxmlformats.org/officeDocument/2006/math">
-                    <m:r>
-                      <a:rPr lang="en-US" altLang="he-IL" sz="2500" b="0" i="1" smtClean="0">
-                        <a:latin typeface="Cambria Math"/>
-                      </a:rPr>
-                      <m:t>𝑠</m:t>
-                    </m:r>
-                  </m:oMath>
-                </a14:m>
-                <a:r>
-                  <a:rPr lang="en-US" altLang="he-IL" sz="2500" dirty="0" smtClean="0">
-                    <a:latin typeface="Times New Roman" pitchFamily="18" charset="0"/>
-                  </a:rPr>
-                  <a:t> – selection coefficient</a:t>
-                </a:r>
-              </a:p>
-              <a:p>
-                <a:pPr eaLnBrk="1" hangingPunct="1">
-                  <a:spcBef>
-                    <a:spcPct val="10000"/>
-                  </a:spcBef>
-                </a:pPr>
-                <a:endParaRPr lang="en-US" altLang="he-IL" sz="2500" dirty="0">
-                  <a:latin typeface="Times New Roman" pitchFamily="18" charset="0"/>
-                </a:endParaRPr>
-              </a:p>
-              <a:p>
-                <a:pPr eaLnBrk="1" hangingPunct="1">
-                  <a:spcBef>
-                    <a:spcPct val="10000"/>
-                  </a:spcBef>
-                </a:pPr>
-                <a:endParaRPr lang="en-US" altLang="he-IL" sz="2500" dirty="0" smtClean="0">
-                  <a:latin typeface="Times New Roman" pitchFamily="18" charset="0"/>
-                </a:endParaRPr>
-              </a:p>
-              <a:p>
-                <a:pPr eaLnBrk="1" hangingPunct="1">
-                  <a:spcBef>
-                    <a:spcPct val="10000"/>
-                  </a:spcBef>
-                </a:pPr>
-                <a:endParaRPr lang="en-US" altLang="he-IL" sz="2500" dirty="0">
-                  <a:latin typeface="Times New Roman" pitchFamily="18" charset="0"/>
-                </a:endParaRPr>
-              </a:p>
-              <a:p>
-                <a:pPr eaLnBrk="1" hangingPunct="1">
-                  <a:spcBef>
-                    <a:spcPct val="10000"/>
-                  </a:spcBef>
-                </a:pPr>
-                <a:endParaRPr lang="en-US" altLang="he-IL" sz="2500" dirty="0" smtClean="0">
-                  <a:latin typeface="Times New Roman" pitchFamily="18" charset="0"/>
-                </a:endParaRPr>
-              </a:p>
-              <a:p>
-                <a:pPr eaLnBrk="1" hangingPunct="1">
-                  <a:spcBef>
-                    <a:spcPct val="10000"/>
-                  </a:spcBef>
-                </a:pPr>
-                <a:endParaRPr lang="en-US" altLang="he-IL" sz="2500" dirty="0">
-                  <a:latin typeface="Times New Roman" pitchFamily="18" charset="0"/>
-                </a:endParaRPr>
-              </a:p>
-              <a:p>
-                <a:pPr eaLnBrk="1" hangingPunct="1">
-                  <a:spcBef>
-                    <a:spcPct val="10000"/>
-                  </a:spcBef>
-                </a:pPr>
-                <a:endParaRPr lang="en-US" altLang="he-IL" sz="2500" dirty="0" smtClean="0">
-                  <a:latin typeface="Times New Roman" pitchFamily="18" charset="0"/>
-                </a:endParaRPr>
-              </a:p>
-              <a:p>
-                <a:pPr eaLnBrk="1" hangingPunct="1">
-                  <a:spcBef>
-                    <a:spcPct val="10000"/>
-                  </a:spcBef>
-                </a:pPr>
-                <a:endParaRPr lang="en-US" altLang="he-IL" sz="2500" dirty="0">
-                  <a:latin typeface="Times New Roman" pitchFamily="18" charset="0"/>
-                </a:endParaRPr>
-              </a:p>
-              <a:p>
-                <a:pPr eaLnBrk="1" hangingPunct="1">
-                  <a:spcBef>
-                    <a:spcPct val="10000"/>
-                  </a:spcBef>
-                </a:pPr>
-                <a:endParaRPr lang="en-US" altLang="he-IL" sz="2500" dirty="0" smtClean="0">
-                  <a:latin typeface="Times New Roman" pitchFamily="18" charset="0"/>
-                </a:endParaRPr>
-              </a:p>
-              <a:p>
-                <a:pPr eaLnBrk="1" hangingPunct="1">
-                  <a:spcBef>
-                    <a:spcPct val="10000"/>
-                  </a:spcBef>
-                </a:pPr>
-                <a:endParaRPr lang="en-US" altLang="he-IL" sz="2500" dirty="0">
-                  <a:latin typeface="Times New Roman" pitchFamily="18" charset="0"/>
-                </a:endParaRPr>
-              </a:p>
-              <a:p>
-                <a:pPr eaLnBrk="1" hangingPunct="1">
-                  <a:spcBef>
-                    <a:spcPct val="10000"/>
-                  </a:spcBef>
-                </a:pPr>
-                <a:endParaRPr lang="en-US" altLang="he-IL" sz="2500" dirty="0" smtClean="0">
-                  <a:latin typeface="Times New Roman" pitchFamily="18" charset="0"/>
-                </a:endParaRPr>
-              </a:p>
-              <a:p>
-                <a:pPr eaLnBrk="1" hangingPunct="1">
-                  <a:spcBef>
-                    <a:spcPct val="10000"/>
-                  </a:spcBef>
-                </a:pPr>
-                <a:endParaRPr lang="en-US" altLang="he-IL" sz="2500" dirty="0">
-                  <a:latin typeface="Times New Roman" pitchFamily="18" charset="0"/>
-                </a:endParaRPr>
-              </a:p>
-              <a:p>
-                <a:pPr eaLnBrk="1" hangingPunct="1">
-                  <a:spcBef>
-                    <a:spcPct val="10000"/>
-                  </a:spcBef>
-                </a:pPr>
-                <a:endParaRPr lang="en-US" altLang="he-IL" sz="2500" dirty="0" smtClean="0">
-                  <a:latin typeface="Times New Roman" pitchFamily="18" charset="0"/>
-                </a:endParaRPr>
-              </a:p>
-              <a:p>
-                <a:pPr eaLnBrk="1" hangingPunct="1">
-                  <a:spcBef>
-                    <a:spcPct val="10000"/>
-                  </a:spcBef>
-                </a:pPr>
-                <a:endParaRPr lang="en-US" altLang="he-IL" sz="2500" dirty="0">
-                  <a:latin typeface="Times New Roman" pitchFamily="18" charset="0"/>
-                </a:endParaRPr>
-              </a:p>
-              <a:p>
-                <a:pPr eaLnBrk="1" hangingPunct="1">
-                  <a:spcBef>
-                    <a:spcPct val="10000"/>
-                  </a:spcBef>
-                </a:pPr>
-                <a:endParaRPr lang="en-US" altLang="he-IL" sz="2500" dirty="0" smtClean="0">
-                  <a:latin typeface="Times New Roman" pitchFamily="18" charset="0"/>
-                </a:endParaRPr>
-              </a:p>
-              <a:p>
-                <a:pPr eaLnBrk="1" hangingPunct="1">
-                  <a:spcBef>
-                    <a:spcPct val="10000"/>
-                  </a:spcBef>
-                </a:pPr>
-                <a:endParaRPr lang="en-US" altLang="he-IL" sz="2500" dirty="0">
-                  <a:latin typeface="Times New Roman" pitchFamily="18" charset="0"/>
-                </a:endParaRPr>
-              </a:p>
-              <a:p>
-                <a:pPr eaLnBrk="1" hangingPunct="1">
-                  <a:spcBef>
-                    <a:spcPct val="10000"/>
-                  </a:spcBef>
-                </a:pPr>
-                <a14:m>
-                  <m:oMathPara xmlns:m="http://schemas.openxmlformats.org/officeDocument/2006/math">
-                    <m:oMathParaPr>
-                      <m:jc m:val="centerGroup"/>
-                    </m:oMathParaPr>
-                    <m:oMath xmlns:m="http://schemas.openxmlformats.org/officeDocument/2006/math">
-                      <m:sSub>
-                        <m:sSubPr>
-                          <m:ctrlPr>
-                            <a:rPr lang="en-US" altLang="he-IL" sz="2500" i="1">
-                              <a:latin typeface="Cambria Math"/>
-                            </a:rPr>
-                          </m:ctrlPr>
-                        </m:sSubPr>
-                        <m:e>
-                          <m:r>
-                            <a:rPr lang="en-US" altLang="he-IL" sz="2500" i="1">
-                              <a:latin typeface="Cambria Math"/>
-                            </a:rPr>
-                            <m:t>𝑝</m:t>
-                          </m:r>
-                        </m:e>
-                        <m:sub>
-                          <m:r>
-                            <a:rPr lang="en-US" altLang="he-IL" sz="2500" i="1">
-                              <a:latin typeface="Cambria Math"/>
-                            </a:rPr>
-                            <m:t>0</m:t>
-                          </m:r>
-                        </m:sub>
-                      </m:sSub>
-                      <m:r>
-                        <a:rPr lang="en-US" altLang="he-IL" sz="2500" b="0" i="1" smtClean="0">
-                          <a:latin typeface="Cambria Math"/>
-                        </a:rPr>
-                        <m:t>=</m:t>
-                      </m:r>
-                      <m:r>
-                        <a:rPr lang="en-US" altLang="he-IL" sz="2500" b="0" i="1" smtClean="0">
-                          <a:latin typeface="Cambria Math"/>
-                        </a:rPr>
-                        <m:t>0</m:t>
-                      </m:r>
-                      <m:r>
-                        <a:rPr lang="en-US" altLang="he-IL" sz="2500" b="0" i="1" smtClean="0">
-                          <a:latin typeface="Cambria Math"/>
-                        </a:rPr>
-                        <m:t>.</m:t>
-                      </m:r>
-                      <m:r>
-                        <a:rPr lang="en-US" altLang="he-IL" sz="2500" b="0" i="1" smtClean="0">
-                          <a:latin typeface="Cambria Math"/>
-                        </a:rPr>
-                        <m:t>495</m:t>
-                      </m:r>
-                      <m:r>
-                        <a:rPr lang="en-US" altLang="he-IL" sz="2500" b="0" i="1" smtClean="0">
-                          <a:latin typeface="Cambria Math"/>
-                        </a:rPr>
-                        <m:t>±</m:t>
-                      </m:r>
-                      <m:r>
-                        <a:rPr lang="en-US" altLang="he-IL" sz="2500" b="0" i="1" smtClean="0">
-                          <a:latin typeface="Cambria Math"/>
-                        </a:rPr>
-                        <m:t>0</m:t>
-                      </m:r>
-                      <m:r>
-                        <a:rPr lang="en-US" altLang="he-IL" sz="2500" b="0" i="1" smtClean="0">
-                          <a:latin typeface="Cambria Math"/>
-                        </a:rPr>
-                        <m:t>.</m:t>
-                      </m:r>
-                      <m:r>
-                        <a:rPr lang="en-US" altLang="he-IL" sz="2500" b="0" i="1" smtClean="0">
-                          <a:latin typeface="Cambria Math"/>
-                        </a:rPr>
-                        <m:t>001</m:t>
-                      </m:r>
-                      <m:r>
-                        <a:rPr lang="en-US" altLang="he-IL" sz="2500" b="0" i="1" smtClean="0">
-                          <a:latin typeface="Cambria Math"/>
-                        </a:rPr>
-                        <m:t>,   </m:t>
-                      </m:r>
-                      <m:r>
-                        <a:rPr lang="en-US" altLang="he-IL" sz="2500" b="0" i="1" smtClean="0">
-                          <a:latin typeface="Cambria Math"/>
-                        </a:rPr>
-                        <m:t>𝑠</m:t>
-                      </m:r>
-                      <m:r>
-                        <a:rPr lang="en-US" altLang="he-IL" sz="2500" b="0" i="1" smtClean="0">
-                          <a:latin typeface="Cambria Math"/>
-                        </a:rPr>
-                        <m:t>=</m:t>
-                      </m:r>
-                      <m:r>
-                        <a:rPr lang="en-US" altLang="he-IL" sz="2500" b="0" i="1" smtClean="0">
-                          <a:latin typeface="Cambria Math"/>
-                        </a:rPr>
-                        <m:t>0</m:t>
-                      </m:r>
-                      <m:r>
-                        <a:rPr lang="en-US" altLang="he-IL" sz="2500" b="0" i="1" smtClean="0">
-                          <a:latin typeface="Cambria Math"/>
-                        </a:rPr>
-                        <m:t>.</m:t>
-                      </m:r>
-                      <m:r>
-                        <a:rPr lang="en-US" altLang="he-IL" sz="2500" b="0" i="1" smtClean="0">
-                          <a:latin typeface="Cambria Math"/>
-                        </a:rPr>
-                        <m:t>0261</m:t>
-                      </m:r>
-                      <m:r>
-                        <a:rPr lang="en-US" altLang="he-IL" sz="2500" b="0" i="1" smtClean="0">
-                          <a:latin typeface="Cambria Math"/>
-                        </a:rPr>
-                        <m:t>±</m:t>
-                      </m:r>
-                      <m:r>
-                        <a:rPr lang="en-US" altLang="he-IL" sz="2500" b="0" i="1" smtClean="0">
-                          <a:latin typeface="Cambria Math"/>
-                        </a:rPr>
-                        <m:t>0</m:t>
-                      </m:r>
-                      <m:r>
-                        <a:rPr lang="en-US" altLang="he-IL" sz="2500" b="0" i="1" smtClean="0">
-                          <a:latin typeface="Cambria Math"/>
-                        </a:rPr>
-                        <m:t>.</m:t>
-                      </m:r>
-                      <m:r>
-                        <a:rPr lang="en-US" altLang="he-IL" sz="2500" b="0" i="1" smtClean="0">
-                          <a:latin typeface="Cambria Math"/>
-                        </a:rPr>
-                        <m:t>00018</m:t>
-                      </m:r>
-                    </m:oMath>
-                  </m:oMathPara>
-                </a14:m>
-                <a:endParaRPr lang="en-US" altLang="he-IL" sz="2500" dirty="0">
-                  <a:latin typeface="Times New Roman" pitchFamily="18" charset="0"/>
-                </a:endParaRPr>
-              </a:p>
-              <a:p>
-                <a:pPr eaLnBrk="1" hangingPunct="1">
-                  <a:spcBef>
-                    <a:spcPct val="10000"/>
-                  </a:spcBef>
-                </a:pPr>
-                <a:endParaRPr lang="en-US" altLang="he-IL" sz="2500" dirty="0" smtClean="0">
-                  <a:latin typeface="Times New Roman" pitchFamily="18" charset="0"/>
-                </a:endParaRPr>
-              </a:p>
-              <a:p>
-                <a:pPr eaLnBrk="1" hangingPunct="1">
-                  <a:spcBef>
-                    <a:spcPct val="10000"/>
-                  </a:spcBef>
-                </a:pPr>
-                <a:endParaRPr lang="en-US" altLang="he-IL" sz="2500" dirty="0">
-                  <a:latin typeface="Times New Roman" pitchFamily="18" charset="0"/>
-                </a:endParaRPr>
-              </a:p>
-              <a:p>
-                <a:pPr eaLnBrk="1" hangingPunct="1">
-                  <a:spcBef>
-                    <a:spcPct val="10000"/>
-                  </a:spcBef>
-                </a:pPr>
-                <a:r>
-                  <a:rPr lang="en-GB" sz="2400" dirty="0"/>
-                  <a:t>Lorem ipsum </a:t>
-                </a:r>
-                <a:r>
-                  <a:rPr lang="en-GB" sz="2400" dirty="0" err="1"/>
-                  <a:t>dolor</a:t>
-                </a:r>
-                <a:r>
-                  <a:rPr lang="en-GB" sz="2400" dirty="0"/>
-                  <a:t> sit </a:t>
-                </a:r>
-                <a:r>
-                  <a:rPr lang="en-GB" sz="2400" dirty="0" err="1"/>
-                  <a:t>amet</a:t>
-                </a:r>
-                <a:r>
-                  <a:rPr lang="en-GB" sz="2400" dirty="0"/>
-                  <a:t>, </a:t>
-                </a:r>
-                <a:r>
-                  <a:rPr lang="en-GB" sz="2400" dirty="0" err="1"/>
-                  <a:t>consectetur</a:t>
-                </a:r>
-                <a:r>
-                  <a:rPr lang="en-GB" sz="2400" dirty="0"/>
-                  <a:t> </a:t>
-                </a:r>
-                <a:r>
-                  <a:rPr lang="en-GB" sz="2400" dirty="0" err="1"/>
-                  <a:t>adipiscing</a:t>
-                </a:r>
-                <a:r>
-                  <a:rPr lang="en-GB" sz="2400" dirty="0"/>
-                  <a:t> </a:t>
-                </a:r>
-                <a:r>
-                  <a:rPr lang="en-GB" sz="2400" dirty="0" err="1"/>
-                  <a:t>elit</a:t>
-                </a:r>
-                <a:r>
-                  <a:rPr lang="en-GB" sz="2400" dirty="0"/>
-                  <a:t>. </a:t>
-                </a:r>
-                <a:r>
-                  <a:rPr lang="en-GB" sz="2400" dirty="0" err="1"/>
-                  <a:t>Donec</a:t>
-                </a:r>
-                <a:r>
-                  <a:rPr lang="en-GB" sz="2400" dirty="0"/>
-                  <a:t> a </a:t>
-                </a:r>
-                <a:r>
-                  <a:rPr lang="en-GB" sz="2400" dirty="0" err="1"/>
-                  <a:t>diam</a:t>
-                </a:r>
-                <a:r>
-                  <a:rPr lang="en-GB" sz="2400" dirty="0"/>
-                  <a:t> </a:t>
-                </a:r>
-                <a:r>
-                  <a:rPr lang="en-GB" sz="2400" dirty="0" err="1"/>
-                  <a:t>lectus</a:t>
-                </a:r>
-                <a:r>
-                  <a:rPr lang="en-GB" sz="2400" dirty="0"/>
-                  <a:t>. </a:t>
-                </a:r>
-                <a:r>
-                  <a:rPr lang="en-GB" sz="2400" dirty="0" err="1"/>
-                  <a:t>Sed</a:t>
-                </a:r>
-                <a:r>
-                  <a:rPr lang="en-GB" sz="2400" dirty="0"/>
-                  <a:t> sit </a:t>
-                </a:r>
-                <a:r>
-                  <a:rPr lang="en-GB" sz="2400" dirty="0" err="1"/>
-                  <a:t>amet</a:t>
-                </a:r>
-                <a:r>
-                  <a:rPr lang="en-GB" sz="2400" dirty="0"/>
-                  <a:t> ipsum </a:t>
-                </a:r>
-                <a:r>
-                  <a:rPr lang="en-GB" sz="2400" dirty="0" err="1"/>
-                  <a:t>mauris</a:t>
-                </a:r>
-                <a:r>
-                  <a:rPr lang="en-GB" sz="2400" dirty="0"/>
-                  <a:t>. Maecenas </a:t>
-                </a:r>
-                <a:r>
-                  <a:rPr lang="en-GB" sz="2400" dirty="0" err="1"/>
-                  <a:t>congue</a:t>
-                </a:r>
-                <a:r>
-                  <a:rPr lang="en-GB" sz="2400" dirty="0"/>
-                  <a:t> ligula ac quam </a:t>
-                </a:r>
-                <a:r>
-                  <a:rPr lang="en-GB" sz="2400" dirty="0" err="1"/>
-                  <a:t>viverra</a:t>
-                </a:r>
-                <a:r>
-                  <a:rPr lang="en-GB" sz="2400" dirty="0"/>
-                  <a:t> </a:t>
-                </a:r>
-                <a:r>
-                  <a:rPr lang="en-GB" sz="2400" dirty="0" err="1"/>
-                  <a:t>nec</a:t>
-                </a:r>
-                <a:r>
-                  <a:rPr lang="en-GB" sz="2400" dirty="0"/>
-                  <a:t> </a:t>
-                </a:r>
-                <a:r>
-                  <a:rPr lang="en-GB" sz="2400" dirty="0" err="1"/>
-                  <a:t>consectetur</a:t>
-                </a:r>
-                <a:r>
-                  <a:rPr lang="en-GB" sz="2400" dirty="0"/>
-                  <a:t> ante </a:t>
-                </a:r>
-                <a:r>
-                  <a:rPr lang="en-GB" sz="2400" dirty="0" err="1"/>
-                  <a:t>hendrerit</a:t>
-                </a:r>
-                <a:r>
-                  <a:rPr lang="en-GB" sz="2400" dirty="0"/>
-                  <a:t>. </a:t>
-                </a:r>
-                <a:r>
-                  <a:rPr lang="en-GB" sz="2400" dirty="0" err="1"/>
-                  <a:t>Donec</a:t>
-                </a:r>
-                <a:r>
-                  <a:rPr lang="en-GB" sz="2400" dirty="0"/>
-                  <a:t> et </a:t>
-                </a:r>
-                <a:r>
-                  <a:rPr lang="en-GB" sz="2400" dirty="0" err="1"/>
-                  <a:t>mollis</a:t>
-                </a:r>
-                <a:r>
-                  <a:rPr lang="en-GB" sz="2400" dirty="0"/>
-                  <a:t> </a:t>
-                </a:r>
-                <a:r>
-                  <a:rPr lang="en-GB" sz="2400" dirty="0" err="1"/>
-                  <a:t>dolor</a:t>
-                </a:r>
-                <a:r>
-                  <a:rPr lang="en-GB" sz="2400" dirty="0"/>
-                  <a:t>. </a:t>
-                </a:r>
-                <a:r>
-                  <a:rPr lang="en-GB" sz="2400" dirty="0" err="1"/>
-                  <a:t>Praesent</a:t>
-                </a:r>
-                <a:r>
-                  <a:rPr lang="en-GB" sz="2400" dirty="0"/>
-                  <a:t> et </a:t>
-                </a:r>
-                <a:r>
-                  <a:rPr lang="en-GB" sz="2400" dirty="0" err="1"/>
-                  <a:t>diam</a:t>
-                </a:r>
-                <a:r>
-                  <a:rPr lang="en-GB" sz="2400" dirty="0"/>
-                  <a:t> </a:t>
-                </a:r>
-                <a:r>
-                  <a:rPr lang="en-GB" sz="2400" dirty="0" err="1"/>
-                  <a:t>eget</a:t>
-                </a:r>
-                <a:r>
-                  <a:rPr lang="en-GB" sz="2400" dirty="0"/>
-                  <a:t> libero </a:t>
-                </a:r>
-                <a:r>
-                  <a:rPr lang="en-GB" sz="2400" dirty="0" err="1"/>
-                  <a:t>egestas</a:t>
-                </a:r>
-                <a:r>
-                  <a:rPr lang="en-GB" sz="2400" dirty="0"/>
-                  <a:t> </a:t>
-                </a:r>
-                <a:r>
-                  <a:rPr lang="en-GB" sz="2400" dirty="0" err="1"/>
-                  <a:t>mattis</a:t>
-                </a:r>
-                <a:r>
-                  <a:rPr lang="en-GB" sz="2400" dirty="0"/>
-                  <a:t> sit </a:t>
-                </a:r>
-                <a:r>
-                  <a:rPr lang="en-GB" sz="2400" dirty="0" err="1"/>
-                  <a:t>amet</a:t>
-                </a:r>
-                <a:r>
-                  <a:rPr lang="en-GB" sz="2400" dirty="0"/>
-                  <a:t> vitae </a:t>
-                </a:r>
-                <a:r>
-                  <a:rPr lang="en-GB" sz="2400" dirty="0" err="1"/>
-                  <a:t>augue</a:t>
-                </a:r>
-                <a:r>
-                  <a:rPr lang="en-GB" sz="2400" dirty="0"/>
-                  <a:t>. Nam </a:t>
-                </a:r>
-                <a:r>
-                  <a:rPr lang="en-GB" sz="2400" dirty="0" err="1"/>
-                  <a:t>tincidunt</a:t>
-                </a:r>
-                <a:r>
-                  <a:rPr lang="en-GB" sz="2400" dirty="0"/>
-                  <a:t> </a:t>
-                </a:r>
-                <a:r>
-                  <a:rPr lang="en-GB" sz="2400" dirty="0" err="1"/>
-                  <a:t>congue</a:t>
-                </a:r>
-                <a:r>
-                  <a:rPr lang="en-GB" sz="2400" dirty="0"/>
-                  <a:t> </a:t>
-                </a:r>
-                <a:r>
-                  <a:rPr lang="en-GB" sz="2400" dirty="0" err="1"/>
-                  <a:t>enim</a:t>
-                </a:r>
-                <a:r>
-                  <a:rPr lang="en-GB" sz="2400" dirty="0"/>
-                  <a:t>, </a:t>
-                </a:r>
-                <a:r>
-                  <a:rPr lang="en-GB" sz="2400" dirty="0" err="1"/>
-                  <a:t>ut</a:t>
-                </a:r>
-                <a:r>
-                  <a:rPr lang="en-GB" sz="2400" dirty="0"/>
-                  <a:t> porta lorem </a:t>
-                </a:r>
-                <a:r>
-                  <a:rPr lang="en-GB" sz="2400" dirty="0" err="1"/>
-                  <a:t>lacinia</a:t>
-                </a:r>
-                <a:r>
-                  <a:rPr lang="en-GB" sz="2400" dirty="0"/>
-                  <a:t> </a:t>
-                </a:r>
-                <a:r>
-                  <a:rPr lang="en-GB" sz="2400" dirty="0" err="1"/>
-                  <a:t>consectetur</a:t>
-                </a:r>
-                <a:r>
-                  <a:rPr lang="en-GB" sz="2400" dirty="0"/>
-                  <a:t>. </a:t>
-                </a:r>
-                <a:r>
-                  <a:rPr lang="en-GB" sz="2400" dirty="0" err="1"/>
-                  <a:t>Donec</a:t>
-                </a:r>
-                <a:r>
-                  <a:rPr lang="en-GB" sz="2400" dirty="0"/>
-                  <a:t> </a:t>
-                </a:r>
-                <a:r>
-                  <a:rPr lang="en-GB" sz="2400" dirty="0" err="1"/>
-                  <a:t>ut</a:t>
-                </a:r>
-                <a:r>
-                  <a:rPr lang="en-GB" sz="2400" dirty="0"/>
-                  <a:t> libero </a:t>
-                </a:r>
-                <a:r>
-                  <a:rPr lang="en-GB" sz="2400" dirty="0" err="1"/>
-                  <a:t>sed</a:t>
-                </a:r>
-                <a:r>
-                  <a:rPr lang="en-GB" sz="2400" dirty="0"/>
-                  <a:t> </a:t>
-                </a:r>
-                <a:r>
-                  <a:rPr lang="en-GB" sz="2400" dirty="0" err="1"/>
-                  <a:t>arcu</a:t>
-                </a:r>
-                <a:r>
-                  <a:rPr lang="en-GB" sz="2400" dirty="0"/>
-                  <a:t> </a:t>
-                </a:r>
-                <a:r>
-                  <a:rPr lang="en-GB" sz="2400" dirty="0" err="1"/>
-                  <a:t>vehicula</a:t>
-                </a:r>
-                <a:r>
-                  <a:rPr lang="en-GB" sz="2400" dirty="0"/>
-                  <a:t> </a:t>
-                </a:r>
-                <a:r>
-                  <a:rPr lang="en-GB" sz="2400" dirty="0" err="1"/>
-                  <a:t>ultricies</a:t>
-                </a:r>
-                <a:r>
-                  <a:rPr lang="en-GB" sz="2400" dirty="0"/>
-                  <a:t> a non </a:t>
-                </a:r>
-                <a:r>
-                  <a:rPr lang="en-GB" sz="2400" dirty="0" err="1"/>
-                  <a:t>tortor</a:t>
-                </a:r>
-                <a:r>
-                  <a:rPr lang="en-GB" sz="2400" dirty="0"/>
-                  <a:t>. Lorem ipsum </a:t>
-                </a:r>
-                <a:r>
-                  <a:rPr lang="en-GB" sz="2400" dirty="0" err="1"/>
-                  <a:t>dolor</a:t>
-                </a:r>
-                <a:r>
-                  <a:rPr lang="en-GB" sz="2400" dirty="0"/>
-                  <a:t> sit </a:t>
-                </a:r>
-                <a:r>
-                  <a:rPr lang="en-GB" sz="2400" dirty="0" err="1"/>
-                  <a:t>amet</a:t>
-                </a:r>
-                <a:r>
-                  <a:rPr lang="en-GB" sz="2400" dirty="0"/>
-                  <a:t>, </a:t>
-                </a:r>
-                <a:r>
-                  <a:rPr lang="en-GB" sz="2400" dirty="0" err="1"/>
-                  <a:t>consectetur</a:t>
-                </a:r>
-                <a:r>
-                  <a:rPr lang="en-GB" sz="2400" dirty="0"/>
-                  <a:t> </a:t>
-                </a:r>
-                <a:r>
-                  <a:rPr lang="en-GB" sz="2400" dirty="0" err="1"/>
-                  <a:t>adipiscing</a:t>
-                </a:r>
-                <a:r>
-                  <a:rPr lang="en-GB" sz="2400" dirty="0"/>
-                  <a:t> </a:t>
-                </a:r>
-                <a:r>
-                  <a:rPr lang="en-GB" sz="2400" dirty="0" err="1"/>
-                  <a:t>elit</a:t>
-                </a:r>
-                <a:r>
-                  <a:rPr lang="en-GB" sz="2400" dirty="0"/>
-                  <a:t>. </a:t>
-                </a:r>
-                <a:r>
-                  <a:rPr lang="en-GB" sz="2400" dirty="0" err="1"/>
-                  <a:t>Aenean</a:t>
-                </a:r>
-                <a:r>
-                  <a:rPr lang="en-GB" sz="2400" dirty="0"/>
-                  <a:t> </a:t>
-                </a:r>
-                <a:r>
-                  <a:rPr lang="en-GB" sz="2400" dirty="0" err="1"/>
-                  <a:t>ut</a:t>
-                </a:r>
-                <a:r>
-                  <a:rPr lang="en-GB" sz="2400" dirty="0"/>
-                  <a:t> gravida lorem. </a:t>
-                </a:r>
-                <a:endParaRPr lang="en-US" altLang="he-IL" sz="2500" dirty="0">
-                  <a:latin typeface="Times New Roman" pitchFamily="18" charset="0"/>
-                </a:endParaRPr>
-              </a:p>
-            </p:txBody>
-          </p:sp>
-        </mc:Choice>
-        <mc:Fallback xmlns="">
-          <p:sp>
-            <p:nvSpPr>
-              <p:cNvPr id="51" name="Text Box 11"/>
-              <p:cNvSpPr txBox="1">
-                <a:spLocks noRot="1" noChangeAspect="1" noMove="1" noResize="1" noEditPoints="1" noAdjustHandles="1" noChangeArrowheads="1" noChangeShapeType="1" noTextEdit="1"/>
-              </p:cNvSpPr>
-              <p:nvPr/>
-            </p:nvSpPr>
-            <p:spPr bwMode="auto">
-              <a:xfrm>
-                <a:off x="10944000" y="19716750"/>
-                <a:ext cx="8458200" cy="14363700"/>
-              </a:xfrm>
-              <a:prstGeom prst="rect">
-                <a:avLst/>
-              </a:prstGeom>
-              <a:blipFill rotWithShape="1">
-                <a:blip r:embed="rId5"/>
-                <a:stretch>
-                  <a:fillRect/>
-                </a:stretch>
-              </a:blipFill>
-              <a:ln w="38100">
-                <a:solidFill>
-                  <a:srgbClr val="000000"/>
-                </a:solidFill>
-                <a:round/>
-                <a:headEnd/>
-                <a:tailEnd/>
-              </a:ln>
-            </p:spPr>
-            <p:txBody>
-              <a:bodyPr/>
-              <a:lstStyle/>
-              <a:p>
-                <a:r>
-                  <a:rPr lang="he-IL">
-                    <a:noFill/>
-                  </a:rPr>
-                  <a:t> </a:t>
-                </a:r>
-              </a:p>
-            </p:txBody>
-          </p:sp>
-        </mc:Fallback>
-      </mc:AlternateContent>
       <p:sp>
         <p:nvSpPr>
           <p:cNvPr id="14339" name="Text Box 7"/>
@@ -6278,7 +5815,7 @@
         <p:spPr bwMode="auto">
           <a:xfrm>
             <a:off x="1270000" y="7550151"/>
-            <a:ext cx="8458200" cy="4867073"/>
+            <a:ext cx="8458200" cy="5086349"/>
           </a:xfrm>
           <a:prstGeom prst="rect">
             <a:avLst/>
@@ -6432,23 +5969,32 @@
             </a:lvl9pPr>
           </a:lstStyle>
           <a:p>
-            <a:pPr algn="just" eaLnBrk="1" hangingPunct="1">
+            <a:pPr indent="180000" eaLnBrk="1" hangingPunct="1">
               <a:spcBef>
                 <a:spcPct val="50000"/>
               </a:spcBef>
+              <a:tabLst>
+                <a:tab pos="635000" algn="l"/>
+              </a:tabLst>
             </a:pPr>
             <a:r>
-              <a:rPr lang="en-US" altLang="he-IL" sz="4200" b="1" dirty="0" smtClean="0">
+              <a:rPr lang="en-US" altLang="he-IL" sz="4200" b="1" dirty="0">
+                <a:solidFill>
+                  <a:srgbClr val="000000"/>
+                </a:solidFill>
                 <a:latin typeface="Calibri" pitchFamily="34" charset="0"/>
               </a:rPr>
               <a:t>Introduction</a:t>
             </a:r>
             <a:endParaRPr lang="en-US" altLang="he-IL" sz="4200" b="1" dirty="0">
+              <a:solidFill>
+                <a:srgbClr val="000000"/>
+              </a:solidFill>
               <a:latin typeface="Calibri" pitchFamily="34" charset="0"/>
             </a:endParaRPr>
           </a:p>
           <a:p>
-            <a:pPr eaLnBrk="1" hangingPunct="1">
+            <a:pPr indent="180000" eaLnBrk="1" hangingPunct="1">
               <a:spcBef>
                 <a:spcPct val="10000"/>
               </a:spcBef>
@@ -6523,7 +6069,29 @@
               <a:rPr lang="en-US" sz="2400" dirty="0">
                 <a:latin typeface="+mn-lt"/>
               </a:rPr>
-              <a:t>. The only </a:t>
+              <a:t>. </a:t>
+            </a:r>
+            <a:endParaRPr lang="en-US" sz="2400" dirty="0" smtClean="0">
+              <a:latin typeface="+mn-lt"/>
+            </a:endParaRPr>
+          </a:p>
+          <a:p>
+            <a:pPr indent="180000" eaLnBrk="1" hangingPunct="1">
+              <a:spcBef>
+                <a:spcPct val="10000"/>
+              </a:spcBef>
+            </a:pPr>
+            <a:r>
+              <a:rPr lang="en-US" sz="2400" dirty="0" smtClean="0">
+                <a:latin typeface="+mn-lt"/>
+              </a:rPr>
+              <a:t>The </a:t>
+            </a:r>
+            <a:r>
+              <a:rPr lang="en-US" sz="2400" dirty="0">
+                <a:latin typeface="+mn-lt"/>
+              </a:rPr>
+              <a:t>only </a:t>
             </a:r>
             <a:r>
               <a:rPr lang="en-US" sz="2400" dirty="0" smtClean="0">
@@ -6788,23 +6356,26 @@
                 </a:lvl9pPr>
               </a:lstStyle>
               <a:p>
-                <a:pPr algn="just" eaLnBrk="1" hangingPunct="1">
+                <a:pPr indent="180000" eaLnBrk="1" hangingPunct="1">
                   <a:spcBef>
                     <a:spcPct val="50000"/>
                   </a:spcBef>
+                  <a:tabLst>
+                    <a:tab pos="635000" algn="l"/>
+                  </a:tabLst>
                 </a:pPr>
                 <a:r>
-                  <a:rPr lang="en-US" altLang="he-IL" sz="3900" b="1" dirty="0" smtClean="0">
+                  <a:rPr lang="en-US" altLang="he-IL" sz="4200" b="1" dirty="0">
                     <a:solidFill>
                       <a:srgbClr val="000000"/>
                     </a:solidFill>
                     <a:latin typeface="Calibri" pitchFamily="34" charset="0"/>
                   </a:rPr>
-                  <a:t>Fitting growth models</a:t>
+                  <a:t>Growth models</a:t>
                 </a:r>
               </a:p>
               <a:p>
-                <a:pPr algn="just" eaLnBrk="1" hangingPunct="1">
+                <a:pPr indent="180000" algn="just" eaLnBrk="1" hangingPunct="1">
                   <a:spcBef>
                     <a:spcPct val="50000"/>
                   </a:spcBef>
@@ -6856,7 +6427,7 @@
                 </a:r>
               </a:p>
               <a:p>
-                <a:pPr algn="just" eaLnBrk="1" hangingPunct="1">
+                <a:pPr indent="180000" algn="just" eaLnBrk="1" hangingPunct="1">
                   <a:spcBef>
                     <a:spcPct val="50000"/>
                   </a:spcBef>
@@ -6869,7 +6440,7 @@
                 </a:endParaRPr>
               </a:p>
               <a:p>
-                <a:pPr algn="just" eaLnBrk="1" hangingPunct="1">
+                <a:pPr indent="180000" algn="just" eaLnBrk="1" hangingPunct="1">
                   <a:spcBef>
                     <a:spcPct val="50000"/>
                   </a:spcBef>
@@ -6882,7 +6453,7 @@
                 </a:endParaRPr>
               </a:p>
               <a:p>
-                <a:pPr algn="just" eaLnBrk="1" hangingPunct="1">
+                <a:pPr indent="180000" algn="just" eaLnBrk="1" hangingPunct="1">
                   <a:spcBef>
                     <a:spcPct val="50000"/>
                   </a:spcBef>
@@ -6895,7 +6466,7 @@
                 </a:endParaRPr>
               </a:p>
               <a:p>
-                <a:pPr algn="just" eaLnBrk="1" hangingPunct="1">
+                <a:pPr indent="180000" algn="just" eaLnBrk="1" hangingPunct="1">
                   <a:spcBef>
                     <a:spcPct val="50000"/>
                   </a:spcBef>
@@ -6908,7 +6479,7 @@
                 </a:endParaRPr>
               </a:p>
               <a:p>
-                <a:pPr algn="just" eaLnBrk="1" hangingPunct="1">
+                <a:pPr indent="180000" algn="just" eaLnBrk="1" hangingPunct="1">
                   <a:spcBef>
                     <a:spcPct val="50000"/>
                   </a:spcBef>
@@ -6921,7 +6492,7 @@
                 </a:endParaRPr>
               </a:p>
               <a:p>
-                <a:pPr algn="just" eaLnBrk="1" hangingPunct="1">
+                <a:pPr indent="180000" algn="just" eaLnBrk="1" hangingPunct="1">
                   <a:spcBef>
                     <a:spcPct val="50000"/>
                   </a:spcBef>
@@ -6934,7 +6505,7 @@
                 </a:endParaRPr>
               </a:p>
               <a:p>
-                <a:pPr algn="just" eaLnBrk="1" hangingPunct="1">
+                <a:pPr indent="180000" algn="just" eaLnBrk="1" hangingPunct="1">
                   <a:spcBef>
                     <a:spcPct val="50000"/>
                   </a:spcBef>
@@ -6947,7 +6518,7 @@
                 </a:endParaRPr>
               </a:p>
               <a:p>
-                <a:pPr algn="just" eaLnBrk="1" hangingPunct="1">
+                <a:pPr indent="180000" algn="just" eaLnBrk="1" hangingPunct="1">
                   <a:spcBef>
                     <a:spcPct val="50000"/>
                   </a:spcBef>
@@ -6960,7 +6531,7 @@
                 </a:endParaRPr>
               </a:p>
               <a:p>
-                <a:pPr algn="just" eaLnBrk="1" hangingPunct="1">
+                <a:pPr indent="180000" algn="just" eaLnBrk="1" hangingPunct="1">
                   <a:spcBef>
                     <a:spcPct val="50000"/>
                   </a:spcBef>
@@ -6973,11 +6544,13 @@
                 </a:endParaRPr>
               </a:p>
               <a:p>
+                <a:pPr indent="180000"/>
                 <a:endParaRPr lang="en-US" sz="2500" dirty="0" smtClean="0">
                   <a:latin typeface="Times New Roman" pitchFamily="18" charset="0"/>
                 </a:endParaRPr>
               </a:p>
               <a:p>
+                <a:pPr indent="180000"/>
                 <a:r>
                   <a:rPr lang="en-US" sz="2500" dirty="0" smtClean="0">
                     <a:latin typeface="Times New Roman" pitchFamily="18" charset="0"/>
@@ -7025,12 +6598,17 @@
                 </a:endParaRPr>
               </a:p>
               <a:p>
-                <a:endParaRPr lang="en-US" sz="2400" i="1" dirty="0">
+                <a:pPr indent="180000" eaLnBrk="1" hangingPunct="1">
+                  <a:spcBef>
+                    <a:spcPct val="10000"/>
+                  </a:spcBef>
+                </a:pPr>
+                <a:endParaRPr lang="en-US" altLang="he-IL" sz="2400" i="1" dirty="0">
                   <a:latin typeface="Cambria Math"/>
                 </a:endParaRPr>
               </a:p>
               <a:p>
-                <a:pPr eaLnBrk="1" hangingPunct="1">
+                <a:pPr indent="180000" eaLnBrk="1" hangingPunct="1">
                   <a:spcBef>
                     <a:spcPct val="10000"/>
                   </a:spcBef>
@@ -7196,7 +6774,13 @@
                         <a:rPr lang="en-US" altLang="he-IL" sz="2500" b="0" i="1" smtClean="0">
                           <a:latin typeface="Cambria Math"/>
                         </a:rPr>
-                        <m:t>,   </m:t>
+                        <m:t>,</m:t>
+                      </m:r>
+                      <m:r>
+                        <a:rPr lang="en-US" altLang="he-IL" sz="2500" b="0" i="1" smtClean="0">
+                          <a:latin typeface="Cambria Math"/>
+                        </a:rPr>
+                        <m:t>  </m:t>
                       </m:r>
                       <m:r>
                         <a:rPr lang="en-US" sz="2500" b="0" i="1" smtClean="0">
@@ -7352,7 +6936,7 @@
                 </a:endParaRPr>
               </a:p>
               <a:p>
-                <a:pPr eaLnBrk="1" hangingPunct="1">
+                <a:pPr indent="180000" eaLnBrk="1" hangingPunct="1">
                   <a:spcBef>
                     <a:spcPct val="10000"/>
                   </a:spcBef>
@@ -7362,7 +6946,7 @@
                 </a:endParaRPr>
               </a:p>
               <a:p>
-                <a:pPr eaLnBrk="1" hangingPunct="1">
+                <a:pPr indent="180000" eaLnBrk="1" hangingPunct="1">
                   <a:spcBef>
                     <a:spcPct val="10000"/>
                   </a:spcBef>
@@ -7405,7 +6989,7 @@
                 </a:r>
               </a:p>
               <a:p>
-                <a:pPr eaLnBrk="1" hangingPunct="1">
+                <a:pPr indent="180000" eaLnBrk="1" hangingPunct="1">
                   <a:spcBef>
                     <a:spcPct val="10000"/>
                   </a:spcBef>
@@ -7462,7 +7046,7 @@
                 </a:r>
               </a:p>
               <a:p>
-                <a:pPr eaLnBrk="1" hangingPunct="1">
+                <a:pPr indent="180000" eaLnBrk="1" hangingPunct="1">
                   <a:spcBef>
                     <a:spcPct val="10000"/>
                   </a:spcBef>
@@ -7480,7 +7064,7 @@
                       <m:dPr>
                         <m:ctrlPr>
                           <a:rPr lang="en-US" sz="2000" i="1">
-                            <a:latin typeface="Cambria Math" panose="02040503050406030204" pitchFamily="18" charset="0"/>
+                            <a:latin typeface="Cambria Math"/>
                             <a:ea typeface="Cambria Math" panose="02040503050406030204" pitchFamily="18" charset="0"/>
                           </a:rPr>
                         </m:ctrlPr>
@@ -7506,7 +7090,7 @@
                 </a:r>
               </a:p>
               <a:p>
-                <a:pPr eaLnBrk="1" hangingPunct="1">
+                <a:pPr indent="180000" eaLnBrk="1" hangingPunct="1">
                   <a:spcBef>
                     <a:spcPct val="10000"/>
                   </a:spcBef>
@@ -7517,7 +7101,7 @@
                       <m:sSubPr>
                         <m:ctrlPr>
                           <a:rPr lang="en-US" sz="2000" i="1">
-                            <a:latin typeface="Cambria Math" panose="02040503050406030204" pitchFamily="18" charset="0"/>
+                            <a:latin typeface="Cambria Math"/>
                             <a:ea typeface="Cambria Math" panose="02040503050406030204" pitchFamily="18" charset="0"/>
                           </a:rPr>
                         </m:ctrlPr>
@@ -7584,7 +7168,7 @@
                 </a:r>
               </a:p>
               <a:p>
-                <a:pPr eaLnBrk="1" hangingPunct="1">
+                <a:pPr indent="180000" eaLnBrk="1" hangingPunct="1">
                   <a:spcBef>
                     <a:spcPct val="10000"/>
                   </a:spcBef>
@@ -7594,7 +7178,7 @@
                 </a:endParaRPr>
               </a:p>
               <a:p>
-                <a:pPr eaLnBrk="1" hangingPunct="1">
+                <a:pPr indent="180000" eaLnBrk="1" hangingPunct="1">
                   <a:spcBef>
                     <a:spcPct val="10000"/>
                   </a:spcBef>
@@ -7624,7 +7208,7 @@
                 <a:avLst/>
               </a:prstGeom>
               <a:blipFill rotWithShape="1">
-                <a:blip r:embed="rId6"/>
+                <a:blip r:embed="rId7"/>
                 <a:stretch>
                   <a:fillRect/>
                 </a:stretch>
@@ -8193,9 +7777,16 @@
                 </a:lvl9pPr>
               </a:lstStyle>
               <a:p>
-                <a:pPr algn="just" eaLnBrk="1" hangingPunct="1"/>
+                <a:pPr indent="180000" eaLnBrk="1" hangingPunct="1">
+                  <a:spcBef>
+                    <a:spcPct val="50000"/>
+                  </a:spcBef>
+                  <a:tabLst>
+                    <a:tab pos="635000" algn="l"/>
+                  </a:tabLst>
+                </a:pPr>
                 <a:r>
-                  <a:rPr lang="en-US" altLang="he-IL" sz="4200" b="1" dirty="0" smtClean="0">
+                  <a:rPr lang="en-US" altLang="he-IL" sz="4200" b="1" dirty="0">
                     <a:solidFill>
                       <a:srgbClr val="000000"/>
                     </a:solidFill>
@@ -8205,7 +7796,38 @@
                 </a:r>
               </a:p>
               <a:p>
-                <a:pPr eaLnBrk="1" hangingPunct="1">
+                <a:pPr indent="180000" eaLnBrk="1" hangingPunct="1">
+                  <a:spcBef>
+                    <a:spcPct val="10000"/>
+                  </a:spcBef>
+                </a:pPr>
+                <a:r>
+                  <a:rPr lang="en-US" sz="2400" dirty="0">
+                    <a:latin typeface="+mn-lt"/>
+                  </a:rPr>
+                  <a:t>Competitions will be simulated by integrating a two-species ordinary differential equation (ODE). We assume that the only interaction between strains in </a:t>
+                </a:r>
+                <a:r>
+                  <a:rPr lang="en-US" sz="2400" b="1" dirty="0">
+                    <a:latin typeface="+mn-lt"/>
+                  </a:rPr>
+                  <a:t>resource competition</a:t>
+                </a:r>
+                <a:r>
+                  <a:rPr lang="en-US" sz="2400" baseline="30000" dirty="0">
+                    <a:latin typeface="+mn-lt"/>
+                  </a:rPr>
+                  <a:t>2,4</a:t>
+                </a:r>
+                <a:r>
+                  <a:rPr lang="en-US" sz="2400" dirty="0">
+                    <a:latin typeface="+mn-lt"/>
+                  </a:rPr>
+                  <a:t>.</a:t>
+                </a:r>
+              </a:p>
+              <a:p>
+                <a:pPr indent="180000" eaLnBrk="1" hangingPunct="1">
                   <a:spcBef>
                     <a:spcPct val="10000"/>
                   </a:spcBef>
@@ -8214,49 +7836,13 @@
                   <a:rPr lang="en-US" sz="2400" dirty="0" smtClean="0">
                     <a:latin typeface="+mn-lt"/>
                   </a:rPr>
-                  <a:t>Competitions </a:t>
-                </a:r>
-                <a:r>
-                  <a:rPr lang="en-US" sz="2400" dirty="0">
-                    <a:latin typeface="+mn-lt"/>
-                  </a:rPr>
-                  <a:t>will </a:t>
-                </a:r>
-                <a:r>
-                  <a:rPr lang="en-US" sz="2400" dirty="0" smtClean="0">
-                    <a:latin typeface="+mn-lt"/>
-                  </a:rPr>
-                  <a:t>be </a:t>
-                </a:r>
-                <a:r>
-                  <a:rPr lang="en-US" sz="2400" dirty="0">
-                    <a:latin typeface="+mn-lt"/>
-                  </a:rPr>
-                  <a:t>simulated by integrating a two-species ordinary differential equation (ODE</a:t>
-                </a:r>
-                <a:r>
-                  <a:rPr lang="en-US" sz="2400" dirty="0" smtClean="0">
-                    <a:latin typeface="+mn-lt"/>
-                  </a:rPr>
-                  <a:t>). For example, the </a:t>
+                  <a:t>For example, the </a:t>
                 </a:r>
                 <a:r>
                   <a:rPr lang="en-US" altLang="he-IL" sz="2500" b="1" dirty="0" smtClean="0">
                     <a:latin typeface="Times New Roman" pitchFamily="18" charset="0"/>
                   </a:rPr>
-                  <a:t>two-strain </a:t>
-                </a:r>
-                <a:r>
-                  <a:rPr lang="en-US" altLang="he-IL" sz="2500" b="1" dirty="0">
-                    <a:latin typeface="Times New Roman" pitchFamily="18" charset="0"/>
-                  </a:rPr>
-                  <a:t>ordinary differential </a:t>
-                </a:r>
-                <a:r>
-                  <a:rPr lang="en-US" altLang="he-IL" sz="2500" b="1" dirty="0" smtClean="0">
-                    <a:latin typeface="Times New Roman" pitchFamily="18" charset="0"/>
-                  </a:rPr>
-                  <a:t>equation </a:t>
+                  <a:t>two-strain ordinary differential equation </a:t>
                 </a:r>
                 <a:r>
                   <a:rPr lang="en-US" altLang="he-IL" sz="2500" dirty="0" smtClean="0">
@@ -8314,14 +7900,14 @@
                       <m:f>
                         <m:fPr>
                           <m:ctrlPr>
-                            <a:rPr lang="en-US" altLang="he-IL" sz="2500" i="1">
+                            <a:rPr lang="en-US" altLang="he-IL" sz="3200" i="1">
                               <a:latin typeface="Cambria Math"/>
                             </a:rPr>
                           </m:ctrlPr>
                         </m:fPr>
                         <m:num>
                           <m:r>
-                            <a:rPr lang="en-US" altLang="he-IL" sz="2500" i="1">
+                            <a:rPr lang="en-US" altLang="he-IL" sz="3200" i="1">
                               <a:latin typeface="Cambria Math"/>
                             </a:rPr>
                             <m:t>𝑑</m:t>
@@ -8329,14 +7915,14 @@
                           <m:sSub>
                             <m:sSubPr>
                               <m:ctrlPr>
-                                <a:rPr lang="en-US" altLang="he-IL" sz="2500" i="1">
+                                <a:rPr lang="en-US" altLang="he-IL" sz="3200" i="1">
                                   <a:latin typeface="Cambria Math"/>
                                 </a:rPr>
                               </m:ctrlPr>
                             </m:sSubPr>
                             <m:e>
                               <m:r>
-                                <a:rPr lang="en-US" altLang="he-IL" sz="2500" i="1">
+                                <a:rPr lang="en-US" altLang="he-IL" sz="3200" i="1">
                                   <a:latin typeface="Cambria Math"/>
                                 </a:rPr>
                                 <m:t>𝑁</m:t>
@@ -8344,7 +7930,7 @@
                             </m:e>
                             <m:sub>
                               <m:r>
-                                <a:rPr lang="en-US" altLang="he-IL" sz="2500" i="1">
+                                <a:rPr lang="en-US" altLang="he-IL" sz="3200" i="1">
                                   <a:latin typeface="Cambria Math"/>
                                 </a:rPr>
                                 <m:t>𝑖</m:t>
@@ -8354,7 +7940,7 @@
                         </m:num>
                         <m:den>
                           <m:r>
-                            <a:rPr lang="en-US" altLang="he-IL" sz="2500" i="1">
+                            <a:rPr lang="en-US" altLang="he-IL" sz="3200" i="1">
                               <a:latin typeface="Cambria Math"/>
                             </a:rPr>
                             <m:t>𝑑𝑡</m:t>
@@ -8362,7 +7948,7 @@
                         </m:den>
                       </m:f>
                       <m:r>
-                        <a:rPr lang="en-US" altLang="he-IL" sz="2500" i="1">
+                        <a:rPr lang="en-US" altLang="he-IL" sz="3200" i="1">
                           <a:latin typeface="Cambria Math"/>
                         </a:rPr>
                         <m:t>=</m:t>
@@ -8370,14 +7956,14 @@
                       <m:sSub>
                         <m:sSubPr>
                           <m:ctrlPr>
-                            <a:rPr lang="en-US" altLang="he-IL" sz="2500" i="1">
+                            <a:rPr lang="en-US" altLang="he-IL" sz="3200" i="1">
                               <a:latin typeface="Cambria Math"/>
                             </a:rPr>
                           </m:ctrlPr>
                         </m:sSubPr>
                         <m:e>
                           <m:r>
-                            <a:rPr lang="en-US" altLang="he-IL" sz="2500" i="1">
+                            <a:rPr lang="en-US" altLang="he-IL" sz="3200" i="1">
                               <a:latin typeface="Cambria Math"/>
                             </a:rPr>
                             <m:t>𝑟</m:t>
@@ -8385,7 +7971,7 @@
                         </m:e>
                         <m:sub>
                           <m:r>
-                            <a:rPr lang="en-US" altLang="he-IL" sz="2500" i="1">
+                            <a:rPr lang="en-US" altLang="he-IL" sz="3200" i="1">
                               <a:latin typeface="Cambria Math"/>
                             </a:rPr>
                             <m:t>𝑖</m:t>
@@ -8395,14 +7981,14 @@
                       <m:sSub>
                         <m:sSubPr>
                           <m:ctrlPr>
-                            <a:rPr lang="en-US" altLang="he-IL" sz="2500" i="1">
+                            <a:rPr lang="en-US" altLang="he-IL" sz="3200" i="1">
                               <a:latin typeface="Cambria Math"/>
                             </a:rPr>
                           </m:ctrlPr>
                         </m:sSubPr>
                         <m:e>
                           <m:r>
-                            <a:rPr lang="en-US" altLang="he-IL" sz="2500" i="1">
+                            <a:rPr lang="en-US" altLang="he-IL" sz="3200" i="1">
                               <a:latin typeface="Cambria Math"/>
                             </a:rPr>
                             <m:t>𝛼</m:t>
@@ -8410,7 +7996,7 @@
                         </m:e>
                         <m:sub>
                           <m:r>
-                            <a:rPr lang="en-US" altLang="he-IL" sz="2500" i="1">
+                            <a:rPr lang="en-US" altLang="he-IL" sz="3200" i="1">
                               <a:latin typeface="Cambria Math"/>
                             </a:rPr>
                             <m:t>𝑖</m:t>
@@ -8420,14 +8006,14 @@
                       <m:d>
                         <m:dPr>
                           <m:ctrlPr>
-                            <a:rPr lang="en-US" altLang="he-IL" sz="2500" i="1">
+                            <a:rPr lang="en-US" altLang="he-IL" sz="3200" i="1">
                               <a:latin typeface="Cambria Math"/>
                             </a:rPr>
                           </m:ctrlPr>
                         </m:dPr>
                         <m:e>
                           <m:r>
-                            <a:rPr lang="en-US" altLang="he-IL" sz="2500" i="1">
+                            <a:rPr lang="en-US" altLang="he-IL" sz="3200" i="1">
                               <a:latin typeface="Cambria Math"/>
                             </a:rPr>
                             <m:t>𝑡</m:t>
@@ -8437,14 +8023,14 @@
                       <m:sSub>
                         <m:sSubPr>
                           <m:ctrlPr>
-                            <a:rPr lang="en-US" altLang="he-IL" sz="2500" i="1">
+                            <a:rPr lang="en-US" altLang="he-IL" sz="3200" i="1">
                               <a:latin typeface="Cambria Math"/>
                             </a:rPr>
                           </m:ctrlPr>
                         </m:sSubPr>
                         <m:e>
                           <m:r>
-                            <a:rPr lang="en-US" altLang="he-IL" sz="2500" i="1">
+                            <a:rPr lang="en-US" altLang="he-IL" sz="3200" i="1">
                               <a:latin typeface="Cambria Math"/>
                             </a:rPr>
                             <m:t>𝑁</m:t>
@@ -8452,7 +8038,7 @@
                         </m:e>
                         <m:sub>
                           <m:r>
-                            <a:rPr lang="en-US" altLang="he-IL" sz="2500" i="1">
+                            <a:rPr lang="en-US" altLang="he-IL" sz="3200" i="1">
                               <a:latin typeface="Cambria Math"/>
                             </a:rPr>
                             <m:t>𝑖</m:t>
@@ -8462,20 +8048,20 @@
                       <m:d>
                         <m:dPr>
                           <m:ctrlPr>
-                            <a:rPr lang="en-US" altLang="he-IL" sz="2500" i="1">
+                            <a:rPr lang="en-US" altLang="he-IL" sz="3200" i="1">
                               <a:latin typeface="Cambria Math"/>
                             </a:rPr>
                           </m:ctrlPr>
                         </m:dPr>
                         <m:e>
                           <m:r>
-                            <a:rPr lang="en-US" altLang="he-IL" sz="2500" i="1">
+                            <a:rPr lang="en-US" altLang="he-IL" sz="3200" i="1">
                               <a:latin typeface="Cambria Math"/>
                             </a:rPr>
                             <m:t>1</m:t>
                           </m:r>
                           <m:r>
-                            <a:rPr lang="en-US" altLang="he-IL" sz="2500" i="1">
+                            <a:rPr lang="en-US" altLang="he-IL" sz="3200" i="1">
                               <a:latin typeface="Cambria Math"/>
                             </a:rPr>
                             <m:t>−</m:t>
@@ -8483,7 +8069,7 @@
                           <m:sSup>
                             <m:sSupPr>
                               <m:ctrlPr>
-                                <a:rPr lang="en-US" altLang="he-IL" sz="2500" i="1">
+                                <a:rPr lang="en-US" altLang="he-IL" sz="3200" i="1">
                                   <a:latin typeface="Cambria Math"/>
                                 </a:rPr>
                               </m:ctrlPr>
@@ -8492,7 +8078,7 @@
                               <m:d>
                                 <m:dPr>
                                   <m:ctrlPr>
-                                    <a:rPr lang="en-US" altLang="he-IL" sz="2500" i="1">
+                                    <a:rPr lang="en-US" altLang="he-IL" sz="3200" i="1">
                                       <a:latin typeface="Cambria Math"/>
                                     </a:rPr>
                                   </m:ctrlPr>
@@ -8501,7 +8087,7 @@
                                   <m:f>
                                     <m:fPr>
                                       <m:ctrlPr>
-                                        <a:rPr lang="en-US" altLang="he-IL" sz="2500" i="1">
+                                        <a:rPr lang="en-US" altLang="he-IL" sz="3200" i="1">
                                           <a:latin typeface="Cambria Math"/>
                                         </a:rPr>
                                       </m:ctrlPr>
@@ -8510,14 +8096,14 @@
                                       <m:sSub>
                                         <m:sSubPr>
                                           <m:ctrlPr>
-                                            <a:rPr lang="en-US" altLang="he-IL" sz="2500" i="1">
+                                            <a:rPr lang="en-US" altLang="he-IL" sz="3200" i="1">
                                               <a:latin typeface="Cambria Math"/>
                                             </a:rPr>
                                           </m:ctrlPr>
                                         </m:sSubPr>
                                         <m:e>
                                           <m:r>
-                                            <a:rPr lang="en-US" altLang="he-IL" sz="2500" i="1">
+                                            <a:rPr lang="en-US" altLang="he-IL" sz="3200" i="1">
                                               <a:latin typeface="Cambria Math"/>
                                             </a:rPr>
                                             <m:t>𝑁</m:t>
@@ -8525,7 +8111,7 @@
                                         </m:e>
                                         <m:sub>
                                           <m:r>
-                                            <a:rPr lang="en-US" altLang="he-IL" sz="2500" i="1">
+                                            <a:rPr lang="en-US" altLang="he-IL" sz="3200" i="1">
                                               <a:latin typeface="Cambria Math"/>
                                             </a:rPr>
                                             <m:t>𝐺</m:t>
@@ -8533,7 +8119,7 @@
                                         </m:sub>
                                       </m:sSub>
                                       <m:r>
-                                        <a:rPr lang="en-US" altLang="he-IL" sz="2500" i="1">
+                                        <a:rPr lang="en-US" altLang="he-IL" sz="3200" i="1">
                                           <a:latin typeface="Cambria Math"/>
                                         </a:rPr>
                                         <m:t>+</m:t>
@@ -8541,14 +8127,14 @@
                                       <m:sSub>
                                         <m:sSubPr>
                                           <m:ctrlPr>
-                                            <a:rPr lang="en-US" altLang="he-IL" sz="2500" i="1">
+                                            <a:rPr lang="en-US" altLang="he-IL" sz="3200" i="1">
                                               <a:latin typeface="Cambria Math"/>
                                             </a:rPr>
                                           </m:ctrlPr>
                                         </m:sSubPr>
                                         <m:e>
                                           <m:r>
-                                            <a:rPr lang="en-US" altLang="he-IL" sz="2500" i="1">
+                                            <a:rPr lang="en-US" altLang="he-IL" sz="3200" i="1">
                                               <a:latin typeface="Cambria Math"/>
                                             </a:rPr>
                                             <m:t>𝑁</m:t>
@@ -8556,7 +8142,7 @@
                                         </m:e>
                                         <m:sub>
                                           <m:r>
-                                            <a:rPr lang="en-US" altLang="he-IL" sz="2500" i="1">
+                                            <a:rPr lang="en-US" altLang="he-IL" sz="3200" i="1">
                                               <a:latin typeface="Cambria Math"/>
                                             </a:rPr>
                                             <m:t>𝑅</m:t>
@@ -8568,14 +8154,14 @@
                                       <m:sSub>
                                         <m:sSubPr>
                                           <m:ctrlPr>
-                                            <a:rPr lang="en-US" altLang="he-IL" sz="2500" i="1">
+                                            <a:rPr lang="en-US" altLang="he-IL" sz="3200" i="1">
                                               <a:latin typeface="Cambria Math"/>
                                             </a:rPr>
                                           </m:ctrlPr>
                                         </m:sSubPr>
                                         <m:e>
                                           <m:r>
-                                            <a:rPr lang="en-US" altLang="he-IL" sz="2500" i="1">
+                                            <a:rPr lang="en-US" altLang="he-IL" sz="3200" i="1">
                                               <a:latin typeface="Cambria Math"/>
                                             </a:rPr>
                                             <m:t>𝐾</m:t>
@@ -8583,7 +8169,7 @@
                                         </m:e>
                                         <m:sub>
                                           <m:r>
-                                            <a:rPr lang="en-US" altLang="he-IL" sz="2500" i="1">
+                                            <a:rPr lang="en-US" altLang="he-IL" sz="3200" i="1">
                                               <a:latin typeface="Cambria Math"/>
                                             </a:rPr>
                                             <m:t>𝑖</m:t>
@@ -8599,14 +8185,14 @@
                               <m:sSub>
                                 <m:sSubPr>
                                   <m:ctrlPr>
-                                    <a:rPr lang="en-US" altLang="he-IL" sz="2500" i="1">
+                                    <a:rPr lang="en-US" altLang="he-IL" sz="3200" i="1">
                                       <a:latin typeface="Cambria Math"/>
                                     </a:rPr>
                                   </m:ctrlPr>
                                 </m:sSubPr>
                                 <m:e>
                                   <m:r>
-                                    <a:rPr lang="en-US" altLang="he-IL" sz="2500" i="1">
+                                    <a:rPr lang="en-US" altLang="he-IL" sz="3200" i="1">
                                       <a:latin typeface="Cambria Math"/>
                                     </a:rPr>
                                     <m:t>𝜈</m:t>
@@ -8614,7 +8200,7 @@
                                 </m:e>
                                 <m:sub>
                                   <m:r>
-                                    <a:rPr lang="en-US" altLang="he-IL" sz="2500" i="1">
+                                    <a:rPr lang="en-US" altLang="he-IL" sz="3200" i="1">
                                       <a:latin typeface="Cambria Math"/>
                                     </a:rPr>
                                     <m:t>𝑖</m:t>
@@ -8642,40 +8228,6 @@
                   <a:latin typeface="+mn-lt"/>
                 </a:endParaRPr>
               </a:p>
-              <a:p>
-                <a:pPr eaLnBrk="1" hangingPunct="1">
-                  <a:spcBef>
-                    <a:spcPct val="10000"/>
-                  </a:spcBef>
-                </a:pPr>
-                <a:r>
-                  <a:rPr lang="en-US" altLang="he-IL" sz="2500" dirty="0" smtClean="0">
-                    <a:latin typeface="+mn-lt"/>
-                  </a:rPr>
-                  <a:t>We assume that the only interaction between strains in </a:t>
-                </a:r>
-                <a:r>
-                  <a:rPr lang="en-US" altLang="he-IL" sz="2500" b="1" dirty="0" smtClean="0">
-                    <a:latin typeface="+mn-lt"/>
-                  </a:rPr>
-                  <a:t>resource competition</a:t>
-                </a:r>
-                <a:r>
-                  <a:rPr lang="en-US" altLang="he-IL" sz="2500" baseline="30000" dirty="0" smtClean="0">
-                    <a:latin typeface="+mn-lt"/>
-                  </a:rPr>
-                  <a:t>2,4</a:t>
-                </a:r>
-                <a:r>
-                  <a:rPr lang="en-US" altLang="he-IL" sz="2500" dirty="0" smtClean="0">
-                    <a:latin typeface="+mn-lt"/>
-                  </a:rPr>
-                  <a:t>.</a:t>
-                </a:r>
-                <a:endParaRPr lang="en-US" altLang="he-IL" sz="2500" dirty="0">
-                  <a:latin typeface="+mn-lt"/>
-                </a:endParaRPr>
-              </a:p>
             </p:txBody>
           </p:sp>
         </mc:Choice>
@@ -8697,7 +8249,7 @@
                 <a:avLst/>
               </a:prstGeom>
               <a:blipFill rotWithShape="1">
-                <a:blip r:embed="rId7"/>
+                <a:blip r:embed="rId8"/>
                 <a:stretch>
                   <a:fillRect/>
                 </a:stretch>
@@ -9878,7 +9430,7 @@
           <p:nvPr/>
         </p:nvPicPr>
         <p:blipFill>
-          <a:blip r:embed="rId8">
+          <a:blip r:embed="rId9">
             <a:extLst>
               <a:ext uri="{28A0092B-C50C-407E-A947-70E740481C1C}">
                 <a14:useLocalDpi xmlns:a14="http://schemas.microsoft.com/office/drawing/2010/main" val="0"/>
@@ -9919,7 +9471,7 @@
           <p:nvPr/>
         </p:nvPicPr>
         <p:blipFill>
-          <a:blip r:embed="rId9">
+          <a:blip r:embed="rId10">
             <a:extLst>
               <a:ext uri="{28A0092B-C50C-407E-A947-70E740481C1C}">
                 <a14:useLocalDpi xmlns:a14="http://schemas.microsoft.com/office/drawing/2010/main" val="0"/>
@@ -9960,7 +9512,7 @@
           <p:nvPr/>
         </p:nvPicPr>
         <p:blipFill rotWithShape="1">
-          <a:blip r:embed="rId10">
+          <a:blip r:embed="rId11">
             <a:extLst>
               <a:ext uri="{28A0092B-C50C-407E-A947-70E740481C1C}">
                 <a14:useLocalDpi xmlns:a14="http://schemas.microsoft.com/office/drawing/2010/main" val="0"/>
@@ -10022,7 +9574,7 @@
           <p:nvPr/>
         </p:nvPicPr>
         <p:blipFill>
-          <a:blip r:embed="rId11">
+          <a:blip r:embed="rId12">
             <a:extLst>
               <a:ext uri="{28A0092B-C50C-407E-A947-70E740481C1C}">
                 <a14:useLocalDpi xmlns:a14="http://schemas.microsoft.com/office/drawing/2010/main" val="0"/>
@@ -10076,7 +9628,7 @@
           <p:nvPr/>
         </p:nvPicPr>
         <p:blipFill>
-          <a:blip r:embed="rId12">
+          <a:blip r:embed="rId13">
             <a:extLst>
               <a:ext uri="{28A0092B-C50C-407E-A947-70E740481C1C}">
                 <a14:useLocalDpi xmlns:a14="http://schemas.microsoft.com/office/drawing/2010/main" val="0"/>
@@ -10130,7 +9682,7 @@
           <p:nvPr/>
         </p:nvPicPr>
         <p:blipFill>
-          <a:blip r:embed="rId13">
+          <a:blip r:embed="rId14">
             <a:extLst>
               <a:ext uri="{28A0092B-C50C-407E-A947-70E740481C1C}">
                 <a14:useLocalDpi xmlns:a14="http://schemas.microsoft.com/office/drawing/2010/main" val="0"/>
@@ -10171,7 +9723,7 @@
           <p:nvPr/>
         </p:nvPicPr>
         <p:blipFill>
-          <a:blip r:embed="rId14">
+          <a:blip r:embed="rId15">
             <a:extLst>
               <a:ext uri="{28A0092B-C50C-407E-A947-70E740481C1C}">
                 <a14:useLocalDpi xmlns:a14="http://schemas.microsoft.com/office/drawing/2010/main" val="0"/>
@@ -10323,7 +9875,7 @@
                 <p:nvPr/>
               </p:nvPicPr>
               <p:blipFill>
-                <a:blip r:embed="rId15">
+                <a:blip r:embed="rId16">
                   <a:extLst>
                     <a:ext uri="{28A0092B-C50C-407E-A947-70E740481C1C}">
                       <a14:useLocalDpi xmlns:a14="http://schemas.microsoft.com/office/drawing/2010/main" val="0"/>
@@ -10387,7 +9939,7 @@
                 <p:nvPr/>
               </p:nvPicPr>
               <p:blipFill>
-                <a:blip r:embed="rId16">
+                <a:blip r:embed="rId17">
                   <a:extLst>
                     <a:ext uri="{28A0092B-C50C-407E-A947-70E740481C1C}">
                       <a14:useLocalDpi xmlns:a14="http://schemas.microsoft.com/office/drawing/2010/main" val="0"/>
@@ -10451,7 +10003,7 @@
                 <p:nvPr/>
               </p:nvPicPr>
               <p:blipFill>
-                <a:blip r:embed="rId17">
+                <a:blip r:embed="rId18">
                   <a:extLst>
                     <a:ext uri="{28A0092B-C50C-407E-A947-70E740481C1C}">
                       <a14:useLocalDpi xmlns:a14="http://schemas.microsoft.com/office/drawing/2010/main" val="0"/>
@@ -10611,7 +10163,7 @@
             <p:nvPr/>
           </p:nvPicPr>
           <p:blipFill>
-            <a:blip r:embed="rId18">
+            <a:blip r:embed="rId19">
               <a:extLst>
                 <a:ext uri="{28A0092B-C50C-407E-A947-70E740481C1C}">
                   <a14:useLocalDpi xmlns:a14="http://schemas.microsoft.com/office/drawing/2010/main" val="0"/>
@@ -10653,7 +10205,7 @@
           <p:nvPr/>
         </p:nvPicPr>
         <p:blipFill>
-          <a:blip r:embed="rId19">
+          <a:blip r:embed="rId20">
             <a:extLst>
               <a:ext uri="{28A0092B-C50C-407E-A947-70E740481C1C}">
                 <a14:useLocalDpi xmlns:a14="http://schemas.microsoft.com/office/drawing/2010/main" val="0"/>
@@ -10787,47 +10339,6 @@
           </a:p>
         </p:txBody>
       </p:sp>
-      <p:pic>
-        <p:nvPicPr>
-          <p:cNvPr id="10" name="Picture 7" descr="D:\university\presentations\GRC 2015\frequency_fit.png"/>
-          <p:cNvPicPr>
-            <a:picLocks noChangeAspect="1" noChangeArrowheads="1"/>
-          </p:cNvPicPr>
-          <p:nvPr/>
-        </p:nvPicPr>
-        <p:blipFill>
-          <a:blip r:embed="rId20">
-            <a:extLst>
-              <a:ext uri="{28A0092B-C50C-407E-A947-70E740481C1C}">
-                <a14:useLocalDpi xmlns:a14="http://schemas.microsoft.com/office/drawing/2010/main" val="0"/>
-              </a:ext>
-            </a:extLst>
-          </a:blip>
-          <a:srcRect/>
-          <a:stretch>
-            <a:fillRect/>
-          </a:stretch>
-        </p:blipFill>
-        <p:spPr bwMode="auto">
-          <a:xfrm>
-            <a:off x="11304000" y="22957613"/>
-            <a:ext cx="7748587" cy="5310187"/>
-          </a:xfrm>
-          <a:prstGeom prst="rect">
-            <a:avLst/>
-          </a:prstGeom>
-          <a:noFill/>
-          <a:extLst>
-            <a:ext uri="{909E8E84-426E-40DD-AFC4-6F175D3DCCD1}">
-              <a14:hiddenFill xmlns:a14="http://schemas.microsoft.com/office/drawing/2010/main">
-                <a:solidFill>
-                  <a:srgbClr val="FFFFFF"/>
-                </a:solidFill>
-              </a14:hiddenFill>
-            </a:ext>
-          </a:extLst>
-        </p:spPr>
-      </p:pic>
       <p:pic>
         <p:nvPicPr>
           <p:cNvPr id="1032" name="Picture 8" descr="D:\university\presentations\GRC 2015\all_curves.png"/>
@@ -11133,8 +10644,8 @@
           </a:extLst>
         </p:spPr>
       </p:pic>
-      <mc:AlternateContent xmlns:mc="http://schemas.openxmlformats.org/markup-compatibility/2006">
-        <mc:Choice xmlns:a14="http://schemas.microsoft.com/office/drawing/2010/main" Requires="a14">
+      <mc:AlternateContent xmlns:mc="http://schemas.openxmlformats.org/markup-compatibility/2006" xmlns:a14="http://schemas.microsoft.com/office/drawing/2010/main">
+        <mc:Choice Requires="a14">
           <p:graphicFrame>
             <p:nvGraphicFramePr>
               <p:cNvPr id="6" name="Table 5"/>
@@ -11293,8 +10804,8 @@
                                 <m:sSub>
                                   <m:sSubPr>
                                     <m:ctrlPr>
-                                      <a:rPr lang="en-US" altLang="he-IL" sz="1600" smtClean="0">
-                                        <a:latin typeface="Cambria Math" panose="02040503050406030204" pitchFamily="18" charset="0"/>
+                                      <a:rPr lang="en-US" altLang="he-IL" sz="1600" i="1" smtClean="0">
+                                        <a:latin typeface="Cambria Math"/>
                                         <a:ea typeface="Cambria Math" panose="02040503050406030204" pitchFamily="18" charset="0"/>
                                       </a:rPr>
                                     </m:ctrlPr>
@@ -11687,7 +11198,7 @@
             </a:graphic>
           </p:graphicFrame>
         </mc:Choice>
-        <mc:Fallback>
+        <mc:Fallback xmlns="">
           <p:graphicFrame>
             <p:nvGraphicFramePr>
               <p:cNvPr id="6" name="Table 5"/>
@@ -12190,6 +11701,7 @@
           </a:bodyPr>
           <a:lstStyle/>
           <a:p>
+            <a:pPr indent="180000"/>
             <a:r>
               <a:rPr lang="en-US" altLang="he-IL" sz="2500" dirty="0">
                 <a:latin typeface="Times New Roman" pitchFamily="18" charset="0"/>
@@ -12419,6 +11931,241 @@
           </a:fontRef>
         </p:style>
       </p:cxnSp>
+      <mc:AlternateContent xmlns:mc="http://schemas.openxmlformats.org/markup-compatibility/2006">
+        <mc:Choice xmlns:a14="http://schemas.microsoft.com/office/drawing/2010/main" Requires="a14">
+          <p:sp>
+            <p:nvSpPr>
+              <p:cNvPr id="14" name="Rectangle 13"/>
+              <p:cNvSpPr/>
+              <p:nvPr/>
+            </p:nvSpPr>
+            <p:spPr>
+              <a:xfrm>
+                <a:off x="12613101" y="28885909"/>
+                <a:ext cx="3753913" cy="954107"/>
+              </a:xfrm>
+              <a:prstGeom prst="rect">
+                <a:avLst/>
+              </a:prstGeom>
+            </p:spPr>
+            <p:txBody>
+              <a:bodyPr wrap="none">
+                <a:spAutoFit/>
+              </a:bodyPr>
+              <a:lstStyle/>
+              <a:p>
+                <a:pPr eaLnBrk="1" hangingPunct="1">
+                  <a:spcBef>
+                    <a:spcPct val="10000"/>
+                  </a:spcBef>
+                </a:pPr>
+                <a14:m>
+                  <m:oMathPara xmlns:m="http://schemas.openxmlformats.org/officeDocument/2006/math">
+                    <m:oMathParaPr>
+                      <m:jc m:val="left"/>
+                    </m:oMathParaPr>
+                    <m:oMath xmlns:m="http://schemas.openxmlformats.org/officeDocument/2006/math">
+                      <m:sSub>
+                        <m:sSubPr>
+                          <m:ctrlPr>
+                            <a:rPr lang="en-US" altLang="he-IL" i="1" smtClean="0">
+                              <a:latin typeface="Cambria Math"/>
+                            </a:rPr>
+                          </m:ctrlPr>
+                        </m:sSubPr>
+                        <m:e>
+                          <m:r>
+                            <a:rPr lang="en-US" altLang="he-IL" i="1">
+                              <a:latin typeface="Cambria Math"/>
+                            </a:rPr>
+                            <m:t>𝑝</m:t>
+                          </m:r>
+                        </m:e>
+                        <m:sub>
+                          <m:r>
+                            <a:rPr lang="en-US" altLang="he-IL" i="1">
+                              <a:latin typeface="Cambria Math"/>
+                            </a:rPr>
+                            <m:t>0</m:t>
+                          </m:r>
+                        </m:sub>
+                      </m:sSub>
+                      <m:r>
+                        <a:rPr lang="en-US" altLang="he-IL" i="1">
+                          <a:latin typeface="Cambria Math"/>
+                        </a:rPr>
+                        <m:t>=</m:t>
+                      </m:r>
+                      <m:r>
+                        <a:rPr lang="en-US" altLang="he-IL" i="1">
+                          <a:latin typeface="Cambria Math"/>
+                        </a:rPr>
+                        <m:t>0</m:t>
+                      </m:r>
+                      <m:r>
+                        <a:rPr lang="en-US" altLang="he-IL" i="1">
+                          <a:latin typeface="Cambria Math"/>
+                        </a:rPr>
+                        <m:t>.</m:t>
+                      </m:r>
+                      <m:r>
+                        <a:rPr lang="en-US" altLang="he-IL" i="1">
+                          <a:latin typeface="Cambria Math"/>
+                        </a:rPr>
+                        <m:t>495</m:t>
+                      </m:r>
+                      <m:r>
+                        <a:rPr lang="en-US" altLang="he-IL" i="1">
+                          <a:latin typeface="Cambria Math"/>
+                        </a:rPr>
+                        <m:t>±</m:t>
+                      </m:r>
+                      <m:r>
+                        <a:rPr lang="en-US" altLang="he-IL" i="1">
+                          <a:latin typeface="Cambria Math"/>
+                        </a:rPr>
+                        <m:t>0</m:t>
+                      </m:r>
+                      <m:r>
+                        <a:rPr lang="en-US" altLang="he-IL" i="1">
+                          <a:latin typeface="Cambria Math"/>
+                        </a:rPr>
+                        <m:t>.</m:t>
+                      </m:r>
+                      <m:r>
+                        <a:rPr lang="en-US" altLang="he-IL" i="1">
+                          <a:latin typeface="Cambria Math"/>
+                        </a:rPr>
+                        <m:t>001</m:t>
+                      </m:r>
+                    </m:oMath>
+                  </m:oMathPara>
+                </a14:m>
+                <a:endParaRPr lang="en-US" altLang="he-IL" i="1" dirty="0" smtClean="0">
+                  <a:latin typeface="Cambria Math"/>
+                </a:endParaRPr>
+              </a:p>
+              <a:p>
+                <a:pPr eaLnBrk="1" hangingPunct="1">
+                  <a:spcBef>
+                    <a:spcPct val="10000"/>
+                  </a:spcBef>
+                </a:pPr>
+                <a14:m>
+                  <m:oMathPara xmlns:m="http://schemas.openxmlformats.org/officeDocument/2006/math">
+                    <m:oMathParaPr>
+                      <m:jc m:val="left"/>
+                    </m:oMathParaPr>
+                    <m:oMath xmlns:m="http://schemas.openxmlformats.org/officeDocument/2006/math">
+                      <m:r>
+                        <a:rPr lang="en-US" altLang="he-IL" i="1">
+                          <a:latin typeface="Cambria Math"/>
+                        </a:rPr>
+                        <m:t> </m:t>
+                      </m:r>
+                      <m:r>
+                        <a:rPr lang="en-US" altLang="he-IL" i="1">
+                          <a:latin typeface="Cambria Math"/>
+                        </a:rPr>
+                        <m:t>𝑠</m:t>
+                      </m:r>
+                      <m:r>
+                        <a:rPr lang="en-US" altLang="he-IL" i="1">
+                          <a:latin typeface="Cambria Math"/>
+                        </a:rPr>
+                        <m:t>=</m:t>
+                      </m:r>
+                      <m:r>
+                        <a:rPr lang="en-US" altLang="he-IL" i="1">
+                          <a:latin typeface="Cambria Math"/>
+                        </a:rPr>
+                        <m:t>0</m:t>
+                      </m:r>
+                      <m:r>
+                        <a:rPr lang="en-US" altLang="he-IL" i="1">
+                          <a:latin typeface="Cambria Math"/>
+                        </a:rPr>
+                        <m:t>.</m:t>
+                      </m:r>
+                      <m:r>
+                        <a:rPr lang="en-US" altLang="he-IL" i="1">
+                          <a:latin typeface="Cambria Math"/>
+                        </a:rPr>
+                        <m:t>0261</m:t>
+                      </m:r>
+                      <m:r>
+                        <a:rPr lang="en-US" altLang="he-IL" i="1">
+                          <a:latin typeface="Cambria Math"/>
+                        </a:rPr>
+                        <m:t>±</m:t>
+                      </m:r>
+                      <m:r>
+                        <a:rPr lang="en-US" altLang="he-IL" i="1">
+                          <a:latin typeface="Cambria Math"/>
+                        </a:rPr>
+                        <m:t>0</m:t>
+                      </m:r>
+                      <m:r>
+                        <a:rPr lang="en-US" altLang="he-IL" i="1">
+                          <a:latin typeface="Cambria Math"/>
+                        </a:rPr>
+                        <m:t>.</m:t>
+                      </m:r>
+                      <m:r>
+                        <a:rPr lang="en-US" altLang="he-IL" i="1">
+                          <a:latin typeface="Cambria Math"/>
+                        </a:rPr>
+                        <m:t>00018</m:t>
+                      </m:r>
+                    </m:oMath>
+                  </m:oMathPara>
+                </a14:m>
+                <a:endParaRPr lang="en-US" altLang="he-IL" dirty="0">
+                  <a:latin typeface="Times New Roman" pitchFamily="18" charset="0"/>
+                </a:endParaRPr>
+              </a:p>
+            </p:txBody>
+          </p:sp>
+        </mc:Choice>
+        <mc:Fallback>
+          <p:sp>
+            <p:nvSpPr>
+              <p:cNvPr id="14" name="Rectangle 13"/>
+              <p:cNvSpPr>
+                <a:spLocks noRot="1" noChangeAspect="1" noMove="1" noResize="1" noEditPoints="1" noAdjustHandles="1" noChangeArrowheads="1" noChangeShapeType="1" noTextEdit="1"/>
+              </p:cNvSpPr>
+              <p:nvPr/>
+            </p:nvSpPr>
+            <p:spPr>
+              <a:xfrm>
+                <a:off x="12613101" y="28885909"/>
+                <a:ext cx="3753913" cy="954107"/>
+              </a:xfrm>
+              <a:prstGeom prst="rect">
+                <a:avLst/>
+              </a:prstGeom>
+              <a:blipFill rotWithShape="1">
+                <a:blip r:embed="rId28"/>
+                <a:stretch>
+                  <a:fillRect/>
+                </a:stretch>
+              </a:blipFill>
+            </p:spPr>
+            <p:txBody>
+              <a:bodyPr/>
+              <a:lstStyle/>
+              <a:p>
+                <a:r>
+                  <a:rPr lang="he-IL">
+                    <a:noFill/>
+                  </a:rPr>
+                  <a:t> </a:t>
+                </a:r>
+              </a:p>
+            </p:txBody>
+          </p:sp>
+        </mc:Fallback>
+      </mc:AlternateContent>
     </p:spTree>
   </p:cSld>
   <p:clrMapOvr>

--- a/poster.pptx
+++ b/poster.pptx
@@ -4376,7 +4376,7 @@
                 </a:endParaRPr>
               </a:p>
               <a:p>
-                <a:pPr eaLnBrk="1" hangingPunct="1">
+                <a:pPr indent="180000" eaLnBrk="1" hangingPunct="1">
                   <a:spcBef>
                     <a:spcPct val="10000"/>
                   </a:spcBef>
@@ -4401,7 +4401,7 @@
                 </a:r>
               </a:p>
               <a:p>
-                <a:pPr eaLnBrk="1" hangingPunct="1">
+                <a:pPr indent="180000" eaLnBrk="1" hangingPunct="1">
                   <a:spcBef>
                     <a:spcPct val="10000"/>
                   </a:spcBef>
@@ -4442,7 +4442,7 @@
                 </a:r>
               </a:p>
               <a:p>
-                <a:pPr eaLnBrk="1" hangingPunct="1">
+                <a:pPr indent="180000" eaLnBrk="1" hangingPunct="1">
                   <a:spcBef>
                     <a:spcPct val="10000"/>
                   </a:spcBef>
@@ -4452,7 +4452,7 @@
                 </a:endParaRPr>
               </a:p>
               <a:p>
-                <a:pPr eaLnBrk="1" hangingPunct="1">
+                <a:pPr indent="180000" eaLnBrk="1" hangingPunct="1">
                   <a:spcBef>
                     <a:spcPct val="10000"/>
                   </a:spcBef>
@@ -4464,7 +4464,7 @@
                     </m:oMathParaPr>
                     <m:oMath xmlns:m="http://schemas.openxmlformats.org/officeDocument/2006/math">
                       <m:r>
-                        <a:rPr lang="en-US" altLang="he-IL" sz="3200" b="0" i="1" smtClean="0">
+                        <a:rPr lang="en-US" altLang="he-IL" sz="3600" b="0" i="1" smtClean="0">
                           <a:latin typeface="Cambria Math"/>
                         </a:rPr>
                         <m:t>𝑝</m:t>
@@ -4472,14 +4472,14 @@
                       <m:d>
                         <m:dPr>
                           <m:ctrlPr>
-                            <a:rPr lang="en-US" altLang="he-IL" sz="3200" b="0" i="1" smtClean="0">
+                            <a:rPr lang="en-US" altLang="he-IL" sz="3600" b="0" i="1" smtClean="0">
                               <a:latin typeface="Cambria Math"/>
                             </a:rPr>
                           </m:ctrlPr>
                         </m:dPr>
                         <m:e>
                           <m:r>
-                            <a:rPr lang="en-US" altLang="he-IL" sz="3200" b="0" i="1" smtClean="0">
+                            <a:rPr lang="en-US" altLang="he-IL" sz="3600" b="0" i="1" smtClean="0">
                               <a:latin typeface="Cambria Math"/>
                             </a:rPr>
                             <m:t>𝑡</m:t>
@@ -4487,7 +4487,7 @@
                         </m:e>
                       </m:d>
                       <m:r>
-                        <a:rPr lang="en-US" altLang="he-IL" sz="3200" b="0" i="1" smtClean="0">
+                        <a:rPr lang="en-US" altLang="he-IL" sz="3600" b="0" i="1" smtClean="0">
                           <a:latin typeface="Cambria Math"/>
                         </a:rPr>
                         <m:t>=</m:t>
@@ -4495,7 +4495,7 @@
                       <m:f>
                         <m:fPr>
                           <m:ctrlPr>
-                            <a:rPr lang="en-US" altLang="he-IL" sz="3200" b="0" i="1" smtClean="0">
+                            <a:rPr lang="en-US" altLang="he-IL" sz="3600" b="0" i="1" smtClean="0">
                               <a:latin typeface="Cambria Math"/>
                             </a:rPr>
                           </m:ctrlPr>
@@ -4504,14 +4504,14 @@
                           <m:sSub>
                             <m:sSubPr>
                               <m:ctrlPr>
-                                <a:rPr lang="en-US" altLang="he-IL" sz="3200" b="0" i="1" smtClean="0">
+                                <a:rPr lang="en-US" altLang="he-IL" sz="3600" b="0" i="1" smtClean="0">
                                   <a:latin typeface="Cambria Math"/>
                                 </a:rPr>
                               </m:ctrlPr>
                             </m:sSubPr>
                             <m:e>
                               <m:r>
-                                <a:rPr lang="en-US" altLang="he-IL" sz="3200" b="0" i="1" smtClean="0">
+                                <a:rPr lang="en-US" altLang="he-IL" sz="3600" b="0" i="1" smtClean="0">
                                   <a:latin typeface="Cambria Math"/>
                                 </a:rPr>
                                 <m:t>𝑝</m:t>
@@ -4519,7 +4519,7 @@
                             </m:e>
                             <m:sub>
                               <m:r>
-                                <a:rPr lang="en-US" altLang="he-IL" sz="3200" b="0" i="1" smtClean="0">
+                                <a:rPr lang="en-US" altLang="he-IL" sz="3600" b="0" i="1" smtClean="0">
                                   <a:latin typeface="Cambria Math"/>
                                 </a:rPr>
                                 <m:t>0</m:t>
@@ -4531,14 +4531,14 @@
                           <m:sSub>
                             <m:sSubPr>
                               <m:ctrlPr>
-                                <a:rPr lang="en-US" altLang="he-IL" sz="3200" b="0" i="1" smtClean="0">
+                                <a:rPr lang="en-US" altLang="he-IL" sz="3600" b="0" i="1" smtClean="0">
                                   <a:latin typeface="Cambria Math"/>
                                 </a:rPr>
                               </m:ctrlPr>
                             </m:sSubPr>
                             <m:e>
                               <m:r>
-                                <a:rPr lang="en-US" altLang="he-IL" sz="3200" b="0" i="1" smtClean="0">
+                                <a:rPr lang="en-US" altLang="he-IL" sz="3600" b="0" i="1" smtClean="0">
                                   <a:latin typeface="Cambria Math"/>
                                 </a:rPr>
                                 <m:t>𝑝</m:t>
@@ -4546,7 +4546,7 @@
                             </m:e>
                             <m:sub>
                               <m:r>
-                                <a:rPr lang="en-US" altLang="he-IL" sz="3200" b="0" i="1" smtClean="0">
+                                <a:rPr lang="en-US" altLang="he-IL" sz="3600" b="0" i="1" smtClean="0">
                                   <a:latin typeface="Cambria Math"/>
                                 </a:rPr>
                                 <m:t>0</m:t>
@@ -4554,7 +4554,7 @@
                             </m:sub>
                           </m:sSub>
                           <m:r>
-                            <a:rPr lang="en-US" altLang="he-IL" sz="3200" b="0" i="1" smtClean="0">
+                            <a:rPr lang="en-US" altLang="he-IL" sz="3600" b="0" i="1" smtClean="0">
                               <a:latin typeface="Cambria Math"/>
                             </a:rPr>
                             <m:t>+</m:t>
@@ -4562,20 +4562,20 @@
                           <m:d>
                             <m:dPr>
                               <m:ctrlPr>
-                                <a:rPr lang="en-US" altLang="he-IL" sz="3200" b="0" i="1" smtClean="0">
+                                <a:rPr lang="en-US" altLang="he-IL" sz="3600" b="0" i="1" smtClean="0">
                                   <a:latin typeface="Cambria Math"/>
                                 </a:rPr>
                               </m:ctrlPr>
                             </m:dPr>
                             <m:e>
                               <m:r>
-                                <a:rPr lang="en-US" altLang="he-IL" sz="3200" b="0" i="1" smtClean="0">
+                                <a:rPr lang="en-US" altLang="he-IL" sz="3600" b="0" i="1" smtClean="0">
                                   <a:latin typeface="Cambria Math"/>
                                 </a:rPr>
                                 <m:t>1</m:t>
                               </m:r>
                               <m:r>
-                                <a:rPr lang="en-US" altLang="he-IL" sz="3200" b="0" i="1" smtClean="0">
+                                <a:rPr lang="en-US" altLang="he-IL" sz="3600" b="0" i="1" smtClean="0">
                                   <a:latin typeface="Cambria Math"/>
                                 </a:rPr>
                                 <m:t>−</m:t>
@@ -4583,14 +4583,14 @@
                               <m:sSub>
                                 <m:sSubPr>
                                   <m:ctrlPr>
-                                    <a:rPr lang="en-US" altLang="he-IL" sz="3200" b="0" i="1" smtClean="0">
+                                    <a:rPr lang="en-US" altLang="he-IL" sz="3600" b="0" i="1" smtClean="0">
                                       <a:latin typeface="Cambria Math"/>
                                     </a:rPr>
                                   </m:ctrlPr>
                                 </m:sSubPr>
                                 <m:e>
                                   <m:r>
-                                    <a:rPr lang="en-US" altLang="he-IL" sz="3200" b="0" i="1" smtClean="0">
+                                    <a:rPr lang="en-US" altLang="he-IL" sz="3600" b="0" i="1" smtClean="0">
                                       <a:latin typeface="Cambria Math"/>
                                     </a:rPr>
                                     <m:t>𝑝</m:t>
@@ -4598,7 +4598,7 @@
                                 </m:e>
                                 <m:sub>
                                   <m:r>
-                                    <a:rPr lang="en-US" altLang="he-IL" sz="3200" b="0" i="1" smtClean="0">
+                                    <a:rPr lang="en-US" altLang="he-IL" sz="3600" b="0" i="1" smtClean="0">
                                       <a:latin typeface="Cambria Math"/>
                                     </a:rPr>
                                     <m:t>0</m:t>
@@ -4610,14 +4610,14 @@
                           <m:sSup>
                             <m:sSupPr>
                               <m:ctrlPr>
-                                <a:rPr lang="en-US" altLang="he-IL" sz="3200" b="0" i="1" smtClean="0">
+                                <a:rPr lang="en-US" altLang="he-IL" sz="3600" b="0" i="1" smtClean="0">
                                   <a:latin typeface="Cambria Math"/>
                                 </a:rPr>
                               </m:ctrlPr>
                             </m:sSupPr>
                             <m:e>
                               <m:r>
-                                <a:rPr lang="en-US" altLang="he-IL" sz="3200" b="0" i="1" smtClean="0">
+                                <a:rPr lang="en-US" altLang="he-IL" sz="3600" b="0" i="1" smtClean="0">
                                   <a:latin typeface="Cambria Math"/>
                                 </a:rPr>
                                 <m:t>𝑒</m:t>
@@ -4625,13 +4625,13 @@
                             </m:e>
                             <m:sup>
                               <m:r>
-                                <a:rPr lang="en-US" altLang="he-IL" sz="3200" b="0" i="1" smtClean="0">
+                                <a:rPr lang="en-US" altLang="he-IL" sz="3600" b="0" i="1" smtClean="0">
                                   <a:latin typeface="Cambria Math"/>
                                 </a:rPr>
                                 <m:t>−</m:t>
                               </m:r>
                               <m:r>
-                                <a:rPr lang="en-US" altLang="he-IL" sz="3200" b="0" i="1" smtClean="0">
+                                <a:rPr lang="en-US" altLang="he-IL" sz="3600" b="0" i="1" smtClean="0">
                                   <a:latin typeface="Cambria Math"/>
                                 </a:rPr>
                                 <m:t>𝑠𝑡</m:t>
@@ -4643,31 +4643,31 @@
                     </m:oMath>
                   </m:oMathPara>
                 </a14:m>
-                <a:endParaRPr lang="en-US" altLang="he-IL" sz="3200" dirty="0" smtClean="0">
+                <a:endParaRPr lang="en-US" altLang="he-IL" sz="3600" dirty="0" smtClean="0">
                   <a:latin typeface="Times New Roman" pitchFamily="18" charset="0"/>
                 </a:endParaRPr>
               </a:p>
               <a:p>
-                <a:pPr eaLnBrk="1" hangingPunct="1">
+                <a:pPr indent="180000" eaLnBrk="1" hangingPunct="1">
                   <a:spcBef>
                     <a:spcPct val="10000"/>
                   </a:spcBef>
                 </a:pPr>
-                <a:endParaRPr lang="en-US" altLang="he-IL" sz="2500" b="0" i="1" dirty="0" smtClean="0">
-                  <a:latin typeface="Cambria Math"/>
+                <a:endParaRPr lang="en-US" altLang="he-IL" sz="2500" dirty="0" smtClean="0">
+                  <a:latin typeface="Times New Roman" pitchFamily="18" charset="0"/>
                 </a:endParaRPr>
               </a:p>
               <a:p>
-                <a:pPr eaLnBrk="1" hangingPunct="1">
+                <a:pPr indent="180000" eaLnBrk="1" hangingPunct="1">
                   <a:spcBef>
                     <a:spcPct val="10000"/>
                   </a:spcBef>
                 </a:pPr>
                 <a:r>
-                  <a:rPr lang="en-US" altLang="he-IL" sz="2500" dirty="0">
+                  <a:rPr lang="en-US" altLang="he-IL" sz="2500" dirty="0" smtClean="0">
                     <a:latin typeface="Times New Roman" pitchFamily="18" charset="0"/>
                   </a:rPr>
-                  <a:t>Where</a:t>
+                  <a:t>where</a:t>
                 </a:r>
                 <a:r>
                   <a:rPr lang="en-US" altLang="he-IL" sz="2500" i="1" dirty="0" smtClean="0">
@@ -4708,25 +4708,7 @@
                   <a:rPr lang="en-US" altLang="he-IL" sz="2500" dirty="0" smtClean="0">
                     <a:latin typeface="Times New Roman" pitchFamily="18" charset="0"/>
                   </a:rPr>
-                  <a:t> </a:t>
-                </a:r>
-                <a:r>
-                  <a:rPr lang="en-US" altLang="he-IL" sz="2500" dirty="0" smtClean="0">
-                    <a:latin typeface="Times New Roman" pitchFamily="18" charset="0"/>
-                  </a:rPr>
-                  <a:t>is the </a:t>
-                </a:r>
-                <a:r>
-                  <a:rPr lang="en-US" altLang="he-IL" sz="2500" dirty="0" smtClean="0">
-                    <a:latin typeface="Times New Roman" pitchFamily="18" charset="0"/>
-                  </a:rPr>
-                  <a:t>initial </a:t>
-                </a:r>
-                <a:r>
-                  <a:rPr lang="en-US" altLang="he-IL" sz="2500" dirty="0" smtClean="0">
-                    <a:latin typeface="Times New Roman" pitchFamily="18" charset="0"/>
-                  </a:rPr>
-                  <a:t>frequency and </a:t>
+                  <a:t> is the initial frequency and </a:t>
                 </a:r>
                 <a14:m>
                   <m:oMath xmlns:m="http://schemas.openxmlformats.org/officeDocument/2006/math">
@@ -4742,26 +4724,106 @@
                   <a:rPr lang="en-US" altLang="he-IL" sz="2500" dirty="0" smtClean="0">
                     <a:latin typeface="Times New Roman" pitchFamily="18" charset="0"/>
                   </a:rPr>
-                  <a:t> </a:t>
+                  <a:t> is the selection coefficient </a:t>
                 </a:r>
                 <a:r>
                   <a:rPr lang="en-US" altLang="he-IL" sz="2500" dirty="0" smtClean="0">
                     <a:latin typeface="Times New Roman" pitchFamily="18" charset="0"/>
                   </a:rPr>
-                  <a:t>is the </a:t>
+                  <a:t>of the </a:t>
                 </a:r>
                 <a:r>
                   <a:rPr lang="en-US" altLang="he-IL" sz="2500" dirty="0" smtClean="0">
                     <a:latin typeface="Times New Roman" pitchFamily="18" charset="0"/>
                   </a:rPr>
-                  <a:t>selection </a:t>
+                  <a:t>red strain</a:t>
                 </a:r>
                 <a:r>
                   <a:rPr lang="en-US" altLang="he-IL" sz="2500" dirty="0" smtClean="0">
                     <a:latin typeface="Times New Roman" pitchFamily="18" charset="0"/>
                   </a:rPr>
-                  <a:t>coefficient for the red strain.</a:t>
+                  <a:t>.</a:t>
                 </a:r>
+              </a:p>
+              <a:p>
+                <a:pPr indent="180000" eaLnBrk="1" hangingPunct="1">
+                  <a:spcBef>
+                    <a:spcPct val="10000"/>
+                  </a:spcBef>
+                </a:pPr>
+                <a:endParaRPr lang="en-US" altLang="he-IL" sz="2500" dirty="0">
+                  <a:latin typeface="Times New Roman" pitchFamily="18" charset="0"/>
+                </a:endParaRPr>
+              </a:p>
+              <a:p>
+                <a:pPr indent="180000" eaLnBrk="1" hangingPunct="1">
+                  <a:spcBef>
+                    <a:spcPct val="10000"/>
+                  </a:spcBef>
+                </a:pPr>
+                <a:r>
+                  <a:rPr lang="en-US" altLang="he-IL" sz="2500" dirty="0" smtClean="0">
+                    <a:latin typeface="Times New Roman" pitchFamily="18" charset="0"/>
+                  </a:rPr>
+                  <a:t>We fit this equation to the frequency of the strain under question in the competition simulation. </a:t>
+                </a:r>
+              </a:p>
+              <a:p>
+                <a:pPr indent="180000" eaLnBrk="1" hangingPunct="1">
+                  <a:spcBef>
+                    <a:spcPct val="10000"/>
+                  </a:spcBef>
+                </a:pPr>
+                <a:r>
+                  <a:rPr lang="en-US" altLang="he-IL" sz="2500" dirty="0" smtClean="0">
+                    <a:latin typeface="Times New Roman" pitchFamily="18" charset="0"/>
+                  </a:rPr>
+                  <a:t>The inferred </a:t>
+                </a:r>
+                <a14:m>
+                  <m:oMath xmlns:m="http://schemas.openxmlformats.org/officeDocument/2006/math">
+                    <m:r>
+                      <a:rPr lang="en-US" altLang="he-IL" sz="2500" i="1">
+                        <a:latin typeface="Cambria Math"/>
+                      </a:rPr>
+                      <m:t>𝑠</m:t>
+                    </m:r>
+                  </m:oMath>
+                </a14:m>
+                <a:r>
+                  <a:rPr lang="en-US" altLang="he-IL" sz="2500" dirty="0" smtClean="0">
+                    <a:latin typeface="Times New Roman" pitchFamily="18" charset="0"/>
+                  </a:rPr>
+                  <a:t> is the </a:t>
+                </a:r>
+                <a:r>
+                  <a:rPr lang="en-US" altLang="he-IL" sz="2500" b="1" dirty="0" smtClean="0">
+                    <a:solidFill>
+                      <a:srgbClr val="004080"/>
+                    </a:solidFill>
+                    <a:latin typeface="Times New Roman" pitchFamily="18" charset="0"/>
+                  </a:rPr>
+                  <a:t>effective selection coefficient</a:t>
+                </a:r>
+                <a:r>
+                  <a:rPr lang="en-US" altLang="he-IL" sz="2500" dirty="0" smtClean="0">
+                    <a:latin typeface="Times New Roman" pitchFamily="18" charset="0"/>
+                  </a:rPr>
+                  <a:t>: the selection coefficient in an idealized population that would cause similar change in frequency as the population under consideration.</a:t>
+                </a:r>
+                <a:endParaRPr lang="en-US" altLang="he-IL" sz="2500" dirty="0" smtClean="0">
+                  <a:latin typeface="Times New Roman" pitchFamily="18" charset="0"/>
+                </a:endParaRPr>
+              </a:p>
+              <a:p>
+                <a:pPr indent="180000" eaLnBrk="1" hangingPunct="1">
+                  <a:spcBef>
+                    <a:spcPct val="10000"/>
+                  </a:spcBef>
+                </a:pPr>
+                <a:endParaRPr lang="en-US" altLang="he-IL" sz="2500" dirty="0" smtClean="0">
+                  <a:latin typeface="Times New Roman" pitchFamily="18" charset="0"/>
+                </a:endParaRPr>
               </a:p>
               <a:p>
                 <a:pPr eaLnBrk="1" hangingPunct="1">
@@ -5006,7 +5068,7 @@
         </p:blipFill>
         <p:spPr bwMode="auto">
           <a:xfrm>
-            <a:off x="11304000" y="28544400"/>
+            <a:off x="11304000" y="28623914"/>
             <a:ext cx="7748587" cy="5310188"/>
           </a:xfrm>
           <a:prstGeom prst="rect">
@@ -5076,7 +5138,7 @@
         <p:spPr bwMode="auto">
           <a:xfrm>
             <a:off x="20610513" y="7550150"/>
-            <a:ext cx="8458200" cy="26530300"/>
+            <a:ext cx="8458200" cy="21812812"/>
           </a:xfrm>
           <a:prstGeom prst="rect">
             <a:avLst/>
@@ -5755,7 +5817,19 @@
               <a:rPr lang="en-US" altLang="he-IL" sz="2500" dirty="0" smtClean="0">
                 <a:latin typeface="Times New Roman" pitchFamily="18" charset="0"/>
               </a:rPr>
-              <a:t>The total OD in the model predictions (solid blue line) has a </a:t>
+              <a:t>The total OD </a:t>
+            </a:r>
+            <a:r>
+              <a:rPr lang="en-US" altLang="he-IL" sz="2500" dirty="0" smtClean="0">
+                <a:latin typeface="Times New Roman" pitchFamily="18" charset="0"/>
+              </a:rPr>
+              <a:t>predicted by the model (</a:t>
+            </a:r>
+            <a:r>
+              <a:rPr lang="en-US" altLang="he-IL" sz="2500" dirty="0" smtClean="0">
+                <a:latin typeface="Times New Roman" pitchFamily="18" charset="0"/>
+              </a:rPr>
+              <a:t>solid blue line) has a </a:t>
             </a:r>
             <a:r>
               <a:rPr lang="en-US" altLang="he-IL" sz="2500" b="1" dirty="0" smtClean="0">
@@ -5767,38 +5841,27 @@
               <a:rPr lang="en-US" altLang="he-IL" sz="2500" dirty="0" smtClean="0">
                 <a:latin typeface="Times New Roman" pitchFamily="18" charset="0"/>
               </a:rPr>
-              <a:t>with the total OD in competition experiments (black markers).</a:t>
-            </a:r>
-          </a:p>
-          <a:p>
-            <a:pPr indent="180000" eaLnBrk="1" hangingPunct="1">
-              <a:spcBef>
-                <a:spcPct val="10000"/>
-              </a:spcBef>
-            </a:pPr>
-            <a:endParaRPr lang="en-US" altLang="he-IL" sz="2500" dirty="0" smtClean="0">
-              <a:latin typeface="Times New Roman" pitchFamily="18" charset="0"/>
-            </a:endParaRPr>
-          </a:p>
-          <a:p>
-            <a:pPr indent="180000" eaLnBrk="1" hangingPunct="1">
-              <a:spcBef>
-                <a:spcPct val="10000"/>
-              </a:spcBef>
-            </a:pPr>
+              <a:t>with the total OD </a:t>
+            </a:r>
             <a:r>
               <a:rPr lang="en-US" altLang="he-IL" sz="2500" dirty="0" smtClean="0">
                 <a:latin typeface="Times New Roman" pitchFamily="18" charset="0"/>
               </a:rPr>
-              <a:t>Further validation will require measuring the frequency of the strains in experimental competitions. This will be achieved using fluorescent markers and flow cytometry or fluorescent microscopy</a:t>
+              <a:t>in the </a:t>
             </a:r>
             <a:r>
               <a:rPr lang="en-US" altLang="he-IL" sz="2500" dirty="0" smtClean="0">
                 <a:latin typeface="Times New Roman" pitchFamily="18" charset="0"/>
               </a:rPr>
-              <a:t>.</a:t>
-            </a:r>
-            <a:endParaRPr lang="en-US" altLang="he-IL" sz="2500" dirty="0">
+              <a:t>competition experiments (black markers</a:t>
+            </a:r>
+            <a:r>
+              <a:rPr lang="en-US" altLang="he-IL" sz="2500" dirty="0" smtClean="0">
+                <a:latin typeface="Times New Roman" pitchFamily="18" charset="0"/>
+              </a:rPr>
+              <a:t>).</a:t>
+            </a:r>
+            <a:endParaRPr lang="en-US" altLang="he-IL" sz="2500" dirty="0" smtClean="0">
               <a:latin typeface="Times New Roman" pitchFamily="18" charset="0"/>
             </a:endParaRPr>
           </a:p>
@@ -5815,7 +5878,7 @@
         <p:spPr bwMode="auto">
           <a:xfrm>
             <a:off x="1270000" y="7550151"/>
-            <a:ext cx="8458200" cy="5086349"/>
+            <a:ext cx="8458200" cy="5239146"/>
           </a:xfrm>
           <a:prstGeom prst="rect">
             <a:avLst/>
@@ -5986,12 +6049,6 @@
               </a:rPr>
               <a:t>Introduction</a:t>
             </a:r>
-            <a:endParaRPr lang="en-US" altLang="he-IL" sz="4200" b="1" dirty="0">
-              <a:solidFill>
-                <a:srgbClr val="000000"/>
-              </a:solidFill>
-              <a:latin typeface="Calibri" pitchFamily="34" charset="0"/>
-            </a:endParaRPr>
           </a:p>
           <a:p>
             <a:pPr indent="180000" eaLnBrk="1" hangingPunct="1">
@@ -6000,78 +6057,78 @@
               </a:spcBef>
             </a:pPr>
             <a:r>
-              <a:rPr lang="en-US" sz="2400" dirty="0" smtClean="0">
+              <a:rPr lang="en-US" sz="2500" dirty="0" smtClean="0">
                 <a:latin typeface="+mn-lt"/>
               </a:rPr>
               <a:t>Experiments </a:t>
             </a:r>
             <a:r>
-              <a:rPr lang="en-US" sz="2400" dirty="0">
+              <a:rPr lang="en-US" sz="2500" dirty="0">
                 <a:latin typeface="+mn-lt"/>
               </a:rPr>
               <a:t>often use </a:t>
             </a:r>
             <a:r>
-              <a:rPr lang="en-US" sz="2400" b="1" dirty="0">
+              <a:rPr lang="en-US" sz="2500" b="1" dirty="0">
                 <a:latin typeface="+mn-lt"/>
               </a:rPr>
               <a:t>growth curves </a:t>
             </a:r>
             <a:r>
-              <a:rPr lang="en-US" sz="2400" dirty="0">
+              <a:rPr lang="en-US" sz="2500" dirty="0">
                 <a:latin typeface="+mn-lt"/>
               </a:rPr>
               <a:t>to estimate the growth </a:t>
             </a:r>
             <a:r>
-              <a:rPr lang="en-US" sz="2400" dirty="0" smtClean="0">
+              <a:rPr lang="en-US" sz="2500" dirty="0" smtClean="0">
                 <a:latin typeface="+mn-lt"/>
               </a:rPr>
               <a:t>rate as </a:t>
             </a:r>
             <a:r>
-              <a:rPr lang="en-US" sz="2400" dirty="0">
+              <a:rPr lang="en-US" sz="2500" dirty="0">
                 <a:latin typeface="+mn-lt"/>
               </a:rPr>
               <a:t>a proxy of fitness; </a:t>
             </a:r>
             <a:r>
-              <a:rPr lang="en-US" sz="2400" dirty="0" smtClean="0">
+              <a:rPr lang="en-US" sz="2500" dirty="0" smtClean="0">
                 <a:latin typeface="+mn-lt"/>
               </a:rPr>
               <a:t>however, evolutionary models </a:t>
             </a:r>
             <a:r>
-              <a:rPr lang="en-US" sz="2400" dirty="0">
+              <a:rPr lang="en-US" sz="2500" dirty="0">
                 <a:latin typeface="+mn-lt"/>
               </a:rPr>
               <a:t>use </a:t>
             </a:r>
             <a:r>
-              <a:rPr lang="en-US" sz="2400" b="1" dirty="0" smtClean="0">
+              <a:rPr lang="en-US" sz="2500" b="1" dirty="0" smtClean="0">
                 <a:latin typeface="+mn-lt"/>
               </a:rPr>
               <a:t>selection coefficients </a:t>
             </a:r>
             <a:r>
-              <a:rPr lang="en-US" sz="2400" dirty="0">
+              <a:rPr lang="en-US" sz="2500" dirty="0">
                 <a:latin typeface="+mn-lt"/>
               </a:rPr>
               <a:t>to model the relative fitness of </a:t>
             </a:r>
             <a:r>
-              <a:rPr lang="en-US" sz="2400" dirty="0" smtClean="0">
+              <a:rPr lang="en-US" sz="2500" dirty="0" smtClean="0">
                 <a:latin typeface="+mn-lt"/>
               </a:rPr>
               <a:t>genotypes</a:t>
             </a:r>
             <a:r>
-              <a:rPr lang="en-US" sz="2400" dirty="0">
+              <a:rPr lang="en-US" sz="2500" dirty="0">
                 <a:latin typeface="+mn-lt"/>
               </a:rPr>
               <a:t>. </a:t>
             </a:r>
-            <a:endParaRPr lang="en-US" sz="2400" dirty="0" smtClean="0">
+            <a:endParaRPr lang="en-US" sz="2500" dirty="0" smtClean="0">
               <a:latin typeface="+mn-lt"/>
             </a:endParaRPr>
           </a:p>
@@ -6082,103 +6139,103 @@
               </a:spcBef>
             </a:pPr>
             <a:r>
-              <a:rPr lang="en-US" sz="2400" dirty="0" smtClean="0">
+              <a:rPr lang="en-US" sz="2500" dirty="0" smtClean="0">
                 <a:latin typeface="+mn-lt"/>
               </a:rPr>
               <a:t>The </a:t>
             </a:r>
             <a:r>
-              <a:rPr lang="en-US" sz="2400" dirty="0">
+              <a:rPr lang="en-US" sz="2500" dirty="0">
                 <a:latin typeface="+mn-lt"/>
               </a:rPr>
               <a:t>only </a:t>
             </a:r>
             <a:r>
-              <a:rPr lang="en-US" sz="2400" dirty="0" smtClean="0">
+              <a:rPr lang="en-US" sz="2500" dirty="0" smtClean="0">
                 <a:latin typeface="+mn-lt"/>
               </a:rPr>
               <a:t>existing “</a:t>
             </a:r>
             <a:r>
-              <a:rPr lang="en-US" sz="2400" dirty="0">
+              <a:rPr lang="en-US" sz="2500" dirty="0">
                 <a:latin typeface="+mn-lt"/>
               </a:rPr>
               <a:t>bridge” between experiments and theory are </a:t>
             </a:r>
             <a:r>
-              <a:rPr lang="en-US" sz="2400" b="1" dirty="0">
+              <a:rPr lang="en-US" sz="2500" b="1" dirty="0">
                 <a:latin typeface="+mn-lt"/>
               </a:rPr>
               <a:t>competitions assays</a:t>
             </a:r>
             <a:r>
-              <a:rPr lang="en-US" sz="2400" dirty="0">
+              <a:rPr lang="en-US" sz="2500" dirty="0">
                 <a:latin typeface="+mn-lt"/>
               </a:rPr>
               <a:t>. </a:t>
             </a:r>
             <a:r>
-              <a:rPr lang="en-US" sz="2400" dirty="0" smtClean="0">
+              <a:rPr lang="en-US" sz="2500" dirty="0" smtClean="0">
                 <a:latin typeface="+mn-lt"/>
               </a:rPr>
               <a:t>But these assays </a:t>
             </a:r>
             <a:r>
-              <a:rPr lang="en-US" sz="2400" dirty="0">
+              <a:rPr lang="en-US" sz="2500" dirty="0">
                 <a:latin typeface="+mn-lt"/>
               </a:rPr>
               <a:t>are expensive and </a:t>
             </a:r>
             <a:r>
-              <a:rPr lang="en-US" sz="2400" dirty="0" smtClean="0">
+              <a:rPr lang="en-US" sz="2500" dirty="0" smtClean="0">
                 <a:latin typeface="+mn-lt"/>
               </a:rPr>
               <a:t>laborious. </a:t>
             </a:r>
             <a:r>
-              <a:rPr lang="en-US" sz="2400" dirty="0">
+              <a:rPr lang="en-US" sz="2500" dirty="0">
                 <a:latin typeface="+mn-lt"/>
               </a:rPr>
               <a:t>Therefore</a:t>
             </a:r>
             <a:r>
-              <a:rPr lang="en-US" sz="2400" dirty="0" smtClean="0">
+              <a:rPr lang="en-US" sz="2500" dirty="0" smtClean="0">
                 <a:latin typeface="+mn-lt"/>
               </a:rPr>
               <a:t>, many </a:t>
             </a:r>
             <a:r>
-              <a:rPr lang="en-US" sz="2400" dirty="0">
+              <a:rPr lang="en-US" sz="2500" dirty="0">
                 <a:latin typeface="+mn-lt"/>
               </a:rPr>
               <a:t>investigators do without competition assays entirely. An </a:t>
             </a:r>
             <a:r>
-              <a:rPr lang="en-US" sz="2400" b="1" dirty="0" smtClean="0">
+              <a:rPr lang="en-US" sz="2500" b="1" dirty="0" smtClean="0">
                 <a:latin typeface="+mn-lt"/>
               </a:rPr>
               <a:t>alternative method </a:t>
             </a:r>
             <a:r>
-              <a:rPr lang="en-US" sz="2400" dirty="0">
+              <a:rPr lang="en-US" sz="2500" dirty="0">
                 <a:latin typeface="+mn-lt"/>
               </a:rPr>
               <a:t>is required, one that can be used to estimate </a:t>
             </a:r>
             <a:r>
-              <a:rPr lang="en-US" sz="2400" dirty="0" smtClean="0">
+              <a:rPr lang="en-US" sz="2500" dirty="0" smtClean="0">
                 <a:latin typeface="+mn-lt"/>
               </a:rPr>
               <a:t>fitness from </a:t>
             </a:r>
             <a:r>
-              <a:rPr lang="en-US" sz="2400" dirty="0">
+              <a:rPr lang="en-US" sz="2500" dirty="0">
                 <a:latin typeface="+mn-lt"/>
               </a:rPr>
               <a:t>growth </a:t>
             </a:r>
             <a:r>
-              <a:rPr lang="en-US" sz="2400" dirty="0" smtClean="0">
+              <a:rPr lang="en-US" sz="2500" dirty="0" smtClean="0">
                 <a:latin typeface="+mn-lt"/>
               </a:rPr>
               <a:t>curves.</a:t>
@@ -6381,7 +6438,7 @@
                   </a:spcBef>
                 </a:pPr>
                 <a:r>
-                  <a:rPr lang="en-US" sz="2400" dirty="0" smtClean="0">
+                  <a:rPr lang="en-US" sz="2500" dirty="0" smtClean="0">
                     <a:solidFill>
                       <a:srgbClr val="000000"/>
                     </a:solidFill>
@@ -6390,7 +6447,7 @@
                   <a:t>These are 84 growth curves of two different yeast species (</a:t>
                 </a:r>
                 <a:r>
-                  <a:rPr lang="en-US" sz="2400" dirty="0" smtClean="0">
+                  <a:rPr lang="en-US" sz="2500" dirty="0" smtClean="0">
                     <a:solidFill>
                       <a:srgbClr val="FF0000"/>
                     </a:solidFill>
@@ -6399,7 +6456,7 @@
                   <a:t>red</a:t>
                 </a:r>
                 <a:r>
-                  <a:rPr lang="en-US" sz="2400" dirty="0" smtClean="0">
+                  <a:rPr lang="en-US" sz="2500" dirty="0" smtClean="0">
                     <a:solidFill>
                       <a:srgbClr val="000000"/>
                     </a:solidFill>
@@ -6408,7 +6465,7 @@
                   <a:t> and </a:t>
                 </a:r>
                 <a:r>
-                  <a:rPr lang="en-US" sz="2400" dirty="0" smtClean="0">
+                  <a:rPr lang="en-US" sz="2500" dirty="0" smtClean="0">
                     <a:solidFill>
                       <a:srgbClr val="00B050"/>
                     </a:solidFill>
@@ -6417,7 +6474,7 @@
                   <a:t>green</a:t>
                 </a:r>
                 <a:r>
-                  <a:rPr lang="en-US" sz="2400" dirty="0" smtClean="0">
+                  <a:rPr lang="en-US" sz="2500" dirty="0" smtClean="0">
                     <a:solidFill>
                       <a:srgbClr val="000000"/>
                     </a:solidFill>
@@ -6774,13 +6831,7 @@
                         <a:rPr lang="en-US" altLang="he-IL" sz="2500" b="0" i="1" smtClean="0">
                           <a:latin typeface="Cambria Math"/>
                         </a:rPr>
-                        <m:t>,</m:t>
-                      </m:r>
-                      <m:r>
-                        <a:rPr lang="en-US" altLang="he-IL" sz="2500" b="0" i="1" smtClean="0">
-                          <a:latin typeface="Cambria Math"/>
-                        </a:rPr>
-                        <m:t>  </m:t>
+                        <m:t>,  </m:t>
                       </m:r>
                       <m:r>
                         <a:rPr lang="en-US" sz="2500" b="0" i="1" smtClean="0">
@@ -7391,220 +7442,160 @@
             </a:r>
           </a:p>
           <a:p>
+            <a:pPr algn="just" eaLnBrk="1" hangingPunct="1">
+              <a:spcBef>
+                <a:spcPct val="50000"/>
+              </a:spcBef>
+            </a:pPr>
+            <a:r>
+              <a:rPr lang="en-GB" sz="2500" dirty="0" smtClean="0">
+                <a:latin typeface="Times New Roman" pitchFamily="18" charset="0"/>
+              </a:rPr>
+              <a:t>We thank I. Ben-Zion, L</a:t>
+            </a:r>
+            <a:r>
+              <a:rPr lang="en-GB" sz="2500" dirty="0">
+                <a:latin typeface="Times New Roman" pitchFamily="18" charset="0"/>
+              </a:rPr>
+              <a:t>. </a:t>
+            </a:r>
+            <a:r>
+              <a:rPr lang="en-GB" sz="2500" dirty="0" err="1" smtClean="0">
+                <a:latin typeface="Times New Roman" pitchFamily="18" charset="0"/>
+              </a:rPr>
+              <a:t>Zelcbuch</a:t>
+            </a:r>
+            <a:r>
+              <a:rPr lang="en-GB" sz="2500" dirty="0" smtClean="0">
+                <a:latin typeface="Times New Roman" pitchFamily="18" charset="0"/>
+              </a:rPr>
+              <a:t>, Y</a:t>
+            </a:r>
+            <a:r>
+              <a:rPr lang="en-GB" sz="2500" dirty="0">
+                <a:latin typeface="Times New Roman" pitchFamily="18" charset="0"/>
+              </a:rPr>
+              <a:t>. </a:t>
+            </a:r>
+            <a:r>
+              <a:rPr lang="en-GB" sz="2500" dirty="0" err="1">
+                <a:latin typeface="Times New Roman" pitchFamily="18" charset="0"/>
+              </a:rPr>
+              <a:t>Pilpel</a:t>
+            </a:r>
+            <a:r>
+              <a:rPr lang="en-GB" sz="2500" dirty="0">
+                <a:latin typeface="Times New Roman" pitchFamily="18" charset="0"/>
+              </a:rPr>
+              <a:t>, D. </a:t>
+            </a:r>
+            <a:r>
+              <a:rPr lang="en-GB" sz="2500" dirty="0" err="1">
+                <a:latin typeface="Times New Roman" pitchFamily="18" charset="0"/>
+              </a:rPr>
+              <a:t>Hizi</a:t>
+            </a:r>
+            <a:r>
+              <a:rPr lang="en-GB" sz="2500" dirty="0">
+                <a:latin typeface="Times New Roman" pitchFamily="18" charset="0"/>
+              </a:rPr>
+              <a:t>, I. </a:t>
+            </a:r>
+            <a:r>
+              <a:rPr lang="en-GB" sz="2500" dirty="0" err="1">
+                <a:latin typeface="Times New Roman" pitchFamily="18" charset="0"/>
+              </a:rPr>
+              <a:t>Frumkin</a:t>
+            </a:r>
+            <a:r>
+              <a:rPr lang="en-GB" sz="2500" dirty="0">
+                <a:latin typeface="Times New Roman" pitchFamily="18" charset="0"/>
+              </a:rPr>
+              <a:t>, O. </a:t>
+            </a:r>
+            <a:r>
+              <a:rPr lang="en-GB" sz="2500" dirty="0" err="1">
+                <a:latin typeface="Times New Roman" pitchFamily="18" charset="0"/>
+              </a:rPr>
+              <a:t>Dahan</a:t>
+            </a:r>
+            <a:r>
+              <a:rPr lang="en-GB" sz="2500" dirty="0">
+                <a:latin typeface="Times New Roman" pitchFamily="18" charset="0"/>
+              </a:rPr>
+              <a:t>, and A. </a:t>
+            </a:r>
+            <a:r>
+              <a:rPr lang="en-GB" sz="2500" dirty="0" err="1">
+                <a:latin typeface="Times New Roman" pitchFamily="18" charset="0"/>
+              </a:rPr>
+              <a:t>Yona</a:t>
+            </a:r>
+            <a:r>
+              <a:rPr lang="en-GB" sz="2500" dirty="0">
+                <a:latin typeface="Times New Roman" pitchFamily="18" charset="0"/>
+              </a:rPr>
+              <a:t> for sharing </a:t>
+            </a:r>
+            <a:r>
+              <a:rPr lang="en-GB" sz="2500" dirty="0" smtClean="0">
+                <a:latin typeface="Times New Roman" pitchFamily="18" charset="0"/>
+              </a:rPr>
+              <a:t>materials, data</a:t>
+            </a:r>
+            <a:r>
+              <a:rPr lang="en-GB" sz="2500" dirty="0">
+                <a:latin typeface="Times New Roman" pitchFamily="18" charset="0"/>
+              </a:rPr>
+              <a:t>, impressions, and ideas; </a:t>
+            </a:r>
+            <a:r>
+              <a:rPr lang="en-GB" sz="2500" dirty="0" smtClean="0">
+                <a:latin typeface="Times New Roman" pitchFamily="18" charset="0"/>
+              </a:rPr>
+              <a:t>N. Wertheimer, A. Rosenberg, A</a:t>
+            </a:r>
+            <a:r>
+              <a:rPr lang="en-GB" sz="2500" dirty="0">
+                <a:latin typeface="Times New Roman" pitchFamily="18" charset="0"/>
+              </a:rPr>
+              <a:t>. </a:t>
+            </a:r>
+            <a:r>
+              <a:rPr lang="en-GB" sz="2500" dirty="0" err="1" smtClean="0">
+                <a:latin typeface="Times New Roman" pitchFamily="18" charset="0"/>
+              </a:rPr>
+              <a:t>Zisman</a:t>
+            </a:r>
+            <a:r>
+              <a:rPr lang="en-GB" sz="2500" dirty="0" smtClean="0">
+                <a:latin typeface="Times New Roman" pitchFamily="18" charset="0"/>
+              </a:rPr>
+              <a:t>, F. Yang, and E. </a:t>
+            </a:r>
+            <a:r>
+              <a:rPr lang="en-GB" sz="2500" dirty="0" err="1" smtClean="0">
+                <a:latin typeface="Times New Roman" pitchFamily="18" charset="0"/>
+              </a:rPr>
+              <a:t>Shtifman</a:t>
+            </a:r>
+            <a:r>
+              <a:rPr lang="en-GB" sz="2500" dirty="0" smtClean="0">
+                <a:latin typeface="Times New Roman" pitchFamily="18" charset="0"/>
+              </a:rPr>
+              <a:t> Segal for generous help in the wet lab. </a:t>
+            </a:r>
+            <a:endParaRPr lang="en-GB" sz="2500" dirty="0">
+              <a:latin typeface="Times New Roman" pitchFamily="18" charset="0"/>
+            </a:endParaRPr>
+          </a:p>
+          <a:p>
             <a:pPr eaLnBrk="1" hangingPunct="1">
               <a:spcBef>
                 <a:spcPct val="50000"/>
               </a:spcBef>
             </a:pPr>
-            <a:r>
-              <a:rPr lang="en-GB" sz="2400" dirty="0" err="1"/>
-              <a:t>Aliquam</a:t>
-            </a:r>
-            <a:r>
-              <a:rPr lang="en-GB" sz="2400" dirty="0"/>
-              <a:t> </a:t>
-            </a:r>
-            <a:r>
-              <a:rPr lang="en-GB" sz="2400" dirty="0" err="1"/>
-              <a:t>ut</a:t>
-            </a:r>
-            <a:r>
-              <a:rPr lang="en-GB" sz="2400" dirty="0"/>
-              <a:t> </a:t>
-            </a:r>
-            <a:r>
-              <a:rPr lang="en-GB" sz="2400" dirty="0" err="1"/>
-              <a:t>massa</a:t>
-            </a:r>
-            <a:r>
-              <a:rPr lang="en-GB" sz="2400" dirty="0"/>
-              <a:t> in </a:t>
-            </a:r>
-            <a:r>
-              <a:rPr lang="en-GB" sz="2400" dirty="0" err="1"/>
-              <a:t>turpis</a:t>
-            </a:r>
-            <a:r>
-              <a:rPr lang="en-GB" sz="2400" dirty="0"/>
-              <a:t> </a:t>
-            </a:r>
-            <a:r>
-              <a:rPr lang="en-GB" sz="2400" dirty="0" err="1"/>
-              <a:t>dapibus</a:t>
-            </a:r>
-            <a:r>
-              <a:rPr lang="en-GB" sz="2400" dirty="0"/>
-              <a:t> </a:t>
-            </a:r>
-            <a:r>
-              <a:rPr lang="en-GB" sz="2400" dirty="0" err="1"/>
-              <a:t>convallis</a:t>
-            </a:r>
-            <a:r>
-              <a:rPr lang="en-GB" sz="2400" dirty="0"/>
-              <a:t>. </a:t>
-            </a:r>
-            <a:r>
-              <a:rPr lang="en-GB" sz="2400" dirty="0" err="1"/>
-              <a:t>Praesent</a:t>
-            </a:r>
-            <a:r>
-              <a:rPr lang="en-GB" sz="2400" dirty="0"/>
-              <a:t> </a:t>
-            </a:r>
-            <a:r>
-              <a:rPr lang="en-GB" sz="2400" dirty="0" err="1"/>
-              <a:t>elit</a:t>
-            </a:r>
-            <a:r>
-              <a:rPr lang="en-GB" sz="2400" dirty="0"/>
-              <a:t> lacus, </a:t>
-            </a:r>
-            <a:r>
-              <a:rPr lang="en-GB" sz="2400" dirty="0" err="1"/>
-              <a:t>vestibulum</a:t>
-            </a:r>
-            <a:r>
-              <a:rPr lang="en-GB" sz="2400" dirty="0"/>
-              <a:t> at </a:t>
-            </a:r>
-            <a:r>
-              <a:rPr lang="en-GB" sz="2400" dirty="0" err="1"/>
-              <a:t>malesuada</a:t>
-            </a:r>
-            <a:r>
-              <a:rPr lang="en-GB" sz="2400" dirty="0"/>
-              <a:t> et, </a:t>
-            </a:r>
-            <a:r>
-              <a:rPr lang="en-GB" sz="2400" dirty="0" err="1"/>
-              <a:t>ornare</a:t>
-            </a:r>
-            <a:r>
-              <a:rPr lang="en-GB" sz="2400" dirty="0"/>
-              <a:t> et est. </a:t>
-            </a:r>
-            <a:r>
-              <a:rPr lang="en-GB" sz="2400" dirty="0" err="1"/>
-              <a:t>Ut</a:t>
-            </a:r>
-            <a:r>
-              <a:rPr lang="en-GB" sz="2400" dirty="0"/>
-              <a:t> </a:t>
-            </a:r>
-            <a:r>
-              <a:rPr lang="en-GB" sz="2400" dirty="0" err="1"/>
-              <a:t>augue</a:t>
-            </a:r>
-            <a:r>
-              <a:rPr lang="en-GB" sz="2400" dirty="0"/>
-              <a:t> </a:t>
-            </a:r>
-            <a:r>
-              <a:rPr lang="en-GB" sz="2400" dirty="0" err="1"/>
-              <a:t>nunc</a:t>
-            </a:r>
-            <a:r>
-              <a:rPr lang="en-GB" sz="2400" dirty="0"/>
-              <a:t>, </a:t>
-            </a:r>
-            <a:r>
-              <a:rPr lang="en-GB" sz="2400" dirty="0" err="1"/>
-              <a:t>sodales</a:t>
-            </a:r>
-            <a:r>
-              <a:rPr lang="en-GB" sz="2400" dirty="0"/>
-              <a:t> </a:t>
-            </a:r>
-            <a:r>
-              <a:rPr lang="en-GB" sz="2400" dirty="0" err="1"/>
-              <a:t>ut</a:t>
-            </a:r>
-            <a:r>
-              <a:rPr lang="en-GB" sz="2400" dirty="0"/>
-              <a:t> </a:t>
-            </a:r>
-            <a:r>
-              <a:rPr lang="en-GB" sz="2400" dirty="0" err="1"/>
-              <a:t>euismod</a:t>
-            </a:r>
-            <a:r>
-              <a:rPr lang="en-GB" sz="2400" dirty="0"/>
-              <a:t> non, </a:t>
-            </a:r>
-            <a:r>
-              <a:rPr lang="en-GB" sz="2400" dirty="0" err="1"/>
-              <a:t>adipiscing</a:t>
-            </a:r>
-            <a:r>
-              <a:rPr lang="en-GB" sz="2400" dirty="0"/>
-              <a:t> vitae </a:t>
-            </a:r>
-            <a:r>
-              <a:rPr lang="en-GB" sz="2400" dirty="0" err="1"/>
-              <a:t>orci</a:t>
-            </a:r>
-            <a:r>
-              <a:rPr lang="en-GB" sz="2400" dirty="0"/>
-              <a:t>. </a:t>
-            </a:r>
-            <a:r>
-              <a:rPr lang="en-GB" sz="2400" dirty="0" err="1"/>
-              <a:t>Mauris</a:t>
-            </a:r>
-            <a:r>
-              <a:rPr lang="en-GB" sz="2400" dirty="0"/>
-              <a:t> </a:t>
-            </a:r>
-            <a:r>
-              <a:rPr lang="en-GB" sz="2400" dirty="0" err="1"/>
-              <a:t>ut</a:t>
-            </a:r>
-            <a:r>
-              <a:rPr lang="en-GB" sz="2400" dirty="0"/>
-              <a:t> </a:t>
-            </a:r>
-            <a:r>
-              <a:rPr lang="en-GB" sz="2400" dirty="0" err="1"/>
-              <a:t>placerat</a:t>
-            </a:r>
-            <a:r>
-              <a:rPr lang="en-GB" sz="2400" dirty="0"/>
-              <a:t> </a:t>
-            </a:r>
-            <a:r>
-              <a:rPr lang="en-GB" sz="2400" dirty="0" err="1"/>
-              <a:t>justo</a:t>
-            </a:r>
-            <a:r>
-              <a:rPr lang="en-GB" sz="2400" dirty="0"/>
-              <a:t>. </a:t>
-            </a:r>
-            <a:r>
-              <a:rPr lang="en-GB" sz="2400" dirty="0" err="1"/>
-              <a:t>Mauris</a:t>
-            </a:r>
-            <a:r>
-              <a:rPr lang="en-GB" sz="2400" dirty="0"/>
-              <a:t> in </a:t>
-            </a:r>
-            <a:r>
-              <a:rPr lang="en-GB" sz="2400" dirty="0" err="1"/>
-              <a:t>ultricies</a:t>
-            </a:r>
-            <a:r>
-              <a:rPr lang="en-GB" sz="2400" dirty="0"/>
-              <a:t> </a:t>
-            </a:r>
-            <a:r>
-              <a:rPr lang="en-GB" sz="2400" dirty="0" err="1"/>
-              <a:t>enim</a:t>
-            </a:r>
-            <a:r>
-              <a:rPr lang="en-GB" sz="2400" dirty="0"/>
-              <a:t>. </a:t>
-            </a:r>
-            <a:endParaRPr lang="en-US" altLang="he-IL" sz="2500" dirty="0">
+            <a:endParaRPr lang="en-GB" sz="2500" dirty="0">
               <a:latin typeface="Times New Roman" pitchFamily="18" charset="0"/>
             </a:endParaRPr>
           </a:p>
@@ -7623,7 +7614,7 @@
             <p:spPr bwMode="auto">
               <a:xfrm>
                 <a:off x="10942638" y="7550150"/>
-                <a:ext cx="8458200" cy="10478295"/>
+                <a:ext cx="8458200" cy="10671816"/>
               </a:xfrm>
               <a:prstGeom prst="rect">
                 <a:avLst/>
@@ -7802,25 +7793,25 @@
                   </a:spcBef>
                 </a:pPr>
                 <a:r>
-                  <a:rPr lang="en-US" sz="2400" dirty="0">
+                  <a:rPr lang="en-US" sz="2500" dirty="0">
                     <a:latin typeface="+mn-lt"/>
                   </a:rPr>
                   <a:t>Competitions will be simulated by integrating a two-species ordinary differential equation (ODE). We assume that the only interaction between strains in </a:t>
                 </a:r>
                 <a:r>
-                  <a:rPr lang="en-US" sz="2400" b="1" dirty="0">
+                  <a:rPr lang="en-US" sz="2500" b="1" dirty="0">
                     <a:latin typeface="+mn-lt"/>
                   </a:rPr>
                   <a:t>resource competition</a:t>
                 </a:r>
                 <a:r>
-                  <a:rPr lang="en-US" sz="2400" baseline="30000" dirty="0">
+                  <a:rPr lang="en-US" sz="2500" baseline="30000" dirty="0">
                     <a:latin typeface="+mn-lt"/>
                   </a:rPr>
                   <a:t>2,4</a:t>
                 </a:r>
                 <a:r>
-                  <a:rPr lang="en-US" sz="2400" dirty="0">
+                  <a:rPr lang="en-US" sz="2500" dirty="0">
                     <a:latin typeface="+mn-lt"/>
                   </a:rPr>
                   <a:t>.</a:t>
@@ -7833,7 +7824,7 @@
                   </a:spcBef>
                 </a:pPr>
                 <a:r>
-                  <a:rPr lang="en-US" sz="2400" dirty="0" smtClean="0">
+                  <a:rPr lang="en-US" sz="2500" dirty="0" smtClean="0">
                     <a:latin typeface="+mn-lt"/>
                   </a:rPr>
                   <a:t>For example, the </a:t>
@@ -8111,7 +8102,10 @@
                                         </m:e>
                                         <m:sub>
                                           <m:r>
-                                            <a:rPr lang="en-US" altLang="he-IL" sz="3200" i="1">
+                                            <a:rPr lang="en-US" altLang="he-IL" sz="3200" i="1" smtClean="0">
+                                              <a:solidFill>
+                                                <a:srgbClr val="00B050"/>
+                                              </a:solidFill>
                                               <a:latin typeface="Cambria Math"/>
                                             </a:rPr>
                                             <m:t>𝐺</m:t>
@@ -8142,7 +8136,10 @@
                                         </m:e>
                                         <m:sub>
                                           <m:r>
-                                            <a:rPr lang="en-US" altLang="he-IL" sz="3200" i="1">
+                                            <a:rPr lang="en-US" altLang="he-IL" sz="3200" i="1" smtClean="0">
+                                              <a:solidFill>
+                                                <a:srgbClr val="FF0000"/>
+                                              </a:solidFill>
                                               <a:latin typeface="Cambria Math"/>
                                             </a:rPr>
                                             <m:t>𝑅</m:t>
@@ -8243,7 +8240,7 @@
             <p:spPr bwMode="auto">
               <a:xfrm>
                 <a:off x="10942638" y="7550150"/>
-                <a:ext cx="8458200" cy="10478295"/>
+                <a:ext cx="8458200" cy="10671816"/>
               </a:xfrm>
               <a:prstGeom prst="rect">
                 <a:avLst/>
@@ -9796,6 +9793,7 @@
             </a:lvl1pPr>
           </a:lstStyle>
           <a:p>
+            <a:pPr algn="l"/>
             <a:r>
               <a:rPr lang="en-US" sz="2800" dirty="0" smtClean="0">
                 <a:latin typeface="Arial"/>
@@ -9809,6 +9807,7 @@
             </a:r>
           </a:p>
           <a:p>
+            <a:pPr algn="r"/>
             <a:r>
               <a:rPr lang="en-US" sz="2800" dirty="0" smtClean="0"/>
               <a:t>curveball.yoavram.com</a:t>
@@ -11773,7 +11772,7 @@
         </p:blipFill>
         <p:spPr bwMode="auto">
           <a:xfrm>
-            <a:off x="1630800" y="28544918"/>
+            <a:off x="1630800" y="28624432"/>
             <a:ext cx="7748588" cy="5297488"/>
           </a:xfrm>
           <a:prstGeom prst="rect">
@@ -11931,8 +11930,8 @@
           </a:fontRef>
         </p:style>
       </p:cxnSp>
-      <mc:AlternateContent xmlns:mc="http://schemas.openxmlformats.org/markup-compatibility/2006">
-        <mc:Choice xmlns:a14="http://schemas.microsoft.com/office/drawing/2010/main" Requires="a14">
+      <mc:AlternateContent xmlns:mc="http://schemas.openxmlformats.org/markup-compatibility/2006" xmlns:a14="http://schemas.microsoft.com/office/drawing/2010/main">
+        <mc:Choice Requires="a14">
           <p:sp>
             <p:nvSpPr>
               <p:cNvPr id="14" name="Rectangle 13"/>
@@ -12127,7 +12126,7 @@
             </p:txBody>
           </p:sp>
         </mc:Choice>
-        <mc:Fallback>
+        <mc:Fallback xmlns="">
           <p:sp>
             <p:nvSpPr>
               <p:cNvPr id="14" name="Rectangle 13"/>
@@ -12166,6 +12165,183 @@
           </p:sp>
         </mc:Fallback>
       </mc:AlternateContent>
+      <p:sp>
+        <p:nvSpPr>
+          <p:cNvPr id="61" name="Text Box 16"/>
+          <p:cNvSpPr txBox="1">
+            <a:spLocks noChangeArrowheads="1"/>
+          </p:cNvSpPr>
+          <p:nvPr/>
+        </p:nvSpPr>
+        <p:spPr bwMode="auto">
+          <a:xfrm>
+            <a:off x="20530755" y="30768782"/>
+            <a:ext cx="8458200" cy="3311668"/>
+          </a:xfrm>
+          <a:prstGeom prst="rect">
+            <a:avLst/>
+          </a:prstGeom>
+          <a:solidFill>
+            <a:schemeClr val="bg1"/>
+          </a:solidFill>
+          <a:ln w="38100">
+            <a:solidFill>
+              <a:srgbClr val="000000"/>
+            </a:solidFill>
+            <a:round/>
+            <a:headEnd/>
+            <a:tailEnd/>
+          </a:ln>
+        </p:spPr>
+        <p:txBody>
+          <a:bodyPr lIns="802806" tIns="401404" rIns="802806" bIns="802806"/>
+          <a:lstStyle>
+            <a:lvl1pPr eaLnBrk="0" hangingPunct="0">
+              <a:defRPr sz="2800">
+                <a:solidFill>
+                  <a:schemeClr val="tx1"/>
+                </a:solidFill>
+                <a:latin typeface="Helvetica" pitchFamily="124" charset="0"/>
+                <a:ea typeface="MS PGothic" pitchFamily="34" charset="-128"/>
+              </a:defRPr>
+            </a:lvl1pPr>
+            <a:lvl2pPr marL="742950" indent="-285750" eaLnBrk="0" hangingPunct="0">
+              <a:defRPr sz="2800">
+                <a:solidFill>
+                  <a:schemeClr val="tx1"/>
+                </a:solidFill>
+                <a:latin typeface="Helvetica" pitchFamily="124" charset="0"/>
+                <a:ea typeface="MS PGothic" pitchFamily="34" charset="-128"/>
+              </a:defRPr>
+            </a:lvl2pPr>
+            <a:lvl3pPr marL="1143000" indent="-228600" eaLnBrk="0" hangingPunct="0">
+              <a:defRPr sz="2800">
+                <a:solidFill>
+                  <a:schemeClr val="tx1"/>
+                </a:solidFill>
+                <a:latin typeface="Helvetica" pitchFamily="124" charset="0"/>
+                <a:ea typeface="MS PGothic" pitchFamily="34" charset="-128"/>
+              </a:defRPr>
+            </a:lvl3pPr>
+            <a:lvl4pPr marL="1600200" indent="-228600" eaLnBrk="0" hangingPunct="0">
+              <a:defRPr sz="2800">
+                <a:solidFill>
+                  <a:schemeClr val="tx1"/>
+                </a:solidFill>
+                <a:latin typeface="Helvetica" pitchFamily="124" charset="0"/>
+                <a:ea typeface="MS PGothic" pitchFamily="34" charset="-128"/>
+              </a:defRPr>
+            </a:lvl4pPr>
+            <a:lvl5pPr marL="2057400" indent="-228600" eaLnBrk="0" hangingPunct="0">
+              <a:defRPr sz="2800">
+                <a:solidFill>
+                  <a:schemeClr val="tx1"/>
+                </a:solidFill>
+                <a:latin typeface="Helvetica" pitchFamily="124" charset="0"/>
+                <a:ea typeface="MS PGothic" pitchFamily="34" charset="-128"/>
+              </a:defRPr>
+            </a:lvl5pPr>
+            <a:lvl6pPr marL="2514600" indent="-228600" algn="l" rtl="0" eaLnBrk="0" fontAlgn="base" hangingPunct="0">
+              <a:spcBef>
+                <a:spcPct val="0"/>
+              </a:spcBef>
+              <a:spcAft>
+                <a:spcPct val="0"/>
+              </a:spcAft>
+              <a:defRPr sz="2800">
+                <a:solidFill>
+                  <a:schemeClr val="tx1"/>
+                </a:solidFill>
+                <a:latin typeface="Helvetica" pitchFamily="124" charset="0"/>
+                <a:ea typeface="MS PGothic" pitchFamily="34" charset="-128"/>
+              </a:defRPr>
+            </a:lvl6pPr>
+            <a:lvl7pPr marL="2971800" indent="-228600" algn="l" rtl="0" eaLnBrk="0" fontAlgn="base" hangingPunct="0">
+              <a:spcBef>
+                <a:spcPct val="0"/>
+              </a:spcBef>
+              <a:spcAft>
+                <a:spcPct val="0"/>
+              </a:spcAft>
+              <a:defRPr sz="2800">
+                <a:solidFill>
+                  <a:schemeClr val="tx1"/>
+                </a:solidFill>
+                <a:latin typeface="Helvetica" pitchFamily="124" charset="0"/>
+                <a:ea typeface="MS PGothic" pitchFamily="34" charset="-128"/>
+              </a:defRPr>
+            </a:lvl7pPr>
+            <a:lvl8pPr marL="3429000" indent="-228600" algn="l" rtl="0" eaLnBrk="0" fontAlgn="base" hangingPunct="0">
+              <a:spcBef>
+                <a:spcPct val="0"/>
+              </a:spcBef>
+              <a:spcAft>
+                <a:spcPct val="0"/>
+              </a:spcAft>
+              <a:defRPr sz="2800">
+                <a:solidFill>
+                  <a:schemeClr val="tx1"/>
+                </a:solidFill>
+                <a:latin typeface="Helvetica" pitchFamily="124" charset="0"/>
+                <a:ea typeface="MS PGothic" pitchFamily="34" charset="-128"/>
+              </a:defRPr>
+            </a:lvl8pPr>
+            <a:lvl9pPr marL="3886200" indent="-228600" algn="l" rtl="0" eaLnBrk="0" fontAlgn="base" hangingPunct="0">
+              <a:spcBef>
+                <a:spcPct val="0"/>
+              </a:spcBef>
+              <a:spcAft>
+                <a:spcPct val="0"/>
+              </a:spcAft>
+              <a:defRPr sz="2800">
+                <a:solidFill>
+                  <a:schemeClr val="tx1"/>
+                </a:solidFill>
+                <a:latin typeface="Helvetica" pitchFamily="124" charset="0"/>
+                <a:ea typeface="MS PGothic" pitchFamily="34" charset="-128"/>
+              </a:defRPr>
+            </a:lvl9pPr>
+          </a:lstStyle>
+          <a:p>
+            <a:pPr eaLnBrk="1" hangingPunct="1">
+              <a:spcBef>
+                <a:spcPct val="50000"/>
+              </a:spcBef>
+            </a:pPr>
+            <a:r>
+              <a:rPr lang="en-US" altLang="he-IL" sz="3900" b="1" dirty="0" smtClean="0">
+                <a:solidFill>
+                  <a:srgbClr val="000000"/>
+                </a:solidFill>
+                <a:latin typeface="Calibri" pitchFamily="34" charset="0"/>
+              </a:rPr>
+              <a:t>Summary</a:t>
+            </a:r>
+            <a:endParaRPr lang="en-US" altLang="he-IL" sz="3900" b="1" dirty="0" smtClean="0">
+              <a:solidFill>
+                <a:srgbClr val="000000"/>
+              </a:solidFill>
+              <a:latin typeface="Calibri" pitchFamily="34" charset="0"/>
+            </a:endParaRPr>
+          </a:p>
+          <a:p>
+            <a:pPr indent="180000" eaLnBrk="1" hangingPunct="1">
+              <a:spcBef>
+                <a:spcPct val="50000"/>
+              </a:spcBef>
+            </a:pPr>
+            <a:r>
+              <a:rPr lang="en-US" sz="2500" dirty="0" smtClean="0">
+                <a:latin typeface="Times New Roman" pitchFamily="18" charset="0"/>
+              </a:rPr>
+              <a:t>Our framework predicts competition assay results and infers selection coefficients, thus improving communication between microbial and theoretical evolutionary biologists and helping to standardize the way fitness is measured and reported in the literature. </a:t>
+            </a:r>
+            <a:endParaRPr lang="en-US" altLang="he-IL" sz="2500" dirty="0">
+              <a:latin typeface="Times New Roman" pitchFamily="18" charset="0"/>
+            </a:endParaRPr>
+          </a:p>
+        </p:txBody>
+      </p:sp>
     </p:spTree>
   </p:cSld>
   <p:clrMapOvr>

--- a/poster.pptx
+++ b/poster.pptx
@@ -4170,6 +4170,16 @@
 <file path=ppt/slides/slide1.xml><?xml version="1.0" encoding="utf-8"?>
 <p:sld xmlns:a="http://schemas.openxmlformats.org/drawingml/2006/main" xmlns:r="http://schemas.openxmlformats.org/officeDocument/2006/relationships" xmlns:p="http://schemas.openxmlformats.org/presentationml/2006/main">
   <p:cSld>
+    <p:bg>
+      <p:bgPr>
+        <a:solidFill>
+          <a:srgbClr val="A3C1BA">
+            <a:alpha val="64000"/>
+          </a:srgbClr>
+        </a:solidFill>
+        <a:effectLst/>
+      </p:bgPr>
+    </p:bg>
     <p:spTree>
       <p:nvGrpSpPr>
         <p:cNvPr id="1" name=""/>
@@ -4184,6 +4194,304 @@
           <a:chExt cx="0" cy="0"/>
         </a:xfrm>
       </p:grpSpPr>
+      <p:sp>
+        <p:nvSpPr>
+          <p:cNvPr id="67" name="Text Box 16"/>
+          <p:cNvSpPr txBox="1">
+            <a:spLocks noChangeArrowheads="1"/>
+          </p:cNvSpPr>
+          <p:nvPr/>
+        </p:nvSpPr>
+        <p:spPr bwMode="auto">
+          <a:xfrm>
+            <a:off x="20530755" y="35783432"/>
+            <a:ext cx="8410239" cy="6113056"/>
+          </a:xfrm>
+          <a:prstGeom prst="rect">
+            <a:avLst/>
+          </a:prstGeom>
+          <a:solidFill>
+            <a:schemeClr val="bg1"/>
+          </a:solidFill>
+          <a:ln w="38100">
+            <a:solidFill>
+              <a:srgbClr val="000000"/>
+            </a:solidFill>
+            <a:round/>
+            <a:headEnd/>
+            <a:tailEnd/>
+          </a:ln>
+        </p:spPr>
+        <p:txBody>
+          <a:bodyPr lIns="802806" tIns="401404" rIns="802806" bIns="802806"/>
+          <a:lstStyle>
+            <a:lvl1pPr eaLnBrk="0" hangingPunct="0">
+              <a:defRPr sz="2800">
+                <a:solidFill>
+                  <a:schemeClr val="tx1"/>
+                </a:solidFill>
+                <a:latin typeface="Helvetica" pitchFamily="124" charset="0"/>
+                <a:ea typeface="MS PGothic" pitchFamily="34" charset="-128"/>
+              </a:defRPr>
+            </a:lvl1pPr>
+            <a:lvl2pPr marL="742950" indent="-285750" eaLnBrk="0" hangingPunct="0">
+              <a:defRPr sz="2800">
+                <a:solidFill>
+                  <a:schemeClr val="tx1"/>
+                </a:solidFill>
+                <a:latin typeface="Helvetica" pitchFamily="124" charset="0"/>
+                <a:ea typeface="MS PGothic" pitchFamily="34" charset="-128"/>
+              </a:defRPr>
+            </a:lvl2pPr>
+            <a:lvl3pPr marL="1143000" indent="-228600" eaLnBrk="0" hangingPunct="0">
+              <a:defRPr sz="2800">
+                <a:solidFill>
+                  <a:schemeClr val="tx1"/>
+                </a:solidFill>
+                <a:latin typeface="Helvetica" pitchFamily="124" charset="0"/>
+                <a:ea typeface="MS PGothic" pitchFamily="34" charset="-128"/>
+              </a:defRPr>
+            </a:lvl3pPr>
+            <a:lvl4pPr marL="1600200" indent="-228600" eaLnBrk="0" hangingPunct="0">
+              <a:defRPr sz="2800">
+                <a:solidFill>
+                  <a:schemeClr val="tx1"/>
+                </a:solidFill>
+                <a:latin typeface="Helvetica" pitchFamily="124" charset="0"/>
+                <a:ea typeface="MS PGothic" pitchFamily="34" charset="-128"/>
+              </a:defRPr>
+            </a:lvl4pPr>
+            <a:lvl5pPr marL="2057400" indent="-228600" eaLnBrk="0" hangingPunct="0">
+              <a:defRPr sz="2800">
+                <a:solidFill>
+                  <a:schemeClr val="tx1"/>
+                </a:solidFill>
+                <a:latin typeface="Helvetica" pitchFamily="124" charset="0"/>
+                <a:ea typeface="MS PGothic" pitchFamily="34" charset="-128"/>
+              </a:defRPr>
+            </a:lvl5pPr>
+            <a:lvl6pPr marL="2514600" indent="-228600" algn="l" rtl="0" eaLnBrk="0" fontAlgn="base" hangingPunct="0">
+              <a:spcBef>
+                <a:spcPct val="0"/>
+              </a:spcBef>
+              <a:spcAft>
+                <a:spcPct val="0"/>
+              </a:spcAft>
+              <a:defRPr sz="2800">
+                <a:solidFill>
+                  <a:schemeClr val="tx1"/>
+                </a:solidFill>
+                <a:latin typeface="Helvetica" pitchFamily="124" charset="0"/>
+                <a:ea typeface="MS PGothic" pitchFamily="34" charset="-128"/>
+              </a:defRPr>
+            </a:lvl6pPr>
+            <a:lvl7pPr marL="2971800" indent="-228600" algn="l" rtl="0" eaLnBrk="0" fontAlgn="base" hangingPunct="0">
+              <a:spcBef>
+                <a:spcPct val="0"/>
+              </a:spcBef>
+              <a:spcAft>
+                <a:spcPct val="0"/>
+              </a:spcAft>
+              <a:defRPr sz="2800">
+                <a:solidFill>
+                  <a:schemeClr val="tx1"/>
+                </a:solidFill>
+                <a:latin typeface="Helvetica" pitchFamily="124" charset="0"/>
+                <a:ea typeface="MS PGothic" pitchFamily="34" charset="-128"/>
+              </a:defRPr>
+            </a:lvl7pPr>
+            <a:lvl8pPr marL="3429000" indent="-228600" algn="l" rtl="0" eaLnBrk="0" fontAlgn="base" hangingPunct="0">
+              <a:spcBef>
+                <a:spcPct val="0"/>
+              </a:spcBef>
+              <a:spcAft>
+                <a:spcPct val="0"/>
+              </a:spcAft>
+              <a:defRPr sz="2800">
+                <a:solidFill>
+                  <a:schemeClr val="tx1"/>
+                </a:solidFill>
+                <a:latin typeface="Helvetica" pitchFamily="124" charset="0"/>
+                <a:ea typeface="MS PGothic" pitchFamily="34" charset="-128"/>
+              </a:defRPr>
+            </a:lvl8pPr>
+            <a:lvl9pPr marL="3886200" indent="-228600" algn="l" rtl="0" eaLnBrk="0" fontAlgn="base" hangingPunct="0">
+              <a:spcBef>
+                <a:spcPct val="0"/>
+              </a:spcBef>
+              <a:spcAft>
+                <a:spcPct val="0"/>
+              </a:spcAft>
+              <a:defRPr sz="2800">
+                <a:solidFill>
+                  <a:schemeClr val="tx1"/>
+                </a:solidFill>
+                <a:latin typeface="Helvetica" pitchFamily="124" charset="0"/>
+                <a:ea typeface="MS PGothic" pitchFamily="34" charset="-128"/>
+              </a:defRPr>
+            </a:lvl9pPr>
+          </a:lstStyle>
+          <a:p>
+            <a:pPr eaLnBrk="1" hangingPunct="1">
+              <a:spcBef>
+                <a:spcPct val="50000"/>
+              </a:spcBef>
+            </a:pPr>
+            <a:endParaRPr lang="en-GB" sz="2500" dirty="0">
+              <a:latin typeface="Times New Roman" pitchFamily="18" charset="0"/>
+            </a:endParaRPr>
+          </a:p>
+        </p:txBody>
+      </p:sp>
+      <p:sp>
+        <p:nvSpPr>
+          <p:cNvPr id="62" name="Text Box 16"/>
+          <p:cNvSpPr txBox="1">
+            <a:spLocks noChangeArrowheads="1"/>
+          </p:cNvSpPr>
+          <p:nvPr/>
+        </p:nvSpPr>
+        <p:spPr bwMode="auto">
+          <a:xfrm>
+            <a:off x="10955768" y="35783839"/>
+            <a:ext cx="8458924" cy="6113056"/>
+          </a:xfrm>
+          <a:prstGeom prst="rect">
+            <a:avLst/>
+          </a:prstGeom>
+          <a:solidFill>
+            <a:schemeClr val="bg1"/>
+          </a:solidFill>
+          <a:ln w="38100">
+            <a:solidFill>
+              <a:srgbClr val="000000"/>
+            </a:solidFill>
+            <a:round/>
+            <a:headEnd/>
+            <a:tailEnd/>
+          </a:ln>
+        </p:spPr>
+        <p:txBody>
+          <a:bodyPr lIns="802806" tIns="401404" rIns="802806" bIns="802806"/>
+          <a:lstStyle>
+            <a:lvl1pPr eaLnBrk="0" hangingPunct="0">
+              <a:defRPr sz="2800">
+                <a:solidFill>
+                  <a:schemeClr val="tx1"/>
+                </a:solidFill>
+                <a:latin typeface="Helvetica" pitchFamily="124" charset="0"/>
+                <a:ea typeface="MS PGothic" pitchFamily="34" charset="-128"/>
+              </a:defRPr>
+            </a:lvl1pPr>
+            <a:lvl2pPr marL="742950" indent="-285750" eaLnBrk="0" hangingPunct="0">
+              <a:defRPr sz="2800">
+                <a:solidFill>
+                  <a:schemeClr val="tx1"/>
+                </a:solidFill>
+                <a:latin typeface="Helvetica" pitchFamily="124" charset="0"/>
+                <a:ea typeface="MS PGothic" pitchFamily="34" charset="-128"/>
+              </a:defRPr>
+            </a:lvl2pPr>
+            <a:lvl3pPr marL="1143000" indent="-228600" eaLnBrk="0" hangingPunct="0">
+              <a:defRPr sz="2800">
+                <a:solidFill>
+                  <a:schemeClr val="tx1"/>
+                </a:solidFill>
+                <a:latin typeface="Helvetica" pitchFamily="124" charset="0"/>
+                <a:ea typeface="MS PGothic" pitchFamily="34" charset="-128"/>
+              </a:defRPr>
+            </a:lvl3pPr>
+            <a:lvl4pPr marL="1600200" indent="-228600" eaLnBrk="0" hangingPunct="0">
+              <a:defRPr sz="2800">
+                <a:solidFill>
+                  <a:schemeClr val="tx1"/>
+                </a:solidFill>
+                <a:latin typeface="Helvetica" pitchFamily="124" charset="0"/>
+                <a:ea typeface="MS PGothic" pitchFamily="34" charset="-128"/>
+              </a:defRPr>
+            </a:lvl4pPr>
+            <a:lvl5pPr marL="2057400" indent="-228600" eaLnBrk="0" hangingPunct="0">
+              <a:defRPr sz="2800">
+                <a:solidFill>
+                  <a:schemeClr val="tx1"/>
+                </a:solidFill>
+                <a:latin typeface="Helvetica" pitchFamily="124" charset="0"/>
+                <a:ea typeface="MS PGothic" pitchFamily="34" charset="-128"/>
+              </a:defRPr>
+            </a:lvl5pPr>
+            <a:lvl6pPr marL="2514600" indent="-228600" algn="l" rtl="0" eaLnBrk="0" fontAlgn="base" hangingPunct="0">
+              <a:spcBef>
+                <a:spcPct val="0"/>
+              </a:spcBef>
+              <a:spcAft>
+                <a:spcPct val="0"/>
+              </a:spcAft>
+              <a:defRPr sz="2800">
+                <a:solidFill>
+                  <a:schemeClr val="tx1"/>
+                </a:solidFill>
+                <a:latin typeface="Helvetica" pitchFamily="124" charset="0"/>
+                <a:ea typeface="MS PGothic" pitchFamily="34" charset="-128"/>
+              </a:defRPr>
+            </a:lvl6pPr>
+            <a:lvl7pPr marL="2971800" indent="-228600" algn="l" rtl="0" eaLnBrk="0" fontAlgn="base" hangingPunct="0">
+              <a:spcBef>
+                <a:spcPct val="0"/>
+              </a:spcBef>
+              <a:spcAft>
+                <a:spcPct val="0"/>
+              </a:spcAft>
+              <a:defRPr sz="2800">
+                <a:solidFill>
+                  <a:schemeClr val="tx1"/>
+                </a:solidFill>
+                <a:latin typeface="Helvetica" pitchFamily="124" charset="0"/>
+                <a:ea typeface="MS PGothic" pitchFamily="34" charset="-128"/>
+              </a:defRPr>
+            </a:lvl7pPr>
+            <a:lvl8pPr marL="3429000" indent="-228600" algn="l" rtl="0" eaLnBrk="0" fontAlgn="base" hangingPunct="0">
+              <a:spcBef>
+                <a:spcPct val="0"/>
+              </a:spcBef>
+              <a:spcAft>
+                <a:spcPct val="0"/>
+              </a:spcAft>
+              <a:defRPr sz="2800">
+                <a:solidFill>
+                  <a:schemeClr val="tx1"/>
+                </a:solidFill>
+                <a:latin typeface="Helvetica" pitchFamily="124" charset="0"/>
+                <a:ea typeface="MS PGothic" pitchFamily="34" charset="-128"/>
+              </a:defRPr>
+            </a:lvl8pPr>
+            <a:lvl9pPr marL="3886200" indent="-228600" algn="l" rtl="0" eaLnBrk="0" fontAlgn="base" hangingPunct="0">
+              <a:spcBef>
+                <a:spcPct val="0"/>
+              </a:spcBef>
+              <a:spcAft>
+                <a:spcPct val="0"/>
+              </a:spcAft>
+              <a:defRPr sz="2800">
+                <a:solidFill>
+                  <a:schemeClr val="tx1"/>
+                </a:solidFill>
+                <a:latin typeface="Helvetica" pitchFamily="124" charset="0"/>
+                <a:ea typeface="MS PGothic" pitchFamily="34" charset="-128"/>
+              </a:defRPr>
+            </a:lvl9pPr>
+          </a:lstStyle>
+          <a:p>
+            <a:pPr eaLnBrk="1" hangingPunct="1">
+              <a:spcBef>
+                <a:spcPct val="50000"/>
+              </a:spcBef>
+            </a:pPr>
+            <a:endParaRPr lang="en-GB" sz="2500" dirty="0">
+              <a:latin typeface="Times New Roman" pitchFamily="18" charset="0"/>
+            </a:endParaRPr>
+          </a:p>
+        </p:txBody>
+      </p:sp>
       <mc:AlternateContent xmlns:mc="http://schemas.openxmlformats.org/markup-compatibility/2006">
         <mc:Choice xmlns:a14="http://schemas.microsoft.com/office/drawing/2010/main" Requires="a14">
           <p:sp>
@@ -4362,7 +4670,7 @@
                 <a:r>
                   <a:rPr lang="en-US" altLang="he-IL" sz="4200" b="1" dirty="0" smtClean="0">
                     <a:solidFill>
-                      <a:srgbClr val="000000"/>
+                      <a:srgbClr val="3B7EB5"/>
                     </a:solidFill>
                     <a:latin typeface="Calibri" pitchFamily="34" charset="0"/>
                   </a:rPr>
@@ -4370,7 +4678,7 @@
                 </a:r>
                 <a:endParaRPr lang="en-US" altLang="he-IL" sz="4200" b="1" dirty="0">
                   <a:solidFill>
-                    <a:srgbClr val="000000"/>
+                    <a:srgbClr val="3B7EB5"/>
                   </a:solidFill>
                   <a:latin typeface="Calibri" pitchFamily="34" charset="0"/>
                 </a:endParaRPr>
@@ -5086,47 +5394,6 @@
           </a:extLst>
         </p:spPr>
       </p:pic>
-      <p:pic>
-        <p:nvPicPr>
-          <p:cNvPr id="1052" name="Picture 28" descr="D:\workspace\curveball_project\gh-pages\img\logo_200px.png"/>
-          <p:cNvPicPr>
-            <a:picLocks noChangeAspect="1" noChangeArrowheads="1"/>
-          </p:cNvPicPr>
-          <p:nvPr/>
-        </p:nvPicPr>
-        <p:blipFill>
-          <a:blip r:embed="rId6">
-            <a:extLst>
-              <a:ext uri="{28A0092B-C50C-407E-A947-70E740481C1C}">
-                <a14:useLocalDpi xmlns:a14="http://schemas.microsoft.com/office/drawing/2010/main" val="0"/>
-              </a:ext>
-            </a:extLst>
-          </a:blip>
-          <a:srcRect/>
-          <a:stretch>
-            <a:fillRect/>
-          </a:stretch>
-        </p:blipFill>
-        <p:spPr bwMode="auto">
-          <a:xfrm>
-            <a:off x="26797871" y="34638641"/>
-            <a:ext cx="2540000" cy="2540000"/>
-          </a:xfrm>
-          <a:prstGeom prst="rect">
-            <a:avLst/>
-          </a:prstGeom>
-          <a:noFill/>
-          <a:extLst>
-            <a:ext uri="{909E8E84-426E-40DD-AFC4-6F175D3DCCD1}">
-              <a14:hiddenFill xmlns:a14="http://schemas.microsoft.com/office/drawing/2010/main">
-                <a:solidFill>
-                  <a:srgbClr val="FFFFFF"/>
-                </a:solidFill>
-              </a14:hiddenFill>
-            </a:ext>
-          </a:extLst>
-        </p:spPr>
-      </p:pic>
       <p:sp>
         <p:nvSpPr>
           <p:cNvPr id="14343" name="Text Box 13"/>
@@ -5300,7 +5567,7 @@
             <a:r>
               <a:rPr lang="en-US" altLang="he-IL" sz="4200" b="1" dirty="0" smtClean="0">
                 <a:solidFill>
-                  <a:srgbClr val="000000"/>
+                  <a:srgbClr val="E02829"/>
                 </a:solidFill>
                 <a:latin typeface="Calibri" pitchFamily="34" charset="0"/>
               </a:rPr>
@@ -5308,7 +5575,7 @@
             </a:r>
             <a:endParaRPr lang="en-US" altLang="he-IL" sz="4200" b="1" dirty="0">
               <a:solidFill>
-                <a:srgbClr val="000000"/>
+                <a:srgbClr val="E02829"/>
               </a:solidFill>
               <a:latin typeface="Calibri" pitchFamily="34" charset="0"/>
             </a:endParaRPr>
@@ -5340,7 +5607,7 @@
             <a:r>
               <a:rPr lang="en-US" altLang="he-IL" sz="2500" dirty="0" smtClean="0">
                 <a:solidFill>
-                  <a:srgbClr val="00B050"/>
+                  <a:srgbClr val="59A754"/>
                 </a:solidFill>
                 <a:latin typeface="Times New Roman" pitchFamily="18" charset="0"/>
               </a:rPr>
@@ -5349,17 +5616,26 @@
             <a:r>
               <a:rPr lang="en-US" altLang="he-IL" sz="2500" dirty="0" smtClean="0">
                 <a:solidFill>
-                  <a:srgbClr val="FF0000"/>
+                  <a:srgbClr val="E02829"/>
                 </a:solidFill>
                 <a:latin typeface="Times New Roman" pitchFamily="18" charset="0"/>
               </a:rPr>
-              <a:t>ately</a:t>
+              <a:t>ately </a:t>
             </a:r>
             <a:r>
               <a:rPr lang="en-US" altLang="he-IL" sz="2500" dirty="0" smtClean="0">
                 <a:latin typeface="Times New Roman" pitchFamily="18" charset="0"/>
               </a:rPr>
-              <a:t> and in </a:t>
+              <a:t>and in </a:t>
+            </a:r>
+            <a:r>
+              <a:rPr lang="en-US" altLang="he-IL" sz="2500" dirty="0" smtClean="0">
+                <a:solidFill>
+                  <a:srgbClr val="3B7EB5"/>
+                </a:solidFill>
+                <a:latin typeface="Times New Roman" pitchFamily="18" charset="0"/>
+              </a:rPr>
+              <a:t>competitions</a:t>
             </a:r>
             <a:r>
               <a:rPr lang="en-US" altLang="he-IL" sz="2500" dirty="0" smtClean="0">
@@ -5368,7 +5644,7 @@
                 </a:solidFill>
                 <a:latin typeface="Times New Roman" pitchFamily="18" charset="0"/>
               </a:rPr>
-              <a:t>competitions </a:t>
+              <a:t> </a:t>
             </a:r>
             <a:r>
               <a:rPr lang="en-US" altLang="he-IL" sz="2500" dirty="0" smtClean="0">
@@ -6043,7 +6319,7 @@
             <a:r>
               <a:rPr lang="en-US" altLang="he-IL" sz="4200" b="1" dirty="0">
                 <a:solidFill>
-                  <a:srgbClr val="000000"/>
+                  <a:srgbClr val="59A754"/>
                 </a:solidFill>
                 <a:latin typeface="Calibri" pitchFamily="34" charset="0"/>
               </a:rPr>
@@ -6424,7 +6700,7 @@
                 <a:r>
                   <a:rPr lang="en-US" altLang="he-IL" sz="4200" b="1" dirty="0">
                     <a:solidFill>
-                      <a:srgbClr val="000000"/>
+                      <a:srgbClr val="59A754"/>
                     </a:solidFill>
                     <a:latin typeface="Calibri" pitchFamily="34" charset="0"/>
                   </a:rPr>
@@ -6449,11 +6725,11 @@
                 <a:r>
                   <a:rPr lang="en-US" sz="2500" dirty="0" smtClean="0">
                     <a:solidFill>
-                      <a:srgbClr val="FF0000"/>
+                      <a:srgbClr val="E02829"/>
                     </a:solidFill>
                     <a:latin typeface="Times New Roman"/>
                   </a:rPr>
-                  <a:t>red</a:t>
+                  <a:t>red </a:t>
                 </a:r>
                 <a:r>
                   <a:rPr lang="en-US" sz="2500" dirty="0" smtClean="0">
@@ -6462,12 +6738,12 @@
                     </a:solidFill>
                     <a:latin typeface="Times New Roman"/>
                   </a:rPr>
-                  <a:t> and </a:t>
+                  <a:t>and </a:t>
                 </a:r>
                 <a:r>
                   <a:rPr lang="en-US" sz="2500" dirty="0" smtClean="0">
                     <a:solidFill>
-                      <a:srgbClr val="00B050"/>
+                      <a:srgbClr val="59A754"/>
                     </a:solidFill>
                     <a:latin typeface="Times New Roman"/>
                   </a:rPr>
@@ -7259,7 +7535,7 @@
                 <a:avLst/>
               </a:prstGeom>
               <a:blipFill rotWithShape="1">
-                <a:blip r:embed="rId7"/>
+                <a:blip r:embed="rId6"/>
                 <a:stretch>
                   <a:fillRect/>
                 </a:stretch>
@@ -7298,8 +7574,8 @@
         </p:nvSpPr>
         <p:spPr bwMode="auto">
           <a:xfrm>
-            <a:off x="10956493" y="35783839"/>
-            <a:ext cx="8458200" cy="3311668"/>
+            <a:off x="11012977" y="35853029"/>
+            <a:ext cx="7409527" cy="3242478"/>
           </a:xfrm>
           <a:prstGeom prst="rect">
             <a:avLst/>
@@ -7308,9 +7584,7 @@
             <a:schemeClr val="bg1"/>
           </a:solidFill>
           <a:ln w="38100">
-            <a:solidFill>
-              <a:srgbClr val="000000"/>
-            </a:solidFill>
+            <a:noFill/>
             <a:round/>
             <a:headEnd/>
             <a:tailEnd/>
@@ -7442,150 +7716,150 @@
             </a:r>
           </a:p>
           <a:p>
-            <a:pPr algn="just" eaLnBrk="1" hangingPunct="1">
+            <a:pPr eaLnBrk="1" hangingPunct="1">
               <a:spcBef>
                 <a:spcPct val="50000"/>
               </a:spcBef>
             </a:pPr>
             <a:r>
-              <a:rPr lang="en-GB" sz="2500" dirty="0" smtClean="0">
+              <a:rPr lang="en-GB" sz="2200" dirty="0" smtClean="0">
                 <a:latin typeface="Times New Roman" pitchFamily="18" charset="0"/>
               </a:rPr>
               <a:t>We thank I. Ben-Zion, L</a:t>
             </a:r>
             <a:r>
-              <a:rPr lang="en-GB" sz="2500" dirty="0">
+              <a:rPr lang="en-GB" sz="2200" dirty="0">
                 <a:latin typeface="Times New Roman" pitchFamily="18" charset="0"/>
               </a:rPr>
               <a:t>. </a:t>
             </a:r>
             <a:r>
-              <a:rPr lang="en-GB" sz="2500" dirty="0" err="1" smtClean="0">
+              <a:rPr lang="en-GB" sz="2200" dirty="0" err="1" smtClean="0">
                 <a:latin typeface="Times New Roman" pitchFamily="18" charset="0"/>
               </a:rPr>
               <a:t>Zelcbuch</a:t>
             </a:r>
             <a:r>
-              <a:rPr lang="en-GB" sz="2500" dirty="0" smtClean="0">
+              <a:rPr lang="en-GB" sz="2200" dirty="0" smtClean="0">
                 <a:latin typeface="Times New Roman" pitchFamily="18" charset="0"/>
               </a:rPr>
               <a:t>, Y</a:t>
             </a:r>
             <a:r>
-              <a:rPr lang="en-GB" sz="2500" dirty="0">
+              <a:rPr lang="en-GB" sz="2200" dirty="0">
                 <a:latin typeface="Times New Roman" pitchFamily="18" charset="0"/>
               </a:rPr>
               <a:t>. </a:t>
             </a:r>
             <a:r>
-              <a:rPr lang="en-GB" sz="2500" dirty="0" err="1">
+              <a:rPr lang="en-GB" sz="2200" dirty="0" err="1">
                 <a:latin typeface="Times New Roman" pitchFamily="18" charset="0"/>
               </a:rPr>
               <a:t>Pilpel</a:t>
             </a:r>
             <a:r>
-              <a:rPr lang="en-GB" sz="2500" dirty="0">
+              <a:rPr lang="en-GB" sz="2200" dirty="0">
                 <a:latin typeface="Times New Roman" pitchFamily="18" charset="0"/>
               </a:rPr>
               <a:t>, D. </a:t>
             </a:r>
             <a:r>
-              <a:rPr lang="en-GB" sz="2500" dirty="0" err="1">
+              <a:rPr lang="en-GB" sz="2200" dirty="0" err="1">
                 <a:latin typeface="Times New Roman" pitchFamily="18" charset="0"/>
               </a:rPr>
               <a:t>Hizi</a:t>
             </a:r>
             <a:r>
-              <a:rPr lang="en-GB" sz="2500" dirty="0">
+              <a:rPr lang="en-GB" sz="2200" dirty="0">
                 <a:latin typeface="Times New Roman" pitchFamily="18" charset="0"/>
               </a:rPr>
               <a:t>, I. </a:t>
             </a:r>
             <a:r>
-              <a:rPr lang="en-GB" sz="2500" dirty="0" err="1">
+              <a:rPr lang="en-GB" sz="2200" dirty="0" err="1">
                 <a:latin typeface="Times New Roman" pitchFamily="18" charset="0"/>
               </a:rPr>
               <a:t>Frumkin</a:t>
             </a:r>
             <a:r>
-              <a:rPr lang="en-GB" sz="2500" dirty="0">
+              <a:rPr lang="en-GB" sz="2200" dirty="0">
                 <a:latin typeface="Times New Roman" pitchFamily="18" charset="0"/>
               </a:rPr>
               <a:t>, O. </a:t>
             </a:r>
             <a:r>
-              <a:rPr lang="en-GB" sz="2500" dirty="0" err="1">
+              <a:rPr lang="en-GB" sz="2200" dirty="0" err="1">
                 <a:latin typeface="Times New Roman" pitchFamily="18" charset="0"/>
               </a:rPr>
               <a:t>Dahan</a:t>
             </a:r>
             <a:r>
-              <a:rPr lang="en-GB" sz="2500" dirty="0">
+              <a:rPr lang="en-GB" sz="2200" dirty="0">
                 <a:latin typeface="Times New Roman" pitchFamily="18" charset="0"/>
               </a:rPr>
               <a:t>, and A. </a:t>
             </a:r>
             <a:r>
-              <a:rPr lang="en-GB" sz="2500" dirty="0" err="1">
+              <a:rPr lang="en-GB" sz="2200" dirty="0" err="1">
                 <a:latin typeface="Times New Roman" pitchFamily="18" charset="0"/>
               </a:rPr>
               <a:t>Yona</a:t>
             </a:r>
             <a:r>
-              <a:rPr lang="en-GB" sz="2500" dirty="0">
+              <a:rPr lang="en-GB" sz="2200" dirty="0">
                 <a:latin typeface="Times New Roman" pitchFamily="18" charset="0"/>
               </a:rPr>
               <a:t> for sharing </a:t>
             </a:r>
             <a:r>
-              <a:rPr lang="en-GB" sz="2500" dirty="0" smtClean="0">
+              <a:rPr lang="en-GB" sz="2200" dirty="0" smtClean="0">
                 <a:latin typeface="Times New Roman" pitchFamily="18" charset="0"/>
               </a:rPr>
               <a:t>materials, data</a:t>
             </a:r>
             <a:r>
-              <a:rPr lang="en-GB" sz="2500" dirty="0">
+              <a:rPr lang="en-GB" sz="2200" dirty="0">
                 <a:latin typeface="Times New Roman" pitchFamily="18" charset="0"/>
               </a:rPr>
               <a:t>, impressions, and ideas; </a:t>
             </a:r>
             <a:r>
-              <a:rPr lang="en-GB" sz="2500" dirty="0" smtClean="0">
+              <a:rPr lang="en-GB" sz="2200" dirty="0" smtClean="0">
                 <a:latin typeface="Times New Roman" pitchFamily="18" charset="0"/>
               </a:rPr>
               <a:t>N. Wertheimer, A. Rosenberg, A</a:t>
             </a:r>
             <a:r>
-              <a:rPr lang="en-GB" sz="2500" dirty="0">
+              <a:rPr lang="en-GB" sz="2200" dirty="0">
                 <a:latin typeface="Times New Roman" pitchFamily="18" charset="0"/>
               </a:rPr>
               <a:t>. </a:t>
             </a:r>
             <a:r>
-              <a:rPr lang="en-GB" sz="2500" dirty="0" err="1" smtClean="0">
+              <a:rPr lang="en-GB" sz="2200" dirty="0" err="1" smtClean="0">
                 <a:latin typeface="Times New Roman" pitchFamily="18" charset="0"/>
               </a:rPr>
               <a:t>Zisman</a:t>
             </a:r>
             <a:r>
-              <a:rPr lang="en-GB" sz="2500" dirty="0" smtClean="0">
+              <a:rPr lang="en-GB" sz="2200" dirty="0" smtClean="0">
                 <a:latin typeface="Times New Roman" pitchFamily="18" charset="0"/>
               </a:rPr>
               <a:t>, F. Yang, and E. </a:t>
             </a:r>
             <a:r>
-              <a:rPr lang="en-GB" sz="2500" dirty="0" err="1" smtClean="0">
+              <a:rPr lang="en-GB" sz="2200" dirty="0" err="1" smtClean="0">
                 <a:latin typeface="Times New Roman" pitchFamily="18" charset="0"/>
               </a:rPr>
               <a:t>Shtifman</a:t>
             </a:r>
             <a:r>
-              <a:rPr lang="en-GB" sz="2500" dirty="0" smtClean="0">
+              <a:rPr lang="en-GB" sz="2200" dirty="0" smtClean="0">
                 <a:latin typeface="Times New Roman" pitchFamily="18" charset="0"/>
               </a:rPr>
               <a:t> Segal for generous help in the wet lab. </a:t>
             </a:r>
-            <a:endParaRPr lang="en-GB" sz="2500" dirty="0">
+            <a:endParaRPr lang="en-GB" sz="2200" dirty="0">
               <a:latin typeface="Times New Roman" pitchFamily="18" charset="0"/>
             </a:endParaRPr>
           </a:p>
@@ -7779,7 +8053,7 @@
                 <a:r>
                   <a:rPr lang="en-US" altLang="he-IL" sz="4200" b="1" dirty="0">
                     <a:solidFill>
-                      <a:srgbClr val="000000"/>
+                      <a:srgbClr val="3B7EB5"/>
                     </a:solidFill>
                     <a:latin typeface="Calibri" pitchFamily="34" charset="0"/>
                   </a:rPr>
@@ -8104,7 +8378,7 @@
                                           <m:r>
                                             <a:rPr lang="en-US" altLang="he-IL" sz="3200" i="1" smtClean="0">
                                               <a:solidFill>
-                                                <a:srgbClr val="00B050"/>
+                                                <a:srgbClr val="59A754"/>
                                               </a:solidFill>
                                               <a:latin typeface="Cambria Math"/>
                                             </a:rPr>
@@ -8138,7 +8412,7 @@
                                           <m:r>
                                             <a:rPr lang="en-US" altLang="he-IL" sz="3200" i="1" smtClean="0">
                                               <a:solidFill>
-                                                <a:srgbClr val="FF0000"/>
+                                                <a:srgbClr val="E02829"/>
                                               </a:solidFill>
                                               <a:latin typeface="Cambria Math"/>
                                             </a:rPr>
@@ -8246,7 +8520,7 @@
                 <a:avLst/>
               </a:prstGeom>
               <a:blipFill rotWithShape="1">
-                <a:blip r:embed="rId8"/>
+                <a:blip r:embed="rId7"/>
                 <a:stretch>
                   <a:fillRect/>
                 </a:stretch>
@@ -8285,8 +8559,8 @@
         </p:nvSpPr>
         <p:spPr bwMode="auto">
           <a:xfrm>
-            <a:off x="1031875" y="4118665"/>
-            <a:ext cx="28194000" cy="1855994"/>
+            <a:off x="1031875" y="4034466"/>
+            <a:ext cx="28194000" cy="1378940"/>
           </a:xfrm>
           <a:prstGeom prst="rect">
             <a:avLst/>
@@ -8436,161 +8710,138 @@
               </a:spcAft>
             </a:pPr>
             <a:r>
-              <a:rPr lang="en-US" altLang="he-IL" sz="5300" b="1" u="sng" dirty="0" err="1" smtClean="0">
+              <a:rPr lang="en-US" altLang="he-IL" sz="5800" b="1" u="sng" dirty="0" smtClean="0">
                 <a:latin typeface="Calibri" pitchFamily="34" charset="0"/>
               </a:rPr>
-              <a:t>Yoav</a:t>
-            </a:r>
-            <a:r>
-              <a:rPr lang="en-US" altLang="he-IL" sz="5300" b="1" u="sng" dirty="0" smtClean="0">
+              <a:t>Yoav </a:t>
+            </a:r>
+            <a:r>
+              <a:rPr lang="en-US" altLang="he-IL" sz="5800" b="1" u="sng" dirty="0" smtClean="0">
                 <a:latin typeface="Calibri" pitchFamily="34" charset="0"/>
               </a:rPr>
-              <a:t> Ram</a:t>
-            </a:r>
-            <a:r>
-              <a:rPr lang="en-US" altLang="he-IL" sz="5300" b="1" baseline="30000" dirty="0" smtClean="0">
+              <a:t>Ram</a:t>
+            </a:r>
+            <a:r>
+              <a:rPr lang="en-US" altLang="he-IL" sz="5800" b="1" baseline="30000" dirty="0" smtClean="0">
                 <a:latin typeface="Calibri" pitchFamily="34" charset="0"/>
               </a:rPr>
-              <a:t>1</a:t>
-            </a:r>
-            <a:r>
-              <a:rPr lang="en-US" altLang="he-IL" sz="5300" b="1" dirty="0" smtClean="0">
+              <a:t>a</a:t>
+            </a:r>
+            <a:r>
+              <a:rPr lang="en-US" altLang="he-IL" sz="5800" b="1" dirty="0" smtClean="0">
                 <a:latin typeface="Calibri" pitchFamily="34" charset="0"/>
               </a:rPr>
               <a:t>, </a:t>
             </a:r>
             <a:r>
-              <a:rPr lang="en-US" altLang="he-IL" sz="5300" b="1" dirty="0" err="1" smtClean="0">
+              <a:rPr lang="en-US" altLang="he-IL" sz="5800" b="1" dirty="0" smtClean="0">
                 <a:latin typeface="Calibri" pitchFamily="34" charset="0"/>
               </a:rPr>
-              <a:t>Eynat</a:t>
-            </a:r>
-            <a:r>
-              <a:rPr lang="en-US" altLang="he-IL" sz="5300" b="1" dirty="0" smtClean="0">
+              <a:t>Eynat </a:t>
+            </a:r>
+            <a:r>
+              <a:rPr lang="en-US" altLang="he-IL" sz="5800" b="1" dirty="0" err="1" smtClean="0">
                 <a:latin typeface="Calibri" pitchFamily="34" charset="0"/>
               </a:rPr>
-              <a:t> Dellus-Gur</a:t>
-            </a:r>
-            <a:r>
-              <a:rPr lang="en-US" altLang="he-IL" sz="5300" b="1" baseline="30000" dirty="0" smtClean="0">
+              <a:t>Dellus-Gur</a:t>
+            </a:r>
+            <a:r>
+              <a:rPr lang="en-US" altLang="he-IL" sz="5800" b="1" baseline="30000" dirty="0" err="1" smtClean="0">
                 <a:latin typeface="Calibri" pitchFamily="34" charset="0"/>
               </a:rPr>
-              <a:t>1</a:t>
-            </a:r>
-            <a:r>
-              <a:rPr lang="en-US" altLang="he-IL" sz="5300" b="1" dirty="0" smtClean="0">
+              <a:t>a</a:t>
+            </a:r>
+            <a:r>
+              <a:rPr lang="en-US" altLang="he-IL" sz="5800" b="1" dirty="0" smtClean="0">
                 <a:latin typeface="Calibri" pitchFamily="34" charset="0"/>
               </a:rPr>
-              <a:t>, Uri Obolski</a:t>
-            </a:r>
-            <a:r>
-              <a:rPr lang="en-US" altLang="he-IL" sz="5300" b="1" baseline="30000" dirty="0" smtClean="0">
+              <a:t>, </a:t>
+            </a:r>
+            <a:r>
+              <a:rPr lang="en-US" altLang="he-IL" sz="5800" b="1" dirty="0" smtClean="0">
                 <a:latin typeface="Calibri" pitchFamily="34" charset="0"/>
               </a:rPr>
-              <a:t>1</a:t>
-            </a:r>
-            <a:r>
-              <a:rPr lang="en-US" altLang="he-IL" sz="5300" b="1" dirty="0" smtClean="0">
+              <a:t>Uri </a:t>
+            </a:r>
+            <a:r>
+              <a:rPr lang="en-US" altLang="he-IL" sz="5800" b="1" dirty="0" err="1" smtClean="0">
                 <a:latin typeface="Calibri" pitchFamily="34" charset="0"/>
               </a:rPr>
+              <a:t>Obolska</a:t>
+            </a:r>
+            <a:r>
+              <a:rPr lang="en-US" altLang="he-IL" sz="5800" b="1" dirty="0" smtClean="0">
+                <a:latin typeface="Calibri" pitchFamily="34" charset="0"/>
+              </a:rPr>
               <a:t>, </a:t>
             </a:r>
             <a:r>
-              <a:rPr lang="en-US" altLang="he-IL" sz="5300" b="1" dirty="0" err="1" smtClean="0">
+              <a:rPr lang="en-US" altLang="he-IL" sz="5800" b="1" dirty="0" smtClean="0">
                 <a:latin typeface="Calibri" pitchFamily="34" charset="0"/>
               </a:rPr>
-              <a:t>Maayan</a:t>
-            </a:r>
-            <a:r>
-              <a:rPr lang="en-US" altLang="he-IL" sz="5300" b="1" dirty="0" smtClean="0">
+              <a:t>Maayan </a:t>
+            </a:r>
+            <a:r>
+              <a:rPr lang="en-US" altLang="he-IL" sz="5800" b="1" dirty="0" err="1" smtClean="0">
                 <a:latin typeface="Calibri" pitchFamily="34" charset="0"/>
               </a:rPr>
-              <a:t> Bibi</a:t>
-            </a:r>
-            <a:r>
-              <a:rPr lang="en-US" altLang="he-IL" sz="5300" b="1" baseline="30000" dirty="0" smtClean="0">
+              <a:t>Bibi</a:t>
+            </a:r>
+            <a:r>
+              <a:rPr lang="en-US" altLang="he-IL" sz="5800" b="1" baseline="30000" dirty="0" err="1" smtClean="0">
                 <a:latin typeface="Calibri" pitchFamily="34" charset="0"/>
               </a:rPr>
-              <a:t>2</a:t>
-            </a:r>
-            <a:r>
-              <a:rPr lang="en-US" altLang="he-IL" sz="5300" b="1" dirty="0" smtClean="0">
+              <a:t>b</a:t>
+            </a:r>
+            <a:r>
+              <a:rPr lang="en-US" altLang="he-IL" sz="5800" b="1" dirty="0" smtClean="0">
                 <a:latin typeface="Calibri" pitchFamily="34" charset="0"/>
               </a:rPr>
-              <a:t>, Judith Berman</a:t>
-            </a:r>
-            <a:r>
-              <a:rPr lang="en-US" altLang="he-IL" sz="5300" b="1" baseline="30000" dirty="0" smtClean="0">
+              <a:t>, </a:t>
+            </a:r>
+            <a:r>
+              <a:rPr lang="en-US" altLang="he-IL" sz="5800" b="1" dirty="0" smtClean="0">
                 <a:latin typeface="Calibri" pitchFamily="34" charset="0"/>
               </a:rPr>
-              <a:t>2</a:t>
-            </a:r>
-            <a:r>
-              <a:rPr lang="en-US" altLang="he-IL" sz="5300" b="1" dirty="0" smtClean="0">
+              <a:t>Judith </a:t>
+            </a:r>
+            <a:r>
+              <a:rPr lang="en-US" altLang="he-IL" sz="5800" b="1" dirty="0" err="1" smtClean="0">
                 <a:latin typeface="Calibri" pitchFamily="34" charset="0"/>
               </a:rPr>
+              <a:t>Berman</a:t>
+            </a:r>
+            <a:r>
+              <a:rPr lang="en-US" altLang="he-IL" sz="5800" b="1" baseline="30000" dirty="0" err="1" smtClean="0">
+                <a:latin typeface="Calibri" pitchFamily="34" charset="0"/>
+              </a:rPr>
+              <a:t>b</a:t>
+            </a:r>
+            <a:r>
+              <a:rPr lang="en-US" altLang="he-IL" sz="5800" b="1" dirty="0" smtClean="0">
+                <a:latin typeface="Calibri" pitchFamily="34" charset="0"/>
+              </a:rPr>
               <a:t>, </a:t>
             </a:r>
             <a:r>
-              <a:rPr lang="en-US" altLang="he-IL" sz="5300" b="1" dirty="0" err="1" smtClean="0">
+              <a:rPr lang="en-US" altLang="he-IL" sz="5800" b="1" dirty="0" smtClean="0">
                 <a:latin typeface="Calibri" pitchFamily="34" charset="0"/>
               </a:rPr>
-              <a:t>Lilach</a:t>
-            </a:r>
-            <a:r>
-              <a:rPr lang="en-US" altLang="he-IL" sz="5300" b="1" dirty="0" smtClean="0">
+              <a:t>Lilach </a:t>
+            </a:r>
+            <a:r>
+              <a:rPr lang="en-US" altLang="he-IL" sz="5800" b="1" dirty="0" err="1" smtClean="0">
                 <a:latin typeface="Calibri" pitchFamily="34" charset="0"/>
               </a:rPr>
-              <a:t> Hadany</a:t>
-            </a:r>
-            <a:r>
-              <a:rPr lang="en-US" altLang="he-IL" sz="5300" b="1" baseline="30000" dirty="0" smtClean="0">
+              <a:t>Hadany</a:t>
+            </a:r>
+            <a:r>
+              <a:rPr lang="en-US" altLang="he-IL" sz="5800" b="1" baseline="30000" dirty="0" err="1" smtClean="0">
                 <a:latin typeface="Calibri" pitchFamily="34" charset="0"/>
               </a:rPr>
-              <a:t>1</a:t>
-            </a:r>
-            <a:r>
-              <a:rPr lang="en-US" altLang="he-IL" sz="5300" b="1" dirty="0" smtClean="0">
-                <a:latin typeface="Calibri" pitchFamily="34" charset="0"/>
-              </a:rPr>
-              <a:t/>
-            </a:r>
-            <a:br>
-              <a:rPr lang="en-US" altLang="he-IL" sz="5300" b="1" dirty="0" smtClean="0">
-                <a:latin typeface="Calibri" pitchFamily="34" charset="0"/>
-              </a:rPr>
-            </a:br>
-            <a:r>
-              <a:rPr lang="en-US" altLang="he-IL" sz="3600" spc="100" dirty="0" smtClean="0">
-                <a:latin typeface="Calibri" pitchFamily="34" charset="0"/>
-              </a:rPr>
-              <a:t>Dept. of Molecular Biology &amp; Ecology of Plants</a:t>
-            </a:r>
-            <a:r>
-              <a:rPr lang="en-US" altLang="he-IL" sz="3600" spc="100" baseline="30000" dirty="0" smtClean="0">
-                <a:latin typeface="Calibri" pitchFamily="34" charset="0"/>
-              </a:rPr>
-              <a:t>1</a:t>
-            </a:r>
-            <a:r>
-              <a:rPr lang="en-US" altLang="he-IL" sz="3600" spc="100" dirty="0" smtClean="0">
-                <a:latin typeface="Calibri" pitchFamily="34" charset="0"/>
-              </a:rPr>
-              <a:t> and Dept. of Molecular Microbiology &amp; Biotechnology</a:t>
-            </a:r>
-            <a:r>
-              <a:rPr lang="en-US" altLang="he-IL" sz="3600" spc="100" baseline="30000" dirty="0" smtClean="0">
-                <a:latin typeface="Calibri" pitchFamily="34" charset="0"/>
-              </a:rPr>
-              <a:t>2</a:t>
-            </a:r>
-            <a:r>
-              <a:rPr lang="en-US" altLang="he-IL" sz="3600" spc="100" dirty="0" smtClean="0">
-                <a:latin typeface="Calibri" pitchFamily="34" charset="0"/>
-              </a:rPr>
-              <a:t>, Tel-Aviv University, Tel-Aviv, Israel</a:t>
-            </a:r>
-            <a:endParaRPr lang="en-US" altLang="he-IL" sz="5300" spc="100" dirty="0">
+              <a:t>a</a:t>
+            </a:r>
+            <a:endParaRPr lang="en-US" altLang="he-IL" sz="5800" b="1" dirty="0" smtClean="0">
               <a:latin typeface="Calibri" pitchFamily="34" charset="0"/>
             </a:endParaRPr>
           </a:p>
@@ -8904,11 +9155,6 @@
             </a:pPr>
             <a:r>
               <a:rPr lang="en-US" sz="9700" b="1" dirty="0">
-                <a:ln>
-                  <a:solidFill>
-                    <a:schemeClr val="bg1"/>
-                  </a:solidFill>
-                </a:ln>
                 <a:latin typeface="Calibri"/>
                 <a:ea typeface="ＭＳ Ｐゴシック" charset="0"/>
                 <a:cs typeface="ＭＳ Ｐゴシック" charset="0"/>
@@ -8917,11 +9163,6 @@
             </a:r>
             <a:r>
               <a:rPr lang="en-US" sz="9700" b="1" dirty="0" smtClean="0">
-                <a:ln>
-                  <a:solidFill>
-                    <a:schemeClr val="bg1"/>
-                  </a:solidFill>
-                </a:ln>
                 <a:latin typeface="Calibri"/>
                 <a:ea typeface="ＭＳ Ｐゴシック" charset="0"/>
                 <a:cs typeface="ＭＳ Ｐゴシック" charset="0"/>
@@ -8929,11 +9170,6 @@
               <a:t>&amp; estimating selection</a:t>
             </a:r>
             <a:endParaRPr lang="en-US" sz="9700" b="1" dirty="0">
-              <a:ln>
-                <a:solidFill>
-                  <a:schemeClr val="bg1"/>
-                </a:solidFill>
-              </a:ln>
               <a:latin typeface="Calibri"/>
               <a:ea typeface="ＭＳ Ｐゴシック" charset="0"/>
               <a:cs typeface="ＭＳ Ｐゴシック" charset="0"/>
@@ -8956,15 +9192,10 @@
             <a:avLst/>
           </a:prstGeom>
           <a:solidFill>
-            <a:schemeClr val="bg2">
-              <a:lumMod val="50000"/>
-              <a:lumOff val="50000"/>
-            </a:schemeClr>
+            <a:srgbClr val="59A754"/>
           </a:solidFill>
           <a:ln>
-            <a:solidFill>
-              <a:schemeClr val="tx1"/>
-            </a:solidFill>
+            <a:noFill/>
           </a:ln>
         </p:spPr>
         <p:style>
@@ -9009,15 +9240,10 @@
             <a:avLst/>
           </a:prstGeom>
           <a:solidFill>
-            <a:schemeClr val="bg2">
-              <a:lumMod val="50000"/>
-              <a:lumOff val="50000"/>
-            </a:schemeClr>
+            <a:srgbClr val="3B7EB5"/>
           </a:solidFill>
           <a:ln>
-            <a:solidFill>
-              <a:schemeClr val="tx1"/>
-            </a:solidFill>
+            <a:noFill/>
           </a:ln>
         </p:spPr>
         <p:style>
@@ -9062,15 +9288,10 @@
             <a:avLst/>
           </a:prstGeom>
           <a:solidFill>
-            <a:schemeClr val="bg2">
-              <a:lumMod val="50000"/>
-              <a:lumOff val="50000"/>
-            </a:schemeClr>
+            <a:srgbClr val="E02829"/>
           </a:solidFill>
           <a:ln>
-            <a:solidFill>
-              <a:schemeClr val="tx1"/>
-            </a:solidFill>
+            <a:noFill/>
           </a:ln>
         </p:spPr>
         <p:style>
@@ -9115,15 +9336,10 @@
             <a:avLst/>
           </a:prstGeom>
           <a:solidFill>
-            <a:schemeClr val="bg2">
-              <a:lumMod val="50000"/>
-              <a:lumOff val="50000"/>
-            </a:schemeClr>
+            <a:srgbClr val="59A754"/>
           </a:solidFill>
           <a:ln>
-            <a:solidFill>
-              <a:schemeClr val="tx1"/>
-            </a:solidFill>
+            <a:noFill/>
           </a:ln>
         </p:spPr>
         <p:style>
@@ -9168,15 +9384,10 @@
             <a:avLst/>
           </a:prstGeom>
           <a:solidFill>
-            <a:schemeClr val="bg2">
-              <a:lumMod val="50000"/>
-              <a:lumOff val="50000"/>
-            </a:schemeClr>
+            <a:srgbClr val="3B7EB5"/>
           </a:solidFill>
           <a:ln>
-            <a:solidFill>
-              <a:schemeClr val="tx1"/>
-            </a:solidFill>
+            <a:noFill/>
           </a:ln>
         </p:spPr>
         <p:style>
@@ -9221,15 +9432,10 @@
             <a:avLst/>
           </a:prstGeom>
           <a:solidFill>
-            <a:schemeClr val="bg2">
-              <a:lumMod val="50000"/>
-              <a:lumOff val="50000"/>
-            </a:schemeClr>
+            <a:srgbClr val="E02829"/>
           </a:solidFill>
           <a:ln>
-            <a:solidFill>
-              <a:schemeClr val="tx1"/>
-            </a:solidFill>
+            <a:noFill/>
           </a:ln>
         </p:spPr>
         <p:style>
@@ -9274,15 +9480,10 @@
             <a:avLst/>
           </a:prstGeom>
           <a:solidFill>
-            <a:schemeClr val="bg2">
-              <a:lumMod val="50000"/>
-              <a:lumOff val="50000"/>
-            </a:schemeClr>
+            <a:srgbClr val="59A754"/>
           </a:solidFill>
           <a:ln>
-            <a:solidFill>
-              <a:schemeClr val="tx1"/>
-            </a:solidFill>
+            <a:noFill/>
           </a:ln>
         </p:spPr>
         <p:style>
@@ -9327,15 +9528,10 @@
             <a:avLst/>
           </a:prstGeom>
           <a:solidFill>
-            <a:schemeClr val="bg2">
-              <a:lumMod val="50000"/>
-              <a:lumOff val="50000"/>
-            </a:schemeClr>
+            <a:srgbClr val="3B7EB5"/>
           </a:solidFill>
           <a:ln>
-            <a:solidFill>
-              <a:schemeClr val="tx1"/>
-            </a:solidFill>
+            <a:noFill/>
           </a:ln>
         </p:spPr>
         <p:style>
@@ -9380,15 +9576,10 @@
             <a:avLst/>
           </a:prstGeom>
           <a:solidFill>
-            <a:schemeClr val="bg2">
-              <a:lumMod val="50000"/>
-              <a:lumOff val="50000"/>
-            </a:schemeClr>
+            <a:srgbClr val="E02829"/>
           </a:solidFill>
           <a:ln>
-            <a:solidFill>
-              <a:schemeClr val="tx1"/>
-            </a:solidFill>
+            <a:noFill/>
           </a:ln>
         </p:spPr>
         <p:style>
@@ -9420,14 +9611,14 @@
       </p:sp>
       <p:pic>
         <p:nvPicPr>
-          <p:cNvPr id="26" name="Picture 25" descr="C:\Users\yoavram\Downloads\MinervaLogo.png"/>
+          <p:cNvPr id="1030" name="Picture 6"/>
           <p:cNvPicPr>
             <a:picLocks noChangeAspect="1" noChangeArrowheads="1"/>
           </p:cNvPicPr>
           <p:nvPr/>
         </p:nvPicPr>
         <p:blipFill>
-          <a:blip r:embed="rId9">
+          <a:blip r:embed="rId8">
             <a:extLst>
               <a:ext uri="{28A0092B-C50C-407E-A947-70E740481C1C}">
                 <a14:useLocalDpi xmlns:a14="http://schemas.microsoft.com/office/drawing/2010/main" val="0"/>
@@ -9441,152 +9632,8 @@
         </p:blipFill>
         <p:spPr bwMode="auto">
           <a:xfrm>
-            <a:off x="11926368" y="40216347"/>
-            <a:ext cx="4375618" cy="1260000"/>
-          </a:xfrm>
-          <a:prstGeom prst="rect">
-            <a:avLst/>
-          </a:prstGeom>
-          <a:noFill/>
-          <a:extLst>
-            <a:ext uri="{909E8E84-426E-40DD-AFC4-6F175D3DCCD1}">
-              <a14:hiddenFill xmlns:a14="http://schemas.microsoft.com/office/drawing/2010/main">
-                <a:solidFill>
-                  <a:srgbClr val="FFFFFF"/>
-                </a:solidFill>
-              </a14:hiddenFill>
-            </a:ext>
-          </a:extLst>
-        </p:spPr>
-      </p:pic>
-      <p:pic>
-        <p:nvPicPr>
-          <p:cNvPr id="27" name="Picture 3" descr="C:\Users\yoavram\Downloads\minerva_stiftung.png"/>
-          <p:cNvPicPr>
-            <a:picLocks noChangeAspect="1" noChangeArrowheads="1"/>
-          </p:cNvPicPr>
-          <p:nvPr/>
-        </p:nvPicPr>
-        <p:blipFill>
-          <a:blip r:embed="rId10">
-            <a:extLst>
-              <a:ext uri="{28A0092B-C50C-407E-A947-70E740481C1C}">
-                <a14:useLocalDpi xmlns:a14="http://schemas.microsoft.com/office/drawing/2010/main" val="0"/>
-              </a:ext>
-            </a:extLst>
-          </a:blip>
-          <a:srcRect/>
-          <a:stretch>
-            <a:fillRect/>
-          </a:stretch>
-        </p:blipFill>
-        <p:spPr bwMode="auto">
-          <a:xfrm>
-            <a:off x="10023002" y="39950622"/>
-            <a:ext cx="1885714" cy="1800000"/>
-          </a:xfrm>
-          <a:prstGeom prst="rect">
-            <a:avLst/>
-          </a:prstGeom>
-          <a:noFill/>
-          <a:extLst>
-            <a:ext uri="{909E8E84-426E-40DD-AFC4-6F175D3DCCD1}">
-              <a14:hiddenFill xmlns:a14="http://schemas.microsoft.com/office/drawing/2010/main">
-                <a:solidFill>
-                  <a:srgbClr val="FFFFFF"/>
-                </a:solidFill>
-              </a14:hiddenFill>
-            </a:ext>
-          </a:extLst>
-        </p:spPr>
-      </p:pic>
-      <p:pic>
-        <p:nvPicPr>
-          <p:cNvPr id="1027" name="Picture 3"/>
-          <p:cNvPicPr>
-            <a:picLocks noChangeAspect="1" noChangeArrowheads="1"/>
-          </p:cNvPicPr>
-          <p:nvPr/>
-        </p:nvPicPr>
-        <p:blipFill rotWithShape="1">
-          <a:blip r:embed="rId11">
-            <a:extLst>
-              <a:ext uri="{28A0092B-C50C-407E-A947-70E740481C1C}">
-                <a14:useLocalDpi xmlns:a14="http://schemas.microsoft.com/office/drawing/2010/main" val="0"/>
-              </a:ext>
-            </a:extLst>
-          </a:blip>
-          <a:srcRect l="23256" t="8170" r="5722" b="11134"/>
-          <a:stretch/>
-        </p:blipFill>
-        <p:spPr bwMode="auto">
-          <a:xfrm>
-            <a:off x="21711095" y="40188291"/>
-            <a:ext cx="4108809" cy="1332000"/>
-          </a:xfrm>
-          <a:prstGeom prst="rect">
-            <a:avLst/>
-          </a:prstGeom>
-          <a:noFill/>
-          <a:ln>
-            <a:noFill/>
-          </a:ln>
-          <a:effectLst/>
-          <a:extLst>
-            <a:ext uri="{909E8E84-426E-40DD-AFC4-6F175D3DCCD1}">
-              <a14:hiddenFill xmlns:a14="http://schemas.microsoft.com/office/drawing/2010/main">
-                <a:solidFill>
-                  <a:schemeClr val="accent1"/>
-                </a:solidFill>
-              </a14:hiddenFill>
-            </a:ext>
-            <a:ext uri="{91240B29-F687-4F45-9708-019B960494DF}">
-              <a14:hiddenLine xmlns:a14="http://schemas.microsoft.com/office/drawing/2010/main" w="9525">
-                <a:solidFill>
-                  <a:schemeClr val="tx1"/>
-                </a:solidFill>
-                <a:miter lim="800000"/>
-                <a:headEnd/>
-                <a:tailEnd/>
-              </a14:hiddenLine>
-            </a:ext>
-            <a:ext uri="{AF507438-7753-43E0-B8FC-AC1667EBCBE1}">
-              <a14:hiddenEffects xmlns:a14="http://schemas.microsoft.com/office/drawing/2010/main">
-                <a:effectLst>
-                  <a:outerShdw dist="35921" dir="2700000" algn="ctr" rotWithShape="0">
-                    <a:schemeClr val="bg2"/>
-                  </a:outerShdw>
-                </a:effectLst>
-              </a14:hiddenEffects>
-            </a:ext>
-          </a:extLst>
-        </p:spPr>
-      </p:pic>
-      <p:pic>
-        <p:nvPicPr>
-          <p:cNvPr id="1030" name="Picture 6"/>
-          <p:cNvPicPr>
-            <a:picLocks noChangeAspect="1" noChangeArrowheads="1"/>
-          </p:cNvPicPr>
-          <p:nvPr/>
-        </p:nvPicPr>
-        <p:blipFill>
-          <a:blip r:embed="rId12">
-            <a:extLst>
-              <a:ext uri="{28A0092B-C50C-407E-A947-70E740481C1C}">
-                <a14:useLocalDpi xmlns:a14="http://schemas.microsoft.com/office/drawing/2010/main" val="0"/>
-              </a:ext>
-            </a:extLst>
-          </a:blip>
-          <a:srcRect/>
-          <a:stretch>
-            <a:fillRect/>
-          </a:stretch>
-        </p:blipFill>
-        <p:spPr bwMode="auto">
-          <a:xfrm>
-            <a:off x="19895711" y="40138195"/>
-            <a:ext cx="1221696" cy="1512000"/>
+            <a:off x="18004993" y="36304543"/>
+            <a:ext cx="1076256" cy="1332000"/>
           </a:xfrm>
           <a:prstGeom prst="rect">
             <a:avLst/>
@@ -9618,14 +9665,14 @@
       </p:pic>
       <p:pic>
         <p:nvPicPr>
-          <p:cNvPr id="1031" name="Picture 7"/>
+          <p:cNvPr id="1054" name="Picture 30" descr="C:\Users\yoavram\Pictures\yoav_mypictr_Facebook.jpg"/>
           <p:cNvPicPr>
             <a:picLocks noChangeAspect="1" noChangeArrowheads="1"/>
           </p:cNvPicPr>
           <p:nvPr/>
         </p:nvPicPr>
         <p:blipFill>
-          <a:blip r:embed="rId13">
+          <a:blip r:embed="rId9">
             <a:extLst>
               <a:ext uri="{28A0092B-C50C-407E-A947-70E740481C1C}">
                 <a14:useLocalDpi xmlns:a14="http://schemas.microsoft.com/office/drawing/2010/main" val="0"/>
@@ -9639,103 +9686,8 @@
         </p:blipFill>
         <p:spPr bwMode="auto">
           <a:xfrm>
-            <a:off x="26091215" y="39831305"/>
-            <a:ext cx="3559838" cy="1800000"/>
-          </a:xfrm>
-          <a:prstGeom prst="rect">
-            <a:avLst/>
-          </a:prstGeom>
-          <a:noFill/>
-          <a:ln>
-            <a:noFill/>
-          </a:ln>
-          <a:extLst>
-            <a:ext uri="{909E8E84-426E-40DD-AFC4-6F175D3DCCD1}">
-              <a14:hiddenFill xmlns:a14="http://schemas.microsoft.com/office/drawing/2010/main">
-                <a:solidFill>
-                  <a:schemeClr val="accent1"/>
-                </a:solidFill>
-              </a14:hiddenFill>
-            </a:ext>
-            <a:ext uri="{91240B29-F687-4F45-9708-019B960494DF}">
-              <a14:hiddenLine xmlns:a14="http://schemas.microsoft.com/office/drawing/2010/main" w="9525">
-                <a:solidFill>
-                  <a:schemeClr val="tx1"/>
-                </a:solidFill>
-                <a:miter lim="800000"/>
-                <a:headEnd/>
-                <a:tailEnd/>
-              </a14:hiddenLine>
-            </a:ext>
-          </a:extLst>
-        </p:spPr>
-      </p:pic>
-      <p:pic>
-        <p:nvPicPr>
-          <p:cNvPr id="1053" name="Picture 29" descr="D:\workspace\curveball_project\Plato\public\plato.png"/>
-          <p:cNvPicPr>
-            <a:picLocks noChangeAspect="1" noChangeArrowheads="1"/>
-          </p:cNvPicPr>
-          <p:nvPr/>
-        </p:nvPicPr>
-        <p:blipFill>
-          <a:blip r:embed="rId14">
-            <a:extLst>
-              <a:ext uri="{28A0092B-C50C-407E-A947-70E740481C1C}">
-                <a14:useLocalDpi xmlns:a14="http://schemas.microsoft.com/office/drawing/2010/main" val="0"/>
-              </a:ext>
-            </a:extLst>
-          </a:blip>
-          <a:srcRect/>
-          <a:stretch>
-            <a:fillRect/>
-          </a:stretch>
-        </p:blipFill>
-        <p:spPr bwMode="auto">
-          <a:xfrm>
-            <a:off x="20797134" y="35161191"/>
-            <a:ext cx="1290989" cy="1678286"/>
-          </a:xfrm>
-          <a:prstGeom prst="rect">
-            <a:avLst/>
-          </a:prstGeom>
-          <a:noFill/>
-          <a:extLst>
-            <a:ext uri="{909E8E84-426E-40DD-AFC4-6F175D3DCCD1}">
-              <a14:hiddenFill xmlns:a14="http://schemas.microsoft.com/office/drawing/2010/main">
-                <a:solidFill>
-                  <a:srgbClr val="FFFFFF"/>
-                </a:solidFill>
-              </a14:hiddenFill>
-            </a:ext>
-          </a:extLst>
-        </p:spPr>
-      </p:pic>
-      <p:pic>
-        <p:nvPicPr>
-          <p:cNvPr id="1054" name="Picture 30" descr="C:\Users\yoavram\Pictures\yoav_mypictr_Facebook.jpg"/>
-          <p:cNvPicPr>
-            <a:picLocks noChangeAspect="1" noChangeArrowheads="1"/>
-          </p:cNvPicPr>
-          <p:nvPr/>
-        </p:nvPicPr>
-        <p:blipFill>
-          <a:blip r:embed="rId15">
-            <a:extLst>
-              <a:ext uri="{28A0092B-C50C-407E-A947-70E740481C1C}">
-                <a14:useLocalDpi xmlns:a14="http://schemas.microsoft.com/office/drawing/2010/main" val="0"/>
-              </a:ext>
-            </a:extLst>
-          </a:blip>
-          <a:srcRect/>
-          <a:stretch>
-            <a:fillRect/>
-          </a:stretch>
-        </p:blipFill>
-        <p:spPr bwMode="auto">
-          <a:xfrm>
-            <a:off x="20579145" y="37186051"/>
-            <a:ext cx="1905000" cy="2381250"/>
+            <a:off x="20806934" y="36053793"/>
+            <a:ext cx="2211561" cy="2764451"/>
           </a:xfrm>
           <a:prstGeom prst="rect">
             <a:avLst/>
@@ -9761,450 +9713,332 @@
           </a:extLst>
         </p:spPr>
       </p:pic>
-      <p:sp>
-        <p:nvSpPr>
-          <p:cNvPr id="11" name="TextBox 10"/>
-          <p:cNvSpPr txBox="1"/>
-          <p:nvPr/>
-        </p:nvSpPr>
-        <p:spPr>
-          <a:xfrm>
-            <a:off x="22197852" y="35644959"/>
-            <a:ext cx="4801846" cy="954107"/>
-          </a:xfrm>
-          <a:prstGeom prst="rect">
-            <a:avLst/>
-          </a:prstGeom>
-          <a:noFill/>
-        </p:spPr>
-        <p:txBody>
-          <a:bodyPr wrap="square" rtlCol="1">
-            <a:spAutoFit/>
-          </a:bodyPr>
-          <a:lstStyle>
-            <a:defPPr>
-              <a:defRPr lang="en-US"/>
-            </a:defPPr>
-            <a:lvl1pPr algn="ctr">
-              <a:defRPr sz="2500">
-                <a:latin typeface="Consolas" panose="020B0609020204030204" pitchFamily="49" charset="0"/>
-                <a:cs typeface="Consolas" panose="020B0609020204030204" pitchFamily="49" charset="0"/>
-              </a:defRPr>
-            </a:lvl1pPr>
-          </a:lstStyle>
-          <a:p>
-            <a:pPr algn="l"/>
-            <a:r>
-              <a:rPr lang="en-US" sz="2800" dirty="0" smtClean="0">
-                <a:latin typeface="Arial"/>
-                <a:cs typeface="Arial"/>
-              </a:rPr>
-              <a:t>←</a:t>
-            </a:r>
-            <a:r>
-              <a:rPr lang="en-US" sz="2800" dirty="0" smtClean="0"/>
-              <a:t>plato.yoavram.com</a:t>
-            </a:r>
-          </a:p>
-          <a:p>
-            <a:pPr algn="r"/>
-            <a:r>
-              <a:rPr lang="en-US" sz="2800" dirty="0" smtClean="0"/>
-              <a:t>curveball.yoavram.com</a:t>
-            </a:r>
-            <a:r>
-              <a:rPr lang="en-US" sz="2800" dirty="0" smtClean="0">
-                <a:latin typeface="Arial"/>
-                <a:cs typeface="Arial"/>
-              </a:rPr>
-              <a:t>→</a:t>
-            </a:r>
-            <a:endParaRPr lang="he-IL" sz="2800" dirty="0"/>
-          </a:p>
-        </p:txBody>
-      </p:sp>
       <p:grpSp>
         <p:nvGrpSpPr>
-          <p:cNvPr id="5" name="Group 4"/>
+          <p:cNvPr id="48" name="Group 47"/>
           <p:cNvGrpSpPr/>
           <p:nvPr/>
         </p:nvGrpSpPr>
         <p:grpSpPr>
           <a:xfrm>
-            <a:off x="22858395" y="37455163"/>
-            <a:ext cx="6088750" cy="1853094"/>
-            <a:chOff x="23110572" y="35796177"/>
-            <a:chExt cx="6088750" cy="1853094"/>
+            <a:off x="23176993" y="36290323"/>
+            <a:ext cx="5612578" cy="2062103"/>
+            <a:chOff x="323528" y="5287813"/>
+            <a:chExt cx="5002971" cy="1682120"/>
           </a:xfrm>
         </p:grpSpPr>
         <p:grpSp>
           <p:nvGrpSpPr>
-            <p:cNvPr id="48" name="Group 47"/>
+            <p:cNvPr id="49" name="Group 48"/>
             <p:cNvGrpSpPr/>
             <p:nvPr/>
           </p:nvGrpSpPr>
           <p:grpSpPr>
             <a:xfrm>
-              <a:off x="23110572" y="35796177"/>
-              <a:ext cx="5002971" cy="1815882"/>
-              <a:chOff x="323528" y="5287813"/>
-              <a:chExt cx="5002971" cy="1815882"/>
+              <a:off x="413187" y="5287813"/>
+              <a:ext cx="4913312" cy="1682120"/>
+              <a:chOff x="1026840" y="5356373"/>
+              <a:chExt cx="4913312" cy="1682120"/>
             </a:xfrm>
           </p:grpSpPr>
-          <p:grpSp>
-            <p:nvGrpSpPr>
-              <p:cNvPr id="49" name="Group 48"/>
-              <p:cNvGrpSpPr/>
+          <p:pic>
+            <p:nvPicPr>
+              <p:cNvPr id="52" name="Picture 1"/>
+              <p:cNvPicPr>
+                <a:picLocks noChangeAspect="1" noChangeArrowheads="1"/>
+              </p:cNvPicPr>
               <p:nvPr/>
-            </p:nvGrpSpPr>
-            <p:grpSpPr>
-              <a:xfrm>
-                <a:off x="413187" y="5287813"/>
-                <a:ext cx="4913312" cy="1815882"/>
-                <a:chOff x="1026840" y="5356373"/>
-                <a:chExt cx="4913312" cy="1815882"/>
-              </a:xfrm>
-            </p:grpSpPr>
-            <p:pic>
-              <p:nvPicPr>
-                <p:cNvPr id="52" name="Picture 1"/>
-                <p:cNvPicPr>
-                  <a:picLocks noChangeAspect="1" noChangeArrowheads="1"/>
-                </p:cNvPicPr>
-                <p:nvPr/>
-              </p:nvPicPr>
-              <p:blipFill>
-                <a:blip r:embed="rId16">
-                  <a:extLst>
-                    <a:ext uri="{28A0092B-C50C-407E-A947-70E740481C1C}">
-                      <a14:useLocalDpi xmlns:a14="http://schemas.microsoft.com/office/drawing/2010/main" val="0"/>
-                    </a:ext>
-                  </a:extLst>
-                </a:blip>
-                <a:srcRect/>
-                <a:stretch>
-                  <a:fillRect/>
-                </a:stretch>
-              </p:blipFill>
-              <p:spPr bwMode="auto">
-                <a:xfrm>
-                  <a:off x="1026840" y="5932512"/>
-                  <a:ext cx="304800" cy="304800"/>
-                </a:xfrm>
-                <a:prstGeom prst="rect">
-                  <a:avLst/>
-                </a:prstGeom>
-                <a:noFill/>
-                <a:ln>
-                  <a:noFill/>
-                </a:ln>
-                <a:effectLst/>
+            </p:nvPicPr>
+            <p:blipFill>
+              <a:blip r:embed="rId10">
                 <a:extLst>
-                  <a:ext uri="{909E8E84-426E-40DD-AFC4-6F175D3DCCD1}">
-                    <a14:hiddenFill xmlns:a14="http://schemas.microsoft.com/office/drawing/2010/main">
-                      <a:solidFill>
-                        <a:schemeClr val="accent1"/>
-                      </a:solidFill>
-                    </a14:hiddenFill>
-                  </a:ext>
-                  <a:ext uri="{91240B29-F687-4F45-9708-019B960494DF}">
-                    <a14:hiddenLine xmlns:a14="http://schemas.microsoft.com/office/drawing/2010/main" w="9525">
-                      <a:solidFill>
-                        <a:schemeClr val="tx1"/>
-                      </a:solidFill>
-                      <a:miter lim="800000"/>
-                      <a:headEnd/>
-                      <a:tailEnd/>
-                    </a14:hiddenLine>
-                  </a:ext>
-                  <a:ext uri="{AF507438-7753-43E0-B8FC-AC1667EBCBE1}">
-                    <a14:hiddenEffects xmlns:a14="http://schemas.microsoft.com/office/drawing/2010/main">
-                      <a:effectLst>
-                        <a:outerShdw dist="35921" dir="2700000" algn="ctr" rotWithShape="0">
-                          <a:schemeClr val="bg2"/>
-                        </a:outerShdw>
-                      </a:effectLst>
-                    </a14:hiddenEffects>
+                  <a:ext uri="{28A0092B-C50C-407E-A947-70E740481C1C}">
+                    <a14:useLocalDpi xmlns:a14="http://schemas.microsoft.com/office/drawing/2010/main" val="0"/>
                   </a:ext>
                 </a:extLst>
-              </p:spPr>
-            </p:pic>
-            <p:pic>
-              <p:nvPicPr>
-                <p:cNvPr id="53" name="Picture 2"/>
-                <p:cNvPicPr>
-                  <a:picLocks noChangeAspect="1" noChangeArrowheads="1"/>
-                </p:cNvPicPr>
-                <p:nvPr/>
-              </p:nvPicPr>
-              <p:blipFill>
-                <a:blip r:embed="rId17">
-                  <a:extLst>
-                    <a:ext uri="{28A0092B-C50C-407E-A947-70E740481C1C}">
-                      <a14:useLocalDpi xmlns:a14="http://schemas.microsoft.com/office/drawing/2010/main" val="0"/>
-                    </a:ext>
-                  </a:extLst>
-                </a:blip>
-                <a:srcRect/>
-                <a:stretch>
-                  <a:fillRect/>
-                </a:stretch>
-              </p:blipFill>
-              <p:spPr bwMode="auto">
-                <a:xfrm>
-                  <a:off x="1026840" y="5500464"/>
-                  <a:ext cx="304800" cy="304800"/>
-                </a:xfrm>
-                <a:prstGeom prst="rect">
-                  <a:avLst/>
-                </a:prstGeom>
-                <a:noFill/>
-                <a:ln>
-                  <a:noFill/>
-                </a:ln>
-                <a:effectLst/>
-                <a:extLst>
-                  <a:ext uri="{909E8E84-426E-40DD-AFC4-6F175D3DCCD1}">
-                    <a14:hiddenFill xmlns:a14="http://schemas.microsoft.com/office/drawing/2010/main">
-                      <a:solidFill>
-                        <a:schemeClr val="accent1"/>
-                      </a:solidFill>
-                    </a14:hiddenFill>
-                  </a:ext>
-                  <a:ext uri="{91240B29-F687-4F45-9708-019B960494DF}">
-                    <a14:hiddenLine xmlns:a14="http://schemas.microsoft.com/office/drawing/2010/main" w="9525">
-                      <a:solidFill>
-                        <a:schemeClr val="tx1"/>
-                      </a:solidFill>
-                      <a:miter lim="800000"/>
-                      <a:headEnd/>
-                      <a:tailEnd/>
-                    </a14:hiddenLine>
-                  </a:ext>
-                  <a:ext uri="{AF507438-7753-43E0-B8FC-AC1667EBCBE1}">
-                    <a14:hiddenEffects xmlns:a14="http://schemas.microsoft.com/office/drawing/2010/main">
-                      <a:effectLst>
-                        <a:outerShdw dist="35921" dir="2700000" algn="ctr" rotWithShape="0">
-                          <a:schemeClr val="bg2"/>
-                        </a:outerShdw>
-                      </a:effectLst>
-                    </a14:hiddenEffects>
-                  </a:ext>
-                </a:extLst>
-              </p:spPr>
-            </p:pic>
-            <p:pic>
-              <p:nvPicPr>
-                <p:cNvPr id="54" name="Picture 3"/>
-                <p:cNvPicPr>
-                  <a:picLocks noChangeAspect="1" noChangeArrowheads="1"/>
-                </p:cNvPicPr>
-                <p:nvPr/>
-              </p:nvPicPr>
-              <p:blipFill>
-                <a:blip r:embed="rId18">
-                  <a:extLst>
-                    <a:ext uri="{28A0092B-C50C-407E-A947-70E740481C1C}">
-                      <a14:useLocalDpi xmlns:a14="http://schemas.microsoft.com/office/drawing/2010/main" val="0"/>
-                    </a:ext>
-                  </a:extLst>
-                </a:blip>
-                <a:srcRect/>
-                <a:stretch>
-                  <a:fillRect/>
-                </a:stretch>
-              </p:blipFill>
-              <p:spPr bwMode="auto">
-                <a:xfrm>
-                  <a:off x="1026840" y="6721152"/>
-                  <a:ext cx="304800" cy="304800"/>
-                </a:xfrm>
-                <a:prstGeom prst="rect">
-                  <a:avLst/>
-                </a:prstGeom>
-                <a:noFill/>
-                <a:ln>
-                  <a:noFill/>
-                </a:ln>
-                <a:effectLst/>
-                <a:extLst>
-                  <a:ext uri="{909E8E84-426E-40DD-AFC4-6F175D3DCCD1}">
-                    <a14:hiddenFill xmlns:a14="http://schemas.microsoft.com/office/drawing/2010/main">
-                      <a:solidFill>
-                        <a:schemeClr val="accent1"/>
-                      </a:solidFill>
-                    </a14:hiddenFill>
-                  </a:ext>
-                  <a:ext uri="{91240B29-F687-4F45-9708-019B960494DF}">
-                    <a14:hiddenLine xmlns:a14="http://schemas.microsoft.com/office/drawing/2010/main" w="9525">
-                      <a:solidFill>
-                        <a:schemeClr val="tx1"/>
-                      </a:solidFill>
-                      <a:miter lim="800000"/>
-                      <a:headEnd/>
-                      <a:tailEnd/>
-                    </a14:hiddenLine>
-                  </a:ext>
-                  <a:ext uri="{AF507438-7753-43E0-B8FC-AC1667EBCBE1}">
-                    <a14:hiddenEffects xmlns:a14="http://schemas.microsoft.com/office/drawing/2010/main">
-                      <a:effectLst>
-                        <a:outerShdw dist="35921" dir="2700000" algn="ctr" rotWithShape="0">
-                          <a:schemeClr val="bg2"/>
-                        </a:outerShdw>
-                      </a:effectLst>
-                    </a14:hiddenEffects>
-                  </a:ext>
-                </a:extLst>
-              </p:spPr>
-            </p:pic>
-            <p:sp>
-              <p:nvSpPr>
-                <p:cNvPr id="55" name="Rectangle 54"/>
-                <p:cNvSpPr/>
-                <p:nvPr/>
-              </p:nvSpPr>
-              <p:spPr>
-                <a:xfrm>
-                  <a:off x="1368152" y="5356373"/>
-                  <a:ext cx="4572000" cy="1815882"/>
-                </a:xfrm>
-                <a:prstGeom prst="rect">
-                  <a:avLst/>
-                </a:prstGeom>
-              </p:spPr>
-              <p:txBody>
-                <a:bodyPr>
-                  <a:spAutoFit/>
-                </a:bodyPr>
-                <a:lstStyle/>
-                <a:p>
-                  <a:r>
-                    <a:rPr lang="en-US" sz="2800" b="1" dirty="0"/>
-                    <a:t>yoav@yoavram.com</a:t>
-                  </a:r>
-                </a:p>
-                <a:p>
-                  <a:pPr algn="l" rtl="0"/>
-                  <a:r>
-                    <a:rPr lang="en-US" sz="2800" b="1" dirty="0" smtClean="0"/>
-                    <a:t>@</a:t>
-                  </a:r>
-                  <a:r>
-                    <a:rPr lang="en-US" sz="2800" b="1" dirty="0" err="1" smtClean="0"/>
-                    <a:t>yoavram</a:t>
-                  </a:r>
-                  <a:endParaRPr lang="en-US" sz="2800" b="1" dirty="0" smtClean="0"/>
-                </a:p>
-                <a:p>
-                  <a:pPr algn="l" rtl="0"/>
-                  <a:r>
-                    <a:rPr lang="en-US" b="1" dirty="0" smtClean="0"/>
-                    <a:t>@</a:t>
-                  </a:r>
-                  <a:r>
-                    <a:rPr lang="en-US" sz="2800" b="1" dirty="0" err="1" smtClean="0"/>
-                    <a:t>yoavram</a:t>
-                  </a:r>
-                  <a:endParaRPr lang="en-US" sz="2800" b="1" dirty="0"/>
-                </a:p>
-                <a:p>
-                  <a:pPr algn="l" rtl="0"/>
-                  <a:r>
-                    <a:rPr lang="en-US" sz="2800" b="1" dirty="0" smtClean="0"/>
-                    <a:t>www.yoavram.com</a:t>
-                  </a:r>
-                  <a:endParaRPr lang="he-IL" sz="2800" b="1" dirty="0"/>
-                </a:p>
-              </p:txBody>
-            </p:sp>
-          </p:grpSp>
-          <p:sp>
-            <p:nvSpPr>
-              <p:cNvPr id="50" name="TextBox 49"/>
-              <p:cNvSpPr txBox="1"/>
-              <p:nvPr/>
-            </p:nvSpPr>
-            <p:spPr>
+              </a:blip>
+              <a:srcRect/>
+              <a:stretch>
+                <a:fillRect/>
+              </a:stretch>
+            </p:blipFill>
+            <p:spPr bwMode="auto">
               <a:xfrm>
-                <a:off x="323528" y="6165304"/>
-                <a:ext cx="341312" cy="461665"/>
+                <a:off x="1026840" y="5872841"/>
+                <a:ext cx="304800" cy="304800"/>
               </a:xfrm>
               <a:prstGeom prst="rect">
                 <a:avLst/>
               </a:prstGeom>
               <a:noFill/>
+              <a:ln>
+                <a:noFill/>
+              </a:ln>
+              <a:effectLst/>
+              <a:extLst>
+                <a:ext uri="{909E8E84-426E-40DD-AFC4-6F175D3DCCD1}">
+                  <a14:hiddenFill xmlns:a14="http://schemas.microsoft.com/office/drawing/2010/main">
+                    <a:solidFill>
+                      <a:schemeClr val="accent1"/>
+                    </a:solidFill>
+                  </a14:hiddenFill>
+                </a:ext>
+                <a:ext uri="{91240B29-F687-4F45-9708-019B960494DF}">
+                  <a14:hiddenLine xmlns:a14="http://schemas.microsoft.com/office/drawing/2010/main" w="9525">
+                    <a:solidFill>
+                      <a:schemeClr val="tx1"/>
+                    </a:solidFill>
+                    <a:miter lim="800000"/>
+                    <a:headEnd/>
+                    <a:tailEnd/>
+                  </a14:hiddenLine>
+                </a:ext>
+                <a:ext uri="{AF507438-7753-43E0-B8FC-AC1667EBCBE1}">
+                  <a14:hiddenEffects xmlns:a14="http://schemas.microsoft.com/office/drawing/2010/main">
+                    <a:effectLst>
+                      <a:outerShdw dist="35921" dir="2700000" algn="ctr" rotWithShape="0">
+                        <a:schemeClr val="bg2"/>
+                      </a:outerShdw>
+                    </a:effectLst>
+                  </a14:hiddenEffects>
+                </a:ext>
+              </a:extLst>
+            </p:spPr>
+          </p:pic>
+          <p:pic>
+            <p:nvPicPr>
+              <p:cNvPr id="53" name="Picture 2"/>
+              <p:cNvPicPr>
+                <a:picLocks noChangeAspect="1" noChangeArrowheads="1"/>
+              </p:cNvPicPr>
+              <p:nvPr/>
+            </p:nvPicPr>
+            <p:blipFill>
+              <a:blip r:embed="rId11">
+                <a:extLst>
+                  <a:ext uri="{28A0092B-C50C-407E-A947-70E740481C1C}">
+                    <a14:useLocalDpi xmlns:a14="http://schemas.microsoft.com/office/drawing/2010/main" val="0"/>
+                  </a:ext>
+                </a:extLst>
+              </a:blip>
+              <a:srcRect/>
+              <a:stretch>
+                <a:fillRect/>
+              </a:stretch>
+            </p:blipFill>
+            <p:spPr bwMode="auto">
+              <a:xfrm>
+                <a:off x="1026840" y="5460681"/>
+                <a:ext cx="304800" cy="304800"/>
+              </a:xfrm>
+              <a:prstGeom prst="rect">
+                <a:avLst/>
+              </a:prstGeom>
+              <a:noFill/>
+              <a:ln>
+                <a:noFill/>
+              </a:ln>
+              <a:effectLst/>
+              <a:extLst>
+                <a:ext uri="{909E8E84-426E-40DD-AFC4-6F175D3DCCD1}">
+                  <a14:hiddenFill xmlns:a14="http://schemas.microsoft.com/office/drawing/2010/main">
+                    <a:solidFill>
+                      <a:schemeClr val="accent1"/>
+                    </a:solidFill>
+                  </a14:hiddenFill>
+                </a:ext>
+                <a:ext uri="{91240B29-F687-4F45-9708-019B960494DF}">
+                  <a14:hiddenLine xmlns:a14="http://schemas.microsoft.com/office/drawing/2010/main" w="9525">
+                    <a:solidFill>
+                      <a:schemeClr val="tx1"/>
+                    </a:solidFill>
+                    <a:miter lim="800000"/>
+                    <a:headEnd/>
+                    <a:tailEnd/>
+                  </a14:hiddenLine>
+                </a:ext>
+                <a:ext uri="{AF507438-7753-43E0-B8FC-AC1667EBCBE1}">
+                  <a14:hiddenEffects xmlns:a14="http://schemas.microsoft.com/office/drawing/2010/main">
+                    <a:effectLst>
+                      <a:outerShdw dist="35921" dir="2700000" algn="ctr" rotWithShape="0">
+                        <a:schemeClr val="bg2"/>
+                      </a:outerShdw>
+                    </a:effectLst>
+                  </a14:hiddenEffects>
+                </a:ext>
+              </a:extLst>
+            </p:spPr>
+          </p:pic>
+          <p:pic>
+            <p:nvPicPr>
+              <p:cNvPr id="54" name="Picture 3"/>
+              <p:cNvPicPr>
+                <a:picLocks noChangeAspect="1" noChangeArrowheads="1"/>
+              </p:cNvPicPr>
+              <p:nvPr/>
+            </p:nvPicPr>
+            <p:blipFill>
+              <a:blip r:embed="rId12">
+                <a:extLst>
+                  <a:ext uri="{28A0092B-C50C-407E-A947-70E740481C1C}">
+                    <a14:useLocalDpi xmlns:a14="http://schemas.microsoft.com/office/drawing/2010/main" val="0"/>
+                  </a:ext>
+                </a:extLst>
+              </a:blip>
+              <a:srcRect/>
+              <a:stretch>
+                <a:fillRect/>
+              </a:stretch>
+            </p:blipFill>
+            <p:spPr bwMode="auto">
+              <a:xfrm>
+                <a:off x="1026840" y="6631644"/>
+                <a:ext cx="304800" cy="304800"/>
+              </a:xfrm>
+              <a:prstGeom prst="rect">
+                <a:avLst/>
+              </a:prstGeom>
+              <a:noFill/>
+              <a:ln>
+                <a:noFill/>
+              </a:ln>
+              <a:effectLst/>
+              <a:extLst>
+                <a:ext uri="{909E8E84-426E-40DD-AFC4-6F175D3DCCD1}">
+                  <a14:hiddenFill xmlns:a14="http://schemas.microsoft.com/office/drawing/2010/main">
+                    <a:solidFill>
+                      <a:schemeClr val="accent1"/>
+                    </a:solidFill>
+                  </a14:hiddenFill>
+                </a:ext>
+                <a:ext uri="{91240B29-F687-4F45-9708-019B960494DF}">
+                  <a14:hiddenLine xmlns:a14="http://schemas.microsoft.com/office/drawing/2010/main" w="9525">
+                    <a:solidFill>
+                      <a:schemeClr val="tx1"/>
+                    </a:solidFill>
+                    <a:miter lim="800000"/>
+                    <a:headEnd/>
+                    <a:tailEnd/>
+                  </a14:hiddenLine>
+                </a:ext>
+                <a:ext uri="{AF507438-7753-43E0-B8FC-AC1667EBCBE1}">
+                  <a14:hiddenEffects xmlns:a14="http://schemas.microsoft.com/office/drawing/2010/main">
+                    <a:effectLst>
+                      <a:outerShdw dist="35921" dir="2700000" algn="ctr" rotWithShape="0">
+                        <a:schemeClr val="bg2"/>
+                      </a:outerShdw>
+                    </a:effectLst>
+                  </a14:hiddenEffects>
+                </a:ext>
+              </a:extLst>
+            </p:spPr>
+          </p:pic>
+          <p:sp>
+            <p:nvSpPr>
+              <p:cNvPr id="55" name="Rectangle 54"/>
+              <p:cNvSpPr/>
+              <p:nvPr/>
+            </p:nvSpPr>
+            <p:spPr>
+              <a:xfrm>
+                <a:off x="1368152" y="5356373"/>
+                <a:ext cx="4572000" cy="1682120"/>
+              </a:xfrm>
+              <a:prstGeom prst="rect">
+                <a:avLst/>
+              </a:prstGeom>
             </p:spPr>
             <p:txBody>
-              <a:bodyPr wrap="square" rtlCol="1">
+              <a:bodyPr>
                 <a:spAutoFit/>
               </a:bodyPr>
               <a:lstStyle/>
               <a:p>
                 <a:r>
-                  <a:rPr lang="en-US" sz="2400" dirty="0" smtClean="0">
-                    <a:latin typeface="github-octicons" panose="02000503000000000000" pitchFamily="2" charset="0"/>
-                  </a:rPr>
-                  <a:t>a</a:t>
+                  <a:rPr lang="en-US" sz="3200" b="1" dirty="0"/>
+                  <a:t>yoav@yoavram.com</a:t>
                 </a:r>
-                <a:endParaRPr lang="he-IL" sz="2400" dirty="0">
-                  <a:latin typeface="github-octicons" panose="02000503000000000000" pitchFamily="2" charset="0"/>
-                </a:endParaRPr>
+              </a:p>
+              <a:p>
+                <a:pPr algn="l" rtl="0"/>
+                <a:r>
+                  <a:rPr lang="en-US" sz="3200" b="1" dirty="0" smtClean="0"/>
+                  <a:t>@</a:t>
+                </a:r>
+                <a:r>
+                  <a:rPr lang="en-US" sz="3200" b="1" dirty="0" err="1" smtClean="0"/>
+                  <a:t>yoavram</a:t>
+                </a:r>
+                <a:endParaRPr lang="en-US" sz="3200" b="1" dirty="0" smtClean="0"/>
+              </a:p>
+              <a:p>
+                <a:pPr algn="l" rtl="0"/>
+                <a:r>
+                  <a:rPr lang="en-US" sz="3200" b="1" dirty="0" smtClean="0"/>
+                  <a:t>@</a:t>
+                </a:r>
+                <a:r>
+                  <a:rPr lang="en-US" sz="3200" b="1" dirty="0" err="1" smtClean="0"/>
+                  <a:t>yoavram</a:t>
+                </a:r>
+                <a:endParaRPr lang="en-US" sz="3200" b="1" dirty="0"/>
+              </a:p>
+              <a:p>
+                <a:pPr algn="l" rtl="0"/>
+                <a:r>
+                  <a:rPr lang="en-US" sz="3200" b="1" dirty="0" smtClean="0"/>
+                  <a:t>www.yoavram.com</a:t>
+                </a:r>
+                <a:endParaRPr lang="he-IL" sz="3200" b="1" dirty="0"/>
               </a:p>
             </p:txBody>
           </p:sp>
         </p:grpSp>
-        <p:pic>
-          <p:nvPicPr>
-            <p:cNvPr id="1026" name="Picture 2" descr="C:\Users\yoavram\Downloads\qrcode(1).png"/>
-            <p:cNvPicPr>
-              <a:picLocks noChangeAspect="1" noChangeArrowheads="1"/>
-            </p:cNvPicPr>
+        <p:sp>
+          <p:nvSpPr>
+            <p:cNvPr id="50" name="TextBox 49"/>
+            <p:cNvSpPr txBox="1"/>
             <p:nvPr/>
-          </p:nvPicPr>
-          <p:blipFill>
-            <a:blip r:embed="rId19">
-              <a:extLst>
-                <a:ext uri="{28A0092B-C50C-407E-A947-70E740481C1C}">
-                  <a14:useLocalDpi xmlns:a14="http://schemas.microsoft.com/office/drawing/2010/main" val="0"/>
-                </a:ext>
-              </a:extLst>
-            </a:blip>
-            <a:srcRect/>
-            <a:stretch>
-              <a:fillRect/>
-            </a:stretch>
-          </p:blipFill>
-          <p:spPr bwMode="auto">
+          </p:nvSpPr>
+          <p:spPr>
             <a:xfrm>
-              <a:off x="27399322" y="35849271"/>
-              <a:ext cx="1800000" cy="1800000"/>
+              <a:off x="323528" y="6115579"/>
+              <a:ext cx="341312" cy="461665"/>
             </a:xfrm>
             <a:prstGeom prst="rect">
               <a:avLst/>
             </a:prstGeom>
             <a:noFill/>
-            <a:extLst>
-              <a:ext uri="{909E8E84-426E-40DD-AFC4-6F175D3DCCD1}">
-                <a14:hiddenFill xmlns:a14="http://schemas.microsoft.com/office/drawing/2010/main">
-                  <a:solidFill>
-                    <a:srgbClr val="FFFFFF"/>
-                  </a:solidFill>
-                </a14:hiddenFill>
-              </a:ext>
-            </a:extLst>
           </p:spPr>
-        </p:pic>
+          <p:txBody>
+            <a:bodyPr wrap="square" rtlCol="1">
+              <a:spAutoFit/>
+            </a:bodyPr>
+            <a:lstStyle/>
+            <a:p>
+              <a:r>
+                <a:rPr lang="en-US" sz="2400" dirty="0" smtClean="0">
+                  <a:latin typeface="github-octicons" panose="02000503000000000000" pitchFamily="2" charset="0"/>
+                </a:rPr>
+                <a:t>a</a:t>
+              </a:r>
+              <a:endParaRPr lang="he-IL" sz="2400" dirty="0">
+                <a:latin typeface="github-octicons" panose="02000503000000000000" pitchFamily="2" charset="0"/>
+              </a:endParaRPr>
+            </a:p>
+          </p:txBody>
+        </p:sp>
       </p:grpSp>
       <p:pic>
         <p:nvPicPr>
-          <p:cNvPr id="25" name="Picture 3" descr="D:\projects\sim\presentation\isf.png"/>
+          <p:cNvPr id="1026" name="Picture 2" descr="C:\Users\yoavram\Downloads\qrcode(1).png"/>
           <p:cNvPicPr>
             <a:picLocks noChangeAspect="1" noChangeArrowheads="1"/>
           </p:cNvPicPr>
           <p:nvPr/>
         </p:nvPicPr>
         <p:blipFill>
-          <a:blip r:embed="rId20">
+          <a:blip r:embed="rId13">
             <a:extLst>
               <a:ext uri="{28A0092B-C50C-407E-A947-70E740481C1C}">
                 <a14:useLocalDpi xmlns:a14="http://schemas.microsoft.com/office/drawing/2010/main" val="0"/>
@@ -10218,8 +10052,8 @@
         </p:blipFill>
         <p:spPr bwMode="auto">
           <a:xfrm>
-            <a:off x="16367014" y="40156154"/>
-            <a:ext cx="1892763" cy="1620000"/>
+            <a:off x="25972532" y="38918290"/>
+            <a:ext cx="2817038" cy="2817038"/>
           </a:xfrm>
           <a:prstGeom prst="rect">
             <a:avLst/>
@@ -10244,8 +10078,8 @@
         </p:nvSpPr>
         <p:spPr>
           <a:xfrm>
-            <a:off x="17538093" y="40045416"/>
-            <a:ext cx="2847965" cy="1631216"/>
+            <a:off x="17804037" y="37811826"/>
+            <a:ext cx="1478168" cy="830997"/>
           </a:xfrm>
           <a:prstGeom prst="rect">
             <a:avLst/>
@@ -10260,7 +10094,7 @@
           <a:p>
             <a:pPr algn="ctr"/>
             <a:r>
-              <a:rPr lang="en-US" altLang="he-IL" sz="2000" b="1" dirty="0">
+              <a:rPr lang="en-US" altLang="he-IL" sz="1600" b="1" dirty="0">
                 <a:solidFill>
                   <a:srgbClr val="0070C0"/>
                 </a:solidFill>
@@ -10269,7 +10103,17 @@
               </a:rPr>
               <a:t>Israeli </a:t>
             </a:r>
-            <a:endParaRPr lang="en-US" altLang="he-IL" sz="2000" b="1" dirty="0" smtClean="0">
+            <a:r>
+              <a:rPr lang="en-US" altLang="he-IL" sz="1600" b="1" dirty="0" smtClean="0">
+                <a:solidFill>
+                  <a:srgbClr val="0070C0"/>
+                </a:solidFill>
+                <a:latin typeface="Calibri" panose="020F0502020204030204" pitchFamily="34" charset="0"/>
+                <a:cs typeface="Consolas" panose="020B0609020204030204" pitchFamily="49" charset="0"/>
+              </a:rPr>
+              <a:t>Ministry </a:t>
+            </a:r>
+            <a:endParaRPr lang="en-US" altLang="he-IL" sz="1600" b="1" dirty="0" smtClean="0">
               <a:solidFill>
                 <a:srgbClr val="0070C0"/>
               </a:solidFill>
@@ -10280,55 +10124,26 @@
           <a:p>
             <a:pPr algn="ctr"/>
             <a:r>
-              <a:rPr lang="en-US" altLang="he-IL" sz="2000" b="1" dirty="0" smtClean="0">
+              <a:rPr lang="en-US" altLang="he-IL" sz="1600" b="1" dirty="0" smtClean="0">
                 <a:solidFill>
                   <a:srgbClr val="0070C0"/>
                 </a:solidFill>
                 <a:latin typeface="Calibri" panose="020F0502020204030204" pitchFamily="34" charset="0"/>
                 <a:cs typeface="Consolas" panose="020B0609020204030204" pitchFamily="49" charset="0"/>
               </a:rPr>
-              <a:t>Ministry </a:t>
-            </a:r>
-          </a:p>
-          <a:p>
-            <a:pPr algn="ctr"/>
-            <a:r>
-              <a:rPr lang="en-US" altLang="he-IL" sz="2000" b="1" dirty="0" smtClean="0">
+              <a:t>of </a:t>
+            </a:r>
+            <a:r>
+              <a:rPr lang="en-US" altLang="he-IL" sz="1600" b="1" dirty="0" smtClean="0">
                 <a:solidFill>
                   <a:srgbClr val="0070C0"/>
                 </a:solidFill>
                 <a:latin typeface="Calibri" panose="020F0502020204030204" pitchFamily="34" charset="0"/>
                 <a:cs typeface="Consolas" panose="020B0609020204030204" pitchFamily="49" charset="0"/>
               </a:rPr>
-              <a:t>of Science </a:t>
-            </a:r>
-          </a:p>
-          <a:p>
-            <a:pPr algn="ctr"/>
-            <a:r>
-              <a:rPr lang="en-US" altLang="he-IL" sz="2000" b="1" dirty="0" smtClean="0">
-                <a:solidFill>
-                  <a:srgbClr val="0070C0"/>
-                </a:solidFill>
-                <a:latin typeface="Calibri" panose="020F0502020204030204" pitchFamily="34" charset="0"/>
-                <a:cs typeface="Consolas" panose="020B0609020204030204" pitchFamily="49" charset="0"/>
-              </a:rPr>
-              <a:t>and </a:t>
-            </a:r>
-          </a:p>
-          <a:p>
-            <a:pPr algn="ctr"/>
-            <a:r>
-              <a:rPr lang="en-US" altLang="he-IL" sz="2000" b="1" dirty="0" smtClean="0">
-                <a:solidFill>
-                  <a:srgbClr val="0070C0"/>
-                </a:solidFill>
-                <a:latin typeface="Calibri" panose="020F0502020204030204" pitchFamily="34" charset="0"/>
-                <a:cs typeface="Consolas" panose="020B0609020204030204" pitchFamily="49" charset="0"/>
-              </a:rPr>
-              <a:t>Technology</a:t>
-            </a:r>
-            <a:endParaRPr lang="en-US" altLang="he-IL" sz="2000" b="1" dirty="0">
+              <a:t>Science &amp; Technology</a:t>
+            </a:r>
+            <a:endParaRPr lang="en-US" altLang="he-IL" sz="1600" b="1" dirty="0">
               <a:solidFill>
                 <a:srgbClr val="0070C0"/>
               </a:solidFill>
@@ -10347,7 +10162,7 @@
           <p:nvPr/>
         </p:nvPicPr>
         <p:blipFill>
-          <a:blip r:embed="rId21">
+          <a:blip r:embed="rId14">
             <a:extLst>
               <a:ext uri="{28A0092B-C50C-407E-A947-70E740481C1C}">
                 <a14:useLocalDpi xmlns:a14="http://schemas.microsoft.com/office/drawing/2010/main" val="0"/>
@@ -10388,7 +10203,7 @@
           <p:nvPr/>
         </p:nvPicPr>
         <p:blipFill>
-          <a:blip r:embed="rId22">
+          <a:blip r:embed="rId15">
             <a:extLst>
               <a:ext uri="{28A0092B-C50C-407E-A947-70E740481C1C}">
                 <a14:useLocalDpi xmlns:a14="http://schemas.microsoft.com/office/drawing/2010/main" val="0"/>
@@ -10402,7 +10217,7 @@
         </p:blipFill>
         <p:spPr bwMode="auto">
           <a:xfrm>
-            <a:off x="22622555" y="9894290"/>
+            <a:off x="22622555" y="9862759"/>
             <a:ext cx="4274600" cy="3112168"/>
           </a:xfrm>
           <a:prstGeom prst="rect">
@@ -10428,8 +10243,8 @@
         </p:nvSpPr>
         <p:spPr>
           <a:xfrm>
-            <a:off x="23281307" y="20901733"/>
-            <a:ext cx="3568348" cy="523220"/>
+            <a:off x="22745280" y="20870202"/>
+            <a:ext cx="4533036" cy="646331"/>
           </a:xfrm>
           <a:prstGeom prst="rect">
             <a:avLst/>
@@ -10463,12 +10278,12 @@
           <a:lstStyle/>
           <a:p>
             <a:r>
-              <a:rPr lang="en-US" dirty="0" smtClean="0">
+              <a:rPr lang="en-US" sz="3600" dirty="0" smtClean="0">
                 <a:latin typeface="Calibri" panose="020F0502020204030204" pitchFamily="34" charset="0"/>
               </a:rPr>
               <a:t>Competition Prediction</a:t>
             </a:r>
-            <a:endParaRPr lang="he-IL" dirty="0">
+            <a:endParaRPr lang="he-IL" sz="3600" dirty="0">
               <a:latin typeface="Calibri" panose="020F0502020204030204" pitchFamily="34" charset="0"/>
             </a:endParaRPr>
           </a:p>
@@ -10482,8 +10297,8 @@
         </p:nvSpPr>
         <p:spPr>
           <a:xfrm>
-            <a:off x="23722095" y="19256861"/>
-            <a:ext cx="2544286" cy="523220"/>
+            <a:off x="23343723" y="19130737"/>
+            <a:ext cx="3220753" cy="646331"/>
           </a:xfrm>
           <a:prstGeom prst="rect">
             <a:avLst/>
@@ -10517,12 +10332,12 @@
           <a:lstStyle/>
           <a:p>
             <a:r>
-              <a:rPr lang="en-US" dirty="0">
+              <a:rPr lang="en-US" sz="3600" dirty="0">
                 <a:latin typeface="Calibri" panose="020F0502020204030204" pitchFamily="34" charset="0"/>
               </a:rPr>
               <a:t>Model Selection</a:t>
             </a:r>
-            <a:endParaRPr lang="he-IL" dirty="0">
+            <a:endParaRPr lang="he-IL" sz="3600" dirty="0">
               <a:latin typeface="Calibri" panose="020F0502020204030204" pitchFamily="34" charset="0"/>
             </a:endParaRPr>
           </a:p>
@@ -10570,7 +10385,7 @@
           <p:nvPr/>
         </p:nvPicPr>
         <p:blipFill>
-          <a:blip r:embed="rId23">
+          <a:blip r:embed="rId16">
             <a:extLst>
               <a:ext uri="{28A0092B-C50C-407E-A947-70E740481C1C}">
                 <a14:useLocalDpi xmlns:a14="http://schemas.microsoft.com/office/drawing/2010/main" val="0"/>
@@ -10611,7 +10426,7 @@
           <p:nvPr/>
         </p:nvPicPr>
         <p:blipFill>
-          <a:blip r:embed="rId24">
+          <a:blip r:embed="rId17">
             <a:extLst>
               <a:ext uri="{28A0092B-C50C-407E-A947-70E740481C1C}">
                 <a14:useLocalDpi xmlns:a14="http://schemas.microsoft.com/office/drawing/2010/main" val="0"/>
@@ -10643,8 +10458,8 @@
           </a:extLst>
         </p:spPr>
       </p:pic>
-      <mc:AlternateContent xmlns:mc="http://schemas.openxmlformats.org/markup-compatibility/2006" xmlns:a14="http://schemas.microsoft.com/office/drawing/2010/main">
-        <mc:Choice Requires="a14">
+      <mc:AlternateContent xmlns:mc="http://schemas.openxmlformats.org/markup-compatibility/2006">
+        <mc:Choice xmlns:a14="http://schemas.microsoft.com/office/drawing/2010/main" Requires="a14">
           <p:graphicFrame>
             <p:nvGraphicFramePr>
               <p:cNvPr id="6" name="Table 5"/>
@@ -10654,7 +10469,7 @@
               <p:nvPr>
                 <p:extLst>
                   <p:ext uri="{D42A27DB-BD31-4B8C-83A1-F6EECF244321}">
-                    <p14:modId xmlns:p14="http://schemas.microsoft.com/office/powerpoint/2010/main" val="1531113529"/>
+                    <p14:modId xmlns:p14="http://schemas.microsoft.com/office/powerpoint/2010/main" val="3359294587"/>
                   </p:ext>
                 </p:extLst>
               </p:nvPr>
@@ -10683,6 +10498,9 @@
                           <a:pPr algn="ctr" rtl="0"/>
                           <a:r>
                             <a:rPr lang="en-US" dirty="0" smtClean="0">
+                              <a:solidFill>
+                                <a:srgbClr val="E02829"/>
+                              </a:solidFill>
                               <a:latin typeface="Cambria Math" panose="02040503050406030204" pitchFamily="18" charset="0"/>
                               <a:ea typeface="Cambria Math" panose="02040503050406030204" pitchFamily="18" charset="0"/>
                             </a:rPr>
@@ -10690,7 +10508,7 @@
                           </a:r>
                           <a:endParaRPr lang="he-IL" dirty="0">
                             <a:solidFill>
-                              <a:srgbClr val="FF0000"/>
+                              <a:srgbClr val="E02829"/>
                             </a:solidFill>
                             <a:latin typeface="Cambria Math" panose="02040503050406030204" pitchFamily="18" charset="0"/>
                             <a:ea typeface="Cambria Math" panose="02040503050406030204" pitchFamily="18" charset="0"/>
@@ -10707,6 +10525,9 @@
                           <a:pPr algn="ctr" rtl="0"/>
                           <a:r>
                             <a:rPr lang="en-US" dirty="0" smtClean="0">
+                              <a:solidFill>
+                                <a:srgbClr val="59A754"/>
+                              </a:solidFill>
                               <a:latin typeface="Cambria Math" panose="02040503050406030204" pitchFamily="18" charset="0"/>
                               <a:ea typeface="Cambria Math" panose="02040503050406030204" pitchFamily="18" charset="0"/>
                             </a:rPr>
@@ -10714,7 +10535,7 @@
                           </a:r>
                           <a:endParaRPr lang="he-IL" dirty="0">
                             <a:solidFill>
-                              <a:srgbClr val="00B050"/>
+                              <a:srgbClr val="59A754"/>
                             </a:solidFill>
                             <a:latin typeface="Cambria Math" panose="02040503050406030204" pitchFamily="18" charset="0"/>
                             <a:ea typeface="Cambria Math" panose="02040503050406030204" pitchFamily="18" charset="0"/>
@@ -11197,7 +11018,7 @@
             </a:graphic>
           </p:graphicFrame>
         </mc:Choice>
-        <mc:Fallback xmlns="">
+        <mc:Fallback>
           <p:graphicFrame>
             <p:nvGraphicFramePr>
               <p:cNvPr id="6" name="Table 5"/>
@@ -11207,7 +11028,7 @@
               <p:nvPr>
                 <p:extLst>
                   <p:ext uri="{D42A27DB-BD31-4B8C-83A1-F6EECF244321}">
-                    <p14:modId xmlns:p14="http://schemas.microsoft.com/office/powerpoint/2010/main" val="1531113529"/>
+                    <p14:modId xmlns:p14="http://schemas.microsoft.com/office/powerpoint/2010/main" val="3359294587"/>
                   </p:ext>
                 </p:extLst>
               </p:nvPr>
@@ -11236,6 +11057,9 @@
                           <a:pPr algn="ctr" rtl="0"/>
                           <a:r>
                             <a:rPr lang="en-US" dirty="0" smtClean="0">
+                              <a:solidFill>
+                                <a:srgbClr val="E02829"/>
+                              </a:solidFill>
                               <a:latin typeface="Cambria Math" panose="02040503050406030204" pitchFamily="18" charset="0"/>
                               <a:ea typeface="Cambria Math" panose="02040503050406030204" pitchFamily="18" charset="0"/>
                             </a:rPr>
@@ -11243,7 +11067,7 @@
                           </a:r>
                           <a:endParaRPr lang="he-IL" dirty="0">
                             <a:solidFill>
-                              <a:srgbClr val="FF0000"/>
+                              <a:srgbClr val="E02829"/>
                             </a:solidFill>
                             <a:latin typeface="Cambria Math" panose="02040503050406030204" pitchFamily="18" charset="0"/>
                             <a:ea typeface="Cambria Math" panose="02040503050406030204" pitchFamily="18" charset="0"/>
@@ -11260,6 +11084,9 @@
                           <a:pPr algn="ctr" rtl="0"/>
                           <a:r>
                             <a:rPr lang="en-US" dirty="0" smtClean="0">
+                              <a:solidFill>
+                                <a:srgbClr val="59A754"/>
+                              </a:solidFill>
                               <a:latin typeface="Cambria Math" panose="02040503050406030204" pitchFamily="18" charset="0"/>
                               <a:ea typeface="Cambria Math" panose="02040503050406030204" pitchFamily="18" charset="0"/>
                             </a:rPr>
@@ -11267,7 +11094,7 @@
                           </a:r>
                           <a:endParaRPr lang="he-IL" dirty="0">
                             <a:solidFill>
-                              <a:srgbClr val="00B050"/>
+                              <a:srgbClr val="59A754"/>
                             </a:solidFill>
                             <a:latin typeface="Cambria Math" panose="02040503050406030204" pitchFamily="18" charset="0"/>
                             <a:ea typeface="Cambria Math" panose="02040503050406030204" pitchFamily="18" charset="0"/>
@@ -11351,7 +11178,7 @@
                       </a:txBody>
                       <a:tcPr>
                         <a:blipFill rotWithShape="1">
-                          <a:blip r:embed="rId25"/>
+                          <a:blip r:embed="rId18"/>
                           <a:stretch>
                             <a:fillRect l="-112500" t="-96721" r="-403" b="-508197"/>
                           </a:stretch>
@@ -11412,7 +11239,7 @@
                       </a:txBody>
                       <a:tcPr>
                         <a:blipFill rotWithShape="1">
-                          <a:blip r:embed="rId25"/>
+                          <a:blip r:embed="rId18"/>
                           <a:stretch>
                             <a:fillRect l="-112500" t="-196721" r="-403" b="-408197"/>
                           </a:stretch>
@@ -11473,7 +11300,7 @@
                       </a:txBody>
                       <a:tcPr>
                         <a:blipFill rotWithShape="1">
-                          <a:blip r:embed="rId25"/>
+                          <a:blip r:embed="rId18"/>
                           <a:stretch>
                             <a:fillRect l="-112500" t="-296721" r="-403" b="-308197"/>
                           </a:stretch>
@@ -11534,7 +11361,7 @@
                       </a:txBody>
                       <a:tcPr>
                         <a:blipFill rotWithShape="1">
-                          <a:blip r:embed="rId25"/>
+                          <a:blip r:embed="rId18"/>
                           <a:stretch>
                             <a:fillRect l="-112500" t="-403333" r="-403" b="-213333"/>
                           </a:stretch>
@@ -11758,7 +11585,7 @@
           <p:nvPr/>
         </p:nvPicPr>
         <p:blipFill>
-          <a:blip r:embed="rId26">
+          <a:blip r:embed="rId19">
             <a:extLst>
               <a:ext uri="{28A0092B-C50C-407E-A947-70E740481C1C}">
                 <a14:useLocalDpi xmlns:a14="http://schemas.microsoft.com/office/drawing/2010/main" val="0"/>
@@ -11799,7 +11626,7 @@
           <p:nvPr/>
         </p:nvPicPr>
         <p:blipFill>
-          <a:blip r:embed="rId27">
+          <a:blip r:embed="rId20">
             <a:extLst>
               <a:ext uri="{28A0092B-C50C-407E-A947-70E740481C1C}">
                 <a14:useLocalDpi xmlns:a14="http://schemas.microsoft.com/office/drawing/2010/main" val="0"/>
@@ -11839,7 +11666,7 @@
         </p:nvCxnSpPr>
         <p:spPr>
           <a:xfrm>
-            <a:off x="24954423" y="21618362"/>
+            <a:off x="25017485" y="21618362"/>
             <a:ext cx="0" cy="843328"/>
           </a:xfrm>
           <a:prstGeom prst="straightConnector1">
@@ -12311,7 +12138,7 @@
             <a:r>
               <a:rPr lang="en-US" altLang="he-IL" sz="3900" b="1" dirty="0" smtClean="0">
                 <a:solidFill>
-                  <a:srgbClr val="000000"/>
+                  <a:srgbClr val="E02829"/>
                 </a:solidFill>
                 <a:latin typeface="Calibri" pitchFamily="34" charset="0"/>
               </a:rPr>
@@ -12319,7 +12146,7 @@
             </a:r>
             <a:endParaRPr lang="en-US" altLang="he-IL" sz="3900" b="1" dirty="0" smtClean="0">
               <a:solidFill>
-                <a:srgbClr val="000000"/>
+                <a:srgbClr val="E02829"/>
               </a:solidFill>
               <a:latin typeface="Calibri" pitchFamily="34" charset="0"/>
             </a:endParaRPr>
@@ -12338,6 +12165,793 @@
             </a:r>
             <a:endParaRPr lang="en-US" altLang="he-IL" sz="2500" dirty="0">
               <a:latin typeface="Times New Roman" pitchFamily="18" charset="0"/>
+            </a:endParaRPr>
+          </a:p>
+        </p:txBody>
+      </p:sp>
+      <p:sp>
+        <p:nvSpPr>
+          <p:cNvPr id="10" name="Rectangle 9"/>
+          <p:cNvSpPr/>
+          <p:nvPr/>
+        </p:nvSpPr>
+        <p:spPr>
+          <a:xfrm>
+            <a:off x="530168" y="5560932"/>
+            <a:ext cx="29229464" cy="1569660"/>
+          </a:xfrm>
+          <a:prstGeom prst="rect">
+            <a:avLst/>
+          </a:prstGeom>
+        </p:spPr>
+        <p:txBody>
+          <a:bodyPr wrap="square">
+            <a:spAutoFit/>
+          </a:bodyPr>
+          <a:lstStyle/>
+          <a:p>
+            <a:pPr algn="ctr" eaLnBrk="1" hangingPunct="1">
+              <a:spcBef>
+                <a:spcPts val="0"/>
+              </a:spcBef>
+              <a:spcAft>
+                <a:spcPts val="0"/>
+              </a:spcAft>
+            </a:pPr>
+            <a:r>
+              <a:rPr lang="en-US" altLang="he-IL" sz="4800" spc="100" dirty="0" smtClean="0">
+                <a:latin typeface="Calibri" pitchFamily="34" charset="0"/>
+              </a:rPr>
+              <a:t>(a) Dept</a:t>
+            </a:r>
+            <a:r>
+              <a:rPr lang="en-US" altLang="he-IL" sz="4800" spc="100" dirty="0">
+                <a:latin typeface="Calibri" pitchFamily="34" charset="0"/>
+              </a:rPr>
+              <a:t>. of Molecular Biology &amp; Ecology of </a:t>
+            </a:r>
+            <a:r>
+              <a:rPr lang="en-US" altLang="he-IL" sz="4800" spc="100" dirty="0" smtClean="0">
+                <a:latin typeface="Calibri" pitchFamily="34" charset="0"/>
+              </a:rPr>
+              <a:t>Plants, (b) Dept</a:t>
+            </a:r>
+            <a:r>
+              <a:rPr lang="en-US" altLang="he-IL" sz="4800" spc="100" dirty="0">
+                <a:latin typeface="Calibri" pitchFamily="34" charset="0"/>
+              </a:rPr>
+              <a:t>. of </a:t>
+            </a:r>
+            <a:r>
+              <a:rPr lang="en-US" altLang="he-IL" sz="4800" spc="100" dirty="0" smtClean="0">
+                <a:latin typeface="Calibri" pitchFamily="34" charset="0"/>
+              </a:rPr>
+              <a:t>Molecular </a:t>
+            </a:r>
+            <a:r>
+              <a:rPr lang="en-US" altLang="he-IL" sz="4800" spc="100" dirty="0">
+                <a:latin typeface="Calibri" pitchFamily="34" charset="0"/>
+              </a:rPr>
+              <a:t>Microbiology &amp; </a:t>
+            </a:r>
+            <a:r>
+              <a:rPr lang="en-US" altLang="he-IL" sz="4800" spc="100" dirty="0" smtClean="0">
+                <a:latin typeface="Calibri" pitchFamily="34" charset="0"/>
+              </a:rPr>
+              <a:t>Biotechnology</a:t>
+            </a:r>
+            <a:r>
+              <a:rPr lang="en-US" altLang="he-IL" sz="4800" spc="100" dirty="0">
+                <a:latin typeface="Calibri" pitchFamily="34" charset="0"/>
+              </a:rPr>
+              <a:t>,</a:t>
+            </a:r>
+            <a:r>
+              <a:rPr lang="en-US" altLang="he-IL" sz="4800" spc="100" baseline="30000" dirty="0" smtClean="0">
+                <a:latin typeface="Calibri" pitchFamily="34" charset="0"/>
+              </a:rPr>
+              <a:t> </a:t>
+            </a:r>
+            <a:endParaRPr lang="en-US" altLang="he-IL" sz="4800" spc="100" baseline="30000" dirty="0">
+              <a:latin typeface="Calibri" pitchFamily="34" charset="0"/>
+            </a:endParaRPr>
+          </a:p>
+          <a:p>
+            <a:pPr algn="ctr" eaLnBrk="1" hangingPunct="1">
+              <a:spcBef>
+                <a:spcPts val="0"/>
+              </a:spcBef>
+              <a:spcAft>
+                <a:spcPts val="0"/>
+              </a:spcAft>
+            </a:pPr>
+            <a:r>
+              <a:rPr lang="en-US" altLang="he-IL" sz="4800" spc="100" dirty="0">
+                <a:latin typeface="Calibri" pitchFamily="34" charset="0"/>
+              </a:rPr>
+              <a:t>Tel-Aviv University, Tel-Aviv, Israel</a:t>
+            </a:r>
+            <a:endParaRPr lang="en-US" altLang="he-IL" sz="6600" spc="100" dirty="0">
+              <a:latin typeface="Calibri" pitchFamily="34" charset="0"/>
+            </a:endParaRPr>
+          </a:p>
+        </p:txBody>
+      </p:sp>
+      <p:pic>
+        <p:nvPicPr>
+          <p:cNvPr id="26" name="Picture 25" descr="C:\Users\yoavram\Downloads\MinervaLogo.png"/>
+          <p:cNvPicPr>
+            <a:picLocks noChangeAspect="1" noChangeArrowheads="1"/>
+          </p:cNvPicPr>
+          <p:nvPr/>
+        </p:nvPicPr>
+        <p:blipFill>
+          <a:blip r:embed="rId29">
+            <a:extLst>
+              <a:ext uri="{28A0092B-C50C-407E-A947-70E740481C1C}">
+                <a14:useLocalDpi xmlns:a14="http://schemas.microsoft.com/office/drawing/2010/main" val="0"/>
+              </a:ext>
+            </a:extLst>
+          </a:blip>
+          <a:srcRect/>
+          <a:stretch>
+            <a:fillRect/>
+          </a:stretch>
+        </p:blipFill>
+        <p:spPr bwMode="auto">
+          <a:xfrm>
+            <a:off x="15836744" y="40696809"/>
+            <a:ext cx="3125442" cy="900000"/>
+          </a:xfrm>
+          <a:prstGeom prst="rect">
+            <a:avLst/>
+          </a:prstGeom>
+          <a:noFill/>
+          <a:extLst>
+            <a:ext uri="{909E8E84-426E-40DD-AFC4-6F175D3DCCD1}">
+              <a14:hiddenFill xmlns:a14="http://schemas.microsoft.com/office/drawing/2010/main">
+                <a:solidFill>
+                  <a:srgbClr val="FFFFFF"/>
+                </a:solidFill>
+              </a14:hiddenFill>
+            </a:ext>
+          </a:extLst>
+        </p:spPr>
+      </p:pic>
+      <p:pic>
+        <p:nvPicPr>
+          <p:cNvPr id="28" name="Picture 3"/>
+          <p:cNvPicPr>
+            <a:picLocks noChangeAspect="1" noChangeArrowheads="1"/>
+          </p:cNvPicPr>
+          <p:nvPr/>
+        </p:nvPicPr>
+        <p:blipFill>
+          <a:blip r:embed="rId30">
+            <a:extLst>
+              <a:ext uri="{28A0092B-C50C-407E-A947-70E740481C1C}">
+                <a14:useLocalDpi xmlns:a14="http://schemas.microsoft.com/office/drawing/2010/main" val="0"/>
+              </a:ext>
+            </a:extLst>
+          </a:blip>
+          <a:srcRect/>
+          <a:stretch>
+            <a:fillRect/>
+          </a:stretch>
+        </p:blipFill>
+        <p:spPr bwMode="auto">
+          <a:xfrm>
+            <a:off x="17493872" y="39035995"/>
+            <a:ext cx="1400932" cy="1440000"/>
+          </a:xfrm>
+          <a:prstGeom prst="rect">
+            <a:avLst/>
+          </a:prstGeom>
+          <a:noFill/>
+          <a:ln>
+            <a:noFill/>
+          </a:ln>
+          <a:effectLst/>
+          <a:extLst>
+            <a:ext uri="{909E8E84-426E-40DD-AFC4-6F175D3DCCD1}">
+              <a14:hiddenFill xmlns:a14="http://schemas.microsoft.com/office/drawing/2010/main">
+                <a:solidFill>
+                  <a:schemeClr val="accent1"/>
+                </a:solidFill>
+              </a14:hiddenFill>
+            </a:ext>
+            <a:ext uri="{91240B29-F687-4F45-9708-019B960494DF}">
+              <a14:hiddenLine xmlns:a14="http://schemas.microsoft.com/office/drawing/2010/main" w="9525">
+                <a:solidFill>
+                  <a:schemeClr val="tx1"/>
+                </a:solidFill>
+                <a:miter lim="800000"/>
+                <a:headEnd/>
+                <a:tailEnd/>
+              </a14:hiddenLine>
+            </a:ext>
+            <a:ext uri="{AF507438-7753-43E0-B8FC-AC1667EBCBE1}">
+              <a14:hiddenEffects xmlns:a14="http://schemas.microsoft.com/office/drawing/2010/main">
+                <a:effectLst>
+                  <a:outerShdw dist="35921" dir="2700000" algn="ctr" rotWithShape="0">
+                    <a:schemeClr val="bg2"/>
+                  </a:outerShdw>
+                </a:effectLst>
+              </a14:hiddenEffects>
+            </a:ext>
+          </a:extLst>
+        </p:spPr>
+      </p:pic>
+      <p:pic>
+        <p:nvPicPr>
+          <p:cNvPr id="27" name="Picture 3" descr="C:\Users\yoavram\Downloads\minerva_stiftung.png"/>
+          <p:cNvPicPr>
+            <a:picLocks noChangeAspect="1" noChangeArrowheads="1"/>
+          </p:cNvPicPr>
+          <p:nvPr/>
+        </p:nvPicPr>
+        <p:blipFill>
+          <a:blip r:embed="rId31">
+            <a:extLst>
+              <a:ext uri="{BEBA8EAE-BF5A-486C-A8C5-ECC9F3942E4B}">
+                <a14:imgProps xmlns:a14="http://schemas.microsoft.com/office/drawing/2010/main">
+                  <a14:imgLayer r:embed="rId32">
+                    <a14:imgEffect>
+                      <a14:backgroundRemoval t="0" b="100000" l="0" r="100000"/>
+                    </a14:imgEffect>
+                  </a14:imgLayer>
+                </a14:imgProps>
+              </a:ext>
+              <a:ext uri="{28A0092B-C50C-407E-A947-70E740481C1C}">
+                <a14:useLocalDpi xmlns:a14="http://schemas.microsoft.com/office/drawing/2010/main" val="0"/>
+              </a:ext>
+            </a:extLst>
+          </a:blip>
+          <a:srcRect/>
+          <a:stretch>
+            <a:fillRect/>
+          </a:stretch>
+        </p:blipFill>
+        <p:spPr bwMode="auto">
+          <a:xfrm>
+            <a:off x="15406428" y="38898990"/>
+            <a:ext cx="1697143" cy="1620000"/>
+          </a:xfrm>
+          <a:prstGeom prst="rect">
+            <a:avLst/>
+          </a:prstGeom>
+          <a:noFill/>
+          <a:extLst>
+            <a:ext uri="{909E8E84-426E-40DD-AFC4-6F175D3DCCD1}">
+              <a14:hiddenFill xmlns:a14="http://schemas.microsoft.com/office/drawing/2010/main">
+                <a:solidFill>
+                  <a:srgbClr val="FFFFFF"/>
+                </a:solidFill>
+              </a14:hiddenFill>
+            </a:ext>
+          </a:extLst>
+        </p:spPr>
+      </p:pic>
+      <p:pic>
+        <p:nvPicPr>
+          <p:cNvPr id="1028" name="Picture 4"/>
+          <p:cNvPicPr>
+            <a:picLocks noChangeAspect="1" noChangeArrowheads="1"/>
+          </p:cNvPicPr>
+          <p:nvPr/>
+        </p:nvPicPr>
+        <p:blipFill>
+          <a:blip r:embed="rId33">
+            <a:extLst>
+              <a:ext uri="{28A0092B-C50C-407E-A947-70E740481C1C}">
+                <a14:useLocalDpi xmlns:a14="http://schemas.microsoft.com/office/drawing/2010/main" val="0"/>
+              </a:ext>
+            </a:extLst>
+          </a:blip>
+          <a:srcRect/>
+          <a:stretch>
+            <a:fillRect/>
+          </a:stretch>
+        </p:blipFill>
+        <p:spPr bwMode="auto">
+          <a:xfrm>
+            <a:off x="11618173" y="39090172"/>
+            <a:ext cx="3402958" cy="900000"/>
+          </a:xfrm>
+          <a:prstGeom prst="rect">
+            <a:avLst/>
+          </a:prstGeom>
+          <a:noFill/>
+          <a:ln>
+            <a:noFill/>
+          </a:ln>
+          <a:extLst>
+            <a:ext uri="{909E8E84-426E-40DD-AFC4-6F175D3DCCD1}">
+              <a14:hiddenFill xmlns:a14="http://schemas.microsoft.com/office/drawing/2010/main">
+                <a:solidFill>
+                  <a:schemeClr val="accent1"/>
+                </a:solidFill>
+              </a14:hiddenFill>
+            </a:ext>
+            <a:ext uri="{91240B29-F687-4F45-9708-019B960494DF}">
+              <a14:hiddenLine xmlns:a14="http://schemas.microsoft.com/office/drawing/2010/main" w="9525">
+                <a:solidFill>
+                  <a:schemeClr val="tx1"/>
+                </a:solidFill>
+                <a:miter lim="800000"/>
+                <a:headEnd/>
+                <a:tailEnd/>
+              </a14:hiddenLine>
+            </a:ext>
+          </a:extLst>
+        </p:spPr>
+      </p:pic>
+      <p:sp>
+        <p:nvSpPr>
+          <p:cNvPr id="64" name="Title 1"/>
+          <p:cNvSpPr txBox="1">
+            <a:spLocks/>
+          </p:cNvSpPr>
+          <p:nvPr/>
+        </p:nvSpPr>
+        <p:spPr>
+          <a:xfrm>
+            <a:off x="457200" y="274638"/>
+            <a:ext cx="8229600" cy="1143000"/>
+          </a:xfrm>
+          <a:prstGeom prst="rect">
+            <a:avLst/>
+          </a:prstGeom>
+        </p:spPr>
+        <p:txBody>
+          <a:bodyPr/>
+          <a:lstStyle>
+            <a:lvl1pPr algn="ctr" defTabSz="3576638" rtl="0" eaLnBrk="0" fontAlgn="base" hangingPunct="0">
+              <a:spcBef>
+                <a:spcPct val="0"/>
+              </a:spcBef>
+              <a:spcAft>
+                <a:spcPct val="0"/>
+              </a:spcAft>
+              <a:defRPr sz="17200">
+                <a:solidFill>
+                  <a:schemeClr val="tx2"/>
+                </a:solidFill>
+                <a:latin typeface="+mj-lt"/>
+                <a:ea typeface="MS PGothic" pitchFamily="34" charset="-128"/>
+                <a:cs typeface="ＭＳ Ｐゴシック" pitchFamily="-65" charset="-128"/>
+              </a:defRPr>
+            </a:lvl1pPr>
+            <a:lvl2pPr algn="ctr" defTabSz="3576638" rtl="0" eaLnBrk="0" fontAlgn="base" hangingPunct="0">
+              <a:spcBef>
+                <a:spcPct val="0"/>
+              </a:spcBef>
+              <a:spcAft>
+                <a:spcPct val="0"/>
+              </a:spcAft>
+              <a:defRPr sz="17200">
+                <a:solidFill>
+                  <a:schemeClr val="tx2"/>
+                </a:solidFill>
+                <a:latin typeface="Times New Roman" pitchFamily="-65" charset="0"/>
+                <a:ea typeface="MS PGothic" pitchFamily="34" charset="-128"/>
+                <a:cs typeface="ＭＳ Ｐゴシック" pitchFamily="-65" charset="-128"/>
+              </a:defRPr>
+            </a:lvl2pPr>
+            <a:lvl3pPr algn="ctr" defTabSz="3576638" rtl="0" eaLnBrk="0" fontAlgn="base" hangingPunct="0">
+              <a:spcBef>
+                <a:spcPct val="0"/>
+              </a:spcBef>
+              <a:spcAft>
+                <a:spcPct val="0"/>
+              </a:spcAft>
+              <a:defRPr sz="17200">
+                <a:solidFill>
+                  <a:schemeClr val="tx2"/>
+                </a:solidFill>
+                <a:latin typeface="Times New Roman" pitchFamily="-65" charset="0"/>
+                <a:ea typeface="MS PGothic" pitchFamily="34" charset="-128"/>
+                <a:cs typeface="ＭＳ Ｐゴシック" pitchFamily="-65" charset="-128"/>
+              </a:defRPr>
+            </a:lvl3pPr>
+            <a:lvl4pPr algn="ctr" defTabSz="3576638" rtl="0" eaLnBrk="0" fontAlgn="base" hangingPunct="0">
+              <a:spcBef>
+                <a:spcPct val="0"/>
+              </a:spcBef>
+              <a:spcAft>
+                <a:spcPct val="0"/>
+              </a:spcAft>
+              <a:defRPr sz="17200">
+                <a:solidFill>
+                  <a:schemeClr val="tx2"/>
+                </a:solidFill>
+                <a:latin typeface="Times New Roman" pitchFamily="-65" charset="0"/>
+                <a:ea typeface="MS PGothic" pitchFamily="34" charset="-128"/>
+                <a:cs typeface="ＭＳ Ｐゴシック" pitchFamily="-65" charset="-128"/>
+              </a:defRPr>
+            </a:lvl4pPr>
+            <a:lvl5pPr algn="ctr" defTabSz="3576638" rtl="0" eaLnBrk="0" fontAlgn="base" hangingPunct="0">
+              <a:spcBef>
+                <a:spcPct val="0"/>
+              </a:spcBef>
+              <a:spcAft>
+                <a:spcPct val="0"/>
+              </a:spcAft>
+              <a:defRPr sz="17200">
+                <a:solidFill>
+                  <a:schemeClr val="tx2"/>
+                </a:solidFill>
+                <a:latin typeface="Times New Roman" pitchFamily="-65" charset="0"/>
+                <a:ea typeface="MS PGothic" pitchFamily="34" charset="-128"/>
+                <a:cs typeface="ＭＳ Ｐゴシック" pitchFamily="-65" charset="-128"/>
+              </a:defRPr>
+            </a:lvl5pPr>
+            <a:lvl6pPr marL="401404" algn="ctr" defTabSz="3577785" rtl="0" fontAlgn="base">
+              <a:spcBef>
+                <a:spcPct val="0"/>
+              </a:spcBef>
+              <a:spcAft>
+                <a:spcPct val="0"/>
+              </a:spcAft>
+              <a:defRPr sz="17200">
+                <a:solidFill>
+                  <a:schemeClr val="tx2"/>
+                </a:solidFill>
+                <a:latin typeface="Times New Roman" pitchFamily="-65" charset="0"/>
+              </a:defRPr>
+            </a:lvl6pPr>
+            <a:lvl7pPr marL="802806" algn="ctr" defTabSz="3577785" rtl="0" fontAlgn="base">
+              <a:spcBef>
+                <a:spcPct val="0"/>
+              </a:spcBef>
+              <a:spcAft>
+                <a:spcPct val="0"/>
+              </a:spcAft>
+              <a:defRPr sz="17200">
+                <a:solidFill>
+                  <a:schemeClr val="tx2"/>
+                </a:solidFill>
+                <a:latin typeface="Times New Roman" pitchFamily="-65" charset="0"/>
+              </a:defRPr>
+            </a:lvl7pPr>
+            <a:lvl8pPr marL="1204209" algn="ctr" defTabSz="3577785" rtl="0" fontAlgn="base">
+              <a:spcBef>
+                <a:spcPct val="0"/>
+              </a:spcBef>
+              <a:spcAft>
+                <a:spcPct val="0"/>
+              </a:spcAft>
+              <a:defRPr sz="17200">
+                <a:solidFill>
+                  <a:schemeClr val="tx2"/>
+                </a:solidFill>
+                <a:latin typeface="Times New Roman" pitchFamily="-65" charset="0"/>
+              </a:defRPr>
+            </a:lvl8pPr>
+            <a:lvl9pPr marL="1605613" algn="ctr" defTabSz="3577785" rtl="0" fontAlgn="base">
+              <a:spcBef>
+                <a:spcPct val="0"/>
+              </a:spcBef>
+              <a:spcAft>
+                <a:spcPct val="0"/>
+              </a:spcAft>
+              <a:defRPr sz="17200">
+                <a:solidFill>
+                  <a:schemeClr val="tx2"/>
+                </a:solidFill>
+                <a:latin typeface="Times New Roman" pitchFamily="-65" charset="0"/>
+              </a:defRPr>
+            </a:lvl9pPr>
+          </a:lstStyle>
+          <a:p>
+            <a:endParaRPr lang="he-IL" sz="2500" kern="0" dirty="0">
+              <a:latin typeface="Mathematica1" panose="05000502060100000001" pitchFamily="2" charset="2"/>
+            </a:endParaRPr>
+          </a:p>
+        </p:txBody>
+      </p:sp>
+      <p:grpSp>
+        <p:nvGrpSpPr>
+          <p:cNvPr id="14345" name="Group 14344"/>
+          <p:cNvGrpSpPr/>
+          <p:nvPr/>
+        </p:nvGrpSpPr>
+        <p:grpSpPr>
+          <a:xfrm>
+            <a:off x="21198180" y="39035995"/>
+            <a:ext cx="1424375" cy="2415229"/>
+            <a:chOff x="20850282" y="38940933"/>
+            <a:chExt cx="1424375" cy="2415229"/>
+          </a:xfrm>
+        </p:grpSpPr>
+        <p:pic>
+          <p:nvPicPr>
+            <p:cNvPr id="1053" name="Picture 29" descr="D:\workspace\curveball_project\Plato\public\plato.png"/>
+            <p:cNvPicPr>
+              <a:picLocks noChangeAspect="1" noChangeArrowheads="1"/>
+            </p:cNvPicPr>
+            <p:nvPr/>
+          </p:nvPicPr>
+          <p:blipFill>
+            <a:blip r:embed="rId34">
+              <a:extLst>
+                <a:ext uri="{28A0092B-C50C-407E-A947-70E740481C1C}">
+                  <a14:useLocalDpi xmlns:a14="http://schemas.microsoft.com/office/drawing/2010/main" val="0"/>
+                </a:ext>
+              </a:extLst>
+            </a:blip>
+            <a:srcRect/>
+            <a:stretch>
+              <a:fillRect/>
+            </a:stretch>
+          </p:blipFill>
+          <p:spPr bwMode="auto">
+            <a:xfrm>
+              <a:off x="20850282" y="39504474"/>
+              <a:ext cx="1424375" cy="1851688"/>
+            </a:xfrm>
+            <a:prstGeom prst="rect">
+              <a:avLst/>
+            </a:prstGeom>
+            <a:noFill/>
+            <a:extLst>
+              <a:ext uri="{909E8E84-426E-40DD-AFC4-6F175D3DCCD1}">
+                <a14:hiddenFill xmlns:a14="http://schemas.microsoft.com/office/drawing/2010/main">
+                  <a:solidFill>
+                    <a:srgbClr val="FFFFFF"/>
+                  </a:solidFill>
+                </a14:hiddenFill>
+              </a:ext>
+            </a:extLst>
+          </p:spPr>
+        </p:pic>
+        <p:sp>
+          <p:nvSpPr>
+            <p:cNvPr id="14336" name="Rectangle 14335"/>
+            <p:cNvSpPr/>
+            <p:nvPr/>
+          </p:nvSpPr>
+          <p:spPr>
+            <a:xfrm>
+              <a:off x="20970000" y="38940933"/>
+              <a:ext cx="1184940" cy="523220"/>
+            </a:xfrm>
+            <a:prstGeom prst="rect">
+              <a:avLst/>
+            </a:prstGeom>
+          </p:spPr>
+          <p:txBody>
+            <a:bodyPr wrap="none">
+              <a:spAutoFit/>
+            </a:bodyPr>
+            <a:lstStyle/>
+            <a:p>
+              <a:r>
+                <a:rPr lang="en-US" kern="0" dirty="0">
+                  <a:latin typeface="Mathematica1" panose="05000502060100000001" pitchFamily="2" charset="2"/>
+                </a:rPr>
+                <a:t>Plato</a:t>
+              </a:r>
+              <a:endParaRPr lang="he-IL" kern="0" dirty="0">
+                <a:latin typeface="Mathematica1" panose="05000502060100000001" pitchFamily="2" charset="2"/>
+              </a:endParaRPr>
+            </a:p>
+          </p:txBody>
+        </p:sp>
+      </p:grpSp>
+      <p:grpSp>
+        <p:nvGrpSpPr>
+          <p:cNvPr id="14338" name="Group 14337"/>
+          <p:cNvGrpSpPr/>
+          <p:nvPr/>
+        </p:nvGrpSpPr>
+        <p:grpSpPr>
+          <a:xfrm>
+            <a:off x="23150512" y="39056809"/>
+            <a:ext cx="2540000" cy="2540000"/>
+            <a:chOff x="22228092" y="38918290"/>
+            <a:chExt cx="2540000" cy="2540000"/>
+          </a:xfrm>
+        </p:grpSpPr>
+        <p:pic>
+          <p:nvPicPr>
+            <p:cNvPr id="1052" name="Picture 28" descr="D:\workspace\curveball_project\gh-pages\img\logo_200px.png"/>
+            <p:cNvPicPr>
+              <a:picLocks noChangeAspect="1" noChangeArrowheads="1"/>
+            </p:cNvPicPr>
+            <p:nvPr/>
+          </p:nvPicPr>
+          <p:blipFill>
+            <a:blip r:embed="rId35">
+              <a:extLst>
+                <a:ext uri="{28A0092B-C50C-407E-A947-70E740481C1C}">
+                  <a14:useLocalDpi xmlns:a14="http://schemas.microsoft.com/office/drawing/2010/main" val="0"/>
+                </a:ext>
+              </a:extLst>
+            </a:blip>
+            <a:srcRect/>
+            <a:stretch>
+              <a:fillRect/>
+            </a:stretch>
+          </p:blipFill>
+          <p:spPr bwMode="auto">
+            <a:xfrm>
+              <a:off x="22228092" y="38918290"/>
+              <a:ext cx="2540000" cy="2540000"/>
+            </a:xfrm>
+            <a:prstGeom prst="rect">
+              <a:avLst/>
+            </a:prstGeom>
+            <a:noFill/>
+            <a:extLst>
+              <a:ext uri="{909E8E84-426E-40DD-AFC4-6F175D3DCCD1}">
+                <a14:hiddenFill xmlns:a14="http://schemas.microsoft.com/office/drawing/2010/main">
+                  <a:solidFill>
+                    <a:srgbClr val="FFFFFF"/>
+                  </a:solidFill>
+                </a14:hiddenFill>
+              </a:ext>
+            </a:extLst>
+          </p:spPr>
+        </p:pic>
+        <p:sp>
+          <p:nvSpPr>
+            <p:cNvPr id="14337" name="Rectangle 14336"/>
+            <p:cNvSpPr/>
+            <p:nvPr/>
+          </p:nvSpPr>
+          <p:spPr>
+            <a:xfrm>
+              <a:off x="22566215" y="38951653"/>
+              <a:ext cx="1927131" cy="523220"/>
+            </a:xfrm>
+            <a:prstGeom prst="rect">
+              <a:avLst/>
+            </a:prstGeom>
+          </p:spPr>
+          <p:txBody>
+            <a:bodyPr wrap="none">
+              <a:spAutoFit/>
+            </a:bodyPr>
+            <a:lstStyle/>
+            <a:p>
+              <a:r>
+                <a:rPr lang="en-US" dirty="0">
+                  <a:latin typeface="Gloria Hallelujah" panose="02000000000000000000" pitchFamily="2" charset="0"/>
+                </a:rPr>
+                <a:t>Curveball</a:t>
+              </a:r>
+              <a:endParaRPr lang="he-IL" dirty="0"/>
+            </a:p>
+          </p:txBody>
+        </p:sp>
+      </p:grpSp>
+      <p:pic>
+        <p:nvPicPr>
+          <p:cNvPr id="1027" name="Picture 3"/>
+          <p:cNvPicPr>
+            <a:picLocks noChangeAspect="1" noChangeArrowheads="1"/>
+          </p:cNvPicPr>
+          <p:nvPr/>
+        </p:nvPicPr>
+        <p:blipFill rotWithShape="1">
+          <a:blip r:embed="rId36">
+            <a:extLst>
+              <a:ext uri="{28A0092B-C50C-407E-A947-70E740481C1C}">
+                <a14:useLocalDpi xmlns:a14="http://schemas.microsoft.com/office/drawing/2010/main" val="0"/>
+              </a:ext>
+            </a:extLst>
+          </a:blip>
+          <a:srcRect l="23256" t="8170" r="5722" b="11134"/>
+          <a:stretch/>
+        </p:blipFill>
+        <p:spPr bwMode="auto">
+          <a:xfrm>
+            <a:off x="11530860" y="40456309"/>
+            <a:ext cx="3553565" cy="1152000"/>
+          </a:xfrm>
+          <a:prstGeom prst="rect">
+            <a:avLst/>
+          </a:prstGeom>
+          <a:noFill/>
+          <a:ln>
+            <a:noFill/>
+          </a:ln>
+          <a:effectLst/>
+          <a:extLst>
+            <a:ext uri="{909E8E84-426E-40DD-AFC4-6F175D3DCCD1}">
+              <a14:hiddenFill xmlns:a14="http://schemas.microsoft.com/office/drawing/2010/main">
+                <a:solidFill>
+                  <a:schemeClr val="accent1"/>
+                </a:solidFill>
+              </a14:hiddenFill>
+            </a:ext>
+            <a:ext uri="{91240B29-F687-4F45-9708-019B960494DF}">
+              <a14:hiddenLine xmlns:a14="http://schemas.microsoft.com/office/drawing/2010/main" w="9525">
+                <a:solidFill>
+                  <a:schemeClr val="tx1"/>
+                </a:solidFill>
+                <a:miter lim="800000"/>
+                <a:headEnd/>
+                <a:tailEnd/>
+              </a14:hiddenLine>
+            </a:ext>
+            <a:ext uri="{AF507438-7753-43E0-B8FC-AC1667EBCBE1}">
+              <a14:hiddenEffects xmlns:a14="http://schemas.microsoft.com/office/drawing/2010/main">
+                <a:effectLst>
+                  <a:outerShdw dist="35921" dir="2700000" algn="ctr" rotWithShape="0">
+                    <a:schemeClr val="bg2"/>
+                  </a:outerShdw>
+                </a:effectLst>
+              </a14:hiddenEffects>
+            </a:ext>
+          </a:extLst>
+        </p:spPr>
+      </p:pic>
+      <p:sp>
+        <p:nvSpPr>
+          <p:cNvPr id="14346" name="Rectangle 14345"/>
+          <p:cNvSpPr/>
+          <p:nvPr/>
+        </p:nvSpPr>
+        <p:spPr>
+          <a:xfrm>
+            <a:off x="20957185" y="41439600"/>
+            <a:ext cx="2092239" cy="338554"/>
+          </a:xfrm>
+          <a:prstGeom prst="rect">
+            <a:avLst/>
+          </a:prstGeom>
+        </p:spPr>
+        <p:txBody>
+          <a:bodyPr wrap="none">
+            <a:spAutoFit/>
+          </a:bodyPr>
+          <a:lstStyle/>
+          <a:p>
+            <a:r>
+              <a:rPr lang="en-US" sz="1600" b="1" dirty="0" smtClean="0">
+                <a:latin typeface="Consolas" panose="020B0609020204030204" pitchFamily="49" charset="0"/>
+                <a:cs typeface="Consolas" panose="020B0609020204030204" pitchFamily="49" charset="0"/>
+              </a:rPr>
+              <a:t>plato.yoavram.com</a:t>
+            </a:r>
+            <a:endParaRPr lang="he-IL" sz="1600" b="1" dirty="0">
+              <a:latin typeface="Consolas" panose="020B0609020204030204" pitchFamily="49" charset="0"/>
+            </a:endParaRPr>
+          </a:p>
+        </p:txBody>
+      </p:sp>
+      <p:sp>
+        <p:nvSpPr>
+          <p:cNvPr id="71" name="Rectangle 70"/>
+          <p:cNvSpPr/>
+          <p:nvPr/>
+        </p:nvSpPr>
+        <p:spPr>
+          <a:xfrm>
+            <a:off x="23118022" y="41439032"/>
+            <a:ext cx="2541080" cy="338554"/>
+          </a:xfrm>
+          <a:prstGeom prst="rect">
+            <a:avLst/>
+          </a:prstGeom>
+        </p:spPr>
+        <p:txBody>
+          <a:bodyPr wrap="none">
+            <a:spAutoFit/>
+          </a:bodyPr>
+          <a:lstStyle/>
+          <a:p>
+            <a:r>
+              <a:rPr lang="en-US" sz="1600" b="1" dirty="0" smtClean="0">
+                <a:latin typeface="Consolas" panose="020B0609020204030204" pitchFamily="49" charset="0"/>
+                <a:cs typeface="Consolas" panose="020B0609020204030204" pitchFamily="49" charset="0"/>
+              </a:rPr>
+              <a:t>curveball.yoavram.com</a:t>
+            </a:r>
+            <a:endParaRPr lang="he-IL" sz="1600" b="1" dirty="0">
+              <a:latin typeface="Consolas" panose="020B0609020204030204" pitchFamily="49" charset="0"/>
             </a:endParaRPr>
           </a:p>
         </p:txBody>

--- a/poster.pptx
+++ b/poster.pptx
@@ -254,7 +254,7 @@
             <a:fld id="{4DB31F7E-24C3-4F74-B155-4FAB7B65A36F}" type="datetime1">
               <a:rPr lang="en-US" altLang="he-IL"/>
               <a:pPr/>
-              <a:t>6/11/2015</a:t>
+              <a:t>6/15/2015</a:t>
             </a:fld>
             <a:endParaRPr lang="en-US" altLang="he-IL"/>
           </a:p>
@@ -4194,306 +4194,8 @@
           <a:chExt cx="0" cy="0"/>
         </a:xfrm>
       </p:grpSpPr>
-      <p:sp>
-        <p:nvSpPr>
-          <p:cNvPr id="67" name="Text Box 16"/>
-          <p:cNvSpPr txBox="1">
-            <a:spLocks noChangeArrowheads="1"/>
-          </p:cNvSpPr>
-          <p:nvPr/>
-        </p:nvSpPr>
-        <p:spPr bwMode="auto">
-          <a:xfrm>
-            <a:off x="20530755" y="35783432"/>
-            <a:ext cx="8410239" cy="6113056"/>
-          </a:xfrm>
-          <a:prstGeom prst="rect">
-            <a:avLst/>
-          </a:prstGeom>
-          <a:solidFill>
-            <a:schemeClr val="bg1"/>
-          </a:solidFill>
-          <a:ln w="38100">
-            <a:solidFill>
-              <a:srgbClr val="000000"/>
-            </a:solidFill>
-            <a:round/>
-            <a:headEnd/>
-            <a:tailEnd/>
-          </a:ln>
-        </p:spPr>
-        <p:txBody>
-          <a:bodyPr lIns="802806" tIns="401404" rIns="802806" bIns="802806"/>
-          <a:lstStyle>
-            <a:lvl1pPr eaLnBrk="0" hangingPunct="0">
-              <a:defRPr sz="2800">
-                <a:solidFill>
-                  <a:schemeClr val="tx1"/>
-                </a:solidFill>
-                <a:latin typeface="Helvetica" pitchFamily="124" charset="0"/>
-                <a:ea typeface="MS PGothic" pitchFamily="34" charset="-128"/>
-              </a:defRPr>
-            </a:lvl1pPr>
-            <a:lvl2pPr marL="742950" indent="-285750" eaLnBrk="0" hangingPunct="0">
-              <a:defRPr sz="2800">
-                <a:solidFill>
-                  <a:schemeClr val="tx1"/>
-                </a:solidFill>
-                <a:latin typeface="Helvetica" pitchFamily="124" charset="0"/>
-                <a:ea typeface="MS PGothic" pitchFamily="34" charset="-128"/>
-              </a:defRPr>
-            </a:lvl2pPr>
-            <a:lvl3pPr marL="1143000" indent="-228600" eaLnBrk="0" hangingPunct="0">
-              <a:defRPr sz="2800">
-                <a:solidFill>
-                  <a:schemeClr val="tx1"/>
-                </a:solidFill>
-                <a:latin typeface="Helvetica" pitchFamily="124" charset="0"/>
-                <a:ea typeface="MS PGothic" pitchFamily="34" charset="-128"/>
-              </a:defRPr>
-            </a:lvl3pPr>
-            <a:lvl4pPr marL="1600200" indent="-228600" eaLnBrk="0" hangingPunct="0">
-              <a:defRPr sz="2800">
-                <a:solidFill>
-                  <a:schemeClr val="tx1"/>
-                </a:solidFill>
-                <a:latin typeface="Helvetica" pitchFamily="124" charset="0"/>
-                <a:ea typeface="MS PGothic" pitchFamily="34" charset="-128"/>
-              </a:defRPr>
-            </a:lvl4pPr>
-            <a:lvl5pPr marL="2057400" indent="-228600" eaLnBrk="0" hangingPunct="0">
-              <a:defRPr sz="2800">
-                <a:solidFill>
-                  <a:schemeClr val="tx1"/>
-                </a:solidFill>
-                <a:latin typeface="Helvetica" pitchFamily="124" charset="0"/>
-                <a:ea typeface="MS PGothic" pitchFamily="34" charset="-128"/>
-              </a:defRPr>
-            </a:lvl5pPr>
-            <a:lvl6pPr marL="2514600" indent="-228600" algn="l" rtl="0" eaLnBrk="0" fontAlgn="base" hangingPunct="0">
-              <a:spcBef>
-                <a:spcPct val="0"/>
-              </a:spcBef>
-              <a:spcAft>
-                <a:spcPct val="0"/>
-              </a:spcAft>
-              <a:defRPr sz="2800">
-                <a:solidFill>
-                  <a:schemeClr val="tx1"/>
-                </a:solidFill>
-                <a:latin typeface="Helvetica" pitchFamily="124" charset="0"/>
-                <a:ea typeface="MS PGothic" pitchFamily="34" charset="-128"/>
-              </a:defRPr>
-            </a:lvl6pPr>
-            <a:lvl7pPr marL="2971800" indent="-228600" algn="l" rtl="0" eaLnBrk="0" fontAlgn="base" hangingPunct="0">
-              <a:spcBef>
-                <a:spcPct val="0"/>
-              </a:spcBef>
-              <a:spcAft>
-                <a:spcPct val="0"/>
-              </a:spcAft>
-              <a:defRPr sz="2800">
-                <a:solidFill>
-                  <a:schemeClr val="tx1"/>
-                </a:solidFill>
-                <a:latin typeface="Helvetica" pitchFamily="124" charset="0"/>
-                <a:ea typeface="MS PGothic" pitchFamily="34" charset="-128"/>
-              </a:defRPr>
-            </a:lvl7pPr>
-            <a:lvl8pPr marL="3429000" indent="-228600" algn="l" rtl="0" eaLnBrk="0" fontAlgn="base" hangingPunct="0">
-              <a:spcBef>
-                <a:spcPct val="0"/>
-              </a:spcBef>
-              <a:spcAft>
-                <a:spcPct val="0"/>
-              </a:spcAft>
-              <a:defRPr sz="2800">
-                <a:solidFill>
-                  <a:schemeClr val="tx1"/>
-                </a:solidFill>
-                <a:latin typeface="Helvetica" pitchFamily="124" charset="0"/>
-                <a:ea typeface="MS PGothic" pitchFamily="34" charset="-128"/>
-              </a:defRPr>
-            </a:lvl8pPr>
-            <a:lvl9pPr marL="3886200" indent="-228600" algn="l" rtl="0" eaLnBrk="0" fontAlgn="base" hangingPunct="0">
-              <a:spcBef>
-                <a:spcPct val="0"/>
-              </a:spcBef>
-              <a:spcAft>
-                <a:spcPct val="0"/>
-              </a:spcAft>
-              <a:defRPr sz="2800">
-                <a:solidFill>
-                  <a:schemeClr val="tx1"/>
-                </a:solidFill>
-                <a:latin typeface="Helvetica" pitchFamily="124" charset="0"/>
-                <a:ea typeface="MS PGothic" pitchFamily="34" charset="-128"/>
-              </a:defRPr>
-            </a:lvl9pPr>
-          </a:lstStyle>
-          <a:p>
-            <a:pPr eaLnBrk="1" hangingPunct="1">
-              <a:spcBef>
-                <a:spcPct val="50000"/>
-              </a:spcBef>
-            </a:pPr>
-            <a:endParaRPr lang="en-GB" sz="2500" dirty="0">
-              <a:latin typeface="Times New Roman" pitchFamily="18" charset="0"/>
-            </a:endParaRPr>
-          </a:p>
-        </p:txBody>
-      </p:sp>
-      <p:sp>
-        <p:nvSpPr>
-          <p:cNvPr id="62" name="Text Box 16"/>
-          <p:cNvSpPr txBox="1">
-            <a:spLocks noChangeArrowheads="1"/>
-          </p:cNvSpPr>
-          <p:nvPr/>
-        </p:nvSpPr>
-        <p:spPr bwMode="auto">
-          <a:xfrm>
-            <a:off x="10955768" y="35783839"/>
-            <a:ext cx="8458924" cy="6113056"/>
-          </a:xfrm>
-          <a:prstGeom prst="rect">
-            <a:avLst/>
-          </a:prstGeom>
-          <a:solidFill>
-            <a:schemeClr val="bg1"/>
-          </a:solidFill>
-          <a:ln w="38100">
-            <a:solidFill>
-              <a:srgbClr val="000000"/>
-            </a:solidFill>
-            <a:round/>
-            <a:headEnd/>
-            <a:tailEnd/>
-          </a:ln>
-        </p:spPr>
-        <p:txBody>
-          <a:bodyPr lIns="802806" tIns="401404" rIns="802806" bIns="802806"/>
-          <a:lstStyle>
-            <a:lvl1pPr eaLnBrk="0" hangingPunct="0">
-              <a:defRPr sz="2800">
-                <a:solidFill>
-                  <a:schemeClr val="tx1"/>
-                </a:solidFill>
-                <a:latin typeface="Helvetica" pitchFamily="124" charset="0"/>
-                <a:ea typeface="MS PGothic" pitchFamily="34" charset="-128"/>
-              </a:defRPr>
-            </a:lvl1pPr>
-            <a:lvl2pPr marL="742950" indent="-285750" eaLnBrk="0" hangingPunct="0">
-              <a:defRPr sz="2800">
-                <a:solidFill>
-                  <a:schemeClr val="tx1"/>
-                </a:solidFill>
-                <a:latin typeface="Helvetica" pitchFamily="124" charset="0"/>
-                <a:ea typeface="MS PGothic" pitchFamily="34" charset="-128"/>
-              </a:defRPr>
-            </a:lvl2pPr>
-            <a:lvl3pPr marL="1143000" indent="-228600" eaLnBrk="0" hangingPunct="0">
-              <a:defRPr sz="2800">
-                <a:solidFill>
-                  <a:schemeClr val="tx1"/>
-                </a:solidFill>
-                <a:latin typeface="Helvetica" pitchFamily="124" charset="0"/>
-                <a:ea typeface="MS PGothic" pitchFamily="34" charset="-128"/>
-              </a:defRPr>
-            </a:lvl3pPr>
-            <a:lvl4pPr marL="1600200" indent="-228600" eaLnBrk="0" hangingPunct="0">
-              <a:defRPr sz="2800">
-                <a:solidFill>
-                  <a:schemeClr val="tx1"/>
-                </a:solidFill>
-                <a:latin typeface="Helvetica" pitchFamily="124" charset="0"/>
-                <a:ea typeface="MS PGothic" pitchFamily="34" charset="-128"/>
-              </a:defRPr>
-            </a:lvl4pPr>
-            <a:lvl5pPr marL="2057400" indent="-228600" eaLnBrk="0" hangingPunct="0">
-              <a:defRPr sz="2800">
-                <a:solidFill>
-                  <a:schemeClr val="tx1"/>
-                </a:solidFill>
-                <a:latin typeface="Helvetica" pitchFamily="124" charset="0"/>
-                <a:ea typeface="MS PGothic" pitchFamily="34" charset="-128"/>
-              </a:defRPr>
-            </a:lvl5pPr>
-            <a:lvl6pPr marL="2514600" indent="-228600" algn="l" rtl="0" eaLnBrk="0" fontAlgn="base" hangingPunct="0">
-              <a:spcBef>
-                <a:spcPct val="0"/>
-              </a:spcBef>
-              <a:spcAft>
-                <a:spcPct val="0"/>
-              </a:spcAft>
-              <a:defRPr sz="2800">
-                <a:solidFill>
-                  <a:schemeClr val="tx1"/>
-                </a:solidFill>
-                <a:latin typeface="Helvetica" pitchFamily="124" charset="0"/>
-                <a:ea typeface="MS PGothic" pitchFamily="34" charset="-128"/>
-              </a:defRPr>
-            </a:lvl6pPr>
-            <a:lvl7pPr marL="2971800" indent="-228600" algn="l" rtl="0" eaLnBrk="0" fontAlgn="base" hangingPunct="0">
-              <a:spcBef>
-                <a:spcPct val="0"/>
-              </a:spcBef>
-              <a:spcAft>
-                <a:spcPct val="0"/>
-              </a:spcAft>
-              <a:defRPr sz="2800">
-                <a:solidFill>
-                  <a:schemeClr val="tx1"/>
-                </a:solidFill>
-                <a:latin typeface="Helvetica" pitchFamily="124" charset="0"/>
-                <a:ea typeface="MS PGothic" pitchFamily="34" charset="-128"/>
-              </a:defRPr>
-            </a:lvl7pPr>
-            <a:lvl8pPr marL="3429000" indent="-228600" algn="l" rtl="0" eaLnBrk="0" fontAlgn="base" hangingPunct="0">
-              <a:spcBef>
-                <a:spcPct val="0"/>
-              </a:spcBef>
-              <a:spcAft>
-                <a:spcPct val="0"/>
-              </a:spcAft>
-              <a:defRPr sz="2800">
-                <a:solidFill>
-                  <a:schemeClr val="tx1"/>
-                </a:solidFill>
-                <a:latin typeface="Helvetica" pitchFamily="124" charset="0"/>
-                <a:ea typeface="MS PGothic" pitchFamily="34" charset="-128"/>
-              </a:defRPr>
-            </a:lvl8pPr>
-            <a:lvl9pPr marL="3886200" indent="-228600" algn="l" rtl="0" eaLnBrk="0" fontAlgn="base" hangingPunct="0">
-              <a:spcBef>
-                <a:spcPct val="0"/>
-              </a:spcBef>
-              <a:spcAft>
-                <a:spcPct val="0"/>
-              </a:spcAft>
-              <a:defRPr sz="2800">
-                <a:solidFill>
-                  <a:schemeClr val="tx1"/>
-                </a:solidFill>
-                <a:latin typeface="Helvetica" pitchFamily="124" charset="0"/>
-                <a:ea typeface="MS PGothic" pitchFamily="34" charset="-128"/>
-              </a:defRPr>
-            </a:lvl9pPr>
-          </a:lstStyle>
-          <a:p>
-            <a:pPr eaLnBrk="1" hangingPunct="1">
-              <a:spcBef>
-                <a:spcPct val="50000"/>
-              </a:spcBef>
-            </a:pPr>
-            <a:endParaRPr lang="en-GB" sz="2500" dirty="0">
-              <a:latin typeface="Times New Roman" pitchFamily="18" charset="0"/>
-            </a:endParaRPr>
-          </a:p>
-        </p:txBody>
-      </p:sp>
-      <mc:AlternateContent xmlns:mc="http://schemas.openxmlformats.org/markup-compatibility/2006">
-        <mc:Choice xmlns:a14="http://schemas.microsoft.com/office/drawing/2010/main" Requires="a14">
+      <mc:AlternateContent xmlns:mc="http://schemas.openxmlformats.org/markup-compatibility/2006" xmlns:a14="http://schemas.microsoft.com/office/drawing/2010/main">
+        <mc:Choice Requires="a14">
           <p:sp>
             <p:nvSpPr>
               <p:cNvPr id="51" name="Text Box 11"/>
@@ -4690,35 +4392,28 @@
                   </a:spcBef>
                 </a:pPr>
                 <a:r>
-                  <a:rPr lang="en-US" altLang="he-IL" sz="2500" dirty="0" smtClean="0">
+                  <a:rPr lang="en-US" altLang="he-IL" b="1" dirty="0" smtClean="0">
+                    <a:latin typeface="Calibri" panose="020F0502020204030204" pitchFamily="34" charset="0"/>
+                  </a:rPr>
+                  <a:t>Classical population genetics.</a:t>
+                </a:r>
+                <a:r>
+                  <a:rPr lang="en-US" altLang="he-IL" dirty="0" smtClean="0">
                     <a:latin typeface="Times New Roman" pitchFamily="18" charset="0"/>
                   </a:rPr>
-                  <a:t>Fitness can be inferred from competitions in several ways</a:t>
+                  <a:t> </a:t>
                 </a:r>
                 <a:r>
-                  <a:rPr lang="en-US" altLang="he-IL" sz="2500" baseline="30000" dirty="0" smtClean="0">
+                  <a:rPr lang="en-US" altLang="he-IL" sz="2500" dirty="0">
                     <a:latin typeface="Times New Roman" pitchFamily="18" charset="0"/>
                   </a:rPr>
-                  <a:t>2,3,5</a:t>
+                  <a:t>A</a:t>
                 </a:r>
                 <a:r>
                   <a:rPr lang="en-US" altLang="he-IL" sz="2500" dirty="0" smtClean="0">
                     <a:latin typeface="Times New Roman" pitchFamily="18" charset="0"/>
                   </a:rPr>
-                  <a:t>.</a:t>
-                </a:r>
-              </a:p>
-              <a:p>
-                <a:pPr indent="180000" eaLnBrk="1" hangingPunct="1">
-                  <a:spcBef>
-                    <a:spcPct val="10000"/>
-                  </a:spcBef>
-                </a:pPr>
-                <a:r>
-                  <a:rPr lang="en-US" altLang="he-IL" sz="2500" dirty="0" smtClean="0">
-                    <a:latin typeface="Times New Roman" pitchFamily="18" charset="0"/>
-                  </a:rPr>
-                  <a:t>For example, according to Crow &amp; Kimura</a:t>
+                  <a:t>ccording to Crow &amp; Kimura</a:t>
                 </a:r>
                 <a:r>
                   <a:rPr lang="en-US" altLang="he-IL" sz="2500" baseline="30000" dirty="0" smtClean="0">
@@ -5032,25 +4727,7 @@
                   <a:rPr lang="en-US" altLang="he-IL" sz="2500" dirty="0" smtClean="0">
                     <a:latin typeface="Times New Roman" pitchFamily="18" charset="0"/>
                   </a:rPr>
-                  <a:t> is the selection coefficient </a:t>
-                </a:r>
-                <a:r>
-                  <a:rPr lang="en-US" altLang="he-IL" sz="2500" dirty="0" smtClean="0">
-                    <a:latin typeface="Times New Roman" pitchFamily="18" charset="0"/>
-                  </a:rPr>
-                  <a:t>of the </a:t>
-                </a:r>
-                <a:r>
-                  <a:rPr lang="en-US" altLang="he-IL" sz="2500" dirty="0" smtClean="0">
-                    <a:latin typeface="Times New Roman" pitchFamily="18" charset="0"/>
-                  </a:rPr>
-                  <a:t>red strain</a:t>
-                </a:r>
-                <a:r>
-                  <a:rPr lang="en-US" altLang="he-IL" sz="2500" dirty="0" smtClean="0">
-                    <a:latin typeface="Times New Roman" pitchFamily="18" charset="0"/>
-                  </a:rPr>
-                  <a:t>.</a:t>
+                  <a:t> is the selection coefficient of the red strain.</a:t>
                 </a:r>
               </a:p>
               <a:p>
@@ -5059,8 +4736,8 @@
                     <a:spcPct val="10000"/>
                   </a:spcBef>
                 </a:pPr>
-                <a:endParaRPr lang="en-US" altLang="he-IL" sz="2500" dirty="0">
-                  <a:latin typeface="Times New Roman" pitchFamily="18" charset="0"/>
+                <a:endParaRPr lang="en-US" altLang="he-IL" b="1" dirty="0" smtClean="0">
+                  <a:latin typeface="Calibri" panose="020F0502020204030204" pitchFamily="34" charset="0"/>
                 </a:endParaRPr>
               </a:p>
               <a:p>
@@ -5070,10 +4747,28 @@
                   </a:spcBef>
                 </a:pPr>
                 <a:r>
+                  <a:rPr lang="en-US" altLang="he-IL" b="1" dirty="0" smtClean="0">
+                    <a:latin typeface="Calibri" panose="020F0502020204030204" pitchFamily="34" charset="0"/>
+                  </a:rPr>
+                  <a:t>Effective </a:t>
+                </a:r>
+                <a:r>
+                  <a:rPr lang="en-US" altLang="he-IL" b="1" dirty="0">
+                    <a:latin typeface="Calibri" panose="020F0502020204030204" pitchFamily="34" charset="0"/>
+                  </a:rPr>
+                  <a:t>selection </a:t>
+                </a:r>
+                <a:r>
+                  <a:rPr lang="en-US" altLang="he-IL" b="1" dirty="0" smtClean="0">
+                    <a:latin typeface="Calibri" panose="020F0502020204030204" pitchFamily="34" charset="0"/>
+                  </a:rPr>
+                  <a:t>coefficient. </a:t>
+                </a:r>
+                <a:r>
                   <a:rPr lang="en-US" altLang="he-IL" sz="2500" dirty="0" smtClean="0">
                     <a:latin typeface="Times New Roman" pitchFamily="18" charset="0"/>
                   </a:rPr>
-                  <a:t>We fit this equation to the frequency of the strain under question in the competition simulation. </a:t>
+                  <a:t>We fit the above  equation to the frequency of the red strain in the competition simulation. </a:t>
                 </a:r>
               </a:p>
               <a:p>
@@ -5105,10 +4800,7 @@
                   <a:t> is the </a:t>
                 </a:r>
                 <a:r>
-                  <a:rPr lang="en-US" altLang="he-IL" sz="2500" b="1" dirty="0" smtClean="0">
-                    <a:solidFill>
-                      <a:srgbClr val="004080"/>
-                    </a:solidFill>
+                  <a:rPr lang="en-US" altLang="he-IL" sz="2500" i="1" dirty="0" smtClean="0">
                     <a:latin typeface="Times New Roman" pitchFamily="18" charset="0"/>
                   </a:rPr>
                   <a:t>effective selection coefficient</a:t>
@@ -5119,9 +4811,6 @@
                   </a:rPr>
                   <a:t>: the selection coefficient in an idealized population that would cause similar change in frequency as the population under consideration.</a:t>
                 </a:r>
-                <a:endParaRPr lang="en-US" altLang="he-IL" sz="2500" dirty="0" smtClean="0">
-                  <a:latin typeface="Times New Roman" pitchFamily="18" charset="0"/>
-                </a:endParaRPr>
               </a:p>
               <a:p>
                 <a:pPr indent="180000" eaLnBrk="1" hangingPunct="1">
@@ -5306,7 +4995,7 @@
             </p:txBody>
           </p:sp>
         </mc:Choice>
-        <mc:Fallback>
+        <mc:Fallback xmlns="">
           <p:sp>
             <p:nvSpPr>
               <p:cNvPr id="51" name="Text Box 11"/>
@@ -5355,7 +5044,7 @@
       </mc:AlternateContent>
       <p:pic>
         <p:nvPicPr>
-          <p:cNvPr id="15" name="Picture 2" descr="D:\university\presentations\GRC 2015\frequency_fit.png"/>
+          <p:cNvPr id="25" name="Picture 6" descr="D:\university\presentations\GRC 2015\frequency_fit.png"/>
           <p:cNvPicPr>
             <a:picLocks noChangeAspect="1" noChangeArrowheads="1"/>
           </p:cNvPicPr>
@@ -5376,8 +5065,8 @@
         </p:blipFill>
         <p:spPr bwMode="auto">
           <a:xfrm>
-            <a:off x="11304000" y="28623914"/>
-            <a:ext cx="7748587" cy="5310188"/>
+            <a:off x="11304000" y="28623600"/>
+            <a:ext cx="7748588" cy="5310188"/>
           </a:xfrm>
           <a:prstGeom prst="rect">
             <a:avLst/>
@@ -5394,1134 +5083,6 @@
           </a:extLst>
         </p:spPr>
       </p:pic>
-      <p:sp>
-        <p:nvSpPr>
-          <p:cNvPr id="14343" name="Text Box 13"/>
-          <p:cNvSpPr txBox="1">
-            <a:spLocks noChangeArrowheads="1"/>
-          </p:cNvSpPr>
-          <p:nvPr/>
-        </p:nvSpPr>
-        <p:spPr bwMode="auto">
-          <a:xfrm>
-            <a:off x="20610513" y="7550150"/>
-            <a:ext cx="8458200" cy="21812812"/>
-          </a:xfrm>
-          <a:prstGeom prst="rect">
-            <a:avLst/>
-          </a:prstGeom>
-          <a:solidFill>
-            <a:schemeClr val="bg1"/>
-          </a:solidFill>
-          <a:ln w="38100">
-            <a:solidFill>
-              <a:srgbClr val="000000"/>
-            </a:solidFill>
-            <a:round/>
-            <a:headEnd/>
-            <a:tailEnd/>
-          </a:ln>
-        </p:spPr>
-        <p:txBody>
-          <a:bodyPr lIns="802806" tIns="401404" rIns="802806" bIns="802806"/>
-          <a:lstStyle>
-            <a:lvl1pPr eaLnBrk="0" hangingPunct="0">
-              <a:tabLst>
-                <a:tab pos="635000" algn="l"/>
-              </a:tabLst>
-              <a:defRPr sz="2800">
-                <a:solidFill>
-                  <a:schemeClr val="tx1"/>
-                </a:solidFill>
-                <a:latin typeface="Helvetica" pitchFamily="124" charset="0"/>
-                <a:ea typeface="MS PGothic" pitchFamily="34" charset="-128"/>
-              </a:defRPr>
-            </a:lvl1pPr>
-            <a:lvl2pPr marL="742950" indent="-285750" eaLnBrk="0" hangingPunct="0">
-              <a:tabLst>
-                <a:tab pos="635000" algn="l"/>
-              </a:tabLst>
-              <a:defRPr sz="2800">
-                <a:solidFill>
-                  <a:schemeClr val="tx1"/>
-                </a:solidFill>
-                <a:latin typeface="Helvetica" pitchFamily="124" charset="0"/>
-                <a:ea typeface="MS PGothic" pitchFamily="34" charset="-128"/>
-              </a:defRPr>
-            </a:lvl2pPr>
-            <a:lvl3pPr marL="1143000" indent="-228600" eaLnBrk="0" hangingPunct="0">
-              <a:tabLst>
-                <a:tab pos="635000" algn="l"/>
-              </a:tabLst>
-              <a:defRPr sz="2800">
-                <a:solidFill>
-                  <a:schemeClr val="tx1"/>
-                </a:solidFill>
-                <a:latin typeface="Helvetica" pitchFamily="124" charset="0"/>
-                <a:ea typeface="MS PGothic" pitchFamily="34" charset="-128"/>
-              </a:defRPr>
-            </a:lvl3pPr>
-            <a:lvl4pPr marL="1600200" indent="-228600" eaLnBrk="0" hangingPunct="0">
-              <a:tabLst>
-                <a:tab pos="635000" algn="l"/>
-              </a:tabLst>
-              <a:defRPr sz="2800">
-                <a:solidFill>
-                  <a:schemeClr val="tx1"/>
-                </a:solidFill>
-                <a:latin typeface="Helvetica" pitchFamily="124" charset="0"/>
-                <a:ea typeface="MS PGothic" pitchFamily="34" charset="-128"/>
-              </a:defRPr>
-            </a:lvl4pPr>
-            <a:lvl5pPr marL="2057400" indent="-228600" eaLnBrk="0" hangingPunct="0">
-              <a:tabLst>
-                <a:tab pos="635000" algn="l"/>
-              </a:tabLst>
-              <a:defRPr sz="2800">
-                <a:solidFill>
-                  <a:schemeClr val="tx1"/>
-                </a:solidFill>
-                <a:latin typeface="Helvetica" pitchFamily="124" charset="0"/>
-                <a:ea typeface="MS PGothic" pitchFamily="34" charset="-128"/>
-              </a:defRPr>
-            </a:lvl5pPr>
-            <a:lvl6pPr marL="2514600" indent="-228600" algn="l" rtl="0" eaLnBrk="0" fontAlgn="base" hangingPunct="0">
-              <a:spcBef>
-                <a:spcPct val="0"/>
-              </a:spcBef>
-              <a:spcAft>
-                <a:spcPct val="0"/>
-              </a:spcAft>
-              <a:tabLst>
-                <a:tab pos="635000" algn="l"/>
-              </a:tabLst>
-              <a:defRPr sz="2800">
-                <a:solidFill>
-                  <a:schemeClr val="tx1"/>
-                </a:solidFill>
-                <a:latin typeface="Helvetica" pitchFamily="124" charset="0"/>
-                <a:ea typeface="MS PGothic" pitchFamily="34" charset="-128"/>
-              </a:defRPr>
-            </a:lvl6pPr>
-            <a:lvl7pPr marL="2971800" indent="-228600" algn="l" rtl="0" eaLnBrk="0" fontAlgn="base" hangingPunct="0">
-              <a:spcBef>
-                <a:spcPct val="0"/>
-              </a:spcBef>
-              <a:spcAft>
-                <a:spcPct val="0"/>
-              </a:spcAft>
-              <a:tabLst>
-                <a:tab pos="635000" algn="l"/>
-              </a:tabLst>
-              <a:defRPr sz="2800">
-                <a:solidFill>
-                  <a:schemeClr val="tx1"/>
-                </a:solidFill>
-                <a:latin typeface="Helvetica" pitchFamily="124" charset="0"/>
-                <a:ea typeface="MS PGothic" pitchFamily="34" charset="-128"/>
-              </a:defRPr>
-            </a:lvl7pPr>
-            <a:lvl8pPr marL="3429000" indent="-228600" algn="l" rtl="0" eaLnBrk="0" fontAlgn="base" hangingPunct="0">
-              <a:spcBef>
-                <a:spcPct val="0"/>
-              </a:spcBef>
-              <a:spcAft>
-                <a:spcPct val="0"/>
-              </a:spcAft>
-              <a:tabLst>
-                <a:tab pos="635000" algn="l"/>
-              </a:tabLst>
-              <a:defRPr sz="2800">
-                <a:solidFill>
-                  <a:schemeClr val="tx1"/>
-                </a:solidFill>
-                <a:latin typeface="Helvetica" pitchFamily="124" charset="0"/>
-                <a:ea typeface="MS PGothic" pitchFamily="34" charset="-128"/>
-              </a:defRPr>
-            </a:lvl8pPr>
-            <a:lvl9pPr marL="3886200" indent="-228600" algn="l" rtl="0" eaLnBrk="0" fontAlgn="base" hangingPunct="0">
-              <a:spcBef>
-                <a:spcPct val="0"/>
-              </a:spcBef>
-              <a:spcAft>
-                <a:spcPct val="0"/>
-              </a:spcAft>
-              <a:tabLst>
-                <a:tab pos="635000" algn="l"/>
-              </a:tabLst>
-              <a:defRPr sz="2800">
-                <a:solidFill>
-                  <a:schemeClr val="tx1"/>
-                </a:solidFill>
-                <a:latin typeface="Helvetica" pitchFamily="124" charset="0"/>
-                <a:ea typeface="MS PGothic" pitchFamily="34" charset="-128"/>
-              </a:defRPr>
-            </a:lvl9pPr>
-          </a:lstStyle>
-          <a:p>
-            <a:pPr indent="180000" eaLnBrk="1" hangingPunct="1">
-              <a:spcBef>
-                <a:spcPct val="50000"/>
-              </a:spcBef>
-            </a:pPr>
-            <a:r>
-              <a:rPr lang="en-US" altLang="he-IL" sz="4200" b="1" dirty="0" smtClean="0">
-                <a:solidFill>
-                  <a:srgbClr val="E02829"/>
-                </a:solidFill>
-                <a:latin typeface="Calibri" pitchFamily="34" charset="0"/>
-              </a:rPr>
-              <a:t>Experimental test</a:t>
-            </a:r>
-            <a:endParaRPr lang="en-US" altLang="he-IL" sz="4200" b="1" dirty="0">
-              <a:solidFill>
-                <a:srgbClr val="E02829"/>
-              </a:solidFill>
-              <a:latin typeface="Calibri" pitchFamily="34" charset="0"/>
-            </a:endParaRPr>
-          </a:p>
-          <a:p>
-            <a:pPr indent="180000" eaLnBrk="1" hangingPunct="1">
-              <a:spcBef>
-                <a:spcPct val="10000"/>
-              </a:spcBef>
-            </a:pPr>
-            <a:r>
-              <a:rPr lang="en-US" altLang="he-IL" sz="2500" dirty="0" smtClean="0">
-                <a:latin typeface="Times New Roman" pitchFamily="18" charset="0"/>
-              </a:rPr>
-              <a:t>To test the model prediction we grow two strains of </a:t>
-            </a:r>
-            <a:r>
-              <a:rPr lang="en-US" altLang="he-IL" sz="2500" i="1" dirty="0" smtClean="0">
-                <a:latin typeface="Times New Roman" pitchFamily="18" charset="0"/>
-              </a:rPr>
-              <a:t>E. coli</a:t>
-            </a:r>
-            <a:r>
-              <a:rPr lang="en-US" altLang="he-IL" sz="2500" dirty="0" smtClean="0">
-                <a:latin typeface="Times New Roman" pitchFamily="18" charset="0"/>
-              </a:rPr>
-              <a:t> </a:t>
-            </a:r>
-            <a:r>
-              <a:rPr lang="en-US" altLang="he-IL" sz="2500" dirty="0" smtClean="0">
-                <a:solidFill>
-                  <a:srgbClr val="59A754"/>
-                </a:solidFill>
-                <a:latin typeface="Times New Roman" pitchFamily="18" charset="0"/>
-              </a:rPr>
-              <a:t>separ</a:t>
-            </a:r>
-            <a:r>
-              <a:rPr lang="en-US" altLang="he-IL" sz="2500" dirty="0" smtClean="0">
-                <a:solidFill>
-                  <a:srgbClr val="E02829"/>
-                </a:solidFill>
-                <a:latin typeface="Times New Roman" pitchFamily="18" charset="0"/>
-              </a:rPr>
-              <a:t>ately </a:t>
-            </a:r>
-            <a:r>
-              <a:rPr lang="en-US" altLang="he-IL" sz="2500" dirty="0" smtClean="0">
-                <a:latin typeface="Times New Roman" pitchFamily="18" charset="0"/>
-              </a:rPr>
-              <a:t>and in </a:t>
-            </a:r>
-            <a:r>
-              <a:rPr lang="en-US" altLang="he-IL" sz="2500" dirty="0" smtClean="0">
-                <a:solidFill>
-                  <a:srgbClr val="3B7EB5"/>
-                </a:solidFill>
-                <a:latin typeface="Times New Roman" pitchFamily="18" charset="0"/>
-              </a:rPr>
-              <a:t>competitions</a:t>
-            </a:r>
-            <a:r>
-              <a:rPr lang="en-US" altLang="he-IL" sz="2500" dirty="0" smtClean="0">
-                <a:solidFill>
-                  <a:srgbClr val="0000FF"/>
-                </a:solidFill>
-                <a:latin typeface="Times New Roman" pitchFamily="18" charset="0"/>
-              </a:rPr>
-              <a:t> </a:t>
-            </a:r>
-            <a:r>
-              <a:rPr lang="en-US" altLang="he-IL" sz="2500" dirty="0" smtClean="0">
-                <a:latin typeface="Times New Roman" pitchFamily="18" charset="0"/>
-              </a:rPr>
-              <a:t>in a 96-well plate and measure their OD over time.</a:t>
-            </a:r>
-          </a:p>
-          <a:p>
-            <a:pPr indent="180000" eaLnBrk="1" hangingPunct="1">
-              <a:spcBef>
-                <a:spcPct val="10000"/>
-              </a:spcBef>
-            </a:pPr>
-            <a:endParaRPr lang="en-US" altLang="he-IL" sz="2500" dirty="0">
-              <a:latin typeface="Times New Roman" pitchFamily="18" charset="0"/>
-            </a:endParaRPr>
-          </a:p>
-          <a:p>
-            <a:pPr indent="180000" eaLnBrk="1" hangingPunct="1">
-              <a:spcBef>
-                <a:spcPct val="10000"/>
-              </a:spcBef>
-            </a:pPr>
-            <a:endParaRPr lang="en-US" altLang="he-IL" sz="2500" dirty="0" smtClean="0">
-              <a:latin typeface="Times New Roman" pitchFamily="18" charset="0"/>
-            </a:endParaRPr>
-          </a:p>
-          <a:p>
-            <a:pPr indent="180000" eaLnBrk="1" hangingPunct="1">
-              <a:spcBef>
-                <a:spcPct val="10000"/>
-              </a:spcBef>
-            </a:pPr>
-            <a:endParaRPr lang="en-US" altLang="he-IL" sz="2500" dirty="0">
-              <a:latin typeface="Times New Roman" pitchFamily="18" charset="0"/>
-            </a:endParaRPr>
-          </a:p>
-          <a:p>
-            <a:pPr indent="180000" eaLnBrk="1" hangingPunct="1">
-              <a:spcBef>
-                <a:spcPct val="10000"/>
-              </a:spcBef>
-            </a:pPr>
-            <a:endParaRPr lang="en-US" altLang="he-IL" sz="2500" dirty="0" smtClean="0">
-              <a:latin typeface="Times New Roman" pitchFamily="18" charset="0"/>
-            </a:endParaRPr>
-          </a:p>
-          <a:p>
-            <a:pPr indent="180000" eaLnBrk="1" hangingPunct="1">
-              <a:spcBef>
-                <a:spcPct val="10000"/>
-              </a:spcBef>
-            </a:pPr>
-            <a:endParaRPr lang="en-US" altLang="he-IL" sz="2500" dirty="0">
-              <a:latin typeface="Times New Roman" pitchFamily="18" charset="0"/>
-            </a:endParaRPr>
-          </a:p>
-          <a:p>
-            <a:pPr indent="180000" eaLnBrk="1" hangingPunct="1">
-              <a:spcBef>
-                <a:spcPct val="10000"/>
-              </a:spcBef>
-            </a:pPr>
-            <a:endParaRPr lang="en-US" altLang="he-IL" sz="2500" dirty="0" smtClean="0">
-              <a:latin typeface="Times New Roman" pitchFamily="18" charset="0"/>
-            </a:endParaRPr>
-          </a:p>
-          <a:p>
-            <a:pPr indent="180000" eaLnBrk="1" hangingPunct="1">
-              <a:spcBef>
-                <a:spcPct val="10000"/>
-              </a:spcBef>
-            </a:pPr>
-            <a:endParaRPr lang="en-US" altLang="he-IL" sz="2500" dirty="0">
-              <a:latin typeface="Times New Roman" pitchFamily="18" charset="0"/>
-            </a:endParaRPr>
-          </a:p>
-          <a:p>
-            <a:pPr indent="180000" eaLnBrk="1" hangingPunct="1">
-              <a:spcBef>
-                <a:spcPct val="10000"/>
-              </a:spcBef>
-            </a:pPr>
-            <a:endParaRPr lang="en-US" altLang="he-IL" sz="2500" dirty="0" smtClean="0">
-              <a:latin typeface="Times New Roman" pitchFamily="18" charset="0"/>
-            </a:endParaRPr>
-          </a:p>
-          <a:p>
-            <a:pPr indent="180000" eaLnBrk="1" hangingPunct="1">
-              <a:spcBef>
-                <a:spcPct val="10000"/>
-              </a:spcBef>
-            </a:pPr>
-            <a:endParaRPr lang="en-US" altLang="he-IL" sz="2500" dirty="0">
-              <a:latin typeface="Times New Roman" pitchFamily="18" charset="0"/>
-            </a:endParaRPr>
-          </a:p>
-          <a:p>
-            <a:pPr indent="180000" eaLnBrk="1" hangingPunct="1">
-              <a:spcBef>
-                <a:spcPct val="10000"/>
-              </a:spcBef>
-            </a:pPr>
-            <a:endParaRPr lang="en-US" altLang="he-IL" sz="2500" dirty="0" smtClean="0">
-              <a:latin typeface="Times New Roman" pitchFamily="18" charset="0"/>
-            </a:endParaRPr>
-          </a:p>
-          <a:p>
-            <a:pPr indent="180000" eaLnBrk="1" hangingPunct="1">
-              <a:spcBef>
-                <a:spcPct val="10000"/>
-              </a:spcBef>
-            </a:pPr>
-            <a:endParaRPr lang="en-US" altLang="he-IL" sz="2500" dirty="0">
-              <a:latin typeface="Times New Roman" pitchFamily="18" charset="0"/>
-            </a:endParaRPr>
-          </a:p>
-          <a:p>
-            <a:pPr indent="180000" eaLnBrk="1" hangingPunct="1">
-              <a:spcBef>
-                <a:spcPct val="10000"/>
-              </a:spcBef>
-            </a:pPr>
-            <a:endParaRPr lang="en-US" altLang="he-IL" sz="2500" dirty="0" smtClean="0">
-              <a:latin typeface="Times New Roman" pitchFamily="18" charset="0"/>
-            </a:endParaRPr>
-          </a:p>
-          <a:p>
-            <a:pPr indent="180000" eaLnBrk="1" hangingPunct="1">
-              <a:spcBef>
-                <a:spcPct val="10000"/>
-              </a:spcBef>
-            </a:pPr>
-            <a:endParaRPr lang="en-US" altLang="he-IL" sz="2500" dirty="0">
-              <a:latin typeface="Times New Roman" pitchFamily="18" charset="0"/>
-            </a:endParaRPr>
-          </a:p>
-          <a:p>
-            <a:pPr indent="180000" eaLnBrk="1" hangingPunct="1">
-              <a:spcBef>
-                <a:spcPct val="10000"/>
-              </a:spcBef>
-            </a:pPr>
-            <a:endParaRPr lang="en-US" altLang="he-IL" sz="2500" dirty="0" smtClean="0">
-              <a:latin typeface="Times New Roman" pitchFamily="18" charset="0"/>
-            </a:endParaRPr>
-          </a:p>
-          <a:p>
-            <a:pPr indent="180000" eaLnBrk="1" hangingPunct="1">
-              <a:spcBef>
-                <a:spcPct val="10000"/>
-              </a:spcBef>
-            </a:pPr>
-            <a:endParaRPr lang="en-US" altLang="he-IL" sz="2500" dirty="0">
-              <a:latin typeface="Times New Roman" pitchFamily="18" charset="0"/>
-            </a:endParaRPr>
-          </a:p>
-          <a:p>
-            <a:pPr indent="180000" eaLnBrk="1" hangingPunct="1">
-              <a:spcBef>
-                <a:spcPct val="10000"/>
-              </a:spcBef>
-            </a:pPr>
-            <a:endParaRPr lang="en-US" altLang="he-IL" sz="2500" dirty="0" smtClean="0">
-              <a:latin typeface="Times New Roman" pitchFamily="18" charset="0"/>
-            </a:endParaRPr>
-          </a:p>
-          <a:p>
-            <a:pPr indent="180000" eaLnBrk="1" hangingPunct="1">
-              <a:spcBef>
-                <a:spcPct val="10000"/>
-              </a:spcBef>
-            </a:pPr>
-            <a:endParaRPr lang="en-US" altLang="he-IL" sz="2500" dirty="0">
-              <a:latin typeface="Times New Roman" pitchFamily="18" charset="0"/>
-            </a:endParaRPr>
-          </a:p>
-          <a:p>
-            <a:pPr indent="180000" eaLnBrk="1" hangingPunct="1">
-              <a:spcBef>
-                <a:spcPct val="10000"/>
-              </a:spcBef>
-            </a:pPr>
-            <a:endParaRPr lang="en-US" altLang="he-IL" sz="2500" dirty="0" smtClean="0">
-              <a:latin typeface="Times New Roman" pitchFamily="18" charset="0"/>
-            </a:endParaRPr>
-          </a:p>
-          <a:p>
-            <a:pPr indent="180000" eaLnBrk="1" hangingPunct="1">
-              <a:spcBef>
-                <a:spcPct val="10000"/>
-              </a:spcBef>
-            </a:pPr>
-            <a:endParaRPr lang="en-US" altLang="he-IL" sz="2500" dirty="0">
-              <a:latin typeface="Times New Roman" pitchFamily="18" charset="0"/>
-            </a:endParaRPr>
-          </a:p>
-          <a:p>
-            <a:pPr indent="180000" eaLnBrk="1" hangingPunct="1">
-              <a:spcBef>
-                <a:spcPct val="10000"/>
-              </a:spcBef>
-            </a:pPr>
-            <a:endParaRPr lang="en-US" altLang="he-IL" sz="2500" dirty="0" smtClean="0">
-              <a:latin typeface="Times New Roman" pitchFamily="18" charset="0"/>
-            </a:endParaRPr>
-          </a:p>
-          <a:p>
-            <a:pPr indent="180000" eaLnBrk="1" hangingPunct="1">
-              <a:spcBef>
-                <a:spcPct val="10000"/>
-              </a:spcBef>
-            </a:pPr>
-            <a:endParaRPr lang="en-US" altLang="he-IL" sz="2500" dirty="0">
-              <a:latin typeface="Times New Roman" pitchFamily="18" charset="0"/>
-            </a:endParaRPr>
-          </a:p>
-          <a:p>
-            <a:pPr indent="180000" eaLnBrk="1" hangingPunct="1">
-              <a:spcBef>
-                <a:spcPct val="10000"/>
-              </a:spcBef>
-            </a:pPr>
-            <a:endParaRPr lang="en-US" altLang="he-IL" sz="2500" dirty="0" smtClean="0">
-              <a:latin typeface="Times New Roman" pitchFamily="18" charset="0"/>
-            </a:endParaRPr>
-          </a:p>
-          <a:p>
-            <a:pPr indent="180000" eaLnBrk="1" hangingPunct="1">
-              <a:spcBef>
-                <a:spcPct val="10000"/>
-              </a:spcBef>
-            </a:pPr>
-            <a:endParaRPr lang="en-US" altLang="he-IL" sz="2500" dirty="0">
-              <a:latin typeface="Times New Roman" pitchFamily="18" charset="0"/>
-            </a:endParaRPr>
-          </a:p>
-          <a:p>
-            <a:pPr indent="180000" eaLnBrk="1" hangingPunct="1">
-              <a:spcBef>
-                <a:spcPct val="10000"/>
-              </a:spcBef>
-            </a:pPr>
-            <a:endParaRPr lang="en-US" altLang="he-IL" sz="2500" dirty="0" smtClean="0">
-              <a:latin typeface="Times New Roman" pitchFamily="18" charset="0"/>
-            </a:endParaRPr>
-          </a:p>
-          <a:p>
-            <a:pPr indent="180000" eaLnBrk="1" hangingPunct="1">
-              <a:spcBef>
-                <a:spcPct val="10000"/>
-              </a:spcBef>
-            </a:pPr>
-            <a:endParaRPr lang="en-US" altLang="he-IL" sz="2500" dirty="0">
-              <a:latin typeface="Times New Roman" pitchFamily="18" charset="0"/>
-            </a:endParaRPr>
-          </a:p>
-          <a:p>
-            <a:pPr indent="180000" eaLnBrk="1" hangingPunct="1">
-              <a:spcBef>
-                <a:spcPct val="10000"/>
-              </a:spcBef>
-            </a:pPr>
-            <a:endParaRPr lang="en-US" altLang="he-IL" sz="2500" dirty="0" smtClean="0">
-              <a:latin typeface="Times New Roman" pitchFamily="18" charset="0"/>
-            </a:endParaRPr>
-          </a:p>
-          <a:p>
-            <a:pPr indent="180000" eaLnBrk="1" hangingPunct="1">
-              <a:spcBef>
-                <a:spcPct val="10000"/>
-              </a:spcBef>
-            </a:pPr>
-            <a:endParaRPr lang="en-US" altLang="he-IL" sz="2500" dirty="0">
-              <a:latin typeface="Times New Roman" pitchFamily="18" charset="0"/>
-            </a:endParaRPr>
-          </a:p>
-          <a:p>
-            <a:pPr indent="180000" eaLnBrk="1" hangingPunct="1">
-              <a:spcBef>
-                <a:spcPct val="10000"/>
-              </a:spcBef>
-            </a:pPr>
-            <a:endParaRPr lang="en-US" altLang="he-IL" sz="2500" dirty="0" smtClean="0">
-              <a:latin typeface="Times New Roman" pitchFamily="18" charset="0"/>
-            </a:endParaRPr>
-          </a:p>
-          <a:p>
-            <a:pPr indent="180000" eaLnBrk="1" hangingPunct="1">
-              <a:spcBef>
-                <a:spcPct val="10000"/>
-              </a:spcBef>
-            </a:pPr>
-            <a:endParaRPr lang="en-US" altLang="he-IL" sz="2500" dirty="0">
-              <a:latin typeface="Times New Roman" pitchFamily="18" charset="0"/>
-            </a:endParaRPr>
-          </a:p>
-          <a:p>
-            <a:pPr indent="180000" eaLnBrk="1" hangingPunct="1">
-              <a:spcBef>
-                <a:spcPct val="10000"/>
-              </a:spcBef>
-            </a:pPr>
-            <a:endParaRPr lang="en-US" altLang="he-IL" sz="2500" dirty="0" smtClean="0">
-              <a:latin typeface="Times New Roman" pitchFamily="18" charset="0"/>
-            </a:endParaRPr>
-          </a:p>
-          <a:p>
-            <a:pPr indent="180000" eaLnBrk="1" hangingPunct="1">
-              <a:spcBef>
-                <a:spcPct val="10000"/>
-              </a:spcBef>
-            </a:pPr>
-            <a:endParaRPr lang="en-US" altLang="he-IL" sz="2500" dirty="0">
-              <a:latin typeface="Times New Roman" pitchFamily="18" charset="0"/>
-            </a:endParaRPr>
-          </a:p>
-          <a:p>
-            <a:pPr indent="180000" eaLnBrk="1" hangingPunct="1">
-              <a:spcBef>
-                <a:spcPct val="10000"/>
-              </a:spcBef>
-            </a:pPr>
-            <a:endParaRPr lang="en-US" altLang="he-IL" sz="2500" dirty="0" smtClean="0">
-              <a:latin typeface="Times New Roman" pitchFamily="18" charset="0"/>
-            </a:endParaRPr>
-          </a:p>
-          <a:p>
-            <a:pPr indent="180000" eaLnBrk="1" hangingPunct="1">
-              <a:spcBef>
-                <a:spcPct val="10000"/>
-              </a:spcBef>
-            </a:pPr>
-            <a:endParaRPr lang="en-US" altLang="he-IL" sz="2500" dirty="0">
-              <a:latin typeface="Times New Roman" pitchFamily="18" charset="0"/>
-            </a:endParaRPr>
-          </a:p>
-          <a:p>
-            <a:pPr indent="180000" eaLnBrk="1" hangingPunct="1">
-              <a:spcBef>
-                <a:spcPct val="10000"/>
-              </a:spcBef>
-            </a:pPr>
-            <a:endParaRPr lang="en-US" altLang="he-IL" sz="2500" dirty="0" smtClean="0">
-              <a:latin typeface="Times New Roman" pitchFamily="18" charset="0"/>
-            </a:endParaRPr>
-          </a:p>
-          <a:p>
-            <a:pPr indent="180000" eaLnBrk="1" hangingPunct="1">
-              <a:spcBef>
-                <a:spcPct val="10000"/>
-              </a:spcBef>
-            </a:pPr>
-            <a:endParaRPr lang="en-US" altLang="he-IL" sz="2500" dirty="0">
-              <a:latin typeface="Times New Roman" pitchFamily="18" charset="0"/>
-            </a:endParaRPr>
-          </a:p>
-          <a:p>
-            <a:pPr indent="180000" eaLnBrk="1" hangingPunct="1">
-              <a:spcBef>
-                <a:spcPct val="10000"/>
-              </a:spcBef>
-            </a:pPr>
-            <a:endParaRPr lang="en-US" altLang="he-IL" sz="2500" dirty="0" smtClean="0">
-              <a:latin typeface="Times New Roman" pitchFamily="18" charset="0"/>
-            </a:endParaRPr>
-          </a:p>
-          <a:p>
-            <a:pPr indent="180000" eaLnBrk="1" hangingPunct="1">
-              <a:spcBef>
-                <a:spcPct val="10000"/>
-              </a:spcBef>
-            </a:pPr>
-            <a:endParaRPr lang="en-US" altLang="he-IL" sz="2500" dirty="0">
-              <a:latin typeface="Times New Roman" pitchFamily="18" charset="0"/>
-            </a:endParaRPr>
-          </a:p>
-          <a:p>
-            <a:pPr indent="180000" eaLnBrk="1" hangingPunct="1">
-              <a:spcBef>
-                <a:spcPct val="10000"/>
-              </a:spcBef>
-            </a:pPr>
-            <a:endParaRPr lang="en-US" altLang="he-IL" sz="2500" dirty="0" smtClean="0">
-              <a:latin typeface="Times New Roman" pitchFamily="18" charset="0"/>
-            </a:endParaRPr>
-          </a:p>
-          <a:p>
-            <a:pPr indent="180000" eaLnBrk="1" hangingPunct="1">
-              <a:spcBef>
-                <a:spcPct val="10000"/>
-              </a:spcBef>
-            </a:pPr>
-            <a:endParaRPr lang="en-US" altLang="he-IL" sz="2500" dirty="0">
-              <a:latin typeface="Times New Roman" pitchFamily="18" charset="0"/>
-            </a:endParaRPr>
-          </a:p>
-          <a:p>
-            <a:pPr indent="180000" eaLnBrk="1" hangingPunct="1">
-              <a:spcBef>
-                <a:spcPct val="10000"/>
-              </a:spcBef>
-            </a:pPr>
-            <a:endParaRPr lang="en-US" altLang="he-IL" sz="2500" dirty="0" smtClean="0">
-              <a:latin typeface="Times New Roman" pitchFamily="18" charset="0"/>
-            </a:endParaRPr>
-          </a:p>
-          <a:p>
-            <a:pPr indent="180000" eaLnBrk="1" hangingPunct="1">
-              <a:spcBef>
-                <a:spcPct val="10000"/>
-              </a:spcBef>
-            </a:pPr>
-            <a:endParaRPr lang="en-US" altLang="he-IL" sz="2500" dirty="0">
-              <a:latin typeface="Times New Roman" pitchFamily="18" charset="0"/>
-            </a:endParaRPr>
-          </a:p>
-          <a:p>
-            <a:pPr indent="180000" eaLnBrk="1" hangingPunct="1">
-              <a:spcBef>
-                <a:spcPct val="10000"/>
-              </a:spcBef>
-            </a:pPr>
-            <a:endParaRPr lang="en-US" altLang="he-IL" sz="2500" dirty="0" smtClean="0">
-              <a:latin typeface="Times New Roman" pitchFamily="18" charset="0"/>
-            </a:endParaRPr>
-          </a:p>
-          <a:p>
-            <a:pPr indent="180000" eaLnBrk="1" hangingPunct="1">
-              <a:spcBef>
-                <a:spcPct val="10000"/>
-              </a:spcBef>
-            </a:pPr>
-            <a:endParaRPr lang="en-US" altLang="he-IL" sz="2500" dirty="0" smtClean="0">
-              <a:latin typeface="Times New Roman" pitchFamily="18" charset="0"/>
-            </a:endParaRPr>
-          </a:p>
-          <a:p>
-            <a:pPr indent="180000" eaLnBrk="1" hangingPunct="1">
-              <a:spcBef>
-                <a:spcPct val="10000"/>
-              </a:spcBef>
-            </a:pPr>
-            <a:r>
-              <a:rPr lang="en-US" altLang="he-IL" sz="2500" dirty="0" smtClean="0">
-                <a:latin typeface="Times New Roman" pitchFamily="18" charset="0"/>
-              </a:rPr>
-              <a:t>The total OD </a:t>
-            </a:r>
-            <a:r>
-              <a:rPr lang="en-US" altLang="he-IL" sz="2500" dirty="0" smtClean="0">
-                <a:latin typeface="Times New Roman" pitchFamily="18" charset="0"/>
-              </a:rPr>
-              <a:t>predicted by the model (</a:t>
-            </a:r>
-            <a:r>
-              <a:rPr lang="en-US" altLang="he-IL" sz="2500" dirty="0" smtClean="0">
-                <a:latin typeface="Times New Roman" pitchFamily="18" charset="0"/>
-              </a:rPr>
-              <a:t>solid blue line) has a </a:t>
-            </a:r>
-            <a:r>
-              <a:rPr lang="en-US" altLang="he-IL" sz="2500" b="1" dirty="0" smtClean="0">
-                <a:latin typeface="Times New Roman" pitchFamily="18" charset="0"/>
-              </a:rPr>
-              <a:t>good fit </a:t>
-            </a:r>
-            <a:r>
-              <a:rPr lang="en-US" altLang="he-IL" sz="2500" dirty="0" smtClean="0">
-                <a:latin typeface="Times New Roman" pitchFamily="18" charset="0"/>
-              </a:rPr>
-              <a:t>with the total OD </a:t>
-            </a:r>
-            <a:r>
-              <a:rPr lang="en-US" altLang="he-IL" sz="2500" dirty="0" smtClean="0">
-                <a:latin typeface="Times New Roman" pitchFamily="18" charset="0"/>
-              </a:rPr>
-              <a:t>in the </a:t>
-            </a:r>
-            <a:r>
-              <a:rPr lang="en-US" altLang="he-IL" sz="2500" dirty="0" smtClean="0">
-                <a:latin typeface="Times New Roman" pitchFamily="18" charset="0"/>
-              </a:rPr>
-              <a:t>competition experiments (black markers</a:t>
-            </a:r>
-            <a:r>
-              <a:rPr lang="en-US" altLang="he-IL" sz="2500" dirty="0" smtClean="0">
-                <a:latin typeface="Times New Roman" pitchFamily="18" charset="0"/>
-              </a:rPr>
-              <a:t>).</a:t>
-            </a:r>
-            <a:endParaRPr lang="en-US" altLang="he-IL" sz="2500" dirty="0" smtClean="0">
-              <a:latin typeface="Times New Roman" pitchFamily="18" charset="0"/>
-            </a:endParaRPr>
-          </a:p>
-        </p:txBody>
-      </p:sp>
-      <p:sp>
-        <p:nvSpPr>
-          <p:cNvPr id="14339" name="Text Box 7"/>
-          <p:cNvSpPr txBox="1">
-            <a:spLocks noChangeArrowheads="1"/>
-          </p:cNvSpPr>
-          <p:nvPr/>
-        </p:nvSpPr>
-        <p:spPr bwMode="auto">
-          <a:xfrm>
-            <a:off x="1270000" y="7550151"/>
-            <a:ext cx="8458200" cy="5239146"/>
-          </a:xfrm>
-          <a:prstGeom prst="rect">
-            <a:avLst/>
-          </a:prstGeom>
-          <a:solidFill>
-            <a:schemeClr val="bg1"/>
-          </a:solidFill>
-          <a:ln w="38100">
-            <a:solidFill>
-              <a:srgbClr val="000000"/>
-            </a:solidFill>
-            <a:round/>
-            <a:headEnd/>
-            <a:tailEnd/>
-          </a:ln>
-        </p:spPr>
-        <p:txBody>
-          <a:bodyPr lIns="802806" tIns="401404" rIns="802806" bIns="802806"/>
-          <a:lstStyle>
-            <a:lvl1pPr eaLnBrk="0" hangingPunct="0">
-              <a:tabLst>
-                <a:tab pos="500063" algn="l"/>
-              </a:tabLst>
-              <a:defRPr sz="2800">
-                <a:solidFill>
-                  <a:schemeClr val="tx1"/>
-                </a:solidFill>
-                <a:latin typeface="Helvetica" pitchFamily="124" charset="0"/>
-                <a:ea typeface="MS PGothic" pitchFamily="34" charset="-128"/>
-              </a:defRPr>
-            </a:lvl1pPr>
-            <a:lvl2pPr marL="742950" indent="-285750" eaLnBrk="0" hangingPunct="0">
-              <a:tabLst>
-                <a:tab pos="500063" algn="l"/>
-              </a:tabLst>
-              <a:defRPr sz="2800">
-                <a:solidFill>
-                  <a:schemeClr val="tx1"/>
-                </a:solidFill>
-                <a:latin typeface="Helvetica" pitchFamily="124" charset="0"/>
-                <a:ea typeface="MS PGothic" pitchFamily="34" charset="-128"/>
-              </a:defRPr>
-            </a:lvl2pPr>
-            <a:lvl3pPr marL="1143000" indent="-228600" eaLnBrk="0" hangingPunct="0">
-              <a:tabLst>
-                <a:tab pos="500063" algn="l"/>
-              </a:tabLst>
-              <a:defRPr sz="2800">
-                <a:solidFill>
-                  <a:schemeClr val="tx1"/>
-                </a:solidFill>
-                <a:latin typeface="Helvetica" pitchFamily="124" charset="0"/>
-                <a:ea typeface="MS PGothic" pitchFamily="34" charset="-128"/>
-              </a:defRPr>
-            </a:lvl3pPr>
-            <a:lvl4pPr marL="1600200" indent="-228600" eaLnBrk="0" hangingPunct="0">
-              <a:tabLst>
-                <a:tab pos="500063" algn="l"/>
-              </a:tabLst>
-              <a:defRPr sz="2800">
-                <a:solidFill>
-                  <a:schemeClr val="tx1"/>
-                </a:solidFill>
-                <a:latin typeface="Helvetica" pitchFamily="124" charset="0"/>
-                <a:ea typeface="MS PGothic" pitchFamily="34" charset="-128"/>
-              </a:defRPr>
-            </a:lvl4pPr>
-            <a:lvl5pPr marL="2057400" indent="-228600" eaLnBrk="0" hangingPunct="0">
-              <a:tabLst>
-                <a:tab pos="500063" algn="l"/>
-              </a:tabLst>
-              <a:defRPr sz="2800">
-                <a:solidFill>
-                  <a:schemeClr val="tx1"/>
-                </a:solidFill>
-                <a:latin typeface="Helvetica" pitchFamily="124" charset="0"/>
-                <a:ea typeface="MS PGothic" pitchFamily="34" charset="-128"/>
-              </a:defRPr>
-            </a:lvl5pPr>
-            <a:lvl6pPr marL="2514600" indent="-228600" algn="l" rtl="0" eaLnBrk="0" fontAlgn="base" hangingPunct="0">
-              <a:spcBef>
-                <a:spcPct val="0"/>
-              </a:spcBef>
-              <a:spcAft>
-                <a:spcPct val="0"/>
-              </a:spcAft>
-              <a:tabLst>
-                <a:tab pos="500063" algn="l"/>
-              </a:tabLst>
-              <a:defRPr sz="2800">
-                <a:solidFill>
-                  <a:schemeClr val="tx1"/>
-                </a:solidFill>
-                <a:latin typeface="Helvetica" pitchFamily="124" charset="0"/>
-                <a:ea typeface="MS PGothic" pitchFamily="34" charset="-128"/>
-              </a:defRPr>
-            </a:lvl6pPr>
-            <a:lvl7pPr marL="2971800" indent="-228600" algn="l" rtl="0" eaLnBrk="0" fontAlgn="base" hangingPunct="0">
-              <a:spcBef>
-                <a:spcPct val="0"/>
-              </a:spcBef>
-              <a:spcAft>
-                <a:spcPct val="0"/>
-              </a:spcAft>
-              <a:tabLst>
-                <a:tab pos="500063" algn="l"/>
-              </a:tabLst>
-              <a:defRPr sz="2800">
-                <a:solidFill>
-                  <a:schemeClr val="tx1"/>
-                </a:solidFill>
-                <a:latin typeface="Helvetica" pitchFamily="124" charset="0"/>
-                <a:ea typeface="MS PGothic" pitchFamily="34" charset="-128"/>
-              </a:defRPr>
-            </a:lvl7pPr>
-            <a:lvl8pPr marL="3429000" indent="-228600" algn="l" rtl="0" eaLnBrk="0" fontAlgn="base" hangingPunct="0">
-              <a:spcBef>
-                <a:spcPct val="0"/>
-              </a:spcBef>
-              <a:spcAft>
-                <a:spcPct val="0"/>
-              </a:spcAft>
-              <a:tabLst>
-                <a:tab pos="500063" algn="l"/>
-              </a:tabLst>
-              <a:defRPr sz="2800">
-                <a:solidFill>
-                  <a:schemeClr val="tx1"/>
-                </a:solidFill>
-                <a:latin typeface="Helvetica" pitchFamily="124" charset="0"/>
-                <a:ea typeface="MS PGothic" pitchFamily="34" charset="-128"/>
-              </a:defRPr>
-            </a:lvl8pPr>
-            <a:lvl9pPr marL="3886200" indent="-228600" algn="l" rtl="0" eaLnBrk="0" fontAlgn="base" hangingPunct="0">
-              <a:spcBef>
-                <a:spcPct val="0"/>
-              </a:spcBef>
-              <a:spcAft>
-                <a:spcPct val="0"/>
-              </a:spcAft>
-              <a:tabLst>
-                <a:tab pos="500063" algn="l"/>
-              </a:tabLst>
-              <a:defRPr sz="2800">
-                <a:solidFill>
-                  <a:schemeClr val="tx1"/>
-                </a:solidFill>
-                <a:latin typeface="Helvetica" pitchFamily="124" charset="0"/>
-                <a:ea typeface="MS PGothic" pitchFamily="34" charset="-128"/>
-              </a:defRPr>
-            </a:lvl9pPr>
-          </a:lstStyle>
-          <a:p>
-            <a:pPr indent="180000" eaLnBrk="1" hangingPunct="1">
-              <a:spcBef>
-                <a:spcPct val="50000"/>
-              </a:spcBef>
-              <a:tabLst>
-                <a:tab pos="635000" algn="l"/>
-              </a:tabLst>
-            </a:pPr>
-            <a:r>
-              <a:rPr lang="en-US" altLang="he-IL" sz="4200" b="1" dirty="0">
-                <a:solidFill>
-                  <a:srgbClr val="59A754"/>
-                </a:solidFill>
-                <a:latin typeface="Calibri" pitchFamily="34" charset="0"/>
-              </a:rPr>
-              <a:t>Introduction</a:t>
-            </a:r>
-          </a:p>
-          <a:p>
-            <a:pPr indent="180000" eaLnBrk="1" hangingPunct="1">
-              <a:spcBef>
-                <a:spcPct val="10000"/>
-              </a:spcBef>
-            </a:pPr>
-            <a:r>
-              <a:rPr lang="en-US" sz="2500" dirty="0" smtClean="0">
-                <a:latin typeface="+mn-lt"/>
-              </a:rPr>
-              <a:t>Experiments </a:t>
-            </a:r>
-            <a:r>
-              <a:rPr lang="en-US" sz="2500" dirty="0">
-                <a:latin typeface="+mn-lt"/>
-              </a:rPr>
-              <a:t>often use </a:t>
-            </a:r>
-            <a:r>
-              <a:rPr lang="en-US" sz="2500" b="1" dirty="0">
-                <a:latin typeface="+mn-lt"/>
-              </a:rPr>
-              <a:t>growth curves </a:t>
-            </a:r>
-            <a:r>
-              <a:rPr lang="en-US" sz="2500" dirty="0">
-                <a:latin typeface="+mn-lt"/>
-              </a:rPr>
-              <a:t>to estimate the growth </a:t>
-            </a:r>
-            <a:r>
-              <a:rPr lang="en-US" sz="2500" dirty="0" smtClean="0">
-                <a:latin typeface="+mn-lt"/>
-              </a:rPr>
-              <a:t>rate as </a:t>
-            </a:r>
-            <a:r>
-              <a:rPr lang="en-US" sz="2500" dirty="0">
-                <a:latin typeface="+mn-lt"/>
-              </a:rPr>
-              <a:t>a proxy of fitness; </a:t>
-            </a:r>
-            <a:r>
-              <a:rPr lang="en-US" sz="2500" dirty="0" smtClean="0">
-                <a:latin typeface="+mn-lt"/>
-              </a:rPr>
-              <a:t>however, evolutionary models </a:t>
-            </a:r>
-            <a:r>
-              <a:rPr lang="en-US" sz="2500" dirty="0">
-                <a:latin typeface="+mn-lt"/>
-              </a:rPr>
-              <a:t>use </a:t>
-            </a:r>
-            <a:r>
-              <a:rPr lang="en-US" sz="2500" b="1" dirty="0" smtClean="0">
-                <a:latin typeface="+mn-lt"/>
-              </a:rPr>
-              <a:t>selection coefficients </a:t>
-            </a:r>
-            <a:r>
-              <a:rPr lang="en-US" sz="2500" dirty="0">
-                <a:latin typeface="+mn-lt"/>
-              </a:rPr>
-              <a:t>to model the relative fitness of </a:t>
-            </a:r>
-            <a:r>
-              <a:rPr lang="en-US" sz="2500" dirty="0" smtClean="0">
-                <a:latin typeface="+mn-lt"/>
-              </a:rPr>
-              <a:t>genotypes</a:t>
-            </a:r>
-            <a:r>
-              <a:rPr lang="en-US" sz="2500" dirty="0">
-                <a:latin typeface="+mn-lt"/>
-              </a:rPr>
-              <a:t>. </a:t>
-            </a:r>
-            <a:endParaRPr lang="en-US" sz="2500" dirty="0" smtClean="0">
-              <a:latin typeface="+mn-lt"/>
-            </a:endParaRPr>
-          </a:p>
-          <a:p>
-            <a:pPr indent="180000" eaLnBrk="1" hangingPunct="1">
-              <a:spcBef>
-                <a:spcPct val="10000"/>
-              </a:spcBef>
-            </a:pPr>
-            <a:r>
-              <a:rPr lang="en-US" sz="2500" dirty="0" smtClean="0">
-                <a:latin typeface="+mn-lt"/>
-              </a:rPr>
-              <a:t>The </a:t>
-            </a:r>
-            <a:r>
-              <a:rPr lang="en-US" sz="2500" dirty="0">
-                <a:latin typeface="+mn-lt"/>
-              </a:rPr>
-              <a:t>only </a:t>
-            </a:r>
-            <a:r>
-              <a:rPr lang="en-US" sz="2500" dirty="0" smtClean="0">
-                <a:latin typeface="+mn-lt"/>
-              </a:rPr>
-              <a:t>existing “</a:t>
-            </a:r>
-            <a:r>
-              <a:rPr lang="en-US" sz="2500" dirty="0">
-                <a:latin typeface="+mn-lt"/>
-              </a:rPr>
-              <a:t>bridge” between experiments and theory are </a:t>
-            </a:r>
-            <a:r>
-              <a:rPr lang="en-US" sz="2500" b="1" dirty="0">
-                <a:latin typeface="+mn-lt"/>
-              </a:rPr>
-              <a:t>competitions assays</a:t>
-            </a:r>
-            <a:r>
-              <a:rPr lang="en-US" sz="2500" dirty="0">
-                <a:latin typeface="+mn-lt"/>
-              </a:rPr>
-              <a:t>. </a:t>
-            </a:r>
-            <a:r>
-              <a:rPr lang="en-US" sz="2500" dirty="0" smtClean="0">
-                <a:latin typeface="+mn-lt"/>
-              </a:rPr>
-              <a:t>But these assays </a:t>
-            </a:r>
-            <a:r>
-              <a:rPr lang="en-US" sz="2500" dirty="0">
-                <a:latin typeface="+mn-lt"/>
-              </a:rPr>
-              <a:t>are expensive and </a:t>
-            </a:r>
-            <a:r>
-              <a:rPr lang="en-US" sz="2500" dirty="0" smtClean="0">
-                <a:latin typeface="+mn-lt"/>
-              </a:rPr>
-              <a:t>laborious. </a:t>
-            </a:r>
-            <a:r>
-              <a:rPr lang="en-US" sz="2500" dirty="0">
-                <a:latin typeface="+mn-lt"/>
-              </a:rPr>
-              <a:t>Therefore</a:t>
-            </a:r>
-            <a:r>
-              <a:rPr lang="en-US" sz="2500" dirty="0" smtClean="0">
-                <a:latin typeface="+mn-lt"/>
-              </a:rPr>
-              <a:t>, many </a:t>
-            </a:r>
-            <a:r>
-              <a:rPr lang="en-US" sz="2500" dirty="0">
-                <a:latin typeface="+mn-lt"/>
-              </a:rPr>
-              <a:t>investigators do without competition assays entirely. An </a:t>
-            </a:r>
-            <a:r>
-              <a:rPr lang="en-US" sz="2500" b="1" dirty="0" smtClean="0">
-                <a:latin typeface="+mn-lt"/>
-              </a:rPr>
-              <a:t>alternative method </a:t>
-            </a:r>
-            <a:r>
-              <a:rPr lang="en-US" sz="2500" dirty="0">
-                <a:latin typeface="+mn-lt"/>
-              </a:rPr>
-              <a:t>is required, one that can be used to estimate </a:t>
-            </a:r>
-            <a:r>
-              <a:rPr lang="en-US" sz="2500" dirty="0" smtClean="0">
-                <a:latin typeface="+mn-lt"/>
-              </a:rPr>
-              <a:t>fitness from </a:t>
-            </a:r>
-            <a:r>
-              <a:rPr lang="en-US" sz="2500" dirty="0">
-                <a:latin typeface="+mn-lt"/>
-              </a:rPr>
-              <a:t>growth </a:t>
-            </a:r>
-            <a:r>
-              <a:rPr lang="en-US" sz="2500" dirty="0" smtClean="0">
-                <a:latin typeface="+mn-lt"/>
-              </a:rPr>
-              <a:t>curves.</a:t>
-            </a:r>
-            <a:endParaRPr lang="en-US" altLang="he-IL" sz="2500" dirty="0">
-              <a:latin typeface="+mn-lt"/>
-            </a:endParaRPr>
-          </a:p>
-        </p:txBody>
-      </p:sp>
       <mc:AlternateContent xmlns:mc="http://schemas.openxmlformats.org/markup-compatibility/2006">
         <mc:Choice xmlns:a14="http://schemas.microsoft.com/office/drawing/2010/main" Requires="a14">
           <p:sp>
@@ -6714,13 +5275,73 @@
                   </a:spcBef>
                 </a:pPr>
                 <a:r>
+                  <a:rPr lang="en-US" b="1" dirty="0">
+                    <a:latin typeface="Calibri" panose="020F0502020204030204" pitchFamily="34" charset="0"/>
+                  </a:rPr>
+                  <a:t>Data. </a:t>
+                </a:r>
+                <a:r>
                   <a:rPr lang="en-US" sz="2500" dirty="0" smtClean="0">
                     <a:solidFill>
                       <a:srgbClr val="000000"/>
                     </a:solidFill>
                     <a:latin typeface="Times New Roman"/>
                   </a:rPr>
-                  <a:t>These are 84 growth curves of two different yeast species (</a:t>
+                  <a:t>Growth </a:t>
+                </a:r>
+                <a:r>
+                  <a:rPr lang="en-US" sz="2500" dirty="0">
+                    <a:solidFill>
+                      <a:srgbClr val="000000"/>
+                    </a:solidFill>
+                    <a:latin typeface="Times New Roman"/>
+                  </a:rPr>
+                  <a:t>curves </a:t>
+                </a:r>
+                <a:r>
+                  <a:rPr lang="en-US" sz="2500" dirty="0" smtClean="0">
+                    <a:solidFill>
+                      <a:srgbClr val="000000"/>
+                    </a:solidFill>
+                    <a:latin typeface="Times New Roman"/>
+                  </a:rPr>
+                  <a:t>of </a:t>
+                </a:r>
+                <a:r>
+                  <a:rPr lang="en-US" sz="2500" dirty="0" smtClean="0">
+                    <a:solidFill>
+                      <a:srgbClr val="000000"/>
+                    </a:solidFill>
+                    <a:latin typeface="Times New Roman"/>
+                  </a:rPr>
+                  <a:t>two different </a:t>
+                </a:r>
+                <a:r>
+                  <a:rPr lang="en-US" sz="2500" i="1" dirty="0" smtClean="0">
+                    <a:solidFill>
+                      <a:srgbClr val="000000"/>
+                    </a:solidFill>
+                    <a:latin typeface="Times New Roman"/>
+                  </a:rPr>
+                  <a:t>E. coli </a:t>
+                </a:r>
+                <a:r>
+                  <a:rPr lang="en-US" sz="2500" dirty="0" smtClean="0">
+                    <a:solidFill>
+                      <a:srgbClr val="000000"/>
+                    </a:solidFill>
+                    <a:latin typeface="Times New Roman"/>
+                  </a:rPr>
+                  <a:t>strains </a:t>
+                </a:r>
+                <a:r>
+                  <a:rPr lang="en-US" sz="2500" dirty="0" smtClean="0">
+                    <a:solidFill>
+                      <a:srgbClr val="000000"/>
+                    </a:solidFill>
+                    <a:latin typeface="Times New Roman"/>
+                  </a:rPr>
+                  <a:t>(</a:t>
                 </a:r>
                 <a:r>
                   <a:rPr lang="en-US" sz="2500" dirty="0" smtClean="0">
@@ -6729,7 +5350,7 @@
                     </a:solidFill>
                     <a:latin typeface="Times New Roman"/>
                   </a:rPr>
-                  <a:t>red </a:t>
+                  <a:t>TG1 </a:t>
                 </a:r>
                 <a:r>
                   <a:rPr lang="en-US" sz="2500" dirty="0" smtClean="0">
@@ -6747,7 +5368,16 @@
                     </a:solidFill>
                     <a:latin typeface="Times New Roman"/>
                   </a:rPr>
-                  <a:t>green</a:t>
+                  <a:t>DH5</a:t>
+                </a:r>
+                <a:r>
+                  <a:rPr lang="el-GR" sz="2500" dirty="0">
+                    <a:solidFill>
+                      <a:srgbClr val="59A754"/>
+                    </a:solidFill>
+                    <a:latin typeface="Times New Roman"/>
+                  </a:rPr>
+                  <a:t>α</a:t>
                 </a:r>
                 <a:r>
                   <a:rPr lang="en-US" sz="2500" dirty="0" smtClean="0">
@@ -6885,22 +5515,16 @@
               <a:p>
                 <a:pPr indent="180000"/>
                 <a:r>
-                  <a:rPr lang="en-US" sz="2500" dirty="0" smtClean="0">
-                    <a:latin typeface="Times New Roman" pitchFamily="18" charset="0"/>
+                  <a:rPr lang="en-US" b="1" dirty="0">
+                    <a:latin typeface="Calibri" panose="020F0502020204030204" pitchFamily="34" charset="0"/>
                   </a:rPr>
-                  <a:t>We use an extension of the </a:t>
-                </a:r>
-                <a:r>
-                  <a:rPr lang="en-US" sz="2500" b="1" dirty="0" smtClean="0">
-                    <a:latin typeface="Times New Roman" pitchFamily="18" charset="0"/>
-                  </a:rPr>
-                  <a:t>logistic model </a:t>
+                  <a:t>Model fitting. </a:t>
                 </a:r>
                 <a:r>
                   <a:rPr lang="en-US" sz="2500" dirty="0" smtClean="0">
                     <a:latin typeface="Times New Roman" pitchFamily="18" charset="0"/>
                   </a:rPr>
-                  <a:t>– the </a:t>
+                  <a:t>We fit the </a:t>
                 </a:r>
                 <a:r>
                   <a:rPr lang="en-US" sz="2500" b="1" dirty="0" err="1" smtClean="0">
@@ -6912,7 +5536,13 @@
                   <a:rPr lang="en-US" sz="2500" b="1" dirty="0" smtClean="0">
                     <a:latin typeface="Times New Roman" pitchFamily="18" charset="0"/>
                   </a:rPr>
-                  <a:t>-Roberts model</a:t>
+                  <a:t>-Roberts </a:t>
+                </a:r>
+                <a:r>
+                  <a:rPr lang="en-US" sz="2500" b="1" dirty="0" smtClean="0">
+                    <a:latin typeface="Times New Roman" pitchFamily="18" charset="0"/>
+                  </a:rPr>
+                  <a:t>growth model</a:t>
                 </a:r>
                 <a:r>
                   <a:rPr lang="en-US" sz="2500" baseline="30000" dirty="0" smtClean="0">
@@ -6924,18 +5554,53 @@
                   <a:rPr lang="en-US" sz="2500" dirty="0" smtClean="0">
                     <a:latin typeface="Times New Roman" pitchFamily="18" charset="0"/>
                   </a:rPr>
-                  <a:t>:</a:t>
+                  <a:t>,</a:t>
                 </a:r>
-                <a:endParaRPr lang="en-US" sz="2500" dirty="0">
-                  <a:latin typeface="Times New Roman" pitchFamily="18" charset="0"/>
-                </a:endParaRPr>
+                <a:r>
+                  <a:rPr lang="en-US" sz="2500" b="1" dirty="0" smtClean="0">
+                    <a:latin typeface="Times New Roman" pitchFamily="18" charset="0"/>
+                  </a:rPr>
+                  <a:t> </a:t>
+                </a:r>
+                <a:r>
+                  <a:rPr lang="en-US" sz="2500" dirty="0" smtClean="0">
+                    <a:latin typeface="Times New Roman" pitchFamily="18" charset="0"/>
+                  </a:rPr>
+                  <a:t>an extension of </a:t>
+                </a:r>
+                <a:r>
+                  <a:rPr lang="en-US" sz="2500" dirty="0">
+                    <a:latin typeface="Times New Roman" pitchFamily="18" charset="0"/>
+                  </a:rPr>
+                  <a:t>the logistic </a:t>
+                </a:r>
+                <a:r>
+                  <a:rPr lang="en-US" sz="2500" dirty="0" smtClean="0">
+                    <a:latin typeface="Times New Roman" pitchFamily="18" charset="0"/>
+                  </a:rPr>
+                  <a:t>growth model </a:t>
+                </a:r>
+                <a:r>
+                  <a:rPr lang="en-US" sz="2500" b="1" dirty="0" smtClean="0">
+                    <a:latin typeface="Times New Roman" pitchFamily="18" charset="0"/>
+                  </a:rPr>
+                  <a:t> </a:t>
+                </a:r>
+                <a:r>
+                  <a:rPr lang="en-US" sz="2500" dirty="0" smtClean="0">
+                    <a:latin typeface="Times New Roman" pitchFamily="18" charset="0"/>
+                  </a:rPr>
+                  <a:t>that includes lag and deceleration </a:t>
+                </a:r>
+                <a:r>
+                  <a:rPr lang="en-US" sz="2500" dirty="0" smtClean="0">
+                    <a:latin typeface="Times New Roman" pitchFamily="18" charset="0"/>
+                  </a:rPr>
+                  <a:t>phases:</a:t>
+                </a:r>
               </a:p>
               <a:p>
-                <a:pPr indent="180000" eaLnBrk="1" hangingPunct="1">
-                  <a:spcBef>
-                    <a:spcPct val="10000"/>
-                  </a:spcBef>
-                </a:pPr>
+                <a:pPr indent="180000"/>
                 <a:endParaRPr lang="en-US" altLang="he-IL" sz="2400" i="1" dirty="0">
                   <a:latin typeface="Cambria Math"/>
                 </a:endParaRPr>
@@ -7269,7 +5934,8 @@
                   </a:spcBef>
                 </a:pPr>
                 <a:endParaRPr lang="en-US" altLang="he-IL" sz="2000" i="1" dirty="0" smtClean="0">
-                  <a:latin typeface="Cambria Math"/>
+                  <a:latin typeface="Cambria Math" panose="02040503050406030204" pitchFamily="18" charset="0"/>
+                  <a:ea typeface="Cambria Math" panose="02040503050406030204" pitchFamily="18" charset="0"/>
                 </a:endParaRPr>
               </a:p>
               <a:p>
@@ -7294,7 +5960,14 @@
                     <a:latin typeface="Cambria Math" panose="02040503050406030204" pitchFamily="18" charset="0"/>
                     <a:ea typeface="Cambria Math" panose="02040503050406030204" pitchFamily="18" charset="0"/>
                   </a:rPr>
-                  <a:t> – population density		</a:t>
+                  <a:t> – population </a:t>
+                </a:r>
+                <a:r>
+                  <a:rPr lang="en-US" altLang="he-IL" sz="2000" dirty="0" smtClean="0">
+                    <a:latin typeface="Cambria Math" panose="02040503050406030204" pitchFamily="18" charset="0"/>
+                    <a:ea typeface="Cambria Math" panose="02040503050406030204" pitchFamily="18" charset="0"/>
+                  </a:rPr>
+                  <a:t>density		</a:t>
                 </a:r>
                 <a14:m>
                   <m:oMath xmlns:m="http://schemas.openxmlformats.org/officeDocument/2006/math">
@@ -7312,8 +5985,12 @@
                     <a:latin typeface="Cambria Math" panose="02040503050406030204" pitchFamily="18" charset="0"/>
                     <a:ea typeface="Cambria Math" panose="02040503050406030204" pitchFamily="18" charset="0"/>
                   </a:rPr>
-                  <a:t> – maximum density</a:t>
+                  <a:t> – maximum density </a:t>
                 </a:r>
+                <a:endParaRPr lang="en-US" altLang="he-IL" sz="2000" i="1" dirty="0" smtClean="0">
+                  <a:latin typeface="Cambria Math" panose="02040503050406030204" pitchFamily="18" charset="0"/>
+                  <a:ea typeface="Cambria Math" panose="02040503050406030204" pitchFamily="18" charset="0"/>
+                </a:endParaRPr>
               </a:p>
               <a:p>
                 <a:pPr indent="180000" eaLnBrk="1" hangingPunct="1">
@@ -7351,7 +6028,14 @@
                     <a:latin typeface="Cambria Math" panose="02040503050406030204" pitchFamily="18" charset="0"/>
                     <a:ea typeface="Cambria Math" panose="02040503050406030204" pitchFamily="18" charset="0"/>
                   </a:rPr>
-                  <a:t>low density)	</a:t>
+                  <a:t>low density</a:t>
+                </a:r>
+                <a:r>
+                  <a:rPr lang="en-US" altLang="he-IL" sz="2000" dirty="0" smtClean="0">
+                    <a:latin typeface="Cambria Math" panose="02040503050406030204" pitchFamily="18" charset="0"/>
+                    <a:ea typeface="Cambria Math" panose="02040503050406030204" pitchFamily="18" charset="0"/>
+                  </a:rPr>
+                  <a:t>)	</a:t>
                 </a:r>
                 <a14:m>
                   <m:oMath xmlns:m="http://schemas.openxmlformats.org/officeDocument/2006/math">
@@ -7564,6 +6248,1463 @@
           </p:sp>
         </mc:Fallback>
       </mc:AlternateContent>
+      <p:pic>
+        <p:nvPicPr>
+          <p:cNvPr id="16" name="Picture 4" descr="D:\university\presentations\GRC 2015\model_fits.png"/>
+          <p:cNvPicPr>
+            <a:picLocks noChangeAspect="1" noChangeArrowheads="1"/>
+          </p:cNvPicPr>
+          <p:nvPr/>
+        </p:nvPicPr>
+        <p:blipFill>
+          <a:blip r:embed="rId7">
+            <a:extLst>
+              <a:ext uri="{28A0092B-C50C-407E-A947-70E740481C1C}">
+                <a14:useLocalDpi xmlns:a14="http://schemas.microsoft.com/office/drawing/2010/main" val="0"/>
+              </a:ext>
+            </a:extLst>
+          </a:blip>
+          <a:srcRect/>
+          <a:stretch>
+            <a:fillRect/>
+          </a:stretch>
+        </p:blipFill>
+        <p:spPr bwMode="auto">
+          <a:xfrm>
+            <a:off x="1630800" y="25887832"/>
+            <a:ext cx="7748588" cy="5297488"/>
+          </a:xfrm>
+          <a:prstGeom prst="rect">
+            <a:avLst/>
+          </a:prstGeom>
+          <a:noFill/>
+          <a:extLst>
+            <a:ext uri="{909E8E84-426E-40DD-AFC4-6F175D3DCCD1}">
+              <a14:hiddenFill xmlns:a14="http://schemas.microsoft.com/office/drawing/2010/main">
+                <a:solidFill>
+                  <a:srgbClr val="FFFFFF"/>
+                </a:solidFill>
+              </a14:hiddenFill>
+            </a:ext>
+          </a:extLst>
+        </p:spPr>
+      </p:pic>
+      <p:sp>
+        <p:nvSpPr>
+          <p:cNvPr id="14343" name="Text Box 13"/>
+          <p:cNvSpPr txBox="1">
+            <a:spLocks noChangeArrowheads="1"/>
+          </p:cNvSpPr>
+          <p:nvPr/>
+        </p:nvSpPr>
+        <p:spPr bwMode="auto">
+          <a:xfrm>
+            <a:off x="20610513" y="7550150"/>
+            <a:ext cx="8458200" cy="21812812"/>
+          </a:xfrm>
+          <a:prstGeom prst="rect">
+            <a:avLst/>
+          </a:prstGeom>
+          <a:solidFill>
+            <a:schemeClr val="bg1"/>
+          </a:solidFill>
+          <a:ln w="38100">
+            <a:solidFill>
+              <a:srgbClr val="000000"/>
+            </a:solidFill>
+            <a:round/>
+            <a:headEnd/>
+            <a:tailEnd/>
+          </a:ln>
+        </p:spPr>
+        <p:txBody>
+          <a:bodyPr lIns="802806" tIns="401404" rIns="802806" bIns="802806"/>
+          <a:lstStyle>
+            <a:lvl1pPr eaLnBrk="0" hangingPunct="0">
+              <a:tabLst>
+                <a:tab pos="635000" algn="l"/>
+              </a:tabLst>
+              <a:defRPr sz="2800">
+                <a:solidFill>
+                  <a:schemeClr val="tx1"/>
+                </a:solidFill>
+                <a:latin typeface="Helvetica" pitchFamily="124" charset="0"/>
+                <a:ea typeface="MS PGothic" pitchFamily="34" charset="-128"/>
+              </a:defRPr>
+            </a:lvl1pPr>
+            <a:lvl2pPr marL="742950" indent="-285750" eaLnBrk="0" hangingPunct="0">
+              <a:tabLst>
+                <a:tab pos="635000" algn="l"/>
+              </a:tabLst>
+              <a:defRPr sz="2800">
+                <a:solidFill>
+                  <a:schemeClr val="tx1"/>
+                </a:solidFill>
+                <a:latin typeface="Helvetica" pitchFamily="124" charset="0"/>
+                <a:ea typeface="MS PGothic" pitchFamily="34" charset="-128"/>
+              </a:defRPr>
+            </a:lvl2pPr>
+            <a:lvl3pPr marL="1143000" indent="-228600" eaLnBrk="0" hangingPunct="0">
+              <a:tabLst>
+                <a:tab pos="635000" algn="l"/>
+              </a:tabLst>
+              <a:defRPr sz="2800">
+                <a:solidFill>
+                  <a:schemeClr val="tx1"/>
+                </a:solidFill>
+                <a:latin typeface="Helvetica" pitchFamily="124" charset="0"/>
+                <a:ea typeface="MS PGothic" pitchFamily="34" charset="-128"/>
+              </a:defRPr>
+            </a:lvl3pPr>
+            <a:lvl4pPr marL="1600200" indent="-228600" eaLnBrk="0" hangingPunct="0">
+              <a:tabLst>
+                <a:tab pos="635000" algn="l"/>
+              </a:tabLst>
+              <a:defRPr sz="2800">
+                <a:solidFill>
+                  <a:schemeClr val="tx1"/>
+                </a:solidFill>
+                <a:latin typeface="Helvetica" pitchFamily="124" charset="0"/>
+                <a:ea typeface="MS PGothic" pitchFamily="34" charset="-128"/>
+              </a:defRPr>
+            </a:lvl4pPr>
+            <a:lvl5pPr marL="2057400" indent="-228600" eaLnBrk="0" hangingPunct="0">
+              <a:tabLst>
+                <a:tab pos="635000" algn="l"/>
+              </a:tabLst>
+              <a:defRPr sz="2800">
+                <a:solidFill>
+                  <a:schemeClr val="tx1"/>
+                </a:solidFill>
+                <a:latin typeface="Helvetica" pitchFamily="124" charset="0"/>
+                <a:ea typeface="MS PGothic" pitchFamily="34" charset="-128"/>
+              </a:defRPr>
+            </a:lvl5pPr>
+            <a:lvl6pPr marL="2514600" indent="-228600" algn="l" rtl="0" eaLnBrk="0" fontAlgn="base" hangingPunct="0">
+              <a:spcBef>
+                <a:spcPct val="0"/>
+              </a:spcBef>
+              <a:spcAft>
+                <a:spcPct val="0"/>
+              </a:spcAft>
+              <a:tabLst>
+                <a:tab pos="635000" algn="l"/>
+              </a:tabLst>
+              <a:defRPr sz="2800">
+                <a:solidFill>
+                  <a:schemeClr val="tx1"/>
+                </a:solidFill>
+                <a:latin typeface="Helvetica" pitchFamily="124" charset="0"/>
+                <a:ea typeface="MS PGothic" pitchFamily="34" charset="-128"/>
+              </a:defRPr>
+            </a:lvl6pPr>
+            <a:lvl7pPr marL="2971800" indent="-228600" algn="l" rtl="0" eaLnBrk="0" fontAlgn="base" hangingPunct="0">
+              <a:spcBef>
+                <a:spcPct val="0"/>
+              </a:spcBef>
+              <a:spcAft>
+                <a:spcPct val="0"/>
+              </a:spcAft>
+              <a:tabLst>
+                <a:tab pos="635000" algn="l"/>
+              </a:tabLst>
+              <a:defRPr sz="2800">
+                <a:solidFill>
+                  <a:schemeClr val="tx1"/>
+                </a:solidFill>
+                <a:latin typeface="Helvetica" pitchFamily="124" charset="0"/>
+                <a:ea typeface="MS PGothic" pitchFamily="34" charset="-128"/>
+              </a:defRPr>
+            </a:lvl7pPr>
+            <a:lvl8pPr marL="3429000" indent="-228600" algn="l" rtl="0" eaLnBrk="0" fontAlgn="base" hangingPunct="0">
+              <a:spcBef>
+                <a:spcPct val="0"/>
+              </a:spcBef>
+              <a:spcAft>
+                <a:spcPct val="0"/>
+              </a:spcAft>
+              <a:tabLst>
+                <a:tab pos="635000" algn="l"/>
+              </a:tabLst>
+              <a:defRPr sz="2800">
+                <a:solidFill>
+                  <a:schemeClr val="tx1"/>
+                </a:solidFill>
+                <a:latin typeface="Helvetica" pitchFamily="124" charset="0"/>
+                <a:ea typeface="MS PGothic" pitchFamily="34" charset="-128"/>
+              </a:defRPr>
+            </a:lvl8pPr>
+            <a:lvl9pPr marL="3886200" indent="-228600" algn="l" rtl="0" eaLnBrk="0" fontAlgn="base" hangingPunct="0">
+              <a:spcBef>
+                <a:spcPct val="0"/>
+              </a:spcBef>
+              <a:spcAft>
+                <a:spcPct val="0"/>
+              </a:spcAft>
+              <a:tabLst>
+                <a:tab pos="635000" algn="l"/>
+              </a:tabLst>
+              <a:defRPr sz="2800">
+                <a:solidFill>
+                  <a:schemeClr val="tx1"/>
+                </a:solidFill>
+                <a:latin typeface="Helvetica" pitchFamily="124" charset="0"/>
+                <a:ea typeface="MS PGothic" pitchFamily="34" charset="-128"/>
+              </a:defRPr>
+            </a:lvl9pPr>
+          </a:lstStyle>
+          <a:p>
+            <a:pPr indent="180000" eaLnBrk="1" hangingPunct="1">
+              <a:spcBef>
+                <a:spcPct val="50000"/>
+              </a:spcBef>
+            </a:pPr>
+            <a:r>
+              <a:rPr lang="en-US" altLang="he-IL" sz="4200" b="1" dirty="0" smtClean="0">
+                <a:solidFill>
+                  <a:srgbClr val="E02829"/>
+                </a:solidFill>
+                <a:latin typeface="Calibri" pitchFamily="34" charset="0"/>
+              </a:rPr>
+              <a:t>Experimental test</a:t>
+            </a:r>
+            <a:endParaRPr lang="en-US" altLang="he-IL" sz="4200" b="1" dirty="0">
+              <a:solidFill>
+                <a:srgbClr val="E02829"/>
+              </a:solidFill>
+              <a:latin typeface="Calibri" pitchFamily="34" charset="0"/>
+            </a:endParaRPr>
+          </a:p>
+          <a:p>
+            <a:pPr indent="180000" eaLnBrk="1" hangingPunct="1">
+              <a:spcBef>
+                <a:spcPct val="10000"/>
+              </a:spcBef>
+            </a:pPr>
+            <a:r>
+              <a:rPr lang="en-US" altLang="he-IL" b="1" dirty="0">
+                <a:latin typeface="Calibri" panose="020F0502020204030204" pitchFamily="34" charset="0"/>
+              </a:rPr>
+              <a:t>Experimental Design. </a:t>
+            </a:r>
+            <a:r>
+              <a:rPr lang="en-US" altLang="he-IL" sz="2500" dirty="0" smtClean="0">
+                <a:latin typeface="Times New Roman" pitchFamily="18" charset="0"/>
+              </a:rPr>
+              <a:t>We grow our strains separately </a:t>
+            </a:r>
+            <a:r>
+              <a:rPr lang="en-US" altLang="he-IL" sz="2500" dirty="0" smtClean="0">
+                <a:latin typeface="Times New Roman" pitchFamily="18" charset="0"/>
+              </a:rPr>
+              <a:t>and in </a:t>
+            </a:r>
+            <a:r>
+              <a:rPr lang="en-US" altLang="he-IL" sz="2500" dirty="0" smtClean="0">
+                <a:latin typeface="Times New Roman" pitchFamily="18" charset="0"/>
+              </a:rPr>
+              <a:t>competition </a:t>
+            </a:r>
+            <a:r>
+              <a:rPr lang="en-US" altLang="he-IL" sz="2500" dirty="0" smtClean="0">
+                <a:latin typeface="Times New Roman" pitchFamily="18" charset="0"/>
+              </a:rPr>
+              <a:t>in a 96-well plate and measure their OD over time.</a:t>
+            </a:r>
+          </a:p>
+          <a:p>
+            <a:pPr indent="180000" eaLnBrk="1" hangingPunct="1">
+              <a:spcBef>
+                <a:spcPct val="10000"/>
+              </a:spcBef>
+            </a:pPr>
+            <a:endParaRPr lang="en-US" altLang="he-IL" sz="2500" dirty="0">
+              <a:latin typeface="Times New Roman" pitchFamily="18" charset="0"/>
+            </a:endParaRPr>
+          </a:p>
+          <a:p>
+            <a:pPr indent="180000" eaLnBrk="1" hangingPunct="1">
+              <a:spcBef>
+                <a:spcPct val="10000"/>
+              </a:spcBef>
+            </a:pPr>
+            <a:endParaRPr lang="en-US" altLang="he-IL" sz="2500" dirty="0" smtClean="0">
+              <a:latin typeface="Times New Roman" pitchFamily="18" charset="0"/>
+            </a:endParaRPr>
+          </a:p>
+          <a:p>
+            <a:pPr indent="180000" eaLnBrk="1" hangingPunct="1">
+              <a:spcBef>
+                <a:spcPct val="10000"/>
+              </a:spcBef>
+            </a:pPr>
+            <a:endParaRPr lang="en-US" altLang="he-IL" sz="2500" dirty="0">
+              <a:latin typeface="Times New Roman" pitchFamily="18" charset="0"/>
+            </a:endParaRPr>
+          </a:p>
+          <a:p>
+            <a:pPr indent="180000" eaLnBrk="1" hangingPunct="1">
+              <a:spcBef>
+                <a:spcPct val="10000"/>
+              </a:spcBef>
+            </a:pPr>
+            <a:endParaRPr lang="en-US" altLang="he-IL" sz="2500" dirty="0" smtClean="0">
+              <a:latin typeface="Times New Roman" pitchFamily="18" charset="0"/>
+            </a:endParaRPr>
+          </a:p>
+          <a:p>
+            <a:pPr indent="180000" eaLnBrk="1" hangingPunct="1">
+              <a:spcBef>
+                <a:spcPct val="10000"/>
+              </a:spcBef>
+            </a:pPr>
+            <a:endParaRPr lang="en-US" altLang="he-IL" sz="2500" dirty="0">
+              <a:latin typeface="Times New Roman" pitchFamily="18" charset="0"/>
+            </a:endParaRPr>
+          </a:p>
+          <a:p>
+            <a:pPr indent="180000" eaLnBrk="1" hangingPunct="1">
+              <a:spcBef>
+                <a:spcPct val="10000"/>
+              </a:spcBef>
+            </a:pPr>
+            <a:endParaRPr lang="en-US" altLang="he-IL" sz="2500" dirty="0" smtClean="0">
+              <a:latin typeface="Times New Roman" pitchFamily="18" charset="0"/>
+            </a:endParaRPr>
+          </a:p>
+          <a:p>
+            <a:pPr indent="180000" eaLnBrk="1" hangingPunct="1">
+              <a:spcBef>
+                <a:spcPct val="10000"/>
+              </a:spcBef>
+            </a:pPr>
+            <a:endParaRPr lang="en-US" altLang="he-IL" sz="2500" dirty="0">
+              <a:latin typeface="Times New Roman" pitchFamily="18" charset="0"/>
+            </a:endParaRPr>
+          </a:p>
+          <a:p>
+            <a:pPr indent="180000" eaLnBrk="1" hangingPunct="1">
+              <a:spcBef>
+                <a:spcPct val="10000"/>
+              </a:spcBef>
+            </a:pPr>
+            <a:endParaRPr lang="en-US" altLang="he-IL" sz="2500" dirty="0" smtClean="0">
+              <a:latin typeface="Times New Roman" pitchFamily="18" charset="0"/>
+            </a:endParaRPr>
+          </a:p>
+          <a:p>
+            <a:pPr indent="180000" eaLnBrk="1" hangingPunct="1">
+              <a:spcBef>
+                <a:spcPct val="10000"/>
+              </a:spcBef>
+            </a:pPr>
+            <a:endParaRPr lang="en-US" altLang="he-IL" sz="2500" dirty="0">
+              <a:latin typeface="Times New Roman" pitchFamily="18" charset="0"/>
+            </a:endParaRPr>
+          </a:p>
+          <a:p>
+            <a:pPr indent="180000" eaLnBrk="1" hangingPunct="1">
+              <a:spcBef>
+                <a:spcPct val="10000"/>
+              </a:spcBef>
+            </a:pPr>
+            <a:endParaRPr lang="en-US" altLang="he-IL" sz="2500" dirty="0" smtClean="0">
+              <a:latin typeface="Times New Roman" pitchFamily="18" charset="0"/>
+            </a:endParaRPr>
+          </a:p>
+          <a:p>
+            <a:pPr indent="180000" eaLnBrk="1" hangingPunct="1">
+              <a:spcBef>
+                <a:spcPct val="10000"/>
+              </a:spcBef>
+            </a:pPr>
+            <a:endParaRPr lang="en-US" altLang="he-IL" sz="2500" dirty="0">
+              <a:latin typeface="Times New Roman" pitchFamily="18" charset="0"/>
+            </a:endParaRPr>
+          </a:p>
+          <a:p>
+            <a:pPr indent="180000" eaLnBrk="1" hangingPunct="1">
+              <a:spcBef>
+                <a:spcPct val="10000"/>
+              </a:spcBef>
+            </a:pPr>
+            <a:endParaRPr lang="en-US" altLang="he-IL" sz="2500" dirty="0" smtClean="0">
+              <a:latin typeface="Times New Roman" pitchFamily="18" charset="0"/>
+            </a:endParaRPr>
+          </a:p>
+          <a:p>
+            <a:pPr indent="180000" eaLnBrk="1" hangingPunct="1">
+              <a:spcBef>
+                <a:spcPct val="10000"/>
+              </a:spcBef>
+            </a:pPr>
+            <a:endParaRPr lang="en-US" altLang="he-IL" sz="2500" dirty="0">
+              <a:latin typeface="Times New Roman" pitchFamily="18" charset="0"/>
+            </a:endParaRPr>
+          </a:p>
+          <a:p>
+            <a:pPr indent="180000" eaLnBrk="1" hangingPunct="1">
+              <a:spcBef>
+                <a:spcPct val="10000"/>
+              </a:spcBef>
+            </a:pPr>
+            <a:endParaRPr lang="en-US" altLang="he-IL" sz="2500" dirty="0" smtClean="0">
+              <a:latin typeface="Times New Roman" pitchFamily="18" charset="0"/>
+            </a:endParaRPr>
+          </a:p>
+          <a:p>
+            <a:pPr indent="180000" eaLnBrk="1" hangingPunct="1">
+              <a:spcBef>
+                <a:spcPct val="10000"/>
+              </a:spcBef>
+            </a:pPr>
+            <a:endParaRPr lang="en-US" altLang="he-IL" sz="2500" dirty="0">
+              <a:latin typeface="Times New Roman" pitchFamily="18" charset="0"/>
+            </a:endParaRPr>
+          </a:p>
+          <a:p>
+            <a:pPr indent="180000" eaLnBrk="1" hangingPunct="1">
+              <a:spcBef>
+                <a:spcPct val="10000"/>
+              </a:spcBef>
+            </a:pPr>
+            <a:endParaRPr lang="en-US" altLang="he-IL" sz="2500" dirty="0" smtClean="0">
+              <a:latin typeface="Times New Roman" pitchFamily="18" charset="0"/>
+            </a:endParaRPr>
+          </a:p>
+          <a:p>
+            <a:pPr indent="180000" eaLnBrk="1" hangingPunct="1">
+              <a:spcBef>
+                <a:spcPct val="10000"/>
+              </a:spcBef>
+            </a:pPr>
+            <a:endParaRPr lang="en-US" altLang="he-IL" sz="2500" dirty="0">
+              <a:latin typeface="Times New Roman" pitchFamily="18" charset="0"/>
+            </a:endParaRPr>
+          </a:p>
+          <a:p>
+            <a:pPr indent="180000" eaLnBrk="1" hangingPunct="1">
+              <a:spcBef>
+                <a:spcPct val="10000"/>
+              </a:spcBef>
+            </a:pPr>
+            <a:endParaRPr lang="en-US" altLang="he-IL" sz="2500" dirty="0" smtClean="0">
+              <a:latin typeface="Times New Roman" pitchFamily="18" charset="0"/>
+            </a:endParaRPr>
+          </a:p>
+          <a:p>
+            <a:pPr indent="180000" eaLnBrk="1" hangingPunct="1">
+              <a:spcBef>
+                <a:spcPct val="10000"/>
+              </a:spcBef>
+            </a:pPr>
+            <a:endParaRPr lang="en-US" altLang="he-IL" sz="2500" dirty="0">
+              <a:latin typeface="Times New Roman" pitchFamily="18" charset="0"/>
+            </a:endParaRPr>
+          </a:p>
+          <a:p>
+            <a:pPr indent="180000" eaLnBrk="1" hangingPunct="1">
+              <a:spcBef>
+                <a:spcPct val="10000"/>
+              </a:spcBef>
+            </a:pPr>
+            <a:endParaRPr lang="en-US" altLang="he-IL" sz="2500" dirty="0" smtClean="0">
+              <a:latin typeface="Times New Roman" pitchFamily="18" charset="0"/>
+            </a:endParaRPr>
+          </a:p>
+          <a:p>
+            <a:pPr indent="180000" eaLnBrk="1" hangingPunct="1">
+              <a:spcBef>
+                <a:spcPct val="10000"/>
+              </a:spcBef>
+            </a:pPr>
+            <a:endParaRPr lang="en-US" altLang="he-IL" sz="2500" dirty="0">
+              <a:latin typeface="Times New Roman" pitchFamily="18" charset="0"/>
+            </a:endParaRPr>
+          </a:p>
+          <a:p>
+            <a:pPr indent="180000" eaLnBrk="1" hangingPunct="1">
+              <a:spcBef>
+                <a:spcPct val="10000"/>
+              </a:spcBef>
+            </a:pPr>
+            <a:endParaRPr lang="en-US" altLang="he-IL" sz="2500" dirty="0" smtClean="0">
+              <a:latin typeface="Times New Roman" pitchFamily="18" charset="0"/>
+            </a:endParaRPr>
+          </a:p>
+          <a:p>
+            <a:pPr indent="180000" eaLnBrk="1" hangingPunct="1">
+              <a:spcBef>
+                <a:spcPct val="10000"/>
+              </a:spcBef>
+            </a:pPr>
+            <a:endParaRPr lang="en-US" altLang="he-IL" sz="2500" dirty="0">
+              <a:latin typeface="Times New Roman" pitchFamily="18" charset="0"/>
+            </a:endParaRPr>
+          </a:p>
+          <a:p>
+            <a:pPr indent="180000" eaLnBrk="1" hangingPunct="1">
+              <a:spcBef>
+                <a:spcPct val="10000"/>
+              </a:spcBef>
+            </a:pPr>
+            <a:endParaRPr lang="en-US" altLang="he-IL" sz="2500" dirty="0" smtClean="0">
+              <a:latin typeface="Times New Roman" pitchFamily="18" charset="0"/>
+            </a:endParaRPr>
+          </a:p>
+          <a:p>
+            <a:pPr indent="180000" eaLnBrk="1" hangingPunct="1">
+              <a:spcBef>
+                <a:spcPct val="10000"/>
+              </a:spcBef>
+            </a:pPr>
+            <a:endParaRPr lang="en-US" altLang="he-IL" sz="2500" dirty="0">
+              <a:latin typeface="Times New Roman" pitchFamily="18" charset="0"/>
+            </a:endParaRPr>
+          </a:p>
+          <a:p>
+            <a:pPr indent="180000" eaLnBrk="1" hangingPunct="1">
+              <a:spcBef>
+                <a:spcPct val="10000"/>
+              </a:spcBef>
+            </a:pPr>
+            <a:endParaRPr lang="en-US" altLang="he-IL" sz="2500" dirty="0" smtClean="0">
+              <a:latin typeface="Times New Roman" pitchFamily="18" charset="0"/>
+            </a:endParaRPr>
+          </a:p>
+          <a:p>
+            <a:pPr indent="180000" eaLnBrk="1" hangingPunct="1">
+              <a:spcBef>
+                <a:spcPct val="10000"/>
+              </a:spcBef>
+            </a:pPr>
+            <a:endParaRPr lang="en-US" altLang="he-IL" sz="2500" dirty="0">
+              <a:latin typeface="Times New Roman" pitchFamily="18" charset="0"/>
+            </a:endParaRPr>
+          </a:p>
+          <a:p>
+            <a:pPr indent="180000" eaLnBrk="1" hangingPunct="1">
+              <a:spcBef>
+                <a:spcPct val="10000"/>
+              </a:spcBef>
+            </a:pPr>
+            <a:endParaRPr lang="en-US" altLang="he-IL" sz="2500" dirty="0" smtClean="0">
+              <a:latin typeface="Times New Roman" pitchFamily="18" charset="0"/>
+            </a:endParaRPr>
+          </a:p>
+          <a:p>
+            <a:pPr indent="180000" eaLnBrk="1" hangingPunct="1">
+              <a:spcBef>
+                <a:spcPct val="10000"/>
+              </a:spcBef>
+            </a:pPr>
+            <a:endParaRPr lang="en-US" altLang="he-IL" sz="2500" dirty="0">
+              <a:latin typeface="Times New Roman" pitchFamily="18" charset="0"/>
+            </a:endParaRPr>
+          </a:p>
+          <a:p>
+            <a:pPr indent="180000" eaLnBrk="1" hangingPunct="1">
+              <a:spcBef>
+                <a:spcPct val="10000"/>
+              </a:spcBef>
+            </a:pPr>
+            <a:endParaRPr lang="en-US" altLang="he-IL" sz="2500" dirty="0" smtClean="0">
+              <a:latin typeface="Times New Roman" pitchFamily="18" charset="0"/>
+            </a:endParaRPr>
+          </a:p>
+          <a:p>
+            <a:pPr indent="180000" eaLnBrk="1" hangingPunct="1">
+              <a:spcBef>
+                <a:spcPct val="10000"/>
+              </a:spcBef>
+            </a:pPr>
+            <a:endParaRPr lang="en-US" altLang="he-IL" sz="2500" dirty="0">
+              <a:latin typeface="Times New Roman" pitchFamily="18" charset="0"/>
+            </a:endParaRPr>
+          </a:p>
+          <a:p>
+            <a:pPr indent="180000" eaLnBrk="1" hangingPunct="1">
+              <a:spcBef>
+                <a:spcPct val="10000"/>
+              </a:spcBef>
+            </a:pPr>
+            <a:endParaRPr lang="en-US" altLang="he-IL" sz="2500" dirty="0" smtClean="0">
+              <a:latin typeface="Times New Roman" pitchFamily="18" charset="0"/>
+            </a:endParaRPr>
+          </a:p>
+          <a:p>
+            <a:pPr indent="180000" eaLnBrk="1" hangingPunct="1">
+              <a:spcBef>
+                <a:spcPct val="10000"/>
+              </a:spcBef>
+            </a:pPr>
+            <a:endParaRPr lang="en-US" altLang="he-IL" sz="2500" dirty="0">
+              <a:latin typeface="Times New Roman" pitchFamily="18" charset="0"/>
+            </a:endParaRPr>
+          </a:p>
+          <a:p>
+            <a:pPr indent="180000" eaLnBrk="1" hangingPunct="1">
+              <a:spcBef>
+                <a:spcPct val="10000"/>
+              </a:spcBef>
+            </a:pPr>
+            <a:endParaRPr lang="en-US" altLang="he-IL" sz="2500" dirty="0" smtClean="0">
+              <a:latin typeface="Times New Roman" pitchFamily="18" charset="0"/>
+            </a:endParaRPr>
+          </a:p>
+          <a:p>
+            <a:pPr indent="180000" eaLnBrk="1" hangingPunct="1">
+              <a:spcBef>
+                <a:spcPct val="10000"/>
+              </a:spcBef>
+            </a:pPr>
+            <a:endParaRPr lang="en-US" altLang="he-IL" sz="2500" dirty="0">
+              <a:latin typeface="Times New Roman" pitchFamily="18" charset="0"/>
+            </a:endParaRPr>
+          </a:p>
+          <a:p>
+            <a:pPr indent="180000" eaLnBrk="1" hangingPunct="1">
+              <a:spcBef>
+                <a:spcPct val="10000"/>
+              </a:spcBef>
+            </a:pPr>
+            <a:endParaRPr lang="en-US" altLang="he-IL" sz="2500" dirty="0" smtClean="0">
+              <a:latin typeface="Times New Roman" pitchFamily="18" charset="0"/>
+            </a:endParaRPr>
+          </a:p>
+          <a:p>
+            <a:pPr indent="180000" eaLnBrk="1" hangingPunct="1">
+              <a:spcBef>
+                <a:spcPct val="10000"/>
+              </a:spcBef>
+            </a:pPr>
+            <a:endParaRPr lang="en-US" altLang="he-IL" sz="2500" dirty="0">
+              <a:latin typeface="Times New Roman" pitchFamily="18" charset="0"/>
+            </a:endParaRPr>
+          </a:p>
+          <a:p>
+            <a:pPr indent="180000" eaLnBrk="1" hangingPunct="1">
+              <a:spcBef>
+                <a:spcPct val="10000"/>
+              </a:spcBef>
+            </a:pPr>
+            <a:endParaRPr lang="en-US" altLang="he-IL" sz="2500" dirty="0" smtClean="0">
+              <a:latin typeface="Times New Roman" pitchFamily="18" charset="0"/>
+            </a:endParaRPr>
+          </a:p>
+          <a:p>
+            <a:pPr indent="180000" eaLnBrk="1" hangingPunct="1">
+              <a:spcBef>
+                <a:spcPct val="10000"/>
+              </a:spcBef>
+            </a:pPr>
+            <a:endParaRPr lang="en-US" altLang="he-IL" sz="2500" dirty="0">
+              <a:latin typeface="Times New Roman" pitchFamily="18" charset="0"/>
+            </a:endParaRPr>
+          </a:p>
+          <a:p>
+            <a:pPr indent="180000" eaLnBrk="1" hangingPunct="1">
+              <a:spcBef>
+                <a:spcPct val="10000"/>
+              </a:spcBef>
+            </a:pPr>
+            <a:endParaRPr lang="en-US" altLang="he-IL" sz="2500" dirty="0" smtClean="0">
+              <a:latin typeface="Times New Roman" pitchFamily="18" charset="0"/>
+            </a:endParaRPr>
+          </a:p>
+          <a:p>
+            <a:pPr indent="180000" eaLnBrk="1" hangingPunct="1">
+              <a:spcBef>
+                <a:spcPct val="10000"/>
+              </a:spcBef>
+            </a:pPr>
+            <a:endParaRPr lang="en-US" altLang="he-IL" sz="2500" dirty="0">
+              <a:latin typeface="Times New Roman" pitchFamily="18" charset="0"/>
+            </a:endParaRPr>
+          </a:p>
+          <a:p>
+            <a:pPr indent="180000" eaLnBrk="1" hangingPunct="1">
+              <a:spcBef>
+                <a:spcPct val="10000"/>
+              </a:spcBef>
+            </a:pPr>
+            <a:endParaRPr lang="en-US" altLang="he-IL" sz="2500" dirty="0" smtClean="0">
+              <a:latin typeface="Times New Roman" pitchFamily="18" charset="0"/>
+            </a:endParaRPr>
+          </a:p>
+          <a:p>
+            <a:pPr indent="180000" eaLnBrk="1" hangingPunct="1">
+              <a:spcBef>
+                <a:spcPct val="10000"/>
+              </a:spcBef>
+            </a:pPr>
+            <a:r>
+              <a:rPr lang="en-US" altLang="he-IL" b="1" dirty="0" smtClean="0">
+                <a:latin typeface="Calibri" panose="020F0502020204030204" pitchFamily="34" charset="0"/>
+              </a:rPr>
+              <a:t>Results</a:t>
+            </a:r>
+            <a:r>
+              <a:rPr lang="en-US" altLang="he-IL" b="1" dirty="0">
+                <a:latin typeface="Calibri" panose="020F0502020204030204" pitchFamily="34" charset="0"/>
+              </a:rPr>
+              <a:t>.</a:t>
+            </a:r>
+            <a:r>
+              <a:rPr lang="en-US" altLang="he-IL" sz="2500" dirty="0" smtClean="0">
+                <a:latin typeface="Times New Roman" pitchFamily="18" charset="0"/>
+              </a:rPr>
+              <a:t> The </a:t>
+            </a:r>
+            <a:r>
+              <a:rPr lang="en-US" altLang="he-IL" sz="2500" dirty="0" smtClean="0">
+                <a:latin typeface="Times New Roman" pitchFamily="18" charset="0"/>
+              </a:rPr>
+              <a:t>total OD predicted by the model (solid blue line) is in good agreement with the total OD in the competition experiments (black markers).</a:t>
+            </a:r>
+          </a:p>
+        </p:txBody>
+      </p:sp>
+      <p:pic>
+        <p:nvPicPr>
+          <p:cNvPr id="5" name="Picture 2" descr="D:\university\presentations\GRC 2015\plot_strains2.png"/>
+          <p:cNvPicPr>
+            <a:picLocks noChangeAspect="1" noChangeArrowheads="1"/>
+          </p:cNvPicPr>
+          <p:nvPr/>
+        </p:nvPicPr>
+        <p:blipFill>
+          <a:blip r:embed="rId8">
+            <a:extLst>
+              <a:ext uri="{28A0092B-C50C-407E-A947-70E740481C1C}">
+                <a14:useLocalDpi xmlns:a14="http://schemas.microsoft.com/office/drawing/2010/main" val="0"/>
+              </a:ext>
+            </a:extLst>
+          </a:blip>
+          <a:srcRect/>
+          <a:stretch>
+            <a:fillRect/>
+          </a:stretch>
+        </p:blipFill>
+        <p:spPr bwMode="auto">
+          <a:xfrm>
+            <a:off x="20970000" y="13140000"/>
+            <a:ext cx="7989888" cy="5081588"/>
+          </a:xfrm>
+          <a:prstGeom prst="rect">
+            <a:avLst/>
+          </a:prstGeom>
+          <a:noFill/>
+          <a:extLst>
+            <a:ext uri="{909E8E84-426E-40DD-AFC4-6F175D3DCCD1}">
+              <a14:hiddenFill xmlns:a14="http://schemas.microsoft.com/office/drawing/2010/main">
+                <a:solidFill>
+                  <a:srgbClr val="FFFFFF"/>
+                </a:solidFill>
+              </a14:hiddenFill>
+            </a:ext>
+          </a:extLst>
+        </p:spPr>
+      </p:pic>
+      <p:sp>
+        <p:nvSpPr>
+          <p:cNvPr id="67" name="Text Box 16"/>
+          <p:cNvSpPr txBox="1">
+            <a:spLocks noChangeArrowheads="1"/>
+          </p:cNvSpPr>
+          <p:nvPr/>
+        </p:nvSpPr>
+        <p:spPr bwMode="auto">
+          <a:xfrm>
+            <a:off x="20530755" y="35783432"/>
+            <a:ext cx="8410239" cy="6113056"/>
+          </a:xfrm>
+          <a:prstGeom prst="rect">
+            <a:avLst/>
+          </a:prstGeom>
+          <a:solidFill>
+            <a:schemeClr val="bg1"/>
+          </a:solidFill>
+          <a:ln w="38100">
+            <a:solidFill>
+              <a:srgbClr val="000000"/>
+            </a:solidFill>
+            <a:round/>
+            <a:headEnd/>
+            <a:tailEnd/>
+          </a:ln>
+        </p:spPr>
+        <p:txBody>
+          <a:bodyPr lIns="802806" tIns="401404" rIns="802806" bIns="802806"/>
+          <a:lstStyle>
+            <a:lvl1pPr eaLnBrk="0" hangingPunct="0">
+              <a:defRPr sz="2800">
+                <a:solidFill>
+                  <a:schemeClr val="tx1"/>
+                </a:solidFill>
+                <a:latin typeface="Helvetica" pitchFamily="124" charset="0"/>
+                <a:ea typeface="MS PGothic" pitchFamily="34" charset="-128"/>
+              </a:defRPr>
+            </a:lvl1pPr>
+            <a:lvl2pPr marL="742950" indent="-285750" eaLnBrk="0" hangingPunct="0">
+              <a:defRPr sz="2800">
+                <a:solidFill>
+                  <a:schemeClr val="tx1"/>
+                </a:solidFill>
+                <a:latin typeface="Helvetica" pitchFamily="124" charset="0"/>
+                <a:ea typeface="MS PGothic" pitchFamily="34" charset="-128"/>
+              </a:defRPr>
+            </a:lvl2pPr>
+            <a:lvl3pPr marL="1143000" indent="-228600" eaLnBrk="0" hangingPunct="0">
+              <a:defRPr sz="2800">
+                <a:solidFill>
+                  <a:schemeClr val="tx1"/>
+                </a:solidFill>
+                <a:latin typeface="Helvetica" pitchFamily="124" charset="0"/>
+                <a:ea typeface="MS PGothic" pitchFamily="34" charset="-128"/>
+              </a:defRPr>
+            </a:lvl3pPr>
+            <a:lvl4pPr marL="1600200" indent="-228600" eaLnBrk="0" hangingPunct="0">
+              <a:defRPr sz="2800">
+                <a:solidFill>
+                  <a:schemeClr val="tx1"/>
+                </a:solidFill>
+                <a:latin typeface="Helvetica" pitchFamily="124" charset="0"/>
+                <a:ea typeface="MS PGothic" pitchFamily="34" charset="-128"/>
+              </a:defRPr>
+            </a:lvl4pPr>
+            <a:lvl5pPr marL="2057400" indent="-228600" eaLnBrk="0" hangingPunct="0">
+              <a:defRPr sz="2800">
+                <a:solidFill>
+                  <a:schemeClr val="tx1"/>
+                </a:solidFill>
+                <a:latin typeface="Helvetica" pitchFamily="124" charset="0"/>
+                <a:ea typeface="MS PGothic" pitchFamily="34" charset="-128"/>
+              </a:defRPr>
+            </a:lvl5pPr>
+            <a:lvl6pPr marL="2514600" indent="-228600" algn="l" rtl="0" eaLnBrk="0" fontAlgn="base" hangingPunct="0">
+              <a:spcBef>
+                <a:spcPct val="0"/>
+              </a:spcBef>
+              <a:spcAft>
+                <a:spcPct val="0"/>
+              </a:spcAft>
+              <a:defRPr sz="2800">
+                <a:solidFill>
+                  <a:schemeClr val="tx1"/>
+                </a:solidFill>
+                <a:latin typeface="Helvetica" pitchFamily="124" charset="0"/>
+                <a:ea typeface="MS PGothic" pitchFamily="34" charset="-128"/>
+              </a:defRPr>
+            </a:lvl6pPr>
+            <a:lvl7pPr marL="2971800" indent="-228600" algn="l" rtl="0" eaLnBrk="0" fontAlgn="base" hangingPunct="0">
+              <a:spcBef>
+                <a:spcPct val="0"/>
+              </a:spcBef>
+              <a:spcAft>
+                <a:spcPct val="0"/>
+              </a:spcAft>
+              <a:defRPr sz="2800">
+                <a:solidFill>
+                  <a:schemeClr val="tx1"/>
+                </a:solidFill>
+                <a:latin typeface="Helvetica" pitchFamily="124" charset="0"/>
+                <a:ea typeface="MS PGothic" pitchFamily="34" charset="-128"/>
+              </a:defRPr>
+            </a:lvl7pPr>
+            <a:lvl8pPr marL="3429000" indent="-228600" algn="l" rtl="0" eaLnBrk="0" fontAlgn="base" hangingPunct="0">
+              <a:spcBef>
+                <a:spcPct val="0"/>
+              </a:spcBef>
+              <a:spcAft>
+                <a:spcPct val="0"/>
+              </a:spcAft>
+              <a:defRPr sz="2800">
+                <a:solidFill>
+                  <a:schemeClr val="tx1"/>
+                </a:solidFill>
+                <a:latin typeface="Helvetica" pitchFamily="124" charset="0"/>
+                <a:ea typeface="MS PGothic" pitchFamily="34" charset="-128"/>
+              </a:defRPr>
+            </a:lvl8pPr>
+            <a:lvl9pPr marL="3886200" indent="-228600" algn="l" rtl="0" eaLnBrk="0" fontAlgn="base" hangingPunct="0">
+              <a:spcBef>
+                <a:spcPct val="0"/>
+              </a:spcBef>
+              <a:spcAft>
+                <a:spcPct val="0"/>
+              </a:spcAft>
+              <a:defRPr sz="2800">
+                <a:solidFill>
+                  <a:schemeClr val="tx1"/>
+                </a:solidFill>
+                <a:latin typeface="Helvetica" pitchFamily="124" charset="0"/>
+                <a:ea typeface="MS PGothic" pitchFamily="34" charset="-128"/>
+              </a:defRPr>
+            </a:lvl9pPr>
+          </a:lstStyle>
+          <a:p>
+            <a:pPr eaLnBrk="1" hangingPunct="1">
+              <a:spcBef>
+                <a:spcPct val="50000"/>
+              </a:spcBef>
+            </a:pPr>
+            <a:endParaRPr lang="en-GB" sz="2500" dirty="0">
+              <a:latin typeface="Times New Roman" pitchFamily="18" charset="0"/>
+            </a:endParaRPr>
+          </a:p>
+        </p:txBody>
+      </p:sp>
+      <p:sp>
+        <p:nvSpPr>
+          <p:cNvPr id="62" name="Text Box 16"/>
+          <p:cNvSpPr txBox="1">
+            <a:spLocks noChangeArrowheads="1"/>
+          </p:cNvSpPr>
+          <p:nvPr/>
+        </p:nvSpPr>
+        <p:spPr bwMode="auto">
+          <a:xfrm>
+            <a:off x="10955768" y="35783839"/>
+            <a:ext cx="8458924" cy="6113056"/>
+          </a:xfrm>
+          <a:prstGeom prst="rect">
+            <a:avLst/>
+          </a:prstGeom>
+          <a:solidFill>
+            <a:schemeClr val="bg1"/>
+          </a:solidFill>
+          <a:ln w="38100">
+            <a:solidFill>
+              <a:srgbClr val="000000"/>
+            </a:solidFill>
+            <a:round/>
+            <a:headEnd/>
+            <a:tailEnd/>
+          </a:ln>
+        </p:spPr>
+        <p:txBody>
+          <a:bodyPr lIns="802806" tIns="401404" rIns="802806" bIns="802806"/>
+          <a:lstStyle>
+            <a:lvl1pPr eaLnBrk="0" hangingPunct="0">
+              <a:defRPr sz="2800">
+                <a:solidFill>
+                  <a:schemeClr val="tx1"/>
+                </a:solidFill>
+                <a:latin typeface="Helvetica" pitchFamily="124" charset="0"/>
+                <a:ea typeface="MS PGothic" pitchFamily="34" charset="-128"/>
+              </a:defRPr>
+            </a:lvl1pPr>
+            <a:lvl2pPr marL="742950" indent="-285750" eaLnBrk="0" hangingPunct="0">
+              <a:defRPr sz="2800">
+                <a:solidFill>
+                  <a:schemeClr val="tx1"/>
+                </a:solidFill>
+                <a:latin typeface="Helvetica" pitchFamily="124" charset="0"/>
+                <a:ea typeface="MS PGothic" pitchFamily="34" charset="-128"/>
+              </a:defRPr>
+            </a:lvl2pPr>
+            <a:lvl3pPr marL="1143000" indent="-228600" eaLnBrk="0" hangingPunct="0">
+              <a:defRPr sz="2800">
+                <a:solidFill>
+                  <a:schemeClr val="tx1"/>
+                </a:solidFill>
+                <a:latin typeface="Helvetica" pitchFamily="124" charset="0"/>
+                <a:ea typeface="MS PGothic" pitchFamily="34" charset="-128"/>
+              </a:defRPr>
+            </a:lvl3pPr>
+            <a:lvl4pPr marL="1600200" indent="-228600" eaLnBrk="0" hangingPunct="0">
+              <a:defRPr sz="2800">
+                <a:solidFill>
+                  <a:schemeClr val="tx1"/>
+                </a:solidFill>
+                <a:latin typeface="Helvetica" pitchFamily="124" charset="0"/>
+                <a:ea typeface="MS PGothic" pitchFamily="34" charset="-128"/>
+              </a:defRPr>
+            </a:lvl4pPr>
+            <a:lvl5pPr marL="2057400" indent="-228600" eaLnBrk="0" hangingPunct="0">
+              <a:defRPr sz="2800">
+                <a:solidFill>
+                  <a:schemeClr val="tx1"/>
+                </a:solidFill>
+                <a:latin typeface="Helvetica" pitchFamily="124" charset="0"/>
+                <a:ea typeface="MS PGothic" pitchFamily="34" charset="-128"/>
+              </a:defRPr>
+            </a:lvl5pPr>
+            <a:lvl6pPr marL="2514600" indent="-228600" algn="l" rtl="0" eaLnBrk="0" fontAlgn="base" hangingPunct="0">
+              <a:spcBef>
+                <a:spcPct val="0"/>
+              </a:spcBef>
+              <a:spcAft>
+                <a:spcPct val="0"/>
+              </a:spcAft>
+              <a:defRPr sz="2800">
+                <a:solidFill>
+                  <a:schemeClr val="tx1"/>
+                </a:solidFill>
+                <a:latin typeface="Helvetica" pitchFamily="124" charset="0"/>
+                <a:ea typeface="MS PGothic" pitchFamily="34" charset="-128"/>
+              </a:defRPr>
+            </a:lvl6pPr>
+            <a:lvl7pPr marL="2971800" indent="-228600" algn="l" rtl="0" eaLnBrk="0" fontAlgn="base" hangingPunct="0">
+              <a:spcBef>
+                <a:spcPct val="0"/>
+              </a:spcBef>
+              <a:spcAft>
+                <a:spcPct val="0"/>
+              </a:spcAft>
+              <a:defRPr sz="2800">
+                <a:solidFill>
+                  <a:schemeClr val="tx1"/>
+                </a:solidFill>
+                <a:latin typeface="Helvetica" pitchFamily="124" charset="0"/>
+                <a:ea typeface="MS PGothic" pitchFamily="34" charset="-128"/>
+              </a:defRPr>
+            </a:lvl7pPr>
+            <a:lvl8pPr marL="3429000" indent="-228600" algn="l" rtl="0" eaLnBrk="0" fontAlgn="base" hangingPunct="0">
+              <a:spcBef>
+                <a:spcPct val="0"/>
+              </a:spcBef>
+              <a:spcAft>
+                <a:spcPct val="0"/>
+              </a:spcAft>
+              <a:defRPr sz="2800">
+                <a:solidFill>
+                  <a:schemeClr val="tx1"/>
+                </a:solidFill>
+                <a:latin typeface="Helvetica" pitchFamily="124" charset="0"/>
+                <a:ea typeface="MS PGothic" pitchFamily="34" charset="-128"/>
+              </a:defRPr>
+            </a:lvl8pPr>
+            <a:lvl9pPr marL="3886200" indent="-228600" algn="l" rtl="0" eaLnBrk="0" fontAlgn="base" hangingPunct="0">
+              <a:spcBef>
+                <a:spcPct val="0"/>
+              </a:spcBef>
+              <a:spcAft>
+                <a:spcPct val="0"/>
+              </a:spcAft>
+              <a:defRPr sz="2800">
+                <a:solidFill>
+                  <a:schemeClr val="tx1"/>
+                </a:solidFill>
+                <a:latin typeface="Helvetica" pitchFamily="124" charset="0"/>
+                <a:ea typeface="MS PGothic" pitchFamily="34" charset="-128"/>
+              </a:defRPr>
+            </a:lvl9pPr>
+          </a:lstStyle>
+          <a:p>
+            <a:pPr eaLnBrk="1" hangingPunct="1">
+              <a:spcBef>
+                <a:spcPct val="50000"/>
+              </a:spcBef>
+            </a:pPr>
+            <a:endParaRPr lang="en-GB" sz="2500" dirty="0">
+              <a:latin typeface="Times New Roman" pitchFamily="18" charset="0"/>
+            </a:endParaRPr>
+          </a:p>
+        </p:txBody>
+      </p:sp>
+      <p:sp>
+        <p:nvSpPr>
+          <p:cNvPr id="14339" name="Text Box 7"/>
+          <p:cNvSpPr txBox="1">
+            <a:spLocks noChangeArrowheads="1"/>
+          </p:cNvSpPr>
+          <p:nvPr/>
+        </p:nvSpPr>
+        <p:spPr bwMode="auto">
+          <a:xfrm>
+            <a:off x="1270000" y="7550151"/>
+            <a:ext cx="8458200" cy="5239146"/>
+          </a:xfrm>
+          <a:prstGeom prst="rect">
+            <a:avLst/>
+          </a:prstGeom>
+          <a:solidFill>
+            <a:schemeClr val="bg1"/>
+          </a:solidFill>
+          <a:ln w="38100">
+            <a:solidFill>
+              <a:srgbClr val="000000"/>
+            </a:solidFill>
+            <a:round/>
+            <a:headEnd/>
+            <a:tailEnd/>
+          </a:ln>
+        </p:spPr>
+        <p:txBody>
+          <a:bodyPr lIns="802806" tIns="401404" rIns="802806" bIns="802806"/>
+          <a:lstStyle>
+            <a:lvl1pPr eaLnBrk="0" hangingPunct="0">
+              <a:tabLst>
+                <a:tab pos="500063" algn="l"/>
+              </a:tabLst>
+              <a:defRPr sz="2800">
+                <a:solidFill>
+                  <a:schemeClr val="tx1"/>
+                </a:solidFill>
+                <a:latin typeface="Helvetica" pitchFamily="124" charset="0"/>
+                <a:ea typeface="MS PGothic" pitchFamily="34" charset="-128"/>
+              </a:defRPr>
+            </a:lvl1pPr>
+            <a:lvl2pPr marL="742950" indent="-285750" eaLnBrk="0" hangingPunct="0">
+              <a:tabLst>
+                <a:tab pos="500063" algn="l"/>
+              </a:tabLst>
+              <a:defRPr sz="2800">
+                <a:solidFill>
+                  <a:schemeClr val="tx1"/>
+                </a:solidFill>
+                <a:latin typeface="Helvetica" pitchFamily="124" charset="0"/>
+                <a:ea typeface="MS PGothic" pitchFamily="34" charset="-128"/>
+              </a:defRPr>
+            </a:lvl2pPr>
+            <a:lvl3pPr marL="1143000" indent="-228600" eaLnBrk="0" hangingPunct="0">
+              <a:tabLst>
+                <a:tab pos="500063" algn="l"/>
+              </a:tabLst>
+              <a:defRPr sz="2800">
+                <a:solidFill>
+                  <a:schemeClr val="tx1"/>
+                </a:solidFill>
+                <a:latin typeface="Helvetica" pitchFamily="124" charset="0"/>
+                <a:ea typeface="MS PGothic" pitchFamily="34" charset="-128"/>
+              </a:defRPr>
+            </a:lvl3pPr>
+            <a:lvl4pPr marL="1600200" indent="-228600" eaLnBrk="0" hangingPunct="0">
+              <a:tabLst>
+                <a:tab pos="500063" algn="l"/>
+              </a:tabLst>
+              <a:defRPr sz="2800">
+                <a:solidFill>
+                  <a:schemeClr val="tx1"/>
+                </a:solidFill>
+                <a:latin typeface="Helvetica" pitchFamily="124" charset="0"/>
+                <a:ea typeface="MS PGothic" pitchFamily="34" charset="-128"/>
+              </a:defRPr>
+            </a:lvl4pPr>
+            <a:lvl5pPr marL="2057400" indent="-228600" eaLnBrk="0" hangingPunct="0">
+              <a:tabLst>
+                <a:tab pos="500063" algn="l"/>
+              </a:tabLst>
+              <a:defRPr sz="2800">
+                <a:solidFill>
+                  <a:schemeClr val="tx1"/>
+                </a:solidFill>
+                <a:latin typeface="Helvetica" pitchFamily="124" charset="0"/>
+                <a:ea typeface="MS PGothic" pitchFamily="34" charset="-128"/>
+              </a:defRPr>
+            </a:lvl5pPr>
+            <a:lvl6pPr marL="2514600" indent="-228600" algn="l" rtl="0" eaLnBrk="0" fontAlgn="base" hangingPunct="0">
+              <a:spcBef>
+                <a:spcPct val="0"/>
+              </a:spcBef>
+              <a:spcAft>
+                <a:spcPct val="0"/>
+              </a:spcAft>
+              <a:tabLst>
+                <a:tab pos="500063" algn="l"/>
+              </a:tabLst>
+              <a:defRPr sz="2800">
+                <a:solidFill>
+                  <a:schemeClr val="tx1"/>
+                </a:solidFill>
+                <a:latin typeface="Helvetica" pitchFamily="124" charset="0"/>
+                <a:ea typeface="MS PGothic" pitchFamily="34" charset="-128"/>
+              </a:defRPr>
+            </a:lvl6pPr>
+            <a:lvl7pPr marL="2971800" indent="-228600" algn="l" rtl="0" eaLnBrk="0" fontAlgn="base" hangingPunct="0">
+              <a:spcBef>
+                <a:spcPct val="0"/>
+              </a:spcBef>
+              <a:spcAft>
+                <a:spcPct val="0"/>
+              </a:spcAft>
+              <a:tabLst>
+                <a:tab pos="500063" algn="l"/>
+              </a:tabLst>
+              <a:defRPr sz="2800">
+                <a:solidFill>
+                  <a:schemeClr val="tx1"/>
+                </a:solidFill>
+                <a:latin typeface="Helvetica" pitchFamily="124" charset="0"/>
+                <a:ea typeface="MS PGothic" pitchFamily="34" charset="-128"/>
+              </a:defRPr>
+            </a:lvl7pPr>
+            <a:lvl8pPr marL="3429000" indent="-228600" algn="l" rtl="0" eaLnBrk="0" fontAlgn="base" hangingPunct="0">
+              <a:spcBef>
+                <a:spcPct val="0"/>
+              </a:spcBef>
+              <a:spcAft>
+                <a:spcPct val="0"/>
+              </a:spcAft>
+              <a:tabLst>
+                <a:tab pos="500063" algn="l"/>
+              </a:tabLst>
+              <a:defRPr sz="2800">
+                <a:solidFill>
+                  <a:schemeClr val="tx1"/>
+                </a:solidFill>
+                <a:latin typeface="Helvetica" pitchFamily="124" charset="0"/>
+                <a:ea typeface="MS PGothic" pitchFamily="34" charset="-128"/>
+              </a:defRPr>
+            </a:lvl8pPr>
+            <a:lvl9pPr marL="3886200" indent="-228600" algn="l" rtl="0" eaLnBrk="0" fontAlgn="base" hangingPunct="0">
+              <a:spcBef>
+                <a:spcPct val="0"/>
+              </a:spcBef>
+              <a:spcAft>
+                <a:spcPct val="0"/>
+              </a:spcAft>
+              <a:tabLst>
+                <a:tab pos="500063" algn="l"/>
+              </a:tabLst>
+              <a:defRPr sz="2800">
+                <a:solidFill>
+                  <a:schemeClr val="tx1"/>
+                </a:solidFill>
+                <a:latin typeface="Helvetica" pitchFamily="124" charset="0"/>
+                <a:ea typeface="MS PGothic" pitchFamily="34" charset="-128"/>
+              </a:defRPr>
+            </a:lvl9pPr>
+          </a:lstStyle>
+          <a:p>
+            <a:pPr indent="180000" eaLnBrk="1" hangingPunct="1">
+              <a:spcBef>
+                <a:spcPct val="50000"/>
+              </a:spcBef>
+              <a:tabLst>
+                <a:tab pos="635000" algn="l"/>
+              </a:tabLst>
+            </a:pPr>
+            <a:r>
+              <a:rPr lang="en-US" altLang="he-IL" sz="4200" b="1" dirty="0">
+                <a:solidFill>
+                  <a:srgbClr val="59A754"/>
+                </a:solidFill>
+                <a:latin typeface="Calibri" pitchFamily="34" charset="0"/>
+              </a:rPr>
+              <a:t>Introduction</a:t>
+            </a:r>
+          </a:p>
+          <a:p>
+            <a:pPr marL="342900" indent="-342900" eaLnBrk="1" hangingPunct="1">
+              <a:spcBef>
+                <a:spcPct val="10000"/>
+              </a:spcBef>
+              <a:buFont typeface="Arial" panose="020B0604020202020204" pitchFamily="34" charset="0"/>
+              <a:buChar char="•"/>
+            </a:pPr>
+            <a:r>
+              <a:rPr lang="en-US" sz="2500" dirty="0" smtClean="0">
+                <a:latin typeface="+mn-lt"/>
+              </a:rPr>
+              <a:t>Experiments </a:t>
+            </a:r>
+            <a:r>
+              <a:rPr lang="en-US" sz="2500" dirty="0">
+                <a:latin typeface="+mn-lt"/>
+              </a:rPr>
+              <a:t>often use </a:t>
+            </a:r>
+            <a:r>
+              <a:rPr lang="en-US" sz="2500" b="1" dirty="0">
+                <a:latin typeface="+mn-lt"/>
+              </a:rPr>
+              <a:t>growth curves </a:t>
+            </a:r>
+            <a:r>
+              <a:rPr lang="en-US" sz="2500" dirty="0">
+                <a:latin typeface="+mn-lt"/>
+              </a:rPr>
+              <a:t>to estimate the growth </a:t>
+            </a:r>
+            <a:r>
+              <a:rPr lang="en-US" sz="2500" dirty="0" smtClean="0">
+                <a:latin typeface="+mn-lt"/>
+              </a:rPr>
+              <a:t>rate as </a:t>
+            </a:r>
+            <a:r>
+              <a:rPr lang="en-US" sz="2500" dirty="0">
+                <a:latin typeface="+mn-lt"/>
+              </a:rPr>
+              <a:t>a proxy of </a:t>
+            </a:r>
+            <a:r>
+              <a:rPr lang="en-US" sz="2500" dirty="0" smtClean="0">
+                <a:latin typeface="+mn-lt"/>
+              </a:rPr>
+              <a:t>fitness</a:t>
+            </a:r>
+          </a:p>
+          <a:p>
+            <a:pPr marL="342900" indent="-342900" eaLnBrk="1" hangingPunct="1">
+              <a:spcBef>
+                <a:spcPct val="10000"/>
+              </a:spcBef>
+              <a:buFont typeface="Arial" panose="020B0604020202020204" pitchFamily="34" charset="0"/>
+              <a:buChar char="•"/>
+            </a:pPr>
+            <a:r>
+              <a:rPr lang="en-US" sz="2500" dirty="0" smtClean="0">
+                <a:latin typeface="+mn-lt"/>
+              </a:rPr>
+              <a:t>Models </a:t>
+            </a:r>
+            <a:r>
+              <a:rPr lang="en-US" sz="2500" dirty="0">
+                <a:latin typeface="+mn-lt"/>
+              </a:rPr>
+              <a:t>use </a:t>
+            </a:r>
+            <a:r>
+              <a:rPr lang="en-US" sz="2500" b="1" dirty="0" smtClean="0">
+                <a:latin typeface="+mn-lt"/>
+              </a:rPr>
+              <a:t>selection coefficients </a:t>
+            </a:r>
+            <a:r>
+              <a:rPr lang="en-US" sz="2500" dirty="0" smtClean="0">
+                <a:latin typeface="+mn-lt"/>
+              </a:rPr>
+              <a:t>for the </a:t>
+            </a:r>
+            <a:r>
+              <a:rPr lang="en-US" sz="2500" dirty="0">
+                <a:latin typeface="+mn-lt"/>
+              </a:rPr>
+              <a:t>relative fitness of </a:t>
+            </a:r>
+            <a:r>
+              <a:rPr lang="en-US" sz="2500" dirty="0" smtClean="0">
+                <a:latin typeface="+mn-lt"/>
+              </a:rPr>
+              <a:t>genotypes</a:t>
+            </a:r>
+            <a:endParaRPr lang="en-US" sz="2500" dirty="0" smtClean="0">
+              <a:latin typeface="+mn-lt"/>
+            </a:endParaRPr>
+          </a:p>
+          <a:p>
+            <a:pPr marL="342900" indent="-342900" eaLnBrk="1" hangingPunct="1">
+              <a:spcBef>
+                <a:spcPct val="10000"/>
+              </a:spcBef>
+              <a:buFont typeface="Arial" panose="020B0604020202020204" pitchFamily="34" charset="0"/>
+              <a:buChar char="•"/>
+            </a:pPr>
+            <a:r>
+              <a:rPr lang="en-US" sz="2500" dirty="0" smtClean="0">
+                <a:latin typeface="+mn-lt"/>
+              </a:rPr>
+              <a:t>The </a:t>
+            </a:r>
+            <a:r>
+              <a:rPr lang="en-US" sz="2500">
+                <a:latin typeface="+mn-lt"/>
+              </a:rPr>
+              <a:t>only </a:t>
+            </a:r>
+            <a:r>
+              <a:rPr lang="en-US" sz="2500" smtClean="0">
+                <a:latin typeface="+mn-lt"/>
+              </a:rPr>
+              <a:t>bridge </a:t>
+            </a:r>
+            <a:r>
+              <a:rPr lang="en-US" sz="2500" dirty="0">
+                <a:latin typeface="+mn-lt"/>
+              </a:rPr>
+              <a:t>between experiments and </a:t>
+            </a:r>
+            <a:r>
+              <a:rPr lang="en-US" sz="2500" dirty="0" smtClean="0">
+                <a:latin typeface="+mn-lt"/>
+              </a:rPr>
+              <a:t>theory, </a:t>
+            </a:r>
+            <a:r>
+              <a:rPr lang="en-US" sz="2500" b="1" dirty="0" smtClean="0">
+                <a:latin typeface="+mn-lt"/>
+              </a:rPr>
+              <a:t>competition assays</a:t>
+            </a:r>
+            <a:r>
+              <a:rPr lang="en-US" sz="2500" dirty="0" smtClean="0">
+                <a:latin typeface="+mn-lt"/>
+              </a:rPr>
+              <a:t>, </a:t>
+            </a:r>
+            <a:r>
+              <a:rPr lang="en-US" sz="2500" dirty="0" smtClean="0">
+                <a:latin typeface="+mn-lt"/>
+              </a:rPr>
+              <a:t>are </a:t>
+            </a:r>
+            <a:r>
+              <a:rPr lang="en-US" sz="2500" dirty="0">
+                <a:latin typeface="+mn-lt"/>
+              </a:rPr>
+              <a:t>expensive and </a:t>
+            </a:r>
+            <a:r>
+              <a:rPr lang="en-US" sz="2500" dirty="0" smtClean="0">
+                <a:latin typeface="+mn-lt"/>
+              </a:rPr>
+              <a:t>laborious.</a:t>
+            </a:r>
+          </a:p>
+          <a:p>
+            <a:pPr marL="342900" indent="-342900" eaLnBrk="1" hangingPunct="1">
+              <a:spcBef>
+                <a:spcPct val="10000"/>
+              </a:spcBef>
+              <a:buFont typeface="Arial" panose="020B0604020202020204" pitchFamily="34" charset="0"/>
+              <a:buChar char="•"/>
+            </a:pPr>
+            <a:r>
+              <a:rPr lang="en-US" sz="2500" dirty="0" smtClean="0">
+                <a:latin typeface="+mn-lt"/>
+              </a:rPr>
+              <a:t>We suggest an </a:t>
+            </a:r>
+            <a:r>
+              <a:rPr lang="en-US" sz="2500" b="1" dirty="0" smtClean="0">
+                <a:latin typeface="+mn-lt"/>
+              </a:rPr>
+              <a:t>alternative </a:t>
+            </a:r>
+            <a:r>
+              <a:rPr lang="en-US" sz="2500" b="1" dirty="0" smtClean="0">
+                <a:latin typeface="+mn-lt"/>
+              </a:rPr>
+              <a:t>method </a:t>
+            </a:r>
+            <a:r>
+              <a:rPr lang="en-US" sz="2500" dirty="0" smtClean="0">
+                <a:latin typeface="+mn-lt"/>
+              </a:rPr>
+              <a:t>that can predict competitions from </a:t>
+            </a:r>
+            <a:r>
+              <a:rPr lang="en-US" sz="2500" dirty="0">
+                <a:latin typeface="+mn-lt"/>
+              </a:rPr>
+              <a:t>growth </a:t>
+            </a:r>
+            <a:r>
+              <a:rPr lang="en-US" sz="2500" dirty="0" smtClean="0">
+                <a:latin typeface="+mn-lt"/>
+              </a:rPr>
+              <a:t>curves and estimate selection coefficients.</a:t>
+            </a:r>
+            <a:endParaRPr lang="en-US" altLang="he-IL" sz="2500" dirty="0">
+              <a:latin typeface="+mn-lt"/>
+            </a:endParaRPr>
+          </a:p>
+        </p:txBody>
+      </p:sp>
       <p:sp>
         <p:nvSpPr>
           <p:cNvPr id="14341" name="Text Box 16"/>
@@ -7743,7 +7884,7 @@
               <a:rPr lang="en-GB" sz="2200" dirty="0" smtClean="0">
                 <a:latin typeface="Times New Roman" pitchFamily="18" charset="0"/>
               </a:rPr>
-              <a:t>, Y</a:t>
+              <a:t>, E. Kroll, Y</a:t>
             </a:r>
             <a:r>
               <a:rPr lang="en-GB" sz="2200" dirty="0">
@@ -8070,7 +8211,43 @@
                   <a:rPr lang="en-US" sz="2500" dirty="0">
                     <a:latin typeface="+mn-lt"/>
                   </a:rPr>
-                  <a:t>Competitions will be simulated by integrating a two-species ordinary differential equation (ODE). We assume that the only interaction between strains in </a:t>
+                  <a:t>Competitions </a:t>
+                </a:r>
+                <a:r>
+                  <a:rPr lang="en-US" sz="2500" dirty="0" smtClean="0">
+                    <a:latin typeface="+mn-lt"/>
+                  </a:rPr>
+                  <a:t>are </a:t>
+                </a:r>
+                <a:r>
+                  <a:rPr lang="en-US" sz="2500" dirty="0">
+                    <a:latin typeface="+mn-lt"/>
+                  </a:rPr>
+                  <a:t>simulated by integrating a </a:t>
+                </a:r>
+                <a:r>
+                  <a:rPr lang="en-US" sz="2500" b="1" dirty="0" smtClean="0">
+                    <a:latin typeface="+mn-lt"/>
+                  </a:rPr>
+                  <a:t>two-species </a:t>
+                </a:r>
+                <a:r>
+                  <a:rPr lang="en-US" sz="2500" b="1" dirty="0">
+                    <a:latin typeface="+mn-lt"/>
+                  </a:rPr>
+                  <a:t>ordinary differential equation </a:t>
+                </a:r>
+                <a:r>
+                  <a:rPr lang="en-US" sz="2500" dirty="0">
+                    <a:latin typeface="+mn-lt"/>
+                  </a:rPr>
+                  <a:t>(ODE). We assume that the only interaction between strains </a:t>
+                </a:r>
+                <a:r>
+                  <a:rPr lang="en-US" sz="2500" dirty="0" smtClean="0">
+                    <a:latin typeface="+mn-lt"/>
+                  </a:rPr>
+                  <a:t>is </a:t>
                 </a:r>
                 <a:r>
                   <a:rPr lang="en-US" sz="2500" b="1" dirty="0">
@@ -8101,19 +8278,19 @@
                   <a:rPr lang="en-US" sz="2500" dirty="0" smtClean="0">
                     <a:latin typeface="+mn-lt"/>
                   </a:rPr>
-                  <a:t>For example, the </a:t>
-                </a:r>
-                <a:r>
-                  <a:rPr lang="en-US" altLang="he-IL" sz="2500" b="1" dirty="0" smtClean="0">
-                    <a:latin typeface="Times New Roman" pitchFamily="18" charset="0"/>
-                  </a:rPr>
-                  <a:t>two-strain ordinary differential equation </a:t>
+                  <a:t>The </a:t>
                 </a:r>
                 <a:r>
                   <a:rPr lang="en-US" altLang="he-IL" sz="2500" dirty="0" smtClean="0">
                     <a:latin typeface="Times New Roman" pitchFamily="18" charset="0"/>
                   </a:rPr>
-                  <a:t>for the </a:t>
+                  <a:t>two-species ordinary </a:t>
+                </a:r>
+                <a:r>
+                  <a:rPr lang="en-US" altLang="he-IL" sz="2500" dirty="0" smtClean="0">
+                    <a:latin typeface="Times New Roman" pitchFamily="18" charset="0"/>
+                  </a:rPr>
+                  <a:t>differential equation for the </a:t>
                 </a:r>
                 <a:r>
                   <a:rPr lang="en-US" altLang="he-IL" sz="2500" dirty="0" err="1" smtClean="0">
@@ -8520,7 +8697,7 @@
                 <a:avLst/>
               </a:prstGeom>
               <a:blipFill rotWithShape="1">
-                <a:blip r:embed="rId7"/>
+                <a:blip r:embed="rId9"/>
                 <a:stretch>
                   <a:fillRect/>
                 </a:stretch>
@@ -8713,13 +8890,7 @@
               <a:rPr lang="en-US" altLang="he-IL" sz="5800" b="1" u="sng" dirty="0" smtClean="0">
                 <a:latin typeface="Calibri" pitchFamily="34" charset="0"/>
               </a:rPr>
-              <a:t>Yoav </a:t>
-            </a:r>
-            <a:r>
-              <a:rPr lang="en-US" altLang="he-IL" sz="5800" b="1" u="sng" dirty="0" smtClean="0">
-                <a:latin typeface="Calibri" pitchFamily="34" charset="0"/>
-              </a:rPr>
-              <a:t>Ram</a:t>
+              <a:t>Yoav Ram</a:t>
             </a:r>
             <a:r>
               <a:rPr lang="en-US" altLang="he-IL" sz="5800" b="1" baseline="30000" dirty="0" smtClean="0">
@@ -8731,103 +8902,79 @@
               <a:rPr lang="en-US" altLang="he-IL" sz="5800" b="1" dirty="0" smtClean="0">
                 <a:latin typeface="Calibri" pitchFamily="34" charset="0"/>
               </a:rPr>
-              <a:t>, </a:t>
+              <a:t>, Eynat </a:t>
+            </a:r>
+            <a:r>
+              <a:rPr lang="en-US" altLang="he-IL" sz="5800" b="1" dirty="0" err="1" smtClean="0">
+                <a:latin typeface="Calibri" pitchFamily="34" charset="0"/>
+              </a:rPr>
+              <a:t>Dellus-Gur</a:t>
+            </a:r>
+            <a:r>
+              <a:rPr lang="en-US" altLang="he-IL" sz="5800" b="1" baseline="30000" dirty="0" err="1" smtClean="0">
+                <a:latin typeface="Calibri" pitchFamily="34" charset="0"/>
+              </a:rPr>
+              <a:t>a</a:t>
             </a:r>
             <a:r>
               <a:rPr lang="en-US" altLang="he-IL" sz="5800" b="1" dirty="0" smtClean="0">
                 <a:latin typeface="Calibri" pitchFamily="34" charset="0"/>
               </a:rPr>
-              <a:t>Eynat </a:t>
+              <a:t>, Uri </a:t>
             </a:r>
             <a:r>
               <a:rPr lang="en-US" altLang="he-IL" sz="5800" b="1" dirty="0" err="1" smtClean="0">
                 <a:latin typeface="Calibri" pitchFamily="34" charset="0"/>
               </a:rPr>
-              <a:t>Dellus-Gur</a:t>
+              <a:t>Obolski</a:t>
+            </a:r>
+            <a:r>
+              <a:rPr lang="en-US" altLang="he-IL" sz="5800" b="1" baseline="30000" dirty="0" err="1">
+                <a:latin typeface="Calibri" pitchFamily="34" charset="0"/>
+              </a:rPr>
+              <a:t>a</a:t>
+            </a:r>
+            <a:r>
+              <a:rPr lang="en-US" altLang="he-IL" sz="5800" b="1" dirty="0" smtClean="0">
+                <a:latin typeface="Calibri" pitchFamily="34" charset="0"/>
+              </a:rPr>
+              <a:t>, Maayan </a:t>
+            </a:r>
+            <a:r>
+              <a:rPr lang="en-US" altLang="he-IL" sz="5800" b="1" dirty="0" err="1" smtClean="0">
+                <a:latin typeface="Calibri" pitchFamily="34" charset="0"/>
+              </a:rPr>
+              <a:t>Bibi</a:t>
             </a:r>
             <a:r>
               <a:rPr lang="en-US" altLang="he-IL" sz="5800" b="1" baseline="30000" dirty="0" err="1" smtClean="0">
                 <a:latin typeface="Calibri" pitchFamily="34" charset="0"/>
               </a:rPr>
-              <a:t>a</a:t>
+              <a:t>b</a:t>
             </a:r>
             <a:r>
               <a:rPr lang="en-US" altLang="he-IL" sz="5800" b="1" dirty="0" smtClean="0">
                 <a:latin typeface="Calibri" pitchFamily="34" charset="0"/>
               </a:rPr>
-              <a:t>, </a:t>
+              <a:t>, Judith </a:t>
+            </a:r>
+            <a:r>
+              <a:rPr lang="en-US" altLang="he-IL" sz="5800" b="1" dirty="0" err="1" smtClean="0">
+                <a:latin typeface="Calibri" pitchFamily="34" charset="0"/>
+              </a:rPr>
+              <a:t>Berman</a:t>
+            </a:r>
+            <a:r>
+              <a:rPr lang="en-US" altLang="he-IL" sz="5800" b="1" baseline="30000" dirty="0" err="1" smtClean="0">
+                <a:latin typeface="Calibri" pitchFamily="34" charset="0"/>
+              </a:rPr>
+              <a:t>b</a:t>
             </a:r>
             <a:r>
               <a:rPr lang="en-US" altLang="he-IL" sz="5800" b="1" dirty="0" smtClean="0">
                 <a:latin typeface="Calibri" pitchFamily="34" charset="0"/>
               </a:rPr>
-              <a:t>Uri </a:t>
-            </a:r>
-            <a:r>
-              <a:rPr lang="en-US" altLang="he-IL" sz="5800" b="1" dirty="0" err="1" smtClean="0">
-                <a:latin typeface="Calibri" pitchFamily="34" charset="0"/>
-              </a:rPr>
-              <a:t>Obolska</a:t>
-            </a:r>
-            <a:r>
-              <a:rPr lang="en-US" altLang="he-IL" sz="5800" b="1" dirty="0" smtClean="0">
-                <a:latin typeface="Calibri" pitchFamily="34" charset="0"/>
-              </a:rPr>
-              <a:t>, </a:t>
-            </a:r>
-            <a:r>
-              <a:rPr lang="en-US" altLang="he-IL" sz="5800" b="1" dirty="0" smtClean="0">
-                <a:latin typeface="Calibri" pitchFamily="34" charset="0"/>
-              </a:rPr>
-              <a:t>Maayan </a:t>
-            </a:r>
-            <a:r>
-              <a:rPr lang="en-US" altLang="he-IL" sz="5800" b="1" dirty="0" err="1" smtClean="0">
-                <a:latin typeface="Calibri" pitchFamily="34" charset="0"/>
-              </a:rPr>
-              <a:t>Bibi</a:t>
-            </a:r>
-            <a:r>
-              <a:rPr lang="en-US" altLang="he-IL" sz="5800" b="1" baseline="30000" dirty="0" err="1" smtClean="0">
-                <a:latin typeface="Calibri" pitchFamily="34" charset="0"/>
-              </a:rPr>
-              <a:t>b</a:t>
-            </a:r>
-            <a:r>
-              <a:rPr lang="en-US" altLang="he-IL" sz="5800" b="1" dirty="0" smtClean="0">
-                <a:latin typeface="Calibri" pitchFamily="34" charset="0"/>
-              </a:rPr>
-              <a:t>, </a:t>
-            </a:r>
-            <a:r>
-              <a:rPr lang="en-US" altLang="he-IL" sz="5800" b="1" dirty="0" smtClean="0">
-                <a:latin typeface="Calibri" pitchFamily="34" charset="0"/>
-              </a:rPr>
-              <a:t>Judith </a:t>
-            </a:r>
-            <a:r>
-              <a:rPr lang="en-US" altLang="he-IL" sz="5800" b="1" dirty="0" err="1" smtClean="0">
-                <a:latin typeface="Calibri" pitchFamily="34" charset="0"/>
-              </a:rPr>
-              <a:t>Berman</a:t>
-            </a:r>
-            <a:r>
-              <a:rPr lang="en-US" altLang="he-IL" sz="5800" b="1" baseline="30000" dirty="0" err="1" smtClean="0">
-                <a:latin typeface="Calibri" pitchFamily="34" charset="0"/>
-              </a:rPr>
-              <a:t>b</a:t>
-            </a:r>
-            <a:r>
-              <a:rPr lang="en-US" altLang="he-IL" sz="5800" b="1" dirty="0" smtClean="0">
-                <a:latin typeface="Calibri" pitchFamily="34" charset="0"/>
-              </a:rPr>
-              <a:t>, </a:t>
-            </a:r>
-            <a:r>
-              <a:rPr lang="en-US" altLang="he-IL" sz="5800" b="1" dirty="0" smtClean="0">
-                <a:latin typeface="Calibri" pitchFamily="34" charset="0"/>
-              </a:rPr>
-              <a:t>Lilach </a:t>
+              <a:t>, Lilach </a:t>
             </a:r>
             <a:r>
               <a:rPr lang="en-US" altLang="he-IL" sz="5800" b="1" dirty="0" err="1" smtClean="0">
@@ -8905,37 +9052,37 @@
               <a:defRPr/>
             </a:pPr>
             <a:r>
-              <a:rPr lang="en-US" sz="2200" dirty="0" err="1" smtClean="0">
+              <a:rPr lang="en-US" sz="2500" dirty="0" err="1" smtClean="0">
                 <a:latin typeface="+mn-lt"/>
               </a:rPr>
               <a:t>Baranyi</a:t>
             </a:r>
             <a:r>
-              <a:rPr lang="en-US" sz="2200" dirty="0">
+              <a:rPr lang="en-US" sz="2500" dirty="0">
                 <a:latin typeface="+mn-lt"/>
               </a:rPr>
               <a:t>, J., Roberts, T. A., 1994. </a:t>
             </a:r>
             <a:r>
-              <a:rPr lang="en-US" sz="2200" i="1" dirty="0">
+              <a:rPr lang="en-US" sz="2500" i="1" dirty="0">
                 <a:latin typeface="+mn-lt"/>
               </a:rPr>
               <a:t>A dynamic approach to predicting bacterial growth in food</a:t>
             </a:r>
             <a:r>
-              <a:rPr lang="en-US" sz="2200" dirty="0">
+              <a:rPr lang="en-US" sz="2500" dirty="0">
                 <a:latin typeface="+mn-lt"/>
               </a:rPr>
               <a:t>. Int. J. Food </a:t>
             </a:r>
             <a:r>
-              <a:rPr lang="en-US" sz="2200" dirty="0" err="1">
+              <a:rPr lang="en-US" sz="2500" dirty="0" err="1">
                 <a:latin typeface="+mn-lt"/>
               </a:rPr>
               <a:t>Microbiol</a:t>
             </a:r>
             <a:r>
-              <a:rPr lang="en-US" sz="2200" dirty="0">
+              <a:rPr lang="en-US" sz="2500" dirty="0">
                 <a:latin typeface="+mn-lt"/>
               </a:rPr>
               <a:t>. 23, 277–294.</a:t>
@@ -8948,37 +9095,37 @@
               <a:defRPr/>
             </a:pPr>
             <a:r>
-              <a:rPr lang="en-US" sz="2200" dirty="0" err="1">
+              <a:rPr lang="en-US" sz="2500" dirty="0" err="1">
                 <a:latin typeface="+mn-lt"/>
               </a:rPr>
               <a:t>Chevin</a:t>
             </a:r>
             <a:r>
-              <a:rPr lang="en-US" sz="2200" dirty="0">
+              <a:rPr lang="en-US" sz="2500" dirty="0">
                 <a:latin typeface="+mn-lt"/>
               </a:rPr>
               <a:t>, L.-M., 2011. </a:t>
             </a:r>
             <a:r>
-              <a:rPr lang="en-US" sz="2200" i="1" dirty="0">
+              <a:rPr lang="en-US" sz="2500" i="1" dirty="0">
                 <a:latin typeface="+mn-lt"/>
               </a:rPr>
               <a:t>On measuring selection </a:t>
             </a:r>
             <a:r>
-              <a:rPr lang="en-US" sz="2200" i="1" dirty="0" smtClean="0">
+              <a:rPr lang="en-US" sz="2500" i="1" dirty="0" smtClean="0">
                 <a:latin typeface="+mn-lt"/>
               </a:rPr>
               <a:t>in experimental </a:t>
             </a:r>
             <a:r>
-              <a:rPr lang="en-US" sz="2200" i="1" dirty="0">
+              <a:rPr lang="en-US" sz="2500" i="1" dirty="0">
                 <a:latin typeface="+mn-lt"/>
               </a:rPr>
               <a:t>evolution</a:t>
             </a:r>
             <a:r>
-              <a:rPr lang="en-US" sz="2200" dirty="0">
+              <a:rPr lang="en-US" sz="2500" dirty="0">
                 <a:latin typeface="+mn-lt"/>
               </a:rPr>
               <a:t>. Biol. Lett. 7, 210–3.</a:t>
@@ -8991,19 +9138,19 @@
               <a:defRPr/>
             </a:pPr>
             <a:r>
-              <a:rPr lang="en-US" sz="2200" dirty="0">
+              <a:rPr lang="en-US" sz="2500" dirty="0">
                 <a:latin typeface="+mn-lt"/>
               </a:rPr>
               <a:t>Crow, J.F., Kimura, M., 1970. </a:t>
             </a:r>
             <a:r>
-              <a:rPr lang="en-US" sz="2200" i="1" dirty="0">
+              <a:rPr lang="en-US" sz="2500" i="1" dirty="0">
                 <a:latin typeface="+mn-lt"/>
               </a:rPr>
               <a:t>An introduction to population genetics theory</a:t>
             </a:r>
             <a:r>
-              <a:rPr lang="en-US" sz="2200" dirty="0">
+              <a:rPr lang="en-US" sz="2500" dirty="0">
                 <a:latin typeface="+mn-lt"/>
               </a:rPr>
               <a:t>. Burgess Pub. Co., Minneapolis.</a:t>
@@ -9016,90 +9163,37 @@
               <a:defRPr/>
             </a:pPr>
             <a:r>
-              <a:rPr lang="en-US" sz="2200" dirty="0" err="1">
+              <a:rPr lang="en-US" sz="2500" dirty="0" err="1">
                 <a:latin typeface="+mn-lt"/>
               </a:rPr>
               <a:t>Masel</a:t>
             </a:r>
             <a:r>
-              <a:rPr lang="en-US" sz="2200" dirty="0">
+              <a:rPr lang="en-US" sz="2500" dirty="0">
                 <a:latin typeface="+mn-lt"/>
               </a:rPr>
               <a:t>, J., 2014. </a:t>
             </a:r>
             <a:r>
-              <a:rPr lang="en-US" sz="2200" i="1" dirty="0">
+              <a:rPr lang="en-US" sz="2500" i="1" dirty="0">
                 <a:latin typeface="+mn-lt"/>
               </a:rPr>
               <a:t>Eco-evolutionary “fitness” in 3 dimensions: absolute growth, absolute efficiency, and relative competitiveness</a:t>
             </a:r>
             <a:r>
-              <a:rPr lang="en-US" sz="2200" dirty="0">
+              <a:rPr lang="en-US" sz="2500" dirty="0">
                 <a:latin typeface="+mn-lt"/>
               </a:rPr>
-              <a:t>. ArXiv:1407.1024</a:t>
-            </a:r>
-          </a:p>
-          <a:p>
-            <a:pPr marL="457200" indent="-457200">
-              <a:buFont typeface="+mj-lt"/>
-              <a:buAutoNum type="arabicPeriod"/>
-              <a:defRPr/>
-            </a:pPr>
-            <a:r>
-              <a:rPr lang="en-US" sz="2200" dirty="0">
+              <a:t>. </a:t>
+            </a:r>
+            <a:r>
+              <a:rPr lang="en-US" sz="2500" dirty="0" smtClean="0">
                 <a:latin typeface="+mn-lt"/>
               </a:rPr>
-              <a:t>Wiser, M.J., </a:t>
-            </a:r>
-            <a:r>
-              <a:rPr lang="en-US" sz="2200" dirty="0" err="1">
-                <a:latin typeface="+mn-lt"/>
-              </a:rPr>
-              <a:t>Lenski</a:t>
-            </a:r>
-            <a:r>
-              <a:rPr lang="en-US" sz="2200" dirty="0">
-                <a:latin typeface="+mn-lt"/>
-              </a:rPr>
-              <a:t>, R.E., 2015. </a:t>
-            </a:r>
-            <a:r>
-              <a:rPr lang="en-US" sz="2200" i="1" dirty="0">
-                <a:latin typeface="+mn-lt"/>
-              </a:rPr>
-              <a:t>A Comparison of Methods to Measure Fitness in </a:t>
-            </a:r>
-            <a:r>
-              <a:rPr lang="en-US" sz="2200" dirty="0">
-                <a:latin typeface="+mn-lt"/>
-              </a:rPr>
-              <a:t>Escherichia coli. </a:t>
-            </a:r>
-            <a:r>
-              <a:rPr lang="en-US" sz="2200" dirty="0" err="1">
-                <a:latin typeface="+mn-lt"/>
-              </a:rPr>
-              <a:t>PLoS</a:t>
-            </a:r>
-            <a:r>
-              <a:rPr lang="en-US" sz="2200" dirty="0">
-                <a:latin typeface="+mn-lt"/>
-              </a:rPr>
-              <a:t> One 10, e0126210</a:t>
-            </a:r>
-            <a:r>
-              <a:rPr lang="en-US" sz="2200" dirty="0" smtClean="0">
-                <a:latin typeface="+mn-lt"/>
-                <a:ea typeface="ＭＳ Ｐゴシック" pitchFamily="-111" charset="-128"/>
-                <a:cs typeface="ＭＳ Ｐゴシック" pitchFamily="-111" charset="-128"/>
-              </a:rPr>
-              <a:t>.</a:t>
-            </a:r>
-            <a:endParaRPr lang="en-US" sz="2200" dirty="0">
+              <a:t>ArXiv:1407.1024</a:t>
+            </a:r>
+            <a:endParaRPr lang="en-US" sz="2500" dirty="0">
               <a:latin typeface="+mn-lt"/>
-              <a:ea typeface="ＭＳ Ｐゴシック" pitchFamily="-111" charset="-128"/>
-              <a:cs typeface="ＭＳ Ｐゴシック" pitchFamily="-111" charset="-128"/>
             </a:endParaRPr>
           </a:p>
         </p:txBody>
@@ -9618,7 +9712,7 @@
           <p:nvPr/>
         </p:nvPicPr>
         <p:blipFill>
-          <a:blip r:embed="rId8">
+          <a:blip r:embed="rId10">
             <a:extLst>
               <a:ext uri="{28A0092B-C50C-407E-A947-70E740481C1C}">
                 <a14:useLocalDpi xmlns:a14="http://schemas.microsoft.com/office/drawing/2010/main" val="0"/>
@@ -9672,7 +9766,7 @@
           <p:nvPr/>
         </p:nvPicPr>
         <p:blipFill>
-          <a:blip r:embed="rId9">
+          <a:blip r:embed="rId11">
             <a:extLst>
               <a:ext uri="{28A0092B-C50C-407E-A947-70E740481C1C}">
                 <a14:useLocalDpi xmlns:a14="http://schemas.microsoft.com/office/drawing/2010/main" val="0"/>
@@ -9721,7 +9815,7 @@
         </p:nvGrpSpPr>
         <p:grpSpPr>
           <a:xfrm>
-            <a:off x="23176993" y="36290323"/>
+            <a:off x="23176993" y="36195073"/>
             <a:ext cx="5612578" cy="2062103"/>
             <a:chOff x="323528" y="5287813"/>
             <a:chExt cx="5002971" cy="1682120"/>
@@ -9750,7 +9844,7 @@
               <p:nvPr/>
             </p:nvPicPr>
             <p:blipFill>
-              <a:blip r:embed="rId10">
+              <a:blip r:embed="rId12">
                 <a:extLst>
                   <a:ext uri="{28A0092B-C50C-407E-A947-70E740481C1C}">
                     <a14:useLocalDpi xmlns:a14="http://schemas.microsoft.com/office/drawing/2010/main" val="0"/>
@@ -9814,7 +9908,7 @@
               <p:nvPr/>
             </p:nvPicPr>
             <p:blipFill>
-              <a:blip r:embed="rId11">
+              <a:blip r:embed="rId13">
                 <a:extLst>
                   <a:ext uri="{28A0092B-C50C-407E-A947-70E740481C1C}">
                     <a14:useLocalDpi xmlns:a14="http://schemas.microsoft.com/office/drawing/2010/main" val="0"/>
@@ -9878,7 +9972,7 @@
               <p:nvPr/>
             </p:nvPicPr>
             <p:blipFill>
-              <a:blip r:embed="rId12">
+              <a:blip r:embed="rId14">
                 <a:extLst>
                   <a:ext uri="{28A0092B-C50C-407E-A947-70E740481C1C}">
                     <a14:useLocalDpi xmlns:a14="http://schemas.microsoft.com/office/drawing/2010/main" val="0"/>
@@ -10038,7 +10132,7 @@
           <p:nvPr/>
         </p:nvPicPr>
         <p:blipFill>
-          <a:blip r:embed="rId13">
+          <a:blip r:embed="rId15">
             <a:extLst>
               <a:ext uri="{28A0092B-C50C-407E-A947-70E740481C1C}">
                 <a14:useLocalDpi xmlns:a14="http://schemas.microsoft.com/office/drawing/2010/main" val="0"/>
@@ -10113,13 +10207,6 @@
               </a:rPr>
               <a:t>Ministry </a:t>
             </a:r>
-            <a:endParaRPr lang="en-US" altLang="he-IL" sz="1600" b="1" dirty="0" smtClean="0">
-              <a:solidFill>
-                <a:srgbClr val="0070C0"/>
-              </a:solidFill>
-              <a:latin typeface="Calibri" panose="020F0502020204030204" pitchFamily="34" charset="0"/>
-              <a:cs typeface="Consolas" panose="020B0609020204030204" pitchFamily="49" charset="0"/>
-            </a:endParaRPr>
           </a:p>
           <a:p>
             <a:pPr algn="ctr"/>
@@ -10131,17 +10218,7 @@
                 <a:latin typeface="Calibri" panose="020F0502020204030204" pitchFamily="34" charset="0"/>
                 <a:cs typeface="Consolas" panose="020B0609020204030204" pitchFamily="49" charset="0"/>
               </a:rPr>
-              <a:t>of </a:t>
-            </a:r>
-            <a:r>
-              <a:rPr lang="en-US" altLang="he-IL" sz="1600" b="1" dirty="0" smtClean="0">
-                <a:solidFill>
-                  <a:srgbClr val="0070C0"/>
-                </a:solidFill>
-                <a:latin typeface="Calibri" panose="020F0502020204030204" pitchFamily="34" charset="0"/>
-                <a:cs typeface="Consolas" panose="020B0609020204030204" pitchFamily="49" charset="0"/>
-              </a:rPr>
-              <a:t>Science &amp; Technology</a:t>
+              <a:t>of Science &amp; Technology</a:t>
             </a:r>
             <a:endParaRPr lang="en-US" altLang="he-IL" sz="1600" b="1" dirty="0">
               <a:solidFill>
@@ -10155,14 +10232,14 @@
       </p:sp>
       <p:pic>
         <p:nvPicPr>
-          <p:cNvPr id="1032" name="Picture 8" descr="D:\university\presentations\GRC 2015\all_curves.png"/>
+          <p:cNvPr id="1043" name="Picture 19" descr="D:\university\presentations\GRC2015\plate.png"/>
           <p:cNvPicPr>
             <a:picLocks noChangeAspect="1" noChangeArrowheads="1"/>
           </p:cNvPicPr>
           <p:nvPr/>
         </p:nvPicPr>
         <p:blipFill>
-          <a:blip r:embed="rId14">
+          <a:blip r:embed="rId16">
             <a:extLst>
               <a:ext uri="{28A0092B-C50C-407E-A947-70E740481C1C}">
                 <a14:useLocalDpi xmlns:a14="http://schemas.microsoft.com/office/drawing/2010/main" val="0"/>
@@ -10176,48 +10253,7 @@
         </p:blipFill>
         <p:spPr bwMode="auto">
           <a:xfrm>
-            <a:off x="1630800" y="16206154"/>
-            <a:ext cx="7748588" cy="5157788"/>
-          </a:xfrm>
-          <a:prstGeom prst="rect">
-            <a:avLst/>
-          </a:prstGeom>
-          <a:noFill/>
-          <a:extLst>
-            <a:ext uri="{909E8E84-426E-40DD-AFC4-6F175D3DCCD1}">
-              <a14:hiddenFill xmlns:a14="http://schemas.microsoft.com/office/drawing/2010/main">
-                <a:solidFill>
-                  <a:srgbClr val="FFFFFF"/>
-                </a:solidFill>
-              </a14:hiddenFill>
-            </a:ext>
-          </a:extLst>
-        </p:spPr>
-      </p:pic>
-      <p:pic>
-        <p:nvPicPr>
-          <p:cNvPr id="1043" name="Picture 19" descr="D:\university\presentations\GRC2015\plate.png"/>
-          <p:cNvPicPr>
-            <a:picLocks noChangeAspect="1" noChangeArrowheads="1"/>
-          </p:cNvPicPr>
-          <p:nvPr/>
-        </p:nvPicPr>
-        <p:blipFill>
-          <a:blip r:embed="rId15">
-            <a:extLst>
-              <a:ext uri="{28A0092B-C50C-407E-A947-70E740481C1C}">
-                <a14:useLocalDpi xmlns:a14="http://schemas.microsoft.com/office/drawing/2010/main" val="0"/>
-              </a:ext>
-            </a:extLst>
-          </a:blip>
-          <a:srcRect/>
-          <a:stretch>
-            <a:fillRect/>
-          </a:stretch>
-        </p:blipFill>
-        <p:spPr bwMode="auto">
-          <a:xfrm>
-            <a:off x="22622555" y="9862759"/>
+            <a:off x="22622555" y="9894290"/>
             <a:ext cx="4274600" cy="3112168"/>
           </a:xfrm>
           <a:prstGeom prst="rect">
@@ -10376,88 +10412,6 @@
           </a:fontRef>
         </p:style>
       </p:cxnSp>
-      <p:pic>
-        <p:nvPicPr>
-          <p:cNvPr id="29" name="Picture 2" descr="D:\university\presentations\GRC 2015\plot_strains2.png"/>
-          <p:cNvPicPr>
-            <a:picLocks noChangeAspect="1" noChangeArrowheads="1"/>
-          </p:cNvPicPr>
-          <p:nvPr/>
-        </p:nvPicPr>
-        <p:blipFill>
-          <a:blip r:embed="rId16">
-            <a:extLst>
-              <a:ext uri="{28A0092B-C50C-407E-A947-70E740481C1C}">
-                <a14:useLocalDpi xmlns:a14="http://schemas.microsoft.com/office/drawing/2010/main" val="0"/>
-              </a:ext>
-            </a:extLst>
-          </a:blip>
-          <a:srcRect/>
-          <a:stretch>
-            <a:fillRect/>
-          </a:stretch>
-        </p:blipFill>
-        <p:spPr bwMode="auto">
-          <a:xfrm>
-            <a:off x="20970000" y="13140378"/>
-            <a:ext cx="7989888" cy="5081588"/>
-          </a:xfrm>
-          <a:prstGeom prst="rect">
-            <a:avLst/>
-          </a:prstGeom>
-          <a:noFill/>
-          <a:extLst>
-            <a:ext uri="{909E8E84-426E-40DD-AFC4-6F175D3DCCD1}">
-              <a14:hiddenFill xmlns:a14="http://schemas.microsoft.com/office/drawing/2010/main">
-                <a:solidFill>
-                  <a:srgbClr val="FFFFFF"/>
-                </a:solidFill>
-              </a14:hiddenFill>
-            </a:ext>
-          </a:extLst>
-        </p:spPr>
-      </p:pic>
-      <p:pic>
-        <p:nvPicPr>
-          <p:cNvPr id="30" name="Picture 3" descr="D:\university\presentations\GRC 2015\competition.png"/>
-          <p:cNvPicPr>
-            <a:picLocks noChangeAspect="1" noChangeArrowheads="1"/>
-          </p:cNvPicPr>
-          <p:nvPr/>
-        </p:nvPicPr>
-        <p:blipFill>
-          <a:blip r:embed="rId17">
-            <a:extLst>
-              <a:ext uri="{28A0092B-C50C-407E-A947-70E740481C1C}">
-                <a14:useLocalDpi xmlns:a14="http://schemas.microsoft.com/office/drawing/2010/main" val="0"/>
-              </a:ext>
-            </a:extLst>
-          </a:blip>
-          <a:srcRect/>
-          <a:stretch>
-            <a:fillRect/>
-          </a:stretch>
-        </p:blipFill>
-        <p:spPr bwMode="auto">
-          <a:xfrm>
-            <a:off x="11304000" y="12636500"/>
-            <a:ext cx="7748588" cy="5310188"/>
-          </a:xfrm>
-          <a:prstGeom prst="rect">
-            <a:avLst/>
-          </a:prstGeom>
-          <a:noFill/>
-          <a:extLst>
-            <a:ext uri="{909E8E84-426E-40DD-AFC4-6F175D3DCCD1}">
-              <a14:hiddenFill xmlns:a14="http://schemas.microsoft.com/office/drawing/2010/main">
-                <a:solidFill>
-                  <a:srgbClr val="FFFFFF"/>
-                </a:solidFill>
-              </a14:hiddenFill>
-            </a:ext>
-          </a:extLst>
-        </p:spPr>
-      </p:pic>
       <mc:AlternateContent xmlns:mc="http://schemas.openxmlformats.org/markup-compatibility/2006">
         <mc:Choice xmlns:a14="http://schemas.microsoft.com/office/drawing/2010/main" Requires="a14">
           <p:graphicFrame>
@@ -10469,14 +10423,14 @@
               <p:nvPr>
                 <p:extLst>
                   <p:ext uri="{D42A27DB-BD31-4B8C-83A1-F6EECF244321}">
-                    <p14:modId xmlns:p14="http://schemas.microsoft.com/office/powerpoint/2010/main" val="3359294587"/>
+                    <p14:modId xmlns:p14="http://schemas.microsoft.com/office/powerpoint/2010/main" val="1990556497"/>
                   </p:ext>
                 </p:extLst>
               </p:nvPr>
             </p:nvGraphicFramePr>
             <p:xfrm>
-              <a:off x="6227077" y="25565586"/>
-              <a:ext cx="3211047" cy="2560320"/>
+              <a:off x="1623889" y="31239049"/>
+              <a:ext cx="7877299" cy="2560320"/>
             </p:xfrm>
             <a:graphic>
               <a:graphicData uri="http://schemas.openxmlformats.org/drawingml/2006/table">
@@ -10485,9 +10439,9 @@
                     <a:tableStyleId>{D27102A9-8310-4765-A935-A1911B00CA55}</a:tableStyleId>
                   </a:tblPr>
                   <a:tblGrid>
-                    <a:gridCol w="945930"/>
-                    <a:gridCol w="748399"/>
-                    <a:gridCol w="1516718"/>
+                    <a:gridCol w="2320544"/>
+                    <a:gridCol w="1835963"/>
+                    <a:gridCol w="3720792"/>
                   </a:tblGrid>
                   <a:tr h="0">
                     <a:tc>
@@ -10497,16 +10451,16 @@
                         <a:p>
                           <a:pPr algn="ctr" rtl="0"/>
                           <a:r>
-                            <a:rPr lang="en-US" dirty="0" smtClean="0">
+                            <a:rPr lang="en-US" sz="1800" dirty="0" smtClean="0">
                               <a:solidFill>
                                 <a:srgbClr val="E02829"/>
                               </a:solidFill>
                               <a:latin typeface="Cambria Math" panose="02040503050406030204" pitchFamily="18" charset="0"/>
                               <a:ea typeface="Cambria Math" panose="02040503050406030204" pitchFamily="18" charset="0"/>
                             </a:rPr>
-                            <a:t>Red</a:t>
+                            <a:t>TG1</a:t>
                           </a:r>
-                          <a:endParaRPr lang="he-IL" dirty="0">
+                          <a:endParaRPr lang="he-IL" sz="1800" dirty="0">
                             <a:solidFill>
                               <a:srgbClr val="E02829"/>
                             </a:solidFill>
@@ -10524,19 +10478,76 @@
                         <a:p>
                           <a:pPr algn="ctr" rtl="0"/>
                           <a:r>
-                            <a:rPr lang="en-US" dirty="0" smtClean="0">
+                            <a:rPr lang="en-US" sz="1800" b="1" kern="1200" dirty="0" smtClean="0">
                               <a:solidFill>
                                 <a:srgbClr val="59A754"/>
                               </a:solidFill>
                               <a:latin typeface="Cambria Math" panose="02040503050406030204" pitchFamily="18" charset="0"/>
                               <a:ea typeface="Cambria Math" panose="02040503050406030204" pitchFamily="18" charset="0"/>
+                              <a:cs typeface="+mn-cs"/>
                             </a:rPr>
-                            <a:t>Green</a:t>
+                            <a:t>DH5</a:t>
                           </a:r>
-                          <a:endParaRPr lang="he-IL" dirty="0">
+                          <a:r>
+                            <a:rPr lang="el-GR" sz="1800" b="1" kern="1200" dirty="0" smtClean="0">
+                              <a:solidFill>
+                                <a:srgbClr val="59A754"/>
+                              </a:solidFill>
+                              <a:latin typeface="Cambria Math" panose="02040503050406030204" pitchFamily="18" charset="0"/>
+                              <a:ea typeface="Cambria Math" panose="02040503050406030204" pitchFamily="18" charset="0"/>
+                              <a:cs typeface="+mn-cs"/>
+                            </a:rPr>
+                            <a:t>α</a:t>
+                          </a:r>
+                          <a:endParaRPr lang="he-IL" sz="1800" b="1" kern="1200" dirty="0">
                             <a:solidFill>
                               <a:srgbClr val="59A754"/>
                             </a:solidFill>
+                            <a:latin typeface="Cambria Math" panose="02040503050406030204" pitchFamily="18" charset="0"/>
+                            <a:ea typeface="Cambria Math" panose="02040503050406030204" pitchFamily="18" charset="0"/>
+                            <a:cs typeface="+mn-cs"/>
+                          </a:endParaRPr>
+                        </a:p>
+                      </a:txBody>
+                      <a:tcPr/>
+                    </a:tc>
+                    <a:tc>
+                      <a:txBody>
+                        <a:bodyPr/>
+                        <a:lstStyle/>
+                        <a:p>
+                          <a:pPr algn="ctr" rtl="0"/>
+                          <a:r>
+                            <a:rPr lang="en-US" sz="1800" dirty="0" smtClean="0">
+                              <a:latin typeface="Cambria Math" panose="02040503050406030204" pitchFamily="18" charset="0"/>
+                              <a:ea typeface="Cambria Math" panose="02040503050406030204" pitchFamily="18" charset="0"/>
+                            </a:rPr>
+                            <a:t>Parameter</a:t>
+                          </a:r>
+                          <a:endParaRPr lang="he-IL" sz="1800" dirty="0">
+                            <a:latin typeface="Cambria Math" panose="02040503050406030204" pitchFamily="18" charset="0"/>
+                            <a:ea typeface="Cambria Math" panose="02040503050406030204" pitchFamily="18" charset="0"/>
+                          </a:endParaRPr>
+                        </a:p>
+                      </a:txBody>
+                      <a:tcPr/>
+                    </a:tc>
+                  </a:tr>
+                  <a:tr h="0">
+                    <a:tc>
+                      <a:txBody>
+                        <a:bodyPr/>
+                        <a:lstStyle/>
+                        <a:p>
+                          <a:pPr algn="ctr" rtl="0"/>
+                          <a:r>
+                            <a:rPr lang="en-US" sz="1800" dirty="0" smtClean="0">
+                              <a:latin typeface="Cambria Math" panose="02040503050406030204" pitchFamily="18" charset="0"/>
+                              <a:ea typeface="Cambria Math" panose="02040503050406030204" pitchFamily="18" charset="0"/>
+                            </a:rPr>
+                            <a:t>0.979</a:t>
+                          </a:r>
+                          <a:endParaRPr lang="he-IL" sz="1800" dirty="0">
                             <a:latin typeface="Cambria Math" panose="02040503050406030204" pitchFamily="18" charset="0"/>
                             <a:ea typeface="Cambria Math" panose="02040503050406030204" pitchFamily="18" charset="0"/>
                           </a:endParaRPr>
@@ -10551,57 +10562,13 @@
                         <a:p>
                           <a:pPr algn="ctr" rtl="0"/>
                           <a:r>
-                            <a:rPr lang="en-US" dirty="0" smtClean="0">
-                              <a:latin typeface="Cambria Math" panose="02040503050406030204" pitchFamily="18" charset="0"/>
-                              <a:ea typeface="Cambria Math" panose="02040503050406030204" pitchFamily="18" charset="0"/>
-                            </a:rPr>
-                            <a:t>Parameter</a:t>
-                          </a:r>
-                          <a:endParaRPr lang="he-IL" dirty="0">
-                            <a:latin typeface="Cambria Math" panose="02040503050406030204" pitchFamily="18" charset="0"/>
-                            <a:ea typeface="Cambria Math" panose="02040503050406030204" pitchFamily="18" charset="0"/>
-                          </a:endParaRPr>
-                        </a:p>
-                      </a:txBody>
-                      <a:tcPr/>
-                    </a:tc>
-                  </a:tr>
-                  <a:tr h="370840">
-                    <a:tc>
-                      <a:txBody>
-                        <a:bodyPr/>
-                        <a:lstStyle/>
-                        <a:p>
-                          <a:pPr algn="ctr" rtl="0"/>
-                          <a:r>
-                            <a:rPr lang="en-US" dirty="0" smtClean="0">
-                              <a:latin typeface="Cambria Math" panose="02040503050406030204" pitchFamily="18" charset="0"/>
-                              <a:ea typeface="Cambria Math" panose="02040503050406030204" pitchFamily="18" charset="0"/>
-                            </a:rPr>
-                            <a:t>0.979</a:t>
-                          </a:r>
-                          <a:endParaRPr lang="he-IL" dirty="0">
-                            <a:latin typeface="Cambria Math" panose="02040503050406030204" pitchFamily="18" charset="0"/>
-                            <a:ea typeface="Cambria Math" panose="02040503050406030204" pitchFamily="18" charset="0"/>
-                          </a:endParaRPr>
-                        </a:p>
-                      </a:txBody>
-                      <a:tcPr/>
-                    </a:tc>
-                    <a:tc>
-                      <a:txBody>
-                        <a:bodyPr/>
-                        <a:lstStyle/>
-                        <a:p>
-                          <a:pPr algn="ctr" rtl="0"/>
-                          <a:r>
-                            <a:rPr lang="en-US" dirty="0" smtClean="0">
+                            <a:rPr lang="en-US" sz="1800" dirty="0" smtClean="0">
                               <a:latin typeface="Cambria Math" panose="02040503050406030204" pitchFamily="18" charset="0"/>
                               <a:ea typeface="Cambria Math" panose="02040503050406030204" pitchFamily="18" charset="0"/>
                             </a:rPr>
                             <a:t>0.983</a:t>
                           </a:r>
-                          <a:endParaRPr lang="he-IL" dirty="0">
+                          <a:endParaRPr lang="he-IL" sz="1800" dirty="0">
                             <a:latin typeface="Cambria Math" panose="02040503050406030204" pitchFamily="18" charset="0"/>
                             <a:ea typeface="Cambria Math" panose="02040503050406030204" pitchFamily="18" charset="0"/>
                           </a:endParaRPr>
@@ -10624,7 +10591,7 @@
                                 <m:sSub>
                                   <m:sSubPr>
                                     <m:ctrlPr>
-                                      <a:rPr lang="en-US" altLang="he-IL" sz="1600" i="1" smtClean="0">
+                                      <a:rPr lang="en-US" altLang="he-IL" sz="1800" i="1" smtClean="0">
                                         <a:latin typeface="Cambria Math"/>
                                         <a:ea typeface="Cambria Math" panose="02040503050406030204" pitchFamily="18" charset="0"/>
                                       </a:rPr>
@@ -10632,7 +10599,7 @@
                                   </m:sSubPr>
                                   <m:e>
                                     <m:r>
-                                      <a:rPr lang="en-US" altLang="he-IL" sz="1600" smtClean="0">
+                                      <a:rPr lang="en-US" altLang="he-IL" sz="1800" smtClean="0">
                                         <a:latin typeface="Cambria Math" panose="02040503050406030204" pitchFamily="18" charset="0"/>
                                         <a:ea typeface="Cambria Math" panose="02040503050406030204" pitchFamily="18" charset="0"/>
                                       </a:rPr>
@@ -10641,7 +10608,7 @@
                                   </m:e>
                                   <m:sub>
                                     <m:r>
-                                      <a:rPr lang="en-US" altLang="he-IL" sz="1600" smtClean="0">
+                                      <a:rPr lang="en-US" altLang="he-IL" sz="1800" smtClean="0">
                                         <a:latin typeface="Cambria Math" panose="02040503050406030204" pitchFamily="18" charset="0"/>
                                         <a:ea typeface="Cambria Math" panose="02040503050406030204" pitchFamily="18" charset="0"/>
                                       </a:rPr>
@@ -10652,7 +10619,7 @@
                               </m:oMath>
                             </m:oMathPara>
                           </a14:m>
-                          <a:endParaRPr lang="he-IL" dirty="0">
+                          <a:endParaRPr lang="he-IL" sz="1800" dirty="0">
                             <a:latin typeface="Cambria Math" panose="02040503050406030204" pitchFamily="18" charset="0"/>
                             <a:ea typeface="Cambria Math" panose="02040503050406030204" pitchFamily="18" charset="0"/>
                           </a:endParaRPr>
@@ -10661,7 +10628,7 @@
                       <a:tcPr/>
                     </a:tc>
                   </a:tr>
-                  <a:tr h="370840">
+                  <a:tr h="0">
                     <a:tc>
                       <a:txBody>
                         <a:bodyPr/>
@@ -10669,13 +10636,13 @@
                         <a:p>
                           <a:pPr algn="ctr" rtl="0"/>
                           <a:r>
-                            <a:rPr lang="en-US" dirty="0" smtClean="0">
+                            <a:rPr lang="en-US" sz="1800" dirty="0" smtClean="0">
                               <a:latin typeface="Cambria Math" panose="02040503050406030204" pitchFamily="18" charset="0"/>
                               <a:ea typeface="Cambria Math" panose="02040503050406030204" pitchFamily="18" charset="0"/>
                             </a:rPr>
                             <a:t>1.332</a:t>
                           </a:r>
-                          <a:endParaRPr lang="he-IL" dirty="0">
+                          <a:endParaRPr lang="he-IL" sz="1800" dirty="0">
                             <a:latin typeface="Cambria Math" panose="02040503050406030204" pitchFamily="18" charset="0"/>
                             <a:ea typeface="Cambria Math" panose="02040503050406030204" pitchFamily="18" charset="0"/>
                           </a:endParaRPr>
@@ -10690,13 +10657,13 @@
                         <a:p>
                           <a:pPr algn="ctr" rtl="0"/>
                           <a:r>
-                            <a:rPr lang="en-US" dirty="0" smtClean="0">
+                            <a:rPr lang="en-US" sz="1800" dirty="0" smtClean="0">
                               <a:latin typeface="Cambria Math" panose="02040503050406030204" pitchFamily="18" charset="0"/>
                               <a:ea typeface="Cambria Math" panose="02040503050406030204" pitchFamily="18" charset="0"/>
                             </a:rPr>
                             <a:t>1.136</a:t>
                           </a:r>
-                          <a:endParaRPr lang="he-IL" dirty="0">
+                          <a:endParaRPr lang="he-IL" sz="1800" dirty="0">
                             <a:latin typeface="Cambria Math" panose="02040503050406030204" pitchFamily="18" charset="0"/>
                             <a:ea typeface="Cambria Math" panose="02040503050406030204" pitchFamily="18" charset="0"/>
                           </a:endParaRPr>
@@ -10717,7 +10684,7 @@
                               </m:oMathParaPr>
                               <m:oMath xmlns:m="http://schemas.openxmlformats.org/officeDocument/2006/math">
                                 <m:r>
-                                  <a:rPr lang="en-US" altLang="he-IL" sz="1600" smtClean="0">
+                                  <a:rPr lang="en-US" altLang="he-IL" sz="1800" smtClean="0">
                                     <a:latin typeface="Cambria Math" panose="02040503050406030204" pitchFamily="18" charset="0"/>
                                     <a:ea typeface="Cambria Math" panose="02040503050406030204" pitchFamily="18" charset="0"/>
                                   </a:rPr>
@@ -10726,7 +10693,7 @@
                               </m:oMath>
                             </m:oMathPara>
                           </a14:m>
-                          <a:endParaRPr lang="he-IL" dirty="0">
+                          <a:endParaRPr lang="he-IL" sz="1800" dirty="0">
                             <a:latin typeface="Cambria Math" panose="02040503050406030204" pitchFamily="18" charset="0"/>
                             <a:ea typeface="Cambria Math" panose="02040503050406030204" pitchFamily="18" charset="0"/>
                           </a:endParaRPr>
@@ -10735,7 +10702,7 @@
                       <a:tcPr/>
                     </a:tc>
                   </a:tr>
-                  <a:tr h="370840">
+                  <a:tr h="0">
                     <a:tc>
                       <a:txBody>
                         <a:bodyPr/>
@@ -10743,13 +10710,13 @@
                         <a:p>
                           <a:pPr algn="ctr" rtl="0"/>
                           <a:r>
-                            <a:rPr lang="en-US" dirty="0" smtClean="0">
+                            <a:rPr lang="en-US" sz="1800" dirty="0" smtClean="0">
                               <a:latin typeface="Cambria Math" panose="02040503050406030204" pitchFamily="18" charset="0"/>
                               <a:ea typeface="Cambria Math" panose="02040503050406030204" pitchFamily="18" charset="0"/>
                             </a:rPr>
                             <a:t>171.67</a:t>
                           </a:r>
-                          <a:endParaRPr lang="he-IL" dirty="0">
+                          <a:endParaRPr lang="he-IL" sz="1800" dirty="0">
                             <a:latin typeface="Cambria Math" panose="02040503050406030204" pitchFamily="18" charset="0"/>
                             <a:ea typeface="Cambria Math" panose="02040503050406030204" pitchFamily="18" charset="0"/>
                           </a:endParaRPr>
@@ -10764,13 +10731,13 @@
                         <a:p>
                           <a:pPr algn="ctr" rtl="0"/>
                           <a:r>
-                            <a:rPr lang="en-US" dirty="0" smtClean="0">
+                            <a:rPr lang="en-US" sz="1800" dirty="0" smtClean="0">
                               <a:latin typeface="Cambria Math" panose="02040503050406030204" pitchFamily="18" charset="0"/>
                               <a:ea typeface="Cambria Math" panose="02040503050406030204" pitchFamily="18" charset="0"/>
                             </a:rPr>
                             <a:t>0.174</a:t>
                           </a:r>
-                          <a:endParaRPr lang="he-IL" dirty="0">
+                          <a:endParaRPr lang="he-IL" sz="1800" dirty="0">
                             <a:latin typeface="Cambria Math" panose="02040503050406030204" pitchFamily="18" charset="0"/>
                             <a:ea typeface="Cambria Math" panose="02040503050406030204" pitchFamily="18" charset="0"/>
                           </a:endParaRPr>
@@ -10791,7 +10758,7 @@
                               </m:oMathParaPr>
                               <m:oMath xmlns:m="http://schemas.openxmlformats.org/officeDocument/2006/math">
                                 <m:r>
-                                  <a:rPr lang="en-US" altLang="he-IL" sz="1600" smtClean="0">
+                                  <a:rPr lang="en-US" altLang="he-IL" sz="1800" smtClean="0">
                                     <a:latin typeface="Cambria Math" panose="02040503050406030204" pitchFamily="18" charset="0"/>
                                     <a:ea typeface="Cambria Math" panose="02040503050406030204" pitchFamily="18" charset="0"/>
                                   </a:rPr>
@@ -10800,7 +10767,7 @@
                               </m:oMath>
                             </m:oMathPara>
                           </a14:m>
-                          <a:endParaRPr lang="he-IL" dirty="0">
+                          <a:endParaRPr lang="he-IL" sz="1800" dirty="0">
                             <a:latin typeface="Cambria Math" panose="02040503050406030204" pitchFamily="18" charset="0"/>
                             <a:ea typeface="Cambria Math" panose="02040503050406030204" pitchFamily="18" charset="0"/>
                           </a:endParaRPr>
@@ -10809,7 +10776,7 @@
                       <a:tcPr/>
                     </a:tc>
                   </a:tr>
-                  <a:tr h="370840">
+                  <a:tr h="0">
                     <a:tc>
                       <a:txBody>
                         <a:bodyPr/>
@@ -10817,13 +10784,13 @@
                         <a:p>
                           <a:pPr algn="ctr" rtl="0"/>
                           <a:r>
-                            <a:rPr lang="en-US" dirty="0" smtClean="0">
+                            <a:rPr lang="en-US" sz="1800" dirty="0" smtClean="0">
                               <a:latin typeface="Cambria Math" panose="02040503050406030204" pitchFamily="18" charset="0"/>
                               <a:ea typeface="Cambria Math" panose="02040503050406030204" pitchFamily="18" charset="0"/>
                             </a:rPr>
                             <a:t>0.00088</a:t>
                           </a:r>
-                          <a:endParaRPr lang="he-IL" dirty="0">
+                          <a:endParaRPr lang="he-IL" sz="1800" dirty="0">
                             <a:latin typeface="Cambria Math" panose="02040503050406030204" pitchFamily="18" charset="0"/>
                             <a:ea typeface="Cambria Math" panose="02040503050406030204" pitchFamily="18" charset="0"/>
                           </a:endParaRPr>
@@ -10838,13 +10805,13 @@
                         <a:p>
                           <a:pPr algn="ctr" rtl="0"/>
                           <a:r>
-                            <a:rPr lang="en-US" dirty="0" smtClean="0">
+                            <a:rPr lang="en-US" sz="1800" dirty="0" smtClean="0">
                               <a:latin typeface="Cambria Math" panose="02040503050406030204" pitchFamily="18" charset="0"/>
                               <a:ea typeface="Cambria Math" panose="02040503050406030204" pitchFamily="18" charset="0"/>
                             </a:rPr>
                             <a:t>1</a:t>
                           </a:r>
-                          <a:endParaRPr lang="he-IL" dirty="0">
+                          <a:endParaRPr lang="he-IL" sz="1800" dirty="0">
                             <a:latin typeface="Cambria Math" panose="02040503050406030204" pitchFamily="18" charset="0"/>
                             <a:ea typeface="Cambria Math" panose="02040503050406030204" pitchFamily="18" charset="0"/>
                           </a:endParaRPr>
@@ -10865,7 +10832,7 @@
                               </m:oMathParaPr>
                               <m:oMath xmlns:m="http://schemas.openxmlformats.org/officeDocument/2006/math">
                                 <m:r>
-                                  <a:rPr lang="en-US" altLang="he-IL" sz="1600" smtClean="0">
+                                  <a:rPr lang="en-US" altLang="he-IL" sz="1800" smtClean="0">
                                     <a:latin typeface="Cambria Math" panose="02040503050406030204" pitchFamily="18" charset="0"/>
                                     <a:ea typeface="Cambria Math" panose="02040503050406030204" pitchFamily="18" charset="0"/>
                                   </a:rPr>
@@ -10874,7 +10841,7 @@
                               </m:oMath>
                             </m:oMathPara>
                           </a14:m>
-                          <a:endParaRPr lang="he-IL" dirty="0">
+                          <a:endParaRPr lang="he-IL" sz="1800" dirty="0">
                             <a:latin typeface="Cambria Math" panose="02040503050406030204" pitchFamily="18" charset="0"/>
                             <a:ea typeface="Cambria Math" panose="02040503050406030204" pitchFamily="18" charset="0"/>
                           </a:endParaRPr>
@@ -10883,7 +10850,7 @@
                       <a:tcPr/>
                     </a:tc>
                   </a:tr>
-                  <a:tr h="370840">
+                  <a:tr h="0">
                     <a:tc>
                       <a:txBody>
                         <a:bodyPr/>
@@ -10891,13 +10858,13 @@
                         <a:p>
                           <a:pPr algn="ctr" rtl="0"/>
                           <a:r>
-                            <a:rPr lang="en-US" dirty="0" smtClean="0">
+                            <a:rPr lang="en-US" sz="1800" dirty="0" smtClean="0">
                               <a:latin typeface="Cambria Math" panose="02040503050406030204" pitchFamily="18" charset="0"/>
                               <a:ea typeface="Cambria Math" panose="02040503050406030204" pitchFamily="18" charset="0"/>
                             </a:rPr>
                             <a:t>6.5</a:t>
                           </a:r>
-                          <a:endParaRPr lang="he-IL" dirty="0">
+                          <a:endParaRPr lang="he-IL" sz="1800" dirty="0">
                             <a:latin typeface="Cambria Math" panose="02040503050406030204" pitchFamily="18" charset="0"/>
                             <a:ea typeface="Cambria Math" panose="02040503050406030204" pitchFamily="18" charset="0"/>
                           </a:endParaRPr>
@@ -10912,13 +10879,13 @@
                         <a:p>
                           <a:pPr algn="ctr" rtl="0"/>
                           <a:r>
-                            <a:rPr lang="en-US" dirty="0" smtClean="0">
+                            <a:rPr lang="en-US" sz="1800" dirty="0" smtClean="0">
                               <a:latin typeface="Cambria Math" panose="02040503050406030204" pitchFamily="18" charset="0"/>
                               <a:ea typeface="Cambria Math" panose="02040503050406030204" pitchFamily="18" charset="0"/>
                             </a:rPr>
                             <a:t>6.6</a:t>
                           </a:r>
-                          <a:endParaRPr lang="he-IL" dirty="0">
+                          <a:endParaRPr lang="he-IL" sz="1800" dirty="0">
                             <a:latin typeface="Cambria Math" panose="02040503050406030204" pitchFamily="18" charset="0"/>
                             <a:ea typeface="Cambria Math" panose="02040503050406030204" pitchFamily="18" charset="0"/>
                           </a:endParaRPr>
@@ -10933,13 +10900,13 @@
                         <a:p>
                           <a:pPr algn="ctr" rtl="0"/>
                           <a:r>
-                            <a:rPr lang="en-US" dirty="0" smtClean="0">
+                            <a:rPr lang="en-US" sz="1800" dirty="0" smtClean="0">
                               <a:latin typeface="Cambria Math" panose="02040503050406030204" pitchFamily="18" charset="0"/>
                               <a:ea typeface="Cambria Math" panose="02040503050406030204" pitchFamily="18" charset="0"/>
                             </a:rPr>
                             <a:t>Lag duration</a:t>
                           </a:r>
-                          <a:endParaRPr lang="he-IL" dirty="0">
+                          <a:endParaRPr lang="he-IL" sz="1800" dirty="0">
                             <a:latin typeface="Cambria Math" panose="02040503050406030204" pitchFamily="18" charset="0"/>
                             <a:ea typeface="Cambria Math" panose="02040503050406030204" pitchFamily="18" charset="0"/>
                           </a:endParaRPr>
@@ -10948,7 +10915,7 @@
                       <a:tcPr/>
                     </a:tc>
                   </a:tr>
-                  <a:tr h="370840">
+                  <a:tr h="0">
                     <a:tc>
                       <a:txBody>
                         <a:bodyPr/>
@@ -10956,13 +10923,13 @@
                         <a:p>
                           <a:pPr algn="ctr" rtl="0"/>
                           <a:r>
-                            <a:rPr lang="en-US" dirty="0" smtClean="0">
+                            <a:rPr lang="en-US" sz="1800" dirty="0" smtClean="0">
                               <a:latin typeface="Cambria Math" panose="02040503050406030204" pitchFamily="18" charset="0"/>
                               <a:ea typeface="Cambria Math" panose="02040503050406030204" pitchFamily="18" charset="0"/>
                             </a:rPr>
                             <a:t>0.165</a:t>
                           </a:r>
-                          <a:endParaRPr lang="he-IL" dirty="0">
+                          <a:endParaRPr lang="he-IL" sz="1800" dirty="0">
                             <a:latin typeface="Cambria Math" panose="02040503050406030204" pitchFamily="18" charset="0"/>
                             <a:ea typeface="Cambria Math" panose="02040503050406030204" pitchFamily="18" charset="0"/>
                           </a:endParaRPr>
@@ -10977,13 +10944,13 @@
                         <a:p>
                           <a:pPr algn="ctr" rtl="0"/>
                           <a:r>
-                            <a:rPr lang="en-US" dirty="0" smtClean="0">
+                            <a:rPr lang="en-US" sz="1800" dirty="0" smtClean="0">
                               <a:latin typeface="Cambria Math" panose="02040503050406030204" pitchFamily="18" charset="0"/>
                               <a:ea typeface="Cambria Math" panose="02040503050406030204" pitchFamily="18" charset="0"/>
                             </a:rPr>
                             <a:t>0.141</a:t>
                           </a:r>
-                          <a:endParaRPr lang="he-IL" dirty="0">
+                          <a:endParaRPr lang="he-IL" sz="1800" dirty="0">
                             <a:latin typeface="Cambria Math" panose="02040503050406030204" pitchFamily="18" charset="0"/>
                             <a:ea typeface="Cambria Math" panose="02040503050406030204" pitchFamily="18" charset="0"/>
                           </a:endParaRPr>
@@ -10998,13 +10965,13 @@
                         <a:p>
                           <a:pPr algn="ctr" rtl="0"/>
                           <a:r>
-                            <a:rPr lang="en-US" dirty="0" smtClean="0">
+                            <a:rPr lang="en-US" sz="1800" dirty="0" smtClean="0">
                               <a:latin typeface="Cambria Math" panose="02040503050406030204" pitchFamily="18" charset="0"/>
                               <a:ea typeface="Cambria Math" panose="02040503050406030204" pitchFamily="18" charset="0"/>
                             </a:rPr>
                             <a:t>Max. growth</a:t>
                           </a:r>
-                          <a:endParaRPr lang="he-IL" dirty="0">
+                          <a:endParaRPr lang="he-IL" sz="1800" dirty="0">
                             <a:latin typeface="Cambria Math" panose="02040503050406030204" pitchFamily="18" charset="0"/>
                             <a:ea typeface="Cambria Math" panose="02040503050406030204" pitchFamily="18" charset="0"/>
                           </a:endParaRPr>
@@ -11028,14 +10995,14 @@
               <p:nvPr>
                 <p:extLst>
                   <p:ext uri="{D42A27DB-BD31-4B8C-83A1-F6EECF244321}">
-                    <p14:modId xmlns:p14="http://schemas.microsoft.com/office/powerpoint/2010/main" val="3359294587"/>
+                    <p14:modId xmlns:p14="http://schemas.microsoft.com/office/powerpoint/2010/main" val="1990556497"/>
                   </p:ext>
                 </p:extLst>
               </p:nvPr>
             </p:nvGraphicFramePr>
             <p:xfrm>
-              <a:off x="6227077" y="25565586"/>
-              <a:ext cx="3211047" cy="2560320"/>
+              <a:off x="1623889" y="31239049"/>
+              <a:ext cx="7877299" cy="2560320"/>
             </p:xfrm>
             <a:graphic>
               <a:graphicData uri="http://schemas.openxmlformats.org/drawingml/2006/table">
@@ -11044,11 +11011,11 @@
                     <a:tableStyleId>{D27102A9-8310-4765-A935-A1911B00CA55}</a:tableStyleId>
                   </a:tblPr>
                   <a:tblGrid>
-                    <a:gridCol w="945930"/>
-                    <a:gridCol w="748399"/>
-                    <a:gridCol w="1516718"/>
+                    <a:gridCol w="2320544"/>
+                    <a:gridCol w="1835963"/>
+                    <a:gridCol w="3720792"/>
                   </a:tblGrid>
-                  <a:tr h="335280">
+                  <a:tr h="365760">
                     <a:tc>
                       <a:txBody>
                         <a:bodyPr/>
@@ -11056,16 +11023,16 @@
                         <a:p>
                           <a:pPr algn="ctr" rtl="0"/>
                           <a:r>
-                            <a:rPr lang="en-US" dirty="0" smtClean="0">
+                            <a:rPr lang="en-US" sz="1800" dirty="0" smtClean="0">
                               <a:solidFill>
                                 <a:srgbClr val="E02829"/>
                               </a:solidFill>
                               <a:latin typeface="Cambria Math" panose="02040503050406030204" pitchFamily="18" charset="0"/>
                               <a:ea typeface="Cambria Math" panose="02040503050406030204" pitchFamily="18" charset="0"/>
                             </a:rPr>
-                            <a:t>Red</a:t>
+                            <a:t>TG1</a:t>
                           </a:r>
-                          <a:endParaRPr lang="he-IL" dirty="0">
+                          <a:endParaRPr lang="he-IL" sz="1800" dirty="0">
                             <a:solidFill>
                               <a:srgbClr val="E02829"/>
                             </a:solidFill>
@@ -11083,19 +11050,76 @@
                         <a:p>
                           <a:pPr algn="ctr" rtl="0"/>
                           <a:r>
-                            <a:rPr lang="en-US" dirty="0" smtClean="0">
+                            <a:rPr lang="en-US" sz="1800" b="1" kern="1200" dirty="0" smtClean="0">
                               <a:solidFill>
                                 <a:srgbClr val="59A754"/>
                               </a:solidFill>
                               <a:latin typeface="Cambria Math" panose="02040503050406030204" pitchFamily="18" charset="0"/>
                               <a:ea typeface="Cambria Math" panose="02040503050406030204" pitchFamily="18" charset="0"/>
+                              <a:cs typeface="+mn-cs"/>
                             </a:rPr>
-                            <a:t>Green</a:t>
+                            <a:t>DH5</a:t>
                           </a:r>
-                          <a:endParaRPr lang="he-IL" dirty="0">
+                          <a:r>
+                            <a:rPr lang="el-GR" sz="1800" b="1" kern="1200" dirty="0" smtClean="0">
+                              <a:solidFill>
+                                <a:srgbClr val="59A754"/>
+                              </a:solidFill>
+                              <a:latin typeface="Cambria Math" panose="02040503050406030204" pitchFamily="18" charset="0"/>
+                              <a:ea typeface="Cambria Math" panose="02040503050406030204" pitchFamily="18" charset="0"/>
+                              <a:cs typeface="+mn-cs"/>
+                            </a:rPr>
+                            <a:t>α</a:t>
+                          </a:r>
+                          <a:endParaRPr lang="he-IL" sz="1800" b="1" kern="1200" dirty="0">
                             <a:solidFill>
                               <a:srgbClr val="59A754"/>
                             </a:solidFill>
+                            <a:latin typeface="Cambria Math" panose="02040503050406030204" pitchFamily="18" charset="0"/>
+                            <a:ea typeface="Cambria Math" panose="02040503050406030204" pitchFamily="18" charset="0"/>
+                            <a:cs typeface="+mn-cs"/>
+                          </a:endParaRPr>
+                        </a:p>
+                      </a:txBody>
+                      <a:tcPr/>
+                    </a:tc>
+                    <a:tc>
+                      <a:txBody>
+                        <a:bodyPr/>
+                        <a:lstStyle/>
+                        <a:p>
+                          <a:pPr algn="ctr" rtl="0"/>
+                          <a:r>
+                            <a:rPr lang="en-US" sz="1800" dirty="0" smtClean="0">
+                              <a:latin typeface="Cambria Math" panose="02040503050406030204" pitchFamily="18" charset="0"/>
+                              <a:ea typeface="Cambria Math" panose="02040503050406030204" pitchFamily="18" charset="0"/>
+                            </a:rPr>
+                            <a:t>Parameter</a:t>
+                          </a:r>
+                          <a:endParaRPr lang="he-IL" sz="1800" dirty="0">
+                            <a:latin typeface="Cambria Math" panose="02040503050406030204" pitchFamily="18" charset="0"/>
+                            <a:ea typeface="Cambria Math" panose="02040503050406030204" pitchFamily="18" charset="0"/>
+                          </a:endParaRPr>
+                        </a:p>
+                      </a:txBody>
+                      <a:tcPr/>
+                    </a:tc>
+                  </a:tr>
+                  <a:tr h="365760">
+                    <a:tc>
+                      <a:txBody>
+                        <a:bodyPr/>
+                        <a:lstStyle/>
+                        <a:p>
+                          <a:pPr algn="ctr" rtl="0"/>
+                          <a:r>
+                            <a:rPr lang="en-US" sz="1800" dirty="0" smtClean="0">
+                              <a:latin typeface="Cambria Math" panose="02040503050406030204" pitchFamily="18" charset="0"/>
+                              <a:ea typeface="Cambria Math" panose="02040503050406030204" pitchFamily="18" charset="0"/>
+                            </a:rPr>
+                            <a:t>0.979</a:t>
+                          </a:r>
+                          <a:endParaRPr lang="he-IL" sz="1800" dirty="0">
                             <a:latin typeface="Cambria Math" panose="02040503050406030204" pitchFamily="18" charset="0"/>
                             <a:ea typeface="Cambria Math" panose="02040503050406030204" pitchFamily="18" charset="0"/>
                           </a:endParaRPr>
@@ -11110,57 +11134,13 @@
                         <a:p>
                           <a:pPr algn="ctr" rtl="0"/>
                           <a:r>
-                            <a:rPr lang="en-US" dirty="0" smtClean="0">
-                              <a:latin typeface="Cambria Math" panose="02040503050406030204" pitchFamily="18" charset="0"/>
-                              <a:ea typeface="Cambria Math" panose="02040503050406030204" pitchFamily="18" charset="0"/>
-                            </a:rPr>
-                            <a:t>Parameter</a:t>
-                          </a:r>
-                          <a:endParaRPr lang="he-IL" dirty="0">
-                            <a:latin typeface="Cambria Math" panose="02040503050406030204" pitchFamily="18" charset="0"/>
-                            <a:ea typeface="Cambria Math" panose="02040503050406030204" pitchFamily="18" charset="0"/>
-                          </a:endParaRPr>
-                        </a:p>
-                      </a:txBody>
-                      <a:tcPr/>
-                    </a:tc>
-                  </a:tr>
-                  <a:tr h="370840">
-                    <a:tc>
-                      <a:txBody>
-                        <a:bodyPr/>
-                        <a:lstStyle/>
-                        <a:p>
-                          <a:pPr algn="ctr" rtl="0"/>
-                          <a:r>
-                            <a:rPr lang="en-US" dirty="0" smtClean="0">
-                              <a:latin typeface="Cambria Math" panose="02040503050406030204" pitchFamily="18" charset="0"/>
-                              <a:ea typeface="Cambria Math" panose="02040503050406030204" pitchFamily="18" charset="0"/>
-                            </a:rPr>
-                            <a:t>0.979</a:t>
-                          </a:r>
-                          <a:endParaRPr lang="he-IL" dirty="0">
-                            <a:latin typeface="Cambria Math" panose="02040503050406030204" pitchFamily="18" charset="0"/>
-                            <a:ea typeface="Cambria Math" panose="02040503050406030204" pitchFamily="18" charset="0"/>
-                          </a:endParaRPr>
-                        </a:p>
-                      </a:txBody>
-                      <a:tcPr/>
-                    </a:tc>
-                    <a:tc>
-                      <a:txBody>
-                        <a:bodyPr/>
-                        <a:lstStyle/>
-                        <a:p>
-                          <a:pPr algn="ctr" rtl="0"/>
-                          <a:r>
-                            <a:rPr lang="en-US" dirty="0" smtClean="0">
+                            <a:rPr lang="en-US" sz="1800" dirty="0" smtClean="0">
                               <a:latin typeface="Cambria Math" panose="02040503050406030204" pitchFamily="18" charset="0"/>
                               <a:ea typeface="Cambria Math" panose="02040503050406030204" pitchFamily="18" charset="0"/>
                             </a:rPr>
                             <a:t>0.983</a:t>
                           </a:r>
-                          <a:endParaRPr lang="he-IL" dirty="0">
+                          <a:endParaRPr lang="he-IL" sz="1800" dirty="0">
                             <a:latin typeface="Cambria Math" panose="02040503050406030204" pitchFamily="18" charset="0"/>
                             <a:ea typeface="Cambria Math" panose="02040503050406030204" pitchFamily="18" charset="0"/>
                           </a:endParaRPr>
@@ -11178,15 +11158,15 @@
                       </a:txBody>
                       <a:tcPr>
                         <a:blipFill rotWithShape="1">
-                          <a:blip r:embed="rId18"/>
+                          <a:blip r:embed="rId17"/>
                           <a:stretch>
-                            <a:fillRect l="-112500" t="-96721" r="-403" b="-508197"/>
+                            <a:fillRect l="-111620" t="-110000" b="-525000"/>
                           </a:stretch>
                         </a:blipFill>
                       </a:tcPr>
                     </a:tc>
                   </a:tr>
-                  <a:tr h="370840">
+                  <a:tr h="365760">
                     <a:tc>
                       <a:txBody>
                         <a:bodyPr/>
@@ -11194,13 +11174,13 @@
                         <a:p>
                           <a:pPr algn="ctr" rtl="0"/>
                           <a:r>
-                            <a:rPr lang="en-US" dirty="0" smtClean="0">
+                            <a:rPr lang="en-US" sz="1800" dirty="0" smtClean="0">
                               <a:latin typeface="Cambria Math" panose="02040503050406030204" pitchFamily="18" charset="0"/>
                               <a:ea typeface="Cambria Math" panose="02040503050406030204" pitchFamily="18" charset="0"/>
                             </a:rPr>
                             <a:t>1.332</a:t>
                           </a:r>
-                          <a:endParaRPr lang="he-IL" dirty="0">
+                          <a:endParaRPr lang="he-IL" sz="1800" dirty="0">
                             <a:latin typeface="Cambria Math" panose="02040503050406030204" pitchFamily="18" charset="0"/>
                             <a:ea typeface="Cambria Math" panose="02040503050406030204" pitchFamily="18" charset="0"/>
                           </a:endParaRPr>
@@ -11215,13 +11195,13 @@
                         <a:p>
                           <a:pPr algn="ctr" rtl="0"/>
                           <a:r>
-                            <a:rPr lang="en-US" dirty="0" smtClean="0">
+                            <a:rPr lang="en-US" sz="1800" dirty="0" smtClean="0">
                               <a:latin typeface="Cambria Math" panose="02040503050406030204" pitchFamily="18" charset="0"/>
                               <a:ea typeface="Cambria Math" panose="02040503050406030204" pitchFamily="18" charset="0"/>
                             </a:rPr>
                             <a:t>1.136</a:t>
                           </a:r>
-                          <a:endParaRPr lang="he-IL" dirty="0">
+                          <a:endParaRPr lang="he-IL" sz="1800" dirty="0">
                             <a:latin typeface="Cambria Math" panose="02040503050406030204" pitchFamily="18" charset="0"/>
                             <a:ea typeface="Cambria Math" panose="02040503050406030204" pitchFamily="18" charset="0"/>
                           </a:endParaRPr>
@@ -11239,15 +11219,15 @@
                       </a:txBody>
                       <a:tcPr>
                         <a:blipFill rotWithShape="1">
-                          <a:blip r:embed="rId18"/>
+                          <a:blip r:embed="rId17"/>
                           <a:stretch>
-                            <a:fillRect l="-112500" t="-196721" r="-403" b="-408197"/>
+                            <a:fillRect l="-111620" t="-210000" b="-425000"/>
                           </a:stretch>
                         </a:blipFill>
                       </a:tcPr>
                     </a:tc>
                   </a:tr>
-                  <a:tr h="370840">
+                  <a:tr h="365760">
                     <a:tc>
                       <a:txBody>
                         <a:bodyPr/>
@@ -11255,13 +11235,13 @@
                         <a:p>
                           <a:pPr algn="ctr" rtl="0"/>
                           <a:r>
-                            <a:rPr lang="en-US" dirty="0" smtClean="0">
+                            <a:rPr lang="en-US" sz="1800" dirty="0" smtClean="0">
                               <a:latin typeface="Cambria Math" panose="02040503050406030204" pitchFamily="18" charset="0"/>
                               <a:ea typeface="Cambria Math" panose="02040503050406030204" pitchFamily="18" charset="0"/>
                             </a:rPr>
                             <a:t>171.67</a:t>
                           </a:r>
-                          <a:endParaRPr lang="he-IL" dirty="0">
+                          <a:endParaRPr lang="he-IL" sz="1800" dirty="0">
                             <a:latin typeface="Cambria Math" panose="02040503050406030204" pitchFamily="18" charset="0"/>
                             <a:ea typeface="Cambria Math" panose="02040503050406030204" pitchFamily="18" charset="0"/>
                           </a:endParaRPr>
@@ -11276,13 +11256,13 @@
                         <a:p>
                           <a:pPr algn="ctr" rtl="0"/>
                           <a:r>
-                            <a:rPr lang="en-US" dirty="0" smtClean="0">
+                            <a:rPr lang="en-US" sz="1800" dirty="0" smtClean="0">
                               <a:latin typeface="Cambria Math" panose="02040503050406030204" pitchFamily="18" charset="0"/>
                               <a:ea typeface="Cambria Math" panose="02040503050406030204" pitchFamily="18" charset="0"/>
                             </a:rPr>
                             <a:t>0.174</a:t>
                           </a:r>
-                          <a:endParaRPr lang="he-IL" dirty="0">
+                          <a:endParaRPr lang="he-IL" sz="1800" dirty="0">
                             <a:latin typeface="Cambria Math" panose="02040503050406030204" pitchFamily="18" charset="0"/>
                             <a:ea typeface="Cambria Math" panose="02040503050406030204" pitchFamily="18" charset="0"/>
                           </a:endParaRPr>
@@ -11300,15 +11280,15 @@
                       </a:txBody>
                       <a:tcPr>
                         <a:blipFill rotWithShape="1">
-                          <a:blip r:embed="rId18"/>
+                          <a:blip r:embed="rId17"/>
                           <a:stretch>
-                            <a:fillRect l="-112500" t="-296721" r="-403" b="-308197"/>
+                            <a:fillRect l="-111620" t="-310000" b="-325000"/>
                           </a:stretch>
                         </a:blipFill>
                       </a:tcPr>
                     </a:tc>
                   </a:tr>
-                  <a:tr h="370840">
+                  <a:tr h="365760">
                     <a:tc>
                       <a:txBody>
                         <a:bodyPr/>
@@ -11316,13 +11296,13 @@
                         <a:p>
                           <a:pPr algn="ctr" rtl="0"/>
                           <a:r>
-                            <a:rPr lang="en-US" dirty="0" smtClean="0">
+                            <a:rPr lang="en-US" sz="1800" dirty="0" smtClean="0">
                               <a:latin typeface="Cambria Math" panose="02040503050406030204" pitchFamily="18" charset="0"/>
                               <a:ea typeface="Cambria Math" panose="02040503050406030204" pitchFamily="18" charset="0"/>
                             </a:rPr>
                             <a:t>0.00088</a:t>
                           </a:r>
-                          <a:endParaRPr lang="he-IL" dirty="0">
+                          <a:endParaRPr lang="he-IL" sz="1800" dirty="0">
                             <a:latin typeface="Cambria Math" panose="02040503050406030204" pitchFamily="18" charset="0"/>
                             <a:ea typeface="Cambria Math" panose="02040503050406030204" pitchFamily="18" charset="0"/>
                           </a:endParaRPr>
@@ -11337,13 +11317,13 @@
                         <a:p>
                           <a:pPr algn="ctr" rtl="0"/>
                           <a:r>
-                            <a:rPr lang="en-US" dirty="0" smtClean="0">
+                            <a:rPr lang="en-US" sz="1800" dirty="0" smtClean="0">
                               <a:latin typeface="Cambria Math" panose="02040503050406030204" pitchFamily="18" charset="0"/>
                               <a:ea typeface="Cambria Math" panose="02040503050406030204" pitchFamily="18" charset="0"/>
                             </a:rPr>
                             <a:t>1</a:t>
                           </a:r>
-                          <a:endParaRPr lang="he-IL" dirty="0">
+                          <a:endParaRPr lang="he-IL" sz="1800" dirty="0">
                             <a:latin typeface="Cambria Math" panose="02040503050406030204" pitchFamily="18" charset="0"/>
                             <a:ea typeface="Cambria Math" panose="02040503050406030204" pitchFamily="18" charset="0"/>
                           </a:endParaRPr>
@@ -11361,15 +11341,15 @@
                       </a:txBody>
                       <a:tcPr>
                         <a:blipFill rotWithShape="1">
-                          <a:blip r:embed="rId18"/>
+                          <a:blip r:embed="rId17"/>
                           <a:stretch>
-                            <a:fillRect l="-112500" t="-403333" r="-403" b="-213333"/>
+                            <a:fillRect l="-111620" t="-410000" b="-225000"/>
                           </a:stretch>
                         </a:blipFill>
                       </a:tcPr>
                     </a:tc>
                   </a:tr>
-                  <a:tr h="370840">
+                  <a:tr h="365760">
                     <a:tc>
                       <a:txBody>
                         <a:bodyPr/>
@@ -11377,13 +11357,13 @@
                         <a:p>
                           <a:pPr algn="ctr" rtl="0"/>
                           <a:r>
-                            <a:rPr lang="en-US" dirty="0" smtClean="0">
+                            <a:rPr lang="en-US" sz="1800" dirty="0" smtClean="0">
                               <a:latin typeface="Cambria Math" panose="02040503050406030204" pitchFamily="18" charset="0"/>
                               <a:ea typeface="Cambria Math" panose="02040503050406030204" pitchFamily="18" charset="0"/>
                             </a:rPr>
                             <a:t>6.5</a:t>
                           </a:r>
-                          <a:endParaRPr lang="he-IL" dirty="0">
+                          <a:endParaRPr lang="he-IL" sz="1800" dirty="0">
                             <a:latin typeface="Cambria Math" panose="02040503050406030204" pitchFamily="18" charset="0"/>
                             <a:ea typeface="Cambria Math" panose="02040503050406030204" pitchFamily="18" charset="0"/>
                           </a:endParaRPr>
@@ -11398,13 +11378,13 @@
                         <a:p>
                           <a:pPr algn="ctr" rtl="0"/>
                           <a:r>
-                            <a:rPr lang="en-US" dirty="0" smtClean="0">
+                            <a:rPr lang="en-US" sz="1800" dirty="0" smtClean="0">
                               <a:latin typeface="Cambria Math" panose="02040503050406030204" pitchFamily="18" charset="0"/>
                               <a:ea typeface="Cambria Math" panose="02040503050406030204" pitchFamily="18" charset="0"/>
                             </a:rPr>
                             <a:t>6.6</a:t>
                           </a:r>
-                          <a:endParaRPr lang="he-IL" dirty="0">
+                          <a:endParaRPr lang="he-IL" sz="1800" dirty="0">
                             <a:latin typeface="Cambria Math" panose="02040503050406030204" pitchFamily="18" charset="0"/>
                             <a:ea typeface="Cambria Math" panose="02040503050406030204" pitchFamily="18" charset="0"/>
                           </a:endParaRPr>
@@ -11419,13 +11399,13 @@
                         <a:p>
                           <a:pPr algn="ctr" rtl="0"/>
                           <a:r>
-                            <a:rPr lang="en-US" dirty="0" smtClean="0">
+                            <a:rPr lang="en-US" sz="1800" dirty="0" smtClean="0">
                               <a:latin typeface="Cambria Math" panose="02040503050406030204" pitchFamily="18" charset="0"/>
                               <a:ea typeface="Cambria Math" panose="02040503050406030204" pitchFamily="18" charset="0"/>
                             </a:rPr>
                             <a:t>Lag duration</a:t>
                           </a:r>
-                          <a:endParaRPr lang="he-IL" dirty="0">
+                          <a:endParaRPr lang="he-IL" sz="1800" dirty="0">
                             <a:latin typeface="Cambria Math" panose="02040503050406030204" pitchFamily="18" charset="0"/>
                             <a:ea typeface="Cambria Math" panose="02040503050406030204" pitchFamily="18" charset="0"/>
                           </a:endParaRPr>
@@ -11434,7 +11414,7 @@
                       <a:tcPr/>
                     </a:tc>
                   </a:tr>
-                  <a:tr h="370840">
+                  <a:tr h="365760">
                     <a:tc>
                       <a:txBody>
                         <a:bodyPr/>
@@ -11442,13 +11422,13 @@
                         <a:p>
                           <a:pPr algn="ctr" rtl="0"/>
                           <a:r>
-                            <a:rPr lang="en-US" dirty="0" smtClean="0">
+                            <a:rPr lang="en-US" sz="1800" dirty="0" smtClean="0">
                               <a:latin typeface="Cambria Math" panose="02040503050406030204" pitchFamily="18" charset="0"/>
                               <a:ea typeface="Cambria Math" panose="02040503050406030204" pitchFamily="18" charset="0"/>
                             </a:rPr>
                             <a:t>0.165</a:t>
                           </a:r>
-                          <a:endParaRPr lang="he-IL" dirty="0">
+                          <a:endParaRPr lang="he-IL" sz="1800" dirty="0">
                             <a:latin typeface="Cambria Math" panose="02040503050406030204" pitchFamily="18" charset="0"/>
                             <a:ea typeface="Cambria Math" panose="02040503050406030204" pitchFamily="18" charset="0"/>
                           </a:endParaRPr>
@@ -11463,13 +11443,13 @@
                         <a:p>
                           <a:pPr algn="ctr" rtl="0"/>
                           <a:r>
-                            <a:rPr lang="en-US" dirty="0" smtClean="0">
+                            <a:rPr lang="en-US" sz="1800" dirty="0" smtClean="0">
                               <a:latin typeface="Cambria Math" panose="02040503050406030204" pitchFamily="18" charset="0"/>
                               <a:ea typeface="Cambria Math" panose="02040503050406030204" pitchFamily="18" charset="0"/>
                             </a:rPr>
                             <a:t>0.141</a:t>
                           </a:r>
-                          <a:endParaRPr lang="he-IL" dirty="0">
+                          <a:endParaRPr lang="he-IL" sz="1800" dirty="0">
                             <a:latin typeface="Cambria Math" panose="02040503050406030204" pitchFamily="18" charset="0"/>
                             <a:ea typeface="Cambria Math" panose="02040503050406030204" pitchFamily="18" charset="0"/>
                           </a:endParaRPr>
@@ -11484,13 +11464,13 @@
                         <a:p>
                           <a:pPr algn="ctr" rtl="0"/>
                           <a:r>
-                            <a:rPr lang="en-US" dirty="0" smtClean="0">
+                            <a:rPr lang="en-US" sz="1800" dirty="0" smtClean="0">
                               <a:latin typeface="Cambria Math" panose="02040503050406030204" pitchFamily="18" charset="0"/>
                               <a:ea typeface="Cambria Math" panose="02040503050406030204" pitchFamily="18" charset="0"/>
                             </a:rPr>
                             <a:t>Max. growth</a:t>
                           </a:r>
-                          <a:endParaRPr lang="he-IL" dirty="0">
+                          <a:endParaRPr lang="he-IL" sz="1800" dirty="0">
                             <a:latin typeface="Cambria Math" panose="02040503050406030204" pitchFamily="18" charset="0"/>
                             <a:ea typeface="Cambria Math" panose="02040503050406030204" pitchFamily="18" charset="0"/>
                           </a:endParaRPr>
@@ -11505,118 +11485,6 @@
           </p:graphicFrame>
         </mc:Fallback>
       </mc:AlternateContent>
-      <p:sp>
-        <p:nvSpPr>
-          <p:cNvPr id="8" name="TextBox 7"/>
-          <p:cNvSpPr txBox="1"/>
-          <p:nvPr/>
-        </p:nvSpPr>
-        <p:spPr>
-          <a:xfrm>
-            <a:off x="2017986" y="25738834"/>
-            <a:ext cx="4051738" cy="2015936"/>
-          </a:xfrm>
-          <a:prstGeom prst="rect">
-            <a:avLst/>
-          </a:prstGeom>
-          <a:noFill/>
-        </p:spPr>
-        <p:txBody>
-          <a:bodyPr wrap="square" rtlCol="1">
-            <a:spAutoFit/>
-          </a:bodyPr>
-          <a:lstStyle/>
-          <a:p>
-            <a:pPr indent="180000"/>
-            <a:r>
-              <a:rPr lang="en-US" altLang="he-IL" sz="2500" dirty="0">
-                <a:latin typeface="Times New Roman" pitchFamily="18" charset="0"/>
-              </a:rPr>
-              <a:t>We fit four versions of the model to the data </a:t>
-            </a:r>
-            <a:r>
-              <a:rPr lang="en-US" altLang="he-IL" sz="2500" dirty="0" smtClean="0">
-                <a:latin typeface="Times New Roman" pitchFamily="18" charset="0"/>
-              </a:rPr>
-              <a:t>(</a:t>
-            </a:r>
-            <a:r>
-              <a:rPr lang="en-US" altLang="he-IL" sz="2500" dirty="0">
-                <a:latin typeface="Times New Roman" pitchFamily="18" charset="0"/>
-              </a:rPr>
-              <a:t>using </a:t>
-            </a:r>
-            <a:r>
-              <a:rPr lang="en-US" altLang="he-IL" sz="2500" i="1" dirty="0" smtClean="0">
-                <a:latin typeface="Times New Roman" pitchFamily="18" charset="0"/>
-              </a:rPr>
-              <a:t>least </a:t>
-            </a:r>
-            <a:r>
-              <a:rPr lang="en-US" altLang="he-IL" sz="2500" i="1" dirty="0">
-                <a:latin typeface="Times New Roman" pitchFamily="18" charset="0"/>
-              </a:rPr>
-              <a:t>squares</a:t>
-            </a:r>
-            <a:r>
-              <a:rPr lang="en-US" altLang="he-IL" sz="2500" dirty="0">
-                <a:latin typeface="Times New Roman" pitchFamily="18" charset="0"/>
-              </a:rPr>
-              <a:t>) and choose the best model with a model selection </a:t>
-            </a:r>
-            <a:r>
-              <a:rPr lang="en-US" altLang="he-IL" sz="2500" dirty="0" smtClean="0">
-                <a:latin typeface="Times New Roman" pitchFamily="18" charset="0"/>
-              </a:rPr>
-              <a:t>procedure.</a:t>
-            </a:r>
-            <a:endParaRPr lang="en-US" altLang="he-IL" sz="2500" dirty="0">
-              <a:latin typeface="Times New Roman" pitchFamily="18" charset="0"/>
-            </a:endParaRPr>
-          </a:p>
-        </p:txBody>
-      </p:sp>
-      <p:pic>
-        <p:nvPicPr>
-          <p:cNvPr id="12" name="Picture 2" descr="D:\university\presentations\GRC 2015\model_fits.png"/>
-          <p:cNvPicPr>
-            <a:picLocks noChangeAspect="1" noChangeArrowheads="1"/>
-          </p:cNvPicPr>
-          <p:nvPr/>
-        </p:nvPicPr>
-        <p:blipFill>
-          <a:blip r:embed="rId19">
-            <a:extLst>
-              <a:ext uri="{28A0092B-C50C-407E-A947-70E740481C1C}">
-                <a14:useLocalDpi xmlns:a14="http://schemas.microsoft.com/office/drawing/2010/main" val="0"/>
-              </a:ext>
-            </a:extLst>
-          </a:blip>
-          <a:srcRect/>
-          <a:stretch>
-            <a:fillRect/>
-          </a:stretch>
-        </p:blipFill>
-        <p:spPr bwMode="auto">
-          <a:xfrm>
-            <a:off x="1630800" y="28624432"/>
-            <a:ext cx="7748588" cy="5297488"/>
-          </a:xfrm>
-          <a:prstGeom prst="rect">
-            <a:avLst/>
-          </a:prstGeom>
-          <a:noFill/>
-          <a:extLst>
-            <a:ext uri="{909E8E84-426E-40DD-AFC4-6F175D3DCCD1}">
-              <a14:hiddenFill xmlns:a14="http://schemas.microsoft.com/office/drawing/2010/main">
-                <a:solidFill>
-                  <a:srgbClr val="FFFFFF"/>
-                </a:solidFill>
-              </a14:hiddenFill>
-            </a:ext>
-          </a:extLst>
-        </p:spPr>
-      </p:pic>
       <p:pic>
         <p:nvPicPr>
           <p:cNvPr id="13" name="Picture 3" descr="D:\university\presentations\GRC 2015\total_OD_comparison.png"/>
@@ -11626,7 +11494,7 @@
           <p:nvPr/>
         </p:nvPicPr>
         <p:blipFill>
-          <a:blip r:embed="rId20">
+          <a:blip r:embed="rId18">
             <a:extLst>
               <a:ext uri="{28A0092B-C50C-407E-A947-70E740481C1C}">
                 <a14:useLocalDpi xmlns:a14="http://schemas.microsoft.com/office/drawing/2010/main" val="0"/>
@@ -11757,8 +11625,8 @@
           </a:fontRef>
         </p:style>
       </p:cxnSp>
-      <mc:AlternateContent xmlns:mc="http://schemas.openxmlformats.org/markup-compatibility/2006" xmlns:a14="http://schemas.microsoft.com/office/drawing/2010/main">
-        <mc:Choice Requires="a14">
+      <mc:AlternateContent xmlns:mc="http://schemas.openxmlformats.org/markup-compatibility/2006">
+        <mc:Choice xmlns:a14="http://schemas.microsoft.com/office/drawing/2010/main" Requires="a14">
           <p:sp>
             <p:nvSpPr>
               <p:cNvPr id="14" name="Rectangle 13"/>
@@ -11768,7 +11636,7 @@
             <p:spPr>
               <a:xfrm>
                 <a:off x="12613101" y="28885909"/>
-                <a:ext cx="3753913" cy="954107"/>
+                <a:ext cx="3555140" cy="954107"/>
               </a:xfrm>
               <a:prstGeom prst="rect">
                 <a:avLst/>
@@ -11838,7 +11706,7 @@
                         <a:rPr lang="en-US" altLang="he-IL" i="1">
                           <a:latin typeface="Cambria Math"/>
                         </a:rPr>
-                        <m:t>495</m:t>
+                        <m:t>479</m:t>
                       </m:r>
                       <m:r>
                         <a:rPr lang="en-US" altLang="he-IL" i="1">
@@ -11862,7 +11730,7 @@
                         <a:rPr lang="en-US" altLang="he-IL" i="1">
                           <a:latin typeface="Cambria Math"/>
                         </a:rPr>
-                        <m:t>001</m:t>
+                        <m:t>0008</m:t>
                       </m:r>
                     </m:oMath>
                   </m:oMathPara>
@@ -11917,7 +11785,7 @@
                         <a:rPr lang="en-US" altLang="he-IL" i="1">
                           <a:latin typeface="Cambria Math"/>
                         </a:rPr>
-                        <m:t>0261</m:t>
+                        <m:t>0777</m:t>
                       </m:r>
                       <m:r>
                         <a:rPr lang="en-US" altLang="he-IL" i="1">
@@ -11941,7 +11809,7 @@
                         <a:rPr lang="en-US" altLang="he-IL" i="1">
                           <a:latin typeface="Cambria Math"/>
                         </a:rPr>
-                        <m:t>00018</m:t>
+                        <m:t>0004</m:t>
                       </m:r>
                     </m:oMath>
                   </m:oMathPara>
@@ -11953,7 +11821,7 @@
             </p:txBody>
           </p:sp>
         </mc:Choice>
-        <mc:Fallback xmlns="">
+        <mc:Fallback>
           <p:sp>
             <p:nvSpPr>
               <p:cNvPr id="14" name="Rectangle 13"/>
@@ -11965,13 +11833,13 @@
             <p:spPr>
               <a:xfrm>
                 <a:off x="12613101" y="28885909"/>
-                <a:ext cx="3753913" cy="954107"/>
+                <a:ext cx="3555140" cy="954107"/>
               </a:xfrm>
               <a:prstGeom prst="rect">
                 <a:avLst/>
               </a:prstGeom>
               <a:blipFill rotWithShape="1">
-                <a:blip r:embed="rId28"/>
+                <a:blip r:embed="rId19"/>
                 <a:stretch>
                   <a:fillRect/>
                 </a:stretch>
@@ -12144,12 +12012,6 @@
               </a:rPr>
               <a:t>Summary</a:t>
             </a:r>
-            <a:endParaRPr lang="en-US" altLang="he-IL" sz="3900" b="1" dirty="0" smtClean="0">
-              <a:solidFill>
-                <a:srgbClr val="E02829"/>
-              </a:solidFill>
-              <a:latin typeface="Calibri" pitchFamily="34" charset="0"/>
-            </a:endParaRPr>
           </a:p>
           <a:p>
             <a:pPr indent="180000" eaLnBrk="1" hangingPunct="1">
@@ -12161,7 +12023,55 @@
               <a:rPr lang="en-US" sz="2500" dirty="0" smtClean="0">
                 <a:latin typeface="Times New Roman" pitchFamily="18" charset="0"/>
               </a:rPr>
-              <a:t>Our framework predicts competition assay results and infers selection coefficients, thus improving communication between microbial and theoretical evolutionary biologists and helping to standardize the way fitness is measured and reported in the literature. </a:t>
+              <a:t>We developed a theoretical framework that uses single strain growth curves to </a:t>
+            </a:r>
+            <a:r>
+              <a:rPr lang="en-US" sz="2500" b="1" dirty="0" smtClean="0">
+                <a:latin typeface="Times New Roman" pitchFamily="18" charset="0"/>
+              </a:rPr>
+              <a:t>predict competitions </a:t>
+            </a:r>
+            <a:r>
+              <a:rPr lang="en-US" sz="2500" dirty="0" smtClean="0">
+                <a:latin typeface="Times New Roman" pitchFamily="18" charset="0"/>
+              </a:rPr>
+              <a:t>and </a:t>
+            </a:r>
+            <a:r>
+              <a:rPr lang="en-US" sz="2500" b="1" dirty="0" smtClean="0">
+                <a:latin typeface="Times New Roman" pitchFamily="18" charset="0"/>
+              </a:rPr>
+              <a:t>estimate selection coefficients</a:t>
+            </a:r>
+            <a:r>
+              <a:rPr lang="en-US" sz="2500" dirty="0" smtClean="0">
+                <a:latin typeface="Times New Roman" pitchFamily="18" charset="0"/>
+              </a:rPr>
+              <a:t>. </a:t>
+            </a:r>
+            <a:r>
+              <a:rPr lang="en-US" sz="2500" dirty="0" smtClean="0">
+                <a:latin typeface="Times New Roman" pitchFamily="18" charset="0"/>
+              </a:rPr>
+              <a:t>This framework will </a:t>
+            </a:r>
+            <a:r>
+              <a:rPr lang="en-US" sz="2500" dirty="0" smtClean="0">
+                <a:latin typeface="Times New Roman" pitchFamily="18" charset="0"/>
+              </a:rPr>
+              <a:t> help bridge the gap between </a:t>
+            </a:r>
+            <a:r>
+              <a:rPr lang="en-US" sz="2500" b="1" dirty="0" smtClean="0">
+                <a:latin typeface="Times New Roman" pitchFamily="18" charset="0"/>
+              </a:rPr>
+              <a:t>experiments and models </a:t>
+            </a:r>
+            <a:r>
+              <a:rPr lang="en-US" sz="2500" dirty="0" smtClean="0">
+                <a:latin typeface="Times New Roman" pitchFamily="18" charset="0"/>
+              </a:rPr>
+              <a:t>in evolutionary biology. </a:t>
             </a:r>
             <a:endParaRPr lang="en-US" altLang="he-IL" sz="2500" dirty="0">
               <a:latin typeface="Times New Roman" pitchFamily="18" charset="0"/>
@@ -12286,7 +12196,7 @@
           <p:nvPr/>
         </p:nvPicPr>
         <p:blipFill>
-          <a:blip r:embed="rId29">
+          <a:blip r:embed="rId20">
             <a:extLst>
               <a:ext uri="{28A0092B-C50C-407E-A947-70E740481C1C}">
                 <a14:useLocalDpi xmlns:a14="http://schemas.microsoft.com/office/drawing/2010/main" val="0"/>
@@ -12327,7 +12237,7 @@
           <p:nvPr/>
         </p:nvPicPr>
         <p:blipFill>
-          <a:blip r:embed="rId30">
+          <a:blip r:embed="rId21">
             <a:extLst>
               <a:ext uri="{28A0092B-C50C-407E-A947-70E740481C1C}">
                 <a14:useLocalDpi xmlns:a14="http://schemas.microsoft.com/office/drawing/2010/main" val="0"/>
@@ -12391,11 +12301,11 @@
           <p:nvPr/>
         </p:nvPicPr>
         <p:blipFill>
-          <a:blip r:embed="rId31">
+          <a:blip r:embed="rId22">
             <a:extLst>
               <a:ext uri="{BEBA8EAE-BF5A-486C-A8C5-ECC9F3942E4B}">
                 <a14:imgProps xmlns:a14="http://schemas.microsoft.com/office/drawing/2010/main">
-                  <a14:imgLayer r:embed="rId32">
+                  <a14:imgLayer r:embed="rId23">
                     <a14:imgEffect>
                       <a14:backgroundRemoval t="0" b="100000" l="0" r="100000"/>
                     </a14:imgEffect>
@@ -12441,7 +12351,7 @@
           <p:nvPr/>
         </p:nvPicPr>
         <p:blipFill>
-          <a:blip r:embed="rId33">
+          <a:blip r:embed="rId24">
             <a:extLst>
               <a:ext uri="{28A0092B-C50C-407E-A947-70E740481C1C}">
                 <a14:useLocalDpi xmlns:a14="http://schemas.microsoft.com/office/drawing/2010/main" val="0"/>
@@ -12673,7 +12583,7 @@
             <p:nvPr/>
           </p:nvPicPr>
           <p:blipFill>
-            <a:blip r:embed="rId34">
+            <a:blip r:embed="rId25">
               <a:extLst>
                 <a:ext uri="{28A0092B-C50C-407E-A947-70E740481C1C}">
                   <a14:useLocalDpi xmlns:a14="http://schemas.microsoft.com/office/drawing/2010/main" val="0"/>
@@ -12762,7 +12672,7 @@
             <p:nvPr/>
           </p:nvPicPr>
           <p:blipFill>
-            <a:blip r:embed="rId35">
+            <a:blip r:embed="rId26">
               <a:extLst>
                 <a:ext uri="{28A0092B-C50C-407E-A947-70E740481C1C}">
                   <a14:useLocalDpi xmlns:a14="http://schemas.microsoft.com/office/drawing/2010/main" val="0"/>
@@ -12835,7 +12745,7 @@
           <p:nvPr/>
         </p:nvPicPr>
         <p:blipFill rotWithShape="1">
-          <a:blip r:embed="rId36">
+          <a:blip r:embed="rId27">
             <a:extLst>
               <a:ext uri="{28A0092B-C50C-407E-A947-70E740481C1C}">
                 <a14:useLocalDpi xmlns:a14="http://schemas.microsoft.com/office/drawing/2010/main" val="0"/>
@@ -12953,6 +12863,218 @@
             <a:endParaRPr lang="he-IL" sz="1600" b="1" dirty="0">
               <a:latin typeface="Consolas" panose="020B0609020204030204" pitchFamily="49" charset="0"/>
             </a:endParaRPr>
+          </a:p>
+        </p:txBody>
+      </p:sp>
+      <p:pic>
+        <p:nvPicPr>
+          <p:cNvPr id="11" name="Picture 3" descr="D:\university\presentations\GRC 2015\all_curves.png"/>
+          <p:cNvPicPr>
+            <a:picLocks noChangeAspect="1" noChangeArrowheads="1"/>
+          </p:cNvPicPr>
+          <p:nvPr/>
+        </p:nvPicPr>
+        <p:blipFill>
+          <a:blip r:embed="rId28">
+            <a:extLst>
+              <a:ext uri="{28A0092B-C50C-407E-A947-70E740481C1C}">
+                <a14:useLocalDpi xmlns:a14="http://schemas.microsoft.com/office/drawing/2010/main" val="0"/>
+              </a:ext>
+            </a:extLst>
+          </a:blip>
+          <a:srcRect/>
+          <a:stretch>
+            <a:fillRect/>
+          </a:stretch>
+        </p:blipFill>
+        <p:spPr bwMode="auto">
+          <a:xfrm>
+            <a:off x="1630800" y="16364855"/>
+            <a:ext cx="7748588" cy="5157788"/>
+          </a:xfrm>
+          <a:prstGeom prst="rect">
+            <a:avLst/>
+          </a:prstGeom>
+          <a:noFill/>
+          <a:extLst>
+            <a:ext uri="{909E8E84-426E-40DD-AFC4-6F175D3DCCD1}">
+              <a14:hiddenFill xmlns:a14="http://schemas.microsoft.com/office/drawing/2010/main">
+                <a:solidFill>
+                  <a:srgbClr val="FFFFFF"/>
+                </a:solidFill>
+              </a14:hiddenFill>
+            </a:ext>
+          </a:extLst>
+        </p:spPr>
+      </p:pic>
+      <p:pic>
+        <p:nvPicPr>
+          <p:cNvPr id="1029" name="Picture 5" descr="D:\university\presentations\GRC 2015\competition.png"/>
+          <p:cNvPicPr>
+            <a:picLocks noChangeAspect="1" noChangeArrowheads="1"/>
+          </p:cNvPicPr>
+          <p:nvPr/>
+        </p:nvPicPr>
+        <p:blipFill>
+          <a:blip r:embed="rId29">
+            <a:extLst>
+              <a:ext uri="{28A0092B-C50C-407E-A947-70E740481C1C}">
+                <a14:useLocalDpi xmlns:a14="http://schemas.microsoft.com/office/drawing/2010/main" val="0"/>
+              </a:ext>
+            </a:extLst>
+          </a:blip>
+          <a:srcRect/>
+          <a:stretch>
+            <a:fillRect/>
+          </a:stretch>
+        </p:blipFill>
+        <p:spPr bwMode="auto">
+          <a:xfrm>
+            <a:off x="11304000" y="12636000"/>
+            <a:ext cx="7748588" cy="5310188"/>
+          </a:xfrm>
+          <a:prstGeom prst="rect">
+            <a:avLst/>
+          </a:prstGeom>
+          <a:noFill/>
+          <a:extLst>
+            <a:ext uri="{909E8E84-426E-40DD-AFC4-6F175D3DCCD1}">
+              <a14:hiddenFill xmlns:a14="http://schemas.microsoft.com/office/drawing/2010/main">
+                <a:solidFill>
+                  <a:srgbClr val="FFFFFF"/>
+                </a:solidFill>
+              </a14:hiddenFill>
+            </a:ext>
+          </a:extLst>
+        </p:spPr>
+      </p:pic>
+      <p:sp>
+        <p:nvSpPr>
+          <p:cNvPr id="31" name="Rectangle 30"/>
+          <p:cNvSpPr/>
+          <p:nvPr/>
+        </p:nvSpPr>
+        <p:spPr>
+          <a:xfrm>
+            <a:off x="23220000" y="11160000"/>
+            <a:ext cx="1071127" cy="523220"/>
+          </a:xfrm>
+          <a:prstGeom prst="rect">
+            <a:avLst/>
+          </a:prstGeom>
+        </p:spPr>
+        <p:txBody>
+          <a:bodyPr wrap="none">
+            <a:spAutoFit/>
+          </a:bodyPr>
+          <a:lstStyle/>
+          <a:p>
+            <a:r>
+              <a:rPr lang="en-US" altLang="he-IL" dirty="0" smtClean="0">
+                <a:latin typeface="Times New Roman" pitchFamily="18" charset="0"/>
+              </a:rPr>
+              <a:t>DH5</a:t>
+            </a:r>
+            <a:r>
+              <a:rPr lang="el-GR" altLang="he-IL" dirty="0">
+                <a:latin typeface="Times New Roman" pitchFamily="18" charset="0"/>
+              </a:rPr>
+              <a:t>α</a:t>
+            </a:r>
+            <a:endParaRPr lang="he-IL" dirty="0"/>
+          </a:p>
+        </p:txBody>
+      </p:sp>
+      <p:sp>
+        <p:nvSpPr>
+          <p:cNvPr id="72" name="Rectangle 71"/>
+          <p:cNvSpPr/>
+          <p:nvPr/>
+        </p:nvSpPr>
+        <p:spPr>
+          <a:xfrm>
+            <a:off x="25789013" y="11160000"/>
+            <a:ext cx="843501" cy="523220"/>
+          </a:xfrm>
+          <a:prstGeom prst="rect">
+            <a:avLst/>
+          </a:prstGeom>
+        </p:spPr>
+        <p:txBody>
+          <a:bodyPr wrap="none">
+            <a:spAutoFit/>
+          </a:bodyPr>
+          <a:lstStyle/>
+          <a:p>
+            <a:r>
+              <a:rPr lang="en-US" altLang="he-IL" dirty="0" smtClean="0">
+                <a:latin typeface="Times New Roman" pitchFamily="18" charset="0"/>
+              </a:rPr>
+              <a:t>TG1</a:t>
+            </a:r>
+            <a:endParaRPr lang="he-IL" dirty="0"/>
+          </a:p>
+        </p:txBody>
+      </p:sp>
+      <p:sp>
+        <p:nvSpPr>
+          <p:cNvPr id="73" name="Rectangle 72"/>
+          <p:cNvSpPr/>
+          <p:nvPr/>
+        </p:nvSpPr>
+        <p:spPr>
+          <a:xfrm>
+            <a:off x="24390323" y="10742850"/>
+            <a:ext cx="1160895" cy="1384995"/>
+          </a:xfrm>
+          <a:prstGeom prst="rect">
+            <a:avLst/>
+          </a:prstGeom>
+        </p:spPr>
+        <p:txBody>
+          <a:bodyPr wrap="none">
+            <a:spAutoFit/>
+          </a:bodyPr>
+          <a:lstStyle/>
+          <a:p>
+            <a:pPr algn="ctr"/>
+            <a:r>
+              <a:rPr lang="en-US" altLang="he-IL" dirty="0">
+                <a:latin typeface="Times New Roman" pitchFamily="18" charset="0"/>
+              </a:rPr>
+              <a:t>DH5</a:t>
+            </a:r>
+            <a:r>
+              <a:rPr lang="el-GR" altLang="he-IL" dirty="0" smtClean="0">
+                <a:latin typeface="Times New Roman" pitchFamily="18" charset="0"/>
+              </a:rPr>
+              <a:t>α</a:t>
+            </a:r>
+            <a:r>
+              <a:rPr lang="en-US" altLang="he-IL" dirty="0" smtClean="0">
+                <a:latin typeface="Times New Roman" pitchFamily="18" charset="0"/>
+              </a:rPr>
+              <a:t> </a:t>
+            </a:r>
+          </a:p>
+          <a:p>
+            <a:pPr algn="ctr"/>
+            <a:r>
+              <a:rPr lang="en-US" altLang="he-IL" dirty="0" smtClean="0">
+                <a:latin typeface="Times New Roman" pitchFamily="18" charset="0"/>
+              </a:rPr>
+              <a:t>+</a:t>
+            </a:r>
+          </a:p>
+          <a:p>
+            <a:pPr algn="ctr"/>
+            <a:r>
+              <a:rPr lang="en-US" altLang="he-IL" dirty="0" smtClean="0">
+                <a:latin typeface="Times New Roman" pitchFamily="18" charset="0"/>
+              </a:rPr>
+              <a:t>TG1</a:t>
+            </a:r>
+            <a:endParaRPr lang="he-IL" dirty="0"/>
           </a:p>
         </p:txBody>
       </p:sp>

--- a/poster.pptx
+++ b/poster.pptx
@@ -254,7 +254,7 @@
             <a:fld id="{4DB31F7E-24C3-4F74-B155-4FAB7B65A36F}" type="datetime1">
               <a:rPr lang="en-US" altLang="he-IL"/>
               <a:pPr/>
-              <a:t>6/15/2015</a:t>
+              <a:t>6/16/2015</a:t>
             </a:fld>
             <a:endParaRPr lang="en-US" altLang="he-IL"/>
           </a:p>
@@ -5083,8 +5083,8 @@
           </a:extLst>
         </p:spPr>
       </p:pic>
-      <mc:AlternateContent xmlns:mc="http://schemas.openxmlformats.org/markup-compatibility/2006">
-        <mc:Choice xmlns:a14="http://schemas.microsoft.com/office/drawing/2010/main" Requires="a14">
+      <mc:AlternateContent xmlns:mc="http://schemas.openxmlformats.org/markup-compatibility/2006" xmlns:a14="http://schemas.microsoft.com/office/drawing/2010/main">
+        <mc:Choice Requires="a14">
           <p:sp>
             <p:nvSpPr>
               <p:cNvPr id="14340" name="Text Box 11"/>
@@ -5305,16 +5305,7 @@
                     </a:solidFill>
                     <a:latin typeface="Times New Roman"/>
                   </a:rPr>
-                  <a:t>of </a:t>
-                </a:r>
-                <a:r>
-                  <a:rPr lang="en-US" sz="2500" dirty="0" smtClean="0">
-                    <a:solidFill>
-                      <a:srgbClr val="000000"/>
-                    </a:solidFill>
-                    <a:latin typeface="Times New Roman"/>
-                  </a:rPr>
-                  <a:t>two different </a:t>
+                  <a:t>of two different </a:t>
                 </a:r>
                 <a:r>
                   <a:rPr lang="en-US" sz="2500" i="1" dirty="0" smtClean="0">
@@ -5332,16 +5323,7 @@
                     </a:solidFill>
                     <a:latin typeface="Times New Roman"/>
                   </a:rPr>
-                  <a:t>strains </a:t>
-                </a:r>
-                <a:r>
-                  <a:rPr lang="en-US" sz="2500" dirty="0" smtClean="0">
-                    <a:solidFill>
-                      <a:srgbClr val="000000"/>
-                    </a:solidFill>
-                    <a:latin typeface="Times New Roman"/>
-                  </a:rPr>
-                  <a:t>(</a:t>
+                  <a:t>strains (</a:t>
                 </a:r>
                 <a:r>
                   <a:rPr lang="en-US" sz="2500" dirty="0" smtClean="0">
@@ -5536,13 +5518,7 @@
                   <a:rPr lang="en-US" sz="2500" b="1" dirty="0" smtClean="0">
                     <a:latin typeface="Times New Roman" pitchFamily="18" charset="0"/>
                   </a:rPr>
-                  <a:t>-Roberts </a:t>
-                </a:r>
-                <a:r>
-                  <a:rPr lang="en-US" sz="2500" b="1" dirty="0" smtClean="0">
-                    <a:latin typeface="Times New Roman" pitchFamily="18" charset="0"/>
-                  </a:rPr>
-                  <a:t>growth model</a:t>
+                  <a:t>-Roberts growth model</a:t>
                 </a:r>
                 <a:r>
                   <a:rPr lang="en-US" sz="2500" baseline="30000" dirty="0" smtClean="0">
@@ -5590,13 +5566,7 @@
                   <a:rPr lang="en-US" sz="2500" dirty="0" smtClean="0">
                     <a:latin typeface="Times New Roman" pitchFamily="18" charset="0"/>
                   </a:rPr>
-                  <a:t>that includes lag and deceleration </a:t>
-                </a:r>
-                <a:r>
-                  <a:rPr lang="en-US" sz="2500" dirty="0" smtClean="0">
-                    <a:latin typeface="Times New Roman" pitchFamily="18" charset="0"/>
-                  </a:rPr>
-                  <a:t>phases:</a:t>
+                  <a:t>that includes lag and deceleration phases:</a:t>
                 </a:r>
               </a:p>
               <a:p>
@@ -5960,14 +5930,7 @@
                     <a:latin typeface="Cambria Math" panose="02040503050406030204" pitchFamily="18" charset="0"/>
                     <a:ea typeface="Cambria Math" panose="02040503050406030204" pitchFamily="18" charset="0"/>
                   </a:rPr>
-                  <a:t> – population </a:t>
-                </a:r>
-                <a:r>
-                  <a:rPr lang="en-US" altLang="he-IL" sz="2000" dirty="0" smtClean="0">
-                    <a:latin typeface="Cambria Math" panose="02040503050406030204" pitchFamily="18" charset="0"/>
-                    <a:ea typeface="Cambria Math" panose="02040503050406030204" pitchFamily="18" charset="0"/>
-                  </a:rPr>
-                  <a:t>density		</a:t>
+                  <a:t> – population density		</a:t>
                 </a:r>
                 <a14:m>
                   <m:oMath xmlns:m="http://schemas.openxmlformats.org/officeDocument/2006/math">
@@ -6028,14 +5991,7 @@
                     <a:latin typeface="Cambria Math" panose="02040503050406030204" pitchFamily="18" charset="0"/>
                     <a:ea typeface="Cambria Math" panose="02040503050406030204" pitchFamily="18" charset="0"/>
                   </a:rPr>
-                  <a:t>low density</a:t>
-                </a:r>
-                <a:r>
-                  <a:rPr lang="en-US" altLang="he-IL" sz="2000" dirty="0" smtClean="0">
-                    <a:latin typeface="Cambria Math" panose="02040503050406030204" pitchFamily="18" charset="0"/>
-                    <a:ea typeface="Cambria Math" panose="02040503050406030204" pitchFamily="18" charset="0"/>
-                  </a:rPr>
-                  <a:t>)	</a:t>
+                  <a:t>low density)	</a:t>
                 </a:r>
                 <a14:m>
                   <m:oMath xmlns:m="http://schemas.openxmlformats.org/officeDocument/2006/math">
@@ -6201,7 +6157,7 @@
             </p:txBody>
           </p:sp>
         </mc:Choice>
-        <mc:Fallback>
+        <mc:Fallback xmlns="">
           <p:sp>
             <p:nvSpPr>
               <p:cNvPr id="14340" name="Text Box 11"/>
@@ -6491,25 +6447,7 @@
               <a:rPr lang="en-US" altLang="he-IL" sz="2500" dirty="0" smtClean="0">
                 <a:latin typeface="Times New Roman" pitchFamily="18" charset="0"/>
               </a:rPr>
-              <a:t>We grow our strains separately </a:t>
-            </a:r>
-            <a:r>
-              <a:rPr lang="en-US" altLang="he-IL" sz="2500" dirty="0" smtClean="0">
-                <a:latin typeface="Times New Roman" pitchFamily="18" charset="0"/>
-              </a:rPr>
-              <a:t>and in </a:t>
-            </a:r>
-            <a:r>
-              <a:rPr lang="en-US" altLang="he-IL" sz="2500" dirty="0" smtClean="0">
-                <a:latin typeface="Times New Roman" pitchFamily="18" charset="0"/>
-              </a:rPr>
-              <a:t>competition </a:t>
-            </a:r>
-            <a:r>
-              <a:rPr lang="en-US" altLang="he-IL" sz="2500" dirty="0" smtClean="0">
-                <a:latin typeface="Times New Roman" pitchFamily="18" charset="0"/>
-              </a:rPr>
-              <a:t>in a 96-well plate and measure their OD over time.</a:t>
+              <a:t>We grow our strains separately and in competition in a 96-well plate and measure their OD over time.</a:t>
             </a:r>
           </a:p>
           <a:p>
@@ -6954,13 +6892,7 @@
               <a:rPr lang="en-US" altLang="he-IL" sz="2500" dirty="0" smtClean="0">
                 <a:latin typeface="Times New Roman" pitchFamily="18" charset="0"/>
               </a:rPr>
-              <a:t> The </a:t>
-            </a:r>
-            <a:r>
-              <a:rPr lang="en-US" altLang="he-IL" sz="2500" dirty="0" smtClean="0">
-                <a:latin typeface="Times New Roman" pitchFamily="18" charset="0"/>
-              </a:rPr>
-              <a:t>total OD predicted by the model (solid blue line) is in good agreement with the total OD in the competition experiments (black markers).</a:t>
+              <a:t> The total OD predicted by the model (solid blue line) is in good agreement with the total OD in the competition experiments (black markers).</a:t>
             </a:r>
           </a:p>
         </p:txBody>
@@ -7582,9 +7514,6 @@
               </a:rPr>
               <a:t>genotypes</a:t>
             </a:r>
-            <a:endParaRPr lang="en-US" sz="2500" dirty="0" smtClean="0">
-              <a:latin typeface="+mn-lt"/>
-            </a:endParaRPr>
           </a:p>
           <a:p>
             <a:pPr marL="342900" indent="-342900" eaLnBrk="1" hangingPunct="1">
@@ -7634,13 +7563,7 @@
               <a:rPr lang="en-US" sz="2500" dirty="0" smtClean="0">
                 <a:latin typeface="+mn-lt"/>
               </a:rPr>
-              <a:t>, </a:t>
-            </a:r>
-            <a:r>
-              <a:rPr lang="en-US" sz="2500" dirty="0" smtClean="0">
-                <a:latin typeface="+mn-lt"/>
-              </a:rPr>
-              <a:t>are </a:t>
+              <a:t>, are </a:t>
             </a:r>
             <a:r>
               <a:rPr lang="en-US" sz="2500" dirty="0">
@@ -7673,13 +7596,7 @@
               <a:rPr lang="en-US" sz="2500" b="1" dirty="0" smtClean="0">
                 <a:latin typeface="+mn-lt"/>
               </a:rPr>
-              <a:t>alternative </a:t>
-            </a:r>
-            <a:r>
-              <a:rPr lang="en-US" sz="2500" b="1" dirty="0" smtClean="0">
-                <a:latin typeface="+mn-lt"/>
-              </a:rPr>
-              <a:t>method </a:t>
+              <a:t>alternative method </a:t>
             </a:r>
             <a:r>
               <a:rPr lang="en-US" sz="2500" dirty="0" smtClean="0">
@@ -7998,7 +7915,13 @@
               <a:rPr lang="en-GB" sz="2200" dirty="0" smtClean="0">
                 <a:latin typeface="Times New Roman" pitchFamily="18" charset="0"/>
               </a:rPr>
-              <a:t> Segal for generous help in the wet lab. </a:t>
+              <a:t> Segal for generous help </a:t>
+            </a:r>
+            <a:r>
+              <a:rPr lang="en-GB" sz="2200" smtClean="0">
+                <a:latin typeface="Times New Roman" pitchFamily="18" charset="0"/>
+              </a:rPr>
+              <a:t>with experiments. </a:t>
             </a:r>
             <a:endParaRPr lang="en-GB" sz="2200" dirty="0">
               <a:latin typeface="Times New Roman" pitchFamily="18" charset="0"/>
@@ -8016,8 +7939,8 @@
           </a:p>
         </p:txBody>
       </p:sp>
-      <mc:AlternateContent xmlns:mc="http://schemas.openxmlformats.org/markup-compatibility/2006">
-        <mc:Choice xmlns:a14="http://schemas.microsoft.com/office/drawing/2010/main" Requires="a14">
+      <mc:AlternateContent xmlns:mc="http://schemas.openxmlformats.org/markup-compatibility/2006" xmlns:a14="http://schemas.microsoft.com/office/drawing/2010/main">
+        <mc:Choice Requires="a14">
           <p:sp>
             <p:nvSpPr>
               <p:cNvPr id="14342" name="Text Box 12"/>
@@ -8284,13 +8207,7 @@
                   <a:rPr lang="en-US" altLang="he-IL" sz="2500" dirty="0" smtClean="0">
                     <a:latin typeface="Times New Roman" pitchFamily="18" charset="0"/>
                   </a:rPr>
-                  <a:t>two-species ordinary </a:t>
-                </a:r>
-                <a:r>
-                  <a:rPr lang="en-US" altLang="he-IL" sz="2500" dirty="0" smtClean="0">
-                    <a:latin typeface="Times New Roman" pitchFamily="18" charset="0"/>
-                  </a:rPr>
-                  <a:t>differential equation for the </a:t>
+                  <a:t>two-species ordinary differential equation for the </a:t>
                 </a:r>
                 <a:r>
                   <a:rPr lang="en-US" altLang="he-IL" sz="2500" dirty="0" err="1" smtClean="0">
@@ -8679,7 +8596,7 @@
             </p:txBody>
           </p:sp>
         </mc:Choice>
-        <mc:Fallback>
+        <mc:Fallback xmlns="">
           <p:sp>
             <p:nvSpPr>
               <p:cNvPr id="14342" name="Text Box 12"/>
@@ -9815,7 +9732,7 @@
         </p:nvGrpSpPr>
         <p:grpSpPr>
           <a:xfrm>
-            <a:off x="23176993" y="36195073"/>
+            <a:off x="23176993" y="36251056"/>
             <a:ext cx="5612578" cy="2062103"/>
             <a:chOff x="323528" y="5287813"/>
             <a:chExt cx="5002971" cy="1682120"/>
@@ -10412,8 +10329,8 @@
           </a:fontRef>
         </p:style>
       </p:cxnSp>
-      <mc:AlternateContent xmlns:mc="http://schemas.openxmlformats.org/markup-compatibility/2006">
-        <mc:Choice xmlns:a14="http://schemas.microsoft.com/office/drawing/2010/main" Requires="a14">
+      <mc:AlternateContent xmlns:mc="http://schemas.openxmlformats.org/markup-compatibility/2006" xmlns:a14="http://schemas.microsoft.com/office/drawing/2010/main">
+        <mc:Choice Requires="a14">
           <p:graphicFrame>
             <p:nvGraphicFramePr>
               <p:cNvPr id="6" name="Table 5"/>
@@ -10985,7 +10902,7 @@
             </a:graphic>
           </p:graphicFrame>
         </mc:Choice>
-        <mc:Fallback>
+        <mc:Fallback xmlns="">
           <p:graphicFrame>
             <p:nvGraphicFramePr>
               <p:cNvPr id="6" name="Table 5"/>
@@ -11625,8 +11542,8 @@
           </a:fontRef>
         </p:style>
       </p:cxnSp>
-      <mc:AlternateContent xmlns:mc="http://schemas.openxmlformats.org/markup-compatibility/2006">
-        <mc:Choice xmlns:a14="http://schemas.microsoft.com/office/drawing/2010/main" Requires="a14">
+      <mc:AlternateContent xmlns:mc="http://schemas.openxmlformats.org/markup-compatibility/2006" xmlns:a14="http://schemas.microsoft.com/office/drawing/2010/main">
+        <mc:Choice Requires="a14">
           <p:sp>
             <p:nvSpPr>
               <p:cNvPr id="14" name="Rectangle 13"/>
@@ -11821,7 +11738,7 @@
             </p:txBody>
           </p:sp>
         </mc:Choice>
-        <mc:Fallback>
+        <mc:Fallback xmlns="">
           <p:sp>
             <p:nvSpPr>
               <p:cNvPr id="14" name="Rectangle 13"/>
@@ -12047,19 +11964,7 @@
               <a:rPr lang="en-US" sz="2500" dirty="0" smtClean="0">
                 <a:latin typeface="Times New Roman" pitchFamily="18" charset="0"/>
               </a:rPr>
-              <a:t>. </a:t>
-            </a:r>
-            <a:r>
-              <a:rPr lang="en-US" sz="2500" dirty="0" smtClean="0">
-                <a:latin typeface="Times New Roman" pitchFamily="18" charset="0"/>
-              </a:rPr>
-              <a:t>This framework will </a:t>
-            </a:r>
-            <a:r>
-              <a:rPr lang="en-US" sz="2500" dirty="0" smtClean="0">
-                <a:latin typeface="Times New Roman" pitchFamily="18" charset="0"/>
-              </a:rPr>
-              <a:t> help bridge the gap between </a:t>
+              <a:t>. This framework will  help bridge the gap between </a:t>
             </a:r>
             <a:r>
               <a:rPr lang="en-US" sz="2500" b="1" dirty="0" smtClean="0">
@@ -12560,95 +12465,39 @@
           </a:p>
         </p:txBody>
       </p:sp>
-      <p:grpSp>
-        <p:nvGrpSpPr>
-          <p:cNvPr id="14345" name="Group 14344"/>
-          <p:cNvGrpSpPr/>
+      <p:sp>
+        <p:nvSpPr>
+          <p:cNvPr id="14336" name="Rectangle 14335"/>
+          <p:cNvSpPr/>
           <p:nvPr/>
-        </p:nvGrpSpPr>
-        <p:grpSpPr>
+        </p:nvSpPr>
+        <p:spPr>
           <a:xfrm>
-            <a:off x="21198180" y="39035995"/>
-            <a:ext cx="1424375" cy="2415229"/>
-            <a:chOff x="20850282" y="38940933"/>
-            <a:chExt cx="1424375" cy="2415229"/>
+            <a:off x="21317898" y="39035995"/>
+            <a:ext cx="1184940" cy="523220"/>
           </a:xfrm>
-        </p:grpSpPr>
-        <p:pic>
-          <p:nvPicPr>
-            <p:cNvPr id="1053" name="Picture 29" descr="D:\workspace\curveball_project\Plato\public\plato.png"/>
-            <p:cNvPicPr>
-              <a:picLocks noChangeAspect="1" noChangeArrowheads="1"/>
-            </p:cNvPicPr>
-            <p:nvPr/>
-          </p:nvPicPr>
-          <p:blipFill>
-            <a:blip r:embed="rId25">
-              <a:extLst>
-                <a:ext uri="{28A0092B-C50C-407E-A947-70E740481C1C}">
-                  <a14:useLocalDpi xmlns:a14="http://schemas.microsoft.com/office/drawing/2010/main" val="0"/>
-                </a:ext>
-              </a:extLst>
-            </a:blip>
-            <a:srcRect/>
-            <a:stretch>
-              <a:fillRect/>
-            </a:stretch>
-          </p:blipFill>
-          <p:spPr bwMode="auto">
-            <a:xfrm>
-              <a:off x="20850282" y="39504474"/>
-              <a:ext cx="1424375" cy="1851688"/>
-            </a:xfrm>
-            <a:prstGeom prst="rect">
-              <a:avLst/>
-            </a:prstGeom>
-            <a:noFill/>
-            <a:extLst>
-              <a:ext uri="{909E8E84-426E-40DD-AFC4-6F175D3DCCD1}">
-                <a14:hiddenFill xmlns:a14="http://schemas.microsoft.com/office/drawing/2010/main">
-                  <a:solidFill>
-                    <a:srgbClr val="FFFFFF"/>
-                  </a:solidFill>
-                </a14:hiddenFill>
-              </a:ext>
-            </a:extLst>
-          </p:spPr>
-        </p:pic>
-        <p:sp>
-          <p:nvSpPr>
-            <p:cNvPr id="14336" name="Rectangle 14335"/>
-            <p:cNvSpPr/>
-            <p:nvPr/>
-          </p:nvSpPr>
-          <p:spPr>
-            <a:xfrm>
-              <a:off x="20970000" y="38940933"/>
-              <a:ext cx="1184940" cy="523220"/>
-            </a:xfrm>
-            <a:prstGeom prst="rect">
-              <a:avLst/>
-            </a:prstGeom>
-          </p:spPr>
-          <p:txBody>
-            <a:bodyPr wrap="none">
-              <a:spAutoFit/>
-            </a:bodyPr>
-            <a:lstStyle/>
-            <a:p>
-              <a:r>
-                <a:rPr lang="en-US" kern="0" dirty="0">
-                  <a:latin typeface="Mathematica1" panose="05000502060100000001" pitchFamily="2" charset="2"/>
-                </a:rPr>
-                <a:t>Plato</a:t>
-              </a:r>
-              <a:endParaRPr lang="he-IL" kern="0" dirty="0">
+          <a:prstGeom prst="rect">
+            <a:avLst/>
+          </a:prstGeom>
+        </p:spPr>
+        <p:txBody>
+          <a:bodyPr wrap="none">
+            <a:spAutoFit/>
+          </a:bodyPr>
+          <a:lstStyle/>
+          <a:p>
+            <a:r>
+              <a:rPr lang="en-US" kern="0" dirty="0">
                 <a:latin typeface="Mathematica1" panose="05000502060100000001" pitchFamily="2" charset="2"/>
-              </a:endParaRPr>
-            </a:p>
-          </p:txBody>
-        </p:sp>
-      </p:grpSp>
+              </a:rPr>
+              <a:t>Plato</a:t>
+            </a:r>
+            <a:endParaRPr lang="he-IL" kern="0" dirty="0">
+              <a:latin typeface="Mathematica1" panose="05000502060100000001" pitchFamily="2" charset="2"/>
+            </a:endParaRPr>
+          </a:p>
+        </p:txBody>
+      </p:sp>
       <p:grpSp>
         <p:nvGrpSpPr>
           <p:cNvPr id="14338" name="Group 14337"/>
@@ -12672,7 +12521,7 @@
             <p:nvPr/>
           </p:nvPicPr>
           <p:blipFill>
-            <a:blip r:embed="rId26">
+            <a:blip r:embed="rId25">
               <a:extLst>
                 <a:ext uri="{28A0092B-C50C-407E-A947-70E740481C1C}">
                   <a14:useLocalDpi xmlns:a14="http://schemas.microsoft.com/office/drawing/2010/main" val="0"/>
@@ -12745,7 +12594,7 @@
           <p:nvPr/>
         </p:nvPicPr>
         <p:blipFill rotWithShape="1">
-          <a:blip r:embed="rId27">
+          <a:blip r:embed="rId26">
             <a:extLst>
               <a:ext uri="{28A0092B-C50C-407E-A947-70E740481C1C}">
                 <a14:useLocalDpi xmlns:a14="http://schemas.microsoft.com/office/drawing/2010/main" val="0"/>
@@ -12875,7 +12724,7 @@
           <p:nvPr/>
         </p:nvPicPr>
         <p:blipFill>
-          <a:blip r:embed="rId28">
+          <a:blip r:embed="rId27">
             <a:extLst>
               <a:ext uri="{28A0092B-C50C-407E-A947-70E740481C1C}">
                 <a14:useLocalDpi xmlns:a14="http://schemas.microsoft.com/office/drawing/2010/main" val="0"/>
@@ -12916,7 +12765,7 @@
           <p:nvPr/>
         </p:nvPicPr>
         <p:blipFill>
-          <a:blip r:embed="rId29">
+          <a:blip r:embed="rId28">
             <a:extLst>
               <a:ext uri="{28A0092B-C50C-407E-A947-70E740481C1C}">
                 <a14:useLocalDpi xmlns:a14="http://schemas.microsoft.com/office/drawing/2010/main" val="0"/>
@@ -13078,6 +12927,60 @@
           </a:p>
         </p:txBody>
       </p:sp>
+      <p:pic>
+        <p:nvPicPr>
+          <p:cNvPr id="8" name="Picture 2"/>
+          <p:cNvPicPr>
+            <a:picLocks noChangeAspect="1" noChangeArrowheads="1"/>
+          </p:cNvPicPr>
+          <p:nvPr/>
+        </p:nvPicPr>
+        <p:blipFill>
+          <a:blip r:embed="rId29">
+            <a:extLst>
+              <a:ext uri="{28A0092B-C50C-407E-A947-70E740481C1C}">
+                <a14:useLocalDpi xmlns:a14="http://schemas.microsoft.com/office/drawing/2010/main" val="0"/>
+              </a:ext>
+            </a:extLst>
+          </a:blip>
+          <a:srcRect/>
+          <a:stretch>
+            <a:fillRect/>
+          </a:stretch>
+        </p:blipFill>
+        <p:spPr bwMode="auto">
+          <a:xfrm>
+            <a:off x="21098627" y="39600000"/>
+            <a:ext cx="1488250" cy="1850400"/>
+          </a:xfrm>
+          <a:prstGeom prst="rect">
+            <a:avLst/>
+          </a:prstGeom>
+          <a:noFill/>
+          <a:ln>
+            <a:noFill/>
+          </a:ln>
+          <a:extLst>
+            <a:ext uri="{909E8E84-426E-40DD-AFC4-6F175D3DCCD1}">
+              <a14:hiddenFill xmlns:a14="http://schemas.microsoft.com/office/drawing/2010/main">
+                <a:solidFill>
+                  <a:schemeClr val="accent1"/>
+                </a:solidFill>
+              </a14:hiddenFill>
+            </a:ext>
+            <a:ext uri="{91240B29-F687-4F45-9708-019B960494DF}">
+              <a14:hiddenLine xmlns:a14="http://schemas.microsoft.com/office/drawing/2010/main" w="9525">
+                <a:solidFill>
+                  <a:schemeClr val="tx1"/>
+                </a:solidFill>
+                <a:miter lim="800000"/>
+                <a:headEnd/>
+                <a:tailEnd/>
+              </a14:hiddenLine>
+            </a:ext>
+          </a:extLst>
+        </p:spPr>
+      </p:pic>
     </p:spTree>
   </p:cSld>
   <p:clrMapOvr>

--- a/poster.pptx
+++ b/poster.pptx
@@ -254,7 +254,7 @@
             <a:fld id="{4DB31F7E-24C3-4F74-B155-4FAB7B65A36F}" type="datetime1">
               <a:rPr lang="en-US" altLang="he-IL"/>
               <a:pPr/>
-              <a:t>6/16/2015</a:t>
+              <a:t>6/21/2015</a:t>
             </a:fld>
             <a:endParaRPr lang="en-US" altLang="he-IL"/>
           </a:p>
@@ -4803,13 +4803,25 @@
                   <a:rPr lang="en-US" altLang="he-IL" sz="2500" i="1" dirty="0" smtClean="0">
                     <a:latin typeface="Times New Roman" pitchFamily="18" charset="0"/>
                   </a:rPr>
-                  <a:t>effective selection coefficient</a:t>
+                  <a:t>effective selection coefficient </a:t>
                 </a:r>
                 <a:r>
                   <a:rPr lang="en-US" altLang="he-IL" sz="2500" dirty="0" smtClean="0">
                     <a:latin typeface="Times New Roman" pitchFamily="18" charset="0"/>
                   </a:rPr>
-                  <a:t>: the selection coefficient in an idealized population that would cause similar change in frequency as the population under consideration.</a:t>
+                  <a:t>of the red strain: the selection coefficient that would cause similar change in frequency </a:t>
+                </a:r>
+                <a:r>
+                  <a:rPr lang="en-US" altLang="he-IL" sz="2500" dirty="0">
+                    <a:latin typeface="Times New Roman" pitchFamily="18" charset="0"/>
+                  </a:rPr>
+                  <a:t>in an idealized </a:t>
+                </a:r>
+                <a:r>
+                  <a:rPr lang="en-US" altLang="he-IL" sz="2500" dirty="0" smtClean="0">
+                    <a:latin typeface="Times New Roman" pitchFamily="18" charset="0"/>
+                  </a:rPr>
+                  <a:t>population.</a:t>
                 </a:r>
               </a:p>
               <a:p>
@@ -5323,52 +5335,7 @@
                     </a:solidFill>
                     <a:latin typeface="Times New Roman"/>
                   </a:rPr>
-                  <a:t>strains (</a:t>
-                </a:r>
-                <a:r>
-                  <a:rPr lang="en-US" sz="2500" dirty="0" smtClean="0">
-                    <a:solidFill>
-                      <a:srgbClr val="E02829"/>
-                    </a:solidFill>
-                    <a:latin typeface="Times New Roman"/>
-                  </a:rPr>
-                  <a:t>TG1 </a:t>
-                </a:r>
-                <a:r>
-                  <a:rPr lang="en-US" sz="2500" dirty="0" smtClean="0">
-                    <a:solidFill>
-                      <a:srgbClr val="000000"/>
-                    </a:solidFill>
-                    <a:latin typeface="Times New Roman"/>
-                  </a:rPr>
-                  <a:t>and </a:t>
-                </a:r>
-                <a:r>
-                  <a:rPr lang="en-US" sz="2500" dirty="0" smtClean="0">
-                    <a:solidFill>
-                      <a:srgbClr val="59A754"/>
-                    </a:solidFill>
-                    <a:latin typeface="Times New Roman"/>
-                  </a:rPr>
-                  <a:t>DH5</a:t>
-                </a:r>
-                <a:r>
-                  <a:rPr lang="el-GR" sz="2500" dirty="0">
-                    <a:solidFill>
-                      <a:srgbClr val="59A754"/>
-                    </a:solidFill>
-                    <a:latin typeface="Times New Roman"/>
-                  </a:rPr>
-                  <a:t>α</a:t>
-                </a:r>
-                <a:r>
-                  <a:rPr lang="en-US" sz="2500" dirty="0" smtClean="0">
-                    <a:solidFill>
-                      <a:srgbClr val="000000"/>
-                    </a:solidFill>
-                    <a:latin typeface="Times New Roman"/>
-                  </a:rPr>
-                  <a:t>):</a:t>
+                  <a:t>strains:</a:t>
                 </a:r>
               </a:p>
               <a:p>
@@ -6447,7 +6414,19 @@
               <a:rPr lang="en-US" altLang="he-IL" sz="2500" dirty="0" smtClean="0">
                 <a:latin typeface="Times New Roman" pitchFamily="18" charset="0"/>
               </a:rPr>
-              <a:t>We grow our strains separately and in competition in a 96-well plate and measure their OD over time.</a:t>
+              <a:t>We grow two </a:t>
+            </a:r>
+            <a:r>
+              <a:rPr lang="en-US" altLang="he-IL" sz="2500" i="1" dirty="0" smtClean="0">
+                <a:latin typeface="Times New Roman" pitchFamily="18" charset="0"/>
+              </a:rPr>
+              <a:t>E. coli </a:t>
+            </a:r>
+            <a:r>
+              <a:rPr lang="en-US" altLang="he-IL" sz="2500" dirty="0" smtClean="0">
+                <a:latin typeface="Times New Roman" pitchFamily="18" charset="0"/>
+              </a:rPr>
+              <a:t>strains separately and in competition in a 96-well plate and measure their OD over time.</a:t>
             </a:r>
           </a:p>
           <a:p>
@@ -10089,8 +10068,8 @@
         </p:nvSpPr>
         <p:spPr>
           <a:xfrm>
-            <a:off x="17804037" y="37811826"/>
-            <a:ext cx="1478168" cy="830997"/>
+            <a:off x="17804037" y="37681199"/>
+            <a:ext cx="1478168" cy="1200329"/>
           </a:xfrm>
           <a:prstGeom prst="rect">
             <a:avLst/>
@@ -10105,7 +10084,7 @@
           <a:p>
             <a:pPr algn="ctr"/>
             <a:r>
-              <a:rPr lang="en-US" altLang="he-IL" sz="1600" b="1" dirty="0">
+              <a:rPr lang="en-US" altLang="he-IL" sz="1800" b="1" dirty="0">
                 <a:solidFill>
                   <a:srgbClr val="0070C0"/>
                 </a:solidFill>
@@ -10115,7 +10094,7 @@
               <a:t>Israeli </a:t>
             </a:r>
             <a:r>
-              <a:rPr lang="en-US" altLang="he-IL" sz="1600" b="1" dirty="0" smtClean="0">
+              <a:rPr lang="en-US" altLang="he-IL" sz="1800" b="1" dirty="0" smtClean="0">
                 <a:solidFill>
                   <a:srgbClr val="0070C0"/>
                 </a:solidFill>
@@ -10128,7 +10107,7 @@
           <a:p>
             <a:pPr algn="ctr"/>
             <a:r>
-              <a:rPr lang="en-US" altLang="he-IL" sz="1600" b="1" dirty="0" smtClean="0">
+              <a:rPr lang="en-US" altLang="he-IL" sz="1800" b="1" dirty="0" smtClean="0">
                 <a:solidFill>
                   <a:srgbClr val="0070C0"/>
                 </a:solidFill>
@@ -10137,7 +10116,7 @@
               </a:rPr>
               <a:t>of Science &amp; Technology</a:t>
             </a:r>
-            <a:endParaRPr lang="en-US" altLang="he-IL" sz="1600" b="1" dirty="0">
+            <a:endParaRPr lang="en-US" altLang="he-IL" sz="1800" b="1" dirty="0">
               <a:solidFill>
                 <a:srgbClr val="0070C0"/>
               </a:solidFill>
@@ -10340,7 +10319,7 @@
               <p:nvPr>
                 <p:extLst>
                   <p:ext uri="{D42A27DB-BD31-4B8C-83A1-F6EECF244321}">
-                    <p14:modId xmlns:p14="http://schemas.microsoft.com/office/powerpoint/2010/main" val="1990556497"/>
+                    <p14:modId xmlns:p14="http://schemas.microsoft.com/office/powerpoint/2010/main" val="194699424"/>
                   </p:ext>
                 </p:extLst>
               </p:nvPr>
@@ -10375,7 +10354,7 @@
                               <a:latin typeface="Cambria Math" panose="02040503050406030204" pitchFamily="18" charset="0"/>
                               <a:ea typeface="Cambria Math" panose="02040503050406030204" pitchFamily="18" charset="0"/>
                             </a:rPr>
-                            <a:t>TG1</a:t>
+                            <a:t>Red</a:t>
                           </a:r>
                           <a:endParaRPr lang="he-IL" sz="1800" dirty="0">
                             <a:solidFill>
@@ -10403,18 +10382,7 @@
                               <a:ea typeface="Cambria Math" panose="02040503050406030204" pitchFamily="18" charset="0"/>
                               <a:cs typeface="+mn-cs"/>
                             </a:rPr>
-                            <a:t>DH5</a:t>
-                          </a:r>
-                          <a:r>
-                            <a:rPr lang="el-GR" sz="1800" b="1" kern="1200" dirty="0" smtClean="0">
-                              <a:solidFill>
-                                <a:srgbClr val="59A754"/>
-                              </a:solidFill>
-                              <a:latin typeface="Cambria Math" panose="02040503050406030204" pitchFamily="18" charset="0"/>
-                              <a:ea typeface="Cambria Math" panose="02040503050406030204" pitchFamily="18" charset="0"/>
-                              <a:cs typeface="+mn-cs"/>
-                            </a:rPr>
-                            <a:t>α</a:t>
+                            <a:t>Green</a:t>
                           </a:r>
                           <a:endParaRPr lang="he-IL" sz="1800" b="1" kern="1200" dirty="0">
                             <a:solidFill>
@@ -10462,7 +10430,7 @@
                               <a:latin typeface="Cambria Math" panose="02040503050406030204" pitchFamily="18" charset="0"/>
                               <a:ea typeface="Cambria Math" panose="02040503050406030204" pitchFamily="18" charset="0"/>
                             </a:rPr>
-                            <a:t>0.979</a:t>
+                            <a:t>0.0979</a:t>
                           </a:r>
                           <a:endParaRPr lang="he-IL" sz="1800" dirty="0">
                             <a:latin typeface="Cambria Math" panose="02040503050406030204" pitchFamily="18" charset="0"/>
@@ -10483,7 +10451,7 @@
                               <a:latin typeface="Cambria Math" panose="02040503050406030204" pitchFamily="18" charset="0"/>
                               <a:ea typeface="Cambria Math" panose="02040503050406030204" pitchFamily="18" charset="0"/>
                             </a:rPr>
-                            <a:t>0.983</a:t>
+                            <a:t>0.0983</a:t>
                           </a:r>
                           <a:endParaRPr lang="he-IL" sz="1800" dirty="0">
                             <a:latin typeface="Cambria Math" panose="02040503050406030204" pitchFamily="18" charset="0"/>
@@ -10912,7 +10880,7 @@
               <p:nvPr>
                 <p:extLst>
                   <p:ext uri="{D42A27DB-BD31-4B8C-83A1-F6EECF244321}">
-                    <p14:modId xmlns:p14="http://schemas.microsoft.com/office/powerpoint/2010/main" val="1990556497"/>
+                    <p14:modId xmlns:p14="http://schemas.microsoft.com/office/powerpoint/2010/main" val="194699424"/>
                   </p:ext>
                 </p:extLst>
               </p:nvPr>
@@ -10947,7 +10915,7 @@
                               <a:latin typeface="Cambria Math" panose="02040503050406030204" pitchFamily="18" charset="0"/>
                               <a:ea typeface="Cambria Math" panose="02040503050406030204" pitchFamily="18" charset="0"/>
                             </a:rPr>
-                            <a:t>TG1</a:t>
+                            <a:t>Red</a:t>
                           </a:r>
                           <a:endParaRPr lang="he-IL" sz="1800" dirty="0">
                             <a:solidFill>
@@ -10975,18 +10943,7 @@
                               <a:ea typeface="Cambria Math" panose="02040503050406030204" pitchFamily="18" charset="0"/>
                               <a:cs typeface="+mn-cs"/>
                             </a:rPr>
-                            <a:t>DH5</a:t>
-                          </a:r>
-                          <a:r>
-                            <a:rPr lang="el-GR" sz="1800" b="1" kern="1200" dirty="0" smtClean="0">
-                              <a:solidFill>
-                                <a:srgbClr val="59A754"/>
-                              </a:solidFill>
-                              <a:latin typeface="Cambria Math" panose="02040503050406030204" pitchFamily="18" charset="0"/>
-                              <a:ea typeface="Cambria Math" panose="02040503050406030204" pitchFamily="18" charset="0"/>
-                              <a:cs typeface="+mn-cs"/>
-                            </a:rPr>
-                            <a:t>α</a:t>
+                            <a:t>Green</a:t>
                           </a:r>
                           <a:endParaRPr lang="he-IL" sz="1800" b="1" kern="1200" dirty="0">
                             <a:solidFill>
@@ -11034,7 +10991,7 @@
                               <a:latin typeface="Cambria Math" panose="02040503050406030204" pitchFamily="18" charset="0"/>
                               <a:ea typeface="Cambria Math" panose="02040503050406030204" pitchFamily="18" charset="0"/>
                             </a:rPr>
-                            <a:t>0.979</a:t>
+                            <a:t>0.0979</a:t>
                           </a:r>
                           <a:endParaRPr lang="he-IL" sz="1800" dirty="0">
                             <a:latin typeface="Cambria Math" panose="02040503050406030204" pitchFamily="18" charset="0"/>
@@ -11055,7 +11012,7 @@
                               <a:latin typeface="Cambria Math" panose="02040503050406030204" pitchFamily="18" charset="0"/>
                               <a:ea typeface="Cambria Math" panose="02040503050406030204" pitchFamily="18" charset="0"/>
                             </a:rPr>
-                            <a:t>0.983</a:t>
+                            <a:t>0.0983</a:t>
                           </a:r>
                           <a:endParaRPr lang="he-IL" sz="1800" dirty="0">
                             <a:latin typeface="Cambria Math" panose="02040503050406030204" pitchFamily="18" charset="0"/>
@@ -12115,7 +12072,7 @@
         </p:blipFill>
         <p:spPr bwMode="auto">
           <a:xfrm>
-            <a:off x="15836744" y="40696809"/>
+            <a:off x="11576972" y="39235580"/>
             <a:ext cx="3125442" cy="900000"/>
           </a:xfrm>
           <a:prstGeom prst="rect">
@@ -12156,7 +12113,7 @@
         </p:blipFill>
         <p:spPr bwMode="auto">
           <a:xfrm>
-            <a:off x="17493872" y="39035995"/>
+            <a:off x="16345279" y="39054713"/>
             <a:ext cx="1400932" cy="1440000"/>
           </a:xfrm>
           <a:prstGeom prst="rect">
@@ -12229,7 +12186,7 @@
         </p:blipFill>
         <p:spPr bwMode="auto">
           <a:xfrm>
-            <a:off x="15406428" y="38898990"/>
+            <a:off x="14492039" y="38898990"/>
             <a:ext cx="1697143" cy="1620000"/>
           </a:xfrm>
           <a:prstGeom prst="rect">
@@ -12270,7 +12227,7 @@
         </p:blipFill>
         <p:spPr bwMode="auto">
           <a:xfrm>
-            <a:off x="11618173" y="39090172"/>
+            <a:off x="15474893" y="40708309"/>
             <a:ext cx="3402958" cy="900000"/>
           </a:xfrm>
           <a:prstGeom prst="rect">
@@ -12606,7 +12563,7 @@
         </p:blipFill>
         <p:spPr bwMode="auto">
           <a:xfrm>
-            <a:off x="11530860" y="40456309"/>
+            <a:off x="11362911" y="40456309"/>
             <a:ext cx="3553565" cy="1152000"/>
           </a:xfrm>
           <a:prstGeom prst="rect">
@@ -12806,7 +12763,7 @@
         <p:spPr>
           <a:xfrm>
             <a:off x="23220000" y="11160000"/>
-            <a:ext cx="1071127" cy="523220"/>
+            <a:ext cx="1016625" cy="523220"/>
           </a:xfrm>
           <a:prstGeom prst="rect">
             <a:avLst/>
@@ -12820,17 +12777,19 @@
           <a:p>
             <a:r>
               <a:rPr lang="en-US" altLang="he-IL" dirty="0" smtClean="0">
-                <a:latin typeface="Times New Roman" pitchFamily="18" charset="0"/>
+                <a:latin typeface="Calibri" panose="020F0502020204030204" pitchFamily="34" charset="0"/>
               </a:rPr>
               <a:t>DH5</a:t>
             </a:r>
             <a:r>
               <a:rPr lang="el-GR" altLang="he-IL" dirty="0">
-                <a:latin typeface="Times New Roman" pitchFamily="18" charset="0"/>
+                <a:latin typeface="Calibri" panose="020F0502020204030204" pitchFamily="34" charset="0"/>
               </a:rPr>
               <a:t>α</a:t>
             </a:r>
-            <a:endParaRPr lang="he-IL" dirty="0"/>
+            <a:endParaRPr lang="he-IL" dirty="0">
+              <a:latin typeface="Calibri" panose="020F0502020204030204" pitchFamily="34" charset="0"/>
+            </a:endParaRPr>
           </a:p>
         </p:txBody>
       </p:sp>
@@ -12843,7 +12802,7 @@
         <p:spPr>
           <a:xfrm>
             <a:off x="25789013" y="11160000"/>
-            <a:ext cx="843501" cy="523220"/>
+            <a:ext cx="757836" cy="523220"/>
           </a:xfrm>
           <a:prstGeom prst="rect">
             <a:avLst/>
@@ -12857,11 +12816,13 @@
           <a:p>
             <a:r>
               <a:rPr lang="en-US" altLang="he-IL" dirty="0" smtClean="0">
-                <a:latin typeface="Times New Roman" pitchFamily="18" charset="0"/>
+                <a:latin typeface="Calibri" panose="020F0502020204030204" pitchFamily="34" charset="0"/>
               </a:rPr>
               <a:t>TG1</a:t>
             </a:r>
-            <a:endParaRPr lang="he-IL" dirty="0"/>
+            <a:endParaRPr lang="he-IL" dirty="0">
+              <a:latin typeface="Calibri" panose="020F0502020204030204" pitchFamily="34" charset="0"/>
+            </a:endParaRPr>
           </a:p>
         </p:txBody>
       </p:sp>
@@ -12873,8 +12834,8 @@
         </p:nvSpPr>
         <p:spPr>
           <a:xfrm>
-            <a:off x="24390323" y="10742850"/>
-            <a:ext cx="1160895" cy="1384995"/>
+            <a:off x="24421581" y="10742850"/>
+            <a:ext cx="1098378" cy="1384995"/>
           </a:xfrm>
           <a:prstGeom prst="rect">
             <a:avLst/>
@@ -12889,19 +12850,19 @@
             <a:pPr algn="ctr"/>
             <a:r>
               <a:rPr lang="en-US" altLang="he-IL" dirty="0">
-                <a:latin typeface="Times New Roman" pitchFamily="18" charset="0"/>
+                <a:latin typeface="Calibri" panose="020F0502020204030204" pitchFamily="34" charset="0"/>
               </a:rPr>
               <a:t>DH5</a:t>
             </a:r>
             <a:r>
               <a:rPr lang="el-GR" altLang="he-IL" dirty="0" smtClean="0">
-                <a:latin typeface="Times New Roman" pitchFamily="18" charset="0"/>
+                <a:latin typeface="Calibri" panose="020F0502020204030204" pitchFamily="34" charset="0"/>
               </a:rPr>
               <a:t>α</a:t>
             </a:r>
             <a:r>
               <a:rPr lang="en-US" altLang="he-IL" dirty="0" smtClean="0">
-                <a:latin typeface="Times New Roman" pitchFamily="18" charset="0"/>
+                <a:latin typeface="Calibri" panose="020F0502020204030204" pitchFamily="34" charset="0"/>
               </a:rPr>
               <a:t> </a:t>
             </a:r>
@@ -12910,7 +12871,7 @@
             <a:pPr algn="ctr"/>
             <a:r>
               <a:rPr lang="en-US" altLang="he-IL" dirty="0" smtClean="0">
-                <a:latin typeface="Times New Roman" pitchFamily="18" charset="0"/>
+                <a:latin typeface="Calibri" panose="020F0502020204030204" pitchFamily="34" charset="0"/>
               </a:rPr>
               <a:t>+</a:t>
             </a:r>
@@ -12919,11 +12880,13 @@
             <a:pPr algn="ctr"/>
             <a:r>
               <a:rPr lang="en-US" altLang="he-IL" dirty="0" smtClean="0">
-                <a:latin typeface="Times New Roman" pitchFamily="18" charset="0"/>
+                <a:latin typeface="Calibri" panose="020F0502020204030204" pitchFamily="34" charset="0"/>
               </a:rPr>
               <a:t>TG1</a:t>
             </a:r>
-            <a:endParaRPr lang="he-IL" dirty="0"/>
+            <a:endParaRPr lang="he-IL" dirty="0">
+              <a:latin typeface="Calibri" panose="020F0502020204030204" pitchFamily="34" charset="0"/>
+            </a:endParaRPr>
           </a:p>
         </p:txBody>
       </p:sp>
@@ -12981,6 +12944,136 @@
           </a:extLst>
         </p:spPr>
       </p:pic>
+      <p:sp>
+        <p:nvSpPr>
+          <p:cNvPr id="12" name="Rectangle 11"/>
+          <p:cNvSpPr/>
+          <p:nvPr/>
+        </p:nvSpPr>
+        <p:spPr>
+          <a:xfrm>
+            <a:off x="7203233" y="19277045"/>
+            <a:ext cx="1922106" cy="1097045"/>
+          </a:xfrm>
+          <a:prstGeom prst="rect">
+            <a:avLst/>
+          </a:prstGeom>
+          <a:solidFill>
+            <a:schemeClr val="bg1"/>
+          </a:solidFill>
+          <a:ln>
+            <a:solidFill>
+              <a:schemeClr val="bg1"/>
+            </a:solidFill>
+          </a:ln>
+          <a:effectLst/>
+        </p:spPr>
+        <p:style>
+          <a:lnRef idx="1">
+            <a:schemeClr val="accent1"/>
+          </a:lnRef>
+          <a:fillRef idx="3">
+            <a:schemeClr val="accent1"/>
+          </a:fillRef>
+          <a:effectRef idx="2">
+            <a:schemeClr val="accent1"/>
+          </a:effectRef>
+          <a:fontRef idx="minor">
+            <a:schemeClr val="lt1"/>
+          </a:fontRef>
+        </p:style>
+        <p:txBody>
+          <a:bodyPr rtlCol="1" anchor="ctr"/>
+          <a:lstStyle/>
+          <a:p>
+            <a:pPr algn="ctr"/>
+            <a:endParaRPr lang="he-IL"/>
+          </a:p>
+        </p:txBody>
+      </p:sp>
+      <p:sp>
+        <p:nvSpPr>
+          <p:cNvPr id="68" name="TextBox 67"/>
+          <p:cNvSpPr txBox="1"/>
+          <p:nvPr/>
+        </p:nvSpPr>
+        <p:spPr>
+          <a:xfrm>
+            <a:off x="17876838" y="39285922"/>
+            <a:ext cx="1478168" cy="923330"/>
+          </a:xfrm>
+          <a:prstGeom prst="rect">
+            <a:avLst/>
+          </a:prstGeom>
+          <a:noFill/>
+        </p:spPr>
+        <p:txBody>
+          <a:bodyPr wrap="square" rtlCol="1">
+            <a:spAutoFit/>
+          </a:bodyPr>
+          <a:lstStyle/>
+          <a:p>
+            <a:pPr algn="ctr"/>
+            <a:r>
+              <a:rPr lang="en-US" altLang="he-IL" sz="1800" b="1" dirty="0" smtClean="0">
+                <a:solidFill>
+                  <a:srgbClr val="0070C0"/>
+                </a:solidFill>
+                <a:latin typeface="Calibri" panose="020F0502020204030204" pitchFamily="34" charset="0"/>
+                <a:cs typeface="Consolas" panose="020B0609020204030204" pitchFamily="49" charset="0"/>
+              </a:rPr>
+              <a:t>The </a:t>
+            </a:r>
+            <a:r>
+              <a:rPr lang="en-US" altLang="he-IL" sz="1800" b="1" dirty="0" err="1" smtClean="0">
+                <a:solidFill>
+                  <a:srgbClr val="0070C0"/>
+                </a:solidFill>
+                <a:latin typeface="Calibri" panose="020F0502020204030204" pitchFamily="34" charset="0"/>
+                <a:cs typeface="Consolas" panose="020B0609020204030204" pitchFamily="49" charset="0"/>
+              </a:rPr>
+              <a:t>Anat</a:t>
+            </a:r>
+            <a:r>
+              <a:rPr lang="en-US" altLang="he-IL" sz="1800" b="1" dirty="0" smtClean="0">
+                <a:solidFill>
+                  <a:srgbClr val="0070C0"/>
+                </a:solidFill>
+                <a:latin typeface="Calibri" panose="020F0502020204030204" pitchFamily="34" charset="0"/>
+                <a:cs typeface="Consolas" panose="020B0609020204030204" pitchFamily="49" charset="0"/>
+              </a:rPr>
+              <a:t> </a:t>
+            </a:r>
+            <a:r>
+              <a:rPr lang="en-US" altLang="he-IL" sz="1800" b="1" dirty="0" err="1" smtClean="0">
+                <a:solidFill>
+                  <a:srgbClr val="0070C0"/>
+                </a:solidFill>
+                <a:latin typeface="Calibri" panose="020F0502020204030204" pitchFamily="34" charset="0"/>
+                <a:cs typeface="Consolas" panose="020B0609020204030204" pitchFamily="49" charset="0"/>
+              </a:rPr>
+              <a:t>Karuskopf</a:t>
+            </a:r>
+            <a:r>
+              <a:rPr lang="en-US" altLang="he-IL" sz="1800" b="1" dirty="0" smtClean="0">
+                <a:solidFill>
+                  <a:srgbClr val="0070C0"/>
+                </a:solidFill>
+                <a:latin typeface="Calibri" panose="020F0502020204030204" pitchFamily="34" charset="0"/>
+                <a:cs typeface="Consolas" panose="020B0609020204030204" pitchFamily="49" charset="0"/>
+              </a:rPr>
+              <a:t> Fund</a:t>
+            </a:r>
+            <a:endParaRPr lang="en-US" altLang="he-IL" sz="1800" b="1" dirty="0">
+              <a:solidFill>
+                <a:srgbClr val="0070C0"/>
+              </a:solidFill>
+              <a:latin typeface="Calibri" panose="020F0502020204030204" pitchFamily="34" charset="0"/>
+              <a:cs typeface="Consolas" panose="020B0609020204030204" pitchFamily="49" charset="0"/>
+            </a:endParaRPr>
+          </a:p>
+        </p:txBody>
+      </p:sp>
     </p:spTree>
   </p:cSld>
   <p:clrMapOvr>

--- a/poster.pptx
+++ b/poster.pptx
@@ -4194,8 +4194,8 @@
           <a:chExt cx="0" cy="0"/>
         </a:xfrm>
       </p:grpSpPr>
-      <mc:AlternateContent xmlns:mc="http://schemas.openxmlformats.org/markup-compatibility/2006" xmlns:a14="http://schemas.microsoft.com/office/drawing/2010/main">
-        <mc:Choice Requires="a14">
+      <mc:AlternateContent xmlns:mc="http://schemas.openxmlformats.org/markup-compatibility/2006">
+        <mc:Choice xmlns:a14="http://schemas.microsoft.com/office/drawing/2010/main" Requires="a14">
           <p:sp>
             <p:nvSpPr>
               <p:cNvPr id="51" name="Text Box 11"/>
@@ -4393,6 +4393,9 @@
                 </a:pPr>
                 <a:r>
                   <a:rPr lang="en-US" altLang="he-IL" b="1" dirty="0" smtClean="0">
+                    <a:solidFill>
+                      <a:srgbClr val="3B7EB5"/>
+                    </a:solidFill>
                     <a:latin typeface="Calibri" panose="020F0502020204030204" pitchFamily="34" charset="0"/>
                   </a:rPr>
                   <a:t>Classical population genetics.</a:t>
@@ -4425,7 +4428,13 @@
                   <a:rPr lang="en-US" altLang="he-IL" sz="2500" dirty="0" smtClean="0">
                     <a:latin typeface="Times New Roman" pitchFamily="18" charset="0"/>
                   </a:rPr>
-                  <a:t> the frequency of the red strain </a:t>
+                  <a:t> the frequency of the </a:t>
+                </a:r>
+                <a:r>
+                  <a:rPr lang="en-US" altLang="he-IL" sz="2500" dirty="0" smtClean="0">
+                    <a:latin typeface="Times New Roman" pitchFamily="18" charset="0"/>
+                  </a:rPr>
+                  <a:t>advantageous strain </a:t>
                 </a:r>
                 <a14:m>
                   <m:oMath xmlns:m="http://schemas.openxmlformats.org/officeDocument/2006/math">
@@ -4635,9 +4644,18 @@
                               </m:r>
                               <m:r>
                                 <a:rPr lang="en-US" altLang="he-IL" sz="3600" b="0" i="1" smtClean="0">
+                                  <a:solidFill>
+                                    <a:srgbClr val="3B7EB5"/>
+                                  </a:solidFill>
                                   <a:latin typeface="Cambria Math"/>
                                 </a:rPr>
-                                <m:t>𝑠𝑡</m:t>
+                                <m:t>𝑠</m:t>
+                              </m:r>
+                              <m:r>
+                                <a:rPr lang="en-US" altLang="he-IL" sz="3600" b="0" i="1" smtClean="0">
+                                  <a:latin typeface="Cambria Math"/>
+                                </a:rPr>
+                                <m:t>𝑡</m:t>
                               </m:r>
                             </m:sup>
                           </m:sSup>
@@ -4717,6 +4735,9 @@
                   <m:oMath xmlns:m="http://schemas.openxmlformats.org/officeDocument/2006/math">
                     <m:r>
                       <a:rPr lang="en-US" altLang="he-IL" sz="2500" b="0" i="1" smtClean="0">
+                        <a:solidFill>
+                          <a:srgbClr val="3B7EB5"/>
+                        </a:solidFill>
                         <a:latin typeface="Cambria Math"/>
                       </a:rPr>
                       <m:t>𝑠</m:t>
@@ -4727,8 +4748,35 @@
                   <a:rPr lang="en-US" altLang="he-IL" sz="2500" dirty="0" smtClean="0">
                     <a:latin typeface="Times New Roman" pitchFamily="18" charset="0"/>
                   </a:rPr>
-                  <a:t> is the selection coefficient of the red strain.</a:t>
+                  <a:t> is the </a:t>
                 </a:r>
+                <a:r>
+                  <a:rPr lang="en-US" altLang="he-IL" sz="2500" dirty="0" smtClean="0">
+                    <a:solidFill>
+                      <a:srgbClr val="3B7EB5"/>
+                    </a:solidFill>
+                    <a:latin typeface="Times New Roman" pitchFamily="18" charset="0"/>
+                  </a:rPr>
+                  <a:t>selection </a:t>
+                </a:r>
+                <a:r>
+                  <a:rPr lang="en-US" altLang="he-IL" sz="2500" dirty="0" smtClean="0">
+                    <a:solidFill>
+                      <a:srgbClr val="3B7EB5"/>
+                    </a:solidFill>
+                    <a:latin typeface="Times New Roman" pitchFamily="18" charset="0"/>
+                  </a:rPr>
+                  <a:t>coefficient </a:t>
+                </a:r>
+                <a:r>
+                  <a:rPr lang="en-US" altLang="he-IL" sz="2500" dirty="0" smtClean="0">
+                    <a:latin typeface="Times New Roman" pitchFamily="18" charset="0"/>
+                  </a:rPr>
+                  <a:t>of the advantageous strain.</a:t>
+                </a:r>
+                <a:endParaRPr lang="en-US" altLang="he-IL" sz="2500" dirty="0" smtClean="0">
+                  <a:latin typeface="Times New Roman" pitchFamily="18" charset="0"/>
+                </a:endParaRPr>
               </a:p>
               <a:p>
                 <a:pPr indent="180000" eaLnBrk="1" hangingPunct="1">
@@ -4748,18 +4796,27 @@
                 </a:pPr>
                 <a:r>
                   <a:rPr lang="en-US" altLang="he-IL" b="1" dirty="0" smtClean="0">
+                    <a:solidFill>
+                      <a:srgbClr val="3B7EB5"/>
+                    </a:solidFill>
                     <a:latin typeface="Calibri" panose="020F0502020204030204" pitchFamily="34" charset="0"/>
                   </a:rPr>
                   <a:t>Effective </a:t>
                 </a:r>
                 <a:r>
                   <a:rPr lang="en-US" altLang="he-IL" b="1" dirty="0">
+                    <a:solidFill>
+                      <a:srgbClr val="3B7EB5"/>
+                    </a:solidFill>
                     <a:latin typeface="Calibri" panose="020F0502020204030204" pitchFamily="34" charset="0"/>
                   </a:rPr>
                   <a:t>selection </a:t>
                 </a:r>
                 <a:r>
                   <a:rPr lang="en-US" altLang="he-IL" b="1" dirty="0" smtClean="0">
+                    <a:solidFill>
+                      <a:srgbClr val="3B7EB5"/>
+                    </a:solidFill>
                     <a:latin typeface="Calibri" panose="020F0502020204030204" pitchFamily="34" charset="0"/>
                   </a:rPr>
                   <a:t>coefficient. </a:t>
@@ -4768,7 +4825,19 @@
                   <a:rPr lang="en-US" altLang="he-IL" sz="2500" dirty="0" smtClean="0">
                     <a:latin typeface="Times New Roman" pitchFamily="18" charset="0"/>
                   </a:rPr>
-                  <a:t>We fit the above  equation to the frequency of the red strain in the competition simulation. </a:t>
+                  <a:t>We fit the above  equation to the frequency of the </a:t>
+                </a:r>
+                <a:r>
+                  <a:rPr lang="en-US" altLang="he-IL" sz="2500" dirty="0" smtClean="0">
+                    <a:latin typeface="Times New Roman" pitchFamily="18" charset="0"/>
+                  </a:rPr>
+                  <a:t>advantageous strain </a:t>
+                </a:r>
+                <a:r>
+                  <a:rPr lang="en-US" altLang="he-IL" sz="2500" dirty="0" smtClean="0">
+                    <a:latin typeface="Times New Roman" pitchFamily="18" charset="0"/>
+                  </a:rPr>
+                  <a:t>in the competition simulation. </a:t>
                 </a:r>
               </a:p>
               <a:p>
@@ -4801,6 +4870,9 @@
                 </a:r>
                 <a:r>
                   <a:rPr lang="en-US" altLang="he-IL" sz="2500" i="1" dirty="0" smtClean="0">
+                    <a:solidFill>
+                      <a:srgbClr val="3B7EB5"/>
+                    </a:solidFill>
                     <a:latin typeface="Times New Roman" pitchFamily="18" charset="0"/>
                   </a:rPr>
                   <a:t>effective selection coefficient </a:t>
@@ -4809,7 +4881,19 @@
                   <a:rPr lang="en-US" altLang="he-IL" sz="2500" dirty="0" smtClean="0">
                     <a:latin typeface="Times New Roman" pitchFamily="18" charset="0"/>
                   </a:rPr>
-                  <a:t>of the red strain: the selection coefficient that would cause similar change in frequency </a:t>
+                  <a:t>of the </a:t>
+                </a:r>
+                <a:r>
+                  <a:rPr lang="en-US" altLang="he-IL" sz="2500" dirty="0">
+                    <a:latin typeface="Times New Roman" pitchFamily="18" charset="0"/>
+                  </a:rPr>
+                  <a:t>advantageous strain</a:t>
+                </a:r>
+                <a:r>
+                  <a:rPr lang="en-US" altLang="he-IL" sz="2500" dirty="0" smtClean="0">
+                    <a:latin typeface="Times New Roman" pitchFamily="18" charset="0"/>
+                  </a:rPr>
+                  <a:t>: the selection coefficient that would cause similar change in frequency </a:t>
                 </a:r>
                 <a:r>
                   <a:rPr lang="en-US" altLang="he-IL" sz="2500" dirty="0">
@@ -5007,7 +5091,7 @@
             </p:txBody>
           </p:sp>
         </mc:Choice>
-        <mc:Fallback xmlns="">
+        <mc:Fallback>
           <p:sp>
             <p:nvSpPr>
               <p:cNvPr id="51" name="Text Box 11"/>
@@ -5056,7 +5140,7 @@
       </mc:AlternateContent>
       <p:pic>
         <p:nvPicPr>
-          <p:cNvPr id="25" name="Picture 6" descr="D:\university\presentations\GRC 2015\frequency_fit.png"/>
+          <p:cNvPr id="1034" name="Picture 10" descr="D:\university\presentations\GRC 2015\frequency_fit_poster.png"/>
           <p:cNvPicPr>
             <a:picLocks noChangeAspect="1" noChangeArrowheads="1"/>
           </p:cNvPicPr>
@@ -5078,7 +5162,7 @@
         <p:spPr bwMode="auto">
           <a:xfrm>
             <a:off x="11304000" y="28623600"/>
-            <a:ext cx="7748588" cy="5310188"/>
+            <a:ext cx="7748587" cy="5297487"/>
           </a:xfrm>
           <a:prstGeom prst="rect">
             <a:avLst/>
@@ -5095,8 +5179,8 @@
           </a:extLst>
         </p:spPr>
       </p:pic>
-      <mc:AlternateContent xmlns:mc="http://schemas.openxmlformats.org/markup-compatibility/2006" xmlns:a14="http://schemas.microsoft.com/office/drawing/2010/main">
-        <mc:Choice Requires="a14">
+      <mc:AlternateContent xmlns:mc="http://schemas.openxmlformats.org/markup-compatibility/2006">
+        <mc:Choice xmlns:a14="http://schemas.microsoft.com/office/drawing/2010/main" Requires="a14">
           <p:sp>
             <p:nvSpPr>
               <p:cNvPr id="14340" name="Text Box 11"/>
@@ -5273,7 +5357,7 @@
                 <a:r>
                   <a:rPr lang="en-US" altLang="he-IL" sz="4200" b="1" dirty="0">
                     <a:solidFill>
-                      <a:srgbClr val="59A754"/>
+                      <a:srgbClr val="3B7EB5"/>
                     </a:solidFill>
                     <a:latin typeface="Calibri" pitchFamily="34" charset="0"/>
                   </a:rPr>
@@ -5288,6 +5372,9 @@
                 </a:pPr>
                 <a:r>
                   <a:rPr lang="en-US" b="1" dirty="0">
+                    <a:solidFill>
+                      <a:srgbClr val="3B7EB5"/>
+                    </a:solidFill>
                     <a:latin typeface="Calibri" panose="020F0502020204030204" pitchFamily="34" charset="0"/>
                   </a:rPr>
                   <a:t>Data. </a:t>
@@ -5317,7 +5404,7 @@
                     </a:solidFill>
                     <a:latin typeface="Times New Roman"/>
                   </a:rPr>
-                  <a:t>of two different </a:t>
+                  <a:t>of two </a:t>
                 </a:r>
                 <a:r>
                   <a:rPr lang="en-US" sz="2500" i="1" dirty="0" smtClean="0">
@@ -5326,7 +5413,16 @@
                     </a:solidFill>
                     <a:latin typeface="Times New Roman"/>
                   </a:rPr>
-                  <a:t>E. coli </a:t>
+                  <a:t>E</a:t>
+                </a:r>
+                <a:r>
+                  <a:rPr lang="en-US" sz="2500" i="1" dirty="0" smtClean="0">
+                    <a:solidFill>
+                      <a:srgbClr val="000000"/>
+                    </a:solidFill>
+                    <a:latin typeface="Times New Roman"/>
+                  </a:rPr>
+                  <a:t>. coli </a:t>
                 </a:r>
                 <a:r>
                   <a:rPr lang="en-US" sz="2500" dirty="0" smtClean="0">
@@ -5465,9 +5561,18 @@
                 <a:pPr indent="180000"/>
                 <a:r>
                   <a:rPr lang="en-US" b="1" dirty="0">
+                    <a:solidFill>
+                      <a:srgbClr val="3B7EB5"/>
+                    </a:solidFill>
                     <a:latin typeface="Calibri" panose="020F0502020204030204" pitchFamily="34" charset="0"/>
                   </a:rPr>
-                  <a:t>Model fitting. </a:t>
+                  <a:t>Model fitting.</a:t>
+                </a:r>
+                <a:r>
+                  <a:rPr lang="en-US" b="1" dirty="0">
+                    <a:latin typeface="Calibri" panose="020F0502020204030204" pitchFamily="34" charset="0"/>
+                  </a:rPr>
+                  <a:t> </a:t>
                 </a:r>
                 <a:r>
                   <a:rPr lang="en-US" sz="2500" dirty="0" smtClean="0">
@@ -5476,13 +5581,13 @@
                   <a:t>We fit the </a:t>
                 </a:r>
                 <a:r>
-                  <a:rPr lang="en-US" sz="2500" b="1" dirty="0" err="1" smtClean="0">
+                  <a:rPr lang="en-US" sz="2500" dirty="0" err="1" smtClean="0">
                     <a:latin typeface="Times New Roman" pitchFamily="18" charset="0"/>
                   </a:rPr>
                   <a:t>Baranyi</a:t>
                 </a:r>
                 <a:r>
-                  <a:rPr lang="en-US" sz="2500" b="1" dirty="0" smtClean="0">
+                  <a:rPr lang="en-US" sz="2500" dirty="0" smtClean="0">
                     <a:latin typeface="Times New Roman" pitchFamily="18" charset="0"/>
                   </a:rPr>
                   <a:t>-Roberts growth model</a:t>
@@ -5497,19 +5602,7 @@
                   <a:rPr lang="en-US" sz="2500" dirty="0" smtClean="0">
                     <a:latin typeface="Times New Roman" pitchFamily="18" charset="0"/>
                   </a:rPr>
-                  <a:t>,</a:t>
-                </a:r>
-                <a:r>
-                  <a:rPr lang="en-US" sz="2500" b="1" dirty="0" smtClean="0">
-                    <a:latin typeface="Times New Roman" pitchFamily="18" charset="0"/>
-                  </a:rPr>
-                  <a:t> </a:t>
-                </a:r>
-                <a:r>
-                  <a:rPr lang="en-US" sz="2500" dirty="0" smtClean="0">
-                    <a:latin typeface="Times New Roman" pitchFamily="18" charset="0"/>
-                  </a:rPr>
-                  <a:t>an extension of </a:t>
+                  <a:t>, an extension of </a:t>
                 </a:r>
                 <a:r>
                   <a:rPr lang="en-US" sz="2500" dirty="0">
@@ -6124,7 +6217,7 @@
             </p:txBody>
           </p:sp>
         </mc:Choice>
-        <mc:Fallback xmlns="">
+        <mc:Fallback>
           <p:sp>
             <p:nvSpPr>
               <p:cNvPr id="14340" name="Text Box 11"/>
@@ -6171,47 +6264,6 @@
           </p:sp>
         </mc:Fallback>
       </mc:AlternateContent>
-      <p:pic>
-        <p:nvPicPr>
-          <p:cNvPr id="16" name="Picture 4" descr="D:\university\presentations\GRC 2015\model_fits.png"/>
-          <p:cNvPicPr>
-            <a:picLocks noChangeAspect="1" noChangeArrowheads="1"/>
-          </p:cNvPicPr>
-          <p:nvPr/>
-        </p:nvPicPr>
-        <p:blipFill>
-          <a:blip r:embed="rId7">
-            <a:extLst>
-              <a:ext uri="{28A0092B-C50C-407E-A947-70E740481C1C}">
-                <a14:useLocalDpi xmlns:a14="http://schemas.microsoft.com/office/drawing/2010/main" val="0"/>
-              </a:ext>
-            </a:extLst>
-          </a:blip>
-          <a:srcRect/>
-          <a:stretch>
-            <a:fillRect/>
-          </a:stretch>
-        </p:blipFill>
-        <p:spPr bwMode="auto">
-          <a:xfrm>
-            <a:off x="1630800" y="25887832"/>
-            <a:ext cx="7748588" cy="5297488"/>
-          </a:xfrm>
-          <a:prstGeom prst="rect">
-            <a:avLst/>
-          </a:prstGeom>
-          <a:noFill/>
-          <a:extLst>
-            <a:ext uri="{909E8E84-426E-40DD-AFC4-6F175D3DCCD1}">
-              <a14:hiddenFill xmlns:a14="http://schemas.microsoft.com/office/drawing/2010/main">
-                <a:solidFill>
-                  <a:srgbClr val="FFFFFF"/>
-                </a:solidFill>
-              </a14:hiddenFill>
-            </a:ext>
-          </a:extLst>
-        </p:spPr>
-      </p:pic>
       <p:sp>
         <p:nvSpPr>
           <p:cNvPr id="14343" name="Text Box 13"/>
@@ -6222,7 +6274,7 @@
         </p:nvSpPr>
         <p:spPr bwMode="auto">
           <a:xfrm>
-            <a:off x="20610513" y="7550150"/>
+            <a:off x="20530800" y="7550150"/>
             <a:ext cx="8458200" cy="21812812"/>
           </a:xfrm>
           <a:prstGeom prst="rect">
@@ -6385,7 +6437,7 @@
             <a:r>
               <a:rPr lang="en-US" altLang="he-IL" sz="4200" b="1" dirty="0" smtClean="0">
                 <a:solidFill>
-                  <a:srgbClr val="E02829"/>
+                  <a:srgbClr val="3B7EB5"/>
                 </a:solidFill>
                 <a:latin typeface="Calibri" pitchFamily="34" charset="0"/>
               </a:rPr>
@@ -6393,7 +6445,7 @@
             </a:r>
             <a:endParaRPr lang="en-US" altLang="he-IL" sz="4200" b="1" dirty="0">
               <a:solidFill>
-                <a:srgbClr val="E02829"/>
+                <a:srgbClr val="3B7EB5"/>
               </a:solidFill>
               <a:latin typeface="Calibri" pitchFamily="34" charset="0"/>
             </a:endParaRPr>
@@ -6406,9 +6458,18 @@
             </a:pPr>
             <a:r>
               <a:rPr lang="en-US" altLang="he-IL" b="1" dirty="0">
+                <a:solidFill>
+                  <a:srgbClr val="3B7EB5"/>
+                </a:solidFill>
                 <a:latin typeface="Calibri" panose="020F0502020204030204" pitchFamily="34" charset="0"/>
               </a:rPr>
-              <a:t>Experimental Design. </a:t>
+              <a:t>Experimental Design.</a:t>
+            </a:r>
+            <a:r>
+              <a:rPr lang="en-US" altLang="he-IL" b="1" dirty="0">
+                <a:latin typeface="Calibri" panose="020F0502020204030204" pitchFamily="34" charset="0"/>
+              </a:rPr>
+              <a:t> </a:t>
             </a:r>
             <a:r>
               <a:rPr lang="en-US" altLang="he-IL" sz="2500" dirty="0" smtClean="0">
@@ -6857,12 +6918,18 @@
             </a:pPr>
             <a:r>
               <a:rPr lang="en-US" altLang="he-IL" b="1" dirty="0" smtClean="0">
+                <a:solidFill>
+                  <a:srgbClr val="3B7EB5"/>
+                </a:solidFill>
                 <a:latin typeface="Calibri" panose="020F0502020204030204" pitchFamily="34" charset="0"/>
               </a:rPr>
               <a:t>Results</a:t>
             </a:r>
             <a:r>
               <a:rPr lang="en-US" altLang="he-IL" b="1" dirty="0">
+                <a:solidFill>
+                  <a:srgbClr val="3B7EB5"/>
+                </a:solidFill>
                 <a:latin typeface="Calibri" panose="020F0502020204030204" pitchFamily="34" charset="0"/>
               </a:rPr>
               <a:t>.</a:t>
@@ -6885,7 +6952,7 @@
           <p:nvPr/>
         </p:nvPicPr>
         <p:blipFill>
-          <a:blip r:embed="rId8">
+          <a:blip r:embed="rId7">
             <a:extLst>
               <a:ext uri="{28A0092B-C50C-407E-A947-70E740481C1C}">
                 <a14:useLocalDpi xmlns:a14="http://schemas.microsoft.com/office/drawing/2010/main" val="0"/>
@@ -7076,7 +7143,7 @@
         </p:nvSpPr>
         <p:spPr bwMode="auto">
           <a:xfrm>
-            <a:off x="10955768" y="35783839"/>
+            <a:off x="10944000" y="35783839"/>
             <a:ext cx="8458924" cy="6113056"/>
           </a:xfrm>
           <a:prstGeom prst="rect">
@@ -7391,7 +7458,7 @@
             <a:r>
               <a:rPr lang="en-US" altLang="he-IL" sz="4200" b="1" dirty="0">
                 <a:solidFill>
-                  <a:srgbClr val="59A754"/>
+                  <a:srgbClr val="3B7EB5"/>
                 </a:solidFill>
                 <a:latin typeface="Calibri" pitchFamily="34" charset="0"/>
               </a:rPr>
@@ -7420,6 +7487,9 @@
             </a:r>
             <a:r>
               <a:rPr lang="en-US" sz="2500" b="1" dirty="0">
+                <a:solidFill>
+                  <a:srgbClr val="3B7EB5"/>
+                </a:solidFill>
                 <a:latin typeface="+mn-lt"/>
               </a:rPr>
               <a:t>growth curves </a:t>
@@ -7470,7 +7540,10 @@
               <a:t>use </a:t>
             </a:r>
             <a:r>
-              <a:rPr lang="en-US" sz="2500" b="1" dirty="0" smtClean="0">
+              <a:rPr lang="en-US" sz="2500" b="1" dirty="0">
+                <a:solidFill>
+                  <a:srgbClr val="3B7EB5"/>
+                </a:solidFill>
                 <a:latin typeface="+mn-lt"/>
               </a:rPr>
               <a:t>selection coefficients </a:t>
@@ -7509,40 +7582,49 @@
               <a:t>The </a:t>
             </a:r>
             <a:r>
-              <a:rPr lang="en-US" sz="2500">
-                <a:latin typeface="+mn-lt"/>
-              </a:rPr>
-              <a:t>only </a:t>
-            </a:r>
-            <a:r>
-              <a:rPr lang="en-US" sz="2500" smtClean="0">
-                <a:latin typeface="+mn-lt"/>
-              </a:rPr>
-              <a:t>bridge </a:t>
-            </a:r>
-            <a:r>
               <a:rPr lang="en-US" sz="2500" dirty="0">
                 <a:latin typeface="+mn-lt"/>
               </a:rPr>
-              <a:t>between experiments and </a:t>
+              <a:t>only </a:t>
             </a:r>
             <a:r>
               <a:rPr lang="en-US" sz="2500" dirty="0" smtClean="0">
                 <a:latin typeface="+mn-lt"/>
               </a:rPr>
-              <a:t>theory, </a:t>
-            </a:r>
-            <a:r>
-              <a:rPr lang="en-US" sz="2500" b="1" dirty="0" smtClean="0">
+              <a:t>bridge </a:t>
+            </a:r>
+            <a:r>
+              <a:rPr lang="en-US" sz="2500" dirty="0">
                 <a:latin typeface="+mn-lt"/>
               </a:rPr>
-              <a:t>competition assays</a:t>
+              <a:t>between experiments and </a:t>
             </a:r>
             <a:r>
               <a:rPr lang="en-US" sz="2500" dirty="0" smtClean="0">
                 <a:latin typeface="+mn-lt"/>
               </a:rPr>
-              <a:t>, are </a:t>
+              <a:t>theory, </a:t>
+            </a:r>
+            <a:r>
+              <a:rPr lang="en-US" sz="2500" b="1" dirty="0">
+                <a:solidFill>
+                  <a:srgbClr val="3B7EB5"/>
+                </a:solidFill>
+                <a:latin typeface="+mn-lt"/>
+              </a:rPr>
+              <a:t>competition assays</a:t>
+            </a:r>
+            <a:r>
+              <a:rPr lang="en-US" sz="2500" b="1" dirty="0">
+                <a:latin typeface="+mn-lt"/>
+              </a:rPr>
+              <a:t>,</a:t>
+            </a:r>
+            <a:r>
+              <a:rPr lang="en-US" sz="2500" dirty="0" smtClean="0">
+                <a:latin typeface="+mn-lt"/>
+              </a:rPr>
+              <a:t> are </a:t>
             </a:r>
             <a:r>
               <a:rPr lang="en-US" sz="2500" dirty="0">
@@ -7573,6 +7655,9 @@
             </a:r>
             <a:r>
               <a:rPr lang="en-US" sz="2500" b="1" dirty="0" smtClean="0">
+                <a:solidFill>
+                  <a:srgbClr val="3B7EB5"/>
+                </a:solidFill>
                 <a:latin typeface="+mn-lt"/>
               </a:rPr>
               <a:t>alternative method </a:t>
@@ -7611,7 +7696,7 @@
         </p:nvSpPr>
         <p:spPr bwMode="auto">
           <a:xfrm>
-            <a:off x="11012977" y="35853029"/>
+            <a:off x="11096104" y="35853029"/>
             <a:ext cx="7409527" cy="3242478"/>
           </a:xfrm>
           <a:prstGeom prst="rect">
@@ -7918,8 +8003,8 @@
           </a:p>
         </p:txBody>
       </p:sp>
-      <mc:AlternateContent xmlns:mc="http://schemas.openxmlformats.org/markup-compatibility/2006" xmlns:a14="http://schemas.microsoft.com/office/drawing/2010/main">
-        <mc:Choice Requires="a14">
+      <mc:AlternateContent xmlns:mc="http://schemas.openxmlformats.org/markup-compatibility/2006">
+        <mc:Choice xmlns:a14="http://schemas.microsoft.com/office/drawing/2010/main" Requires="a14">
           <p:sp>
             <p:nvSpPr>
               <p:cNvPr id="14342" name="Text Box 12"/>
@@ -8094,7 +8179,7 @@
                   </a:tabLst>
                 </a:pPr>
                 <a:r>
-                  <a:rPr lang="en-US" altLang="he-IL" sz="4200" b="1" dirty="0">
+                  <a:rPr lang="en-US" altLang="he-IL" sz="4200" b="1" dirty="0" smtClean="0">
                     <a:solidFill>
                       <a:srgbClr val="3B7EB5"/>
                     </a:solidFill>
@@ -8129,15 +8214,27 @@
                 </a:r>
                 <a:r>
                   <a:rPr lang="en-US" sz="2500" b="1" dirty="0" smtClean="0">
+                    <a:solidFill>
+                      <a:srgbClr val="3B7EB5"/>
+                    </a:solidFill>
                     <a:latin typeface="+mn-lt"/>
                   </a:rPr>
                   <a:t>two-species </a:t>
                 </a:r>
                 <a:r>
                   <a:rPr lang="en-US" sz="2500" b="1" dirty="0">
+                    <a:solidFill>
+                      <a:srgbClr val="3B7EB5"/>
+                    </a:solidFill>
                     <a:latin typeface="+mn-lt"/>
                   </a:rPr>
-                  <a:t>ordinary differential equation </a:t>
+                  <a:t>ordinary differential equation</a:t>
+                </a:r>
+                <a:r>
+                  <a:rPr lang="en-US" sz="2500" b="1" dirty="0">
+                    <a:latin typeface="+mn-lt"/>
+                  </a:rPr>
+                  <a:t> </a:t>
                 </a:r>
                 <a:r>
                   <a:rPr lang="en-US" sz="2500" dirty="0">
@@ -8153,6 +8250,9 @@
                 </a:r>
                 <a:r>
                   <a:rPr lang="en-US" sz="2500" b="1" dirty="0">
+                    <a:solidFill>
+                      <a:srgbClr val="3B7EB5"/>
+                    </a:solidFill>
                     <a:latin typeface="+mn-lt"/>
                   </a:rPr>
                   <a:t>resource competition</a:t>
@@ -8434,7 +8534,7 @@
                                       <m:sSub>
                                         <m:sSubPr>
                                           <m:ctrlPr>
-                                            <a:rPr lang="en-US" altLang="he-IL" sz="3200" i="1">
+                                            <a:rPr lang="en-US" altLang="he-IL" sz="3200" i="1" smtClean="0">
                                               <a:latin typeface="Cambria Math"/>
                                             </a:rPr>
                                           </m:ctrlPr>
@@ -8449,13 +8549,10 @@
                                         </m:e>
                                         <m:sub>
                                           <m:r>
-                                            <a:rPr lang="en-US" altLang="he-IL" sz="3200" i="1" smtClean="0">
-                                              <a:solidFill>
-                                                <a:srgbClr val="59A754"/>
-                                              </a:solidFill>
+                                            <a:rPr lang="en-US" altLang="he-IL" sz="3200" b="0" i="1" smtClean="0">
                                               <a:latin typeface="Cambria Math"/>
                                             </a:rPr>
-                                            <m:t>𝐺</m:t>
+                                            <m:t>1</m:t>
                                           </m:r>
                                         </m:sub>
                                       </m:sSub>
@@ -8483,13 +8580,13 @@
                                         </m:e>
                                         <m:sub>
                                           <m:r>
-                                            <a:rPr lang="en-US" altLang="he-IL" sz="3200" i="1" smtClean="0">
+                                            <a:rPr lang="en-US" altLang="he-IL" sz="3200" b="0" i="1" smtClean="0">
                                               <a:solidFill>
-                                                <a:srgbClr val="E02829"/>
+                                                <a:schemeClr val="tx2"/>
                                               </a:solidFill>
                                               <a:latin typeface="Cambria Math"/>
                                             </a:rPr>
-                                            <m:t>𝑅</m:t>
+                                            <m:t>2</m:t>
                                           </m:r>
                                         </m:sub>
                                       </m:sSub>
@@ -8575,7 +8672,7 @@
             </p:txBody>
           </p:sp>
         </mc:Choice>
-        <mc:Fallback xmlns="">
+        <mc:Fallback>
           <p:sp>
             <p:nvSpPr>
               <p:cNvPr id="14342" name="Text Box 12"/>
@@ -8593,7 +8690,7 @@
                 <a:avLst/>
               </a:prstGeom>
               <a:blipFill rotWithShape="1">
-                <a:blip r:embed="rId9"/>
+                <a:blip r:embed="rId8"/>
                 <a:stretch>
                   <a:fillRect/>
                 </a:stretch>
@@ -9182,7 +9279,7 @@
             <a:avLst/>
           </a:prstGeom>
           <a:solidFill>
-            <a:srgbClr val="59A754"/>
+            <a:srgbClr val="3B7EB5"/>
           </a:solidFill>
           <a:ln>
             <a:noFill/>
@@ -9278,7 +9375,7 @@
             <a:avLst/>
           </a:prstGeom>
           <a:solidFill>
-            <a:srgbClr val="E02829"/>
+            <a:srgbClr val="3B7EB5"/>
           </a:solidFill>
           <a:ln>
             <a:noFill/>
@@ -9326,7 +9423,7 @@
             <a:avLst/>
           </a:prstGeom>
           <a:solidFill>
-            <a:srgbClr val="59A754"/>
+            <a:srgbClr val="3B7EB5"/>
           </a:solidFill>
           <a:ln>
             <a:noFill/>
@@ -9422,7 +9519,7 @@
             <a:avLst/>
           </a:prstGeom>
           <a:solidFill>
-            <a:srgbClr val="E02829"/>
+            <a:srgbClr val="3B7EB5"/>
           </a:solidFill>
           <a:ln>
             <a:noFill/>
@@ -9470,7 +9567,7 @@
             <a:avLst/>
           </a:prstGeom>
           <a:solidFill>
-            <a:srgbClr val="59A754"/>
+            <a:srgbClr val="3B7EB5"/>
           </a:solidFill>
           <a:ln>
             <a:noFill/>
@@ -9566,7 +9663,7 @@
             <a:avLst/>
           </a:prstGeom>
           <a:solidFill>
-            <a:srgbClr val="E02829"/>
+            <a:srgbClr val="3B7EB5"/>
           </a:solidFill>
           <a:ln>
             <a:noFill/>
@@ -9608,7 +9705,7 @@
           <p:nvPr/>
         </p:nvPicPr>
         <p:blipFill>
-          <a:blip r:embed="rId10">
+          <a:blip r:embed="rId9">
             <a:extLst>
               <a:ext uri="{28A0092B-C50C-407E-A947-70E740481C1C}">
                 <a14:useLocalDpi xmlns:a14="http://schemas.microsoft.com/office/drawing/2010/main" val="0"/>
@@ -9662,7 +9759,7 @@
           <p:nvPr/>
         </p:nvPicPr>
         <p:blipFill>
-          <a:blip r:embed="rId11">
+          <a:blip r:embed="rId10">
             <a:extLst>
               <a:ext uri="{28A0092B-C50C-407E-A947-70E740481C1C}">
                 <a14:useLocalDpi xmlns:a14="http://schemas.microsoft.com/office/drawing/2010/main" val="0"/>
@@ -9740,7 +9837,7 @@
               <p:nvPr/>
             </p:nvPicPr>
             <p:blipFill>
-              <a:blip r:embed="rId12">
+              <a:blip r:embed="rId11">
                 <a:extLst>
                   <a:ext uri="{28A0092B-C50C-407E-A947-70E740481C1C}">
                     <a14:useLocalDpi xmlns:a14="http://schemas.microsoft.com/office/drawing/2010/main" val="0"/>
@@ -9804,7 +9901,7 @@
               <p:nvPr/>
             </p:nvPicPr>
             <p:blipFill>
-              <a:blip r:embed="rId13">
+              <a:blip r:embed="rId12">
                 <a:extLst>
                   <a:ext uri="{28A0092B-C50C-407E-A947-70E740481C1C}">
                     <a14:useLocalDpi xmlns:a14="http://schemas.microsoft.com/office/drawing/2010/main" val="0"/>
@@ -9868,7 +9965,7 @@
               <p:nvPr/>
             </p:nvPicPr>
             <p:blipFill>
-              <a:blip r:embed="rId14">
+              <a:blip r:embed="rId13">
                 <a:extLst>
                   <a:ext uri="{28A0092B-C50C-407E-A947-70E740481C1C}">
                     <a14:useLocalDpi xmlns:a14="http://schemas.microsoft.com/office/drawing/2010/main" val="0"/>
@@ -9965,7 +10062,7 @@
                 <a:pPr algn="l" rtl="0"/>
                 <a:r>
                   <a:rPr lang="en-US" sz="3200" b="1" dirty="0" smtClean="0"/>
-                  <a:t>@</a:t>
+                  <a:t>github.com/</a:t>
                 </a:r>
                 <a:r>
                   <a:rPr lang="en-US" sz="3200" b="1" dirty="0" err="1" smtClean="0"/>
@@ -10028,7 +10125,7 @@
           <p:nvPr/>
         </p:nvPicPr>
         <p:blipFill>
-          <a:blip r:embed="rId15">
+          <a:blip r:embed="rId14">
             <a:extLst>
               <a:ext uri="{28A0092B-C50C-407E-A947-70E740481C1C}">
                 <a14:useLocalDpi xmlns:a14="http://schemas.microsoft.com/office/drawing/2010/main" val="0"/>
@@ -10135,7 +10232,7 @@
           <p:nvPr/>
         </p:nvPicPr>
         <p:blipFill>
-          <a:blip r:embed="rId16">
+          <a:blip r:embed="rId15">
             <a:extLst>
               <a:ext uri="{28A0092B-C50C-407E-A947-70E740481C1C}">
                 <a14:useLocalDpi xmlns:a14="http://schemas.microsoft.com/office/drawing/2010/main" val="0"/>
@@ -10308,8 +10405,8 @@
           </a:fontRef>
         </p:style>
       </p:cxnSp>
-      <mc:AlternateContent xmlns:mc="http://schemas.openxmlformats.org/markup-compatibility/2006" xmlns:a14="http://schemas.microsoft.com/office/drawing/2010/main">
-        <mc:Choice Requires="a14">
+      <mc:AlternateContent xmlns:mc="http://schemas.openxmlformats.org/markup-compatibility/2006">
+        <mc:Choice xmlns:a14="http://schemas.microsoft.com/office/drawing/2010/main" Requires="a14">
           <p:graphicFrame>
             <p:nvGraphicFramePr>
               <p:cNvPr id="6" name="Table 5"/>
@@ -10319,7 +10416,7 @@
               <p:nvPr>
                 <p:extLst>
                   <p:ext uri="{D42A27DB-BD31-4B8C-83A1-F6EECF244321}">
-                    <p14:modId xmlns:p14="http://schemas.microsoft.com/office/powerpoint/2010/main" val="194699424"/>
+                    <p14:modId xmlns:p14="http://schemas.microsoft.com/office/powerpoint/2010/main" val="1175918882"/>
                   </p:ext>
                 </p:extLst>
               </p:nvPr>
@@ -10349,16 +10446,16 @@
                           <a:r>
                             <a:rPr lang="en-US" sz="1800" dirty="0" smtClean="0">
                               <a:solidFill>
-                                <a:srgbClr val="E02829"/>
+                                <a:schemeClr val="tx2"/>
                               </a:solidFill>
                               <a:latin typeface="Cambria Math" panose="02040503050406030204" pitchFamily="18" charset="0"/>
                               <a:ea typeface="Cambria Math" panose="02040503050406030204" pitchFamily="18" charset="0"/>
                             </a:rPr>
-                            <a:t>Red</a:t>
+                            <a:t>MG1655</a:t>
                           </a:r>
                           <a:endParaRPr lang="he-IL" sz="1800" dirty="0">
                             <a:solidFill>
-                              <a:srgbClr val="E02829"/>
+                              <a:schemeClr val="tx2"/>
                             </a:solidFill>
                             <a:latin typeface="Cambria Math" panose="02040503050406030204" pitchFamily="18" charset="0"/>
                             <a:ea typeface="Cambria Math" panose="02040503050406030204" pitchFamily="18" charset="0"/>
@@ -10376,17 +10473,17 @@
                           <a:r>
                             <a:rPr lang="en-US" sz="1800" b="1" kern="1200" dirty="0" smtClean="0">
                               <a:solidFill>
-                                <a:srgbClr val="59A754"/>
+                                <a:schemeClr val="tx2"/>
                               </a:solidFill>
                               <a:latin typeface="Cambria Math" panose="02040503050406030204" pitchFamily="18" charset="0"/>
                               <a:ea typeface="Cambria Math" panose="02040503050406030204" pitchFamily="18" charset="0"/>
                               <a:cs typeface="+mn-cs"/>
                             </a:rPr>
-                            <a:t>Green</a:t>
+                            <a:t>DH12S</a:t>
                           </a:r>
                           <a:endParaRPr lang="he-IL" sz="1800" b="1" kern="1200" dirty="0">
                             <a:solidFill>
-                              <a:srgbClr val="59A754"/>
+                              <a:schemeClr val="tx2"/>
                             </a:solidFill>
                             <a:latin typeface="Cambria Math" panose="02040503050406030204" pitchFamily="18" charset="0"/>
                             <a:ea typeface="Cambria Math" panose="02040503050406030204" pitchFamily="18" charset="0"/>
@@ -10430,7 +10527,7 @@
                               <a:latin typeface="Cambria Math" panose="02040503050406030204" pitchFamily="18" charset="0"/>
                               <a:ea typeface="Cambria Math" panose="02040503050406030204" pitchFamily="18" charset="0"/>
                             </a:rPr>
-                            <a:t>0.0979</a:t>
+                            <a:t>0.36</a:t>
                           </a:r>
                           <a:endParaRPr lang="he-IL" sz="1800" dirty="0">
                             <a:latin typeface="Cambria Math" panose="02040503050406030204" pitchFamily="18" charset="0"/>
@@ -10451,7 +10548,7 @@
                               <a:latin typeface="Cambria Math" panose="02040503050406030204" pitchFamily="18" charset="0"/>
                               <a:ea typeface="Cambria Math" panose="02040503050406030204" pitchFamily="18" charset="0"/>
                             </a:rPr>
-                            <a:t>0.0983</a:t>
+                            <a:t>0.29</a:t>
                           </a:r>
                           <a:endParaRPr lang="he-IL" sz="1800" dirty="0">
                             <a:latin typeface="Cambria Math" panose="02040503050406030204" pitchFamily="18" charset="0"/>
@@ -10525,7 +10622,7 @@
                               <a:latin typeface="Cambria Math" panose="02040503050406030204" pitchFamily="18" charset="0"/>
                               <a:ea typeface="Cambria Math" panose="02040503050406030204" pitchFamily="18" charset="0"/>
                             </a:rPr>
-                            <a:t>1.332</a:t>
+                            <a:t>0.59</a:t>
                           </a:r>
                           <a:endParaRPr lang="he-IL" sz="1800" dirty="0">
                             <a:latin typeface="Cambria Math" panose="02040503050406030204" pitchFamily="18" charset="0"/>
@@ -10546,7 +10643,7 @@
                               <a:latin typeface="Cambria Math" panose="02040503050406030204" pitchFamily="18" charset="0"/>
                               <a:ea typeface="Cambria Math" panose="02040503050406030204" pitchFamily="18" charset="0"/>
                             </a:rPr>
-                            <a:t>1.136</a:t>
+                            <a:t>0.5</a:t>
                           </a:r>
                           <a:endParaRPr lang="he-IL" sz="1800" dirty="0">
                             <a:latin typeface="Cambria Math" panose="02040503050406030204" pitchFamily="18" charset="0"/>
@@ -10599,7 +10696,7 @@
                               <a:latin typeface="Cambria Math" panose="02040503050406030204" pitchFamily="18" charset="0"/>
                               <a:ea typeface="Cambria Math" panose="02040503050406030204" pitchFamily="18" charset="0"/>
                             </a:rPr>
-                            <a:t>171.67</a:t>
+                            <a:t>745</a:t>
                           </a:r>
                           <a:endParaRPr lang="he-IL" sz="1800" dirty="0">
                             <a:latin typeface="Cambria Math" panose="02040503050406030204" pitchFamily="18" charset="0"/>
@@ -10620,7 +10717,7 @@
                               <a:latin typeface="Cambria Math" panose="02040503050406030204" pitchFamily="18" charset="0"/>
                               <a:ea typeface="Cambria Math" panose="02040503050406030204" pitchFamily="18" charset="0"/>
                             </a:rPr>
-                            <a:t>0.174</a:t>
+                            <a:t>956</a:t>
                           </a:r>
                           <a:endParaRPr lang="he-IL" sz="1800" dirty="0">
                             <a:latin typeface="Cambria Math" panose="02040503050406030204" pitchFamily="18" charset="0"/>
@@ -10673,7 +10770,7 @@
                               <a:latin typeface="Cambria Math" panose="02040503050406030204" pitchFamily="18" charset="0"/>
                               <a:ea typeface="Cambria Math" panose="02040503050406030204" pitchFamily="18" charset="0"/>
                             </a:rPr>
-                            <a:t>0.00088</a:t>
+                            <a:t>0.00116</a:t>
                           </a:r>
                           <a:endParaRPr lang="he-IL" sz="1800" dirty="0">
                             <a:latin typeface="Cambria Math" panose="02040503050406030204" pitchFamily="18" charset="0"/>
@@ -10694,7 +10791,7 @@
                               <a:latin typeface="Cambria Math" panose="02040503050406030204" pitchFamily="18" charset="0"/>
                               <a:ea typeface="Cambria Math" panose="02040503050406030204" pitchFamily="18" charset="0"/>
                             </a:rPr>
-                            <a:t>1</a:t>
+                            <a:t>0.00075</a:t>
                           </a:r>
                           <a:endParaRPr lang="he-IL" sz="1800" dirty="0">
                             <a:latin typeface="Cambria Math" panose="02040503050406030204" pitchFamily="18" charset="0"/>
@@ -10747,7 +10844,7 @@
                               <a:latin typeface="Cambria Math" panose="02040503050406030204" pitchFamily="18" charset="0"/>
                               <a:ea typeface="Cambria Math" panose="02040503050406030204" pitchFamily="18" charset="0"/>
                             </a:rPr>
-                            <a:t>6.5</a:t>
+                            <a:t>1.87</a:t>
                           </a:r>
                           <a:endParaRPr lang="he-IL" sz="1800" dirty="0">
                             <a:latin typeface="Cambria Math" panose="02040503050406030204" pitchFamily="18" charset="0"/>
@@ -10768,7 +10865,7 @@
                               <a:latin typeface="Cambria Math" panose="02040503050406030204" pitchFamily="18" charset="0"/>
                               <a:ea typeface="Cambria Math" panose="02040503050406030204" pitchFamily="18" charset="0"/>
                             </a:rPr>
-                            <a:t>6.6</a:t>
+                            <a:t>-1.1</a:t>
                           </a:r>
                           <a:endParaRPr lang="he-IL" sz="1800" dirty="0">
                             <a:latin typeface="Cambria Math" panose="02040503050406030204" pitchFamily="18" charset="0"/>
@@ -10812,7 +10909,7 @@
                               <a:latin typeface="Cambria Math" panose="02040503050406030204" pitchFamily="18" charset="0"/>
                               <a:ea typeface="Cambria Math" panose="02040503050406030204" pitchFamily="18" charset="0"/>
                             </a:rPr>
-                            <a:t>0.165</a:t>
+                            <a:t>0.413</a:t>
                           </a:r>
                           <a:endParaRPr lang="he-IL" sz="1800" dirty="0">
                             <a:latin typeface="Cambria Math" panose="02040503050406030204" pitchFamily="18" charset="0"/>
@@ -10833,7 +10930,7 @@
                               <a:latin typeface="Cambria Math" panose="02040503050406030204" pitchFamily="18" charset="0"/>
                               <a:ea typeface="Cambria Math" panose="02040503050406030204" pitchFamily="18" charset="0"/>
                             </a:rPr>
-                            <a:t>0.141</a:t>
+                            <a:t>0.382</a:t>
                           </a:r>
                           <a:endParaRPr lang="he-IL" sz="1800" dirty="0">
                             <a:latin typeface="Cambria Math" panose="02040503050406030204" pitchFamily="18" charset="0"/>
@@ -10870,7 +10967,7 @@
             </a:graphic>
           </p:graphicFrame>
         </mc:Choice>
-        <mc:Fallback xmlns="">
+        <mc:Fallback>
           <p:graphicFrame>
             <p:nvGraphicFramePr>
               <p:cNvPr id="6" name="Table 5"/>
@@ -10880,7 +10977,7 @@
               <p:nvPr>
                 <p:extLst>
                   <p:ext uri="{D42A27DB-BD31-4B8C-83A1-F6EECF244321}">
-                    <p14:modId xmlns:p14="http://schemas.microsoft.com/office/powerpoint/2010/main" val="194699424"/>
+                    <p14:modId xmlns:p14="http://schemas.microsoft.com/office/powerpoint/2010/main" val="1175918882"/>
                   </p:ext>
                 </p:extLst>
               </p:nvPr>
@@ -10910,16 +11007,16 @@
                           <a:r>
                             <a:rPr lang="en-US" sz="1800" dirty="0" smtClean="0">
                               <a:solidFill>
-                                <a:srgbClr val="E02829"/>
+                                <a:schemeClr val="tx2"/>
                               </a:solidFill>
                               <a:latin typeface="Cambria Math" panose="02040503050406030204" pitchFamily="18" charset="0"/>
                               <a:ea typeface="Cambria Math" panose="02040503050406030204" pitchFamily="18" charset="0"/>
                             </a:rPr>
-                            <a:t>Red</a:t>
+                            <a:t>MG1655</a:t>
                           </a:r>
                           <a:endParaRPr lang="he-IL" sz="1800" dirty="0">
                             <a:solidFill>
-                              <a:srgbClr val="E02829"/>
+                              <a:schemeClr val="tx2"/>
                             </a:solidFill>
                             <a:latin typeface="Cambria Math" panose="02040503050406030204" pitchFamily="18" charset="0"/>
                             <a:ea typeface="Cambria Math" panose="02040503050406030204" pitchFamily="18" charset="0"/>
@@ -10937,17 +11034,17 @@
                           <a:r>
                             <a:rPr lang="en-US" sz="1800" b="1" kern="1200" dirty="0" smtClean="0">
                               <a:solidFill>
-                                <a:srgbClr val="59A754"/>
+                                <a:schemeClr val="tx2"/>
                               </a:solidFill>
                               <a:latin typeface="Cambria Math" panose="02040503050406030204" pitchFamily="18" charset="0"/>
                               <a:ea typeface="Cambria Math" panose="02040503050406030204" pitchFamily="18" charset="0"/>
                               <a:cs typeface="+mn-cs"/>
                             </a:rPr>
-                            <a:t>Green</a:t>
+                            <a:t>DH12S</a:t>
                           </a:r>
                           <a:endParaRPr lang="he-IL" sz="1800" b="1" kern="1200" dirty="0">
                             <a:solidFill>
-                              <a:srgbClr val="59A754"/>
+                              <a:schemeClr val="tx2"/>
                             </a:solidFill>
                             <a:latin typeface="Cambria Math" panose="02040503050406030204" pitchFamily="18" charset="0"/>
                             <a:ea typeface="Cambria Math" panose="02040503050406030204" pitchFamily="18" charset="0"/>
@@ -10991,7 +11088,7 @@
                               <a:latin typeface="Cambria Math" panose="02040503050406030204" pitchFamily="18" charset="0"/>
                               <a:ea typeface="Cambria Math" panose="02040503050406030204" pitchFamily="18" charset="0"/>
                             </a:rPr>
-                            <a:t>0.0979</a:t>
+                            <a:t>0.36</a:t>
                           </a:r>
                           <a:endParaRPr lang="he-IL" sz="1800" dirty="0">
                             <a:latin typeface="Cambria Math" panose="02040503050406030204" pitchFamily="18" charset="0"/>
@@ -11012,7 +11109,7 @@
                               <a:latin typeface="Cambria Math" panose="02040503050406030204" pitchFamily="18" charset="0"/>
                               <a:ea typeface="Cambria Math" panose="02040503050406030204" pitchFamily="18" charset="0"/>
                             </a:rPr>
-                            <a:t>0.0983</a:t>
+                            <a:t>0.29</a:t>
                           </a:r>
                           <a:endParaRPr lang="he-IL" sz="1800" dirty="0">
                             <a:latin typeface="Cambria Math" panose="02040503050406030204" pitchFamily="18" charset="0"/>
@@ -11032,7 +11129,7 @@
                       </a:txBody>
                       <a:tcPr>
                         <a:blipFill rotWithShape="1">
-                          <a:blip r:embed="rId17"/>
+                          <a:blip r:embed="rId16"/>
                           <a:stretch>
                             <a:fillRect l="-111620" t="-110000" b="-525000"/>
                           </a:stretch>
@@ -11052,7 +11149,7 @@
                               <a:latin typeface="Cambria Math" panose="02040503050406030204" pitchFamily="18" charset="0"/>
                               <a:ea typeface="Cambria Math" panose="02040503050406030204" pitchFamily="18" charset="0"/>
                             </a:rPr>
-                            <a:t>1.332</a:t>
+                            <a:t>0.59</a:t>
                           </a:r>
                           <a:endParaRPr lang="he-IL" sz="1800" dirty="0">
                             <a:latin typeface="Cambria Math" panose="02040503050406030204" pitchFamily="18" charset="0"/>
@@ -11073,7 +11170,7 @@
                               <a:latin typeface="Cambria Math" panose="02040503050406030204" pitchFamily="18" charset="0"/>
                               <a:ea typeface="Cambria Math" panose="02040503050406030204" pitchFamily="18" charset="0"/>
                             </a:rPr>
-                            <a:t>1.136</a:t>
+                            <a:t>0.5</a:t>
                           </a:r>
                           <a:endParaRPr lang="he-IL" sz="1800" dirty="0">
                             <a:latin typeface="Cambria Math" panose="02040503050406030204" pitchFamily="18" charset="0"/>
@@ -11093,7 +11190,7 @@
                       </a:txBody>
                       <a:tcPr>
                         <a:blipFill rotWithShape="1">
-                          <a:blip r:embed="rId17"/>
+                          <a:blip r:embed="rId16"/>
                           <a:stretch>
                             <a:fillRect l="-111620" t="-210000" b="-425000"/>
                           </a:stretch>
@@ -11113,7 +11210,7 @@
                               <a:latin typeface="Cambria Math" panose="02040503050406030204" pitchFamily="18" charset="0"/>
                               <a:ea typeface="Cambria Math" panose="02040503050406030204" pitchFamily="18" charset="0"/>
                             </a:rPr>
-                            <a:t>171.67</a:t>
+                            <a:t>745</a:t>
                           </a:r>
                           <a:endParaRPr lang="he-IL" sz="1800" dirty="0">
                             <a:latin typeface="Cambria Math" panose="02040503050406030204" pitchFamily="18" charset="0"/>
@@ -11134,7 +11231,7 @@
                               <a:latin typeface="Cambria Math" panose="02040503050406030204" pitchFamily="18" charset="0"/>
                               <a:ea typeface="Cambria Math" panose="02040503050406030204" pitchFamily="18" charset="0"/>
                             </a:rPr>
-                            <a:t>0.174</a:t>
+                            <a:t>956</a:t>
                           </a:r>
                           <a:endParaRPr lang="he-IL" sz="1800" dirty="0">
                             <a:latin typeface="Cambria Math" panose="02040503050406030204" pitchFamily="18" charset="0"/>
@@ -11154,7 +11251,7 @@
                       </a:txBody>
                       <a:tcPr>
                         <a:blipFill rotWithShape="1">
-                          <a:blip r:embed="rId17"/>
+                          <a:blip r:embed="rId16"/>
                           <a:stretch>
                             <a:fillRect l="-111620" t="-310000" b="-325000"/>
                           </a:stretch>
@@ -11174,7 +11271,7 @@
                               <a:latin typeface="Cambria Math" panose="02040503050406030204" pitchFamily="18" charset="0"/>
                               <a:ea typeface="Cambria Math" panose="02040503050406030204" pitchFamily="18" charset="0"/>
                             </a:rPr>
-                            <a:t>0.00088</a:t>
+                            <a:t>0.00116</a:t>
                           </a:r>
                           <a:endParaRPr lang="he-IL" sz="1800" dirty="0">
                             <a:latin typeface="Cambria Math" panose="02040503050406030204" pitchFamily="18" charset="0"/>
@@ -11195,7 +11292,7 @@
                               <a:latin typeface="Cambria Math" panose="02040503050406030204" pitchFamily="18" charset="0"/>
                               <a:ea typeface="Cambria Math" panose="02040503050406030204" pitchFamily="18" charset="0"/>
                             </a:rPr>
-                            <a:t>1</a:t>
+                            <a:t>0.00075</a:t>
                           </a:r>
                           <a:endParaRPr lang="he-IL" sz="1800" dirty="0">
                             <a:latin typeface="Cambria Math" panose="02040503050406030204" pitchFamily="18" charset="0"/>
@@ -11215,7 +11312,7 @@
                       </a:txBody>
                       <a:tcPr>
                         <a:blipFill rotWithShape="1">
-                          <a:blip r:embed="rId17"/>
+                          <a:blip r:embed="rId16"/>
                           <a:stretch>
                             <a:fillRect l="-111620" t="-410000" b="-225000"/>
                           </a:stretch>
@@ -11235,7 +11332,7 @@
                               <a:latin typeface="Cambria Math" panose="02040503050406030204" pitchFamily="18" charset="0"/>
                               <a:ea typeface="Cambria Math" panose="02040503050406030204" pitchFamily="18" charset="0"/>
                             </a:rPr>
-                            <a:t>6.5</a:t>
+                            <a:t>1.87</a:t>
                           </a:r>
                           <a:endParaRPr lang="he-IL" sz="1800" dirty="0">
                             <a:latin typeface="Cambria Math" panose="02040503050406030204" pitchFamily="18" charset="0"/>
@@ -11256,7 +11353,7 @@
                               <a:latin typeface="Cambria Math" panose="02040503050406030204" pitchFamily="18" charset="0"/>
                               <a:ea typeface="Cambria Math" panose="02040503050406030204" pitchFamily="18" charset="0"/>
                             </a:rPr>
-                            <a:t>6.6</a:t>
+                            <a:t>-1.1</a:t>
                           </a:r>
                           <a:endParaRPr lang="he-IL" sz="1800" dirty="0">
                             <a:latin typeface="Cambria Math" panose="02040503050406030204" pitchFamily="18" charset="0"/>
@@ -11300,7 +11397,7 @@
                               <a:latin typeface="Cambria Math" panose="02040503050406030204" pitchFamily="18" charset="0"/>
                               <a:ea typeface="Cambria Math" panose="02040503050406030204" pitchFamily="18" charset="0"/>
                             </a:rPr>
-                            <a:t>0.165</a:t>
+                            <a:t>0.413</a:t>
                           </a:r>
                           <a:endParaRPr lang="he-IL" sz="1800" dirty="0">
                             <a:latin typeface="Cambria Math" panose="02040503050406030204" pitchFamily="18" charset="0"/>
@@ -11321,7 +11418,7 @@
                               <a:latin typeface="Cambria Math" panose="02040503050406030204" pitchFamily="18" charset="0"/>
                               <a:ea typeface="Cambria Math" panose="02040503050406030204" pitchFamily="18" charset="0"/>
                             </a:rPr>
-                            <a:t>0.141</a:t>
+                            <a:t>0.382</a:t>
                           </a:r>
                           <a:endParaRPr lang="he-IL" sz="1800" dirty="0">
                             <a:latin typeface="Cambria Math" panose="02040503050406030204" pitchFamily="18" charset="0"/>
@@ -11368,7 +11465,7 @@
           <p:nvPr/>
         </p:nvPicPr>
         <p:blipFill>
-          <a:blip r:embed="rId18">
+          <a:blip r:embed="rId17">
             <a:extLst>
               <a:ext uri="{28A0092B-C50C-407E-A947-70E740481C1C}">
                 <a14:useLocalDpi xmlns:a14="http://schemas.microsoft.com/office/drawing/2010/main" val="0"/>
@@ -11499,8 +11596,8 @@
           </a:fontRef>
         </p:style>
       </p:cxnSp>
-      <mc:AlternateContent xmlns:mc="http://schemas.openxmlformats.org/markup-compatibility/2006" xmlns:a14="http://schemas.microsoft.com/office/drawing/2010/main">
-        <mc:Choice Requires="a14">
+      <mc:AlternateContent xmlns:mc="http://schemas.openxmlformats.org/markup-compatibility/2006">
+        <mc:Choice xmlns:a14="http://schemas.microsoft.com/office/drawing/2010/main" Requires="a14">
           <p:sp>
             <p:nvSpPr>
               <p:cNvPr id="14" name="Rectangle 13"/>
@@ -11510,7 +11607,7 @@
             <p:spPr>
               <a:xfrm>
                 <a:off x="12613101" y="28885909"/>
-                <a:ext cx="3555140" cy="954107"/>
+                <a:ext cx="3356368" cy="954107"/>
               </a:xfrm>
               <a:prstGeom prst="rect">
                 <a:avLst/>
@@ -11577,10 +11674,10 @@
                         <m:t>.</m:t>
                       </m:r>
                       <m:r>
-                        <a:rPr lang="en-US" altLang="he-IL" i="1">
+                        <a:rPr lang="en-US" altLang="he-IL" b="0" i="1" smtClean="0">
                           <a:latin typeface="Cambria Math"/>
                         </a:rPr>
-                        <m:t>479</m:t>
+                        <m:t>523</m:t>
                       </m:r>
                       <m:r>
                         <a:rPr lang="en-US" altLang="he-IL" i="1">
@@ -11604,7 +11701,7 @@
                         <a:rPr lang="en-US" altLang="he-IL" i="1">
                           <a:latin typeface="Cambria Math"/>
                         </a:rPr>
-                        <m:t>0008</m:t>
+                        <m:t>001</m:t>
                       </m:r>
                     </m:oMath>
                   </m:oMathPara>
@@ -11650,16 +11747,16 @@
                         <m:t>0</m:t>
                       </m:r>
                       <m:r>
-                        <a:rPr lang="en-US" altLang="he-IL" i="1">
+                        <a:rPr lang="en-US" altLang="he-IL" b="0" i="1" smtClean="0">
                           <a:latin typeface="Cambria Math"/>
                         </a:rPr>
                         <m:t>.</m:t>
                       </m:r>
                       <m:r>
-                        <a:rPr lang="en-US" altLang="he-IL" i="1">
+                        <a:rPr lang="en-US" altLang="he-IL" b="0" i="1" smtClean="0">
                           <a:latin typeface="Cambria Math"/>
                         </a:rPr>
-                        <m:t>0777</m:t>
+                        <m:t>118</m:t>
                       </m:r>
                       <m:r>
                         <a:rPr lang="en-US" altLang="he-IL" i="1">
@@ -11680,10 +11777,10 @@
                         <m:t>.</m:t>
                       </m:r>
                       <m:r>
-                        <a:rPr lang="en-US" altLang="he-IL" i="1">
+                        <a:rPr lang="en-US" altLang="he-IL" b="0" i="1" smtClean="0">
                           <a:latin typeface="Cambria Math"/>
                         </a:rPr>
-                        <m:t>0004</m:t>
+                        <m:t>0005</m:t>
                       </m:r>
                     </m:oMath>
                   </m:oMathPara>
@@ -11695,7 +11792,7 @@
             </p:txBody>
           </p:sp>
         </mc:Choice>
-        <mc:Fallback xmlns="">
+        <mc:Fallback>
           <p:sp>
             <p:nvSpPr>
               <p:cNvPr id="14" name="Rectangle 13"/>
@@ -11707,13 +11804,13 @@
             <p:spPr>
               <a:xfrm>
                 <a:off x="12613101" y="28885909"/>
-                <a:ext cx="3555140" cy="954107"/>
+                <a:ext cx="3356368" cy="954107"/>
               </a:xfrm>
               <a:prstGeom prst="rect">
                 <a:avLst/>
               </a:prstGeom>
               <a:blipFill rotWithShape="1">
-                <a:blip r:embed="rId19"/>
+                <a:blip r:embed="rId18"/>
                 <a:stretch>
                   <a:fillRect/>
                 </a:stretch>
@@ -11880,7 +11977,7 @@
             <a:r>
               <a:rPr lang="en-US" altLang="he-IL" sz="3900" b="1" dirty="0" smtClean="0">
                 <a:solidFill>
-                  <a:srgbClr val="E02829"/>
+                  <a:srgbClr val="3B7EB5"/>
                 </a:solidFill>
                 <a:latin typeface="Calibri" pitchFamily="34" charset="0"/>
               </a:rPr>
@@ -11901,6 +11998,9 @@
             </a:r>
             <a:r>
               <a:rPr lang="en-US" sz="2500" b="1" dirty="0" smtClean="0">
+                <a:solidFill>
+                  <a:srgbClr val="3B7EB5"/>
+                </a:solidFill>
                 <a:latin typeface="Times New Roman" pitchFamily="18" charset="0"/>
               </a:rPr>
               <a:t>predict competitions </a:t>
@@ -11913,9 +12013,21 @@
             </a:r>
             <a:r>
               <a:rPr lang="en-US" sz="2500" b="1" dirty="0" smtClean="0">
+                <a:solidFill>
+                  <a:srgbClr val="3B7EB5"/>
+                </a:solidFill>
                 <a:latin typeface="Times New Roman" pitchFamily="18" charset="0"/>
               </a:rPr>
-              <a:t>estimate selection coefficients</a:t>
+              <a:t>infer  selection </a:t>
+            </a:r>
+            <a:r>
+              <a:rPr lang="en-US" sz="2500" b="1" dirty="0" smtClean="0">
+                <a:solidFill>
+                  <a:srgbClr val="3B7EB5"/>
+                </a:solidFill>
+                <a:latin typeface="Times New Roman" pitchFamily="18" charset="0"/>
+              </a:rPr>
+              <a:t>coefficients</a:t>
             </a:r>
             <a:r>
               <a:rPr lang="en-US" sz="2500" dirty="0" smtClean="0">
@@ -11925,6 +12037,9 @@
             </a:r>
             <a:r>
               <a:rPr lang="en-US" sz="2500" b="1" dirty="0" smtClean="0">
+                <a:solidFill>
+                  <a:srgbClr val="3B7EB5"/>
+                </a:solidFill>
                 <a:latin typeface="Times New Roman" pitchFamily="18" charset="0"/>
               </a:rPr>
               <a:t>experiments and models </a:t>
@@ -12058,7 +12173,7 @@
           <p:nvPr/>
         </p:nvPicPr>
         <p:blipFill>
-          <a:blip r:embed="rId20">
+          <a:blip r:embed="rId19">
             <a:extLst>
               <a:ext uri="{28A0092B-C50C-407E-A947-70E740481C1C}">
                 <a14:useLocalDpi xmlns:a14="http://schemas.microsoft.com/office/drawing/2010/main" val="0"/>
@@ -12099,7 +12214,7 @@
           <p:nvPr/>
         </p:nvPicPr>
         <p:blipFill>
-          <a:blip r:embed="rId21">
+          <a:blip r:embed="rId20">
             <a:extLst>
               <a:ext uri="{28A0092B-C50C-407E-A947-70E740481C1C}">
                 <a14:useLocalDpi xmlns:a14="http://schemas.microsoft.com/office/drawing/2010/main" val="0"/>
@@ -12163,11 +12278,11 @@
           <p:nvPr/>
         </p:nvPicPr>
         <p:blipFill>
-          <a:blip r:embed="rId22">
+          <a:blip r:embed="rId21">
             <a:extLst>
               <a:ext uri="{BEBA8EAE-BF5A-486C-A8C5-ECC9F3942E4B}">
                 <a14:imgProps xmlns:a14="http://schemas.microsoft.com/office/drawing/2010/main">
-                  <a14:imgLayer r:embed="rId23">
+                  <a14:imgLayer r:embed="rId22">
                     <a14:imgEffect>
                       <a14:backgroundRemoval t="0" b="100000" l="0" r="100000"/>
                     </a14:imgEffect>
@@ -12213,7 +12328,7 @@
           <p:nvPr/>
         </p:nvPicPr>
         <p:blipFill>
-          <a:blip r:embed="rId24">
+          <a:blip r:embed="rId23">
             <a:extLst>
               <a:ext uri="{28A0092B-C50C-407E-A947-70E740481C1C}">
                 <a14:useLocalDpi xmlns:a14="http://schemas.microsoft.com/office/drawing/2010/main" val="0"/>
@@ -12478,7 +12593,7 @@
             <p:nvPr/>
           </p:nvPicPr>
           <p:blipFill>
-            <a:blip r:embed="rId25">
+            <a:blip r:embed="rId24">
               <a:extLst>
                 <a:ext uri="{28A0092B-C50C-407E-A947-70E740481C1C}">
                   <a14:useLocalDpi xmlns:a14="http://schemas.microsoft.com/office/drawing/2010/main" val="0"/>
@@ -12551,7 +12666,7 @@
           <p:nvPr/>
         </p:nvPicPr>
         <p:blipFill rotWithShape="1">
-          <a:blip r:embed="rId26">
+          <a:blip r:embed="rId25">
             <a:extLst>
               <a:ext uri="{28A0092B-C50C-407E-A947-70E740481C1C}">
                 <a14:useLocalDpi xmlns:a14="http://schemas.microsoft.com/office/drawing/2010/main" val="0"/>
@@ -12672,88 +12787,6 @@
           </a:p>
         </p:txBody>
       </p:sp>
-      <p:pic>
-        <p:nvPicPr>
-          <p:cNvPr id="11" name="Picture 3" descr="D:\university\presentations\GRC 2015\all_curves.png"/>
-          <p:cNvPicPr>
-            <a:picLocks noChangeAspect="1" noChangeArrowheads="1"/>
-          </p:cNvPicPr>
-          <p:nvPr/>
-        </p:nvPicPr>
-        <p:blipFill>
-          <a:blip r:embed="rId27">
-            <a:extLst>
-              <a:ext uri="{28A0092B-C50C-407E-A947-70E740481C1C}">
-                <a14:useLocalDpi xmlns:a14="http://schemas.microsoft.com/office/drawing/2010/main" val="0"/>
-              </a:ext>
-            </a:extLst>
-          </a:blip>
-          <a:srcRect/>
-          <a:stretch>
-            <a:fillRect/>
-          </a:stretch>
-        </p:blipFill>
-        <p:spPr bwMode="auto">
-          <a:xfrm>
-            <a:off x="1630800" y="16364855"/>
-            <a:ext cx="7748588" cy="5157788"/>
-          </a:xfrm>
-          <a:prstGeom prst="rect">
-            <a:avLst/>
-          </a:prstGeom>
-          <a:noFill/>
-          <a:extLst>
-            <a:ext uri="{909E8E84-426E-40DD-AFC4-6F175D3DCCD1}">
-              <a14:hiddenFill xmlns:a14="http://schemas.microsoft.com/office/drawing/2010/main">
-                <a:solidFill>
-                  <a:srgbClr val="FFFFFF"/>
-                </a:solidFill>
-              </a14:hiddenFill>
-            </a:ext>
-          </a:extLst>
-        </p:spPr>
-      </p:pic>
-      <p:pic>
-        <p:nvPicPr>
-          <p:cNvPr id="1029" name="Picture 5" descr="D:\university\presentations\GRC 2015\competition.png"/>
-          <p:cNvPicPr>
-            <a:picLocks noChangeAspect="1" noChangeArrowheads="1"/>
-          </p:cNvPicPr>
-          <p:nvPr/>
-        </p:nvPicPr>
-        <p:blipFill>
-          <a:blip r:embed="rId28">
-            <a:extLst>
-              <a:ext uri="{28A0092B-C50C-407E-A947-70E740481C1C}">
-                <a14:useLocalDpi xmlns:a14="http://schemas.microsoft.com/office/drawing/2010/main" val="0"/>
-              </a:ext>
-            </a:extLst>
-          </a:blip>
-          <a:srcRect/>
-          <a:stretch>
-            <a:fillRect/>
-          </a:stretch>
-        </p:blipFill>
-        <p:spPr bwMode="auto">
-          <a:xfrm>
-            <a:off x="11304000" y="12636000"/>
-            <a:ext cx="7748588" cy="5310188"/>
-          </a:xfrm>
-          <a:prstGeom prst="rect">
-            <a:avLst/>
-          </a:prstGeom>
-          <a:noFill/>
-          <a:extLst>
-            <a:ext uri="{909E8E84-426E-40DD-AFC4-6F175D3DCCD1}">
-              <a14:hiddenFill xmlns:a14="http://schemas.microsoft.com/office/drawing/2010/main">
-                <a:solidFill>
-                  <a:srgbClr val="FFFFFF"/>
-                </a:solidFill>
-              </a14:hiddenFill>
-            </a:ext>
-          </a:extLst>
-        </p:spPr>
-      </p:pic>
       <p:sp>
         <p:nvSpPr>
           <p:cNvPr id="31" name="Rectangle 30"/>
@@ -12899,7 +12932,7 @@
           <p:nvPr/>
         </p:nvPicPr>
         <p:blipFill>
-          <a:blip r:embed="rId29">
+          <a:blip r:embed="rId26">
             <a:extLst>
               <a:ext uri="{28A0092B-C50C-407E-A947-70E740481C1C}">
                 <a14:useLocalDpi xmlns:a14="http://schemas.microsoft.com/office/drawing/2010/main" val="0"/>
@@ -13074,6 +13107,129 @@
           </a:p>
         </p:txBody>
       </p:sp>
+      <p:pic>
+        <p:nvPicPr>
+          <p:cNvPr id="14345" name="Picture 5" descr="D:\university\presentations\GRC 2015\model_fits_poster.png"/>
+          <p:cNvPicPr>
+            <a:picLocks noChangeAspect="1" noChangeArrowheads="1"/>
+          </p:cNvPicPr>
+          <p:nvPr/>
+        </p:nvPicPr>
+        <p:blipFill>
+          <a:blip r:embed="rId27">
+            <a:extLst>
+              <a:ext uri="{28A0092B-C50C-407E-A947-70E740481C1C}">
+                <a14:useLocalDpi xmlns:a14="http://schemas.microsoft.com/office/drawing/2010/main" val="0"/>
+              </a:ext>
+            </a:extLst>
+          </a:blip>
+          <a:srcRect/>
+          <a:stretch>
+            <a:fillRect/>
+          </a:stretch>
+        </p:blipFill>
+        <p:spPr bwMode="auto">
+          <a:xfrm>
+            <a:off x="1630800" y="25887600"/>
+            <a:ext cx="7748588" cy="5297487"/>
+          </a:xfrm>
+          <a:prstGeom prst="rect">
+            <a:avLst/>
+          </a:prstGeom>
+          <a:noFill/>
+          <a:extLst>
+            <a:ext uri="{909E8E84-426E-40DD-AFC4-6F175D3DCCD1}">
+              <a14:hiddenFill xmlns:a14="http://schemas.microsoft.com/office/drawing/2010/main">
+                <a:solidFill>
+                  <a:srgbClr val="FFFFFF"/>
+                </a:solidFill>
+              </a14:hiddenFill>
+            </a:ext>
+          </a:extLst>
+        </p:spPr>
+      </p:pic>
+      <p:pic>
+        <p:nvPicPr>
+          <p:cNvPr id="1031" name="Picture 7" descr="D:\university\presentations\GRC 2015\competition_poster.png"/>
+          <p:cNvPicPr>
+            <a:picLocks noChangeAspect="1" noChangeArrowheads="1"/>
+          </p:cNvPicPr>
+          <p:nvPr/>
+        </p:nvPicPr>
+        <p:blipFill>
+          <a:blip r:embed="rId28">
+            <a:extLst>
+              <a:ext uri="{28A0092B-C50C-407E-A947-70E740481C1C}">
+                <a14:useLocalDpi xmlns:a14="http://schemas.microsoft.com/office/drawing/2010/main" val="0"/>
+              </a:ext>
+            </a:extLst>
+          </a:blip>
+          <a:srcRect/>
+          <a:stretch>
+            <a:fillRect/>
+          </a:stretch>
+        </p:blipFill>
+        <p:spPr bwMode="auto">
+          <a:xfrm>
+            <a:off x="11304000" y="12636000"/>
+            <a:ext cx="7748588" cy="5310187"/>
+          </a:xfrm>
+          <a:prstGeom prst="rect">
+            <a:avLst/>
+          </a:prstGeom>
+          <a:noFill/>
+          <a:extLst>
+            <a:ext uri="{909E8E84-426E-40DD-AFC4-6F175D3DCCD1}">
+              <a14:hiddenFill xmlns:a14="http://schemas.microsoft.com/office/drawing/2010/main">
+                <a:solidFill>
+                  <a:srgbClr val="FFFFFF"/>
+                </a:solidFill>
+              </a14:hiddenFill>
+            </a:ext>
+          </a:extLst>
+        </p:spPr>
+      </p:pic>
+      <p:pic>
+        <p:nvPicPr>
+          <p:cNvPr id="1035" name="Picture 11" descr="D:\university\presentations\GRC 2015\all_curves_poster.png"/>
+          <p:cNvPicPr>
+            <a:picLocks noChangeAspect="1" noChangeArrowheads="1"/>
+          </p:cNvPicPr>
+          <p:nvPr/>
+        </p:nvPicPr>
+        <p:blipFill>
+          <a:blip r:embed="rId29">
+            <a:extLst>
+              <a:ext uri="{28A0092B-C50C-407E-A947-70E740481C1C}">
+                <a14:useLocalDpi xmlns:a14="http://schemas.microsoft.com/office/drawing/2010/main" val="0"/>
+              </a:ext>
+            </a:extLst>
+          </a:blip>
+          <a:srcRect/>
+          <a:stretch>
+            <a:fillRect/>
+          </a:stretch>
+        </p:blipFill>
+        <p:spPr bwMode="auto">
+          <a:xfrm>
+            <a:off x="1630800" y="15982139"/>
+            <a:ext cx="7583487" cy="5157788"/>
+          </a:xfrm>
+          <a:prstGeom prst="rect">
+            <a:avLst/>
+          </a:prstGeom>
+          <a:noFill/>
+          <a:extLst>
+            <a:ext uri="{909E8E84-426E-40DD-AFC4-6F175D3DCCD1}">
+              <a14:hiddenFill xmlns:a14="http://schemas.microsoft.com/office/drawing/2010/main">
+                <a:solidFill>
+                  <a:srgbClr val="FFFFFF"/>
+                </a:solidFill>
+              </a14:hiddenFill>
+            </a:ext>
+          </a:extLst>
+        </p:spPr>
+      </p:pic>
     </p:spTree>
   </p:cSld>
   <p:clrMapOvr>

--- a/poster.pptx
+++ b/poster.pptx
@@ -254,7 +254,7 @@
             <a:fld id="{4DB31F7E-24C3-4F74-B155-4FAB7B65A36F}" type="datetime1">
               <a:rPr lang="en-US" altLang="he-IL"/>
               <a:pPr/>
-              <a:t>6/21/2015</a:t>
+              <a:t>6/22/2015</a:t>
             </a:fld>
             <a:endParaRPr lang="en-US" altLang="he-IL"/>
           </a:p>
@@ -4428,13 +4428,7 @@
                   <a:rPr lang="en-US" altLang="he-IL" sz="2500" dirty="0" smtClean="0">
                     <a:latin typeface="Times New Roman" pitchFamily="18" charset="0"/>
                   </a:rPr>
-                  <a:t> the frequency of the </a:t>
-                </a:r>
-                <a:r>
-                  <a:rPr lang="en-US" altLang="he-IL" sz="2500" dirty="0" smtClean="0">
-                    <a:latin typeface="Times New Roman" pitchFamily="18" charset="0"/>
-                  </a:rPr>
-                  <a:t>advantageous strain </a:t>
+                  <a:t> the frequency of the advantageous strain </a:t>
                 </a:r>
                 <a14:m>
                   <m:oMath xmlns:m="http://schemas.openxmlformats.org/officeDocument/2006/math">
@@ -4757,16 +4751,7 @@
                     </a:solidFill>
                     <a:latin typeface="Times New Roman" pitchFamily="18" charset="0"/>
                   </a:rPr>
-                  <a:t>selection </a:t>
-                </a:r>
-                <a:r>
-                  <a:rPr lang="en-US" altLang="he-IL" sz="2500" dirty="0" smtClean="0">
-                    <a:solidFill>
-                      <a:srgbClr val="3B7EB5"/>
-                    </a:solidFill>
-                    <a:latin typeface="Times New Roman" pitchFamily="18" charset="0"/>
-                  </a:rPr>
-                  <a:t>coefficient </a:t>
+                  <a:t>selection coefficient </a:t>
                 </a:r>
                 <a:r>
                   <a:rPr lang="en-US" altLang="he-IL" sz="2500" dirty="0" smtClean="0">
@@ -4774,9 +4759,6 @@
                   </a:rPr>
                   <a:t>of the advantageous strain.</a:t>
                 </a:r>
-                <a:endParaRPr lang="en-US" altLang="he-IL" sz="2500" dirty="0" smtClean="0">
-                  <a:latin typeface="Times New Roman" pitchFamily="18" charset="0"/>
-                </a:endParaRPr>
               </a:p>
               <a:p>
                 <a:pPr indent="180000" eaLnBrk="1" hangingPunct="1">
@@ -4825,19 +4807,7 @@
                   <a:rPr lang="en-US" altLang="he-IL" sz="2500" dirty="0" smtClean="0">
                     <a:latin typeface="Times New Roman" pitchFamily="18" charset="0"/>
                   </a:rPr>
-                  <a:t>We fit the above  equation to the frequency of the </a:t>
-                </a:r>
-                <a:r>
-                  <a:rPr lang="en-US" altLang="he-IL" sz="2500" dirty="0" smtClean="0">
-                    <a:latin typeface="Times New Roman" pitchFamily="18" charset="0"/>
-                  </a:rPr>
-                  <a:t>advantageous strain </a:t>
-                </a:r>
-                <a:r>
-                  <a:rPr lang="en-US" altLang="he-IL" sz="2500" dirty="0" smtClean="0">
-                    <a:latin typeface="Times New Roman" pitchFamily="18" charset="0"/>
-                  </a:rPr>
-                  <a:t>in the competition simulation. </a:t>
+                  <a:t>We fit the above  equation to the frequency of the advantageous strain in the competition simulation. </a:t>
                 </a:r>
               </a:p>
               <a:p>
@@ -5140,7 +5110,7 @@
       </mc:AlternateContent>
       <p:pic>
         <p:nvPicPr>
-          <p:cNvPr id="1034" name="Picture 10" descr="D:\university\presentations\GRC 2015\frequency_fit_poster.png"/>
+          <p:cNvPr id="1029" name="Picture 5" descr="D:\university\presentations\GRC 2015\frequency_fit_poster.png"/>
           <p:cNvPicPr>
             <a:picLocks noChangeAspect="1" noChangeArrowheads="1"/>
           </p:cNvPicPr>
@@ -5162,7 +5132,7 @@
         <p:spPr bwMode="auto">
           <a:xfrm>
             <a:off x="11304000" y="28623600"/>
-            <a:ext cx="7748587" cy="5297487"/>
+            <a:ext cx="7748588" cy="5297488"/>
           </a:xfrm>
           <a:prstGeom prst="rect">
             <a:avLst/>
@@ -5179,8 +5149,8 @@
           </a:extLst>
         </p:spPr>
       </p:pic>
-      <mc:AlternateContent xmlns:mc="http://schemas.openxmlformats.org/markup-compatibility/2006">
-        <mc:Choice xmlns:a14="http://schemas.microsoft.com/office/drawing/2010/main" Requires="a14">
+      <mc:AlternateContent xmlns:mc="http://schemas.openxmlformats.org/markup-compatibility/2006" xmlns:a14="http://schemas.microsoft.com/office/drawing/2010/main">
+        <mc:Choice Requires="a14">
           <p:sp>
             <p:nvSpPr>
               <p:cNvPr id="14340" name="Text Box 11"/>
@@ -5413,16 +5383,7 @@
                     </a:solidFill>
                     <a:latin typeface="Times New Roman"/>
                   </a:rPr>
-                  <a:t>E</a:t>
-                </a:r>
-                <a:r>
-                  <a:rPr lang="en-US" sz="2500" i="1" dirty="0" smtClean="0">
-                    <a:solidFill>
-                      <a:srgbClr val="000000"/>
-                    </a:solidFill>
-                    <a:latin typeface="Times New Roman"/>
-                  </a:rPr>
-                  <a:t>. coli </a:t>
+                  <a:t>E. coli </a:t>
                 </a:r>
                 <a:r>
                   <a:rPr lang="en-US" sz="2500" dirty="0" smtClean="0">
@@ -6217,7 +6178,7 @@
             </p:txBody>
           </p:sp>
         </mc:Choice>
-        <mc:Fallback>
+        <mc:Fallback xmlns="">
           <p:sp>
             <p:nvSpPr>
               <p:cNvPr id="14340" name="Text Box 11"/>
@@ -8003,8 +7964,8 @@
           </a:p>
         </p:txBody>
       </p:sp>
-      <mc:AlternateContent xmlns:mc="http://schemas.openxmlformats.org/markup-compatibility/2006">
-        <mc:Choice xmlns:a14="http://schemas.microsoft.com/office/drawing/2010/main" Requires="a14">
+      <mc:AlternateContent xmlns:mc="http://schemas.openxmlformats.org/markup-compatibility/2006" xmlns:a14="http://schemas.microsoft.com/office/drawing/2010/main">
+        <mc:Choice Requires="a14">
           <p:sp>
             <p:nvSpPr>
               <p:cNvPr id="14342" name="Text Box 12"/>
@@ -8672,7 +8633,7 @@
             </p:txBody>
           </p:sp>
         </mc:Choice>
-        <mc:Fallback>
+        <mc:Fallback xmlns="">
           <p:sp>
             <p:nvSpPr>
               <p:cNvPr id="14342" name="Text Box 12"/>
@@ -10416,7 +10377,7 @@
               <p:nvPr>
                 <p:extLst>
                   <p:ext uri="{D42A27DB-BD31-4B8C-83A1-F6EECF244321}">
-                    <p14:modId xmlns:p14="http://schemas.microsoft.com/office/powerpoint/2010/main" val="1175918882"/>
+                    <p14:modId xmlns:p14="http://schemas.microsoft.com/office/powerpoint/2010/main" val="2459022874"/>
                   </p:ext>
                 </p:extLst>
               </p:nvPr>
@@ -10527,7 +10488,7 @@
                               <a:latin typeface="Cambria Math" panose="02040503050406030204" pitchFamily="18" charset="0"/>
                               <a:ea typeface="Cambria Math" panose="02040503050406030204" pitchFamily="18" charset="0"/>
                             </a:rPr>
-                            <a:t>0.36</a:t>
+                            <a:t>0.185</a:t>
                           </a:r>
                           <a:endParaRPr lang="he-IL" sz="1800" dirty="0">
                             <a:latin typeface="Cambria Math" panose="02040503050406030204" pitchFamily="18" charset="0"/>
@@ -10548,7 +10509,7 @@
                               <a:latin typeface="Cambria Math" panose="02040503050406030204" pitchFamily="18" charset="0"/>
                               <a:ea typeface="Cambria Math" panose="02040503050406030204" pitchFamily="18" charset="0"/>
                             </a:rPr>
-                            <a:t>0.29</a:t>
+                            <a:t>0.183</a:t>
                           </a:r>
                           <a:endParaRPr lang="he-IL" sz="1800" dirty="0">
                             <a:latin typeface="Cambria Math" panose="02040503050406030204" pitchFamily="18" charset="0"/>
@@ -10696,7 +10657,7 @@
                               <a:latin typeface="Cambria Math" panose="02040503050406030204" pitchFamily="18" charset="0"/>
                               <a:ea typeface="Cambria Math" panose="02040503050406030204" pitchFamily="18" charset="0"/>
                             </a:rPr>
-                            <a:t>745</a:t>
+                            <a:t>0.39</a:t>
                           </a:r>
                           <a:endParaRPr lang="he-IL" sz="1800" dirty="0">
                             <a:latin typeface="Cambria Math" panose="02040503050406030204" pitchFamily="18" charset="0"/>
@@ -10717,7 +10678,7 @@
                               <a:latin typeface="Cambria Math" panose="02040503050406030204" pitchFamily="18" charset="0"/>
                               <a:ea typeface="Cambria Math" panose="02040503050406030204" pitchFamily="18" charset="0"/>
                             </a:rPr>
-                            <a:t>956</a:t>
+                            <a:t>0.86</a:t>
                           </a:r>
                           <a:endParaRPr lang="he-IL" sz="1800" dirty="0">
                             <a:latin typeface="Cambria Math" panose="02040503050406030204" pitchFamily="18" charset="0"/>
@@ -10770,7 +10731,7 @@
                               <a:latin typeface="Cambria Math" panose="02040503050406030204" pitchFamily="18" charset="0"/>
                               <a:ea typeface="Cambria Math" panose="02040503050406030204" pitchFamily="18" charset="0"/>
                             </a:rPr>
-                            <a:t>0.00116</a:t>
+                            <a:t>2.97</a:t>
                           </a:r>
                           <a:endParaRPr lang="he-IL" sz="1800" dirty="0">
                             <a:latin typeface="Cambria Math" panose="02040503050406030204" pitchFamily="18" charset="0"/>
@@ -10791,7 +10752,7 @@
                               <a:latin typeface="Cambria Math" panose="02040503050406030204" pitchFamily="18" charset="0"/>
                               <a:ea typeface="Cambria Math" panose="02040503050406030204" pitchFamily="18" charset="0"/>
                             </a:rPr>
-                            <a:t>0.00075</a:t>
+                            <a:t>1</a:t>
                           </a:r>
                           <a:endParaRPr lang="he-IL" sz="1800" dirty="0">
                             <a:latin typeface="Cambria Math" panose="02040503050406030204" pitchFamily="18" charset="0"/>
@@ -10844,7 +10805,7 @@
                               <a:latin typeface="Cambria Math" panose="02040503050406030204" pitchFamily="18" charset="0"/>
                               <a:ea typeface="Cambria Math" panose="02040503050406030204" pitchFamily="18" charset="0"/>
                             </a:rPr>
-                            <a:t>1.87</a:t>
+                            <a:t>0.18</a:t>
                           </a:r>
                           <a:endParaRPr lang="he-IL" sz="1800" dirty="0">
                             <a:latin typeface="Cambria Math" panose="02040503050406030204" pitchFamily="18" charset="0"/>
@@ -10865,7 +10826,7 @@
                               <a:latin typeface="Cambria Math" panose="02040503050406030204" pitchFamily="18" charset="0"/>
                               <a:ea typeface="Cambria Math" panose="02040503050406030204" pitchFamily="18" charset="0"/>
                             </a:rPr>
-                            <a:t>-1.1</a:t>
+                            <a:t>0.4</a:t>
                           </a:r>
                           <a:endParaRPr lang="he-IL" sz="1800" dirty="0">
                             <a:latin typeface="Cambria Math" panose="02040503050406030204" pitchFamily="18" charset="0"/>
@@ -10909,7 +10870,7 @@
                               <a:latin typeface="Cambria Math" panose="02040503050406030204" pitchFamily="18" charset="0"/>
                               <a:ea typeface="Cambria Math" panose="02040503050406030204" pitchFamily="18" charset="0"/>
                             </a:rPr>
-                            <a:t>0.413</a:t>
+                            <a:t>0.38</a:t>
                           </a:r>
                           <a:endParaRPr lang="he-IL" sz="1800" dirty="0">
                             <a:latin typeface="Cambria Math" panose="02040503050406030204" pitchFamily="18" charset="0"/>
@@ -10930,7 +10891,7 @@
                               <a:latin typeface="Cambria Math" panose="02040503050406030204" pitchFamily="18" charset="0"/>
                               <a:ea typeface="Cambria Math" panose="02040503050406030204" pitchFamily="18" charset="0"/>
                             </a:rPr>
-                            <a:t>0.382</a:t>
+                            <a:t>0.27</a:t>
                           </a:r>
                           <a:endParaRPr lang="he-IL" sz="1800" dirty="0">
                             <a:latin typeface="Cambria Math" panose="02040503050406030204" pitchFamily="18" charset="0"/>
@@ -10977,7 +10938,7 @@
               <p:nvPr>
                 <p:extLst>
                   <p:ext uri="{D42A27DB-BD31-4B8C-83A1-F6EECF244321}">
-                    <p14:modId xmlns:p14="http://schemas.microsoft.com/office/powerpoint/2010/main" val="1175918882"/>
+                    <p14:modId xmlns:p14="http://schemas.microsoft.com/office/powerpoint/2010/main" val="2459022874"/>
                   </p:ext>
                 </p:extLst>
               </p:nvPr>
@@ -11088,7 +11049,7 @@
                               <a:latin typeface="Cambria Math" panose="02040503050406030204" pitchFamily="18" charset="0"/>
                               <a:ea typeface="Cambria Math" panose="02040503050406030204" pitchFamily="18" charset="0"/>
                             </a:rPr>
-                            <a:t>0.36</a:t>
+                            <a:t>0.185</a:t>
                           </a:r>
                           <a:endParaRPr lang="he-IL" sz="1800" dirty="0">
                             <a:latin typeface="Cambria Math" panose="02040503050406030204" pitchFamily="18" charset="0"/>
@@ -11109,7 +11070,7 @@
                               <a:latin typeface="Cambria Math" panose="02040503050406030204" pitchFamily="18" charset="0"/>
                               <a:ea typeface="Cambria Math" panose="02040503050406030204" pitchFamily="18" charset="0"/>
                             </a:rPr>
-                            <a:t>0.29</a:t>
+                            <a:t>0.183</a:t>
                           </a:r>
                           <a:endParaRPr lang="he-IL" sz="1800" dirty="0">
                             <a:latin typeface="Cambria Math" panose="02040503050406030204" pitchFamily="18" charset="0"/>
@@ -11210,7 +11171,7 @@
                               <a:latin typeface="Cambria Math" panose="02040503050406030204" pitchFamily="18" charset="0"/>
                               <a:ea typeface="Cambria Math" panose="02040503050406030204" pitchFamily="18" charset="0"/>
                             </a:rPr>
-                            <a:t>745</a:t>
+                            <a:t>0.39</a:t>
                           </a:r>
                           <a:endParaRPr lang="he-IL" sz="1800" dirty="0">
                             <a:latin typeface="Cambria Math" panose="02040503050406030204" pitchFamily="18" charset="0"/>
@@ -11231,7 +11192,7 @@
                               <a:latin typeface="Cambria Math" panose="02040503050406030204" pitchFamily="18" charset="0"/>
                               <a:ea typeface="Cambria Math" panose="02040503050406030204" pitchFamily="18" charset="0"/>
                             </a:rPr>
-                            <a:t>956</a:t>
+                            <a:t>0.86</a:t>
                           </a:r>
                           <a:endParaRPr lang="he-IL" sz="1800" dirty="0">
                             <a:latin typeface="Cambria Math" panose="02040503050406030204" pitchFamily="18" charset="0"/>
@@ -11271,7 +11232,7 @@
                               <a:latin typeface="Cambria Math" panose="02040503050406030204" pitchFamily="18" charset="0"/>
                               <a:ea typeface="Cambria Math" panose="02040503050406030204" pitchFamily="18" charset="0"/>
                             </a:rPr>
-                            <a:t>0.00116</a:t>
+                            <a:t>2.97</a:t>
                           </a:r>
                           <a:endParaRPr lang="he-IL" sz="1800" dirty="0">
                             <a:latin typeface="Cambria Math" panose="02040503050406030204" pitchFamily="18" charset="0"/>
@@ -11292,7 +11253,7 @@
                               <a:latin typeface="Cambria Math" panose="02040503050406030204" pitchFamily="18" charset="0"/>
                               <a:ea typeface="Cambria Math" panose="02040503050406030204" pitchFamily="18" charset="0"/>
                             </a:rPr>
-                            <a:t>0.00075</a:t>
+                            <a:t>1</a:t>
                           </a:r>
                           <a:endParaRPr lang="he-IL" sz="1800" dirty="0">
                             <a:latin typeface="Cambria Math" panose="02040503050406030204" pitchFamily="18" charset="0"/>
@@ -11332,7 +11293,7 @@
                               <a:latin typeface="Cambria Math" panose="02040503050406030204" pitchFamily="18" charset="0"/>
                               <a:ea typeface="Cambria Math" panose="02040503050406030204" pitchFamily="18" charset="0"/>
                             </a:rPr>
-                            <a:t>1.87</a:t>
+                            <a:t>0.18</a:t>
                           </a:r>
                           <a:endParaRPr lang="he-IL" sz="1800" dirty="0">
                             <a:latin typeface="Cambria Math" panose="02040503050406030204" pitchFamily="18" charset="0"/>
@@ -11353,7 +11314,7 @@
                               <a:latin typeface="Cambria Math" panose="02040503050406030204" pitchFamily="18" charset="0"/>
                               <a:ea typeface="Cambria Math" panose="02040503050406030204" pitchFamily="18" charset="0"/>
                             </a:rPr>
-                            <a:t>-1.1</a:t>
+                            <a:t>0.4</a:t>
                           </a:r>
                           <a:endParaRPr lang="he-IL" sz="1800" dirty="0">
                             <a:latin typeface="Cambria Math" panose="02040503050406030204" pitchFamily="18" charset="0"/>
@@ -11397,7 +11358,7 @@
                               <a:latin typeface="Cambria Math" panose="02040503050406030204" pitchFamily="18" charset="0"/>
                               <a:ea typeface="Cambria Math" panose="02040503050406030204" pitchFamily="18" charset="0"/>
                             </a:rPr>
-                            <a:t>0.413</a:t>
+                            <a:t>0.38</a:t>
                           </a:r>
                           <a:endParaRPr lang="he-IL" sz="1800" dirty="0">
                             <a:latin typeface="Cambria Math" panose="02040503050406030204" pitchFamily="18" charset="0"/>
@@ -11418,7 +11379,7 @@
                               <a:latin typeface="Cambria Math" panose="02040503050406030204" pitchFamily="18" charset="0"/>
                               <a:ea typeface="Cambria Math" panose="02040503050406030204" pitchFamily="18" charset="0"/>
                             </a:rPr>
-                            <a:t>0.382</a:t>
+                            <a:t>0.27</a:t>
                           </a:r>
                           <a:endParaRPr lang="he-IL" sz="1800" dirty="0">
                             <a:latin typeface="Cambria Math" panose="02040503050406030204" pitchFamily="18" charset="0"/>
@@ -11606,7 +11567,7 @@
             </p:nvSpPr>
             <p:spPr>
               <a:xfrm>
-                <a:off x="12613101" y="28885909"/>
+                <a:off x="12613101" y="28646428"/>
                 <a:ext cx="3356368" cy="954107"/>
               </a:xfrm>
               <a:prstGeom prst="rect">
@@ -11677,7 +11638,7 @@
                         <a:rPr lang="en-US" altLang="he-IL" b="0" i="1" smtClean="0">
                           <a:latin typeface="Cambria Math"/>
                         </a:rPr>
-                        <m:t>523</m:t>
+                        <m:t>489</m:t>
                       </m:r>
                       <m:r>
                         <a:rPr lang="en-US" altLang="he-IL" i="1">
@@ -11756,7 +11717,7 @@
                         <a:rPr lang="en-US" altLang="he-IL" b="0" i="1" smtClean="0">
                           <a:latin typeface="Cambria Math"/>
                         </a:rPr>
-                        <m:t>118</m:t>
+                        <m:t>134</m:t>
                       </m:r>
                       <m:r>
                         <a:rPr lang="en-US" altLang="he-IL" i="1">
@@ -11780,7 +11741,13 @@
                         <a:rPr lang="en-US" altLang="he-IL" b="0" i="1" smtClean="0">
                           <a:latin typeface="Cambria Math"/>
                         </a:rPr>
-                        <m:t>0005</m:t>
+                        <m:t>000</m:t>
+                      </m:r>
+                      <m:r>
+                        <a:rPr lang="en-US" altLang="he-IL" b="0" i="1" smtClean="0">
+                          <a:latin typeface="Cambria Math"/>
+                        </a:rPr>
+                        <m:t>6</m:t>
                       </m:r>
                     </m:oMath>
                   </m:oMathPara>
@@ -11803,7 +11770,7 @@
             </p:nvSpPr>
             <p:spPr>
               <a:xfrm>
-                <a:off x="12613101" y="28885909"/>
+                <a:off x="12613101" y="28646428"/>
                 <a:ext cx="3356368" cy="954107"/>
               </a:xfrm>
               <a:prstGeom prst="rect">
@@ -12018,16 +11985,7 @@
                 </a:solidFill>
                 <a:latin typeface="Times New Roman" pitchFamily="18" charset="0"/>
               </a:rPr>
-              <a:t>infer  selection </a:t>
-            </a:r>
-            <a:r>
-              <a:rPr lang="en-US" sz="2500" b="1" dirty="0" smtClean="0">
-                <a:solidFill>
-                  <a:srgbClr val="3B7EB5"/>
-                </a:solidFill>
-                <a:latin typeface="Times New Roman" pitchFamily="18" charset="0"/>
-              </a:rPr>
-              <a:t>coefficients</a:t>
+              <a:t>infer  selection coefficients</a:t>
             </a:r>
             <a:r>
               <a:rPr lang="en-US" sz="2500" dirty="0" smtClean="0">
@@ -13109,7 +13067,7 @@
       </p:sp>
       <p:pic>
         <p:nvPicPr>
-          <p:cNvPr id="14345" name="Picture 5" descr="D:\university\presentations\GRC 2015\model_fits_poster.png"/>
+          <p:cNvPr id="11" name="Picture 2" descr="D:\university\presentations\GRC 2015\all_curves_poster.png"/>
           <p:cNvPicPr>
             <a:picLocks noChangeAspect="1" noChangeArrowheads="1"/>
           </p:cNvPicPr>
@@ -13130,8 +13088,8 @@
         </p:blipFill>
         <p:spPr bwMode="auto">
           <a:xfrm>
-            <a:off x="1630800" y="25887600"/>
-            <a:ext cx="7748588" cy="5297487"/>
+            <a:off x="1630800" y="15984000"/>
+            <a:ext cx="7748588" cy="5310188"/>
           </a:xfrm>
           <a:prstGeom prst="rect">
             <a:avLst/>
@@ -13150,7 +13108,7 @@
       </p:pic>
       <p:pic>
         <p:nvPicPr>
-          <p:cNvPr id="1031" name="Picture 7" descr="D:\university\presentations\GRC 2015\competition_poster.png"/>
+          <p:cNvPr id="16" name="Picture 4" descr="D:\university\presentations\GRC 2015\competition_poster.png"/>
           <p:cNvPicPr>
             <a:picLocks noChangeAspect="1" noChangeArrowheads="1"/>
           </p:cNvPicPr>
@@ -13172,7 +13130,7 @@
         <p:spPr bwMode="auto">
           <a:xfrm>
             <a:off x="11304000" y="12636000"/>
-            <a:ext cx="7748588" cy="5310187"/>
+            <a:ext cx="7748588" cy="5310188"/>
           </a:xfrm>
           <a:prstGeom prst="rect">
             <a:avLst/>
@@ -13191,7 +13149,7 @@
       </p:pic>
       <p:pic>
         <p:nvPicPr>
-          <p:cNvPr id="1035" name="Picture 11" descr="D:\university\presentations\GRC 2015\all_curves_poster.png"/>
+          <p:cNvPr id="25" name="Picture 6" descr="D:\university\presentations\GRC 2015\model_fits_poster.png"/>
           <p:cNvPicPr>
             <a:picLocks noChangeAspect="1" noChangeArrowheads="1"/>
           </p:cNvPicPr>
@@ -13212,8 +13170,8 @@
         </p:blipFill>
         <p:spPr bwMode="auto">
           <a:xfrm>
-            <a:off x="1630800" y="15982139"/>
-            <a:ext cx="7583487" cy="5157788"/>
+            <a:off x="1630800" y="25887600"/>
+            <a:ext cx="7748588" cy="5310188"/>
           </a:xfrm>
           <a:prstGeom prst="rect">
             <a:avLst/>
